--- a/Images/Figures_PPT/Jitter_Plot_Raptor_All.pptx
+++ b/Images/Figures_PPT/Jitter_Plot_Raptor_All.pptx
@@ -2359,7 +2359,7 @@
           </p:nvSpPr>
           <p:spPr>
             <a:xfrm>
-              <a:off x="1459435" y="2797360"/>
+              <a:off x="1459435" y="2797365"/>
               <a:ext cx="2796732" cy="0"/>
             </a:xfrm>
             <a:custGeom>
@@ -2402,7 +2402,7 @@
           </p:nvSpPr>
           <p:spPr>
             <a:xfrm>
-              <a:off x="1459435" y="2312563"/>
+              <a:off x="1459435" y="2312561"/>
               <a:ext cx="2796732" cy="0"/>
             </a:xfrm>
             <a:custGeom>
@@ -2445,7 +2445,7 @@
           </p:nvSpPr>
           <p:spPr>
             <a:xfrm>
-              <a:off x="1459435" y="1827765"/>
+              <a:off x="1459435" y="1827758"/>
               <a:ext cx="2796732" cy="0"/>
             </a:xfrm>
             <a:custGeom>
@@ -2488,7 +2488,7 @@
           </p:nvSpPr>
           <p:spPr>
             <a:xfrm>
-              <a:off x="1459435" y="3039759"/>
+              <a:off x="1459435" y="3039766"/>
               <a:ext cx="2796732" cy="0"/>
             </a:xfrm>
             <a:custGeom>
@@ -2531,7 +2531,7 @@
           </p:nvSpPr>
           <p:spPr>
             <a:xfrm>
-              <a:off x="1459435" y="2554961"/>
+              <a:off x="1459435" y="2554963"/>
               <a:ext cx="2796732" cy="0"/>
             </a:xfrm>
             <a:custGeom>
@@ -2574,7 +2574,7 @@
           </p:nvSpPr>
           <p:spPr>
             <a:xfrm>
-              <a:off x="1459435" y="2070164"/>
+              <a:off x="1459435" y="2070160"/>
               <a:ext cx="2796732" cy="0"/>
             </a:xfrm>
             <a:custGeom>
@@ -2617,7 +2617,7 @@
           </p:nvSpPr>
           <p:spPr>
             <a:xfrm>
-              <a:off x="1459435" y="1585367"/>
+              <a:off x="1459435" y="1585357"/>
               <a:ext cx="2796732" cy="0"/>
             </a:xfrm>
             <a:custGeom>
@@ -2789,7 +2789,7 @@
           </p:nvSpPr>
           <p:spPr>
             <a:xfrm>
-              <a:off x="3385640" y="2848480"/>
+              <a:off x="3760838" y="2848453"/>
               <a:ext cx="63202" cy="63202"/>
             </a:xfrm>
             <a:custGeom>
@@ -2832,7 +2832,7 @@
           </p:nvSpPr>
           <p:spPr>
             <a:xfrm>
-              <a:off x="2069360" y="2805119"/>
+              <a:off x="2225535" y="2805121"/>
               <a:ext cx="63202" cy="63202"/>
             </a:xfrm>
             <a:custGeom>
@@ -2875,7 +2875,7 @@
           </p:nvSpPr>
           <p:spPr>
             <a:xfrm>
-              <a:off x="2280519" y="2692211"/>
+              <a:off x="1672366" y="2692208"/>
               <a:ext cx="63202" cy="63202"/>
             </a:xfrm>
             <a:custGeom>
@@ -2918,7 +2918,7 @@
           </p:nvSpPr>
           <p:spPr>
             <a:xfrm>
-              <a:off x="2839972" y="2900964"/>
+              <a:off x="2561539" y="2900985"/>
               <a:ext cx="63202" cy="63202"/>
             </a:xfrm>
             <a:custGeom>
@@ -2961,7 +2961,7 @@
           </p:nvSpPr>
           <p:spPr>
             <a:xfrm>
-              <a:off x="2208902" y="2856038"/>
+              <a:off x="2221070" y="2856021"/>
               <a:ext cx="63202" cy="63202"/>
             </a:xfrm>
             <a:custGeom>
@@ -3004,7 +3004,7 @@
           </p:nvSpPr>
           <p:spPr>
             <a:xfrm>
-              <a:off x="2762813" y="2900257"/>
+              <a:off x="2537720" y="2900263"/>
               <a:ext cx="63202" cy="63202"/>
             </a:xfrm>
             <a:custGeom>
@@ -3103,7 +3103,7 @@
           </p:nvSpPr>
           <p:spPr>
             <a:xfrm>
-              <a:off x="1459435" y="4722692"/>
+              <a:off x="1459435" y="4722697"/>
               <a:ext cx="2796732" cy="0"/>
             </a:xfrm>
             <a:custGeom>
@@ -3146,7 +3146,7 @@
           </p:nvSpPr>
           <p:spPr>
             <a:xfrm>
-              <a:off x="1459435" y="4237895"/>
+              <a:off x="1459435" y="4237894"/>
               <a:ext cx="2796732" cy="0"/>
             </a:xfrm>
             <a:custGeom>
@@ -3189,7 +3189,7 @@
           </p:nvSpPr>
           <p:spPr>
             <a:xfrm>
-              <a:off x="1459435" y="3753098"/>
+              <a:off x="1459435" y="3753091"/>
               <a:ext cx="2796732" cy="0"/>
             </a:xfrm>
             <a:custGeom>
@@ -3232,7 +3232,7 @@
           </p:nvSpPr>
           <p:spPr>
             <a:xfrm>
-              <a:off x="1459435" y="4965091"/>
+              <a:off x="1459435" y="4965099"/>
               <a:ext cx="2796732" cy="0"/>
             </a:xfrm>
             <a:custGeom>
@@ -3275,7 +3275,7 @@
           </p:nvSpPr>
           <p:spPr>
             <a:xfrm>
-              <a:off x="1459435" y="4480294"/>
+              <a:off x="1459435" y="4480296"/>
               <a:ext cx="2796732" cy="0"/>
             </a:xfrm>
             <a:custGeom>
@@ -3318,7 +3318,7 @@
           </p:nvSpPr>
           <p:spPr>
             <a:xfrm>
-              <a:off x="1459435" y="3995497"/>
+              <a:off x="1459435" y="3995492"/>
               <a:ext cx="2796732" cy="0"/>
             </a:xfrm>
             <a:custGeom>
@@ -3361,7 +3361,7 @@
           </p:nvSpPr>
           <p:spPr>
             <a:xfrm>
-              <a:off x="1459435" y="3510699"/>
+              <a:off x="1459435" y="3510689"/>
               <a:ext cx="2796732" cy="0"/>
             </a:xfrm>
             <a:custGeom>
@@ -3533,7 +3533,7 @@
           </p:nvSpPr>
           <p:spPr>
             <a:xfrm>
-              <a:off x="2053217" y="4513172"/>
+              <a:off x="1714953" y="4513179"/>
               <a:ext cx="63202" cy="63202"/>
             </a:xfrm>
             <a:custGeom>
@@ -3576,7 +3576,7 @@
           </p:nvSpPr>
           <p:spPr>
             <a:xfrm>
-              <a:off x="1940169" y="4687667"/>
+              <a:off x="2073241" y="4687638"/>
               <a:ext cx="63202" cy="63202"/>
             </a:xfrm>
             <a:custGeom>
@@ -3619,7 +3619,7 @@
           </p:nvSpPr>
           <p:spPr>
             <a:xfrm>
-              <a:off x="1647357" y="4513175"/>
+              <a:off x="1620178" y="4513184"/>
               <a:ext cx="63202" cy="63202"/>
             </a:xfrm>
             <a:custGeom>
@@ -3662,7 +3662,7 @@
           </p:nvSpPr>
           <p:spPr>
             <a:xfrm>
-              <a:off x="1687842" y="4612456"/>
+              <a:off x="2205558" y="4612454"/>
               <a:ext cx="63202" cy="63202"/>
             </a:xfrm>
             <a:custGeom>
@@ -3705,7 +3705,7 @@
           </p:nvSpPr>
           <p:spPr>
             <a:xfrm>
-              <a:off x="1922628" y="4562718"/>
+              <a:off x="1854279" y="4562705"/>
               <a:ext cx="63202" cy="63202"/>
             </a:xfrm>
             <a:custGeom>
@@ -3748,7 +3748,7 @@
           </p:nvSpPr>
           <p:spPr>
             <a:xfrm>
-              <a:off x="2810951" y="4843357"/>
+              <a:off x="2787464" y="4843390"/>
               <a:ext cx="63202" cy="63202"/>
             </a:xfrm>
             <a:custGeom>
@@ -3791,7 +3791,7 @@
           </p:nvSpPr>
           <p:spPr>
             <a:xfrm>
-              <a:off x="1916043" y="4612084"/>
+              <a:off x="1634638" y="4612078"/>
               <a:ext cx="63202" cy="63202"/>
             </a:xfrm>
             <a:custGeom>
@@ -3834,7 +3834,7 @@
           </p:nvSpPr>
           <p:spPr>
             <a:xfrm>
-              <a:off x="2091479" y="4638926"/>
+              <a:off x="2297562" y="4638924"/>
               <a:ext cx="63202" cy="63202"/>
             </a:xfrm>
             <a:custGeom>
@@ -3877,7 +3877,7 @@
           </p:nvSpPr>
           <p:spPr>
             <a:xfrm>
-              <a:off x="1972412" y="4697190"/>
+              <a:off x="1814630" y="4697204"/>
               <a:ext cx="63202" cy="63202"/>
             </a:xfrm>
             <a:custGeom>
@@ -3920,7 +3920,7 @@
           </p:nvSpPr>
           <p:spPr>
             <a:xfrm>
-              <a:off x="2574659" y="4802927"/>
+              <a:off x="2767504" y="4802955"/>
               <a:ext cx="63202" cy="63202"/>
             </a:xfrm>
             <a:custGeom>
@@ -3963,7 +3963,7 @@
           </p:nvSpPr>
           <p:spPr>
             <a:xfrm>
-              <a:off x="2626646" y="4778654"/>
+              <a:off x="2575632" y="4778651"/>
               <a:ext cx="63202" cy="63202"/>
             </a:xfrm>
             <a:custGeom>
@@ -4006,7 +4006,7 @@
           </p:nvSpPr>
           <p:spPr>
             <a:xfrm>
-              <a:off x="1733663" y="4733906"/>
+              <a:off x="1918117" y="4733900"/>
               <a:ext cx="63202" cy="63202"/>
             </a:xfrm>
             <a:custGeom>
@@ -4049,7 +4049,7 @@
           </p:nvSpPr>
           <p:spPr>
             <a:xfrm>
-              <a:off x="1899289" y="4642907"/>
+              <a:off x="1956576" y="4642894"/>
               <a:ext cx="63202" cy="63202"/>
             </a:xfrm>
             <a:custGeom>
@@ -4092,7 +4092,7 @@
           </p:nvSpPr>
           <p:spPr>
             <a:xfrm>
-              <a:off x="2527819" y="4790055"/>
+              <a:off x="2993063" y="4790037"/>
               <a:ext cx="63202" cy="63202"/>
             </a:xfrm>
             <a:custGeom>
@@ -4135,7 +4135,7 @@
           </p:nvSpPr>
           <p:spPr>
             <a:xfrm>
-              <a:off x="2825382" y="4823052"/>
+              <a:off x="2881982" y="4823051"/>
               <a:ext cx="63202" cy="63202"/>
             </a:xfrm>
             <a:custGeom>
@@ -4178,7 +4178,7 @@
           </p:nvSpPr>
           <p:spPr>
             <a:xfrm>
-              <a:off x="2142069" y="4396656"/>
+              <a:off x="2197698" y="4396668"/>
               <a:ext cx="63202" cy="63202"/>
             </a:xfrm>
             <a:custGeom>
@@ -4221,7 +4221,7 @@
           </p:nvSpPr>
           <p:spPr>
             <a:xfrm>
-              <a:off x="1756211" y="4764740"/>
+              <a:off x="1799883" y="4764743"/>
               <a:ext cx="63202" cy="63202"/>
             </a:xfrm>
             <a:custGeom>
@@ -4264,7 +4264,7 @@
           </p:nvSpPr>
           <p:spPr>
             <a:xfrm>
-              <a:off x="1908620" y="4416242"/>
+              <a:off x="2138999" y="4416268"/>
               <a:ext cx="63202" cy="63202"/>
             </a:xfrm>
             <a:custGeom>
@@ -4307,7 +4307,7 @@
           </p:nvSpPr>
           <p:spPr>
             <a:xfrm>
-              <a:off x="2221511" y="4673398"/>
+              <a:off x="1694902" y="4673416"/>
               <a:ext cx="63202" cy="63202"/>
             </a:xfrm>
             <a:custGeom>
@@ -4350,7 +4350,7 @@
           </p:nvSpPr>
           <p:spPr>
             <a:xfrm>
-              <a:off x="1933634" y="4712569"/>
+              <a:off x="1695558" y="4712589"/>
               <a:ext cx="63202" cy="63202"/>
             </a:xfrm>
             <a:custGeom>
@@ -4393,7 +4393,7 @@
           </p:nvSpPr>
           <p:spPr>
             <a:xfrm>
-              <a:off x="1727764" y="4695803"/>
+              <a:off x="1838094" y="4695780"/>
               <a:ext cx="63202" cy="63202"/>
             </a:xfrm>
             <a:custGeom>
@@ -4436,7 +4436,7 @@
           </p:nvSpPr>
           <p:spPr>
             <a:xfrm>
-              <a:off x="2823540" y="4835040"/>
+              <a:off x="2792670" y="4835027"/>
               <a:ext cx="63202" cy="63202"/>
             </a:xfrm>
             <a:custGeom>
@@ -4535,7 +4535,7 @@
           </p:nvSpPr>
           <p:spPr>
             <a:xfrm>
-              <a:off x="1459435" y="6648025"/>
+              <a:off x="1459435" y="6648030"/>
               <a:ext cx="2796732" cy="0"/>
             </a:xfrm>
             <a:custGeom>
@@ -4578,7 +4578,7 @@
           </p:nvSpPr>
           <p:spPr>
             <a:xfrm>
-              <a:off x="1459435" y="6163228"/>
+              <a:off x="1459435" y="6163227"/>
               <a:ext cx="2796732" cy="0"/>
             </a:xfrm>
             <a:custGeom>
@@ -4621,7 +4621,7 @@
           </p:nvSpPr>
           <p:spPr>
             <a:xfrm>
-              <a:off x="1459435" y="5678431"/>
+              <a:off x="1459435" y="5678424"/>
               <a:ext cx="2796732" cy="0"/>
             </a:xfrm>
             <a:custGeom>
@@ -4664,7 +4664,7 @@
           </p:nvSpPr>
           <p:spPr>
             <a:xfrm>
-              <a:off x="1459435" y="6890424"/>
+              <a:off x="1459435" y="6890431"/>
               <a:ext cx="2796732" cy="0"/>
             </a:xfrm>
             <a:custGeom>
@@ -4707,7 +4707,7 @@
           </p:nvSpPr>
           <p:spPr>
             <a:xfrm>
-              <a:off x="1459435" y="6405626"/>
+              <a:off x="1459435" y="6405628"/>
               <a:ext cx="2796732" cy="0"/>
             </a:xfrm>
             <a:custGeom>
@@ -4750,7 +4750,7 @@
           </p:nvSpPr>
           <p:spPr>
             <a:xfrm>
-              <a:off x="1459435" y="5920829"/>
+              <a:off x="1459435" y="5920825"/>
               <a:ext cx="2796732" cy="0"/>
             </a:xfrm>
             <a:custGeom>
@@ -4793,7 +4793,7 @@
           </p:nvSpPr>
           <p:spPr>
             <a:xfrm>
-              <a:off x="1459435" y="5436032"/>
+              <a:off x="1459435" y="5436022"/>
               <a:ext cx="2796732" cy="0"/>
             </a:xfrm>
             <a:custGeom>
@@ -4965,7 +4965,7 @@
           </p:nvSpPr>
           <p:spPr>
             <a:xfrm>
-              <a:off x="1956151" y="6201045"/>
+              <a:off x="1925630" y="6201059"/>
               <a:ext cx="63202" cy="63202"/>
             </a:xfrm>
             <a:custGeom>
@@ -5008,7 +5008,7 @@
           </p:nvSpPr>
           <p:spPr>
             <a:xfrm>
-              <a:off x="2259644" y="6198563"/>
+              <a:off x="1697858" y="6198564"/>
               <a:ext cx="63202" cy="63202"/>
             </a:xfrm>
             <a:custGeom>
@@ -5051,7 +5051,7 @@
           </p:nvSpPr>
           <p:spPr>
             <a:xfrm>
-              <a:off x="2036780" y="6197170"/>
+              <a:off x="2271078" y="6197154"/>
               <a:ext cx="63202" cy="63202"/>
             </a:xfrm>
             <a:custGeom>
@@ -5094,7 +5094,7 @@
           </p:nvSpPr>
           <p:spPr>
             <a:xfrm>
-              <a:off x="2013786" y="6287400"/>
+              <a:off x="2088748" y="6287399"/>
               <a:ext cx="63202" cy="63202"/>
             </a:xfrm>
             <a:custGeom>
@@ -5137,7 +5137,7 @@
           </p:nvSpPr>
           <p:spPr>
             <a:xfrm>
-              <a:off x="2023316" y="6353747"/>
+              <a:off x="1831814" y="6353762"/>
               <a:ext cx="63202" cy="63202"/>
             </a:xfrm>
             <a:custGeom>
@@ -5180,7 +5180,7 @@
           </p:nvSpPr>
           <p:spPr>
             <a:xfrm>
-              <a:off x="1969991" y="6321125"/>
+              <a:off x="1930213" y="6321120"/>
               <a:ext cx="63202" cy="63202"/>
             </a:xfrm>
             <a:custGeom>
@@ -5223,7 +5223,7 @@
           </p:nvSpPr>
           <p:spPr>
             <a:xfrm>
-              <a:off x="2028265" y="6273389"/>
+              <a:off x="2296277" y="6273371"/>
               <a:ext cx="63202" cy="63202"/>
             </a:xfrm>
             <a:custGeom>
@@ -5266,7 +5266,7 @@
           </p:nvSpPr>
           <p:spPr>
             <a:xfrm>
-              <a:off x="1998724" y="6260477"/>
+              <a:off x="2280341" y="6260472"/>
               <a:ext cx="63202" cy="63202"/>
             </a:xfrm>
             <a:custGeom>
@@ -5309,7 +5309,7 @@
           </p:nvSpPr>
           <p:spPr>
             <a:xfrm>
-              <a:off x="1878555" y="6400395"/>
+              <a:off x="1895195" y="6400414"/>
               <a:ext cx="63202" cy="63202"/>
             </a:xfrm>
             <a:custGeom>
@@ -5352,7 +5352,7 @@
           </p:nvSpPr>
           <p:spPr>
             <a:xfrm>
-              <a:off x="1951121" y="6272939"/>
+              <a:off x="1876484" y="6272940"/>
               <a:ext cx="63202" cy="63202"/>
             </a:xfrm>
             <a:custGeom>
@@ -5395,7 +5395,7 @@
           </p:nvSpPr>
           <p:spPr>
             <a:xfrm>
-              <a:off x="2073709" y="6340853"/>
+              <a:off x="2006852" y="6340850"/>
               <a:ext cx="63202" cy="63202"/>
             </a:xfrm>
             <a:custGeom>
@@ -5438,7 +5438,7 @@
           </p:nvSpPr>
           <p:spPr>
             <a:xfrm>
-              <a:off x="1632697" y="6362862"/>
+              <a:off x="1653807" y="6362867"/>
               <a:ext cx="63202" cy="63202"/>
             </a:xfrm>
             <a:custGeom>
@@ -5481,7 +5481,7 @@
           </p:nvSpPr>
           <p:spPr>
             <a:xfrm>
-              <a:off x="1676474" y="6264426"/>
+              <a:off x="1694332" y="6264416"/>
               <a:ext cx="63202" cy="63202"/>
             </a:xfrm>
             <a:custGeom>
@@ -5524,7 +5524,7 @@
           </p:nvSpPr>
           <p:spPr>
             <a:xfrm>
-              <a:off x="1857487" y="6314189"/>
+              <a:off x="1756880" y="6314203"/>
               <a:ext cx="63202" cy="63202"/>
             </a:xfrm>
             <a:custGeom>
@@ -5567,7 +5567,7 @@
           </p:nvSpPr>
           <p:spPr>
             <a:xfrm>
-              <a:off x="1990087" y="6375331"/>
+              <a:off x="2040618" y="6375320"/>
               <a:ext cx="63202" cy="63202"/>
             </a:xfrm>
             <a:custGeom>
@@ -5610,7 +5610,7 @@
           </p:nvSpPr>
           <p:spPr>
             <a:xfrm>
-              <a:off x="1782228" y="6323567"/>
+              <a:off x="2130104" y="6323542"/>
               <a:ext cx="63202" cy="63202"/>
             </a:xfrm>
             <a:custGeom>
@@ -5653,7 +5653,7 @@
           </p:nvSpPr>
           <p:spPr>
             <a:xfrm>
-              <a:off x="1788567" y="6272325"/>
+              <a:off x="1877854" y="6272309"/>
               <a:ext cx="63202" cy="63202"/>
             </a:xfrm>
             <a:custGeom>
@@ -5696,7 +5696,7 @@
           </p:nvSpPr>
           <p:spPr>
             <a:xfrm>
-              <a:off x="2063830" y="6318914"/>
+              <a:off x="2211797" y="6318916"/>
               <a:ext cx="63202" cy="63202"/>
             </a:xfrm>
             <a:custGeom>
@@ -5739,7 +5739,7 @@
           </p:nvSpPr>
           <p:spPr>
             <a:xfrm>
-              <a:off x="2065343" y="6599704"/>
+              <a:off x="1611206" y="6599711"/>
               <a:ext cx="63202" cy="63202"/>
             </a:xfrm>
             <a:custGeom>
@@ -5782,7 +5782,7 @@
           </p:nvSpPr>
           <p:spPr>
             <a:xfrm>
-              <a:off x="1733809" y="6322599"/>
+              <a:off x="2111795" y="6322590"/>
               <a:ext cx="63202" cy="63202"/>
             </a:xfrm>
             <a:custGeom>
@@ -5825,7 +5825,7 @@
           </p:nvSpPr>
           <p:spPr>
             <a:xfrm>
-              <a:off x="1781909" y="6345998"/>
+              <a:off x="1644148" y="6345997"/>
               <a:ext cx="63202" cy="63202"/>
             </a:xfrm>
             <a:custGeom>
@@ -5868,7 +5868,7 @@
           </p:nvSpPr>
           <p:spPr>
             <a:xfrm>
-              <a:off x="2102694" y="6345764"/>
+              <a:off x="2214117" y="6345781"/>
               <a:ext cx="63202" cy="63202"/>
             </a:xfrm>
             <a:custGeom>
@@ -5911,7 +5911,7 @@
           </p:nvSpPr>
           <p:spPr>
             <a:xfrm>
-              <a:off x="1634583" y="6254589"/>
+              <a:off x="2061868" y="6254583"/>
               <a:ext cx="63202" cy="63202"/>
             </a:xfrm>
             <a:custGeom>
@@ -5954,7 +5954,7 @@
           </p:nvSpPr>
           <p:spPr>
             <a:xfrm>
-              <a:off x="2009937" y="6242801"/>
+              <a:off x="2045470" y="6242803"/>
               <a:ext cx="63202" cy="63202"/>
             </a:xfrm>
             <a:custGeom>
@@ -5997,7 +5997,7 @@
           </p:nvSpPr>
           <p:spPr>
             <a:xfrm>
-              <a:off x="1807015" y="6567860"/>
+              <a:off x="2228392" y="6567861"/>
               <a:ext cx="63202" cy="63202"/>
             </a:xfrm>
             <a:custGeom>
@@ -6040,7 +6040,7 @@
           </p:nvSpPr>
           <p:spPr>
             <a:xfrm>
-              <a:off x="2281286" y="6620310"/>
+              <a:off x="2211334" y="6620289"/>
               <a:ext cx="63202" cy="63202"/>
             </a:xfrm>
             <a:custGeom>
@@ -6083,7 +6083,7 @@
           </p:nvSpPr>
           <p:spPr>
             <a:xfrm>
-              <a:off x="2048809" y="6686535"/>
+              <a:off x="1735588" y="6686529"/>
               <a:ext cx="63202" cy="63202"/>
             </a:xfrm>
             <a:custGeom>
@@ -6126,7 +6126,7 @@
           </p:nvSpPr>
           <p:spPr>
             <a:xfrm>
-              <a:off x="2235781" y="6349659"/>
+              <a:off x="1714469" y="6349642"/>
               <a:ext cx="63202" cy="63202"/>
             </a:xfrm>
             <a:custGeom>
@@ -6169,7 +6169,7 @@
           </p:nvSpPr>
           <p:spPr>
             <a:xfrm>
-              <a:off x="2218819" y="6329716"/>
+              <a:off x="1756863" y="6329698"/>
               <a:ext cx="63202" cy="63202"/>
             </a:xfrm>
             <a:custGeom>
@@ -6212,7 +6212,7 @@
           </p:nvSpPr>
           <p:spPr>
             <a:xfrm>
-              <a:off x="2107380" y="6265520"/>
+              <a:off x="1640710" y="6265520"/>
               <a:ext cx="63202" cy="63202"/>
             </a:xfrm>
             <a:custGeom>
@@ -6255,7 +6255,7 @@
           </p:nvSpPr>
           <p:spPr>
             <a:xfrm>
-              <a:off x="2046358" y="6261738"/>
+              <a:off x="2161001" y="6261729"/>
               <a:ext cx="63202" cy="63202"/>
             </a:xfrm>
             <a:custGeom>
@@ -6298,7 +6298,7 @@
           </p:nvSpPr>
           <p:spPr>
             <a:xfrm>
-              <a:off x="1959584" y="6372995"/>
+              <a:off x="1638346" y="6373016"/>
               <a:ext cx="63202" cy="63202"/>
             </a:xfrm>
             <a:custGeom>
@@ -6341,7 +6341,7 @@
           </p:nvSpPr>
           <p:spPr>
             <a:xfrm>
-              <a:off x="2129513" y="6376946"/>
+              <a:off x="1788910" y="6376938"/>
               <a:ext cx="63202" cy="63202"/>
             </a:xfrm>
             <a:custGeom>
@@ -6384,7 +6384,7 @@
           </p:nvSpPr>
           <p:spPr>
             <a:xfrm>
-              <a:off x="1676675" y="6333992"/>
+              <a:off x="2277556" y="6333993"/>
               <a:ext cx="63202" cy="63202"/>
             </a:xfrm>
             <a:custGeom>
@@ -6427,7 +6427,7 @@
           </p:nvSpPr>
           <p:spPr>
             <a:xfrm>
-              <a:off x="2139073" y="6334436"/>
+              <a:off x="2211331" y="6334425"/>
               <a:ext cx="63202" cy="63202"/>
             </a:xfrm>
             <a:custGeom>
@@ -6470,7 +6470,7 @@
           </p:nvSpPr>
           <p:spPr>
             <a:xfrm>
-              <a:off x="1673657" y="6424637"/>
+              <a:off x="1786354" y="6424644"/>
               <a:ext cx="63202" cy="63202"/>
             </a:xfrm>
             <a:custGeom>
@@ -6513,7 +6513,7 @@
           </p:nvSpPr>
           <p:spPr>
             <a:xfrm>
-              <a:off x="2000709" y="6705570"/>
+              <a:off x="2017326" y="6705579"/>
               <a:ext cx="63202" cy="63202"/>
             </a:xfrm>
             <a:custGeom>
@@ -6556,7 +6556,7 @@
           </p:nvSpPr>
           <p:spPr>
             <a:xfrm>
-              <a:off x="2114693" y="6419967"/>
+              <a:off x="2101113" y="6419988"/>
               <a:ext cx="63202" cy="63202"/>
             </a:xfrm>
             <a:custGeom>
@@ -6599,7 +6599,7 @@
           </p:nvSpPr>
           <p:spPr>
             <a:xfrm>
-              <a:off x="2231050" y="6531448"/>
+              <a:off x="2046030" y="6531454"/>
               <a:ext cx="63202" cy="63202"/>
             </a:xfrm>
             <a:custGeom>
@@ -6642,7 +6642,7 @@
           </p:nvSpPr>
           <p:spPr>
             <a:xfrm>
-              <a:off x="2141912" y="6229172"/>
+              <a:off x="2243125" y="6229160"/>
               <a:ext cx="63202" cy="63202"/>
             </a:xfrm>
             <a:custGeom>
@@ -6685,7 +6685,7 @@
           </p:nvSpPr>
           <p:spPr>
             <a:xfrm>
-              <a:off x="2156005" y="6316094"/>
+              <a:off x="1892190" y="6316108"/>
               <a:ext cx="63202" cy="63202"/>
             </a:xfrm>
             <a:custGeom>
@@ -6728,7 +6728,7 @@
           </p:nvSpPr>
           <p:spPr>
             <a:xfrm>
-              <a:off x="2142919" y="6372732"/>
+              <a:off x="1726888" y="6372732"/>
               <a:ext cx="63202" cy="63202"/>
             </a:xfrm>
             <a:custGeom>
@@ -6771,7 +6771,7 @@
           </p:nvSpPr>
           <p:spPr>
             <a:xfrm>
-              <a:off x="2145915" y="6322596"/>
+              <a:off x="2119653" y="6322599"/>
               <a:ext cx="63202" cy="63202"/>
             </a:xfrm>
             <a:custGeom>
@@ -6814,7 +6814,7 @@
           </p:nvSpPr>
           <p:spPr>
             <a:xfrm>
-              <a:off x="2015634" y="6200950"/>
+              <a:off x="1638443" y="6200934"/>
               <a:ext cx="63202" cy="63202"/>
             </a:xfrm>
             <a:custGeom>
@@ -6857,7 +6857,7 @@
           </p:nvSpPr>
           <p:spPr>
             <a:xfrm>
-              <a:off x="1746111" y="6550189"/>
+              <a:off x="1686223" y="6550210"/>
               <a:ext cx="63202" cy="63202"/>
             </a:xfrm>
             <a:custGeom>
@@ -6900,7 +6900,7 @@
           </p:nvSpPr>
           <p:spPr>
             <a:xfrm>
-              <a:off x="2110647" y="6348047"/>
+              <a:off x="1766393" y="6348043"/>
               <a:ext cx="63202" cy="63202"/>
             </a:xfrm>
             <a:custGeom>
@@ -6943,7 +6943,7 @@
           </p:nvSpPr>
           <p:spPr>
             <a:xfrm>
-              <a:off x="2068871" y="6377122"/>
+              <a:off x="2105529" y="6377117"/>
               <a:ext cx="63202" cy="63202"/>
             </a:xfrm>
             <a:custGeom>
@@ -6986,7 +6986,7 @@
           </p:nvSpPr>
           <p:spPr>
             <a:xfrm>
-              <a:off x="2028260" y="6194024"/>
+              <a:off x="1699720" y="6194009"/>
               <a:ext cx="63202" cy="63202"/>
             </a:xfrm>
             <a:custGeom>
@@ -7029,7 +7029,7 @@
           </p:nvSpPr>
           <p:spPr>
             <a:xfrm>
-              <a:off x="1614413" y="6525383"/>
+              <a:off x="1840900" y="6525384"/>
               <a:ext cx="63202" cy="63202"/>
             </a:xfrm>
             <a:custGeom>
@@ -7072,7 +7072,7 @@
           </p:nvSpPr>
           <p:spPr>
             <a:xfrm>
-              <a:off x="2260556" y="6322404"/>
+              <a:off x="2296042" y="6322399"/>
               <a:ext cx="63202" cy="63202"/>
             </a:xfrm>
             <a:custGeom>
@@ -7115,7 +7115,7 @@
           </p:nvSpPr>
           <p:spPr>
             <a:xfrm>
-              <a:off x="3081858" y="6552318"/>
+              <a:off x="3052945" y="6552328"/>
               <a:ext cx="63202" cy="63202"/>
             </a:xfrm>
             <a:custGeom>
@@ -7158,7 +7158,7 @@
           </p:nvSpPr>
           <p:spPr>
             <a:xfrm>
-              <a:off x="2225119" y="6229907"/>
+              <a:off x="2296621" y="6229885"/>
               <a:ext cx="63202" cy="63202"/>
             </a:xfrm>
             <a:custGeom>
@@ -7201,7 +7201,7 @@
           </p:nvSpPr>
           <p:spPr>
             <a:xfrm>
-              <a:off x="2108209" y="6363853"/>
+              <a:off x="1775043" y="6363860"/>
               <a:ext cx="63202" cy="63202"/>
             </a:xfrm>
             <a:custGeom>
@@ -7244,7 +7244,7 @@
           </p:nvSpPr>
           <p:spPr>
             <a:xfrm>
-              <a:off x="2077957" y="6244808"/>
+              <a:off x="2240201" y="6244843"/>
               <a:ext cx="63202" cy="63202"/>
             </a:xfrm>
             <a:custGeom>
@@ -7287,7 +7287,7 @@
           </p:nvSpPr>
           <p:spPr>
             <a:xfrm>
-              <a:off x="1679430" y="6316091"/>
+              <a:off x="1935534" y="6316090"/>
               <a:ext cx="63202" cy="63202"/>
             </a:xfrm>
             <a:custGeom>
@@ -7330,7 +7330,7 @@
           </p:nvSpPr>
           <p:spPr>
             <a:xfrm>
-              <a:off x="2679946" y="6738966"/>
+              <a:off x="2772215" y="6738999"/>
               <a:ext cx="63202" cy="63202"/>
             </a:xfrm>
             <a:custGeom>
@@ -7373,7 +7373,7 @@
           </p:nvSpPr>
           <p:spPr>
             <a:xfrm>
-              <a:off x="1794263" y="6198058"/>
+              <a:off x="1777237" y="6198044"/>
               <a:ext cx="63202" cy="63202"/>
             </a:xfrm>
             <a:custGeom>
@@ -7416,7 +7416,7 @@
           </p:nvSpPr>
           <p:spPr>
             <a:xfrm>
-              <a:off x="2088703" y="6197770"/>
+              <a:off x="2210476" y="6197743"/>
               <a:ext cx="63202" cy="63202"/>
             </a:xfrm>
             <a:custGeom>
@@ -7459,7 +7459,7 @@
           </p:nvSpPr>
           <p:spPr>
             <a:xfrm>
-              <a:off x="1845711" y="6198736"/>
+              <a:off x="2060275" y="6198703"/>
               <a:ext cx="63202" cy="63202"/>
             </a:xfrm>
             <a:custGeom>
@@ -7502,7 +7502,7 @@
           </p:nvSpPr>
           <p:spPr>
             <a:xfrm>
-              <a:off x="2190469" y="6198367"/>
+              <a:off x="2203558" y="6198397"/>
               <a:ext cx="63202" cy="63202"/>
             </a:xfrm>
             <a:custGeom>
@@ -7545,7 +7545,7 @@
           </p:nvSpPr>
           <p:spPr>
             <a:xfrm>
-              <a:off x="1801429" y="6197139"/>
+              <a:off x="2228059" y="6197137"/>
               <a:ext cx="63202" cy="63202"/>
             </a:xfrm>
             <a:custGeom>
@@ -7588,7 +7588,7 @@
           </p:nvSpPr>
           <p:spPr>
             <a:xfrm>
-              <a:off x="1872151" y="6429087"/>
+              <a:off x="1652954" y="6429091"/>
               <a:ext cx="63202" cy="63202"/>
             </a:xfrm>
             <a:custGeom>
@@ -7631,7 +7631,7 @@
           </p:nvSpPr>
           <p:spPr>
             <a:xfrm>
-              <a:off x="1616556" y="6281713"/>
+              <a:off x="1788938" y="6281701"/>
               <a:ext cx="63202" cy="63202"/>
             </a:xfrm>
             <a:custGeom>
@@ -7674,7 +7674,7 @@
           </p:nvSpPr>
           <p:spPr>
             <a:xfrm>
-              <a:off x="1723820" y="6685213"/>
+              <a:off x="2051616" y="6685239"/>
               <a:ext cx="63202" cy="63202"/>
             </a:xfrm>
             <a:custGeom>
@@ -7717,7 +7717,7 @@
           </p:nvSpPr>
           <p:spPr>
             <a:xfrm>
-              <a:off x="2508679" y="6738978"/>
+              <a:off x="3098733" y="6738980"/>
               <a:ext cx="63202" cy="63202"/>
             </a:xfrm>
             <a:custGeom>
@@ -7760,7 +7760,7 @@
           </p:nvSpPr>
           <p:spPr>
             <a:xfrm>
-              <a:off x="1662886" y="6201662"/>
+              <a:off x="1691995" y="6201683"/>
               <a:ext cx="63202" cy="63202"/>
             </a:xfrm>
             <a:custGeom>
@@ -7803,7 +7803,7 @@
           </p:nvSpPr>
           <p:spPr>
             <a:xfrm>
-              <a:off x="2184500" y="6223058"/>
+              <a:off x="1864011" y="6223062"/>
               <a:ext cx="63202" cy="63202"/>
             </a:xfrm>
             <a:custGeom>
@@ -7846,7 +7846,7 @@
           </p:nvSpPr>
           <p:spPr>
             <a:xfrm>
-              <a:off x="1708468" y="6583554"/>
+              <a:off x="1742059" y="6583557"/>
               <a:ext cx="63202" cy="63202"/>
             </a:xfrm>
             <a:custGeom>
@@ -7889,7 +7889,7 @@
           </p:nvSpPr>
           <p:spPr>
             <a:xfrm>
-              <a:off x="2285372" y="6235363"/>
+              <a:off x="1826123" y="6235366"/>
               <a:ext cx="63202" cy="63202"/>
             </a:xfrm>
             <a:custGeom>
@@ -7932,7 +7932,7 @@
           </p:nvSpPr>
           <p:spPr>
             <a:xfrm>
-              <a:off x="1729283" y="6311553"/>
+              <a:off x="1790149" y="6311536"/>
               <a:ext cx="63202" cy="63202"/>
             </a:xfrm>
             <a:custGeom>
@@ -7975,7 +7975,7 @@
           </p:nvSpPr>
           <p:spPr>
             <a:xfrm>
-              <a:off x="1731434" y="6569249"/>
+              <a:off x="2094136" y="6569262"/>
               <a:ext cx="63202" cy="63202"/>
             </a:xfrm>
             <a:custGeom>
@@ -8018,7 +8018,7 @@
           </p:nvSpPr>
           <p:spPr>
             <a:xfrm>
-              <a:off x="1965287" y="6307690"/>
+              <a:off x="2279965" y="6307697"/>
               <a:ext cx="63202" cy="63202"/>
             </a:xfrm>
             <a:custGeom>
@@ -8061,7 +8061,7 @@
           </p:nvSpPr>
           <p:spPr>
             <a:xfrm>
-              <a:off x="2828775" y="6768392"/>
+              <a:off x="2724280" y="6768400"/>
               <a:ext cx="63202" cy="63202"/>
             </a:xfrm>
             <a:custGeom>
@@ -8104,7 +8104,7 @@
           </p:nvSpPr>
           <p:spPr>
             <a:xfrm>
-              <a:off x="1703010" y="6193184"/>
+              <a:off x="1641728" y="6193194"/>
               <a:ext cx="63202" cy="63202"/>
             </a:xfrm>
             <a:custGeom>
@@ -8147,7 +8147,7 @@
           </p:nvSpPr>
           <p:spPr>
             <a:xfrm>
-              <a:off x="1793877" y="6194960"/>
+              <a:off x="2196806" y="6194959"/>
               <a:ext cx="63202" cy="63202"/>
             </a:xfrm>
             <a:custGeom>
@@ -8190,7 +8190,7 @@
           </p:nvSpPr>
           <p:spPr>
             <a:xfrm>
-              <a:off x="2250750" y="6193862"/>
+              <a:off x="1939178" y="6193883"/>
               <a:ext cx="63202" cy="63202"/>
             </a:xfrm>
             <a:custGeom>
@@ -8233,7 +8233,7 @@
           </p:nvSpPr>
           <p:spPr>
             <a:xfrm>
-              <a:off x="2279475" y="6246087"/>
+              <a:off x="2198398" y="6246082"/>
               <a:ext cx="63202" cy="63202"/>
             </a:xfrm>
             <a:custGeom>
@@ -8276,7 +8276,7 @@
           </p:nvSpPr>
           <p:spPr>
             <a:xfrm>
-              <a:off x="2100759" y="6264068"/>
+              <a:off x="1862908" y="6264069"/>
               <a:ext cx="63202" cy="63202"/>
             </a:xfrm>
             <a:custGeom>
@@ -8319,7 +8319,7 @@
           </p:nvSpPr>
           <p:spPr>
             <a:xfrm>
-              <a:off x="2296643" y="6193375"/>
+              <a:off x="2013413" y="6193408"/>
               <a:ext cx="63202" cy="63202"/>
             </a:xfrm>
             <a:custGeom>
@@ -8362,7 +8362,7 @@
           </p:nvSpPr>
           <p:spPr>
             <a:xfrm>
-              <a:off x="1651078" y="6287723"/>
+              <a:off x="1802892" y="6287739"/>
               <a:ext cx="63202" cy="63202"/>
             </a:xfrm>
             <a:custGeom>
@@ -8405,7 +8405,7 @@
           </p:nvSpPr>
           <p:spPr>
             <a:xfrm>
-              <a:off x="2247829" y="6275289"/>
+              <a:off x="2085250" y="6275274"/>
               <a:ext cx="63202" cy="63202"/>
             </a:xfrm>
             <a:custGeom>
@@ -8448,7 +8448,7 @@
           </p:nvSpPr>
           <p:spPr>
             <a:xfrm>
-              <a:off x="1827201" y="6193625"/>
+              <a:off x="1992558" y="6193623"/>
               <a:ext cx="63202" cy="63202"/>
             </a:xfrm>
             <a:custGeom>
@@ -8491,7 +8491,7 @@
           </p:nvSpPr>
           <p:spPr>
             <a:xfrm>
-              <a:off x="2297802" y="6195579"/>
+              <a:off x="1829226" y="6195568"/>
               <a:ext cx="63202" cy="63202"/>
             </a:xfrm>
             <a:custGeom>
@@ -8534,7 +8534,7 @@
           </p:nvSpPr>
           <p:spPr>
             <a:xfrm>
-              <a:off x="1835420" y="6193670"/>
+              <a:off x="2018161" y="6193673"/>
               <a:ext cx="63202" cy="63202"/>
             </a:xfrm>
             <a:custGeom>
@@ -8577,7 +8577,7 @@
           </p:nvSpPr>
           <p:spPr>
             <a:xfrm>
-              <a:off x="1879827" y="6510723"/>
+              <a:off x="1680762" y="6510733"/>
               <a:ext cx="63202" cy="63202"/>
             </a:xfrm>
             <a:custGeom>
@@ -8620,7 +8620,7 @@
           </p:nvSpPr>
           <p:spPr>
             <a:xfrm>
-              <a:off x="2296115" y="6293132"/>
+              <a:off x="2176643" y="6293105"/>
               <a:ext cx="63202" cy="63202"/>
             </a:xfrm>
             <a:custGeom>
@@ -8663,7 +8663,7 @@
           </p:nvSpPr>
           <p:spPr>
             <a:xfrm>
-              <a:off x="1865323" y="6329726"/>
+              <a:off x="1944642" y="6329707"/>
               <a:ext cx="63202" cy="63202"/>
             </a:xfrm>
             <a:custGeom>
@@ -8706,7 +8706,7 @@
           </p:nvSpPr>
           <p:spPr>
             <a:xfrm>
-              <a:off x="1927646" y="6707985"/>
+              <a:off x="2072258" y="6707995"/>
               <a:ext cx="63202" cy="63202"/>
             </a:xfrm>
             <a:custGeom>
@@ -8749,7 +8749,7 @@
           </p:nvSpPr>
           <p:spPr>
             <a:xfrm>
-              <a:off x="2172231" y="6190689"/>
+              <a:off x="1716802" y="6190666"/>
               <a:ext cx="63202" cy="63202"/>
             </a:xfrm>
             <a:custGeom>
@@ -8792,7 +8792,7 @@
           </p:nvSpPr>
           <p:spPr>
             <a:xfrm>
-              <a:off x="2042975" y="6189987"/>
+              <a:off x="1890801" y="6190002"/>
               <a:ext cx="63202" cy="63202"/>
             </a:xfrm>
             <a:custGeom>
@@ -8835,7 +8835,7 @@
           </p:nvSpPr>
           <p:spPr>
             <a:xfrm>
-              <a:off x="2300624" y="6350860"/>
+              <a:off x="2046376" y="6350839"/>
               <a:ext cx="63202" cy="63202"/>
             </a:xfrm>
             <a:custGeom>
@@ -8878,7 +8878,7 @@
           </p:nvSpPr>
           <p:spPr>
             <a:xfrm>
-              <a:off x="2247528" y="6398295"/>
+              <a:off x="2109461" y="6398316"/>
               <a:ext cx="63202" cy="63202"/>
             </a:xfrm>
             <a:custGeom>
@@ -8921,7 +8921,7 @@
           </p:nvSpPr>
           <p:spPr>
             <a:xfrm>
-              <a:off x="2123723" y="6324363"/>
+              <a:off x="2030354" y="6324388"/>
               <a:ext cx="63202" cy="63202"/>
             </a:xfrm>
             <a:custGeom>
@@ -8964,7 +8964,7 @@
           </p:nvSpPr>
           <p:spPr>
             <a:xfrm>
-              <a:off x="1870826" y="6328064"/>
+              <a:off x="2070573" y="6328052"/>
               <a:ext cx="63202" cy="63202"/>
             </a:xfrm>
             <a:custGeom>
@@ -9007,7 +9007,7 @@
           </p:nvSpPr>
           <p:spPr>
             <a:xfrm>
-              <a:off x="1949659" y="6321133"/>
+              <a:off x="2173767" y="6321118"/>
               <a:ext cx="63202" cy="63202"/>
             </a:xfrm>
             <a:custGeom>
@@ -9050,7 +9050,7 @@
           </p:nvSpPr>
           <p:spPr>
             <a:xfrm>
-              <a:off x="1841701" y="6311044"/>
+              <a:off x="2242860" y="6311041"/>
               <a:ext cx="63202" cy="63202"/>
             </a:xfrm>
             <a:custGeom>
@@ -9093,7 +9093,7 @@
           </p:nvSpPr>
           <p:spPr>
             <a:xfrm>
-              <a:off x="1650813" y="6313708"/>
+              <a:off x="2102100" y="6313726"/>
               <a:ext cx="63202" cy="63202"/>
             </a:xfrm>
             <a:custGeom>
@@ -9136,7 +9136,7 @@
           </p:nvSpPr>
           <p:spPr>
             <a:xfrm>
-              <a:off x="1784312" y="6314674"/>
+              <a:off x="2213512" y="6314693"/>
               <a:ext cx="63202" cy="63202"/>
             </a:xfrm>
             <a:custGeom>
@@ -9179,7 +9179,7 @@
           </p:nvSpPr>
           <p:spPr>
             <a:xfrm>
-              <a:off x="2239120" y="6305802"/>
+              <a:off x="1953033" y="6305823"/>
               <a:ext cx="63202" cy="63202"/>
             </a:xfrm>
             <a:custGeom>
@@ -9222,7 +9222,7 @@
           </p:nvSpPr>
           <p:spPr>
             <a:xfrm>
-              <a:off x="2256878" y="6281964"/>
+              <a:off x="1743315" y="6281970"/>
               <a:ext cx="63202" cy="63202"/>
             </a:xfrm>
             <a:custGeom>
@@ -9265,7 +9265,7 @@
           </p:nvSpPr>
           <p:spPr>
             <a:xfrm>
-              <a:off x="1935267" y="6328060"/>
+              <a:off x="1916008" y="6328069"/>
               <a:ext cx="63202" cy="63202"/>
             </a:xfrm>
             <a:custGeom>
@@ -9308,7 +9308,7 @@
           </p:nvSpPr>
           <p:spPr>
             <a:xfrm>
-              <a:off x="1828090" y="6560642"/>
+              <a:off x="1921742" y="6560627"/>
               <a:ext cx="63202" cy="63202"/>
             </a:xfrm>
             <a:custGeom>
@@ -9351,7 +9351,7 @@
           </p:nvSpPr>
           <p:spPr>
             <a:xfrm>
-              <a:off x="1708362" y="6658668"/>
+              <a:off x="1996351" y="6658674"/>
               <a:ext cx="63202" cy="63202"/>
             </a:xfrm>
             <a:custGeom>
@@ -9394,7 +9394,7 @@
           </p:nvSpPr>
           <p:spPr>
             <a:xfrm>
-              <a:off x="2122701" y="6560817"/>
+              <a:off x="1829186" y="6560803"/>
               <a:ext cx="63202" cy="63202"/>
             </a:xfrm>
             <a:custGeom>
@@ -9437,7 +9437,7 @@
           </p:nvSpPr>
           <p:spPr>
             <a:xfrm>
-              <a:off x="2218117" y="6582408"/>
+              <a:off x="2104626" y="6582407"/>
               <a:ext cx="63202" cy="63202"/>
             </a:xfrm>
             <a:custGeom>
@@ -9480,7 +9480,7 @@
           </p:nvSpPr>
           <p:spPr>
             <a:xfrm>
-              <a:off x="1889095" y="6665524"/>
+              <a:off x="2081363" y="6665543"/>
               <a:ext cx="63202" cy="63202"/>
             </a:xfrm>
             <a:custGeom>
@@ -9523,7 +9523,7 @@
           </p:nvSpPr>
           <p:spPr>
             <a:xfrm>
-              <a:off x="1951206" y="6187849"/>
+              <a:off x="2103146" y="6187845"/>
               <a:ext cx="63202" cy="63202"/>
             </a:xfrm>
             <a:custGeom>
@@ -9566,7 +9566,7 @@
           </p:nvSpPr>
           <p:spPr>
             <a:xfrm>
-              <a:off x="1724421" y="6440412"/>
+              <a:off x="1684643" y="6440394"/>
               <a:ext cx="63202" cy="63202"/>
             </a:xfrm>
             <a:custGeom>
@@ -9609,7 +9609,7 @@
           </p:nvSpPr>
           <p:spPr>
             <a:xfrm>
-              <a:off x="1622787" y="6357047"/>
+              <a:off x="1971602" y="6357071"/>
               <a:ext cx="63202" cy="63202"/>
             </a:xfrm>
             <a:custGeom>
@@ -9652,7 +9652,7 @@
           </p:nvSpPr>
           <p:spPr>
             <a:xfrm>
-              <a:off x="1929724" y="6195710"/>
+              <a:off x="1988988" y="6195714"/>
               <a:ext cx="63202" cy="63202"/>
             </a:xfrm>
             <a:custGeom>
@@ -9695,7 +9695,7 @@
           </p:nvSpPr>
           <p:spPr>
             <a:xfrm>
-              <a:off x="2293835" y="6198096"/>
+              <a:off x="1915141" y="6198107"/>
               <a:ext cx="63202" cy="63202"/>
             </a:xfrm>
             <a:custGeom>
@@ -9738,7 +9738,7 @@
           </p:nvSpPr>
           <p:spPr>
             <a:xfrm>
-              <a:off x="1734640" y="6200082"/>
+              <a:off x="1696986" y="6200083"/>
               <a:ext cx="63202" cy="63202"/>
             </a:xfrm>
             <a:custGeom>
@@ -9781,7 +9781,7 @@
           </p:nvSpPr>
           <p:spPr>
             <a:xfrm>
-              <a:off x="1884178" y="6199444"/>
+              <a:off x="2285193" y="6199467"/>
               <a:ext cx="63202" cy="63202"/>
             </a:xfrm>
             <a:custGeom>
@@ -9824,7 +9824,7 @@
           </p:nvSpPr>
           <p:spPr>
             <a:xfrm>
-              <a:off x="1889878" y="6194609"/>
+              <a:off x="2033432" y="6194597"/>
               <a:ext cx="63202" cy="63202"/>
             </a:xfrm>
             <a:custGeom>
@@ -9867,7 +9867,7 @@
           </p:nvSpPr>
           <p:spPr>
             <a:xfrm>
-              <a:off x="2230378" y="6402596"/>
+              <a:off x="2164102" y="6402597"/>
               <a:ext cx="63202" cy="63202"/>
             </a:xfrm>
             <a:custGeom>
@@ -9910,7 +9910,7 @@
           </p:nvSpPr>
           <p:spPr>
             <a:xfrm>
-              <a:off x="2261451" y="6471908"/>
+              <a:off x="2004510" y="6471928"/>
               <a:ext cx="63202" cy="63202"/>
             </a:xfrm>
             <a:custGeom>
@@ -9953,7 +9953,7 @@
           </p:nvSpPr>
           <p:spPr>
             <a:xfrm>
-              <a:off x="2040404" y="6191243"/>
+              <a:off x="1646620" y="6191255"/>
               <a:ext cx="63202" cy="63202"/>
             </a:xfrm>
             <a:custGeom>
@@ -9996,7 +9996,7 @@
           </p:nvSpPr>
           <p:spPr>
             <a:xfrm>
-              <a:off x="1702740" y="6325695"/>
+              <a:off x="1852323" y="6325691"/>
               <a:ext cx="63202" cy="63202"/>
             </a:xfrm>
             <a:custGeom>
@@ -10095,7 +10095,7 @@
           </p:nvSpPr>
           <p:spPr>
             <a:xfrm>
-              <a:off x="4325757" y="2797360"/>
+              <a:off x="4325757" y="2797365"/>
               <a:ext cx="2796732" cy="0"/>
             </a:xfrm>
             <a:custGeom>
@@ -10138,7 +10138,7 @@
           </p:nvSpPr>
           <p:spPr>
             <a:xfrm>
-              <a:off x="4325757" y="2312563"/>
+              <a:off x="4325757" y="2312561"/>
               <a:ext cx="2796732" cy="0"/>
             </a:xfrm>
             <a:custGeom>
@@ -10181,7 +10181,7 @@
           </p:nvSpPr>
           <p:spPr>
             <a:xfrm>
-              <a:off x="4325757" y="1827765"/>
+              <a:off x="4325757" y="1827758"/>
               <a:ext cx="2796732" cy="0"/>
             </a:xfrm>
             <a:custGeom>
@@ -10224,7 +10224,7 @@
           </p:nvSpPr>
           <p:spPr>
             <a:xfrm>
-              <a:off x="4325757" y="3039759"/>
+              <a:off x="4325757" y="3039766"/>
               <a:ext cx="2796732" cy="0"/>
             </a:xfrm>
             <a:custGeom>
@@ -10267,7 +10267,7 @@
           </p:nvSpPr>
           <p:spPr>
             <a:xfrm>
-              <a:off x="4325757" y="2554961"/>
+              <a:off x="4325757" y="2554963"/>
               <a:ext cx="2796732" cy="0"/>
             </a:xfrm>
             <a:custGeom>
@@ -10310,7 +10310,7 @@
           </p:nvSpPr>
           <p:spPr>
             <a:xfrm>
-              <a:off x="4325757" y="2070164"/>
+              <a:off x="4325757" y="2070160"/>
               <a:ext cx="2796732" cy="0"/>
             </a:xfrm>
             <a:custGeom>
@@ -10353,7 +10353,7 @@
           </p:nvSpPr>
           <p:spPr>
             <a:xfrm>
-              <a:off x="4325757" y="1585367"/>
+              <a:off x="4325757" y="1585357"/>
               <a:ext cx="2796732" cy="0"/>
             </a:xfrm>
             <a:custGeom>
@@ -10525,7 +10525,7 @@
           </p:nvSpPr>
           <p:spPr>
             <a:xfrm>
-              <a:off x="4501706" y="2523113"/>
+              <a:off x="4929063" y="2523103"/>
               <a:ext cx="63202" cy="63202"/>
             </a:xfrm>
             <a:custGeom>
@@ -10568,7 +10568,7 @@
           </p:nvSpPr>
           <p:spPr>
             <a:xfrm>
-              <a:off x="4554996" y="2409717"/>
+              <a:off x="4573134" y="2409733"/>
               <a:ext cx="63202" cy="63202"/>
             </a:xfrm>
             <a:custGeom>
@@ -10611,7 +10611,7 @@
           </p:nvSpPr>
           <p:spPr>
             <a:xfrm>
-              <a:off x="4542714" y="2369258"/>
+              <a:off x="4936795" y="2369246"/>
               <a:ext cx="63202" cy="63202"/>
             </a:xfrm>
             <a:custGeom>
@@ -10654,7 +10654,7 @@
           </p:nvSpPr>
           <p:spPr>
             <a:xfrm>
-              <a:off x="4562429" y="2417000"/>
+              <a:off x="4681072" y="2416987"/>
               <a:ext cx="63202" cy="63202"/>
             </a:xfrm>
             <a:custGeom>
@@ -10697,7 +10697,7 @@
           </p:nvSpPr>
           <p:spPr>
             <a:xfrm>
-              <a:off x="4670095" y="2439291"/>
+              <a:off x="4569983" y="2439286"/>
               <a:ext cx="63202" cy="63202"/>
             </a:xfrm>
             <a:custGeom>
@@ -10740,7 +10740,7 @@
           </p:nvSpPr>
           <p:spPr>
             <a:xfrm>
-              <a:off x="4820875" y="2470181"/>
+              <a:off x="5097348" y="2470193"/>
               <a:ext cx="63202" cy="63202"/>
             </a:xfrm>
             <a:custGeom>
@@ -10783,7 +10783,7 @@
           </p:nvSpPr>
           <p:spPr>
             <a:xfrm>
-              <a:off x="4985729" y="2389975"/>
+              <a:off x="4985991" y="2390000"/>
               <a:ext cx="63202" cy="63202"/>
             </a:xfrm>
             <a:custGeom>
@@ -10826,7 +10826,7 @@
           </p:nvSpPr>
           <p:spPr>
             <a:xfrm>
-              <a:off x="4716876" y="2419077"/>
+              <a:off x="4770029" y="2419066"/>
               <a:ext cx="63202" cy="63202"/>
             </a:xfrm>
             <a:custGeom>
@@ -10869,7 +10869,7 @@
           </p:nvSpPr>
           <p:spPr>
             <a:xfrm>
-              <a:off x="4880744" y="2391694"/>
+              <a:off x="4701566" y="2391687"/>
               <a:ext cx="63202" cy="63202"/>
             </a:xfrm>
             <a:custGeom>
@@ -10912,7 +10912,7 @@
           </p:nvSpPr>
           <p:spPr>
             <a:xfrm>
-              <a:off x="4531262" y="2407366"/>
+              <a:off x="4635976" y="2407334"/>
               <a:ext cx="63202" cy="63202"/>
             </a:xfrm>
             <a:custGeom>
@@ -10955,7 +10955,7 @@
           </p:nvSpPr>
           <p:spPr>
             <a:xfrm>
-              <a:off x="5077783" y="2875188"/>
+              <a:off x="4470740" y="2875194"/>
               <a:ext cx="63202" cy="63202"/>
             </a:xfrm>
             <a:custGeom>
@@ -10998,7 +10998,7 @@
           </p:nvSpPr>
           <p:spPr>
             <a:xfrm>
-              <a:off x="4554261" y="2398488"/>
+              <a:off x="4972015" y="2398459"/>
               <a:ext cx="63202" cy="63202"/>
             </a:xfrm>
             <a:custGeom>
@@ -11041,7 +11041,7 @@
           </p:nvSpPr>
           <p:spPr>
             <a:xfrm>
-              <a:off x="4531979" y="2405585"/>
+              <a:off x="4746975" y="2405613"/>
               <a:ext cx="63202" cy="63202"/>
             </a:xfrm>
             <a:custGeom>
@@ -11084,7 +11084,7 @@
           </p:nvSpPr>
           <p:spPr>
             <a:xfrm>
-              <a:off x="5165461" y="2419432"/>
+              <a:off x="4870598" y="2419428"/>
               <a:ext cx="63202" cy="63202"/>
             </a:xfrm>
             <a:custGeom>
@@ -11127,7 +11127,7 @@
           </p:nvSpPr>
           <p:spPr>
             <a:xfrm>
-              <a:off x="4695076" y="2533198"/>
+              <a:off x="4555700" y="2533219"/>
               <a:ext cx="63202" cy="63202"/>
             </a:xfrm>
             <a:custGeom>
@@ -11170,7 +11170,7 @@
           </p:nvSpPr>
           <p:spPr>
             <a:xfrm>
-              <a:off x="5037988" y="2424230"/>
+              <a:off x="4767880" y="2424232"/>
               <a:ext cx="63202" cy="63202"/>
             </a:xfrm>
             <a:custGeom>
@@ -11213,7 +11213,7 @@
           </p:nvSpPr>
           <p:spPr>
             <a:xfrm>
-              <a:off x="4879254" y="2502919"/>
+              <a:off x="4986732" y="2502907"/>
               <a:ext cx="63202" cy="63202"/>
             </a:xfrm>
             <a:custGeom>
@@ -11256,7 +11256,7 @@
           </p:nvSpPr>
           <p:spPr>
             <a:xfrm>
-              <a:off x="5029021" y="2380842"/>
+              <a:off x="5112717" y="2380817"/>
               <a:ext cx="63202" cy="63202"/>
             </a:xfrm>
             <a:custGeom>
@@ -11299,7 +11299,7 @@
           </p:nvSpPr>
           <p:spPr>
             <a:xfrm>
-              <a:off x="5053307" y="2402351"/>
+              <a:off x="4540022" y="2402365"/>
               <a:ext cx="63202" cy="63202"/>
             </a:xfrm>
             <a:custGeom>
@@ -11342,7 +11342,7 @@
           </p:nvSpPr>
           <p:spPr>
             <a:xfrm>
-              <a:off x="4831571" y="2456565"/>
+              <a:off x="5025353" y="2456546"/>
               <a:ext cx="63202" cy="63202"/>
             </a:xfrm>
             <a:custGeom>
@@ -11385,7 +11385,7 @@
           </p:nvSpPr>
           <p:spPr>
             <a:xfrm>
-              <a:off x="5036301" y="2422242"/>
+              <a:off x="5139885" y="2422228"/>
               <a:ext cx="63202" cy="63202"/>
             </a:xfrm>
             <a:custGeom>
@@ -11428,7 +11428,7 @@
           </p:nvSpPr>
           <p:spPr>
             <a:xfrm>
-              <a:off x="4496490" y="2435042"/>
+              <a:off x="5134565" y="2435042"/>
               <a:ext cx="63202" cy="63202"/>
             </a:xfrm>
             <a:custGeom>
@@ -11471,7 +11471,7 @@
           </p:nvSpPr>
           <p:spPr>
             <a:xfrm>
-              <a:off x="5023711" y="2588422"/>
+              <a:off x="5011761" y="2588404"/>
               <a:ext cx="63202" cy="63202"/>
             </a:xfrm>
             <a:custGeom>
@@ -11514,7 +11514,7 @@
           </p:nvSpPr>
           <p:spPr>
             <a:xfrm>
-              <a:off x="4880508" y="2568352"/>
+              <a:off x="4705369" y="2568369"/>
               <a:ext cx="63202" cy="63202"/>
             </a:xfrm>
             <a:custGeom>
@@ -11557,7 +11557,7 @@
           </p:nvSpPr>
           <p:spPr>
             <a:xfrm>
-              <a:off x="5167850" y="2466153"/>
+              <a:off x="4712259" y="2466143"/>
               <a:ext cx="63202" cy="63202"/>
             </a:xfrm>
             <a:custGeom>
@@ -11600,7 +11600,7 @@
           </p:nvSpPr>
           <p:spPr>
             <a:xfrm>
-              <a:off x="5047695" y="2405714"/>
+              <a:off x="5065152" y="2405683"/>
               <a:ext cx="63202" cy="63202"/>
             </a:xfrm>
             <a:custGeom>
@@ -11643,7 +11643,7 @@
           </p:nvSpPr>
           <p:spPr>
             <a:xfrm>
-              <a:off x="4567261" y="2784975"/>
+              <a:off x="4778718" y="2784951"/>
               <a:ext cx="63202" cy="63202"/>
             </a:xfrm>
             <a:custGeom>
@@ -11686,7 +11686,7 @@
           </p:nvSpPr>
           <p:spPr>
             <a:xfrm>
-              <a:off x="4702112" y="2414953"/>
+              <a:off x="5103648" y="2414961"/>
               <a:ext cx="63202" cy="63202"/>
             </a:xfrm>
             <a:custGeom>
@@ -11729,7 +11729,7 @@
           </p:nvSpPr>
           <p:spPr>
             <a:xfrm>
-              <a:off x="4809007" y="2431725"/>
+              <a:off x="5022622" y="2431741"/>
               <a:ext cx="63202" cy="63202"/>
             </a:xfrm>
             <a:custGeom>
@@ -11772,7 +11772,7 @@
           </p:nvSpPr>
           <p:spPr>
             <a:xfrm>
-              <a:off x="5035070" y="2371812"/>
+              <a:off x="5101468" y="2371799"/>
               <a:ext cx="63202" cy="63202"/>
             </a:xfrm>
             <a:custGeom>
@@ -11815,7 +11815,7 @@
           </p:nvSpPr>
           <p:spPr>
             <a:xfrm>
-              <a:off x="4811986" y="2422892"/>
+              <a:off x="4751820" y="2422926"/>
               <a:ext cx="63202" cy="63202"/>
             </a:xfrm>
             <a:custGeom>
@@ -11858,7 +11858,7 @@
           </p:nvSpPr>
           <p:spPr>
             <a:xfrm>
-              <a:off x="4549041" y="2381697"/>
+              <a:off x="4912273" y="2381720"/>
               <a:ext cx="63202" cy="63202"/>
             </a:xfrm>
             <a:custGeom>
@@ -11901,7 +11901,7 @@
           </p:nvSpPr>
           <p:spPr>
             <a:xfrm>
-              <a:off x="4583936" y="2435467"/>
+              <a:off x="4710974" y="2435452"/>
               <a:ext cx="63202" cy="63202"/>
             </a:xfrm>
             <a:custGeom>
@@ -11944,7 +11944,7 @@
           </p:nvSpPr>
           <p:spPr>
             <a:xfrm>
-              <a:off x="5159454" y="2463808"/>
+              <a:off x="4786658" y="2463831"/>
               <a:ext cx="63202" cy="63202"/>
             </a:xfrm>
             <a:custGeom>
@@ -11987,7 +11987,7 @@
           </p:nvSpPr>
           <p:spPr>
             <a:xfrm>
-              <a:off x="4758134" y="2411914"/>
+              <a:off x="4604088" y="2411920"/>
               <a:ext cx="63202" cy="63202"/>
             </a:xfrm>
             <a:custGeom>
@@ -12030,7 +12030,7 @@
           </p:nvSpPr>
           <p:spPr>
             <a:xfrm>
-              <a:off x="5118711" y="2405607"/>
+              <a:off x="5150855" y="2405592"/>
               <a:ext cx="63202" cy="63202"/>
             </a:xfrm>
             <a:custGeom>
@@ -12073,7 +12073,7 @@
           </p:nvSpPr>
           <p:spPr>
             <a:xfrm>
-              <a:off x="4725774" y="2419267"/>
+              <a:off x="4608329" y="2419265"/>
               <a:ext cx="63202" cy="63202"/>
             </a:xfrm>
             <a:custGeom>
@@ -12116,7 +12116,7 @@
           </p:nvSpPr>
           <p:spPr>
             <a:xfrm>
-              <a:off x="5012015" y="2459802"/>
+              <a:off x="4630437" y="2459819"/>
               <a:ext cx="63202" cy="63202"/>
             </a:xfrm>
             <a:custGeom>
@@ -12159,7 +12159,7 @@
           </p:nvSpPr>
           <p:spPr>
             <a:xfrm>
-              <a:off x="5150511" y="2414688"/>
+              <a:off x="4634486" y="2414669"/>
               <a:ext cx="63202" cy="63202"/>
             </a:xfrm>
             <a:custGeom>
@@ -12202,7 +12202,7 @@
           </p:nvSpPr>
           <p:spPr>
             <a:xfrm>
-              <a:off x="4875490" y="2470744"/>
+              <a:off x="4764450" y="2470757"/>
               <a:ext cx="63202" cy="63202"/>
             </a:xfrm>
             <a:custGeom>
@@ -12245,7 +12245,7 @@
           </p:nvSpPr>
           <p:spPr>
             <a:xfrm>
-              <a:off x="4972680" y="2441431"/>
+              <a:off x="4973551" y="2441426"/>
               <a:ext cx="63202" cy="63202"/>
             </a:xfrm>
             <a:custGeom>
@@ -12288,7 +12288,7 @@
           </p:nvSpPr>
           <p:spPr>
             <a:xfrm>
-              <a:off x="4800052" y="2602232"/>
+              <a:off x="4563522" y="2602255"/>
               <a:ext cx="63202" cy="63202"/>
             </a:xfrm>
             <a:custGeom>
@@ -12331,7 +12331,7 @@
           </p:nvSpPr>
           <p:spPr>
             <a:xfrm>
-              <a:off x="4635255" y="2423459"/>
+              <a:off x="4837672" y="2423452"/>
               <a:ext cx="63202" cy="63202"/>
             </a:xfrm>
             <a:custGeom>
@@ -12374,7 +12374,7 @@
           </p:nvSpPr>
           <p:spPr>
             <a:xfrm>
-              <a:off x="4866789" y="2536250"/>
+              <a:off x="4915487" y="2536257"/>
               <a:ext cx="63202" cy="63202"/>
             </a:xfrm>
             <a:custGeom>
@@ -12417,7 +12417,7 @@
           </p:nvSpPr>
           <p:spPr>
             <a:xfrm>
-              <a:off x="4635160" y="2403087"/>
+              <a:off x="4610687" y="2403078"/>
               <a:ext cx="63202" cy="63202"/>
             </a:xfrm>
             <a:custGeom>
@@ -12460,7 +12460,7 @@
           </p:nvSpPr>
           <p:spPr>
             <a:xfrm>
-              <a:off x="4954081" y="2414813"/>
+              <a:off x="4725163" y="2414819"/>
               <a:ext cx="63202" cy="63202"/>
             </a:xfrm>
             <a:custGeom>
@@ -12503,7 +12503,7 @@
           </p:nvSpPr>
           <p:spPr>
             <a:xfrm>
-              <a:off x="5051249" y="2385722"/>
+              <a:off x="5098129" y="2385716"/>
               <a:ext cx="63202" cy="63202"/>
             </a:xfrm>
             <a:custGeom>
@@ -12546,7 +12546,7 @@
           </p:nvSpPr>
           <p:spPr>
             <a:xfrm>
-              <a:off x="4740766" y="2408409"/>
+              <a:off x="5051259" y="2408402"/>
               <a:ext cx="63202" cy="63202"/>
             </a:xfrm>
             <a:custGeom>
@@ -12589,7 +12589,7 @@
           </p:nvSpPr>
           <p:spPr>
             <a:xfrm>
-              <a:off x="4601558" y="2421715"/>
+              <a:off x="5026518" y="2421699"/>
               <a:ext cx="63202" cy="63202"/>
             </a:xfrm>
             <a:custGeom>
@@ -12632,7 +12632,7 @@
           </p:nvSpPr>
           <p:spPr>
             <a:xfrm>
-              <a:off x="5072679" y="2609738"/>
+              <a:off x="5062774" y="2609773"/>
               <a:ext cx="63202" cy="63202"/>
             </a:xfrm>
             <a:custGeom>
@@ -12675,7 +12675,7 @@
           </p:nvSpPr>
           <p:spPr>
             <a:xfrm>
-              <a:off x="4816620" y="2424172"/>
+              <a:off x="4641287" y="2424158"/>
               <a:ext cx="63202" cy="63202"/>
             </a:xfrm>
             <a:custGeom>
@@ -12718,7 +12718,7 @@
           </p:nvSpPr>
           <p:spPr>
             <a:xfrm>
-              <a:off x="4865146" y="2511773"/>
+              <a:off x="5160310" y="2511793"/>
               <a:ext cx="63202" cy="63202"/>
             </a:xfrm>
             <a:custGeom>
@@ -12761,7 +12761,7 @@
           </p:nvSpPr>
           <p:spPr>
             <a:xfrm>
-              <a:off x="5991429" y="2683401"/>
+              <a:off x="5465860" y="2683394"/>
               <a:ext cx="63202" cy="63202"/>
             </a:xfrm>
             <a:custGeom>
@@ -12804,7 +12804,7 @@
           </p:nvSpPr>
           <p:spPr>
             <a:xfrm>
-              <a:off x="4570269" y="2367537"/>
+              <a:off x="4712012" y="2367558"/>
               <a:ext cx="63202" cy="63202"/>
             </a:xfrm>
             <a:custGeom>
@@ -12847,7 +12847,7 @@
           </p:nvSpPr>
           <p:spPr>
             <a:xfrm>
-              <a:off x="5100407" y="2388683"/>
+              <a:off x="4726938" y="2388665"/>
               <a:ext cx="63202" cy="63202"/>
             </a:xfrm>
             <a:custGeom>
@@ -12890,7 +12890,7 @@
           </p:nvSpPr>
           <p:spPr>
             <a:xfrm>
-              <a:off x="4485108" y="2680392"/>
+              <a:off x="4700121" y="2680378"/>
               <a:ext cx="63202" cy="63202"/>
             </a:xfrm>
             <a:custGeom>
@@ -12933,7 +12933,7 @@
           </p:nvSpPr>
           <p:spPr>
             <a:xfrm>
-              <a:off x="4607288" y="2431873"/>
+              <a:off x="4544673" y="2431868"/>
               <a:ext cx="63202" cy="63202"/>
             </a:xfrm>
             <a:custGeom>
@@ -12976,7 +12976,7 @@
           </p:nvSpPr>
           <p:spPr>
             <a:xfrm>
-              <a:off x="5095674" y="2390469"/>
+              <a:off x="4878769" y="2390474"/>
               <a:ext cx="63202" cy="63202"/>
             </a:xfrm>
             <a:custGeom>
@@ -13019,7 +13019,7 @@
           </p:nvSpPr>
           <p:spPr>
             <a:xfrm>
-              <a:off x="4561635" y="2424187"/>
+              <a:off x="4968474" y="2424182"/>
               <a:ext cx="63202" cy="63202"/>
             </a:xfrm>
             <a:custGeom>
@@ -13062,7 +13062,7 @@
           </p:nvSpPr>
           <p:spPr>
             <a:xfrm>
-              <a:off x="5158559" y="2442623"/>
+              <a:off x="4564524" y="2442635"/>
               <a:ext cx="63202" cy="63202"/>
             </a:xfrm>
             <a:custGeom>
@@ -13105,7 +13105,7 @@
           </p:nvSpPr>
           <p:spPr>
             <a:xfrm>
-              <a:off x="5046580" y="2428201"/>
+              <a:off x="4693343" y="2428200"/>
               <a:ext cx="63202" cy="63202"/>
             </a:xfrm>
             <a:custGeom>
@@ -13148,7 +13148,7 @@
           </p:nvSpPr>
           <p:spPr>
             <a:xfrm>
-              <a:off x="4799256" y="2484584"/>
+              <a:off x="5153028" y="2484573"/>
               <a:ext cx="63202" cy="63202"/>
             </a:xfrm>
             <a:custGeom>
@@ -13191,7 +13191,7 @@
           </p:nvSpPr>
           <p:spPr>
             <a:xfrm>
-              <a:off x="5129993" y="2409425"/>
+              <a:off x="4941090" y="2409436"/>
               <a:ext cx="63202" cy="63202"/>
             </a:xfrm>
             <a:custGeom>
@@ -13234,7 +13234,7 @@
           </p:nvSpPr>
           <p:spPr>
             <a:xfrm>
-              <a:off x="5068011" y="2413874"/>
+              <a:off x="5111808" y="2413911"/>
               <a:ext cx="63202" cy="63202"/>
             </a:xfrm>
             <a:custGeom>
@@ -13277,7 +13277,7 @@
           </p:nvSpPr>
           <p:spPr>
             <a:xfrm>
-              <a:off x="5139688" y="2455623"/>
+              <a:off x="4805044" y="2455634"/>
               <a:ext cx="63202" cy="63202"/>
             </a:xfrm>
             <a:custGeom>
@@ -13320,7 +13320,7 @@
           </p:nvSpPr>
           <p:spPr>
             <a:xfrm>
-              <a:off x="5081746" y="2453124"/>
+              <a:off x="4547754" y="2453121"/>
               <a:ext cx="63202" cy="63202"/>
             </a:xfrm>
             <a:custGeom>
@@ -13363,7 +13363,7 @@
           </p:nvSpPr>
           <p:spPr>
             <a:xfrm>
-              <a:off x="4656436" y="2402316"/>
+              <a:off x="4965460" y="2402298"/>
               <a:ext cx="63202" cy="63202"/>
             </a:xfrm>
             <a:custGeom>
@@ -13406,7 +13406,7 @@
           </p:nvSpPr>
           <p:spPr>
             <a:xfrm>
-              <a:off x="4757767" y="2502791"/>
+              <a:off x="4741572" y="2502821"/>
               <a:ext cx="63202" cy="63202"/>
             </a:xfrm>
             <a:custGeom>
@@ -13449,7 +13449,7 @@
           </p:nvSpPr>
           <p:spPr>
             <a:xfrm>
-              <a:off x="4579436" y="2505971"/>
+              <a:off x="4962047" y="2505948"/>
               <a:ext cx="63202" cy="63202"/>
             </a:xfrm>
             <a:custGeom>
@@ -13492,7 +13492,7 @@
           </p:nvSpPr>
           <p:spPr>
             <a:xfrm>
-              <a:off x="4993299" y="2452199"/>
+              <a:off x="5042368" y="2452192"/>
               <a:ext cx="63202" cy="63202"/>
             </a:xfrm>
             <a:custGeom>
@@ -13535,7 +13535,7 @@
           </p:nvSpPr>
           <p:spPr>
             <a:xfrm>
-              <a:off x="4718639" y="2492338"/>
+              <a:off x="5098582" y="2492336"/>
               <a:ext cx="63202" cy="63202"/>
             </a:xfrm>
             <a:custGeom>
@@ -13578,7 +13578,7 @@
           </p:nvSpPr>
           <p:spPr>
             <a:xfrm>
-              <a:off x="4714623" y="2433920"/>
+              <a:off x="5135355" y="2433910"/>
               <a:ext cx="63202" cy="63202"/>
             </a:xfrm>
             <a:custGeom>
@@ -13621,7 +13621,7 @@
           </p:nvSpPr>
           <p:spPr>
             <a:xfrm>
-              <a:off x="4753162" y="2406246"/>
+              <a:off x="5054963" y="2406226"/>
               <a:ext cx="63202" cy="63202"/>
             </a:xfrm>
             <a:custGeom>
@@ -13664,7 +13664,7 @@
           </p:nvSpPr>
           <p:spPr>
             <a:xfrm>
-              <a:off x="4626140" y="2368468"/>
+              <a:off x="5041185" y="2368458"/>
               <a:ext cx="63202" cy="63202"/>
             </a:xfrm>
             <a:custGeom>
@@ -13707,7 +13707,7 @@
           </p:nvSpPr>
           <p:spPr>
             <a:xfrm>
-              <a:off x="5026506" y="2369891"/>
+              <a:off x="4474036" y="2369892"/>
               <a:ext cx="63202" cy="63202"/>
             </a:xfrm>
             <a:custGeom>
@@ -13750,7 +13750,7 @@
           </p:nvSpPr>
           <p:spPr>
             <a:xfrm>
-              <a:off x="5056731" y="2431052"/>
+              <a:off x="4504249" y="2431075"/>
               <a:ext cx="63202" cy="63202"/>
             </a:xfrm>
             <a:custGeom>
@@ -13793,7 +13793,7 @@
           </p:nvSpPr>
           <p:spPr>
             <a:xfrm>
-              <a:off x="4667685" y="2394084"/>
+              <a:off x="4838918" y="2394067"/>
               <a:ext cx="63202" cy="63202"/>
             </a:xfrm>
             <a:custGeom>
@@ -13836,7 +13836,7 @@
           </p:nvSpPr>
           <p:spPr>
             <a:xfrm>
-              <a:off x="4689143" y="2755912"/>
+              <a:off x="4788525" y="2755905"/>
               <a:ext cx="63202" cy="63202"/>
             </a:xfrm>
             <a:custGeom>
@@ -13879,7 +13879,7 @@
           </p:nvSpPr>
           <p:spPr>
             <a:xfrm>
-              <a:off x="5111559" y="2368570"/>
+              <a:off x="4679555" y="2368557"/>
               <a:ext cx="63202" cy="63202"/>
             </a:xfrm>
             <a:custGeom>
@@ -13922,7 +13922,7 @@
           </p:nvSpPr>
           <p:spPr>
             <a:xfrm>
-              <a:off x="4973506" y="2397889"/>
+              <a:off x="5003220" y="2397903"/>
               <a:ext cx="63202" cy="63202"/>
             </a:xfrm>
             <a:custGeom>
@@ -13965,7 +13965,7 @@
           </p:nvSpPr>
           <p:spPr>
             <a:xfrm>
-              <a:off x="4690822" y="2406030"/>
+              <a:off x="4920250" y="2406040"/>
               <a:ext cx="63202" cy="63202"/>
             </a:xfrm>
             <a:custGeom>
@@ -14008,7 +14008,7 @@
           </p:nvSpPr>
           <p:spPr>
             <a:xfrm>
-              <a:off x="4533987" y="2461989"/>
+              <a:off x="4507209" y="2461998"/>
               <a:ext cx="63202" cy="63202"/>
             </a:xfrm>
             <a:custGeom>
@@ -14051,7 +14051,7 @@
           </p:nvSpPr>
           <p:spPr>
             <a:xfrm>
-              <a:off x="5011904" y="2360136"/>
+              <a:off x="4874135" y="2360140"/>
               <a:ext cx="63202" cy="63202"/>
             </a:xfrm>
             <a:custGeom>
@@ -14094,7 +14094,7 @@
           </p:nvSpPr>
           <p:spPr>
             <a:xfrm>
-              <a:off x="4762492" y="2414751"/>
+              <a:off x="4606623" y="2414768"/>
               <a:ext cx="63202" cy="63202"/>
             </a:xfrm>
             <a:custGeom>
@@ -14137,7 +14137,7 @@
           </p:nvSpPr>
           <p:spPr>
             <a:xfrm>
-              <a:off x="4522221" y="2403531"/>
+              <a:off x="4645901" y="2403536"/>
               <a:ext cx="63202" cy="63202"/>
             </a:xfrm>
             <a:custGeom>
@@ -14236,7 +14236,7 @@
           </p:nvSpPr>
           <p:spPr>
             <a:xfrm>
-              <a:off x="4325757" y="4722692"/>
+              <a:off x="4325757" y="4722697"/>
               <a:ext cx="2796732" cy="0"/>
             </a:xfrm>
             <a:custGeom>
@@ -14279,7 +14279,7 @@
           </p:nvSpPr>
           <p:spPr>
             <a:xfrm>
-              <a:off x="4325757" y="4237895"/>
+              <a:off x="4325757" y="4237894"/>
               <a:ext cx="2796732" cy="0"/>
             </a:xfrm>
             <a:custGeom>
@@ -14322,7 +14322,7 @@
           </p:nvSpPr>
           <p:spPr>
             <a:xfrm>
-              <a:off x="4325757" y="3753098"/>
+              <a:off x="4325757" y="3753091"/>
               <a:ext cx="2796732" cy="0"/>
             </a:xfrm>
             <a:custGeom>
@@ -14365,7 +14365,7 @@
           </p:nvSpPr>
           <p:spPr>
             <a:xfrm>
-              <a:off x="4325757" y="4965091"/>
+              <a:off x="4325757" y="4965099"/>
               <a:ext cx="2796732" cy="0"/>
             </a:xfrm>
             <a:custGeom>
@@ -14408,7 +14408,7 @@
           </p:nvSpPr>
           <p:spPr>
             <a:xfrm>
-              <a:off x="4325757" y="4480294"/>
+              <a:off x="4325757" y="4480296"/>
               <a:ext cx="2796732" cy="0"/>
             </a:xfrm>
             <a:custGeom>
@@ -14451,7 +14451,7 @@
           </p:nvSpPr>
           <p:spPr>
             <a:xfrm>
-              <a:off x="4325757" y="3995497"/>
+              <a:off x="4325757" y="3995492"/>
               <a:ext cx="2796732" cy="0"/>
             </a:xfrm>
             <a:custGeom>
@@ -14494,7 +14494,7 @@
           </p:nvSpPr>
           <p:spPr>
             <a:xfrm>
-              <a:off x="4325757" y="3510699"/>
+              <a:off x="4325757" y="3510689"/>
               <a:ext cx="2796732" cy="0"/>
             </a:xfrm>
             <a:custGeom>
@@ -14666,7 +14666,7 @@
           </p:nvSpPr>
           <p:spPr>
             <a:xfrm>
-              <a:off x="5848923" y="4821831"/>
+              <a:off x="5387538" y="4821847"/>
               <a:ext cx="63202" cy="63202"/>
             </a:xfrm>
             <a:custGeom>
@@ -14709,7 +14709,7 @@
           </p:nvSpPr>
           <p:spPr>
             <a:xfrm>
-              <a:off x="5077227" y="4732211"/>
+              <a:off x="5093290" y="4732197"/>
               <a:ext cx="63202" cy="63202"/>
             </a:xfrm>
             <a:custGeom>
@@ -14752,7 +14752,7 @@
           </p:nvSpPr>
           <p:spPr>
             <a:xfrm>
-              <a:off x="5090705" y="4371859"/>
+              <a:off x="4691856" y="4371863"/>
               <a:ext cx="63202" cy="63202"/>
             </a:xfrm>
             <a:custGeom>
@@ -14795,7 +14795,7 @@
           </p:nvSpPr>
           <p:spPr>
             <a:xfrm>
-              <a:off x="6226583" y="4883747"/>
+              <a:off x="6634188" y="4883747"/>
               <a:ext cx="63202" cy="63202"/>
             </a:xfrm>
             <a:custGeom>
@@ -14894,7 +14894,7 @@
           </p:nvSpPr>
           <p:spPr>
             <a:xfrm>
-              <a:off x="4325757" y="6648025"/>
+              <a:off x="4325757" y="6648030"/>
               <a:ext cx="2796732" cy="0"/>
             </a:xfrm>
             <a:custGeom>
@@ -14937,7 +14937,7 @@
           </p:nvSpPr>
           <p:spPr>
             <a:xfrm>
-              <a:off x="4325757" y="6163228"/>
+              <a:off x="4325757" y="6163227"/>
               <a:ext cx="2796732" cy="0"/>
             </a:xfrm>
             <a:custGeom>
@@ -14980,7 +14980,7 @@
           </p:nvSpPr>
           <p:spPr>
             <a:xfrm>
-              <a:off x="4325757" y="5678431"/>
+              <a:off x="4325757" y="5678424"/>
               <a:ext cx="2796732" cy="0"/>
             </a:xfrm>
             <a:custGeom>
@@ -15023,7 +15023,7 @@
           </p:nvSpPr>
           <p:spPr>
             <a:xfrm>
-              <a:off x="4325757" y="6890424"/>
+              <a:off x="4325757" y="6890431"/>
               <a:ext cx="2796732" cy="0"/>
             </a:xfrm>
             <a:custGeom>
@@ -15066,7 +15066,7 @@
           </p:nvSpPr>
           <p:spPr>
             <a:xfrm>
-              <a:off x="4325757" y="6405626"/>
+              <a:off x="4325757" y="6405628"/>
               <a:ext cx="2796732" cy="0"/>
             </a:xfrm>
             <a:custGeom>
@@ -15109,7 +15109,7 @@
           </p:nvSpPr>
           <p:spPr>
             <a:xfrm>
-              <a:off x="4325757" y="5920829"/>
+              <a:off x="4325757" y="5920825"/>
               <a:ext cx="2796732" cy="0"/>
             </a:xfrm>
             <a:custGeom>
@@ -15152,7 +15152,7 @@
           </p:nvSpPr>
           <p:spPr>
             <a:xfrm>
-              <a:off x="4325757" y="5436032"/>
+              <a:off x="4325757" y="5436022"/>
               <a:ext cx="2796732" cy="0"/>
             </a:xfrm>
             <a:custGeom>
@@ -15324,7 +15324,7 @@
           </p:nvSpPr>
           <p:spPr>
             <a:xfrm>
-              <a:off x="4691637" y="6069269"/>
+              <a:off x="4707146" y="6069287"/>
               <a:ext cx="63202" cy="63202"/>
             </a:xfrm>
             <a:custGeom>
@@ -15367,7 +15367,7 @@
           </p:nvSpPr>
           <p:spPr>
             <a:xfrm>
-              <a:off x="4764463" y="6063074"/>
+              <a:off x="4781685" y="6063059"/>
               <a:ext cx="63202" cy="63202"/>
             </a:xfrm>
             <a:custGeom>
@@ -15410,7 +15410,7 @@
           </p:nvSpPr>
           <p:spPr>
             <a:xfrm>
-              <a:off x="5008506" y="6072640"/>
+              <a:off x="4618229" y="6072611"/>
               <a:ext cx="63202" cy="63202"/>
             </a:xfrm>
             <a:custGeom>
@@ -15453,7 +15453,7 @@
           </p:nvSpPr>
           <p:spPr>
             <a:xfrm>
-              <a:off x="4476829" y="6055898"/>
+              <a:off x="4601312" y="6055915"/>
               <a:ext cx="63202" cy="63202"/>
             </a:xfrm>
             <a:custGeom>
@@ -15496,7 +15496,7 @@
           </p:nvSpPr>
           <p:spPr>
             <a:xfrm>
-              <a:off x="4671844" y="6058538"/>
+              <a:off x="4667298" y="6058525"/>
               <a:ext cx="63202" cy="63202"/>
             </a:xfrm>
             <a:custGeom>
@@ -15539,7 +15539,7 @@
           </p:nvSpPr>
           <p:spPr>
             <a:xfrm>
-              <a:off x="4833025" y="6071962"/>
+              <a:off x="5109691" y="6071933"/>
               <a:ext cx="63202" cy="63202"/>
             </a:xfrm>
             <a:custGeom>
@@ -15582,7 +15582,7 @@
           </p:nvSpPr>
           <p:spPr>
             <a:xfrm>
-              <a:off x="4666463" y="6055567"/>
+              <a:off x="4624181" y="6055555"/>
               <a:ext cx="63202" cy="63202"/>
             </a:xfrm>
             <a:custGeom>
@@ -15625,7 +15625,7 @@
           </p:nvSpPr>
           <p:spPr>
             <a:xfrm>
-              <a:off x="5056033" y="6216594"/>
+              <a:off x="5057010" y="6216614"/>
               <a:ext cx="63202" cy="63202"/>
             </a:xfrm>
             <a:custGeom>
@@ -15668,7 +15668,7 @@
           </p:nvSpPr>
           <p:spPr>
             <a:xfrm>
-              <a:off x="5047728" y="6074475"/>
+              <a:off x="4471818" y="6074450"/>
               <a:ext cx="63202" cy="63202"/>
             </a:xfrm>
             <a:custGeom>
@@ -15711,7 +15711,7 @@
           </p:nvSpPr>
           <p:spPr>
             <a:xfrm>
-              <a:off x="5050739" y="6079118"/>
+              <a:off x="4954751" y="6079104"/>
               <a:ext cx="63202" cy="63202"/>
             </a:xfrm>
             <a:custGeom>
@@ -15754,7 +15754,7 @@
           </p:nvSpPr>
           <p:spPr>
             <a:xfrm>
-              <a:off x="4897272" y="6079450"/>
+              <a:off x="5132345" y="6079477"/>
               <a:ext cx="63202" cy="63202"/>
             </a:xfrm>
             <a:custGeom>
@@ -15797,7 +15797,7 @@
           </p:nvSpPr>
           <p:spPr>
             <a:xfrm>
-              <a:off x="5020403" y="6136815"/>
+              <a:off x="4960362" y="6136795"/>
               <a:ext cx="63202" cy="63202"/>
             </a:xfrm>
             <a:custGeom>
@@ -15840,7 +15840,7 @@
           </p:nvSpPr>
           <p:spPr>
             <a:xfrm>
-              <a:off x="4681482" y="6171675"/>
+              <a:off x="4948663" y="6171660"/>
               <a:ext cx="63202" cy="63202"/>
             </a:xfrm>
             <a:custGeom>
@@ -15883,7 +15883,7 @@
           </p:nvSpPr>
           <p:spPr>
             <a:xfrm>
-              <a:off x="5050075" y="6071817"/>
+              <a:off x="4750639" y="6071796"/>
               <a:ext cx="63202" cy="63202"/>
             </a:xfrm>
             <a:custGeom>
@@ -15926,7 +15926,7 @@
           </p:nvSpPr>
           <p:spPr>
             <a:xfrm>
-              <a:off x="4973854" y="6071446"/>
+              <a:off x="4948552" y="6071453"/>
               <a:ext cx="63202" cy="63202"/>
             </a:xfrm>
             <a:custGeom>
@@ -15969,7 +15969,7 @@
           </p:nvSpPr>
           <p:spPr>
             <a:xfrm>
-              <a:off x="4657700" y="6050705"/>
+              <a:off x="5155222" y="6050700"/>
               <a:ext cx="63202" cy="63202"/>
             </a:xfrm>
             <a:custGeom>
@@ -16012,7 +16012,7 @@
           </p:nvSpPr>
           <p:spPr>
             <a:xfrm>
-              <a:off x="4955604" y="6075885"/>
+              <a:off x="4968400" y="6075883"/>
               <a:ext cx="63202" cy="63202"/>
             </a:xfrm>
             <a:custGeom>
@@ -16055,7 +16055,7 @@
           </p:nvSpPr>
           <p:spPr>
             <a:xfrm>
-              <a:off x="4482719" y="6042893"/>
+              <a:off x="5032275" y="6042907"/>
               <a:ext cx="63202" cy="63202"/>
             </a:xfrm>
             <a:custGeom>
@@ -16098,7 +16098,7 @@
           </p:nvSpPr>
           <p:spPr>
             <a:xfrm>
-              <a:off x="4549570" y="6070630"/>
+              <a:off x="5014982" y="6070628"/>
               <a:ext cx="63202" cy="63202"/>
             </a:xfrm>
             <a:custGeom>
@@ -16141,7 +16141,7 @@
           </p:nvSpPr>
           <p:spPr>
             <a:xfrm>
-              <a:off x="4842375" y="6055701"/>
+              <a:off x="4563782" y="6055692"/>
               <a:ext cx="63202" cy="63202"/>
             </a:xfrm>
             <a:custGeom>
@@ -16184,7 +16184,7 @@
           </p:nvSpPr>
           <p:spPr>
             <a:xfrm>
-              <a:off x="4570248" y="6305964"/>
+              <a:off x="5014273" y="6305950"/>
               <a:ext cx="63202" cy="63202"/>
             </a:xfrm>
             <a:custGeom>
@@ -16227,7 +16227,7 @@
           </p:nvSpPr>
           <p:spPr>
             <a:xfrm>
-              <a:off x="4791116" y="6134816"/>
+              <a:off x="4531176" y="6134844"/>
               <a:ext cx="63202" cy="63202"/>
             </a:xfrm>
             <a:custGeom>
@@ -16270,7 +16270,7 @@
           </p:nvSpPr>
           <p:spPr>
             <a:xfrm>
-              <a:off x="4546631" y="6070270"/>
+              <a:off x="4688120" y="6070238"/>
               <a:ext cx="63202" cy="63202"/>
             </a:xfrm>
             <a:custGeom>
@@ -16313,7 +16313,7 @@
           </p:nvSpPr>
           <p:spPr>
             <a:xfrm>
-              <a:off x="5035929" y="6053767"/>
+              <a:off x="4988155" y="6053771"/>
               <a:ext cx="63202" cy="63202"/>
             </a:xfrm>
             <a:custGeom>
@@ -16356,7 +16356,7 @@
           </p:nvSpPr>
           <p:spPr>
             <a:xfrm>
-              <a:off x="4797072" y="6058171"/>
+              <a:off x="5098590" y="6058191"/>
               <a:ext cx="63202" cy="63202"/>
             </a:xfrm>
             <a:custGeom>
@@ -16399,7 +16399,7 @@
           </p:nvSpPr>
           <p:spPr>
             <a:xfrm>
-              <a:off x="4639141" y="6063889"/>
+              <a:off x="4963224" y="6063907"/>
               <a:ext cx="63202" cy="63202"/>
             </a:xfrm>
             <a:custGeom>
@@ -16442,7 +16442,7 @@
           </p:nvSpPr>
           <p:spPr>
             <a:xfrm>
-              <a:off x="4760150" y="6079126"/>
+              <a:off x="4503833" y="6079123"/>
               <a:ext cx="63202" cy="63202"/>
             </a:xfrm>
             <a:custGeom>
@@ -16485,7 +16485,7 @@
           </p:nvSpPr>
           <p:spPr>
             <a:xfrm>
-              <a:off x="4731377" y="6075506"/>
+              <a:off x="4715834" y="6075467"/>
               <a:ext cx="63202" cy="63202"/>
             </a:xfrm>
             <a:custGeom>
@@ -16528,7 +16528,7 @@
           </p:nvSpPr>
           <p:spPr>
             <a:xfrm>
-              <a:off x="5108760" y="6060945"/>
+              <a:off x="4854722" y="6060955"/>
               <a:ext cx="63202" cy="63202"/>
             </a:xfrm>
             <a:custGeom>
@@ -16571,7 +16571,7 @@
           </p:nvSpPr>
           <p:spPr>
             <a:xfrm>
-              <a:off x="4786358" y="6074484"/>
+              <a:off x="4883708" y="6074465"/>
               <a:ext cx="63202" cy="63202"/>
             </a:xfrm>
             <a:custGeom>
@@ -16614,7 +16614,7 @@
           </p:nvSpPr>
           <p:spPr>
             <a:xfrm>
-              <a:off x="4948338" y="6067931"/>
+              <a:off x="4983600" y="6067923"/>
               <a:ext cx="63202" cy="63202"/>
             </a:xfrm>
             <a:custGeom>
@@ -16657,7 +16657,7 @@
           </p:nvSpPr>
           <p:spPr>
             <a:xfrm>
-              <a:off x="4558569" y="6051087"/>
+              <a:off x="4919614" y="6051086"/>
               <a:ext cx="63202" cy="63202"/>
             </a:xfrm>
             <a:custGeom>
@@ -16700,7 +16700,7 @@
           </p:nvSpPr>
           <p:spPr>
             <a:xfrm>
-              <a:off x="4889870" y="6051929"/>
+              <a:off x="5146381" y="6051916"/>
               <a:ext cx="63202" cy="63202"/>
             </a:xfrm>
             <a:custGeom>
@@ -16743,7 +16743,7 @@
           </p:nvSpPr>
           <p:spPr>
             <a:xfrm>
-              <a:off x="5050113" y="6055557"/>
+              <a:off x="4861104" y="6055551"/>
               <a:ext cx="63202" cy="63202"/>
             </a:xfrm>
             <a:custGeom>
@@ -16786,7 +16786,7 @@
           </p:nvSpPr>
           <p:spPr>
             <a:xfrm>
-              <a:off x="4845825" y="6071367"/>
+              <a:off x="4541345" y="6071375"/>
               <a:ext cx="63202" cy="63202"/>
             </a:xfrm>
             <a:custGeom>
@@ -16829,7 +16829,7 @@
           </p:nvSpPr>
           <p:spPr>
             <a:xfrm>
-              <a:off x="4476341" y="6075880"/>
+              <a:off x="4813879" y="6075863"/>
               <a:ext cx="63202" cy="63202"/>
             </a:xfrm>
             <a:custGeom>
@@ -16872,7 +16872,7 @@
           </p:nvSpPr>
           <p:spPr>
             <a:xfrm>
-              <a:off x="4978406" y="6070398"/>
+              <a:off x="5036276" y="6070389"/>
               <a:ext cx="63202" cy="63202"/>
             </a:xfrm>
             <a:custGeom>
@@ -16915,7 +16915,7 @@
           </p:nvSpPr>
           <p:spPr>
             <a:xfrm>
-              <a:off x="5123003" y="6051907"/>
+              <a:off x="5104608" y="6051934"/>
               <a:ext cx="63202" cy="63202"/>
             </a:xfrm>
             <a:custGeom>
@@ -16958,7 +16958,7 @@
           </p:nvSpPr>
           <p:spPr>
             <a:xfrm>
-              <a:off x="5111801" y="6074754"/>
+              <a:off x="4618450" y="6074773"/>
               <a:ext cx="63202" cy="63202"/>
             </a:xfrm>
             <a:custGeom>
@@ -17001,7 +17001,7 @@
           </p:nvSpPr>
           <p:spPr>
             <a:xfrm>
-              <a:off x="4942830" y="6123862"/>
+              <a:off x="5138245" y="6123884"/>
               <a:ext cx="63202" cy="63202"/>
             </a:xfrm>
             <a:custGeom>
@@ -17044,7 +17044,7 @@
           </p:nvSpPr>
           <p:spPr>
             <a:xfrm>
-              <a:off x="4489218" y="6059630"/>
+              <a:off x="5035417" y="6059649"/>
               <a:ext cx="63202" cy="63202"/>
             </a:xfrm>
             <a:custGeom>
@@ -17087,7 +17087,7 @@
           </p:nvSpPr>
           <p:spPr>
             <a:xfrm>
-              <a:off x="4522728" y="6055413"/>
+              <a:off x="4575907" y="6055399"/>
               <a:ext cx="63202" cy="63202"/>
             </a:xfrm>
             <a:custGeom>
@@ -17130,7 +17130,7 @@
           </p:nvSpPr>
           <p:spPr>
             <a:xfrm>
-              <a:off x="5039224" y="6065349"/>
+              <a:off x="4670032" y="6065341"/>
               <a:ext cx="63202" cy="63202"/>
             </a:xfrm>
             <a:custGeom>
@@ -17173,7 +17173,7 @@
           </p:nvSpPr>
           <p:spPr>
             <a:xfrm>
-              <a:off x="4766289" y="6077266"/>
+              <a:off x="4989604" y="6077297"/>
               <a:ext cx="63202" cy="63202"/>
             </a:xfrm>
             <a:custGeom>
@@ -17216,7 +17216,7 @@
           </p:nvSpPr>
           <p:spPr>
             <a:xfrm>
-              <a:off x="4933727" y="6071418"/>
+              <a:off x="4601589" y="6071420"/>
               <a:ext cx="63202" cy="63202"/>
             </a:xfrm>
             <a:custGeom>
@@ -17259,7 +17259,7 @@
           </p:nvSpPr>
           <p:spPr>
             <a:xfrm>
-              <a:off x="5042801" y="6065082"/>
+              <a:off x="4532265" y="6065077"/>
               <a:ext cx="63202" cy="63202"/>
             </a:xfrm>
             <a:custGeom>
@@ -17302,7 +17302,7 @@
           </p:nvSpPr>
           <p:spPr>
             <a:xfrm>
-              <a:off x="4848793" y="6097337"/>
+              <a:off x="5130403" y="6097336"/>
               <a:ext cx="63202" cy="63202"/>
             </a:xfrm>
             <a:custGeom>
@@ -17345,7 +17345,7 @@
           </p:nvSpPr>
           <p:spPr>
             <a:xfrm>
-              <a:off x="4519814" y="6050095"/>
+              <a:off x="5143464" y="6050081"/>
               <a:ext cx="63202" cy="63202"/>
             </a:xfrm>
             <a:custGeom>
@@ -17388,7 +17388,7 @@
           </p:nvSpPr>
           <p:spPr>
             <a:xfrm>
-              <a:off x="4741689" y="6082867"/>
+              <a:off x="5018772" y="6082849"/>
               <a:ext cx="63202" cy="63202"/>
             </a:xfrm>
             <a:custGeom>
@@ -17431,7 +17431,7 @@
           </p:nvSpPr>
           <p:spPr>
             <a:xfrm>
-              <a:off x="4989956" y="6050761"/>
+              <a:off x="4996136" y="6050759"/>
               <a:ext cx="63202" cy="63202"/>
             </a:xfrm>
             <a:custGeom>
@@ -17474,7 +17474,7 @@
           </p:nvSpPr>
           <p:spPr>
             <a:xfrm>
-              <a:off x="4622763" y="6082937"/>
+              <a:off x="5124866" y="6082954"/>
               <a:ext cx="63202" cy="63202"/>
             </a:xfrm>
             <a:custGeom>
@@ -17517,7 +17517,7 @@
           </p:nvSpPr>
           <p:spPr>
             <a:xfrm>
-              <a:off x="4952627" y="6060353"/>
+              <a:off x="4683462" y="6060349"/>
               <a:ext cx="63202" cy="63202"/>
             </a:xfrm>
             <a:custGeom>
@@ -17560,7 +17560,7 @@
           </p:nvSpPr>
           <p:spPr>
             <a:xfrm>
-              <a:off x="4908113" y="6153261"/>
+              <a:off x="4564445" y="6153231"/>
               <a:ext cx="63202" cy="63202"/>
             </a:xfrm>
             <a:custGeom>
@@ -17603,7 +17603,7 @@
           </p:nvSpPr>
           <p:spPr>
             <a:xfrm>
-              <a:off x="4591519" y="6053427"/>
+              <a:off x="4850826" y="6053431"/>
               <a:ext cx="63202" cy="63202"/>
             </a:xfrm>
             <a:custGeom>
@@ -17646,7 +17646,7 @@
           </p:nvSpPr>
           <p:spPr>
             <a:xfrm>
-              <a:off x="4725973" y="6058476"/>
+              <a:off x="4963968" y="6058486"/>
               <a:ext cx="63202" cy="63202"/>
             </a:xfrm>
             <a:custGeom>
@@ -17689,7 +17689,7 @@
           </p:nvSpPr>
           <p:spPr>
             <a:xfrm>
-              <a:off x="5024268" y="6048088"/>
+              <a:off x="4857616" y="6048079"/>
               <a:ext cx="63202" cy="63202"/>
             </a:xfrm>
             <a:custGeom>
@@ -17732,7 +17732,7 @@
           </p:nvSpPr>
           <p:spPr>
             <a:xfrm>
-              <a:off x="4486333" y="6530595"/>
+              <a:off x="5023681" y="6530634"/>
               <a:ext cx="63202" cy="63202"/>
             </a:xfrm>
             <a:custGeom>
@@ -17775,7 +17775,7 @@
           </p:nvSpPr>
           <p:spPr>
             <a:xfrm>
-              <a:off x="4695841" y="6056476"/>
+              <a:off x="4935878" y="6056490"/>
               <a:ext cx="63202" cy="63202"/>
             </a:xfrm>
             <a:custGeom>
@@ -17818,7 +17818,7 @@
           </p:nvSpPr>
           <p:spPr>
             <a:xfrm>
-              <a:off x="4640092" y="6056499"/>
+              <a:off x="5138455" y="6056491"/>
               <a:ext cx="63202" cy="63202"/>
             </a:xfrm>
             <a:custGeom>
@@ -17861,7 +17861,7 @@
           </p:nvSpPr>
           <p:spPr>
             <a:xfrm>
-              <a:off x="4966664" y="6070822"/>
+              <a:off x="4583279" y="6070838"/>
               <a:ext cx="63202" cy="63202"/>
             </a:xfrm>
             <a:custGeom>
@@ -17904,7 +17904,7 @@
           </p:nvSpPr>
           <p:spPr>
             <a:xfrm>
-              <a:off x="4555180" y="6066264"/>
+              <a:off x="4601216" y="6066280"/>
               <a:ext cx="63202" cy="63202"/>
             </a:xfrm>
             <a:custGeom>
@@ -17947,7 +17947,7 @@
           </p:nvSpPr>
           <p:spPr>
             <a:xfrm>
-              <a:off x="4954298" y="6070539"/>
+              <a:off x="5166653" y="6070537"/>
               <a:ext cx="63202" cy="63202"/>
             </a:xfrm>
             <a:custGeom>
@@ -17990,7 +17990,7 @@
           </p:nvSpPr>
           <p:spPr>
             <a:xfrm>
-              <a:off x="4622952" y="6184571"/>
+              <a:off x="4527238" y="6184569"/>
               <a:ext cx="63202" cy="63202"/>
             </a:xfrm>
             <a:custGeom>
@@ -18033,7 +18033,7 @@
           </p:nvSpPr>
           <p:spPr>
             <a:xfrm>
-              <a:off x="4601618" y="6109852"/>
+              <a:off x="4512051" y="6109870"/>
               <a:ext cx="63202" cy="63202"/>
             </a:xfrm>
             <a:custGeom>
@@ -18076,7 +18076,7 @@
           </p:nvSpPr>
           <p:spPr>
             <a:xfrm>
-              <a:off x="4932074" y="6058389"/>
+              <a:off x="4588261" y="6058380"/>
               <a:ext cx="63202" cy="63202"/>
             </a:xfrm>
             <a:custGeom>
@@ -18119,7 +18119,7 @@
           </p:nvSpPr>
           <p:spPr>
             <a:xfrm>
-              <a:off x="4605601" y="6223141"/>
+              <a:off x="5025415" y="6223174"/>
               <a:ext cx="63202" cy="63202"/>
             </a:xfrm>
             <a:custGeom>
@@ -18162,7 +18162,7 @@
           </p:nvSpPr>
           <p:spPr>
             <a:xfrm>
-              <a:off x="4709940" y="6081491"/>
+              <a:off x="4847598" y="6081510"/>
               <a:ext cx="63202" cy="63202"/>
             </a:xfrm>
             <a:custGeom>
@@ -18205,7 +18205,7 @@
           </p:nvSpPr>
           <p:spPr>
             <a:xfrm>
-              <a:off x="4930276" y="6093368"/>
+              <a:off x="5058845" y="6093383"/>
               <a:ext cx="63202" cy="63202"/>
             </a:xfrm>
             <a:custGeom>
@@ -18248,7 +18248,7 @@
           </p:nvSpPr>
           <p:spPr>
             <a:xfrm>
-              <a:off x="4807516" y="6053367"/>
+              <a:off x="4486775" y="6053374"/>
               <a:ext cx="63202" cy="63202"/>
             </a:xfrm>
             <a:custGeom>
@@ -18291,7 +18291,7 @@
           </p:nvSpPr>
           <p:spPr>
             <a:xfrm>
-              <a:off x="5146756" y="6071327"/>
+              <a:off x="4475615" y="6071314"/>
               <a:ext cx="63202" cy="63202"/>
             </a:xfrm>
             <a:custGeom>
@@ -18334,7 +18334,7 @@
           </p:nvSpPr>
           <p:spPr>
             <a:xfrm>
-              <a:off x="5109240" y="6068761"/>
+              <a:off x="4773802" y="6068735"/>
               <a:ext cx="63202" cy="63202"/>
             </a:xfrm>
             <a:custGeom>
@@ -18377,7 +18377,7 @@
           </p:nvSpPr>
           <p:spPr>
             <a:xfrm>
-              <a:off x="5120805" y="6049874"/>
+              <a:off x="4518653" y="6049889"/>
               <a:ext cx="63202" cy="63202"/>
             </a:xfrm>
             <a:custGeom>
@@ -18420,7 +18420,7 @@
           </p:nvSpPr>
           <p:spPr>
             <a:xfrm>
-              <a:off x="5160824" y="6172912"/>
+              <a:off x="4779695" y="6172926"/>
               <a:ext cx="63202" cy="63202"/>
             </a:xfrm>
             <a:custGeom>
@@ -18463,7 +18463,7 @@
           </p:nvSpPr>
           <p:spPr>
             <a:xfrm>
-              <a:off x="4919682" y="6052912"/>
+              <a:off x="4773621" y="6052888"/>
               <a:ext cx="63202" cy="63202"/>
             </a:xfrm>
             <a:custGeom>
@@ -18506,7 +18506,7 @@
           </p:nvSpPr>
           <p:spPr>
             <a:xfrm>
-              <a:off x="4971339" y="6064298"/>
+              <a:off x="5008086" y="6064293"/>
               <a:ext cx="63202" cy="63202"/>
             </a:xfrm>
             <a:custGeom>
@@ -18549,7 +18549,7 @@
           </p:nvSpPr>
           <p:spPr>
             <a:xfrm>
-              <a:off x="4657581" y="6097358"/>
+              <a:off x="4953687" y="6097344"/>
               <a:ext cx="63202" cy="63202"/>
             </a:xfrm>
             <a:custGeom>
@@ -18592,7 +18592,7 @@
           </p:nvSpPr>
           <p:spPr>
             <a:xfrm>
-              <a:off x="4524358" y="6067277"/>
+              <a:off x="4995200" y="6067278"/>
               <a:ext cx="63202" cy="63202"/>
             </a:xfrm>
             <a:custGeom>
@@ -18635,7 +18635,7 @@
           </p:nvSpPr>
           <p:spPr>
             <a:xfrm>
-              <a:off x="4615373" y="6065870"/>
+              <a:off x="4577628" y="6065888"/>
               <a:ext cx="63202" cy="63202"/>
             </a:xfrm>
             <a:custGeom>
@@ -18678,7 +18678,7 @@
           </p:nvSpPr>
           <p:spPr>
             <a:xfrm>
-              <a:off x="4494499" y="6067673"/>
+              <a:off x="4808237" y="6067662"/>
               <a:ext cx="63202" cy="63202"/>
             </a:xfrm>
             <a:custGeom>
@@ -18721,7 +18721,7 @@
           </p:nvSpPr>
           <p:spPr>
             <a:xfrm>
-              <a:off x="4824608" y="6069875"/>
+              <a:off x="5013664" y="6069851"/>
               <a:ext cx="63202" cy="63202"/>
             </a:xfrm>
             <a:custGeom>
@@ -18764,7 +18764,7 @@
           </p:nvSpPr>
           <p:spPr>
             <a:xfrm>
-              <a:off x="4568188" y="6075894"/>
+              <a:off x="4683032" y="6075876"/>
               <a:ext cx="63202" cy="63202"/>
             </a:xfrm>
             <a:custGeom>
@@ -18807,7 +18807,7 @@
           </p:nvSpPr>
           <p:spPr>
             <a:xfrm>
-              <a:off x="4545725" y="6068666"/>
+              <a:off x="4727346" y="6068645"/>
               <a:ext cx="63202" cy="63202"/>
             </a:xfrm>
             <a:custGeom>
@@ -18850,7 +18850,7 @@
           </p:nvSpPr>
           <p:spPr>
             <a:xfrm>
-              <a:off x="4515291" y="6530047"/>
+              <a:off x="4893608" y="6530018"/>
               <a:ext cx="63202" cy="63202"/>
             </a:xfrm>
             <a:custGeom>
@@ -18893,7 +18893,7 @@
           </p:nvSpPr>
           <p:spPr>
             <a:xfrm>
-              <a:off x="4524715" y="6075070"/>
+              <a:off x="4495011" y="6075056"/>
               <a:ext cx="63202" cy="63202"/>
             </a:xfrm>
             <a:custGeom>
@@ -18936,7 +18936,7 @@
           </p:nvSpPr>
           <p:spPr>
             <a:xfrm>
-              <a:off x="5343741" y="6724354"/>
+              <a:off x="5717151" y="6724346"/>
               <a:ext cx="63202" cy="63202"/>
             </a:xfrm>
             <a:custGeom>
@@ -18979,7 +18979,7 @@
           </p:nvSpPr>
           <p:spPr>
             <a:xfrm>
-              <a:off x="4630164" y="6094991"/>
+              <a:off x="4824718" y="6094988"/>
               <a:ext cx="63202" cy="63202"/>
             </a:xfrm>
             <a:custGeom>
@@ -19022,7 +19022,7 @@
           </p:nvSpPr>
           <p:spPr>
             <a:xfrm>
-              <a:off x="4697123" y="6072246"/>
+              <a:off x="4943963" y="6072232"/>
               <a:ext cx="63202" cy="63202"/>
             </a:xfrm>
             <a:custGeom>
@@ -19065,7 +19065,7 @@
           </p:nvSpPr>
           <p:spPr>
             <a:xfrm>
-              <a:off x="5064404" y="6065111"/>
+              <a:off x="4919518" y="6065096"/>
               <a:ext cx="63202" cy="63202"/>
             </a:xfrm>
             <a:custGeom>
@@ -19108,7 +19108,7 @@
           </p:nvSpPr>
           <p:spPr>
             <a:xfrm>
-              <a:off x="4905466" y="6066169"/>
+              <a:off x="5126551" y="6066167"/>
               <a:ext cx="63202" cy="63202"/>
             </a:xfrm>
             <a:custGeom>
@@ -19151,7 +19151,7 @@
           </p:nvSpPr>
           <p:spPr>
             <a:xfrm>
-              <a:off x="4700710" y="6076228"/>
+              <a:off x="4924811" y="6076221"/>
               <a:ext cx="63202" cy="63202"/>
             </a:xfrm>
             <a:custGeom>
@@ -19194,7 +19194,7 @@
           </p:nvSpPr>
           <p:spPr>
             <a:xfrm>
-              <a:off x="4853889" y="6080625"/>
+              <a:off x="4720806" y="6080635"/>
               <a:ext cx="63202" cy="63202"/>
             </a:xfrm>
             <a:custGeom>
@@ -19237,7 +19237,7 @@
           </p:nvSpPr>
           <p:spPr>
             <a:xfrm>
-              <a:off x="4892199" y="6070658"/>
+              <a:off x="4938906" y="6070627"/>
               <a:ext cx="63202" cy="63202"/>
             </a:xfrm>
             <a:custGeom>
@@ -19280,7 +19280,7 @@
           </p:nvSpPr>
           <p:spPr>
             <a:xfrm>
-              <a:off x="5161213" y="6072827"/>
+              <a:off x="4857063" y="6072810"/>
               <a:ext cx="63202" cy="63202"/>
             </a:xfrm>
             <a:custGeom>
@@ -19323,7 +19323,7 @@
           </p:nvSpPr>
           <p:spPr>
             <a:xfrm>
-              <a:off x="5159510" y="6068850"/>
+              <a:off x="4643666" y="6068852"/>
               <a:ext cx="63202" cy="63202"/>
             </a:xfrm>
             <a:custGeom>
@@ -19366,7 +19366,7 @@
           </p:nvSpPr>
           <p:spPr>
             <a:xfrm>
-              <a:off x="4513560" y="6053344"/>
+              <a:off x="5120247" y="6053344"/>
               <a:ext cx="63202" cy="63202"/>
             </a:xfrm>
             <a:custGeom>
@@ -19409,7 +19409,7 @@
           </p:nvSpPr>
           <p:spPr>
             <a:xfrm>
-              <a:off x="5166385" y="6061137"/>
+              <a:off x="4620812" y="6061139"/>
               <a:ext cx="63202" cy="63202"/>
             </a:xfrm>
             <a:custGeom>
@@ -19452,7 +19452,7 @@
           </p:nvSpPr>
           <p:spPr>
             <a:xfrm>
-              <a:off x="4732536" y="6059650"/>
+              <a:off x="4527578" y="6059639"/>
               <a:ext cx="63202" cy="63202"/>
             </a:xfrm>
             <a:custGeom>
@@ -19495,7 +19495,7 @@
           </p:nvSpPr>
           <p:spPr>
             <a:xfrm>
-              <a:off x="4608091" y="6099878"/>
+              <a:off x="4941028" y="6099869"/>
               <a:ext cx="63202" cy="63202"/>
             </a:xfrm>
             <a:custGeom>
@@ -19538,7 +19538,7 @@
           </p:nvSpPr>
           <p:spPr>
             <a:xfrm>
-              <a:off x="4677957" y="6065104"/>
+              <a:off x="4754195" y="6065113"/>
               <a:ext cx="63202" cy="63202"/>
             </a:xfrm>
             <a:custGeom>
@@ -19581,7 +19581,7 @@
           </p:nvSpPr>
           <p:spPr>
             <a:xfrm>
-              <a:off x="4629213" y="6185713"/>
+              <a:off x="5136533" y="6185732"/>
               <a:ext cx="63202" cy="63202"/>
             </a:xfrm>
             <a:custGeom>
@@ -19624,7 +19624,7 @@
           </p:nvSpPr>
           <p:spPr>
             <a:xfrm>
-              <a:off x="4561661" y="6079322"/>
+              <a:off x="4864034" y="6079297"/>
               <a:ext cx="63202" cy="63202"/>
             </a:xfrm>
             <a:custGeom>
@@ -19667,7 +19667,7 @@
           </p:nvSpPr>
           <p:spPr>
             <a:xfrm>
-              <a:off x="5092082" y="6071008"/>
+              <a:off x="4796957" y="6071038"/>
               <a:ext cx="63202" cy="63202"/>
             </a:xfrm>
             <a:custGeom>
@@ -19710,7 +19710,7 @@
           </p:nvSpPr>
           <p:spPr>
             <a:xfrm>
-              <a:off x="4817053" y="6103557"/>
+              <a:off x="4932060" y="6103562"/>
               <a:ext cx="63202" cy="63202"/>
             </a:xfrm>
             <a:custGeom>
@@ -19753,7 +19753,7 @@
           </p:nvSpPr>
           <p:spPr>
             <a:xfrm>
-              <a:off x="4670448" y="6059136"/>
+              <a:off x="4535014" y="6059155"/>
               <a:ext cx="63202" cy="63202"/>
             </a:xfrm>
             <a:custGeom>
@@ -19796,7 +19796,7 @@
           </p:nvSpPr>
           <p:spPr>
             <a:xfrm>
-              <a:off x="5035722" y="6057746"/>
+              <a:off x="4968106" y="6057748"/>
               <a:ext cx="63202" cy="63202"/>
             </a:xfrm>
             <a:custGeom>
@@ -19839,7 +19839,7 @@
           </p:nvSpPr>
           <p:spPr>
             <a:xfrm>
-              <a:off x="5673939" y="6587865"/>
+              <a:off x="5557470" y="6587877"/>
               <a:ext cx="63202" cy="63202"/>
             </a:xfrm>
             <a:custGeom>
@@ -19882,7 +19882,7 @@
           </p:nvSpPr>
           <p:spPr>
             <a:xfrm>
-              <a:off x="4910538" y="6123739"/>
+              <a:off x="4922038" y="6123742"/>
               <a:ext cx="63202" cy="63202"/>
             </a:xfrm>
             <a:custGeom>
@@ -19925,7 +19925,7 @@
           </p:nvSpPr>
           <p:spPr>
             <a:xfrm>
-              <a:off x="5155925" y="6076450"/>
+              <a:off x="4747381" y="6076469"/>
               <a:ext cx="63202" cy="63202"/>
             </a:xfrm>
             <a:custGeom>
@@ -19968,7 +19968,7 @@
           </p:nvSpPr>
           <p:spPr>
             <a:xfrm>
-              <a:off x="4727812" y="6144683"/>
+              <a:off x="5035931" y="6144675"/>
               <a:ext cx="63202" cy="63202"/>
             </a:xfrm>
             <a:custGeom>
@@ -20011,7 +20011,7 @@
           </p:nvSpPr>
           <p:spPr>
             <a:xfrm>
-              <a:off x="4780539" y="6050045"/>
+              <a:off x="4990710" y="6050030"/>
               <a:ext cx="63202" cy="63202"/>
             </a:xfrm>
             <a:custGeom>
@@ -20054,7 +20054,7 @@
           </p:nvSpPr>
           <p:spPr>
             <a:xfrm>
-              <a:off x="5074836" y="6051916"/>
+              <a:off x="5000155" y="6051919"/>
               <a:ext cx="63202" cy="63202"/>
             </a:xfrm>
             <a:custGeom>
@@ -20097,7 +20097,7 @@
           </p:nvSpPr>
           <p:spPr>
             <a:xfrm>
-              <a:off x="5067730" y="6051261"/>
+              <a:off x="4920337" y="6051249"/>
               <a:ext cx="63202" cy="63202"/>
             </a:xfrm>
             <a:custGeom>
@@ -20140,7 +20140,7 @@
           </p:nvSpPr>
           <p:spPr>
             <a:xfrm>
-              <a:off x="5150252" y="6053920"/>
+              <a:off x="4907064" y="6053920"/>
               <a:ext cx="63202" cy="63202"/>
             </a:xfrm>
             <a:custGeom>
@@ -20183,7 +20183,7 @@
           </p:nvSpPr>
           <p:spPr>
             <a:xfrm>
-              <a:off x="4524359" y="6063367"/>
+              <a:off x="4656221" y="6063352"/>
               <a:ext cx="63202" cy="63202"/>
             </a:xfrm>
             <a:custGeom>
@@ -20226,7 +20226,7 @@
           </p:nvSpPr>
           <p:spPr>
             <a:xfrm>
-              <a:off x="4505926" y="6096437"/>
+              <a:off x="5112332" y="6096413"/>
               <a:ext cx="63202" cy="63202"/>
             </a:xfrm>
             <a:custGeom>
@@ -20269,7 +20269,7 @@
           </p:nvSpPr>
           <p:spPr>
             <a:xfrm>
-              <a:off x="4540625" y="6045911"/>
+              <a:off x="4630403" y="6045895"/>
               <a:ext cx="63202" cy="63202"/>
             </a:xfrm>
             <a:custGeom>
@@ -20312,7 +20312,7 @@
           </p:nvSpPr>
           <p:spPr>
             <a:xfrm>
-              <a:off x="4692108" y="6074755"/>
+              <a:off x="4960395" y="6074761"/>
               <a:ext cx="63202" cy="63202"/>
             </a:xfrm>
             <a:custGeom>
@@ -20355,7 +20355,7 @@
           </p:nvSpPr>
           <p:spPr>
             <a:xfrm>
-              <a:off x="4903299" y="6044513"/>
+              <a:off x="4850546" y="6044506"/>
               <a:ext cx="63202" cy="63202"/>
             </a:xfrm>
             <a:custGeom>
@@ -20398,7 +20398,7 @@
           </p:nvSpPr>
           <p:spPr>
             <a:xfrm>
-              <a:off x="4823859" y="6054357"/>
+              <a:off x="4902080" y="6054360"/>
               <a:ext cx="63202" cy="63202"/>
             </a:xfrm>
             <a:custGeom>
@@ -20441,7 +20441,7 @@
           </p:nvSpPr>
           <p:spPr>
             <a:xfrm>
-              <a:off x="5152880" y="6074966"/>
+              <a:off x="4987809" y="6074966"/>
               <a:ext cx="63202" cy="63202"/>
             </a:xfrm>
             <a:custGeom>
@@ -20484,7 +20484,7 @@
           </p:nvSpPr>
           <p:spPr>
             <a:xfrm>
-              <a:off x="4906821" y="6063120"/>
+              <a:off x="5048172" y="6063141"/>
               <a:ext cx="63202" cy="63202"/>
             </a:xfrm>
             <a:custGeom>
@@ -20527,7 +20527,7 @@
           </p:nvSpPr>
           <p:spPr>
             <a:xfrm>
-              <a:off x="5076843" y="6473497"/>
+              <a:off x="4550417" y="6473497"/>
               <a:ext cx="63202" cy="63202"/>
             </a:xfrm>
             <a:custGeom>
@@ -20570,7 +20570,7 @@
           </p:nvSpPr>
           <p:spPr>
             <a:xfrm>
-              <a:off x="4483600" y="6205327"/>
+              <a:off x="4680194" y="6205304"/>
               <a:ext cx="63202" cy="63202"/>
             </a:xfrm>
             <a:custGeom>
@@ -20613,7 +20613,7 @@
           </p:nvSpPr>
           <p:spPr>
             <a:xfrm>
-              <a:off x="4566789" y="6058359"/>
+              <a:off x="4901695" y="6058390"/>
               <a:ext cx="63202" cy="63202"/>
             </a:xfrm>
             <a:custGeom>
@@ -20656,7 +20656,7 @@
           </p:nvSpPr>
           <p:spPr>
             <a:xfrm>
-              <a:off x="4828635" y="6056010"/>
+              <a:off x="5142067" y="6055997"/>
               <a:ext cx="63202" cy="63202"/>
             </a:xfrm>
             <a:custGeom>
@@ -20699,7 +20699,7 @@
           </p:nvSpPr>
           <p:spPr>
             <a:xfrm>
-              <a:off x="4865698" y="6089441"/>
+              <a:off x="4969832" y="6089454"/>
               <a:ext cx="63202" cy="63202"/>
             </a:xfrm>
             <a:custGeom>
@@ -20742,7 +20742,7 @@
           </p:nvSpPr>
           <p:spPr>
             <a:xfrm>
-              <a:off x="4550707" y="6076244"/>
+              <a:off x="4866523" y="6076250"/>
               <a:ext cx="63202" cy="63202"/>
             </a:xfrm>
             <a:custGeom>
@@ -20785,7 +20785,7 @@
           </p:nvSpPr>
           <p:spPr>
             <a:xfrm>
-              <a:off x="5041024" y="6065394"/>
+              <a:off x="5083178" y="6065414"/>
               <a:ext cx="63202" cy="63202"/>
             </a:xfrm>
             <a:custGeom>
@@ -20828,7 +20828,7 @@
           </p:nvSpPr>
           <p:spPr>
             <a:xfrm>
-              <a:off x="4807664" y="6366760"/>
+              <a:off x="4562630" y="6366744"/>
               <a:ext cx="63202" cy="63202"/>
             </a:xfrm>
             <a:custGeom>
@@ -20871,7 +20871,7 @@
           </p:nvSpPr>
           <p:spPr>
             <a:xfrm>
-              <a:off x="4526772" y="6059518"/>
+              <a:off x="5072160" y="6059530"/>
               <a:ext cx="63202" cy="63202"/>
             </a:xfrm>
             <a:custGeom>
@@ -20914,7 +20914,7 @@
           </p:nvSpPr>
           <p:spPr>
             <a:xfrm>
-              <a:off x="4952246" y="6085493"/>
+              <a:off x="4695421" y="6085466"/>
               <a:ext cx="63202" cy="63202"/>
             </a:xfrm>
             <a:custGeom>
@@ -20957,7 +20957,7 @@
           </p:nvSpPr>
           <p:spPr>
             <a:xfrm>
-              <a:off x="4620032" y="6536776"/>
+              <a:off x="4634046" y="6536769"/>
               <a:ext cx="63202" cy="63202"/>
             </a:xfrm>
             <a:custGeom>
@@ -21000,7 +21000,7 @@
           </p:nvSpPr>
           <p:spPr>
             <a:xfrm>
-              <a:off x="4496055" y="6226207"/>
+              <a:off x="4860289" y="6226218"/>
               <a:ext cx="63202" cy="63202"/>
             </a:xfrm>
             <a:custGeom>
@@ -21043,7 +21043,7 @@
           </p:nvSpPr>
           <p:spPr>
             <a:xfrm>
-              <a:off x="4542509" y="6387294"/>
+              <a:off x="4483254" y="6387307"/>
               <a:ext cx="63202" cy="63202"/>
             </a:xfrm>
             <a:custGeom>
@@ -21086,7 +21086,7 @@
           </p:nvSpPr>
           <p:spPr>
             <a:xfrm>
-              <a:off x="5058836" y="6305929"/>
+              <a:off x="4565713" y="6305928"/>
               <a:ext cx="63202" cy="63202"/>
             </a:xfrm>
             <a:custGeom>
@@ -21129,7 +21129,7 @@
           </p:nvSpPr>
           <p:spPr>
             <a:xfrm>
-              <a:off x="4994412" y="6053296"/>
+              <a:off x="4977601" y="6053274"/>
               <a:ext cx="63202" cy="63202"/>
             </a:xfrm>
             <a:custGeom>
@@ -21172,7 +21172,7 @@
           </p:nvSpPr>
           <p:spPr>
             <a:xfrm>
-              <a:off x="4921995" y="6099735"/>
+              <a:off x="4629768" y="6099744"/>
               <a:ext cx="63202" cy="63202"/>
             </a:xfrm>
             <a:custGeom>
@@ -21215,7 +21215,7 @@
           </p:nvSpPr>
           <p:spPr>
             <a:xfrm>
-              <a:off x="4482321" y="6467265"/>
+              <a:off x="4765044" y="6467240"/>
               <a:ext cx="63202" cy="63202"/>
             </a:xfrm>
             <a:custGeom>
@@ -21258,7 +21258,7 @@
           </p:nvSpPr>
           <p:spPr>
             <a:xfrm>
-              <a:off x="4734510" y="6196381"/>
+              <a:off x="4742720" y="6196386"/>
               <a:ext cx="63202" cy="63202"/>
             </a:xfrm>
             <a:custGeom>
@@ -21301,7 +21301,7 @@
           </p:nvSpPr>
           <p:spPr>
             <a:xfrm>
-              <a:off x="4635979" y="6069093"/>
+              <a:off x="4568244" y="6069105"/>
               <a:ext cx="63202" cy="63202"/>
             </a:xfrm>
             <a:custGeom>
@@ -21344,7 +21344,7 @@
           </p:nvSpPr>
           <p:spPr>
             <a:xfrm>
-              <a:off x="5142241" y="6093880"/>
+              <a:off x="4683162" y="6093840"/>
               <a:ext cx="63202" cy="63202"/>
             </a:xfrm>
             <a:custGeom>
@@ -21387,7 +21387,7 @@
           </p:nvSpPr>
           <p:spPr>
             <a:xfrm>
-              <a:off x="5014528" y="6095015"/>
+              <a:off x="4917423" y="6095035"/>
               <a:ext cx="63202" cy="63202"/>
             </a:xfrm>
             <a:custGeom>
@@ -21430,7 +21430,7 @@
           </p:nvSpPr>
           <p:spPr>
             <a:xfrm>
-              <a:off x="4473856" y="6062289"/>
+              <a:off x="4741535" y="6062304"/>
               <a:ext cx="63202" cy="63202"/>
             </a:xfrm>
             <a:custGeom>
@@ -21473,7 +21473,7 @@
           </p:nvSpPr>
           <p:spPr>
             <a:xfrm>
-              <a:off x="5098867" y="6197352"/>
+              <a:off x="5108377" y="6197347"/>
               <a:ext cx="63202" cy="63202"/>
             </a:xfrm>
             <a:custGeom>
@@ -21516,7 +21516,7 @@
           </p:nvSpPr>
           <p:spPr>
             <a:xfrm>
-              <a:off x="4767059" y="6520912"/>
+              <a:off x="4748155" y="6520937"/>
               <a:ext cx="63202" cy="63202"/>
             </a:xfrm>
             <a:custGeom>
@@ -21559,7 +21559,7 @@
           </p:nvSpPr>
           <p:spPr>
             <a:xfrm>
-              <a:off x="4519333" y="6101530"/>
+              <a:off x="5024323" y="6101533"/>
               <a:ext cx="63202" cy="63202"/>
             </a:xfrm>
             <a:custGeom>
@@ -21602,7 +21602,7 @@
           </p:nvSpPr>
           <p:spPr>
             <a:xfrm>
-              <a:off x="5116777" y="6068890"/>
+              <a:off x="4587969" y="6068879"/>
               <a:ext cx="63202" cy="63202"/>
             </a:xfrm>
             <a:custGeom>
@@ -21645,7 +21645,7 @@
           </p:nvSpPr>
           <p:spPr>
             <a:xfrm>
-              <a:off x="4839733" y="6101041"/>
+              <a:off x="4930294" y="6101048"/>
               <a:ext cx="63202" cy="63202"/>
             </a:xfrm>
             <a:custGeom>
@@ -21688,7 +21688,7 @@
           </p:nvSpPr>
           <p:spPr>
             <a:xfrm>
-              <a:off x="4519842" y="6065956"/>
+              <a:off x="4536833" y="6065949"/>
               <a:ext cx="63202" cy="63202"/>
             </a:xfrm>
             <a:custGeom>
@@ -21731,7 +21731,7 @@
           </p:nvSpPr>
           <p:spPr>
             <a:xfrm>
-              <a:off x="5091388" y="6156630"/>
+              <a:off x="5089706" y="6156656"/>
               <a:ext cx="63202" cy="63202"/>
             </a:xfrm>
             <a:custGeom>
@@ -21774,7 +21774,7 @@
           </p:nvSpPr>
           <p:spPr>
             <a:xfrm>
-              <a:off x="5070340" y="6076273"/>
+              <a:off x="4934773" y="6076266"/>
               <a:ext cx="63202" cy="63202"/>
             </a:xfrm>
             <a:custGeom>
@@ -21817,7 +21817,7 @@
           </p:nvSpPr>
           <p:spPr>
             <a:xfrm>
-              <a:off x="4939077" y="6118977"/>
+              <a:off x="4976698" y="6118979"/>
               <a:ext cx="63202" cy="63202"/>
             </a:xfrm>
             <a:custGeom>
@@ -21860,7 +21860,7 @@
           </p:nvSpPr>
           <p:spPr>
             <a:xfrm>
-              <a:off x="5116514" y="6088761"/>
+              <a:off x="4706815" y="6088782"/>
               <a:ext cx="63202" cy="63202"/>
             </a:xfrm>
             <a:custGeom>
@@ -21903,7 +21903,7 @@
           </p:nvSpPr>
           <p:spPr>
             <a:xfrm>
-              <a:off x="4852840" y="6074572"/>
+              <a:off x="4529368" y="6074568"/>
               <a:ext cx="63202" cy="63202"/>
             </a:xfrm>
             <a:custGeom>
@@ -21946,7 +21946,7 @@
           </p:nvSpPr>
           <p:spPr>
             <a:xfrm>
-              <a:off x="4848932" y="6378287"/>
+              <a:off x="4606697" y="6378279"/>
               <a:ext cx="63202" cy="63202"/>
             </a:xfrm>
             <a:custGeom>
@@ -21989,7 +21989,7 @@
           </p:nvSpPr>
           <p:spPr>
             <a:xfrm>
-              <a:off x="4542560" y="6074191"/>
+              <a:off x="5164928" y="6074169"/>
               <a:ext cx="63202" cy="63202"/>
             </a:xfrm>
             <a:custGeom>
@@ -22032,7 +22032,7 @@
           </p:nvSpPr>
           <p:spPr>
             <a:xfrm>
-              <a:off x="4994729" y="6075905"/>
+              <a:off x="4963349" y="6075929"/>
               <a:ext cx="63202" cy="63202"/>
             </a:xfrm>
             <a:custGeom>
@@ -22075,7 +22075,7 @@
           </p:nvSpPr>
           <p:spPr>
             <a:xfrm>
-              <a:off x="4660601" y="6057453"/>
+              <a:off x="4537739" y="6057453"/>
               <a:ext cx="63202" cy="63202"/>
             </a:xfrm>
             <a:custGeom>
@@ -22118,7 +22118,7 @@
           </p:nvSpPr>
           <p:spPr>
             <a:xfrm>
-              <a:off x="4623982" y="6069991"/>
+              <a:off x="5115779" y="6070011"/>
               <a:ext cx="63202" cy="63202"/>
             </a:xfrm>
             <a:custGeom>
@@ -22161,7 +22161,7 @@
           </p:nvSpPr>
           <p:spPr>
             <a:xfrm>
-              <a:off x="4768629" y="6077171"/>
+              <a:off x="4642430" y="6077198"/>
               <a:ext cx="63202" cy="63202"/>
             </a:xfrm>
             <a:custGeom>
@@ -22204,7 +22204,7 @@
           </p:nvSpPr>
           <p:spPr>
             <a:xfrm>
-              <a:off x="4792044" y="6148797"/>
+              <a:off x="4776690" y="6148802"/>
               <a:ext cx="63202" cy="63202"/>
             </a:xfrm>
             <a:custGeom>
@@ -22247,7 +22247,7 @@
           </p:nvSpPr>
           <p:spPr>
             <a:xfrm>
-              <a:off x="4854963" y="6051000"/>
+              <a:off x="4724116" y="6051008"/>
               <a:ext cx="63202" cy="63202"/>
             </a:xfrm>
             <a:custGeom>
@@ -22290,7 +22290,7 @@
           </p:nvSpPr>
           <p:spPr>
             <a:xfrm>
-              <a:off x="5076405" y="6065746"/>
+              <a:off x="4611585" y="6065752"/>
               <a:ext cx="63202" cy="63202"/>
             </a:xfrm>
             <a:custGeom>
@@ -22333,7 +22333,7 @@
           </p:nvSpPr>
           <p:spPr>
             <a:xfrm>
-              <a:off x="4684072" y="6090306"/>
+              <a:off x="4599921" y="6090314"/>
               <a:ext cx="63202" cy="63202"/>
             </a:xfrm>
             <a:custGeom>
@@ -22376,7 +22376,7 @@
           </p:nvSpPr>
           <p:spPr>
             <a:xfrm>
-              <a:off x="4906927" y="6061618"/>
+              <a:off x="4715788" y="6061626"/>
               <a:ext cx="63202" cy="63202"/>
             </a:xfrm>
             <a:custGeom>
@@ -22419,7 +22419,7 @@
           </p:nvSpPr>
           <p:spPr>
             <a:xfrm>
-              <a:off x="5148440" y="6081779"/>
+              <a:off x="4470831" y="6081788"/>
               <a:ext cx="63202" cy="63202"/>
             </a:xfrm>
             <a:custGeom>
@@ -22462,7 +22462,7 @@
           </p:nvSpPr>
           <p:spPr>
             <a:xfrm>
-              <a:off x="4561232" y="6069847"/>
+              <a:off x="4939379" y="6069869"/>
               <a:ext cx="63202" cy="63202"/>
             </a:xfrm>
             <a:custGeom>
@@ -22505,7 +22505,7 @@
           </p:nvSpPr>
           <p:spPr>
             <a:xfrm>
-              <a:off x="4731134" y="6069953"/>
+              <a:off x="4610556" y="6069970"/>
               <a:ext cx="63202" cy="63202"/>
             </a:xfrm>
             <a:custGeom>
@@ -22548,7 +22548,7 @@
           </p:nvSpPr>
           <p:spPr>
             <a:xfrm>
-              <a:off x="4908090" y="6077764"/>
+              <a:off x="4932708" y="6077761"/>
               <a:ext cx="63202" cy="63202"/>
             </a:xfrm>
             <a:custGeom>
@@ -22591,7 +22591,7 @@
           </p:nvSpPr>
           <p:spPr>
             <a:xfrm>
-              <a:off x="5132366" y="6056616"/>
+              <a:off x="4982382" y="6056608"/>
               <a:ext cx="63202" cy="63202"/>
             </a:xfrm>
             <a:custGeom>
@@ -22634,7 +22634,7 @@
           </p:nvSpPr>
           <p:spPr>
             <a:xfrm>
-              <a:off x="4896589" y="6073343"/>
+              <a:off x="4619910" y="6073371"/>
               <a:ext cx="63202" cy="63202"/>
             </a:xfrm>
             <a:custGeom>
@@ -22677,7 +22677,7 @@
           </p:nvSpPr>
           <p:spPr>
             <a:xfrm>
-              <a:off x="5084053" y="6079080"/>
+              <a:off x="5139845" y="6079076"/>
               <a:ext cx="63202" cy="63202"/>
             </a:xfrm>
             <a:custGeom>
@@ -22720,7 +22720,7 @@
           </p:nvSpPr>
           <p:spPr>
             <a:xfrm>
-              <a:off x="4913543" y="6059404"/>
+              <a:off x="4572939" y="6059378"/>
               <a:ext cx="63202" cy="63202"/>
             </a:xfrm>
             <a:custGeom>
@@ -22763,7 +22763,7 @@
           </p:nvSpPr>
           <p:spPr>
             <a:xfrm>
-              <a:off x="4551306" y="6077620"/>
+              <a:off x="5159188" y="6077637"/>
               <a:ext cx="63202" cy="63202"/>
             </a:xfrm>
             <a:custGeom>
@@ -22806,7 +22806,7 @@
           </p:nvSpPr>
           <p:spPr>
             <a:xfrm>
-              <a:off x="5128217" y="6577335"/>
+              <a:off x="4593844" y="6577367"/>
               <a:ext cx="63202" cy="63202"/>
             </a:xfrm>
             <a:custGeom>
@@ -22849,7 +22849,7 @@
           </p:nvSpPr>
           <p:spPr>
             <a:xfrm>
-              <a:off x="4528627" y="6071363"/>
+              <a:off x="4658997" y="6071352"/>
               <a:ext cx="63202" cy="63202"/>
             </a:xfrm>
             <a:custGeom>
@@ -22892,7 +22892,7 @@
           </p:nvSpPr>
           <p:spPr>
             <a:xfrm>
-              <a:off x="4829481" y="6086303"/>
+              <a:off x="4612564" y="6086285"/>
               <a:ext cx="63202" cy="63202"/>
             </a:xfrm>
             <a:custGeom>
@@ -22935,7 +22935,7 @@
           </p:nvSpPr>
           <p:spPr>
             <a:xfrm>
-              <a:off x="4718810" y="6056841"/>
+              <a:off x="4652162" y="6056810"/>
               <a:ext cx="63202" cy="63202"/>
             </a:xfrm>
             <a:custGeom>
@@ -22978,7 +22978,7 @@
           </p:nvSpPr>
           <p:spPr>
             <a:xfrm>
-              <a:off x="4857057" y="6043595"/>
+              <a:off x="4815337" y="6043600"/>
               <a:ext cx="63202" cy="63202"/>
             </a:xfrm>
             <a:custGeom>
@@ -23021,7 +23021,7 @@
           </p:nvSpPr>
           <p:spPr>
             <a:xfrm>
-              <a:off x="4764981" y="6054490"/>
+              <a:off x="4632674" y="6054505"/>
               <a:ext cx="63202" cy="63202"/>
             </a:xfrm>
             <a:custGeom>
@@ -23064,7 +23064,7 @@
           </p:nvSpPr>
           <p:spPr>
             <a:xfrm>
-              <a:off x="5002144" y="6070393"/>
+              <a:off x="5061139" y="6070386"/>
               <a:ext cx="63202" cy="63202"/>
             </a:xfrm>
             <a:custGeom>
@@ -23107,7 +23107,7 @@
           </p:nvSpPr>
           <p:spPr>
             <a:xfrm>
-              <a:off x="4841249" y="6060467"/>
+              <a:off x="5027835" y="6060467"/>
               <a:ext cx="63202" cy="63202"/>
             </a:xfrm>
             <a:custGeom>
@@ -23150,7 +23150,7 @@
           </p:nvSpPr>
           <p:spPr>
             <a:xfrm>
-              <a:off x="4825969" y="6055814"/>
+              <a:off x="4694383" y="6055786"/>
               <a:ext cx="63202" cy="63202"/>
             </a:xfrm>
             <a:custGeom>
@@ -23193,7 +23193,7 @@
           </p:nvSpPr>
           <p:spPr>
             <a:xfrm>
-              <a:off x="4725733" y="6066240"/>
+              <a:off x="4884989" y="6066226"/>
               <a:ext cx="63202" cy="63202"/>
             </a:xfrm>
             <a:custGeom>
@@ -23236,7 +23236,7 @@
           </p:nvSpPr>
           <p:spPr>
             <a:xfrm>
-              <a:off x="4813522" y="6054704"/>
+              <a:off x="5025912" y="6054700"/>
               <a:ext cx="63202" cy="63202"/>
             </a:xfrm>
             <a:custGeom>
@@ -23279,7 +23279,7 @@
           </p:nvSpPr>
           <p:spPr>
             <a:xfrm>
-              <a:off x="4519388" y="6119974"/>
+              <a:off x="4716848" y="6119976"/>
               <a:ext cx="63202" cy="63202"/>
             </a:xfrm>
             <a:custGeom>
@@ -23322,7 +23322,7 @@
           </p:nvSpPr>
           <p:spPr>
             <a:xfrm>
-              <a:off x="5080823" y="6074317"/>
+              <a:off x="4800045" y="6074325"/>
               <a:ext cx="63202" cy="63202"/>
             </a:xfrm>
             <a:custGeom>
@@ -23365,7 +23365,7 @@
           </p:nvSpPr>
           <p:spPr>
             <a:xfrm>
-              <a:off x="4966303" y="6119415"/>
+              <a:off x="4612580" y="6119392"/>
               <a:ext cx="63202" cy="63202"/>
             </a:xfrm>
             <a:custGeom>
@@ -23408,7 +23408,7 @@
           </p:nvSpPr>
           <p:spPr>
             <a:xfrm>
-              <a:off x="5101167" y="6111767"/>
+              <a:off x="4940836" y="6111756"/>
               <a:ext cx="63202" cy="63202"/>
             </a:xfrm>
             <a:custGeom>
@@ -23451,7 +23451,7 @@
           </p:nvSpPr>
           <p:spPr>
             <a:xfrm>
-              <a:off x="5012097" y="6056106"/>
+              <a:off x="4811570" y="6056112"/>
               <a:ext cx="63202" cy="63202"/>
             </a:xfrm>
             <a:custGeom>
@@ -23494,7 +23494,7 @@
           </p:nvSpPr>
           <p:spPr>
             <a:xfrm>
-              <a:off x="4836101" y="6072044"/>
+              <a:off x="4689657" y="6072027"/>
               <a:ext cx="63202" cy="63202"/>
             </a:xfrm>
             <a:custGeom>
@@ -23537,7 +23537,7 @@
           </p:nvSpPr>
           <p:spPr>
             <a:xfrm>
-              <a:off x="4607305" y="6074118"/>
+              <a:off x="4693030" y="6074130"/>
               <a:ext cx="63202" cy="63202"/>
             </a:xfrm>
             <a:custGeom>
@@ -23580,7 +23580,7 @@
           </p:nvSpPr>
           <p:spPr>
             <a:xfrm>
-              <a:off x="5124485" y="6052987"/>
+              <a:off x="4536485" y="6052978"/>
               <a:ext cx="63202" cy="63202"/>
             </a:xfrm>
             <a:custGeom>
@@ -23623,7 +23623,7 @@
           </p:nvSpPr>
           <p:spPr>
             <a:xfrm>
-              <a:off x="4588016" y="6055611"/>
+              <a:off x="4555537" y="6055609"/>
               <a:ext cx="63202" cy="63202"/>
             </a:xfrm>
             <a:custGeom>
@@ -23666,7 +23666,7 @@
           </p:nvSpPr>
           <p:spPr>
             <a:xfrm>
-              <a:off x="5034325" y="6059302"/>
+              <a:off x="4559980" y="6059274"/>
               <a:ext cx="63202" cy="63202"/>
             </a:xfrm>
             <a:custGeom>
@@ -23709,7 +23709,7 @@
           </p:nvSpPr>
           <p:spPr>
             <a:xfrm>
-              <a:off x="4839190" y="6172989"/>
+              <a:off x="5133764" y="6172980"/>
               <a:ext cx="63202" cy="63202"/>
             </a:xfrm>
             <a:custGeom>
@@ -23752,7 +23752,7 @@
           </p:nvSpPr>
           <p:spPr>
             <a:xfrm>
-              <a:off x="5010178" y="6073688"/>
+              <a:off x="4921759" y="6073705"/>
               <a:ext cx="63202" cy="63202"/>
             </a:xfrm>
             <a:custGeom>
@@ -23795,7 +23795,7 @@
           </p:nvSpPr>
           <p:spPr>
             <a:xfrm>
-              <a:off x="4493405" y="6077118"/>
+              <a:off x="5104692" y="6077145"/>
               <a:ext cx="63202" cy="63202"/>
             </a:xfrm>
             <a:custGeom>
@@ -23838,7 +23838,7 @@
           </p:nvSpPr>
           <p:spPr>
             <a:xfrm>
-              <a:off x="4965741" y="6074216"/>
+              <a:off x="5063360" y="6074226"/>
               <a:ext cx="63202" cy="63202"/>
             </a:xfrm>
             <a:custGeom>
@@ -23881,7 +23881,7 @@
           </p:nvSpPr>
           <p:spPr>
             <a:xfrm>
-              <a:off x="5041596" y="6075066"/>
+              <a:off x="4685881" y="6075042"/>
               <a:ext cx="63202" cy="63202"/>
             </a:xfrm>
             <a:custGeom>
@@ -23924,7 +23924,7 @@
           </p:nvSpPr>
           <p:spPr>
             <a:xfrm>
-              <a:off x="4696231" y="6072175"/>
+              <a:off x="5148382" y="6072172"/>
               <a:ext cx="63202" cy="63202"/>
             </a:xfrm>
             <a:custGeom>
@@ -23967,7 +23967,7 @@
           </p:nvSpPr>
           <p:spPr>
             <a:xfrm>
-              <a:off x="4479113" y="6089842"/>
+              <a:off x="5165500" y="6089831"/>
               <a:ext cx="63202" cy="63202"/>
             </a:xfrm>
             <a:custGeom>
@@ -24010,7 +24010,7 @@
           </p:nvSpPr>
           <p:spPr>
             <a:xfrm>
-              <a:off x="4911257" y="6069329"/>
+              <a:off x="5073693" y="6069333"/>
               <a:ext cx="63202" cy="63202"/>
             </a:xfrm>
             <a:custGeom>
@@ -24053,7 +24053,7 @@
           </p:nvSpPr>
           <p:spPr>
             <a:xfrm>
-              <a:off x="4605281" y="6052072"/>
+              <a:off x="4609155" y="6052083"/>
               <a:ext cx="63202" cy="63202"/>
             </a:xfrm>
             <a:custGeom>
@@ -24096,7 +24096,7 @@
           </p:nvSpPr>
           <p:spPr>
             <a:xfrm>
-              <a:off x="4618563" y="6278711"/>
+              <a:off x="5093223" y="6278710"/>
               <a:ext cx="63202" cy="63202"/>
             </a:xfrm>
             <a:custGeom>
@@ -24139,7 +24139,7 @@
           </p:nvSpPr>
           <p:spPr>
             <a:xfrm>
-              <a:off x="4854542" y="6064515"/>
+              <a:off x="4815412" y="6064536"/>
               <a:ext cx="63202" cy="63202"/>
             </a:xfrm>
             <a:custGeom>
@@ -24182,7 +24182,7 @@
           </p:nvSpPr>
           <p:spPr>
             <a:xfrm>
-              <a:off x="4987552" y="6047774"/>
+              <a:off x="5017681" y="6047748"/>
               <a:ext cx="63202" cy="63202"/>
             </a:xfrm>
             <a:custGeom>
@@ -24225,7 +24225,7 @@
           </p:nvSpPr>
           <p:spPr>
             <a:xfrm>
-              <a:off x="4978968" y="6055676"/>
+              <a:off x="5077618" y="6055664"/>
               <a:ext cx="63202" cy="63202"/>
             </a:xfrm>
             <a:custGeom>
@@ -24268,7 +24268,7 @@
           </p:nvSpPr>
           <p:spPr>
             <a:xfrm>
-              <a:off x="5139659" y="6073750"/>
+              <a:off x="4724321" y="6073721"/>
               <a:ext cx="63202" cy="63202"/>
             </a:xfrm>
             <a:custGeom>
@@ -24311,7 +24311,7 @@
           </p:nvSpPr>
           <p:spPr>
             <a:xfrm>
-              <a:off x="4692914" y="6052311"/>
+              <a:off x="4506737" y="6052323"/>
               <a:ext cx="63202" cy="63202"/>
             </a:xfrm>
             <a:custGeom>
@@ -24354,7 +24354,7 @@
           </p:nvSpPr>
           <p:spPr>
             <a:xfrm>
-              <a:off x="4885400" y="6224216"/>
+              <a:off x="4934726" y="6224238"/>
               <a:ext cx="63202" cy="63202"/>
             </a:xfrm>
             <a:custGeom>
@@ -24397,7 +24397,7 @@
           </p:nvSpPr>
           <p:spPr>
             <a:xfrm>
-              <a:off x="4896473" y="6280744"/>
+              <a:off x="4864702" y="6280753"/>
               <a:ext cx="63202" cy="63202"/>
             </a:xfrm>
             <a:custGeom>
@@ -24440,7 +24440,7 @@
           </p:nvSpPr>
           <p:spPr>
             <a:xfrm>
-              <a:off x="5140175" y="6079136"/>
+              <a:off x="5140662" y="6079126"/>
               <a:ext cx="63202" cy="63202"/>
             </a:xfrm>
             <a:custGeom>
@@ -24483,7 +24483,7 @@
           </p:nvSpPr>
           <p:spPr>
             <a:xfrm>
-              <a:off x="4670876" y="6078598"/>
+              <a:off x="5023919" y="6078590"/>
               <a:ext cx="63202" cy="63202"/>
             </a:xfrm>
             <a:custGeom>
@@ -24526,7 +24526,7 @@
           </p:nvSpPr>
           <p:spPr>
             <a:xfrm>
-              <a:off x="4794873" y="6065448"/>
+              <a:off x="5071503" y="6065446"/>
               <a:ext cx="63202" cy="63202"/>
             </a:xfrm>
             <a:custGeom>
@@ -24569,7 +24569,7 @@
           </p:nvSpPr>
           <p:spPr>
             <a:xfrm>
-              <a:off x="4472571" y="6425850"/>
+              <a:off x="4733214" y="6425867"/>
               <a:ext cx="63202" cy="63202"/>
             </a:xfrm>
             <a:custGeom>
@@ -24612,7 +24612,7 @@
           </p:nvSpPr>
           <p:spPr>
             <a:xfrm>
-              <a:off x="4851401" y="6103500"/>
+              <a:off x="5050329" y="6103512"/>
               <a:ext cx="63202" cy="63202"/>
             </a:xfrm>
             <a:custGeom>
@@ -24655,7 +24655,7 @@
           </p:nvSpPr>
           <p:spPr>
             <a:xfrm>
-              <a:off x="4706735" y="6101413"/>
+              <a:off x="4978644" y="6101433"/>
               <a:ext cx="63202" cy="63202"/>
             </a:xfrm>
             <a:custGeom>
@@ -24698,7 +24698,7 @@
           </p:nvSpPr>
           <p:spPr>
             <a:xfrm>
-              <a:off x="5141135" y="6104127"/>
+              <a:off x="4813011" y="6104138"/>
               <a:ext cx="63202" cy="63202"/>
             </a:xfrm>
             <a:custGeom>
@@ -24741,7 +24741,7 @@
           </p:nvSpPr>
           <p:spPr>
             <a:xfrm>
-              <a:off x="4965351" y="6264544"/>
+              <a:off x="4635519" y="6264569"/>
               <a:ext cx="63202" cy="63202"/>
             </a:xfrm>
             <a:custGeom>
@@ -24784,7 +24784,7 @@
           </p:nvSpPr>
           <p:spPr>
             <a:xfrm>
-              <a:off x="5026826" y="6174915"/>
+              <a:off x="4860306" y="6174901"/>
               <a:ext cx="63202" cy="63202"/>
             </a:xfrm>
             <a:custGeom>
@@ -24827,7 +24827,7 @@
           </p:nvSpPr>
           <p:spPr>
             <a:xfrm>
-              <a:off x="4742660" y="6048966"/>
+              <a:off x="5131556" y="6048978"/>
               <a:ext cx="63202" cy="63202"/>
             </a:xfrm>
             <a:custGeom>
@@ -24870,7 +24870,7 @@
           </p:nvSpPr>
           <p:spPr>
             <a:xfrm>
-              <a:off x="4519298" y="6101536"/>
+              <a:off x="4870626" y="6101520"/>
               <a:ext cx="63202" cy="63202"/>
             </a:xfrm>
             <a:custGeom>
@@ -24913,7 +24913,7 @@
           </p:nvSpPr>
           <p:spPr>
             <a:xfrm>
-              <a:off x="4529845" y="6132190"/>
+              <a:off x="4912848" y="6132200"/>
               <a:ext cx="63202" cy="63202"/>
             </a:xfrm>
             <a:custGeom>
@@ -24956,7 +24956,7 @@
           </p:nvSpPr>
           <p:spPr>
             <a:xfrm>
-              <a:off x="5151898" y="6053134"/>
+              <a:off x="4700845" y="6053118"/>
               <a:ext cx="63202" cy="63202"/>
             </a:xfrm>
             <a:custGeom>
@@ -24999,7 +24999,7 @@
           </p:nvSpPr>
           <p:spPr>
             <a:xfrm>
-              <a:off x="5085153" y="6053394"/>
+              <a:off x="5005210" y="6053363"/>
               <a:ext cx="63202" cy="63202"/>
             </a:xfrm>
             <a:custGeom>
@@ -25042,7 +25042,7 @@
           </p:nvSpPr>
           <p:spPr>
             <a:xfrm>
-              <a:off x="4860821" y="6064249"/>
+              <a:off x="4601384" y="6064234"/>
               <a:ext cx="63202" cy="63202"/>
             </a:xfrm>
             <a:custGeom>
@@ -25085,7 +25085,7 @@
           </p:nvSpPr>
           <p:spPr>
             <a:xfrm>
-              <a:off x="5026847" y="6101029"/>
+              <a:off x="5096423" y="6101028"/>
               <a:ext cx="63202" cy="63202"/>
             </a:xfrm>
             <a:custGeom>
@@ -25128,7 +25128,7 @@
           </p:nvSpPr>
           <p:spPr>
             <a:xfrm>
-              <a:off x="4773319" y="6075965"/>
+              <a:off x="5014493" y="6075964"/>
               <a:ext cx="63202" cy="63202"/>
             </a:xfrm>
             <a:custGeom>
@@ -25171,7 +25171,7 @@
           </p:nvSpPr>
           <p:spPr>
             <a:xfrm>
-              <a:off x="5013032" y="6073198"/>
+              <a:off x="5073160" y="6073219"/>
               <a:ext cx="63202" cy="63202"/>
             </a:xfrm>
             <a:custGeom>
@@ -25214,7 +25214,7 @@
           </p:nvSpPr>
           <p:spPr>
             <a:xfrm>
-              <a:off x="5031517" y="6067010"/>
+              <a:off x="4711657" y="6067018"/>
               <a:ext cx="63202" cy="63202"/>
             </a:xfrm>
             <a:custGeom>
@@ -25257,7 +25257,7 @@
           </p:nvSpPr>
           <p:spPr>
             <a:xfrm>
-              <a:off x="4568725" y="6148047"/>
+              <a:off x="4982853" y="6148047"/>
               <a:ext cx="63202" cy="63202"/>
             </a:xfrm>
             <a:custGeom>
@@ -25300,7 +25300,7 @@
           </p:nvSpPr>
           <p:spPr>
             <a:xfrm>
-              <a:off x="4483374" y="6072999"/>
+              <a:off x="4480482" y="6073028"/>
               <a:ext cx="63202" cy="63202"/>
             </a:xfrm>
             <a:custGeom>
@@ -25343,7 +25343,7 @@
           </p:nvSpPr>
           <p:spPr>
             <a:xfrm>
-              <a:off x="4983673" y="6062072"/>
+              <a:off x="5037010" y="6062037"/>
               <a:ext cx="63202" cy="63202"/>
             </a:xfrm>
             <a:custGeom>
@@ -25386,7 +25386,7 @@
           </p:nvSpPr>
           <p:spPr>
             <a:xfrm>
-              <a:off x="5006754" y="6104084"/>
+              <a:off x="4664442" y="6104097"/>
               <a:ext cx="63202" cy="63202"/>
             </a:xfrm>
             <a:custGeom>
@@ -25429,7 +25429,7 @@
           </p:nvSpPr>
           <p:spPr>
             <a:xfrm>
-              <a:off x="4853786" y="6058096"/>
+              <a:off x="5049502" y="6058094"/>
               <a:ext cx="63202" cy="63202"/>
             </a:xfrm>
             <a:custGeom>
@@ -25472,7 +25472,7 @@
           </p:nvSpPr>
           <p:spPr>
             <a:xfrm>
-              <a:off x="5139574" y="6067062"/>
+              <a:off x="4672553" y="6067050"/>
               <a:ext cx="63202" cy="63202"/>
             </a:xfrm>
             <a:custGeom>
@@ -25515,7 +25515,7 @@
           </p:nvSpPr>
           <p:spPr>
             <a:xfrm>
-              <a:off x="4907667" y="6075091"/>
+              <a:off x="4494339" y="6075086"/>
               <a:ext cx="63202" cy="63202"/>
             </a:xfrm>
             <a:custGeom>
@@ -25558,7 +25558,7 @@
           </p:nvSpPr>
           <p:spPr>
             <a:xfrm>
-              <a:off x="5559405" y="6776010"/>
+              <a:off x="5595712" y="6776020"/>
               <a:ext cx="63202" cy="63202"/>
             </a:xfrm>
             <a:custGeom>
@@ -25601,7 +25601,7 @@
           </p:nvSpPr>
           <p:spPr>
             <a:xfrm>
-              <a:off x="4960918" y="6053432"/>
+              <a:off x="4621312" y="6053422"/>
               <a:ext cx="63202" cy="63202"/>
             </a:xfrm>
             <a:custGeom>
@@ -25644,7 +25644,7 @@
           </p:nvSpPr>
           <p:spPr>
             <a:xfrm>
-              <a:off x="4662088" y="6076075"/>
+              <a:off x="4941068" y="6076062"/>
               <a:ext cx="63202" cy="63202"/>
             </a:xfrm>
             <a:custGeom>
@@ -25687,7 +25687,7 @@
           </p:nvSpPr>
           <p:spPr>
             <a:xfrm>
-              <a:off x="5157208" y="6071459"/>
+              <a:off x="4585707" y="6071467"/>
               <a:ext cx="63202" cy="63202"/>
             </a:xfrm>
             <a:custGeom>
@@ -25730,7 +25730,7 @@
           </p:nvSpPr>
           <p:spPr>
             <a:xfrm>
-              <a:off x="4552262" y="6051922"/>
+              <a:off x="4515083" y="6051906"/>
               <a:ext cx="63202" cy="63202"/>
             </a:xfrm>
             <a:custGeom>
@@ -25773,7 +25773,7 @@
           </p:nvSpPr>
           <p:spPr>
             <a:xfrm>
-              <a:off x="4504820" y="6065275"/>
+              <a:off x="5085027" y="6065248"/>
               <a:ext cx="63202" cy="63202"/>
             </a:xfrm>
             <a:custGeom>
@@ -25816,7 +25816,7 @@
           </p:nvSpPr>
           <p:spPr>
             <a:xfrm>
-              <a:off x="4685581" y="6060901"/>
+              <a:off x="4582568" y="6060892"/>
               <a:ext cx="63202" cy="63202"/>
             </a:xfrm>
             <a:custGeom>
@@ -25859,7 +25859,7 @@
           </p:nvSpPr>
           <p:spPr>
             <a:xfrm>
-              <a:off x="4820739" y="6065615"/>
+              <a:off x="5002609" y="6065577"/>
               <a:ext cx="63202" cy="63202"/>
             </a:xfrm>
             <a:custGeom>
@@ -25902,7 +25902,7 @@
           </p:nvSpPr>
           <p:spPr>
             <a:xfrm>
-              <a:off x="5080544" y="6055665"/>
+              <a:off x="4605136" y="6055675"/>
               <a:ext cx="63202" cy="63202"/>
             </a:xfrm>
             <a:custGeom>
@@ -25945,7 +25945,7 @@
           </p:nvSpPr>
           <p:spPr>
             <a:xfrm>
-              <a:off x="4664893" y="6078766"/>
+              <a:off x="4522081" y="6078782"/>
               <a:ext cx="63202" cy="63202"/>
             </a:xfrm>
             <a:custGeom>
@@ -25988,7 +25988,7 @@
           </p:nvSpPr>
           <p:spPr>
             <a:xfrm>
-              <a:off x="4914074" y="6234753"/>
+              <a:off x="4753493" y="6234740"/>
               <a:ext cx="63202" cy="63202"/>
             </a:xfrm>
             <a:custGeom>
@@ -26031,7 +26031,7 @@
           </p:nvSpPr>
           <p:spPr>
             <a:xfrm>
-              <a:off x="4703902" y="6057908"/>
+              <a:off x="5038083" y="6057881"/>
               <a:ext cx="63202" cy="63202"/>
             </a:xfrm>
             <a:custGeom>
@@ -26074,7 +26074,7 @@
           </p:nvSpPr>
           <p:spPr>
             <a:xfrm>
-              <a:off x="5086008" y="5317765"/>
+              <a:off x="4918870" y="5317739"/>
               <a:ext cx="63202" cy="63202"/>
             </a:xfrm>
             <a:custGeom>
@@ -26117,7 +26117,7 @@
           </p:nvSpPr>
           <p:spPr>
             <a:xfrm>
-              <a:off x="4565424" y="5317369"/>
+              <a:off x="4538298" y="5317369"/>
               <a:ext cx="63202" cy="63202"/>
             </a:xfrm>
             <a:custGeom>
@@ -26160,7 +26160,7 @@
           </p:nvSpPr>
           <p:spPr>
             <a:xfrm>
-              <a:off x="4760621" y="6053197"/>
+              <a:off x="5085095" y="6053196"/>
               <a:ext cx="63202" cy="63202"/>
             </a:xfrm>
             <a:custGeom>
@@ -26203,7 +26203,7 @@
           </p:nvSpPr>
           <p:spPr>
             <a:xfrm>
-              <a:off x="4603382" y="6074759"/>
+              <a:off x="4802214" y="6074751"/>
               <a:ext cx="63202" cy="63202"/>
             </a:xfrm>
             <a:custGeom>
@@ -26246,7 +26246,7 @@
           </p:nvSpPr>
           <p:spPr>
             <a:xfrm>
-              <a:off x="4976925" y="6314454"/>
+              <a:off x="4610491" y="6314441"/>
               <a:ext cx="63202" cy="63202"/>
             </a:xfrm>
             <a:custGeom>
@@ -26289,7 +26289,7 @@
           </p:nvSpPr>
           <p:spPr>
             <a:xfrm>
-              <a:off x="4602654" y="6077331"/>
+              <a:off x="4511204" y="6077338"/>
               <a:ext cx="63202" cy="63202"/>
             </a:xfrm>
             <a:custGeom>
@@ -26332,7 +26332,7 @@
           </p:nvSpPr>
           <p:spPr>
             <a:xfrm>
-              <a:off x="4818039" y="6083069"/>
+              <a:off x="5007581" y="6083034"/>
               <a:ext cx="63202" cy="63202"/>
             </a:xfrm>
             <a:custGeom>
@@ -26375,7 +26375,7 @@
           </p:nvSpPr>
           <p:spPr>
             <a:xfrm>
-              <a:off x="4715193" y="6066381"/>
+              <a:off x="4978808" y="6066364"/>
               <a:ext cx="63202" cy="63202"/>
             </a:xfrm>
             <a:custGeom>
@@ -26418,7 +26418,7 @@
           </p:nvSpPr>
           <p:spPr>
             <a:xfrm>
-              <a:off x="4878481" y="6050533"/>
+              <a:off x="4954963" y="6050509"/>
               <a:ext cx="63202" cy="63202"/>
             </a:xfrm>
             <a:custGeom>
@@ -26461,7 +26461,7 @@
           </p:nvSpPr>
           <p:spPr>
             <a:xfrm>
-              <a:off x="5031681" y="6058020"/>
+              <a:off x="4642507" y="6058032"/>
               <a:ext cx="63202" cy="63202"/>
             </a:xfrm>
             <a:custGeom>
@@ -26504,7 +26504,7 @@
           </p:nvSpPr>
           <p:spPr>
             <a:xfrm>
-              <a:off x="4755837" y="6082357"/>
+              <a:off x="5151303" y="6082384"/>
               <a:ext cx="63202" cy="63202"/>
             </a:xfrm>
             <a:custGeom>
@@ -26547,7 +26547,7 @@
           </p:nvSpPr>
           <p:spPr>
             <a:xfrm>
-              <a:off x="5166362" y="6054332"/>
+              <a:off x="4925459" y="6054340"/>
               <a:ext cx="63202" cy="63202"/>
             </a:xfrm>
             <a:custGeom>
@@ -26590,7 +26590,7 @@
           </p:nvSpPr>
           <p:spPr>
             <a:xfrm>
-              <a:off x="4617661" y="6057923"/>
+              <a:off x="4979165" y="6057927"/>
               <a:ext cx="63202" cy="63202"/>
             </a:xfrm>
             <a:custGeom>
@@ -26633,7 +26633,7 @@
           </p:nvSpPr>
           <p:spPr>
             <a:xfrm>
-              <a:off x="5056432" y="6086795"/>
+              <a:off x="4900445" y="6086774"/>
               <a:ext cx="63202" cy="63202"/>
             </a:xfrm>
             <a:custGeom>
@@ -26676,7 +26676,7 @@
           </p:nvSpPr>
           <p:spPr>
             <a:xfrm>
-              <a:off x="4604525" y="6084486"/>
+              <a:off x="5054886" y="6084502"/>
               <a:ext cx="63202" cy="63202"/>
             </a:xfrm>
             <a:custGeom>
@@ -26719,7 +26719,7 @@
           </p:nvSpPr>
           <p:spPr>
             <a:xfrm>
-              <a:off x="4654585" y="6153502"/>
+              <a:off x="5085629" y="6153489"/>
               <a:ext cx="63202" cy="63202"/>
             </a:xfrm>
             <a:custGeom>
@@ -26762,7 +26762,7 @@
           </p:nvSpPr>
           <p:spPr>
             <a:xfrm>
-              <a:off x="4564696" y="6077626"/>
+              <a:off x="5033794" y="6077606"/>
               <a:ext cx="63202" cy="63202"/>
             </a:xfrm>
             <a:custGeom>
@@ -26805,7 +26805,7 @@
           </p:nvSpPr>
           <p:spPr>
             <a:xfrm>
-              <a:off x="6493017" y="6808420"/>
+              <a:off x="6378160" y="6808417"/>
               <a:ext cx="63202" cy="63202"/>
             </a:xfrm>
             <a:custGeom>
@@ -26848,7 +26848,7 @@
           </p:nvSpPr>
           <p:spPr>
             <a:xfrm>
-              <a:off x="5144273" y="6060075"/>
+              <a:off x="5134974" y="6060067"/>
               <a:ext cx="63202" cy="63202"/>
             </a:xfrm>
             <a:custGeom>
@@ -26891,7 +26891,7 @@
           </p:nvSpPr>
           <p:spPr>
             <a:xfrm>
-              <a:off x="4830842" y="6074342"/>
+              <a:off x="4706733" y="6074329"/>
               <a:ext cx="63202" cy="63202"/>
             </a:xfrm>
             <a:custGeom>
@@ -26934,7 +26934,7 @@
           </p:nvSpPr>
           <p:spPr>
             <a:xfrm>
-              <a:off x="4753784" y="6063406"/>
+              <a:off x="4969594" y="6063414"/>
               <a:ext cx="63202" cy="63202"/>
             </a:xfrm>
             <a:custGeom>
@@ -26977,7 +26977,7 @@
           </p:nvSpPr>
           <p:spPr>
             <a:xfrm>
-              <a:off x="4627046" y="6057500"/>
+              <a:off x="5130922" y="6057480"/>
               <a:ext cx="63202" cy="63202"/>
             </a:xfrm>
             <a:custGeom>
@@ -27020,7 +27020,7 @@
           </p:nvSpPr>
           <p:spPr>
             <a:xfrm>
-              <a:off x="4843214" y="6058711"/>
+              <a:off x="5098888" y="6058702"/>
               <a:ext cx="63202" cy="63202"/>
             </a:xfrm>
             <a:custGeom>
@@ -27063,7 +27063,7 @@
           </p:nvSpPr>
           <p:spPr>
             <a:xfrm>
-              <a:off x="4560035" y="6062282"/>
+              <a:off x="4742921" y="6062310"/>
               <a:ext cx="63202" cy="63202"/>
             </a:xfrm>
             <a:custGeom>
@@ -27106,7 +27106,7 @@
           </p:nvSpPr>
           <p:spPr>
             <a:xfrm>
-              <a:off x="5058293" y="6055955"/>
+              <a:off x="4597552" y="6055959"/>
               <a:ext cx="63202" cy="63202"/>
             </a:xfrm>
             <a:custGeom>
@@ -27149,7 +27149,7 @@
           </p:nvSpPr>
           <p:spPr>
             <a:xfrm>
-              <a:off x="4721662" y="6050577"/>
+              <a:off x="4483742" y="6050570"/>
               <a:ext cx="63202" cy="63202"/>
             </a:xfrm>
             <a:custGeom>
@@ -27192,7 +27192,7 @@
           </p:nvSpPr>
           <p:spPr>
             <a:xfrm>
-              <a:off x="5033552" y="6083723"/>
+              <a:off x="4923199" y="6083737"/>
               <a:ext cx="63202" cy="63202"/>
             </a:xfrm>
             <a:custGeom>
@@ -27235,7 +27235,7 @@
           </p:nvSpPr>
           <p:spPr>
             <a:xfrm>
-              <a:off x="5013750" y="6089705"/>
+              <a:off x="4635020" y="6089703"/>
               <a:ext cx="63202" cy="63202"/>
             </a:xfrm>
             <a:custGeom>
@@ -27278,7 +27278,7 @@
           </p:nvSpPr>
           <p:spPr>
             <a:xfrm>
-              <a:off x="4651648" y="6058147"/>
+              <a:off x="4841666" y="6058128"/>
               <a:ext cx="63202" cy="63202"/>
             </a:xfrm>
             <a:custGeom>
@@ -27321,7 +27321,7 @@
           </p:nvSpPr>
           <p:spPr>
             <a:xfrm>
-              <a:off x="5091675" y="6062673"/>
+              <a:off x="4501397" y="6062682"/>
               <a:ext cx="63202" cy="63202"/>
             </a:xfrm>
             <a:custGeom>
@@ -27364,7 +27364,7 @@
           </p:nvSpPr>
           <p:spPr>
             <a:xfrm>
-              <a:off x="4539212" y="6063518"/>
+              <a:off x="4768444" y="6063518"/>
               <a:ext cx="63202" cy="63202"/>
             </a:xfrm>
             <a:custGeom>
@@ -27407,7 +27407,7 @@
           </p:nvSpPr>
           <p:spPr>
             <a:xfrm>
-              <a:off x="5079501" y="6074322"/>
+              <a:off x="5072596" y="6074309"/>
               <a:ext cx="63202" cy="63202"/>
             </a:xfrm>
             <a:custGeom>
@@ -27450,7 +27450,7 @@
           </p:nvSpPr>
           <p:spPr>
             <a:xfrm>
-              <a:off x="4780623" y="6045916"/>
+              <a:off x="4487759" y="6045894"/>
               <a:ext cx="63202" cy="63202"/>
             </a:xfrm>
             <a:custGeom>
@@ -27493,7 +27493,7 @@
           </p:nvSpPr>
           <p:spPr>
             <a:xfrm>
-              <a:off x="4646428" y="6093519"/>
+              <a:off x="4901001" y="6093504"/>
               <a:ext cx="63202" cy="63202"/>
             </a:xfrm>
             <a:custGeom>
@@ -27536,7 +27536,7 @@
           </p:nvSpPr>
           <p:spPr>
             <a:xfrm>
-              <a:off x="5112588" y="6057504"/>
+              <a:off x="4809199" y="6057487"/>
               <a:ext cx="63202" cy="63202"/>
             </a:xfrm>
             <a:custGeom>
@@ -27579,7 +27579,7 @@
           </p:nvSpPr>
           <p:spPr>
             <a:xfrm>
-              <a:off x="4627113" y="6049296"/>
+              <a:off x="4839055" y="6049294"/>
               <a:ext cx="63202" cy="63202"/>
             </a:xfrm>
             <a:custGeom>
@@ -27622,7 +27622,7 @@
           </p:nvSpPr>
           <p:spPr>
             <a:xfrm>
-              <a:off x="5127100" y="6161637"/>
+              <a:off x="5097399" y="6161637"/>
               <a:ext cx="63202" cy="63202"/>
             </a:xfrm>
             <a:custGeom>
@@ -27665,7 +27665,7 @@
           </p:nvSpPr>
           <p:spPr>
             <a:xfrm>
-              <a:off x="4500318" y="6089001"/>
+              <a:off x="4933956" y="6088993"/>
               <a:ext cx="63202" cy="63202"/>
             </a:xfrm>
             <a:custGeom>
@@ -27708,7 +27708,7 @@
           </p:nvSpPr>
           <p:spPr>
             <a:xfrm>
-              <a:off x="4475132" y="6049259"/>
+              <a:off x="4474922" y="6049263"/>
               <a:ext cx="63202" cy="63202"/>
             </a:xfrm>
             <a:custGeom>
@@ -27751,7 +27751,7 @@
           </p:nvSpPr>
           <p:spPr>
             <a:xfrm>
-              <a:off x="5008499" y="6054586"/>
+              <a:off x="4764425" y="6054578"/>
               <a:ext cx="63202" cy="63202"/>
             </a:xfrm>
             <a:custGeom>
@@ -27794,7 +27794,7 @@
           </p:nvSpPr>
           <p:spPr>
             <a:xfrm>
-              <a:off x="5128420" y="6059147"/>
+              <a:off x="4676306" y="6059145"/>
               <a:ext cx="63202" cy="63202"/>
             </a:xfrm>
             <a:custGeom>
@@ -27837,7 +27837,7 @@
           </p:nvSpPr>
           <p:spPr>
             <a:xfrm>
-              <a:off x="5057664" y="6071546"/>
+              <a:off x="5104259" y="6071577"/>
               <a:ext cx="63202" cy="63202"/>
             </a:xfrm>
             <a:custGeom>
@@ -27880,7 +27880,7 @@
           </p:nvSpPr>
           <p:spPr>
             <a:xfrm>
-              <a:off x="4863864" y="6073582"/>
+              <a:off x="4506622" y="6073604"/>
               <a:ext cx="63202" cy="63202"/>
             </a:xfrm>
             <a:custGeom>
@@ -27923,7 +27923,7 @@
           </p:nvSpPr>
           <p:spPr>
             <a:xfrm>
-              <a:off x="4698523" y="6043397"/>
+              <a:off x="4929727" y="6043396"/>
               <a:ext cx="63202" cy="63202"/>
             </a:xfrm>
             <a:custGeom>
@@ -27966,7 +27966,7 @@
           </p:nvSpPr>
           <p:spPr>
             <a:xfrm>
-              <a:off x="5026642" y="6061661"/>
+              <a:off x="4585799" y="6061654"/>
               <a:ext cx="63202" cy="63202"/>
             </a:xfrm>
             <a:custGeom>
@@ -28009,7 +28009,7 @@
           </p:nvSpPr>
           <p:spPr>
             <a:xfrm>
-              <a:off x="4754911" y="6065679"/>
+              <a:off x="4695747" y="6065707"/>
               <a:ext cx="63202" cy="63202"/>
             </a:xfrm>
             <a:custGeom>
@@ -28052,7 +28052,7 @@
           </p:nvSpPr>
           <p:spPr>
             <a:xfrm>
-              <a:off x="4767956" y="6103060"/>
+              <a:off x="4630102" y="6103084"/>
               <a:ext cx="63202" cy="63202"/>
             </a:xfrm>
             <a:custGeom>
@@ -28095,7 +28095,7 @@
           </p:nvSpPr>
           <p:spPr>
             <a:xfrm>
-              <a:off x="4674319" y="6053039"/>
+              <a:off x="5150341" y="6053040"/>
               <a:ext cx="63202" cy="63202"/>
             </a:xfrm>
             <a:custGeom>
@@ -28138,7 +28138,7 @@
           </p:nvSpPr>
           <p:spPr>
             <a:xfrm>
-              <a:off x="4667509" y="6053913"/>
+              <a:off x="5122961" y="6053929"/>
               <a:ext cx="63202" cy="63202"/>
             </a:xfrm>
             <a:custGeom>
@@ -28181,7 +28181,7 @@
           </p:nvSpPr>
           <p:spPr>
             <a:xfrm>
-              <a:off x="4883574" y="6096616"/>
+              <a:off x="5156132" y="6096617"/>
               <a:ext cx="63202" cy="63202"/>
             </a:xfrm>
             <a:custGeom>
@@ -28224,7 +28224,7 @@
           </p:nvSpPr>
           <p:spPr>
             <a:xfrm>
-              <a:off x="4473592" y="6059037"/>
+              <a:off x="4888634" y="6059042"/>
               <a:ext cx="63202" cy="63202"/>
             </a:xfrm>
             <a:custGeom>
@@ -28267,7 +28267,7 @@
           </p:nvSpPr>
           <p:spPr>
             <a:xfrm>
-              <a:off x="5060237" y="6062703"/>
+              <a:off x="4588103" y="6062692"/>
               <a:ext cx="63202" cy="63202"/>
             </a:xfrm>
             <a:custGeom>
@@ -28310,7 +28310,7 @@
           </p:nvSpPr>
           <p:spPr>
             <a:xfrm>
-              <a:off x="4741014" y="6071008"/>
+              <a:off x="4543405" y="6071026"/>
               <a:ext cx="63202" cy="63202"/>
             </a:xfrm>
             <a:custGeom>
@@ -28353,7 +28353,7 @@
           </p:nvSpPr>
           <p:spPr>
             <a:xfrm>
-              <a:off x="4480085" y="6066771"/>
+              <a:off x="4637151" y="6066757"/>
               <a:ext cx="63202" cy="63202"/>
             </a:xfrm>
             <a:custGeom>
@@ -28396,7 +28396,7 @@
           </p:nvSpPr>
           <p:spPr>
             <a:xfrm>
-              <a:off x="4492296" y="6068524"/>
+              <a:off x="5037352" y="6068494"/>
               <a:ext cx="63202" cy="63202"/>
             </a:xfrm>
             <a:custGeom>
@@ -28439,7 +28439,7 @@
           </p:nvSpPr>
           <p:spPr>
             <a:xfrm>
-              <a:off x="5114342" y="6075916"/>
+              <a:off x="4604775" y="6075921"/>
               <a:ext cx="63202" cy="63202"/>
             </a:xfrm>
             <a:custGeom>
@@ -28482,7 +28482,7 @@
           </p:nvSpPr>
           <p:spPr>
             <a:xfrm>
-              <a:off x="4655875" y="6073756"/>
+              <a:off x="5147530" y="6073730"/>
               <a:ext cx="63202" cy="63202"/>
             </a:xfrm>
             <a:custGeom>
@@ -28525,7 +28525,7 @@
           </p:nvSpPr>
           <p:spPr>
             <a:xfrm>
-              <a:off x="5004867" y="6065307"/>
+              <a:off x="4876983" y="6065320"/>
               <a:ext cx="63202" cy="63202"/>
             </a:xfrm>
             <a:custGeom>
@@ -28568,7 +28568,7 @@
           </p:nvSpPr>
           <p:spPr>
             <a:xfrm>
-              <a:off x="4702171" y="6074189"/>
+              <a:off x="4978244" y="6074165"/>
               <a:ext cx="63202" cy="63202"/>
             </a:xfrm>
             <a:custGeom>
@@ -28611,7 +28611,7 @@
           </p:nvSpPr>
           <p:spPr>
             <a:xfrm>
-              <a:off x="4513480" y="6074606"/>
+              <a:off x="5026051" y="6074621"/>
               <a:ext cx="63202" cy="63202"/>
             </a:xfrm>
             <a:custGeom>
@@ -28654,7 +28654,7 @@
           </p:nvSpPr>
           <p:spPr>
             <a:xfrm>
-              <a:off x="4582891" y="6428993"/>
+              <a:off x="4481685" y="6429002"/>
               <a:ext cx="63202" cy="63202"/>
             </a:xfrm>
             <a:custGeom>
@@ -28697,7 +28697,7 @@
           </p:nvSpPr>
           <p:spPr>
             <a:xfrm>
-              <a:off x="4873017" y="6073024"/>
+              <a:off x="4843311" y="6073025"/>
               <a:ext cx="63202" cy="63202"/>
             </a:xfrm>
             <a:custGeom>
@@ -28740,7 +28740,7 @@
           </p:nvSpPr>
           <p:spPr>
             <a:xfrm>
-              <a:off x="4872778" y="6063084"/>
+              <a:off x="4650050" y="6063066"/>
               <a:ext cx="63202" cy="63202"/>
             </a:xfrm>
             <a:custGeom>
@@ -28783,7 +28783,7 @@
           </p:nvSpPr>
           <p:spPr>
             <a:xfrm>
-              <a:off x="4839487" y="6091389"/>
+              <a:off x="4483293" y="6091399"/>
               <a:ext cx="63202" cy="63202"/>
             </a:xfrm>
             <a:custGeom>
@@ -28826,7 +28826,7 @@
           </p:nvSpPr>
           <p:spPr>
             <a:xfrm>
-              <a:off x="4880469" y="6073504"/>
+              <a:off x="4533073" y="6073480"/>
               <a:ext cx="63202" cy="63202"/>
             </a:xfrm>
             <a:custGeom>
@@ -28869,7 +28869,7 @@
           </p:nvSpPr>
           <p:spPr>
             <a:xfrm>
-              <a:off x="4543753" y="6071965"/>
+              <a:off x="4515090" y="6071936"/>
               <a:ext cx="63202" cy="63202"/>
             </a:xfrm>
             <a:custGeom>
@@ -28912,7 +28912,7 @@
           </p:nvSpPr>
           <p:spPr>
             <a:xfrm>
-              <a:off x="4551296" y="6058772"/>
+              <a:off x="4777511" y="6058770"/>
               <a:ext cx="63202" cy="63202"/>
             </a:xfrm>
             <a:custGeom>
@@ -28955,7 +28955,7 @@
           </p:nvSpPr>
           <p:spPr>
             <a:xfrm>
-              <a:off x="4661762" y="6059010"/>
+              <a:off x="5047514" y="6059008"/>
               <a:ext cx="63202" cy="63202"/>
             </a:xfrm>
             <a:custGeom>
@@ -28998,7 +28998,7 @@
           </p:nvSpPr>
           <p:spPr>
             <a:xfrm>
-              <a:off x="4711029" y="6059227"/>
+              <a:off x="4776887" y="6059242"/>
               <a:ext cx="63202" cy="63202"/>
             </a:xfrm>
             <a:custGeom>
@@ -29041,7 +29041,7 @@
           </p:nvSpPr>
           <p:spPr>
             <a:xfrm>
-              <a:off x="4949125" y="6548979"/>
+              <a:off x="5113884" y="6549011"/>
               <a:ext cx="63202" cy="63202"/>
             </a:xfrm>
             <a:custGeom>
@@ -29084,7 +29084,7 @@
           </p:nvSpPr>
           <p:spPr>
             <a:xfrm>
-              <a:off x="4557075" y="6382059"/>
+              <a:off x="5028981" y="6382093"/>
               <a:ext cx="63202" cy="63202"/>
             </a:xfrm>
             <a:custGeom>
@@ -29127,7 +29127,7 @@
           </p:nvSpPr>
           <p:spPr>
             <a:xfrm>
-              <a:off x="4486159" y="6144960"/>
+              <a:off x="4520162" y="6144945"/>
               <a:ext cx="63202" cy="63202"/>
             </a:xfrm>
             <a:custGeom>
@@ -29170,7 +29170,7 @@
           </p:nvSpPr>
           <p:spPr>
             <a:xfrm>
-              <a:off x="4541290" y="6355019"/>
+              <a:off x="4483217" y="6355027"/>
               <a:ext cx="63202" cy="63202"/>
             </a:xfrm>
             <a:custGeom>
@@ -29213,7 +29213,7 @@
           </p:nvSpPr>
           <p:spPr>
             <a:xfrm>
-              <a:off x="4715381" y="6064064"/>
+              <a:off x="4628344" y="6064026"/>
               <a:ext cx="63202" cy="63202"/>
             </a:xfrm>
             <a:custGeom>
@@ -29256,7 +29256,7 @@
           </p:nvSpPr>
           <p:spPr>
             <a:xfrm>
-              <a:off x="5492409" y="6581343"/>
+              <a:off x="5818728" y="6581326"/>
               <a:ext cx="63202" cy="63202"/>
             </a:xfrm>
             <a:custGeom>
@@ -29299,7 +29299,7 @@
           </p:nvSpPr>
           <p:spPr>
             <a:xfrm>
-              <a:off x="4844893" y="6278872"/>
+              <a:off x="4728033" y="6278849"/>
               <a:ext cx="63202" cy="63202"/>
             </a:xfrm>
             <a:custGeom>
@@ -29342,7 +29342,7 @@
           </p:nvSpPr>
           <p:spPr>
             <a:xfrm>
-              <a:off x="5150202" y="6063263"/>
+              <a:off x="4559473" y="6063279"/>
               <a:ext cx="63202" cy="63202"/>
             </a:xfrm>
             <a:custGeom>
@@ -29385,7 +29385,7 @@
           </p:nvSpPr>
           <p:spPr>
             <a:xfrm>
-              <a:off x="4656652" y="6052163"/>
+              <a:off x="5032280" y="6052160"/>
               <a:ext cx="63202" cy="63202"/>
             </a:xfrm>
             <a:custGeom>
@@ -29428,7 +29428,7 @@
           </p:nvSpPr>
           <p:spPr>
             <a:xfrm>
-              <a:off x="4833995" y="6086049"/>
+              <a:off x="5036347" y="6086068"/>
               <a:ext cx="63202" cy="63202"/>
             </a:xfrm>
             <a:custGeom>
@@ -29471,7 +29471,7 @@
           </p:nvSpPr>
           <p:spPr>
             <a:xfrm>
-              <a:off x="4823041" y="6054538"/>
+              <a:off x="4856598" y="6054545"/>
               <a:ext cx="63202" cy="63202"/>
             </a:xfrm>
             <a:custGeom>
@@ -29514,7 +29514,7 @@
           </p:nvSpPr>
           <p:spPr>
             <a:xfrm>
-              <a:off x="4857829" y="6066682"/>
+              <a:off x="5167527" y="6066662"/>
               <a:ext cx="63202" cy="63202"/>
             </a:xfrm>
             <a:custGeom>
@@ -29557,7 +29557,7 @@
           </p:nvSpPr>
           <p:spPr>
             <a:xfrm>
-              <a:off x="5005387" y="6059343"/>
+              <a:off x="4960770" y="6059351"/>
               <a:ext cx="63202" cy="63202"/>
             </a:xfrm>
             <a:custGeom>
@@ -29600,7 +29600,7 @@
           </p:nvSpPr>
           <p:spPr>
             <a:xfrm>
-              <a:off x="4702455" y="6119607"/>
+              <a:off x="4869234" y="6119600"/>
               <a:ext cx="63202" cy="63202"/>
             </a:xfrm>
             <a:custGeom>
@@ -29643,7 +29643,7 @@
           </p:nvSpPr>
           <p:spPr>
             <a:xfrm>
-              <a:off x="4985344" y="6056575"/>
+              <a:off x="4836231" y="6056591"/>
               <a:ext cx="63202" cy="63202"/>
             </a:xfrm>
             <a:custGeom>
@@ -29686,7 +29686,7 @@
           </p:nvSpPr>
           <p:spPr>
             <a:xfrm>
-              <a:off x="5127113" y="6100663"/>
+              <a:off x="4563403" y="6100659"/>
               <a:ext cx="63202" cy="63202"/>
             </a:xfrm>
             <a:custGeom>
@@ -29729,7 +29729,7 @@
           </p:nvSpPr>
           <p:spPr>
             <a:xfrm>
-              <a:off x="4544474" y="6059535"/>
+              <a:off x="4723202" y="6059549"/>
               <a:ext cx="63202" cy="63202"/>
             </a:xfrm>
             <a:custGeom>
@@ -29772,7 +29772,7 @@
           </p:nvSpPr>
           <p:spPr>
             <a:xfrm>
-              <a:off x="4477698" y="6067641"/>
+              <a:off x="4820202" y="6067629"/>
               <a:ext cx="63202" cy="63202"/>
             </a:xfrm>
             <a:custGeom>
@@ -29815,7 +29815,7 @@
           </p:nvSpPr>
           <p:spPr>
             <a:xfrm>
-              <a:off x="5144203" y="6043257"/>
+              <a:off x="4679679" y="6043236"/>
               <a:ext cx="63202" cy="63202"/>
             </a:xfrm>
             <a:custGeom>
@@ -29858,7 +29858,7 @@
           </p:nvSpPr>
           <p:spPr>
             <a:xfrm>
-              <a:off x="4855184" y="6071813"/>
+              <a:off x="5132115" y="6071803"/>
               <a:ext cx="63202" cy="63202"/>
             </a:xfrm>
             <a:custGeom>
@@ -29901,7 +29901,7 @@
           </p:nvSpPr>
           <p:spPr>
             <a:xfrm>
-              <a:off x="4660248" y="6072185"/>
+              <a:off x="5019772" y="6072190"/>
               <a:ext cx="63202" cy="63202"/>
             </a:xfrm>
             <a:custGeom>
@@ -29944,7 +29944,7 @@
           </p:nvSpPr>
           <p:spPr>
             <a:xfrm>
-              <a:off x="4642400" y="6071419"/>
+              <a:off x="4902202" y="6071423"/>
               <a:ext cx="63202" cy="63202"/>
             </a:xfrm>
             <a:custGeom>
@@ -29987,7 +29987,7 @@
           </p:nvSpPr>
           <p:spPr>
             <a:xfrm>
-              <a:off x="5137416" y="6071352"/>
+              <a:off x="4915790" y="6071355"/>
               <a:ext cx="63202" cy="63202"/>
             </a:xfrm>
             <a:custGeom>
@@ -30030,7 +30030,7 @@
           </p:nvSpPr>
           <p:spPr>
             <a:xfrm>
-              <a:off x="4731118" y="6070437"/>
+              <a:off x="5167035" y="6070426"/>
               <a:ext cx="63202" cy="63202"/>
             </a:xfrm>
             <a:custGeom>
@@ -30073,7 +30073,7 @@
           </p:nvSpPr>
           <p:spPr>
             <a:xfrm>
-              <a:off x="4548426" y="6078020"/>
+              <a:off x="4733086" y="6077995"/>
               <a:ext cx="63202" cy="63202"/>
             </a:xfrm>
             <a:custGeom>
@@ -30116,7 +30116,7 @@
           </p:nvSpPr>
           <p:spPr>
             <a:xfrm>
-              <a:off x="4915757" y="6137898"/>
+              <a:off x="4983819" y="6137886"/>
               <a:ext cx="63202" cy="63202"/>
             </a:xfrm>
             <a:custGeom>
@@ -30159,7 +30159,7 @@
           </p:nvSpPr>
           <p:spPr>
             <a:xfrm>
-              <a:off x="5029200" y="6065205"/>
+              <a:off x="4469842" y="6065197"/>
               <a:ext cx="63202" cy="63202"/>
             </a:xfrm>
             <a:custGeom>
@@ -30202,7 +30202,7 @@
           </p:nvSpPr>
           <p:spPr>
             <a:xfrm>
-              <a:off x="5110098" y="6059163"/>
+              <a:off x="4743784" y="6059140"/>
               <a:ext cx="63202" cy="63202"/>
             </a:xfrm>
             <a:custGeom>
@@ -30245,7 +30245,7 @@
           </p:nvSpPr>
           <p:spPr>
             <a:xfrm>
-              <a:off x="4880561" y="6184425"/>
+              <a:off x="5114205" y="6184414"/>
               <a:ext cx="63202" cy="63202"/>
             </a:xfrm>
             <a:custGeom>
@@ -30288,7 +30288,7 @@
           </p:nvSpPr>
           <p:spPr>
             <a:xfrm>
-              <a:off x="4858638" y="6106693"/>
+              <a:off x="5037372" y="6106696"/>
               <a:ext cx="63202" cy="63202"/>
             </a:xfrm>
             <a:custGeom>
@@ -30331,7 +30331,7 @@
           </p:nvSpPr>
           <p:spPr>
             <a:xfrm>
-              <a:off x="4481844" y="6069341"/>
+              <a:off x="4537747" y="6069313"/>
               <a:ext cx="63202" cy="63202"/>
             </a:xfrm>
             <a:custGeom>
@@ -30374,7 +30374,7 @@
           </p:nvSpPr>
           <p:spPr>
             <a:xfrm>
-              <a:off x="5080505" y="6052992"/>
+              <a:off x="4913929" y="6052988"/>
               <a:ext cx="63202" cy="63202"/>
             </a:xfrm>
             <a:custGeom>
@@ -30417,7 +30417,7 @@
           </p:nvSpPr>
           <p:spPr>
             <a:xfrm>
-              <a:off x="4730639" y="6063883"/>
+              <a:off x="4503011" y="6063917"/>
               <a:ext cx="63202" cy="63202"/>
             </a:xfrm>
             <a:custGeom>
@@ -30460,7 +30460,7 @@
           </p:nvSpPr>
           <p:spPr>
             <a:xfrm>
-              <a:off x="4793288" y="6143860"/>
+              <a:off x="4586421" y="6143855"/>
               <a:ext cx="63202" cy="63202"/>
             </a:xfrm>
             <a:custGeom>
@@ -30503,7 +30503,7 @@
           </p:nvSpPr>
           <p:spPr>
             <a:xfrm>
-              <a:off x="5131649" y="6078406"/>
+              <a:off x="4737527" y="6078378"/>
               <a:ext cx="63202" cy="63202"/>
             </a:xfrm>
             <a:custGeom>
@@ -30546,7 +30546,7 @@
           </p:nvSpPr>
           <p:spPr>
             <a:xfrm>
-              <a:off x="5052255" y="6119606"/>
+              <a:off x="5058327" y="6119595"/>
               <a:ext cx="63202" cy="63202"/>
             </a:xfrm>
             <a:custGeom>
@@ -30589,7 +30589,7 @@
           </p:nvSpPr>
           <p:spPr>
             <a:xfrm>
-              <a:off x="4615775" y="6076883"/>
+              <a:off x="4933040" y="6076888"/>
               <a:ext cx="63202" cy="63202"/>
             </a:xfrm>
             <a:custGeom>
@@ -30688,7 +30688,7 @@
           </p:nvSpPr>
           <p:spPr>
             <a:xfrm>
-              <a:off x="7192078" y="2797360"/>
+              <a:off x="7192078" y="2797365"/>
               <a:ext cx="2796732" cy="0"/>
             </a:xfrm>
             <a:custGeom>
@@ -30731,7 +30731,7 @@
           </p:nvSpPr>
           <p:spPr>
             <a:xfrm>
-              <a:off x="7192078" y="2312563"/>
+              <a:off x="7192078" y="2312561"/>
               <a:ext cx="2796732" cy="0"/>
             </a:xfrm>
             <a:custGeom>
@@ -30774,7 +30774,7 @@
           </p:nvSpPr>
           <p:spPr>
             <a:xfrm>
-              <a:off x="7192078" y="1827765"/>
+              <a:off x="7192078" y="1827758"/>
               <a:ext cx="2796732" cy="0"/>
             </a:xfrm>
             <a:custGeom>
@@ -30817,7 +30817,7 @@
           </p:nvSpPr>
           <p:spPr>
             <a:xfrm>
-              <a:off x="7192078" y="3039759"/>
+              <a:off x="7192078" y="3039766"/>
               <a:ext cx="2796732" cy="0"/>
             </a:xfrm>
             <a:custGeom>
@@ -30860,7 +30860,7 @@
           </p:nvSpPr>
           <p:spPr>
             <a:xfrm>
-              <a:off x="7192078" y="2554961"/>
+              <a:off x="7192078" y="2554963"/>
               <a:ext cx="2796732" cy="0"/>
             </a:xfrm>
             <a:custGeom>
@@ -30903,7 +30903,7 @@
           </p:nvSpPr>
           <p:spPr>
             <a:xfrm>
-              <a:off x="7192078" y="2070164"/>
+              <a:off x="7192078" y="2070160"/>
               <a:ext cx="2796732" cy="0"/>
             </a:xfrm>
             <a:custGeom>
@@ -30946,7 +30946,7 @@
           </p:nvSpPr>
           <p:spPr>
             <a:xfrm>
-              <a:off x="7192078" y="1585367"/>
+              <a:off x="7192078" y="1585357"/>
               <a:ext cx="2796732" cy="0"/>
             </a:xfrm>
             <a:custGeom>
@@ -31118,7 +31118,7 @@
           </p:nvSpPr>
           <p:spPr>
             <a:xfrm>
-              <a:off x="7587811" y="2559232"/>
+              <a:off x="7694151" y="2559221"/>
               <a:ext cx="63202" cy="63202"/>
             </a:xfrm>
             <a:custGeom>
@@ -31161,7 +31161,7 @@
           </p:nvSpPr>
           <p:spPr>
             <a:xfrm>
-              <a:off x="7683335" y="2661730"/>
+              <a:off x="7661506" y="2661739"/>
               <a:ext cx="63202" cy="63202"/>
             </a:xfrm>
             <a:custGeom>
@@ -31204,7 +31204,7 @@
           </p:nvSpPr>
           <p:spPr>
             <a:xfrm>
-              <a:off x="7668985" y="2520629"/>
+              <a:off x="7694148" y="2520649"/>
               <a:ext cx="63202" cy="63202"/>
             </a:xfrm>
             <a:custGeom>
@@ -31247,7 +31247,7 @@
           </p:nvSpPr>
           <p:spPr>
             <a:xfrm>
-              <a:off x="7937596" y="2581000"/>
+              <a:off x="7753303" y="2581018"/>
               <a:ext cx="63202" cy="63202"/>
             </a:xfrm>
             <a:custGeom>
@@ -31290,7 +31290,7 @@
           </p:nvSpPr>
           <p:spPr>
             <a:xfrm>
-              <a:off x="7426535" y="2544010"/>
+              <a:off x="7979783" y="2543998"/>
               <a:ext cx="63202" cy="63202"/>
             </a:xfrm>
             <a:custGeom>
@@ -31333,7 +31333,7 @@
           </p:nvSpPr>
           <p:spPr>
             <a:xfrm>
-              <a:off x="7748104" y="2349961"/>
+              <a:off x="7385989" y="2349934"/>
               <a:ext cx="63202" cy="63202"/>
             </a:xfrm>
             <a:custGeom>
@@ -31376,7 +31376,7 @@
           </p:nvSpPr>
           <p:spPr>
             <a:xfrm>
-              <a:off x="7757190" y="2643058"/>
+              <a:off x="7399656" y="2643048"/>
               <a:ext cx="63202" cy="63202"/>
             </a:xfrm>
             <a:custGeom>
@@ -31419,7 +31419,7 @@
           </p:nvSpPr>
           <p:spPr>
             <a:xfrm>
-              <a:off x="7499025" y="2662950"/>
+              <a:off x="7940713" y="2662924"/>
               <a:ext cx="63202" cy="63202"/>
             </a:xfrm>
             <a:custGeom>
@@ -31462,7 +31462,7 @@
           </p:nvSpPr>
           <p:spPr>
             <a:xfrm>
-              <a:off x="7987364" y="2543803"/>
+              <a:off x="7954479" y="2543840"/>
               <a:ext cx="63202" cy="63202"/>
             </a:xfrm>
             <a:custGeom>
@@ -31505,7 +31505,7 @@
           </p:nvSpPr>
           <p:spPr>
             <a:xfrm>
-              <a:off x="7656751" y="2554725"/>
+              <a:off x="7846037" y="2554736"/>
               <a:ext cx="63202" cy="63202"/>
             </a:xfrm>
             <a:custGeom>
@@ -31548,7 +31548,7 @@
           </p:nvSpPr>
           <p:spPr>
             <a:xfrm>
-              <a:off x="7816082" y="2643261"/>
+              <a:off x="7596288" y="2643257"/>
               <a:ext cx="63202" cy="63202"/>
             </a:xfrm>
             <a:custGeom>
@@ -31591,7 +31591,7 @@
           </p:nvSpPr>
           <p:spPr>
             <a:xfrm>
-              <a:off x="7927783" y="2790858"/>
+              <a:off x="7569545" y="2790865"/>
               <a:ext cx="63202" cy="63202"/>
             </a:xfrm>
             <a:custGeom>
@@ -31634,7 +31634,7 @@
           </p:nvSpPr>
           <p:spPr>
             <a:xfrm>
-              <a:off x="7556590" y="2693916"/>
+              <a:off x="7404393" y="2693934"/>
               <a:ext cx="63202" cy="63202"/>
             </a:xfrm>
             <a:custGeom>
@@ -31677,7 +31677,7 @@
           </p:nvSpPr>
           <p:spPr>
             <a:xfrm>
-              <a:off x="7503331" y="2649228"/>
+              <a:off x="7583491" y="2649213"/>
               <a:ext cx="63202" cy="63202"/>
             </a:xfrm>
             <a:custGeom>
@@ -31720,7 +31720,7 @@
           </p:nvSpPr>
           <p:spPr>
             <a:xfrm>
-              <a:off x="7917065" y="2645147"/>
+              <a:off x="7557811" y="2645130"/>
               <a:ext cx="63202" cy="63202"/>
             </a:xfrm>
             <a:custGeom>
@@ -31763,7 +31763,7 @@
           </p:nvSpPr>
           <p:spPr>
             <a:xfrm>
-              <a:off x="7485889" y="2760423"/>
+              <a:off x="7392273" y="2760412"/>
               <a:ext cx="63202" cy="63202"/>
             </a:xfrm>
             <a:custGeom>
@@ -31806,7 +31806,7 @@
           </p:nvSpPr>
           <p:spPr>
             <a:xfrm>
-              <a:off x="7785729" y="2650122"/>
+              <a:off x="7485155" y="2650154"/>
               <a:ext cx="63202" cy="63202"/>
             </a:xfrm>
             <a:custGeom>
@@ -31849,7 +31849,7 @@
           </p:nvSpPr>
           <p:spPr>
             <a:xfrm>
-              <a:off x="7882321" y="2579304"/>
+              <a:off x="7819519" y="2579301"/>
               <a:ext cx="63202" cy="63202"/>
             </a:xfrm>
             <a:custGeom>
@@ -31892,7 +31892,7 @@
           </p:nvSpPr>
           <p:spPr>
             <a:xfrm>
-              <a:off x="7367917" y="2703619"/>
+              <a:off x="7395409" y="2703603"/>
               <a:ext cx="63202" cy="63202"/>
             </a:xfrm>
             <a:custGeom>
@@ -31935,7 +31935,7 @@
           </p:nvSpPr>
           <p:spPr>
             <a:xfrm>
-              <a:off x="7737834" y="2632500"/>
+              <a:off x="7802636" y="2632505"/>
               <a:ext cx="63202" cy="63202"/>
             </a:xfrm>
             <a:custGeom>
@@ -31978,7 +31978,7 @@
           </p:nvSpPr>
           <p:spPr>
             <a:xfrm>
-              <a:off x="7772237" y="2628214"/>
+              <a:off x="7759724" y="2628207"/>
               <a:ext cx="63202" cy="63202"/>
             </a:xfrm>
             <a:custGeom>
@@ -32021,7 +32021,7 @@
           </p:nvSpPr>
           <p:spPr>
             <a:xfrm>
-              <a:off x="8017220" y="2661544"/>
+              <a:off x="7660300" y="2661541"/>
               <a:ext cx="63202" cy="63202"/>
             </a:xfrm>
             <a:custGeom>
@@ -32064,7 +32064,7 @@
           </p:nvSpPr>
           <p:spPr>
             <a:xfrm>
-              <a:off x="7644579" y="2749944"/>
+              <a:off x="7462395" y="2749967"/>
               <a:ext cx="63202" cy="63202"/>
             </a:xfrm>
             <a:custGeom>
@@ -32107,7 +32107,7 @@
           </p:nvSpPr>
           <p:spPr>
             <a:xfrm>
-              <a:off x="7602950" y="2663209"/>
+              <a:off x="7864296" y="2663225"/>
               <a:ext cx="63202" cy="63202"/>
             </a:xfrm>
             <a:custGeom>
@@ -32150,7 +32150,7 @@
           </p:nvSpPr>
           <p:spPr>
             <a:xfrm>
-              <a:off x="7563025" y="2644086"/>
+              <a:off x="7804462" y="2644090"/>
               <a:ext cx="63202" cy="63202"/>
             </a:xfrm>
             <a:custGeom>
@@ -32193,7 +32193,7 @@
           </p:nvSpPr>
           <p:spPr>
             <a:xfrm>
-              <a:off x="7936362" y="2350200"/>
+              <a:off x="7337964" y="2350200"/>
               <a:ext cx="63202" cy="63202"/>
             </a:xfrm>
             <a:custGeom>
@@ -32236,7 +32236,7 @@
           </p:nvSpPr>
           <p:spPr>
             <a:xfrm>
-              <a:off x="7713136" y="2651154"/>
+              <a:off x="7854273" y="2651157"/>
               <a:ext cx="63202" cy="63202"/>
             </a:xfrm>
             <a:custGeom>
@@ -32279,7 +32279,7 @@
           </p:nvSpPr>
           <p:spPr>
             <a:xfrm>
-              <a:off x="7353177" y="2647221"/>
+              <a:off x="8000831" y="2647234"/>
               <a:ext cx="63202" cy="63202"/>
             </a:xfrm>
             <a:custGeom>
@@ -32322,7 +32322,7 @@
           </p:nvSpPr>
           <p:spPr>
             <a:xfrm>
-              <a:off x="7674293" y="2348602"/>
+              <a:off x="7701532" y="2348585"/>
               <a:ext cx="63202" cy="63202"/>
             </a:xfrm>
             <a:custGeom>
@@ -32365,7 +32365,7 @@
           </p:nvSpPr>
           <p:spPr>
             <a:xfrm>
-              <a:off x="7729706" y="2583631"/>
+              <a:off x="7948338" y="2583629"/>
               <a:ext cx="63202" cy="63202"/>
             </a:xfrm>
             <a:custGeom>
@@ -32408,7 +32408,7 @@
           </p:nvSpPr>
           <p:spPr>
             <a:xfrm>
-              <a:off x="7870499" y="2604675"/>
+              <a:off x="7666372" y="2604655"/>
               <a:ext cx="63202" cy="63202"/>
             </a:xfrm>
             <a:custGeom>
@@ -32451,7 +32451,7 @@
           </p:nvSpPr>
           <p:spPr>
             <a:xfrm>
-              <a:off x="7803043" y="2615309"/>
+              <a:off x="7606606" y="2615326"/>
               <a:ext cx="63202" cy="63202"/>
             </a:xfrm>
             <a:custGeom>
@@ -32494,7 +32494,7 @@
           </p:nvSpPr>
           <p:spPr>
             <a:xfrm>
-              <a:off x="7555358" y="2602268"/>
+              <a:off x="7465295" y="2602279"/>
               <a:ext cx="63202" cy="63202"/>
             </a:xfrm>
             <a:custGeom>
@@ -32537,7 +32537,7 @@
           </p:nvSpPr>
           <p:spPr>
             <a:xfrm>
-              <a:off x="7754616" y="2603452"/>
+              <a:off x="7825620" y="2603449"/>
               <a:ext cx="63202" cy="63202"/>
             </a:xfrm>
             <a:custGeom>
@@ -32580,7 +32580,7 @@
           </p:nvSpPr>
           <p:spPr>
             <a:xfrm>
-              <a:off x="7869870" y="2602491"/>
+              <a:off x="7625176" y="2602491"/>
               <a:ext cx="63202" cy="63202"/>
             </a:xfrm>
             <a:custGeom>
@@ -32623,7 +32623,7 @@
           </p:nvSpPr>
           <p:spPr>
             <a:xfrm>
-              <a:off x="7973845" y="2627976"/>
+              <a:off x="8030792" y="2627990"/>
               <a:ext cx="63202" cy="63202"/>
             </a:xfrm>
             <a:custGeom>
@@ -32666,7 +32666,7 @@
           </p:nvSpPr>
           <p:spPr>
             <a:xfrm>
-              <a:off x="7406776" y="2629375"/>
+              <a:off x="7580072" y="2629394"/>
               <a:ext cx="63202" cy="63202"/>
             </a:xfrm>
             <a:custGeom>
@@ -32709,7 +32709,7 @@
           </p:nvSpPr>
           <p:spPr>
             <a:xfrm>
-              <a:off x="8002246" y="2691248"/>
+              <a:off x="7975381" y="2691253"/>
               <a:ext cx="63202" cy="63202"/>
             </a:xfrm>
             <a:custGeom>
@@ -32752,7 +32752,7 @@
           </p:nvSpPr>
           <p:spPr>
             <a:xfrm>
-              <a:off x="7734937" y="2654167"/>
+              <a:off x="7983136" y="2654154"/>
               <a:ext cx="63202" cy="63202"/>
             </a:xfrm>
             <a:custGeom>
@@ -32795,7 +32795,7 @@
           </p:nvSpPr>
           <p:spPr>
             <a:xfrm>
-              <a:off x="7827498" y="2580953"/>
+              <a:off x="7415693" y="2580969"/>
               <a:ext cx="63202" cy="63202"/>
             </a:xfrm>
             <a:custGeom>
@@ -32838,7 +32838,7 @@
           </p:nvSpPr>
           <p:spPr>
             <a:xfrm>
-              <a:off x="7898936" y="2746990"/>
+              <a:off x="7734484" y="2747001"/>
               <a:ext cx="63202" cy="63202"/>
             </a:xfrm>
             <a:custGeom>
@@ -32881,7 +32881,7 @@
           </p:nvSpPr>
           <p:spPr>
             <a:xfrm>
-              <a:off x="7796109" y="2620133"/>
+              <a:off x="7674963" y="2620142"/>
               <a:ext cx="63202" cy="63202"/>
             </a:xfrm>
             <a:custGeom>
@@ -32924,7 +32924,7 @@
           </p:nvSpPr>
           <p:spPr>
             <a:xfrm>
-              <a:off x="7810168" y="2580137"/>
+              <a:off x="7708044" y="2580121"/>
               <a:ext cx="63202" cy="63202"/>
             </a:xfrm>
             <a:custGeom>
@@ -32967,7 +32967,7 @@
           </p:nvSpPr>
           <p:spPr>
             <a:xfrm>
-              <a:off x="7701852" y="2579291"/>
+              <a:off x="7854259" y="2579308"/>
               <a:ext cx="63202" cy="63202"/>
             </a:xfrm>
             <a:custGeom>
@@ -33010,7 +33010,7 @@
           </p:nvSpPr>
           <p:spPr>
             <a:xfrm>
-              <a:off x="7971906" y="2626022"/>
+              <a:off x="7755858" y="2626037"/>
               <a:ext cx="63202" cy="63202"/>
             </a:xfrm>
             <a:custGeom>
@@ -33053,7 +33053,7 @@
           </p:nvSpPr>
           <p:spPr>
             <a:xfrm>
-              <a:off x="7564533" y="2579923"/>
+              <a:off x="7774001" y="2579924"/>
               <a:ext cx="63202" cy="63202"/>
             </a:xfrm>
             <a:custGeom>
@@ -33096,7 +33096,7 @@
           </p:nvSpPr>
           <p:spPr>
             <a:xfrm>
-              <a:off x="7384427" y="2544017"/>
+              <a:off x="7966643" y="2544007"/>
               <a:ext cx="63202" cy="63202"/>
             </a:xfrm>
             <a:custGeom>
@@ -33195,7 +33195,7 @@
           </p:nvSpPr>
           <p:spPr>
             <a:xfrm>
-              <a:off x="7192078" y="4722692"/>
+              <a:off x="7192078" y="4722697"/>
               <a:ext cx="2796732" cy="0"/>
             </a:xfrm>
             <a:custGeom>
@@ -33238,7 +33238,7 @@
           </p:nvSpPr>
           <p:spPr>
             <a:xfrm>
-              <a:off x="7192078" y="4237895"/>
+              <a:off x="7192078" y="4237894"/>
               <a:ext cx="2796732" cy="0"/>
             </a:xfrm>
             <a:custGeom>
@@ -33281,7 +33281,7 @@
           </p:nvSpPr>
           <p:spPr>
             <a:xfrm>
-              <a:off x="7192078" y="3753098"/>
+              <a:off x="7192078" y="3753091"/>
               <a:ext cx="2796732" cy="0"/>
             </a:xfrm>
             <a:custGeom>
@@ -33324,7 +33324,7 @@
           </p:nvSpPr>
           <p:spPr>
             <a:xfrm>
-              <a:off x="7192078" y="4965091"/>
+              <a:off x="7192078" y="4965099"/>
               <a:ext cx="2796732" cy="0"/>
             </a:xfrm>
             <a:custGeom>
@@ -33367,7 +33367,7 @@
           </p:nvSpPr>
           <p:spPr>
             <a:xfrm>
-              <a:off x="7192078" y="4480294"/>
+              <a:off x="7192078" y="4480296"/>
               <a:ext cx="2796732" cy="0"/>
             </a:xfrm>
             <a:custGeom>
@@ -33410,7 +33410,7 @@
           </p:nvSpPr>
           <p:spPr>
             <a:xfrm>
-              <a:off x="7192078" y="3995497"/>
+              <a:off x="7192078" y="3995492"/>
               <a:ext cx="2796732" cy="0"/>
             </a:xfrm>
             <a:custGeom>
@@ -33453,7 +33453,7 @@
           </p:nvSpPr>
           <p:spPr>
             <a:xfrm>
-              <a:off x="7192078" y="3510699"/>
+              <a:off x="7192078" y="3510689"/>
               <a:ext cx="2796732" cy="0"/>
             </a:xfrm>
             <a:custGeom>
@@ -33625,7 +33625,7 @@
           </p:nvSpPr>
           <p:spPr>
             <a:xfrm>
-              <a:off x="7607256" y="4446077"/>
+              <a:off x="7864790" y="4446087"/>
               <a:ext cx="63202" cy="63202"/>
             </a:xfrm>
             <a:custGeom>
@@ -33668,7 +33668,7 @@
           </p:nvSpPr>
           <p:spPr>
             <a:xfrm>
-              <a:off x="7786244" y="4438750"/>
+              <a:off x="7419153" y="4438768"/>
               <a:ext cx="63202" cy="63202"/>
             </a:xfrm>
             <a:custGeom>
@@ -33711,7 +33711,7 @@
           </p:nvSpPr>
           <p:spPr>
             <a:xfrm>
-              <a:off x="7689464" y="4551503"/>
+              <a:off x="7987386" y="4551514"/>
               <a:ext cx="63202" cy="63202"/>
             </a:xfrm>
             <a:custGeom>
@@ -33754,7 +33754,7 @@
           </p:nvSpPr>
           <p:spPr>
             <a:xfrm>
-              <a:off x="8781404" y="4795409"/>
+              <a:off x="8660380" y="4795416"/>
               <a:ext cx="63202" cy="63202"/>
             </a:xfrm>
             <a:custGeom>
@@ -33797,7 +33797,7 @@
           </p:nvSpPr>
           <p:spPr>
             <a:xfrm>
-              <a:off x="7671263" y="4513208"/>
+              <a:off x="7866937" y="4513204"/>
               <a:ext cx="63202" cy="63202"/>
             </a:xfrm>
             <a:custGeom>
@@ -33840,7 +33840,7 @@
           </p:nvSpPr>
           <p:spPr>
             <a:xfrm>
-              <a:off x="7381574" y="4419880"/>
+              <a:off x="7402147" y="4419886"/>
               <a:ext cx="63202" cy="63202"/>
             </a:xfrm>
             <a:custGeom>
@@ -33883,7 +33883,7 @@
           </p:nvSpPr>
           <p:spPr>
             <a:xfrm>
-              <a:off x="7428280" y="4484139"/>
+              <a:off x="7480707" y="4484144"/>
               <a:ext cx="63202" cy="63202"/>
             </a:xfrm>
             <a:custGeom>
@@ -33926,7 +33926,7 @@
           </p:nvSpPr>
           <p:spPr>
             <a:xfrm>
-              <a:off x="7933656" y="4428733"/>
+              <a:off x="7779308" y="4428739"/>
               <a:ext cx="63202" cy="63202"/>
             </a:xfrm>
             <a:custGeom>
@@ -33969,7 +33969,7 @@
           </p:nvSpPr>
           <p:spPr>
             <a:xfrm>
-              <a:off x="7899081" y="4565955"/>
+              <a:off x="7941608" y="4565960"/>
               <a:ext cx="63202" cy="63202"/>
             </a:xfrm>
             <a:custGeom>
@@ -34012,7 +34012,7 @@
           </p:nvSpPr>
           <p:spPr>
             <a:xfrm>
-              <a:off x="7723066" y="4442866"/>
+              <a:off x="7600181" y="4442868"/>
               <a:ext cx="63202" cy="63202"/>
             </a:xfrm>
             <a:custGeom>
@@ -34055,7 +34055,7 @@
           </p:nvSpPr>
           <p:spPr>
             <a:xfrm>
-              <a:off x="7784270" y="4437217"/>
+              <a:off x="7622245" y="4437211"/>
               <a:ext cx="63202" cy="63202"/>
             </a:xfrm>
             <a:custGeom>
@@ -34098,7 +34098,7 @@
           </p:nvSpPr>
           <p:spPr>
             <a:xfrm>
-              <a:off x="7560815" y="4441410"/>
+              <a:off x="7868948" y="4441415"/>
               <a:ext cx="63202" cy="63202"/>
             </a:xfrm>
             <a:custGeom>
@@ -34141,7 +34141,7 @@
           </p:nvSpPr>
           <p:spPr>
             <a:xfrm>
-              <a:off x="7621185" y="4410352"/>
+              <a:off x="7433633" y="4410350"/>
               <a:ext cx="63202" cy="63202"/>
             </a:xfrm>
             <a:custGeom>
@@ -34184,7 +34184,7 @@
           </p:nvSpPr>
           <p:spPr>
             <a:xfrm>
-              <a:off x="7818562" y="4472316"/>
+              <a:off x="7826008" y="4472316"/>
               <a:ext cx="63202" cy="63202"/>
             </a:xfrm>
             <a:custGeom>
@@ -35679,7 +35679,7 @@
           </p:nvSpPr>
           <p:spPr>
             <a:xfrm>
-              <a:off x="1334650" y="2998067"/>
+              <a:off x="1334650" y="2998074"/>
               <a:ext cx="62155" cy="81691"/>
             </a:xfrm>
             <a:prstGeom prst="rect">
@@ -35725,7 +35725,7 @@
           </p:nvSpPr>
           <p:spPr>
             <a:xfrm>
-              <a:off x="1148183" y="2513270"/>
+              <a:off x="1148183" y="2513271"/>
               <a:ext cx="248622" cy="81691"/>
             </a:xfrm>
             <a:prstGeom prst="rect">
@@ -35771,7 +35771,7 @@
           </p:nvSpPr>
           <p:spPr>
             <a:xfrm>
-              <a:off x="1148183" y="2028472"/>
+              <a:off x="1148183" y="2028468"/>
               <a:ext cx="248622" cy="81691"/>
             </a:xfrm>
             <a:prstGeom prst="rect">
@@ -35817,7 +35817,7 @@
           </p:nvSpPr>
           <p:spPr>
             <a:xfrm>
-              <a:off x="1148183" y="1543621"/>
+              <a:off x="1148183" y="1543611"/>
               <a:ext cx="248622" cy="81746"/>
             </a:xfrm>
             <a:prstGeom prst="rect">
@@ -35863,7 +35863,7 @@
           </p:nvSpPr>
           <p:spPr>
             <a:xfrm>
-              <a:off x="1424641" y="3039759"/>
+              <a:off x="1424641" y="3039766"/>
               <a:ext cx="34794" cy="0"/>
             </a:xfrm>
             <a:custGeom>
@@ -35903,7 +35903,7 @@
           </p:nvSpPr>
           <p:spPr>
             <a:xfrm>
-              <a:off x="1424641" y="2554961"/>
+              <a:off x="1424641" y="2554963"/>
               <a:ext cx="34794" cy="0"/>
             </a:xfrm>
             <a:custGeom>
@@ -35943,7 +35943,7 @@
           </p:nvSpPr>
           <p:spPr>
             <a:xfrm>
-              <a:off x="1424641" y="2070164"/>
+              <a:off x="1424641" y="2070160"/>
               <a:ext cx="34794" cy="0"/>
             </a:xfrm>
             <a:custGeom>
@@ -35983,7 +35983,7 @@
           </p:nvSpPr>
           <p:spPr>
             <a:xfrm>
-              <a:off x="1424641" y="1585367"/>
+              <a:off x="1424641" y="1585357"/>
               <a:ext cx="34794" cy="0"/>
             </a:xfrm>
             <a:custGeom>
@@ -36023,7 +36023,7 @@
           </p:nvSpPr>
           <p:spPr>
             <a:xfrm>
-              <a:off x="1334650" y="4923399"/>
+              <a:off x="1334650" y="4923407"/>
               <a:ext cx="62155" cy="81691"/>
             </a:xfrm>
             <a:prstGeom prst="rect">
@@ -36069,7 +36069,7 @@
           </p:nvSpPr>
           <p:spPr>
             <a:xfrm>
-              <a:off x="1148183" y="4438602"/>
+              <a:off x="1148183" y="4438604"/>
               <a:ext cx="248622" cy="81691"/>
             </a:xfrm>
             <a:prstGeom prst="rect">
@@ -36115,7 +36115,7 @@
           </p:nvSpPr>
           <p:spPr>
             <a:xfrm>
-              <a:off x="1148183" y="3953805"/>
+              <a:off x="1148183" y="3953801"/>
               <a:ext cx="248622" cy="81691"/>
             </a:xfrm>
             <a:prstGeom prst="rect">
@@ -36161,7 +36161,7 @@
           </p:nvSpPr>
           <p:spPr>
             <a:xfrm>
-              <a:off x="1148183" y="3468953"/>
+              <a:off x="1148183" y="3468943"/>
               <a:ext cx="248622" cy="81746"/>
             </a:xfrm>
             <a:prstGeom prst="rect">
@@ -36207,7 +36207,7 @@
           </p:nvSpPr>
           <p:spPr>
             <a:xfrm>
-              <a:off x="1424641" y="4965091"/>
+              <a:off x="1424641" y="4965099"/>
               <a:ext cx="34794" cy="0"/>
             </a:xfrm>
             <a:custGeom>
@@ -36247,7 +36247,7 @@
           </p:nvSpPr>
           <p:spPr>
             <a:xfrm>
-              <a:off x="1424641" y="4480294"/>
+              <a:off x="1424641" y="4480296"/>
               <a:ext cx="34794" cy="0"/>
             </a:xfrm>
             <a:custGeom>
@@ -36287,7 +36287,7 @@
           </p:nvSpPr>
           <p:spPr>
             <a:xfrm>
-              <a:off x="1424641" y="3995497"/>
+              <a:off x="1424641" y="3995492"/>
               <a:ext cx="34794" cy="0"/>
             </a:xfrm>
             <a:custGeom>
@@ -36327,7 +36327,7 @@
           </p:nvSpPr>
           <p:spPr>
             <a:xfrm>
-              <a:off x="1424641" y="3510699"/>
+              <a:off x="1424641" y="3510689"/>
               <a:ext cx="34794" cy="0"/>
             </a:xfrm>
             <a:custGeom>
@@ -36367,7 +36367,7 @@
           </p:nvSpPr>
           <p:spPr>
             <a:xfrm>
-              <a:off x="1334650" y="6848732"/>
+              <a:off x="1334650" y="6848740"/>
               <a:ext cx="62155" cy="81691"/>
             </a:xfrm>
             <a:prstGeom prst="rect">
@@ -36413,7 +36413,7 @@
           </p:nvSpPr>
           <p:spPr>
             <a:xfrm>
-              <a:off x="1148183" y="6363935"/>
+              <a:off x="1148183" y="6363936"/>
               <a:ext cx="248622" cy="81691"/>
             </a:xfrm>
             <a:prstGeom prst="rect">
@@ -36459,7 +36459,7 @@
           </p:nvSpPr>
           <p:spPr>
             <a:xfrm>
-              <a:off x="1148183" y="5879137"/>
+              <a:off x="1148183" y="5879133"/>
               <a:ext cx="248622" cy="81691"/>
             </a:xfrm>
             <a:prstGeom prst="rect">
@@ -36505,7 +36505,7 @@
           </p:nvSpPr>
           <p:spPr>
             <a:xfrm>
-              <a:off x="1148183" y="5394286"/>
+              <a:off x="1148183" y="5394276"/>
               <a:ext cx="248622" cy="81746"/>
             </a:xfrm>
             <a:prstGeom prst="rect">
@@ -36551,7 +36551,7 @@
           </p:nvSpPr>
           <p:spPr>
             <a:xfrm>
-              <a:off x="1424641" y="6890424"/>
+              <a:off x="1424641" y="6890431"/>
               <a:ext cx="34794" cy="0"/>
             </a:xfrm>
             <a:custGeom>
@@ -36591,7 +36591,7 @@
           </p:nvSpPr>
           <p:spPr>
             <a:xfrm>
-              <a:off x="1424641" y="6405626"/>
+              <a:off x="1424641" y="6405628"/>
               <a:ext cx="34794" cy="0"/>
             </a:xfrm>
             <a:custGeom>
@@ -36631,7 +36631,7 @@
           </p:nvSpPr>
           <p:spPr>
             <a:xfrm>
-              <a:off x="1424641" y="5920829"/>
+              <a:off x="1424641" y="5920825"/>
               <a:ext cx="34794" cy="0"/>
             </a:xfrm>
             <a:custGeom>
@@ -36671,7 +36671,7 @@
           </p:nvSpPr>
           <p:spPr>
             <a:xfrm>
-              <a:off x="1424641" y="5436032"/>
+              <a:off x="1424641" y="5436022"/>
               <a:ext cx="34794" cy="0"/>
             </a:xfrm>
             <a:custGeom>

--- a/Images/Figures_PPT/Jitter_Plot_Raptor_All.pptx
+++ b/Images/Figures_PPT/Jitter_Plot_Raptor_All.pptx
@@ -2359,7 +2359,7 @@
           </p:nvSpPr>
           <p:spPr>
             <a:xfrm>
-              <a:off x="1459435" y="2797365"/>
+              <a:off x="1459435" y="2797343"/>
               <a:ext cx="2796732" cy="0"/>
             </a:xfrm>
             <a:custGeom>
@@ -2402,7 +2402,7 @@
           </p:nvSpPr>
           <p:spPr>
             <a:xfrm>
-              <a:off x="1459435" y="2312561"/>
+              <a:off x="1459435" y="2312548"/>
               <a:ext cx="2796732" cy="0"/>
             </a:xfrm>
             <a:custGeom>
@@ -2445,7 +2445,7 @@
           </p:nvSpPr>
           <p:spPr>
             <a:xfrm>
-              <a:off x="1459435" y="1827758"/>
+              <a:off x="1459435" y="1827754"/>
               <a:ext cx="2796732" cy="0"/>
             </a:xfrm>
             <a:custGeom>
@@ -2488,7 +2488,7 @@
           </p:nvSpPr>
           <p:spPr>
             <a:xfrm>
-              <a:off x="1459435" y="3039766"/>
+              <a:off x="1459435" y="3039740"/>
               <a:ext cx="2796732" cy="0"/>
             </a:xfrm>
             <a:custGeom>
@@ -2531,7 +2531,7 @@
           </p:nvSpPr>
           <p:spPr>
             <a:xfrm>
-              <a:off x="1459435" y="2554963"/>
+              <a:off x="1459435" y="2554946"/>
               <a:ext cx="2796732" cy="0"/>
             </a:xfrm>
             <a:custGeom>
@@ -2574,7 +2574,7 @@
           </p:nvSpPr>
           <p:spPr>
             <a:xfrm>
-              <a:off x="1459435" y="2070160"/>
+              <a:off x="1459435" y="2070151"/>
               <a:ext cx="2796732" cy="0"/>
             </a:xfrm>
             <a:custGeom>
@@ -2789,7 +2789,7 @@
           </p:nvSpPr>
           <p:spPr>
             <a:xfrm>
-              <a:off x="3760838" y="2848453"/>
+              <a:off x="3420565" y="2848447"/>
               <a:ext cx="63202" cy="63202"/>
             </a:xfrm>
             <a:custGeom>
@@ -2832,7 +2832,7 @@
           </p:nvSpPr>
           <p:spPr>
             <a:xfrm>
-              <a:off x="2225535" y="2805121"/>
+              <a:off x="1837842" y="2805090"/>
               <a:ext cx="63202" cy="63202"/>
             </a:xfrm>
             <a:custGeom>
@@ -2875,7 +2875,7 @@
           </p:nvSpPr>
           <p:spPr>
             <a:xfrm>
-              <a:off x="1672366" y="2692208"/>
+              <a:off x="1785477" y="2692192"/>
               <a:ext cx="63202" cy="63202"/>
             </a:xfrm>
             <a:custGeom>
@@ -2918,7 +2918,7 @@
           </p:nvSpPr>
           <p:spPr>
             <a:xfrm>
-              <a:off x="2561539" y="2900985"/>
+              <a:off x="2860945" y="2900948"/>
               <a:ext cx="63202" cy="63202"/>
             </a:xfrm>
             <a:custGeom>
@@ -2961,7 +2961,7 @@
           </p:nvSpPr>
           <p:spPr>
             <a:xfrm>
-              <a:off x="2221070" y="2856021"/>
+              <a:off x="2041417" y="2855992"/>
               <a:ext cx="63202" cy="63202"/>
             </a:xfrm>
             <a:custGeom>
@@ -3004,7 +3004,7 @@
           </p:nvSpPr>
           <p:spPr>
             <a:xfrm>
-              <a:off x="2537720" y="2900263"/>
+              <a:off x="2782566" y="2900209"/>
               <a:ext cx="63202" cy="63202"/>
             </a:xfrm>
             <a:custGeom>
@@ -3103,7 +3103,7 @@
           </p:nvSpPr>
           <p:spPr>
             <a:xfrm>
-              <a:off x="1459435" y="4722697"/>
+              <a:off x="1459435" y="4722676"/>
               <a:ext cx="2796732" cy="0"/>
             </a:xfrm>
             <a:custGeom>
@@ -3146,7 +3146,7 @@
           </p:nvSpPr>
           <p:spPr>
             <a:xfrm>
-              <a:off x="1459435" y="4237894"/>
+              <a:off x="1459435" y="4237881"/>
               <a:ext cx="2796732" cy="0"/>
             </a:xfrm>
             <a:custGeom>
@@ -3189,7 +3189,7 @@
           </p:nvSpPr>
           <p:spPr>
             <a:xfrm>
-              <a:off x="1459435" y="3753091"/>
+              <a:off x="1459435" y="3753086"/>
               <a:ext cx="2796732" cy="0"/>
             </a:xfrm>
             <a:custGeom>
@@ -3232,7 +3232,7 @@
           </p:nvSpPr>
           <p:spPr>
             <a:xfrm>
-              <a:off x="1459435" y="4965099"/>
+              <a:off x="1459435" y="4965073"/>
               <a:ext cx="2796732" cy="0"/>
             </a:xfrm>
             <a:custGeom>
@@ -3275,7 +3275,7 @@
           </p:nvSpPr>
           <p:spPr>
             <a:xfrm>
-              <a:off x="1459435" y="4480296"/>
+              <a:off x="1459435" y="4480278"/>
               <a:ext cx="2796732" cy="0"/>
             </a:xfrm>
             <a:custGeom>
@@ -3318,7 +3318,7 @@
           </p:nvSpPr>
           <p:spPr>
             <a:xfrm>
-              <a:off x="1459435" y="3995492"/>
+              <a:off x="1459435" y="3995484"/>
               <a:ext cx="2796732" cy="0"/>
             </a:xfrm>
             <a:custGeom>
@@ -3533,7 +3533,7 @@
           </p:nvSpPr>
           <p:spPr>
             <a:xfrm>
-              <a:off x="1714953" y="4513179"/>
+              <a:off x="1824909" y="4513150"/>
               <a:ext cx="63202" cy="63202"/>
             </a:xfrm>
             <a:custGeom>
@@ -3576,7 +3576,7 @@
           </p:nvSpPr>
           <p:spPr>
             <a:xfrm>
-              <a:off x="2073241" y="4687638"/>
+              <a:off x="1644004" y="4687632"/>
               <a:ext cx="63202" cy="63202"/>
             </a:xfrm>
             <a:custGeom>
@@ -3619,7 +3619,7 @@
           </p:nvSpPr>
           <p:spPr>
             <a:xfrm>
-              <a:off x="1620178" y="4513184"/>
+              <a:off x="1608080" y="4513166"/>
               <a:ext cx="63202" cy="63202"/>
             </a:xfrm>
             <a:custGeom>
@@ -3662,7 +3662,7 @@
           </p:nvSpPr>
           <p:spPr>
             <a:xfrm>
-              <a:off x="2205558" y="4612454"/>
+              <a:off x="2135712" y="4612444"/>
               <a:ext cx="63202" cy="63202"/>
             </a:xfrm>
             <a:custGeom>
@@ -3705,7 +3705,7 @@
           </p:nvSpPr>
           <p:spPr>
             <a:xfrm>
-              <a:off x="1854279" y="4562705"/>
+              <a:off x="1963358" y="4562691"/>
               <a:ext cx="63202" cy="63202"/>
             </a:xfrm>
             <a:custGeom>
@@ -3748,7 +3748,7 @@
           </p:nvSpPr>
           <p:spPr>
             <a:xfrm>
-              <a:off x="2787464" y="4843390"/>
+              <a:off x="3121652" y="4843354"/>
               <a:ext cx="63202" cy="63202"/>
             </a:xfrm>
             <a:custGeom>
@@ -3791,7 +3791,7 @@
           </p:nvSpPr>
           <p:spPr>
             <a:xfrm>
-              <a:off x="1634638" y="4612078"/>
+              <a:off x="2203747" y="4612041"/>
               <a:ext cx="63202" cy="63202"/>
             </a:xfrm>
             <a:custGeom>
@@ -3834,7 +3834,7 @@
           </p:nvSpPr>
           <p:spPr>
             <a:xfrm>
-              <a:off x="2297562" y="4638924"/>
+              <a:off x="1744390" y="4638906"/>
               <a:ext cx="63202" cy="63202"/>
             </a:xfrm>
             <a:custGeom>
@@ -3877,7 +3877,7 @@
           </p:nvSpPr>
           <p:spPr>
             <a:xfrm>
-              <a:off x="1814630" y="4697204"/>
+              <a:off x="1795328" y="4697199"/>
               <a:ext cx="63202" cy="63202"/>
             </a:xfrm>
             <a:custGeom>
@@ -3920,7 +3920,7 @@
           </p:nvSpPr>
           <p:spPr>
             <a:xfrm>
-              <a:off x="2767504" y="4802955"/>
+              <a:off x="2980138" y="4802904"/>
               <a:ext cx="63202" cy="63202"/>
             </a:xfrm>
             <a:custGeom>
@@ -3963,7 +3963,7 @@
           </p:nvSpPr>
           <p:spPr>
             <a:xfrm>
-              <a:off x="2575632" y="4778651"/>
+              <a:off x="2701941" y="4778612"/>
               <a:ext cx="63202" cy="63202"/>
             </a:xfrm>
             <a:custGeom>
@@ -4006,7 +4006,7 @@
           </p:nvSpPr>
           <p:spPr>
             <a:xfrm>
-              <a:off x="1918117" y="4733900"/>
+              <a:off x="2137723" y="4733864"/>
               <a:ext cx="63202" cy="63202"/>
             </a:xfrm>
             <a:custGeom>
@@ -4049,7 +4049,7 @@
           </p:nvSpPr>
           <p:spPr>
             <a:xfrm>
-              <a:off x="1956576" y="4642894"/>
+              <a:off x="1907914" y="4642887"/>
               <a:ext cx="63202" cy="63202"/>
             </a:xfrm>
             <a:custGeom>
@@ -4092,7 +4092,7 @@
           </p:nvSpPr>
           <p:spPr>
             <a:xfrm>
-              <a:off x="2993063" y="4790037"/>
+              <a:off x="3139319" y="4790023"/>
               <a:ext cx="63202" cy="63202"/>
             </a:xfrm>
             <a:custGeom>
@@ -4135,7 +4135,7 @@
           </p:nvSpPr>
           <p:spPr>
             <a:xfrm>
-              <a:off x="2881982" y="4823051"/>
+              <a:off x="3149457" y="4823053"/>
               <a:ext cx="63202" cy="63202"/>
             </a:xfrm>
             <a:custGeom>
@@ -4178,7 +4178,7 @@
           </p:nvSpPr>
           <p:spPr>
             <a:xfrm>
-              <a:off x="2197698" y="4396668"/>
+              <a:off x="1811358" y="4396656"/>
               <a:ext cx="63202" cy="63202"/>
             </a:xfrm>
             <a:custGeom>
@@ -4221,7 +4221,7 @@
           </p:nvSpPr>
           <p:spPr>
             <a:xfrm>
-              <a:off x="1799883" y="4764743"/>
+              <a:off x="2197533" y="4764713"/>
               <a:ext cx="63202" cy="63202"/>
             </a:xfrm>
             <a:custGeom>
@@ -4264,7 +4264,7 @@
           </p:nvSpPr>
           <p:spPr>
             <a:xfrm>
-              <a:off x="2138999" y="4416268"/>
+              <a:off x="1773588" y="4416256"/>
               <a:ext cx="63202" cy="63202"/>
             </a:xfrm>
             <a:custGeom>
@@ -4307,7 +4307,7 @@
           </p:nvSpPr>
           <p:spPr>
             <a:xfrm>
-              <a:off x="1694902" y="4673416"/>
+              <a:off x="2229735" y="4673369"/>
               <a:ext cx="63202" cy="63202"/>
             </a:xfrm>
             <a:custGeom>
@@ -4350,7 +4350,7 @@
           </p:nvSpPr>
           <p:spPr>
             <a:xfrm>
-              <a:off x="1695558" y="4712589"/>
+              <a:off x="1647434" y="4712549"/>
               <a:ext cx="63202" cy="63202"/>
             </a:xfrm>
             <a:custGeom>
@@ -4393,7 +4393,7 @@
           </p:nvSpPr>
           <p:spPr>
             <a:xfrm>
-              <a:off x="1838094" y="4695780"/>
+              <a:off x="2003292" y="4695781"/>
               <a:ext cx="63202" cy="63202"/>
             </a:xfrm>
             <a:custGeom>
@@ -4436,7 +4436,7 @@
           </p:nvSpPr>
           <p:spPr>
             <a:xfrm>
-              <a:off x="2792670" y="4835027"/>
+              <a:off x="2660014" y="4835000"/>
               <a:ext cx="63202" cy="63202"/>
             </a:xfrm>
             <a:custGeom>
@@ -4535,7 +4535,7 @@
           </p:nvSpPr>
           <p:spPr>
             <a:xfrm>
-              <a:off x="1459435" y="6648030"/>
+              <a:off x="1459435" y="6648008"/>
               <a:ext cx="2796732" cy="0"/>
             </a:xfrm>
             <a:custGeom>
@@ -4578,7 +4578,7 @@
           </p:nvSpPr>
           <p:spPr>
             <a:xfrm>
-              <a:off x="1459435" y="6163227"/>
+              <a:off x="1459435" y="6163214"/>
               <a:ext cx="2796732" cy="0"/>
             </a:xfrm>
             <a:custGeom>
@@ -4621,7 +4621,7 @@
           </p:nvSpPr>
           <p:spPr>
             <a:xfrm>
-              <a:off x="1459435" y="5678424"/>
+              <a:off x="1459435" y="5678419"/>
               <a:ext cx="2796732" cy="0"/>
             </a:xfrm>
             <a:custGeom>
@@ -4664,7 +4664,7 @@
           </p:nvSpPr>
           <p:spPr>
             <a:xfrm>
-              <a:off x="1459435" y="6890431"/>
+              <a:off x="1459435" y="6890406"/>
               <a:ext cx="2796732" cy="0"/>
             </a:xfrm>
             <a:custGeom>
@@ -4707,7 +4707,7 @@
           </p:nvSpPr>
           <p:spPr>
             <a:xfrm>
-              <a:off x="1459435" y="6405628"/>
+              <a:off x="1459435" y="6405611"/>
               <a:ext cx="2796732" cy="0"/>
             </a:xfrm>
             <a:custGeom>
@@ -4750,7 +4750,7 @@
           </p:nvSpPr>
           <p:spPr>
             <a:xfrm>
-              <a:off x="1459435" y="5920825"/>
+              <a:off x="1459435" y="5920816"/>
               <a:ext cx="2796732" cy="0"/>
             </a:xfrm>
             <a:custGeom>
@@ -4965,7 +4965,7 @@
           </p:nvSpPr>
           <p:spPr>
             <a:xfrm>
-              <a:off x="1925630" y="6201059"/>
+              <a:off x="2179851" y="6201022"/>
               <a:ext cx="63202" cy="63202"/>
             </a:xfrm>
             <a:custGeom>
@@ -5008,7 +5008,7 @@
           </p:nvSpPr>
           <p:spPr>
             <a:xfrm>
-              <a:off x="1697858" y="6198564"/>
+              <a:off x="2178907" y="6198582"/>
               <a:ext cx="63202" cy="63202"/>
             </a:xfrm>
             <a:custGeom>
@@ -5051,7 +5051,7 @@
           </p:nvSpPr>
           <p:spPr>
             <a:xfrm>
-              <a:off x="2271078" y="6197154"/>
+              <a:off x="1935151" y="6197153"/>
               <a:ext cx="63202" cy="63202"/>
             </a:xfrm>
             <a:custGeom>
@@ -5094,7 +5094,7 @@
           </p:nvSpPr>
           <p:spPr>
             <a:xfrm>
-              <a:off x="2088748" y="6287399"/>
+              <a:off x="1678604" y="6287395"/>
               <a:ext cx="63202" cy="63202"/>
             </a:xfrm>
             <a:custGeom>
@@ -5137,7 +5137,7 @@
           </p:nvSpPr>
           <p:spPr>
             <a:xfrm>
-              <a:off x="1831814" y="6353762"/>
+              <a:off x="1797140" y="6353752"/>
               <a:ext cx="63202" cy="63202"/>
             </a:xfrm>
             <a:custGeom>
@@ -5180,7 +5180,7 @@
           </p:nvSpPr>
           <p:spPr>
             <a:xfrm>
-              <a:off x="1930213" y="6321120"/>
+              <a:off x="2146205" y="6321108"/>
               <a:ext cx="63202" cy="63202"/>
             </a:xfrm>
             <a:custGeom>
@@ -5223,7 +5223,7 @@
           </p:nvSpPr>
           <p:spPr>
             <a:xfrm>
-              <a:off x="2296277" y="6273371"/>
+              <a:off x="2243471" y="6273372"/>
               <a:ext cx="63202" cy="63202"/>
             </a:xfrm>
             <a:custGeom>
@@ -5266,7 +5266,7 @@
           </p:nvSpPr>
           <p:spPr>
             <a:xfrm>
-              <a:off x="2280341" y="6260472"/>
+              <a:off x="2262544" y="6260485"/>
               <a:ext cx="63202" cy="63202"/>
             </a:xfrm>
             <a:custGeom>
@@ -5309,7 +5309,7 @@
           </p:nvSpPr>
           <p:spPr>
             <a:xfrm>
-              <a:off x="1895195" y="6400414"/>
+              <a:off x="2234854" y="6400379"/>
               <a:ext cx="63202" cy="63202"/>
             </a:xfrm>
             <a:custGeom>
@@ -5352,7 +5352,7 @@
           </p:nvSpPr>
           <p:spPr>
             <a:xfrm>
-              <a:off x="1876484" y="6272940"/>
+              <a:off x="2048814" y="6272922"/>
               <a:ext cx="63202" cy="63202"/>
             </a:xfrm>
             <a:custGeom>
@@ -5395,7 +5395,7 @@
           </p:nvSpPr>
           <p:spPr>
             <a:xfrm>
-              <a:off x="2006852" y="6340850"/>
+              <a:off x="2018504" y="6340835"/>
               <a:ext cx="63202" cy="63202"/>
             </a:xfrm>
             <a:custGeom>
@@ -5438,7 +5438,7 @@
           </p:nvSpPr>
           <p:spPr>
             <a:xfrm>
-              <a:off x="1653807" y="6362867"/>
+              <a:off x="1944273" y="6362855"/>
               <a:ext cx="63202" cy="63202"/>
             </a:xfrm>
             <a:custGeom>
@@ -5481,7 +5481,7 @@
           </p:nvSpPr>
           <p:spPr>
             <a:xfrm>
-              <a:off x="1694332" y="6264416"/>
+              <a:off x="1891049" y="6264398"/>
               <a:ext cx="63202" cy="63202"/>
             </a:xfrm>
             <a:custGeom>
@@ -5524,7 +5524,7 @@
           </p:nvSpPr>
           <p:spPr>
             <a:xfrm>
-              <a:off x="1756880" y="6314203"/>
+              <a:off x="1630826" y="6314197"/>
               <a:ext cx="63202" cy="63202"/>
             </a:xfrm>
             <a:custGeom>
@@ -5567,7 +5567,7 @@
           </p:nvSpPr>
           <p:spPr>
             <a:xfrm>
-              <a:off x="2040618" y="6375320"/>
+              <a:off x="2171773" y="6375308"/>
               <a:ext cx="63202" cy="63202"/>
             </a:xfrm>
             <a:custGeom>
@@ -5610,7 +5610,7 @@
           </p:nvSpPr>
           <p:spPr>
             <a:xfrm>
-              <a:off x="2130104" y="6323542"/>
+              <a:off x="1960356" y="6323558"/>
               <a:ext cx="63202" cy="63202"/>
             </a:xfrm>
             <a:custGeom>
@@ -5653,7 +5653,7 @@
           </p:nvSpPr>
           <p:spPr>
             <a:xfrm>
-              <a:off x="1877854" y="6272309"/>
+              <a:off x="2223141" y="6272299"/>
               <a:ext cx="63202" cy="63202"/>
             </a:xfrm>
             <a:custGeom>
@@ -5696,7 +5696,7 @@
           </p:nvSpPr>
           <p:spPr>
             <a:xfrm>
-              <a:off x="2211797" y="6318916"/>
+              <a:off x="1668977" y="6318886"/>
               <a:ext cx="63202" cy="63202"/>
             </a:xfrm>
             <a:custGeom>
@@ -5739,7 +5739,7 @@
           </p:nvSpPr>
           <p:spPr>
             <a:xfrm>
-              <a:off x="1611206" y="6599711"/>
+              <a:off x="2139923" y="6599694"/>
               <a:ext cx="63202" cy="63202"/>
             </a:xfrm>
             <a:custGeom>
@@ -5782,7 +5782,7 @@
           </p:nvSpPr>
           <p:spPr>
             <a:xfrm>
-              <a:off x="2111795" y="6322590"/>
+              <a:off x="1912314" y="6322563"/>
               <a:ext cx="63202" cy="63202"/>
             </a:xfrm>
             <a:custGeom>
@@ -5825,7 +5825,7 @@
           </p:nvSpPr>
           <p:spPr>
             <a:xfrm>
-              <a:off x="1644148" y="6345997"/>
+              <a:off x="1618640" y="6345973"/>
               <a:ext cx="63202" cy="63202"/>
             </a:xfrm>
             <a:custGeom>
@@ -5868,7 +5868,7 @@
           </p:nvSpPr>
           <p:spPr>
             <a:xfrm>
-              <a:off x="2214117" y="6345781"/>
+              <a:off x="2204631" y="6345743"/>
               <a:ext cx="63202" cy="63202"/>
             </a:xfrm>
             <a:custGeom>
@@ -5911,7 +5911,7 @@
           </p:nvSpPr>
           <p:spPr>
             <a:xfrm>
-              <a:off x="2061868" y="6254583"/>
+              <a:off x="1925223" y="6254574"/>
               <a:ext cx="63202" cy="63202"/>
             </a:xfrm>
             <a:custGeom>
@@ -5954,7 +5954,7 @@
           </p:nvSpPr>
           <p:spPr>
             <a:xfrm>
-              <a:off x="2045470" y="6242803"/>
+              <a:off x="2005930" y="6242764"/>
               <a:ext cx="63202" cy="63202"/>
             </a:xfrm>
             <a:custGeom>
@@ -5997,7 +5997,7 @@
           </p:nvSpPr>
           <p:spPr>
             <a:xfrm>
-              <a:off x="2228392" y="6567861"/>
+              <a:off x="1794542" y="6567838"/>
               <a:ext cx="63202" cy="63202"/>
             </a:xfrm>
             <a:custGeom>
@@ -6040,7 +6040,7 @@
           </p:nvSpPr>
           <p:spPr>
             <a:xfrm>
-              <a:off x="2211334" y="6620289"/>
+              <a:off x="2088851" y="6620283"/>
               <a:ext cx="63202" cy="63202"/>
             </a:xfrm>
             <a:custGeom>
@@ -6083,7 +6083,7 @@
           </p:nvSpPr>
           <p:spPr>
             <a:xfrm>
-              <a:off x="1735588" y="6686529"/>
+              <a:off x="2186917" y="6686508"/>
               <a:ext cx="63202" cy="63202"/>
             </a:xfrm>
             <a:custGeom>
@@ -6126,7 +6126,7 @@
           </p:nvSpPr>
           <p:spPr>
             <a:xfrm>
-              <a:off x="1714469" y="6349642"/>
+              <a:off x="1806469" y="6349641"/>
               <a:ext cx="63202" cy="63202"/>
             </a:xfrm>
             <a:custGeom>
@@ -6169,7 +6169,7 @@
           </p:nvSpPr>
           <p:spPr>
             <a:xfrm>
-              <a:off x="1756863" y="6329698"/>
+              <a:off x="2266099" y="6329715"/>
               <a:ext cx="63202" cy="63202"/>
             </a:xfrm>
             <a:custGeom>
@@ -6212,7 +6212,7 @@
           </p:nvSpPr>
           <p:spPr>
             <a:xfrm>
-              <a:off x="1640710" y="6265520"/>
+              <a:off x="2100268" y="6265519"/>
               <a:ext cx="63202" cy="63202"/>
             </a:xfrm>
             <a:custGeom>
@@ -6255,7 +6255,7 @@
           </p:nvSpPr>
           <p:spPr>
             <a:xfrm>
-              <a:off x="2161001" y="6261729"/>
+              <a:off x="1609384" y="6261726"/>
               <a:ext cx="63202" cy="63202"/>
             </a:xfrm>
             <a:custGeom>
@@ -6298,7 +6298,7 @@
           </p:nvSpPr>
           <p:spPr>
             <a:xfrm>
-              <a:off x="1638346" y="6373016"/>
+              <a:off x="1620987" y="6372989"/>
               <a:ext cx="63202" cy="63202"/>
             </a:xfrm>
             <a:custGeom>
@@ -6341,7 +6341,7 @@
           </p:nvSpPr>
           <p:spPr>
             <a:xfrm>
-              <a:off x="1788910" y="6376938"/>
+              <a:off x="1715424" y="6376911"/>
               <a:ext cx="63202" cy="63202"/>
             </a:xfrm>
             <a:custGeom>
@@ -6384,7 +6384,7 @@
           </p:nvSpPr>
           <p:spPr>
             <a:xfrm>
-              <a:off x="2277556" y="6333993"/>
+              <a:off x="2101863" y="6333948"/>
               <a:ext cx="63202" cy="63202"/>
             </a:xfrm>
             <a:custGeom>
@@ -6427,7 +6427,7 @@
           </p:nvSpPr>
           <p:spPr>
             <a:xfrm>
-              <a:off x="2211331" y="6334425"/>
+              <a:off x="1729340" y="6334414"/>
               <a:ext cx="63202" cy="63202"/>
             </a:xfrm>
             <a:custGeom>
@@ -6470,7 +6470,7 @@
           </p:nvSpPr>
           <p:spPr>
             <a:xfrm>
-              <a:off x="1786354" y="6424644"/>
+              <a:off x="2015360" y="6424614"/>
               <a:ext cx="63202" cy="63202"/>
             </a:xfrm>
             <a:custGeom>
@@ -6513,7 +6513,7 @@
           </p:nvSpPr>
           <p:spPr>
             <a:xfrm>
-              <a:off x="2017326" y="6705579"/>
+              <a:off x="1608474" y="6705564"/>
               <a:ext cx="63202" cy="63202"/>
             </a:xfrm>
             <a:custGeom>
@@ -6556,7 +6556,7 @@
           </p:nvSpPr>
           <p:spPr>
             <a:xfrm>
-              <a:off x="2101113" y="6419988"/>
+              <a:off x="1717183" y="6419951"/>
               <a:ext cx="63202" cy="63202"/>
             </a:xfrm>
             <a:custGeom>
@@ -6599,7 +6599,7 @@
           </p:nvSpPr>
           <p:spPr>
             <a:xfrm>
-              <a:off x="2046030" y="6531454"/>
+              <a:off x="1933128" y="6531423"/>
               <a:ext cx="63202" cy="63202"/>
             </a:xfrm>
             <a:custGeom>
@@ -6642,7 +6642,7 @@
           </p:nvSpPr>
           <p:spPr>
             <a:xfrm>
-              <a:off x="2243125" y="6229160"/>
+              <a:off x="1966487" y="6229140"/>
               <a:ext cx="63202" cy="63202"/>
             </a:xfrm>
             <a:custGeom>
@@ -6685,7 +6685,7 @@
           </p:nvSpPr>
           <p:spPr>
             <a:xfrm>
-              <a:off x="1892190" y="6316108"/>
+              <a:off x="1663559" y="6316066"/>
               <a:ext cx="63202" cy="63202"/>
             </a:xfrm>
             <a:custGeom>
@@ -6728,7 +6728,7 @@
           </p:nvSpPr>
           <p:spPr>
             <a:xfrm>
-              <a:off x="1726888" y="6372732"/>
+              <a:off x="2086013" y="6372687"/>
               <a:ext cx="63202" cy="63202"/>
             </a:xfrm>
             <a:custGeom>
@@ -6771,7 +6771,7 @@
           </p:nvSpPr>
           <p:spPr>
             <a:xfrm>
-              <a:off x="2119653" y="6322599"/>
+              <a:off x="1986128" y="6322572"/>
               <a:ext cx="63202" cy="63202"/>
             </a:xfrm>
             <a:custGeom>
@@ -6814,7 +6814,7 @@
           </p:nvSpPr>
           <p:spPr>
             <a:xfrm>
-              <a:off x="1638443" y="6200934"/>
+              <a:off x="1706480" y="6200953"/>
               <a:ext cx="63202" cy="63202"/>
             </a:xfrm>
             <a:custGeom>
@@ -6857,7 +6857,7 @@
           </p:nvSpPr>
           <p:spPr>
             <a:xfrm>
-              <a:off x="1686223" y="6550210"/>
+              <a:off x="1715174" y="6550182"/>
               <a:ext cx="63202" cy="63202"/>
             </a:xfrm>
             <a:custGeom>
@@ -6900,7 +6900,7 @@
           </p:nvSpPr>
           <p:spPr>
             <a:xfrm>
-              <a:off x="1766393" y="6348043"/>
+              <a:off x="2030858" y="6348022"/>
               <a:ext cx="63202" cy="63202"/>
             </a:xfrm>
             <a:custGeom>
@@ -6943,7 +6943,7 @@
           </p:nvSpPr>
           <p:spPr>
             <a:xfrm>
-              <a:off x="2105529" y="6377117"/>
+              <a:off x="1872339" y="6377125"/>
               <a:ext cx="63202" cy="63202"/>
             </a:xfrm>
             <a:custGeom>
@@ -6986,7 +6986,7 @@
           </p:nvSpPr>
           <p:spPr>
             <a:xfrm>
-              <a:off x="1699720" y="6194009"/>
+              <a:off x="2182304" y="6194008"/>
               <a:ext cx="63202" cy="63202"/>
             </a:xfrm>
             <a:custGeom>
@@ -7029,7 +7029,7 @@
           </p:nvSpPr>
           <p:spPr>
             <a:xfrm>
-              <a:off x="1840900" y="6525384"/>
+              <a:off x="1915182" y="6525367"/>
               <a:ext cx="63202" cy="63202"/>
             </a:xfrm>
             <a:custGeom>
@@ -7072,7 +7072,7 @@
           </p:nvSpPr>
           <p:spPr>
             <a:xfrm>
-              <a:off x="2296042" y="6322399"/>
+              <a:off x="2010773" y="6322364"/>
               <a:ext cx="63202" cy="63202"/>
             </a:xfrm>
             <a:custGeom>
@@ -7115,7 +7115,7 @@
           </p:nvSpPr>
           <p:spPr>
             <a:xfrm>
-              <a:off x="3052945" y="6552328"/>
+              <a:off x="2493406" y="6552304"/>
               <a:ext cx="63202" cy="63202"/>
             </a:xfrm>
             <a:custGeom>
@@ -7158,7 +7158,7 @@
           </p:nvSpPr>
           <p:spPr>
             <a:xfrm>
-              <a:off x="2296621" y="6229885"/>
+              <a:off x="2093284" y="6229883"/>
               <a:ext cx="63202" cy="63202"/>
             </a:xfrm>
             <a:custGeom>
@@ -7201,7 +7201,7 @@
           </p:nvSpPr>
           <p:spPr>
             <a:xfrm>
-              <a:off x="1775043" y="6363860"/>
+              <a:off x="1765361" y="6363844"/>
               <a:ext cx="63202" cy="63202"/>
             </a:xfrm>
             <a:custGeom>
@@ -7244,7 +7244,7 @@
           </p:nvSpPr>
           <p:spPr>
             <a:xfrm>
-              <a:off x="2240201" y="6244843"/>
+              <a:off x="1813221" y="6244826"/>
               <a:ext cx="63202" cy="63202"/>
             </a:xfrm>
             <a:custGeom>
@@ -7287,7 +7287,7 @@
           </p:nvSpPr>
           <p:spPr>
             <a:xfrm>
-              <a:off x="1935534" y="6316090"/>
+              <a:off x="1645102" y="6316082"/>
               <a:ext cx="63202" cy="63202"/>
             </a:xfrm>
             <a:custGeom>
@@ -7330,7 +7330,7 @@
           </p:nvSpPr>
           <p:spPr>
             <a:xfrm>
-              <a:off x="2772215" y="6738999"/>
+              <a:off x="2939765" y="6738965"/>
               <a:ext cx="63202" cy="63202"/>
             </a:xfrm>
             <a:custGeom>
@@ -7373,7 +7373,7 @@
           </p:nvSpPr>
           <p:spPr>
             <a:xfrm>
-              <a:off x="1777237" y="6198044"/>
+              <a:off x="2197863" y="6198046"/>
               <a:ext cx="63202" cy="63202"/>
             </a:xfrm>
             <a:custGeom>
@@ -7416,7 +7416,7 @@
           </p:nvSpPr>
           <p:spPr>
             <a:xfrm>
-              <a:off x="2210476" y="6197743"/>
+              <a:off x="1616349" y="6197742"/>
               <a:ext cx="63202" cy="63202"/>
             </a:xfrm>
             <a:custGeom>
@@ -7459,7 +7459,7 @@
           </p:nvSpPr>
           <p:spPr>
             <a:xfrm>
-              <a:off x="2060275" y="6198703"/>
+              <a:off x="1869058" y="6198705"/>
               <a:ext cx="63202" cy="63202"/>
             </a:xfrm>
             <a:custGeom>
@@ -7502,7 +7502,7 @@
           </p:nvSpPr>
           <p:spPr>
             <a:xfrm>
-              <a:off x="2203558" y="6198397"/>
+              <a:off x="1795606" y="6198357"/>
               <a:ext cx="63202" cy="63202"/>
             </a:xfrm>
             <a:custGeom>
@@ -7545,7 +7545,7 @@
           </p:nvSpPr>
           <p:spPr>
             <a:xfrm>
-              <a:off x="2228059" y="6197137"/>
+              <a:off x="1910158" y="6197115"/>
               <a:ext cx="63202" cy="63202"/>
             </a:xfrm>
             <a:custGeom>
@@ -7588,7 +7588,7 @@
           </p:nvSpPr>
           <p:spPr>
             <a:xfrm>
-              <a:off x="1652954" y="6429091"/>
+              <a:off x="2207758" y="6429077"/>
               <a:ext cx="63202" cy="63202"/>
             </a:xfrm>
             <a:custGeom>
@@ -7631,7 +7631,7 @@
           </p:nvSpPr>
           <p:spPr>
             <a:xfrm>
-              <a:off x="1788938" y="6281701"/>
+              <a:off x="1834148" y="6281697"/>
               <a:ext cx="63202" cy="63202"/>
             </a:xfrm>
             <a:custGeom>
@@ -7674,7 +7674,7 @@
           </p:nvSpPr>
           <p:spPr>
             <a:xfrm>
-              <a:off x="2051616" y="6685239"/>
+              <a:off x="2103380" y="6685217"/>
               <a:ext cx="63202" cy="63202"/>
             </a:xfrm>
             <a:custGeom>
@@ -7717,7 +7717,7 @@
           </p:nvSpPr>
           <p:spPr>
             <a:xfrm>
-              <a:off x="3098733" y="6738980"/>
+              <a:off x="2695623" y="6738967"/>
               <a:ext cx="63202" cy="63202"/>
             </a:xfrm>
             <a:custGeom>
@@ -7760,7 +7760,7 @@
           </p:nvSpPr>
           <p:spPr>
             <a:xfrm>
-              <a:off x="1691995" y="6201683"/>
+              <a:off x="1810388" y="6201653"/>
               <a:ext cx="63202" cy="63202"/>
             </a:xfrm>
             <a:custGeom>
@@ -7803,7 +7803,7 @@
           </p:nvSpPr>
           <p:spPr>
             <a:xfrm>
-              <a:off x="1864011" y="6223062"/>
+              <a:off x="2207114" y="6223046"/>
               <a:ext cx="63202" cy="63202"/>
             </a:xfrm>
             <a:custGeom>
@@ -7846,7 +7846,7 @@
           </p:nvSpPr>
           <p:spPr>
             <a:xfrm>
-              <a:off x="1742059" y="6583557"/>
+              <a:off x="1731101" y="6583550"/>
               <a:ext cx="63202" cy="63202"/>
             </a:xfrm>
             <a:custGeom>
@@ -7889,7 +7889,7 @@
           </p:nvSpPr>
           <p:spPr>
             <a:xfrm>
-              <a:off x="1826123" y="6235366"/>
+              <a:off x="1856061" y="6235343"/>
               <a:ext cx="63202" cy="63202"/>
             </a:xfrm>
             <a:custGeom>
@@ -7932,7 +7932,7 @@
           </p:nvSpPr>
           <p:spPr>
             <a:xfrm>
-              <a:off x="1790149" y="6311536"/>
+              <a:off x="1769425" y="6311506"/>
               <a:ext cx="63202" cy="63202"/>
             </a:xfrm>
             <a:custGeom>
@@ -7975,7 +7975,7 @@
           </p:nvSpPr>
           <p:spPr>
             <a:xfrm>
-              <a:off x="2094136" y="6569262"/>
+              <a:off x="2172883" y="6569235"/>
               <a:ext cx="63202" cy="63202"/>
             </a:xfrm>
             <a:custGeom>
@@ -8018,7 +8018,7 @@
           </p:nvSpPr>
           <p:spPr>
             <a:xfrm>
-              <a:off x="2279965" y="6307697"/>
+              <a:off x="2272207" y="6307686"/>
               <a:ext cx="63202" cy="63202"/>
             </a:xfrm>
             <a:custGeom>
@@ -8061,7 +8061,7 @@
           </p:nvSpPr>
           <p:spPr>
             <a:xfrm>
-              <a:off x="2724280" y="6768400"/>
+              <a:off x="3039017" y="6768398"/>
               <a:ext cx="63202" cy="63202"/>
             </a:xfrm>
             <a:custGeom>
@@ -8104,7 +8104,7 @@
           </p:nvSpPr>
           <p:spPr>
             <a:xfrm>
-              <a:off x="1641728" y="6193194"/>
+              <a:off x="1726556" y="6193182"/>
               <a:ext cx="63202" cy="63202"/>
             </a:xfrm>
             <a:custGeom>
@@ -8147,7 +8147,7 @@
           </p:nvSpPr>
           <p:spPr>
             <a:xfrm>
-              <a:off x="2196806" y="6194959"/>
+              <a:off x="1806901" y="6194937"/>
               <a:ext cx="63202" cy="63202"/>
             </a:xfrm>
             <a:custGeom>
@@ -8190,7 +8190,7 @@
           </p:nvSpPr>
           <p:spPr>
             <a:xfrm>
-              <a:off x="1939178" y="6193883"/>
+              <a:off x="1633457" y="6193850"/>
               <a:ext cx="63202" cy="63202"/>
             </a:xfrm>
             <a:custGeom>
@@ -8233,7 +8233,7 @@
           </p:nvSpPr>
           <p:spPr>
             <a:xfrm>
-              <a:off x="2198398" y="6246082"/>
+              <a:off x="2108589" y="6246090"/>
               <a:ext cx="63202" cy="63202"/>
             </a:xfrm>
             <a:custGeom>
@@ -8276,7 +8276,7 @@
           </p:nvSpPr>
           <p:spPr>
             <a:xfrm>
-              <a:off x="1862908" y="6264069"/>
+              <a:off x="1830774" y="6264073"/>
               <a:ext cx="63202" cy="63202"/>
             </a:xfrm>
             <a:custGeom>
@@ -8319,7 +8319,7 @@
           </p:nvSpPr>
           <p:spPr>
             <a:xfrm>
-              <a:off x="2013413" y="6193408"/>
+              <a:off x="1661664" y="6193375"/>
               <a:ext cx="63202" cy="63202"/>
             </a:xfrm>
             <a:custGeom>
@@ -8362,7 +8362,7 @@
           </p:nvSpPr>
           <p:spPr>
             <a:xfrm>
-              <a:off x="1802892" y="6287739"/>
+              <a:off x="2286235" y="6287719"/>
               <a:ext cx="63202" cy="63202"/>
             </a:xfrm>
             <a:custGeom>
@@ -8405,7 +8405,7 @@
           </p:nvSpPr>
           <p:spPr>
             <a:xfrm>
-              <a:off x="2085250" y="6275274"/>
+              <a:off x="2024421" y="6275269"/>
               <a:ext cx="63202" cy="63202"/>
             </a:xfrm>
             <a:custGeom>
@@ -8448,7 +8448,7 @@
           </p:nvSpPr>
           <p:spPr>
             <a:xfrm>
-              <a:off x="1992558" y="6193623"/>
+              <a:off x="2253124" y="6193617"/>
               <a:ext cx="63202" cy="63202"/>
             </a:xfrm>
             <a:custGeom>
@@ -8491,7 +8491,7 @@
           </p:nvSpPr>
           <p:spPr>
             <a:xfrm>
-              <a:off x="1829226" y="6195568"/>
+              <a:off x="2068740" y="6195549"/>
               <a:ext cx="63202" cy="63202"/>
             </a:xfrm>
             <a:custGeom>
@@ -8534,7 +8534,7 @@
           </p:nvSpPr>
           <p:spPr>
             <a:xfrm>
-              <a:off x="2018161" y="6193673"/>
+              <a:off x="2168341" y="6193656"/>
               <a:ext cx="63202" cy="63202"/>
             </a:xfrm>
             <a:custGeom>
@@ -8577,7 +8577,7 @@
           </p:nvSpPr>
           <p:spPr>
             <a:xfrm>
-              <a:off x="1680762" y="6510733"/>
+              <a:off x="1792103" y="6510725"/>
               <a:ext cx="63202" cy="63202"/>
             </a:xfrm>
             <a:custGeom>
@@ -8620,7 +8620,7 @@
           </p:nvSpPr>
           <p:spPr>
             <a:xfrm>
-              <a:off x="2176643" y="6293105"/>
+              <a:off x="2267504" y="6293091"/>
               <a:ext cx="63202" cy="63202"/>
             </a:xfrm>
             <a:custGeom>
@@ -8663,7 +8663,7 @@
           </p:nvSpPr>
           <p:spPr>
             <a:xfrm>
-              <a:off x="1944642" y="6329707"/>
+              <a:off x="2123867" y="6329694"/>
               <a:ext cx="63202" cy="63202"/>
             </a:xfrm>
             <a:custGeom>
@@ -8706,7 +8706,7 @@
           </p:nvSpPr>
           <p:spPr>
             <a:xfrm>
-              <a:off x="2072258" y="6707995"/>
+              <a:off x="1919257" y="6707982"/>
               <a:ext cx="63202" cy="63202"/>
             </a:xfrm>
             <a:custGeom>
@@ -8749,7 +8749,7 @@
           </p:nvSpPr>
           <p:spPr>
             <a:xfrm>
-              <a:off x="1716802" y="6190666"/>
+              <a:off x="1894412" y="6190666"/>
               <a:ext cx="63202" cy="63202"/>
             </a:xfrm>
             <a:custGeom>
@@ -8792,7 +8792,7 @@
           </p:nvSpPr>
           <p:spPr>
             <a:xfrm>
-              <a:off x="1890801" y="6190002"/>
+              <a:off x="2040140" y="6189967"/>
               <a:ext cx="63202" cy="63202"/>
             </a:xfrm>
             <a:custGeom>
@@ -8835,7 +8835,7 @@
           </p:nvSpPr>
           <p:spPr>
             <a:xfrm>
-              <a:off x="2046376" y="6350839"/>
+              <a:off x="2144105" y="6350844"/>
               <a:ext cx="63202" cy="63202"/>
             </a:xfrm>
             <a:custGeom>
@@ -8878,7 +8878,7 @@
           </p:nvSpPr>
           <p:spPr>
             <a:xfrm>
-              <a:off x="2109461" y="6398316"/>
+              <a:off x="2295750" y="6398314"/>
               <a:ext cx="63202" cy="63202"/>
             </a:xfrm>
             <a:custGeom>
@@ -8921,7 +8921,7 @@
           </p:nvSpPr>
           <p:spPr>
             <a:xfrm>
-              <a:off x="2030354" y="6324388"/>
+              <a:off x="2205430" y="6324361"/>
               <a:ext cx="63202" cy="63202"/>
             </a:xfrm>
             <a:custGeom>
@@ -8964,7 +8964,7 @@
           </p:nvSpPr>
           <p:spPr>
             <a:xfrm>
-              <a:off x="2070573" y="6328052"/>
+              <a:off x="2295186" y="6328046"/>
               <a:ext cx="63202" cy="63202"/>
             </a:xfrm>
             <a:custGeom>
@@ -9007,7 +9007,7 @@
           </p:nvSpPr>
           <p:spPr>
             <a:xfrm>
-              <a:off x="2173767" y="6321118"/>
+              <a:off x="2083905" y="6321129"/>
               <a:ext cx="63202" cy="63202"/>
             </a:xfrm>
             <a:custGeom>
@@ -9050,7 +9050,7 @@
           </p:nvSpPr>
           <p:spPr>
             <a:xfrm>
-              <a:off x="2242860" y="6311041"/>
+              <a:off x="1799927" y="6311021"/>
               <a:ext cx="63202" cy="63202"/>
             </a:xfrm>
             <a:custGeom>
@@ -9093,7 +9093,7 @@
           </p:nvSpPr>
           <p:spPr>
             <a:xfrm>
-              <a:off x="2102100" y="6313726"/>
+              <a:off x="1873938" y="6313718"/>
               <a:ext cx="63202" cy="63202"/>
             </a:xfrm>
             <a:custGeom>
@@ -9136,7 +9136,7 @@
           </p:nvSpPr>
           <p:spPr>
             <a:xfrm>
-              <a:off x="2213512" y="6314693"/>
+              <a:off x="2115761" y="6314678"/>
               <a:ext cx="63202" cy="63202"/>
             </a:xfrm>
             <a:custGeom>
@@ -9179,7 +9179,7 @@
           </p:nvSpPr>
           <p:spPr>
             <a:xfrm>
-              <a:off x="1953033" y="6305823"/>
+              <a:off x="1785278" y="6305788"/>
               <a:ext cx="63202" cy="63202"/>
             </a:xfrm>
             <a:custGeom>
@@ -9222,7 +9222,7 @@
           </p:nvSpPr>
           <p:spPr>
             <a:xfrm>
-              <a:off x="1743315" y="6281970"/>
+              <a:off x="1993992" y="6281958"/>
               <a:ext cx="63202" cy="63202"/>
             </a:xfrm>
             <a:custGeom>
@@ -9265,7 +9265,7 @@
           </p:nvSpPr>
           <p:spPr>
             <a:xfrm>
-              <a:off x="1916008" y="6328069"/>
+              <a:off x="1975663" y="6328067"/>
               <a:ext cx="63202" cy="63202"/>
             </a:xfrm>
             <a:custGeom>
@@ -9308,7 +9308,7 @@
           </p:nvSpPr>
           <p:spPr>
             <a:xfrm>
-              <a:off x="1921742" y="6560627"/>
+              <a:off x="1775205" y="6560612"/>
               <a:ext cx="63202" cy="63202"/>
             </a:xfrm>
             <a:custGeom>
@@ -9351,7 +9351,7 @@
           </p:nvSpPr>
           <p:spPr>
             <a:xfrm>
-              <a:off x="1996351" y="6658674"/>
+              <a:off x="2166199" y="6658625"/>
               <a:ext cx="63202" cy="63202"/>
             </a:xfrm>
             <a:custGeom>
@@ -9394,7 +9394,7 @@
           </p:nvSpPr>
           <p:spPr>
             <a:xfrm>
-              <a:off x="1829186" y="6560803"/>
+              <a:off x="1799749" y="6560787"/>
               <a:ext cx="63202" cy="63202"/>
             </a:xfrm>
             <a:custGeom>
@@ -9437,7 +9437,7 @@
           </p:nvSpPr>
           <p:spPr>
             <a:xfrm>
-              <a:off x="2104626" y="6582407"/>
+              <a:off x="2062295" y="6582362"/>
               <a:ext cx="63202" cy="63202"/>
             </a:xfrm>
             <a:custGeom>
@@ -9480,7 +9480,7 @@
           </p:nvSpPr>
           <p:spPr>
             <a:xfrm>
-              <a:off x="2081363" y="6665543"/>
+              <a:off x="1689564" y="6665514"/>
               <a:ext cx="63202" cy="63202"/>
             </a:xfrm>
             <a:custGeom>
@@ -9523,7 +9523,7 @@
           </p:nvSpPr>
           <p:spPr>
             <a:xfrm>
-              <a:off x="2103146" y="6187845"/>
+              <a:off x="2232127" y="6187849"/>
               <a:ext cx="63202" cy="63202"/>
             </a:xfrm>
             <a:custGeom>
@@ -9566,7 +9566,7 @@
           </p:nvSpPr>
           <p:spPr>
             <a:xfrm>
-              <a:off x="1684643" y="6440394"/>
+              <a:off x="1699858" y="6440370"/>
               <a:ext cx="63202" cy="63202"/>
             </a:xfrm>
             <a:custGeom>
@@ -9609,7 +9609,7 @@
           </p:nvSpPr>
           <p:spPr>
             <a:xfrm>
-              <a:off x="1971602" y="6357071"/>
+              <a:off x="1685965" y="6357033"/>
               <a:ext cx="63202" cy="63202"/>
             </a:xfrm>
             <a:custGeom>
@@ -9652,7 +9652,7 @@
           </p:nvSpPr>
           <p:spPr>
             <a:xfrm>
-              <a:off x="1988988" y="6195714"/>
+              <a:off x="1928531" y="6195688"/>
               <a:ext cx="63202" cy="63202"/>
             </a:xfrm>
             <a:custGeom>
@@ -9695,7 +9695,7 @@
           </p:nvSpPr>
           <p:spPr>
             <a:xfrm>
-              <a:off x="1915141" y="6198107"/>
+              <a:off x="1666744" y="6198078"/>
               <a:ext cx="63202" cy="63202"/>
             </a:xfrm>
             <a:custGeom>
@@ -9738,7 +9738,7 @@
           </p:nvSpPr>
           <p:spPr>
             <a:xfrm>
-              <a:off x="1696986" y="6200083"/>
+              <a:off x="1911138" y="6200082"/>
               <a:ext cx="63202" cy="63202"/>
             </a:xfrm>
             <a:custGeom>
@@ -9781,7 +9781,7 @@
           </p:nvSpPr>
           <p:spPr>
             <a:xfrm>
-              <a:off x="2285193" y="6199467"/>
+              <a:off x="2216292" y="6199430"/>
               <a:ext cx="63202" cy="63202"/>
             </a:xfrm>
             <a:custGeom>
@@ -9824,7 +9824,7 @@
           </p:nvSpPr>
           <p:spPr>
             <a:xfrm>
-              <a:off x="2033432" y="6194597"/>
+              <a:off x="1655486" y="6194601"/>
               <a:ext cx="63202" cy="63202"/>
             </a:xfrm>
             <a:custGeom>
@@ -9867,7 +9867,7 @@
           </p:nvSpPr>
           <p:spPr>
             <a:xfrm>
-              <a:off x="2164102" y="6402597"/>
+              <a:off x="1904102" y="6402550"/>
               <a:ext cx="63202" cy="63202"/>
             </a:xfrm>
             <a:custGeom>
@@ -9910,7 +9910,7 @@
           </p:nvSpPr>
           <p:spPr>
             <a:xfrm>
-              <a:off x="2004510" y="6471928"/>
+              <a:off x="1858266" y="6471902"/>
               <a:ext cx="63202" cy="63202"/>
             </a:xfrm>
             <a:custGeom>
@@ -9953,7 +9953,7 @@
           </p:nvSpPr>
           <p:spPr>
             <a:xfrm>
-              <a:off x="1646620" y="6191255"/>
+              <a:off x="1926366" y="6191241"/>
               <a:ext cx="63202" cy="63202"/>
             </a:xfrm>
             <a:custGeom>
@@ -9996,7 +9996,7 @@
           </p:nvSpPr>
           <p:spPr>
             <a:xfrm>
-              <a:off x="1852323" y="6325691"/>
+              <a:off x="2143107" y="6325672"/>
               <a:ext cx="63202" cy="63202"/>
             </a:xfrm>
             <a:custGeom>
@@ -10095,7 +10095,7 @@
           </p:nvSpPr>
           <p:spPr>
             <a:xfrm>
-              <a:off x="4325757" y="2797365"/>
+              <a:off x="4325757" y="2797343"/>
               <a:ext cx="2796732" cy="0"/>
             </a:xfrm>
             <a:custGeom>
@@ -10138,7 +10138,7 @@
           </p:nvSpPr>
           <p:spPr>
             <a:xfrm>
-              <a:off x="4325757" y="2312561"/>
+              <a:off x="4325757" y="2312548"/>
               <a:ext cx="2796732" cy="0"/>
             </a:xfrm>
             <a:custGeom>
@@ -10181,7 +10181,7 @@
           </p:nvSpPr>
           <p:spPr>
             <a:xfrm>
-              <a:off x="4325757" y="1827758"/>
+              <a:off x="4325757" y="1827754"/>
               <a:ext cx="2796732" cy="0"/>
             </a:xfrm>
             <a:custGeom>
@@ -10224,7 +10224,7 @@
           </p:nvSpPr>
           <p:spPr>
             <a:xfrm>
-              <a:off x="4325757" y="3039766"/>
+              <a:off x="4325757" y="3039740"/>
               <a:ext cx="2796732" cy="0"/>
             </a:xfrm>
             <a:custGeom>
@@ -10267,7 +10267,7 @@
           </p:nvSpPr>
           <p:spPr>
             <a:xfrm>
-              <a:off x="4325757" y="2554963"/>
+              <a:off x="4325757" y="2554946"/>
               <a:ext cx="2796732" cy="0"/>
             </a:xfrm>
             <a:custGeom>
@@ -10310,7 +10310,7 @@
           </p:nvSpPr>
           <p:spPr>
             <a:xfrm>
-              <a:off x="4325757" y="2070160"/>
+              <a:off x="4325757" y="2070151"/>
               <a:ext cx="2796732" cy="0"/>
             </a:xfrm>
             <a:custGeom>
@@ -10525,7 +10525,7 @@
           </p:nvSpPr>
           <p:spPr>
             <a:xfrm>
-              <a:off x="4929063" y="2523103"/>
+              <a:off x="5055237" y="2523115"/>
               <a:ext cx="63202" cy="63202"/>
             </a:xfrm>
             <a:custGeom>
@@ -10568,7 +10568,7 @@
           </p:nvSpPr>
           <p:spPr>
             <a:xfrm>
-              <a:off x="4573134" y="2409733"/>
+              <a:off x="4739370" y="2409706"/>
               <a:ext cx="63202" cy="63202"/>
             </a:xfrm>
             <a:custGeom>
@@ -10611,7 +10611,7 @@
           </p:nvSpPr>
           <p:spPr>
             <a:xfrm>
-              <a:off x="4936795" y="2369246"/>
+              <a:off x="5106303" y="2369228"/>
               <a:ext cx="63202" cy="63202"/>
             </a:xfrm>
             <a:custGeom>
@@ -10654,7 +10654,7 @@
           </p:nvSpPr>
           <p:spPr>
             <a:xfrm>
-              <a:off x="4681072" y="2416987"/>
+              <a:off x="4726695" y="2416983"/>
               <a:ext cx="63202" cy="63202"/>
             </a:xfrm>
             <a:custGeom>
@@ -10697,7 +10697,7 @@
           </p:nvSpPr>
           <p:spPr>
             <a:xfrm>
-              <a:off x="4569983" y="2439286"/>
+              <a:off x="4868843" y="2439263"/>
               <a:ext cx="63202" cy="63202"/>
             </a:xfrm>
             <a:custGeom>
@@ -10740,7 +10740,7 @@
           </p:nvSpPr>
           <p:spPr>
             <a:xfrm>
-              <a:off x="5097348" y="2470193"/>
+              <a:off x="4618758" y="2470161"/>
               <a:ext cx="63202" cy="63202"/>
             </a:xfrm>
             <a:custGeom>
@@ -10783,7 +10783,7 @@
           </p:nvSpPr>
           <p:spPr>
             <a:xfrm>
-              <a:off x="4985991" y="2390000"/>
+              <a:off x="4884582" y="2389991"/>
               <a:ext cx="63202" cy="63202"/>
             </a:xfrm>
             <a:custGeom>
@@ -10826,7 +10826,7 @@
           </p:nvSpPr>
           <p:spPr>
             <a:xfrm>
-              <a:off x="4770029" y="2419066"/>
+              <a:off x="4651640" y="2419081"/>
               <a:ext cx="63202" cy="63202"/>
             </a:xfrm>
             <a:custGeom>
@@ -10869,7 +10869,7 @@
           </p:nvSpPr>
           <p:spPr>
             <a:xfrm>
-              <a:off x="4701566" y="2391687"/>
+              <a:off x="4825449" y="2391657"/>
               <a:ext cx="63202" cy="63202"/>
             </a:xfrm>
             <a:custGeom>
@@ -10912,7 +10912,7 @@
           </p:nvSpPr>
           <p:spPr>
             <a:xfrm>
-              <a:off x="4635976" y="2407334"/>
+              <a:off x="4481239" y="2407330"/>
               <a:ext cx="63202" cy="63202"/>
             </a:xfrm>
             <a:custGeom>
@@ -10955,7 +10955,7 @@
           </p:nvSpPr>
           <p:spPr>
             <a:xfrm>
-              <a:off x="4470740" y="2875194"/>
+              <a:off x="4789332" y="2875147"/>
               <a:ext cx="63202" cy="63202"/>
             </a:xfrm>
             <a:custGeom>
@@ -10998,7 +10998,7 @@
           </p:nvSpPr>
           <p:spPr>
             <a:xfrm>
-              <a:off x="4972015" y="2398459"/>
+              <a:off x="4687091" y="2398445"/>
               <a:ext cx="63202" cy="63202"/>
             </a:xfrm>
             <a:custGeom>
@@ -11041,7 +11041,7 @@
           </p:nvSpPr>
           <p:spPr>
             <a:xfrm>
-              <a:off x="4746975" y="2405613"/>
+              <a:off x="5085377" y="2405591"/>
               <a:ext cx="63202" cy="63202"/>
             </a:xfrm>
             <a:custGeom>
@@ -11084,7 +11084,7 @@
           </p:nvSpPr>
           <p:spPr>
             <a:xfrm>
-              <a:off x="4870598" y="2419428"/>
+              <a:off x="4984325" y="2419398"/>
               <a:ext cx="63202" cy="63202"/>
             </a:xfrm>
             <a:custGeom>
@@ -11127,7 +11127,7 @@
           </p:nvSpPr>
           <p:spPr>
             <a:xfrm>
-              <a:off x="4555700" y="2533219"/>
+              <a:off x="4696059" y="2533174"/>
               <a:ext cx="63202" cy="63202"/>
             </a:xfrm>
             <a:custGeom>
@@ -11170,7 +11170,7 @@
           </p:nvSpPr>
           <p:spPr>
             <a:xfrm>
-              <a:off x="4767880" y="2424232"/>
+              <a:off x="5025001" y="2424203"/>
               <a:ext cx="63202" cy="63202"/>
             </a:xfrm>
             <a:custGeom>
@@ -11213,7 +11213,7 @@
           </p:nvSpPr>
           <p:spPr>
             <a:xfrm>
-              <a:off x="4986732" y="2502907"/>
+              <a:off x="4990983" y="2502904"/>
               <a:ext cx="63202" cy="63202"/>
             </a:xfrm>
             <a:custGeom>
@@ -11256,7 +11256,7 @@
           </p:nvSpPr>
           <p:spPr>
             <a:xfrm>
-              <a:off x="5112717" y="2380817"/>
+              <a:off x="5060288" y="2380820"/>
               <a:ext cx="63202" cy="63202"/>
             </a:xfrm>
             <a:custGeom>
@@ -11299,7 +11299,7 @@
           </p:nvSpPr>
           <p:spPr>
             <a:xfrm>
-              <a:off x="4540022" y="2402365"/>
+              <a:off x="4903189" y="2402357"/>
               <a:ext cx="63202" cy="63202"/>
             </a:xfrm>
             <a:custGeom>
@@ -11342,7 +11342,7 @@
           </p:nvSpPr>
           <p:spPr>
             <a:xfrm>
-              <a:off x="5025353" y="2456546"/>
+              <a:off x="4501340" y="2456548"/>
               <a:ext cx="63202" cy="63202"/>
             </a:xfrm>
             <a:custGeom>
@@ -11385,7 +11385,7 @@
           </p:nvSpPr>
           <p:spPr>
             <a:xfrm>
-              <a:off x="5139885" y="2422228"/>
+              <a:off x="4967020" y="2422210"/>
               <a:ext cx="63202" cy="63202"/>
             </a:xfrm>
             <a:custGeom>
@@ -11428,7 +11428,7 @@
           </p:nvSpPr>
           <p:spPr>
             <a:xfrm>
-              <a:off x="5134565" y="2435042"/>
+              <a:off x="4800507" y="2435007"/>
               <a:ext cx="63202" cy="63202"/>
             </a:xfrm>
             <a:custGeom>
@@ -11471,7 +11471,7 @@
           </p:nvSpPr>
           <p:spPr>
             <a:xfrm>
-              <a:off x="5011761" y="2588404"/>
+              <a:off x="4695487" y="2588408"/>
               <a:ext cx="63202" cy="63202"/>
             </a:xfrm>
             <a:custGeom>
@@ -11514,7 +11514,7 @@
           </p:nvSpPr>
           <p:spPr>
             <a:xfrm>
-              <a:off x="4705369" y="2568369"/>
+              <a:off x="5152267" y="2568336"/>
               <a:ext cx="63202" cy="63202"/>
             </a:xfrm>
             <a:custGeom>
@@ -11557,7 +11557,7 @@
           </p:nvSpPr>
           <p:spPr>
             <a:xfrm>
-              <a:off x="4712259" y="2466143"/>
+              <a:off x="4915933" y="2466149"/>
               <a:ext cx="63202" cy="63202"/>
             </a:xfrm>
             <a:custGeom>
@@ -11600,7 +11600,7 @@
           </p:nvSpPr>
           <p:spPr>
             <a:xfrm>
-              <a:off x="5065152" y="2405683"/>
+              <a:off x="5119331" y="2405693"/>
               <a:ext cx="63202" cy="63202"/>
             </a:xfrm>
             <a:custGeom>
@@ -11643,7 +11643,7 @@
           </p:nvSpPr>
           <p:spPr>
             <a:xfrm>
-              <a:off x="4778718" y="2784951"/>
+              <a:off x="5069561" y="2784937"/>
               <a:ext cx="63202" cy="63202"/>
             </a:xfrm>
             <a:custGeom>
@@ -11686,7 +11686,7 @@
           </p:nvSpPr>
           <p:spPr>
             <a:xfrm>
-              <a:off x="5103648" y="2414961"/>
+              <a:off x="4620393" y="2414941"/>
               <a:ext cx="63202" cy="63202"/>
             </a:xfrm>
             <a:custGeom>
@@ -11729,7 +11729,7 @@
           </p:nvSpPr>
           <p:spPr>
             <a:xfrm>
-              <a:off x="5022622" y="2431741"/>
+              <a:off x="5061415" y="2431708"/>
               <a:ext cx="63202" cy="63202"/>
             </a:xfrm>
             <a:custGeom>
@@ -11772,7 +11772,7 @@
           </p:nvSpPr>
           <p:spPr>
             <a:xfrm>
-              <a:off x="5101468" y="2371799"/>
+              <a:off x="5021818" y="2371808"/>
               <a:ext cx="63202" cy="63202"/>
             </a:xfrm>
             <a:custGeom>
@@ -11815,7 +11815,7 @@
           </p:nvSpPr>
           <p:spPr>
             <a:xfrm>
-              <a:off x="4751820" y="2422926"/>
+              <a:off x="5116231" y="2422889"/>
               <a:ext cx="63202" cy="63202"/>
             </a:xfrm>
             <a:custGeom>
@@ -11858,7 +11858,7 @@
           </p:nvSpPr>
           <p:spPr>
             <a:xfrm>
-              <a:off x="4912273" y="2381720"/>
+              <a:off x="5042062" y="2381699"/>
               <a:ext cx="63202" cy="63202"/>
             </a:xfrm>
             <a:custGeom>
@@ -11901,7 +11901,7 @@
           </p:nvSpPr>
           <p:spPr>
             <a:xfrm>
-              <a:off x="4710974" y="2435452"/>
+              <a:off x="4817505" y="2435463"/>
               <a:ext cx="63202" cy="63202"/>
             </a:xfrm>
             <a:custGeom>
@@ -11944,7 +11944,7 @@
           </p:nvSpPr>
           <p:spPr>
             <a:xfrm>
-              <a:off x="4786658" y="2463831"/>
+              <a:off x="5026003" y="2463809"/>
               <a:ext cx="63202" cy="63202"/>
             </a:xfrm>
             <a:custGeom>
@@ -11987,7 +11987,7 @@
           </p:nvSpPr>
           <p:spPr>
             <a:xfrm>
-              <a:off x="4604088" y="2411920"/>
+              <a:off x="4975820" y="2411893"/>
               <a:ext cx="63202" cy="63202"/>
             </a:xfrm>
             <a:custGeom>
@@ -12030,7 +12030,7 @@
           </p:nvSpPr>
           <p:spPr>
             <a:xfrm>
-              <a:off x="5150855" y="2405592"/>
+              <a:off x="4733871" y="2405585"/>
               <a:ext cx="63202" cy="63202"/>
             </a:xfrm>
             <a:custGeom>
@@ -12073,7 +12073,7 @@
           </p:nvSpPr>
           <p:spPr>
             <a:xfrm>
-              <a:off x="4608329" y="2419265"/>
+              <a:off x="5104323" y="2419252"/>
               <a:ext cx="63202" cy="63202"/>
             </a:xfrm>
             <a:custGeom>
@@ -12116,7 +12116,7 @@
           </p:nvSpPr>
           <p:spPr>
             <a:xfrm>
-              <a:off x="4630437" y="2459819"/>
+              <a:off x="5143025" y="2459775"/>
               <a:ext cx="63202" cy="63202"/>
             </a:xfrm>
             <a:custGeom>
@@ -12159,7 +12159,7 @@
           </p:nvSpPr>
           <p:spPr>
             <a:xfrm>
-              <a:off x="4634486" y="2414669"/>
+              <a:off x="4902661" y="2414653"/>
               <a:ext cx="63202" cy="63202"/>
             </a:xfrm>
             <a:custGeom>
@@ -12202,7 +12202,7 @@
           </p:nvSpPr>
           <p:spPr>
             <a:xfrm>
-              <a:off x="4764450" y="2470757"/>
+              <a:off x="5052530" y="2470759"/>
               <a:ext cx="63202" cy="63202"/>
             </a:xfrm>
             <a:custGeom>
@@ -12245,7 +12245,7 @@
           </p:nvSpPr>
           <p:spPr>
             <a:xfrm>
-              <a:off x="4973551" y="2441426"/>
+              <a:off x="5069328" y="2441417"/>
               <a:ext cx="63202" cy="63202"/>
             </a:xfrm>
             <a:custGeom>
@@ -12288,7 +12288,7 @@
           </p:nvSpPr>
           <p:spPr>
             <a:xfrm>
-              <a:off x="4563522" y="2602255"/>
+              <a:off x="4896490" y="2602228"/>
               <a:ext cx="63202" cy="63202"/>
             </a:xfrm>
             <a:custGeom>
@@ -12331,7 +12331,7 @@
           </p:nvSpPr>
           <p:spPr>
             <a:xfrm>
-              <a:off x="4837672" y="2423452"/>
+              <a:off x="4583705" y="2423416"/>
               <a:ext cx="63202" cy="63202"/>
             </a:xfrm>
             <a:custGeom>
@@ -12374,7 +12374,7 @@
           </p:nvSpPr>
           <p:spPr>
             <a:xfrm>
-              <a:off x="4915487" y="2536257"/>
+              <a:off x="4851169" y="2536250"/>
               <a:ext cx="63202" cy="63202"/>
             </a:xfrm>
             <a:custGeom>
@@ -12417,7 +12417,7 @@
           </p:nvSpPr>
           <p:spPr>
             <a:xfrm>
-              <a:off x="4610687" y="2403078"/>
+              <a:off x="4998720" y="2403061"/>
               <a:ext cx="63202" cy="63202"/>
             </a:xfrm>
             <a:custGeom>
@@ -12460,7 +12460,7 @@
           </p:nvSpPr>
           <p:spPr>
             <a:xfrm>
-              <a:off x="4725163" y="2414819"/>
+              <a:off x="5112932" y="2414815"/>
               <a:ext cx="63202" cy="63202"/>
             </a:xfrm>
             <a:custGeom>
@@ -12503,7 +12503,7 @@
           </p:nvSpPr>
           <p:spPr>
             <a:xfrm>
-              <a:off x="5098129" y="2385716"/>
+              <a:off x="4975553" y="2385716"/>
               <a:ext cx="63202" cy="63202"/>
             </a:xfrm>
             <a:custGeom>
@@ -12546,7 +12546,7 @@
           </p:nvSpPr>
           <p:spPr>
             <a:xfrm>
-              <a:off x="5051259" y="2408402"/>
+              <a:off x="4806209" y="2408386"/>
               <a:ext cx="63202" cy="63202"/>
             </a:xfrm>
             <a:custGeom>
@@ -12589,7 +12589,7 @@
           </p:nvSpPr>
           <p:spPr>
             <a:xfrm>
-              <a:off x="5026518" y="2421699"/>
+              <a:off x="4899436" y="2421691"/>
               <a:ext cx="63202" cy="63202"/>
             </a:xfrm>
             <a:custGeom>
@@ -12632,7 +12632,7 @@
           </p:nvSpPr>
           <p:spPr>
             <a:xfrm>
-              <a:off x="5062774" y="2609773"/>
+              <a:off x="4861888" y="2609727"/>
               <a:ext cx="63202" cy="63202"/>
             </a:xfrm>
             <a:custGeom>
@@ -12675,7 +12675,7 @@
           </p:nvSpPr>
           <p:spPr>
             <a:xfrm>
-              <a:off x="4641287" y="2424158"/>
+              <a:off x="5020473" y="2424162"/>
               <a:ext cx="63202" cy="63202"/>
             </a:xfrm>
             <a:custGeom>
@@ -12718,7 +12718,7 @@
           </p:nvSpPr>
           <p:spPr>
             <a:xfrm>
-              <a:off x="5160310" y="2511793"/>
+              <a:off x="4786843" y="2511762"/>
               <a:ext cx="63202" cy="63202"/>
             </a:xfrm>
             <a:custGeom>
@@ -12761,7 +12761,7 @@
           </p:nvSpPr>
           <p:spPr>
             <a:xfrm>
-              <a:off x="5465860" y="2683394"/>
+              <a:off x="5758074" y="2683392"/>
               <a:ext cx="63202" cy="63202"/>
             </a:xfrm>
             <a:custGeom>
@@ -12804,7 +12804,7 @@
           </p:nvSpPr>
           <p:spPr>
             <a:xfrm>
-              <a:off x="4712012" y="2367558"/>
+              <a:off x="5014230" y="2367536"/>
               <a:ext cx="63202" cy="63202"/>
             </a:xfrm>
             <a:custGeom>
@@ -12847,7 +12847,7 @@
           </p:nvSpPr>
           <p:spPr>
             <a:xfrm>
-              <a:off x="4726938" y="2388665"/>
+              <a:off x="4481961" y="2388679"/>
               <a:ext cx="63202" cy="63202"/>
             </a:xfrm>
             <a:custGeom>
@@ -12890,7 +12890,7 @@
           </p:nvSpPr>
           <p:spPr>
             <a:xfrm>
-              <a:off x="4700121" y="2680378"/>
+              <a:off x="5091648" y="2680374"/>
               <a:ext cx="63202" cy="63202"/>
             </a:xfrm>
             <a:custGeom>
@@ -12933,7 +12933,7 @@
           </p:nvSpPr>
           <p:spPr>
             <a:xfrm>
-              <a:off x="4544673" y="2431868"/>
+              <a:off x="4864229" y="2431854"/>
               <a:ext cx="63202" cy="63202"/>
             </a:xfrm>
             <a:custGeom>
@@ -12976,7 +12976,7 @@
           </p:nvSpPr>
           <p:spPr>
             <a:xfrm>
-              <a:off x="4878769" y="2390474"/>
+              <a:off x="4800895" y="2390477"/>
               <a:ext cx="63202" cy="63202"/>
             </a:xfrm>
             <a:custGeom>
@@ -13019,7 +13019,7 @@
           </p:nvSpPr>
           <p:spPr>
             <a:xfrm>
-              <a:off x="4968474" y="2424182"/>
+              <a:off x="4516402" y="2424165"/>
               <a:ext cx="63202" cy="63202"/>
             </a:xfrm>
             <a:custGeom>
@@ -13062,7 +13062,7 @@
           </p:nvSpPr>
           <p:spPr>
             <a:xfrm>
-              <a:off x="4564524" y="2442635"/>
+              <a:off x="4644062" y="2442642"/>
               <a:ext cx="63202" cy="63202"/>
             </a:xfrm>
             <a:custGeom>
@@ -13105,7 +13105,7 @@
           </p:nvSpPr>
           <p:spPr>
             <a:xfrm>
-              <a:off x="4693343" y="2428200"/>
+              <a:off x="4633802" y="2428172"/>
               <a:ext cx="63202" cy="63202"/>
             </a:xfrm>
             <a:custGeom>
@@ -13148,7 +13148,7 @@
           </p:nvSpPr>
           <p:spPr>
             <a:xfrm>
-              <a:off x="5153028" y="2484573"/>
+              <a:off x="4729328" y="2484573"/>
               <a:ext cx="63202" cy="63202"/>
             </a:xfrm>
             <a:custGeom>
@@ -13191,7 +13191,7 @@
           </p:nvSpPr>
           <p:spPr>
             <a:xfrm>
-              <a:off x="4941090" y="2409436"/>
+              <a:off x="4726832" y="2409434"/>
               <a:ext cx="63202" cy="63202"/>
             </a:xfrm>
             <a:custGeom>
@@ -13234,7 +13234,7 @@
           </p:nvSpPr>
           <p:spPr>
             <a:xfrm>
-              <a:off x="5111808" y="2413911"/>
+              <a:off x="4510607" y="2413867"/>
               <a:ext cx="63202" cy="63202"/>
             </a:xfrm>
             <a:custGeom>
@@ -13277,7 +13277,7 @@
           </p:nvSpPr>
           <p:spPr>
             <a:xfrm>
-              <a:off x="4805044" y="2455634"/>
+              <a:off x="4845857" y="2455603"/>
               <a:ext cx="63202" cy="63202"/>
             </a:xfrm>
             <a:custGeom>
@@ -13320,7 +13320,7 @@
           </p:nvSpPr>
           <p:spPr>
             <a:xfrm>
-              <a:off x="4547754" y="2453121"/>
+              <a:off x="4769683" y="2453085"/>
               <a:ext cx="63202" cy="63202"/>
             </a:xfrm>
             <a:custGeom>
@@ -13363,7 +13363,7 @@
           </p:nvSpPr>
           <p:spPr>
             <a:xfrm>
-              <a:off x="4965460" y="2402298"/>
+              <a:off x="4914350" y="2402296"/>
               <a:ext cx="63202" cy="63202"/>
             </a:xfrm>
             <a:custGeom>
@@ -13406,7 +13406,7 @@
           </p:nvSpPr>
           <p:spPr>
             <a:xfrm>
-              <a:off x="4741572" y="2502821"/>
+              <a:off x="5070968" y="2502779"/>
               <a:ext cx="63202" cy="63202"/>
             </a:xfrm>
             <a:custGeom>
@@ -13449,7 +13449,7 @@
           </p:nvSpPr>
           <p:spPr>
             <a:xfrm>
-              <a:off x="4962047" y="2505948"/>
+              <a:off x="4978856" y="2505942"/>
               <a:ext cx="63202" cy="63202"/>
             </a:xfrm>
             <a:custGeom>
@@ -13492,7 +13492,7 @@
           </p:nvSpPr>
           <p:spPr>
             <a:xfrm>
-              <a:off x="5042368" y="2452192"/>
+              <a:off x="4629777" y="2452168"/>
               <a:ext cx="63202" cy="63202"/>
             </a:xfrm>
             <a:custGeom>
@@ -13535,7 +13535,7 @@
           </p:nvSpPr>
           <p:spPr>
             <a:xfrm>
-              <a:off x="5098582" y="2492336"/>
+              <a:off x="5071406" y="2492332"/>
               <a:ext cx="63202" cy="63202"/>
             </a:xfrm>
             <a:custGeom>
@@ -13578,7 +13578,7 @@
           </p:nvSpPr>
           <p:spPr>
             <a:xfrm>
-              <a:off x="5135355" y="2433910"/>
+              <a:off x="4606813" y="2433895"/>
               <a:ext cx="63202" cy="63202"/>
             </a:xfrm>
             <a:custGeom>
@@ -13621,7 +13621,7 @@
           </p:nvSpPr>
           <p:spPr>
             <a:xfrm>
-              <a:off x="5054963" y="2406226"/>
+              <a:off x="4572720" y="2406218"/>
               <a:ext cx="63202" cy="63202"/>
             </a:xfrm>
             <a:custGeom>
@@ -13664,7 +13664,7 @@
           </p:nvSpPr>
           <p:spPr>
             <a:xfrm>
-              <a:off x="5041185" y="2368458"/>
+              <a:off x="4777899" y="2368438"/>
               <a:ext cx="63202" cy="63202"/>
             </a:xfrm>
             <a:custGeom>
@@ -13707,7 +13707,7 @@
           </p:nvSpPr>
           <p:spPr>
             <a:xfrm>
-              <a:off x="4474036" y="2369892"/>
+              <a:off x="4723244" y="2369853"/>
               <a:ext cx="63202" cy="63202"/>
             </a:xfrm>
             <a:custGeom>
@@ -13750,7 +13750,7 @@
           </p:nvSpPr>
           <p:spPr>
             <a:xfrm>
-              <a:off x="4504249" y="2431075"/>
+              <a:off x="4621651" y="2431037"/>
               <a:ext cx="63202" cy="63202"/>
             </a:xfrm>
             <a:custGeom>
@@ -13793,7 +13793,7 @@
           </p:nvSpPr>
           <p:spPr>
             <a:xfrm>
-              <a:off x="4838918" y="2394067"/>
+              <a:off x="4755445" y="2394057"/>
               <a:ext cx="63202" cy="63202"/>
             </a:xfrm>
             <a:custGeom>
@@ -13836,7 +13836,7 @@
           </p:nvSpPr>
           <p:spPr>
             <a:xfrm>
-              <a:off x="4788525" y="2755905"/>
+              <a:off x="4893040" y="2755885"/>
               <a:ext cx="63202" cy="63202"/>
             </a:xfrm>
             <a:custGeom>
@@ -13879,7 +13879,7 @@
           </p:nvSpPr>
           <p:spPr>
             <a:xfrm>
-              <a:off x="4679555" y="2368557"/>
+              <a:off x="4815318" y="2368553"/>
               <a:ext cx="63202" cy="63202"/>
             </a:xfrm>
             <a:custGeom>
@@ -13922,7 +13922,7 @@
           </p:nvSpPr>
           <p:spPr>
             <a:xfrm>
-              <a:off x="5003220" y="2397903"/>
+              <a:off x="4586264" y="2397867"/>
               <a:ext cx="63202" cy="63202"/>
             </a:xfrm>
             <a:custGeom>
@@ -13965,7 +13965,7 @@
           </p:nvSpPr>
           <p:spPr>
             <a:xfrm>
-              <a:off x="4920250" y="2406040"/>
+              <a:off x="4941476" y="2406026"/>
               <a:ext cx="63202" cy="63202"/>
             </a:xfrm>
             <a:custGeom>
@@ -14008,7 +14008,7 @@
           </p:nvSpPr>
           <p:spPr>
             <a:xfrm>
-              <a:off x="4507209" y="2461998"/>
+              <a:off x="4661697" y="2461972"/>
               <a:ext cx="63202" cy="63202"/>
             </a:xfrm>
             <a:custGeom>
@@ -14051,7 +14051,7 @@
           </p:nvSpPr>
           <p:spPr>
             <a:xfrm>
-              <a:off x="4874135" y="2360140"/>
+              <a:off x="4693175" y="2360128"/>
               <a:ext cx="63202" cy="63202"/>
             </a:xfrm>
             <a:custGeom>
@@ -14094,7 +14094,7 @@
           </p:nvSpPr>
           <p:spPr>
             <a:xfrm>
-              <a:off x="4606623" y="2414768"/>
+              <a:off x="4841914" y="2414753"/>
               <a:ext cx="63202" cy="63202"/>
             </a:xfrm>
             <a:custGeom>
@@ -14137,7 +14137,7 @@
           </p:nvSpPr>
           <p:spPr>
             <a:xfrm>
-              <a:off x="4645901" y="2403536"/>
+              <a:off x="4716263" y="2403520"/>
               <a:ext cx="63202" cy="63202"/>
             </a:xfrm>
             <a:custGeom>
@@ -14236,7 +14236,7 @@
           </p:nvSpPr>
           <p:spPr>
             <a:xfrm>
-              <a:off x="4325757" y="4722697"/>
+              <a:off x="4325757" y="4722676"/>
               <a:ext cx="2796732" cy="0"/>
             </a:xfrm>
             <a:custGeom>
@@ -14279,7 +14279,7 @@
           </p:nvSpPr>
           <p:spPr>
             <a:xfrm>
-              <a:off x="4325757" y="4237894"/>
+              <a:off x="4325757" y="4237881"/>
               <a:ext cx="2796732" cy="0"/>
             </a:xfrm>
             <a:custGeom>
@@ -14322,7 +14322,7 @@
           </p:nvSpPr>
           <p:spPr>
             <a:xfrm>
-              <a:off x="4325757" y="3753091"/>
+              <a:off x="4325757" y="3753086"/>
               <a:ext cx="2796732" cy="0"/>
             </a:xfrm>
             <a:custGeom>
@@ -14365,7 +14365,7 @@
           </p:nvSpPr>
           <p:spPr>
             <a:xfrm>
-              <a:off x="4325757" y="4965099"/>
+              <a:off x="4325757" y="4965073"/>
               <a:ext cx="2796732" cy="0"/>
             </a:xfrm>
             <a:custGeom>
@@ -14408,7 +14408,7 @@
           </p:nvSpPr>
           <p:spPr>
             <a:xfrm>
-              <a:off x="4325757" y="4480296"/>
+              <a:off x="4325757" y="4480278"/>
               <a:ext cx="2796732" cy="0"/>
             </a:xfrm>
             <a:custGeom>
@@ -14451,7 +14451,7 @@
           </p:nvSpPr>
           <p:spPr>
             <a:xfrm>
-              <a:off x="4325757" y="3995492"/>
+              <a:off x="4325757" y="3995484"/>
               <a:ext cx="2796732" cy="0"/>
             </a:xfrm>
             <a:custGeom>
@@ -14666,7 +14666,7 @@
           </p:nvSpPr>
           <p:spPr>
             <a:xfrm>
-              <a:off x="5387538" y="4821847"/>
+              <a:off x="6018317" y="4821827"/>
               <a:ext cx="63202" cy="63202"/>
             </a:xfrm>
             <a:custGeom>
@@ -14709,7 +14709,7 @@
           </p:nvSpPr>
           <p:spPr>
             <a:xfrm>
-              <a:off x="5093290" y="4732197"/>
+              <a:off x="5032809" y="4732169"/>
               <a:ext cx="63202" cy="63202"/>
             </a:xfrm>
             <a:custGeom>
@@ -14752,7 +14752,7 @@
           </p:nvSpPr>
           <p:spPr>
             <a:xfrm>
-              <a:off x="4691856" y="4371863"/>
+              <a:off x="4494283" y="4371841"/>
               <a:ext cx="63202" cy="63202"/>
             </a:xfrm>
             <a:custGeom>
@@ -14795,7 +14795,7 @@
           </p:nvSpPr>
           <p:spPr>
             <a:xfrm>
-              <a:off x="6634188" y="4883747"/>
+              <a:off x="6677817" y="4883747"/>
               <a:ext cx="63202" cy="63202"/>
             </a:xfrm>
             <a:custGeom>
@@ -14894,7 +14894,7 @@
           </p:nvSpPr>
           <p:spPr>
             <a:xfrm>
-              <a:off x="4325757" y="6648030"/>
+              <a:off x="4325757" y="6648008"/>
               <a:ext cx="2796732" cy="0"/>
             </a:xfrm>
             <a:custGeom>
@@ -14937,7 +14937,7 @@
           </p:nvSpPr>
           <p:spPr>
             <a:xfrm>
-              <a:off x="4325757" y="6163227"/>
+              <a:off x="4325757" y="6163214"/>
               <a:ext cx="2796732" cy="0"/>
             </a:xfrm>
             <a:custGeom>
@@ -14980,7 +14980,7 @@
           </p:nvSpPr>
           <p:spPr>
             <a:xfrm>
-              <a:off x="4325757" y="5678424"/>
+              <a:off x="4325757" y="5678419"/>
               <a:ext cx="2796732" cy="0"/>
             </a:xfrm>
             <a:custGeom>
@@ -15023,7 +15023,7 @@
           </p:nvSpPr>
           <p:spPr>
             <a:xfrm>
-              <a:off x="4325757" y="6890431"/>
+              <a:off x="4325757" y="6890406"/>
               <a:ext cx="2796732" cy="0"/>
             </a:xfrm>
             <a:custGeom>
@@ -15066,7 +15066,7 @@
           </p:nvSpPr>
           <p:spPr>
             <a:xfrm>
-              <a:off x="4325757" y="6405628"/>
+              <a:off x="4325757" y="6405611"/>
               <a:ext cx="2796732" cy="0"/>
             </a:xfrm>
             <a:custGeom>
@@ -15109,7 +15109,7 @@
           </p:nvSpPr>
           <p:spPr>
             <a:xfrm>
-              <a:off x="4325757" y="5920825"/>
+              <a:off x="4325757" y="5920816"/>
               <a:ext cx="2796732" cy="0"/>
             </a:xfrm>
             <a:custGeom>
@@ -15324,7 +15324,7 @@
           </p:nvSpPr>
           <p:spPr>
             <a:xfrm>
-              <a:off x="4707146" y="6069287"/>
+              <a:off x="4656592" y="6069268"/>
               <a:ext cx="63202" cy="63202"/>
             </a:xfrm>
             <a:custGeom>
@@ -15367,7 +15367,7 @@
           </p:nvSpPr>
           <p:spPr>
             <a:xfrm>
-              <a:off x="4781685" y="6063059"/>
+              <a:off x="5157214" y="6063045"/>
               <a:ext cx="63202" cy="63202"/>
             </a:xfrm>
             <a:custGeom>
@@ -15410,7 +15410,7 @@
           </p:nvSpPr>
           <p:spPr>
             <a:xfrm>
-              <a:off x="4618229" y="6072611"/>
+              <a:off x="4591564" y="6072618"/>
               <a:ext cx="63202" cy="63202"/>
             </a:xfrm>
             <a:custGeom>
@@ -15453,7 +15453,7 @@
           </p:nvSpPr>
           <p:spPr>
             <a:xfrm>
-              <a:off x="4601312" y="6055915"/>
+              <a:off x="4599265" y="6055871"/>
               <a:ext cx="63202" cy="63202"/>
             </a:xfrm>
             <a:custGeom>
@@ -15496,7 +15496,7 @@
           </p:nvSpPr>
           <p:spPr>
             <a:xfrm>
-              <a:off x="4667298" y="6058525"/>
+              <a:off x="4863640" y="6058491"/>
               <a:ext cx="63202" cy="63202"/>
             </a:xfrm>
             <a:custGeom>
@@ -15539,7 +15539,7 @@
           </p:nvSpPr>
           <p:spPr>
             <a:xfrm>
-              <a:off x="5109691" y="6071933"/>
+              <a:off x="4491535" y="6071920"/>
               <a:ext cx="63202" cy="63202"/>
             </a:xfrm>
             <a:custGeom>
@@ -15582,7 +15582,7 @@
           </p:nvSpPr>
           <p:spPr>
             <a:xfrm>
-              <a:off x="4624181" y="6055555"/>
+              <a:off x="5069284" y="6055562"/>
               <a:ext cx="63202" cy="63202"/>
             </a:xfrm>
             <a:custGeom>
@@ -15625,7 +15625,7 @@
           </p:nvSpPr>
           <p:spPr>
             <a:xfrm>
-              <a:off x="5057010" y="6216614"/>
+              <a:off x="4943863" y="6216615"/>
               <a:ext cx="63202" cy="63202"/>
             </a:xfrm>
             <a:custGeom>
@@ -15668,7 +15668,7 @@
           </p:nvSpPr>
           <p:spPr>
             <a:xfrm>
-              <a:off x="4471818" y="6074450"/>
+              <a:off x="4617137" y="6074453"/>
               <a:ext cx="63202" cy="63202"/>
             </a:xfrm>
             <a:custGeom>
@@ -15711,7 +15711,7 @@
           </p:nvSpPr>
           <p:spPr>
             <a:xfrm>
-              <a:off x="4954751" y="6079104"/>
+              <a:off x="4824377" y="6079125"/>
               <a:ext cx="63202" cy="63202"/>
             </a:xfrm>
             <a:custGeom>
@@ -15754,7 +15754,7 @@
           </p:nvSpPr>
           <p:spPr>
             <a:xfrm>
-              <a:off x="5132345" y="6079477"/>
+              <a:off x="4730632" y="6079467"/>
               <a:ext cx="63202" cy="63202"/>
             </a:xfrm>
             <a:custGeom>
@@ -15797,7 +15797,7 @@
           </p:nvSpPr>
           <p:spPr>
             <a:xfrm>
-              <a:off x="4960362" y="6136795"/>
+              <a:off x="5018728" y="6136810"/>
               <a:ext cx="63202" cy="63202"/>
             </a:xfrm>
             <a:custGeom>
@@ -15840,7 +15840,7 @@
           </p:nvSpPr>
           <p:spPr>
             <a:xfrm>
-              <a:off x="4948663" y="6171660"/>
+              <a:off x="4866807" y="6171653"/>
               <a:ext cx="63202" cy="63202"/>
             </a:xfrm>
             <a:custGeom>
@@ -15883,7 +15883,7 @@
           </p:nvSpPr>
           <p:spPr>
             <a:xfrm>
-              <a:off x="4750639" y="6071796"/>
+              <a:off x="4931433" y="6071788"/>
               <a:ext cx="63202" cy="63202"/>
             </a:xfrm>
             <a:custGeom>
@@ -15926,7 +15926,7 @@
           </p:nvSpPr>
           <p:spPr>
             <a:xfrm>
-              <a:off x="4948552" y="6071453"/>
+              <a:off x="4967194" y="6071466"/>
               <a:ext cx="63202" cy="63202"/>
             </a:xfrm>
             <a:custGeom>
@@ -15969,7 +15969,7 @@
           </p:nvSpPr>
           <p:spPr>
             <a:xfrm>
-              <a:off x="5155222" y="6050700"/>
+              <a:off x="5109523" y="6050682"/>
               <a:ext cx="63202" cy="63202"/>
             </a:xfrm>
             <a:custGeom>
@@ -16012,7 +16012,7 @@
           </p:nvSpPr>
           <p:spPr>
             <a:xfrm>
-              <a:off x="4968400" y="6075883"/>
+              <a:off x="4689859" y="6075844"/>
               <a:ext cx="63202" cy="63202"/>
             </a:xfrm>
             <a:custGeom>
@@ -16055,7 +16055,7 @@
           </p:nvSpPr>
           <p:spPr>
             <a:xfrm>
-              <a:off x="5032275" y="6042907"/>
+              <a:off x="4981432" y="6042892"/>
               <a:ext cx="63202" cy="63202"/>
             </a:xfrm>
             <a:custGeom>
@@ -16098,7 +16098,7 @@
           </p:nvSpPr>
           <p:spPr>
             <a:xfrm>
-              <a:off x="5014982" y="6070628"/>
+              <a:off x="5133313" y="6070641"/>
               <a:ext cx="63202" cy="63202"/>
             </a:xfrm>
             <a:custGeom>
@@ -16141,7 +16141,7 @@
           </p:nvSpPr>
           <p:spPr>
             <a:xfrm>
-              <a:off x="4563782" y="6055692"/>
+              <a:off x="5086939" y="6055690"/>
               <a:ext cx="63202" cy="63202"/>
             </a:xfrm>
             <a:custGeom>
@@ -16184,7 +16184,7 @@
           </p:nvSpPr>
           <p:spPr>
             <a:xfrm>
-              <a:off x="5014273" y="6305950"/>
+              <a:off x="4964398" y="6305930"/>
               <a:ext cx="63202" cy="63202"/>
             </a:xfrm>
             <a:custGeom>
@@ -16227,7 +16227,7 @@
           </p:nvSpPr>
           <p:spPr>
             <a:xfrm>
-              <a:off x="4531176" y="6134844"/>
+              <a:off x="4483630" y="6134810"/>
               <a:ext cx="63202" cy="63202"/>
             </a:xfrm>
             <a:custGeom>
@@ -16270,7 +16270,7 @@
           </p:nvSpPr>
           <p:spPr>
             <a:xfrm>
-              <a:off x="4688120" y="6070238"/>
+              <a:off x="4483687" y="6070244"/>
               <a:ext cx="63202" cy="63202"/>
             </a:xfrm>
             <a:custGeom>
@@ -16313,7 +16313,7 @@
           </p:nvSpPr>
           <p:spPr>
             <a:xfrm>
-              <a:off x="4988155" y="6053771"/>
+              <a:off x="4660696" y="6053746"/>
               <a:ext cx="63202" cy="63202"/>
             </a:xfrm>
             <a:custGeom>
@@ -16356,7 +16356,7 @@
           </p:nvSpPr>
           <p:spPr>
             <a:xfrm>
-              <a:off x="5098590" y="6058191"/>
+              <a:off x="4906780" y="6058180"/>
               <a:ext cx="63202" cy="63202"/>
             </a:xfrm>
             <a:custGeom>
@@ -16399,7 +16399,7 @@
           </p:nvSpPr>
           <p:spPr>
             <a:xfrm>
-              <a:off x="4963224" y="6063907"/>
+              <a:off x="4983847" y="6063891"/>
               <a:ext cx="63202" cy="63202"/>
             </a:xfrm>
             <a:custGeom>
@@ -16442,7 +16442,7 @@
           </p:nvSpPr>
           <p:spPr>
             <a:xfrm>
-              <a:off x="4503833" y="6079123"/>
+              <a:off x="4801216" y="6079095"/>
               <a:ext cx="63202" cy="63202"/>
             </a:xfrm>
             <a:custGeom>
@@ -16485,7 +16485,7 @@
           </p:nvSpPr>
           <p:spPr>
             <a:xfrm>
-              <a:off x="4715834" y="6075467"/>
+              <a:off x="4559020" y="6075462"/>
               <a:ext cx="63202" cy="63202"/>
             </a:xfrm>
             <a:custGeom>
@@ -16528,7 +16528,7 @@
           </p:nvSpPr>
           <p:spPr>
             <a:xfrm>
-              <a:off x="4854722" y="6060955"/>
+              <a:off x="5152528" y="6060948"/>
               <a:ext cx="63202" cy="63202"/>
             </a:xfrm>
             <a:custGeom>
@@ -16571,7 +16571,7 @@
           </p:nvSpPr>
           <p:spPr>
             <a:xfrm>
-              <a:off x="4883708" y="6074465"/>
+              <a:off x="4847449" y="6074445"/>
               <a:ext cx="63202" cy="63202"/>
             </a:xfrm>
             <a:custGeom>
@@ -16614,7 +16614,7 @@
           </p:nvSpPr>
           <p:spPr>
             <a:xfrm>
-              <a:off x="4983600" y="6067923"/>
+              <a:off x="4699569" y="6067920"/>
               <a:ext cx="63202" cy="63202"/>
             </a:xfrm>
             <a:custGeom>
@@ -16657,7 +16657,7 @@
           </p:nvSpPr>
           <p:spPr>
             <a:xfrm>
-              <a:off x="4919614" y="6051086"/>
+              <a:off x="4840981" y="6051075"/>
               <a:ext cx="63202" cy="63202"/>
             </a:xfrm>
             <a:custGeom>
@@ -16700,7 +16700,7 @@
           </p:nvSpPr>
           <p:spPr>
             <a:xfrm>
-              <a:off x="5146381" y="6051916"/>
+              <a:off x="5128119" y="6051906"/>
               <a:ext cx="63202" cy="63202"/>
             </a:xfrm>
             <a:custGeom>
@@ -16743,7 +16743,7 @@
           </p:nvSpPr>
           <p:spPr>
             <a:xfrm>
-              <a:off x="4861104" y="6055551"/>
+              <a:off x="4863181" y="6055561"/>
               <a:ext cx="63202" cy="63202"/>
             </a:xfrm>
             <a:custGeom>
@@ -16786,7 +16786,7 @@
           </p:nvSpPr>
           <p:spPr>
             <a:xfrm>
-              <a:off x="4541345" y="6071375"/>
+              <a:off x="4704267" y="6071343"/>
               <a:ext cx="63202" cy="63202"/>
             </a:xfrm>
             <a:custGeom>
@@ -16829,7 +16829,7 @@
           </p:nvSpPr>
           <p:spPr>
             <a:xfrm>
-              <a:off x="4813879" y="6075863"/>
+              <a:off x="5091190" y="6075875"/>
               <a:ext cx="63202" cy="63202"/>
             </a:xfrm>
             <a:custGeom>
@@ -16872,7 +16872,7 @@
           </p:nvSpPr>
           <p:spPr>
             <a:xfrm>
-              <a:off x="5036276" y="6070389"/>
+              <a:off x="4972707" y="6070399"/>
               <a:ext cx="63202" cy="63202"/>
             </a:xfrm>
             <a:custGeom>
@@ -16915,7 +16915,7 @@
           </p:nvSpPr>
           <p:spPr>
             <a:xfrm>
-              <a:off x="5104608" y="6051934"/>
+              <a:off x="5018282" y="6051903"/>
               <a:ext cx="63202" cy="63202"/>
             </a:xfrm>
             <a:custGeom>
@@ -16958,7 +16958,7 @@
           </p:nvSpPr>
           <p:spPr>
             <a:xfrm>
-              <a:off x="4618450" y="6074773"/>
+              <a:off x="5073449" y="6074756"/>
               <a:ext cx="63202" cy="63202"/>
             </a:xfrm>
             <a:custGeom>
@@ -17001,7 +17001,7 @@
           </p:nvSpPr>
           <p:spPr>
             <a:xfrm>
-              <a:off x="5138245" y="6123884"/>
+              <a:off x="5081044" y="6123863"/>
               <a:ext cx="63202" cy="63202"/>
             </a:xfrm>
             <a:custGeom>
@@ -17044,7 +17044,7 @@
           </p:nvSpPr>
           <p:spPr>
             <a:xfrm>
-              <a:off x="5035417" y="6059649"/>
+              <a:off x="4864893" y="6059607"/>
               <a:ext cx="63202" cy="63202"/>
             </a:xfrm>
             <a:custGeom>
@@ -17087,7 +17087,7 @@
           </p:nvSpPr>
           <p:spPr>
             <a:xfrm>
-              <a:off x="4575907" y="6055399"/>
+              <a:off x="5068486" y="6055392"/>
               <a:ext cx="63202" cy="63202"/>
             </a:xfrm>
             <a:custGeom>
@@ -17130,7 +17130,7 @@
           </p:nvSpPr>
           <p:spPr>
             <a:xfrm>
-              <a:off x="4670032" y="6065341"/>
+              <a:off x="4559229" y="6065332"/>
               <a:ext cx="63202" cy="63202"/>
             </a:xfrm>
             <a:custGeom>
@@ -17173,7 +17173,7 @@
           </p:nvSpPr>
           <p:spPr>
             <a:xfrm>
-              <a:off x="4989604" y="6077297"/>
+              <a:off x="4774254" y="6077250"/>
               <a:ext cx="63202" cy="63202"/>
             </a:xfrm>
             <a:custGeom>
@@ -17216,7 +17216,7 @@
           </p:nvSpPr>
           <p:spPr>
             <a:xfrm>
-              <a:off x="4601589" y="6071420"/>
+              <a:off x="4991795" y="6071391"/>
               <a:ext cx="63202" cy="63202"/>
             </a:xfrm>
             <a:custGeom>
@@ -17259,7 +17259,7 @@
           </p:nvSpPr>
           <p:spPr>
             <a:xfrm>
-              <a:off x="4532265" y="6065077"/>
+              <a:off x="4982148" y="6065035"/>
               <a:ext cx="63202" cy="63202"/>
             </a:xfrm>
             <a:custGeom>
@@ -17302,7 +17302,7 @@
           </p:nvSpPr>
           <p:spPr>
             <a:xfrm>
-              <a:off x="5130403" y="6097336"/>
+              <a:off x="4470064" y="6097325"/>
               <a:ext cx="63202" cy="63202"/>
             </a:xfrm>
             <a:custGeom>
@@ -17345,7 +17345,7 @@
           </p:nvSpPr>
           <p:spPr>
             <a:xfrm>
-              <a:off x="5143464" y="6050081"/>
+              <a:off x="4593385" y="6050057"/>
               <a:ext cx="63202" cy="63202"/>
             </a:xfrm>
             <a:custGeom>
@@ -17388,7 +17388,7 @@
           </p:nvSpPr>
           <p:spPr>
             <a:xfrm>
-              <a:off x="5018772" y="6082849"/>
+              <a:off x="5011484" y="6082858"/>
               <a:ext cx="63202" cy="63202"/>
             </a:xfrm>
             <a:custGeom>
@@ -17431,7 +17431,7 @@
           </p:nvSpPr>
           <p:spPr>
             <a:xfrm>
-              <a:off x="4996136" y="6050759"/>
+              <a:off x="4723808" y="6050735"/>
               <a:ext cx="63202" cy="63202"/>
             </a:xfrm>
             <a:custGeom>
@@ -17474,7 +17474,7 @@
           </p:nvSpPr>
           <p:spPr>
             <a:xfrm>
-              <a:off x="5124866" y="6082954"/>
+              <a:off x="4519647" y="6082922"/>
               <a:ext cx="63202" cy="63202"/>
             </a:xfrm>
             <a:custGeom>
@@ -17517,7 +17517,7 @@
           </p:nvSpPr>
           <p:spPr>
             <a:xfrm>
-              <a:off x="4683462" y="6060349"/>
+              <a:off x="4824326" y="6060349"/>
               <a:ext cx="63202" cy="63202"/>
             </a:xfrm>
             <a:custGeom>
@@ -17560,7 +17560,7 @@
           </p:nvSpPr>
           <p:spPr>
             <a:xfrm>
-              <a:off x="4564445" y="6153231"/>
+              <a:off x="5007632" y="6153242"/>
               <a:ext cx="63202" cy="63202"/>
             </a:xfrm>
             <a:custGeom>
@@ -17603,7 +17603,7 @@
           </p:nvSpPr>
           <p:spPr>
             <a:xfrm>
-              <a:off x="4850826" y="6053431"/>
+              <a:off x="4493575" y="6053398"/>
               <a:ext cx="63202" cy="63202"/>
             </a:xfrm>
             <a:custGeom>
@@ -17646,7 +17646,7 @@
           </p:nvSpPr>
           <p:spPr>
             <a:xfrm>
-              <a:off x="4963968" y="6058486"/>
+              <a:off x="4928098" y="6058471"/>
               <a:ext cx="63202" cy="63202"/>
             </a:xfrm>
             <a:custGeom>
@@ -17689,7 +17689,7 @@
           </p:nvSpPr>
           <p:spPr>
             <a:xfrm>
-              <a:off x="4857616" y="6048079"/>
+              <a:off x="5025558" y="6048080"/>
               <a:ext cx="63202" cy="63202"/>
             </a:xfrm>
             <a:custGeom>
@@ -17732,7 +17732,7 @@
           </p:nvSpPr>
           <p:spPr>
             <a:xfrm>
-              <a:off x="5023681" y="6530634"/>
+              <a:off x="4712208" y="6530586"/>
               <a:ext cx="63202" cy="63202"/>
             </a:xfrm>
             <a:custGeom>
@@ -17775,7 +17775,7 @@
           </p:nvSpPr>
           <p:spPr>
             <a:xfrm>
-              <a:off x="4935878" y="6056490"/>
+              <a:off x="4827231" y="6056459"/>
               <a:ext cx="63202" cy="63202"/>
             </a:xfrm>
             <a:custGeom>
@@ -17818,7 +17818,7 @@
           </p:nvSpPr>
           <p:spPr>
             <a:xfrm>
-              <a:off x="5138455" y="6056491"/>
+              <a:off x="4632978" y="6056462"/>
               <a:ext cx="63202" cy="63202"/>
             </a:xfrm>
             <a:custGeom>
@@ -17861,7 +17861,7 @@
           </p:nvSpPr>
           <p:spPr>
             <a:xfrm>
-              <a:off x="4583279" y="6070838"/>
+              <a:off x="4793500" y="6070828"/>
               <a:ext cx="63202" cy="63202"/>
             </a:xfrm>
             <a:custGeom>
@@ -17904,7 +17904,7 @@
           </p:nvSpPr>
           <p:spPr>
             <a:xfrm>
-              <a:off x="4601216" y="6066280"/>
+              <a:off x="4838307" y="6066264"/>
               <a:ext cx="63202" cy="63202"/>
             </a:xfrm>
             <a:custGeom>
@@ -17947,7 +17947,7 @@
           </p:nvSpPr>
           <p:spPr>
             <a:xfrm>
-              <a:off x="5166653" y="6070537"/>
+              <a:off x="4885650" y="6070510"/>
               <a:ext cx="63202" cy="63202"/>
             </a:xfrm>
             <a:custGeom>
@@ -17990,7 +17990,7 @@
           </p:nvSpPr>
           <p:spPr>
             <a:xfrm>
-              <a:off x="4527238" y="6184569"/>
+              <a:off x="4582528" y="6184569"/>
               <a:ext cx="63202" cy="63202"/>
             </a:xfrm>
             <a:custGeom>
@@ -18033,7 +18033,7 @@
           </p:nvSpPr>
           <p:spPr>
             <a:xfrm>
-              <a:off x="4512051" y="6109870"/>
+              <a:off x="4764174" y="6109862"/>
               <a:ext cx="63202" cy="63202"/>
             </a:xfrm>
             <a:custGeom>
@@ -18076,7 +18076,7 @@
           </p:nvSpPr>
           <p:spPr>
             <a:xfrm>
-              <a:off x="4588261" y="6058380"/>
+              <a:off x="5159962" y="6058365"/>
               <a:ext cx="63202" cy="63202"/>
             </a:xfrm>
             <a:custGeom>
@@ -18119,7 +18119,7 @@
           </p:nvSpPr>
           <p:spPr>
             <a:xfrm>
-              <a:off x="5025415" y="6223174"/>
+              <a:off x="4823536" y="6223129"/>
               <a:ext cx="63202" cy="63202"/>
             </a:xfrm>
             <a:custGeom>
@@ -18162,7 +18162,7 @@
           </p:nvSpPr>
           <p:spPr>
             <a:xfrm>
-              <a:off x="4847598" y="6081510"/>
+              <a:off x="4975597" y="6081496"/>
               <a:ext cx="63202" cy="63202"/>
             </a:xfrm>
             <a:custGeom>
@@ -18205,7 +18205,7 @@
           </p:nvSpPr>
           <p:spPr>
             <a:xfrm>
-              <a:off x="5058845" y="6093383"/>
+              <a:off x="4562677" y="6093371"/>
               <a:ext cx="63202" cy="63202"/>
             </a:xfrm>
             <a:custGeom>
@@ -18248,7 +18248,7 @@
           </p:nvSpPr>
           <p:spPr>
             <a:xfrm>
-              <a:off x="4486775" y="6053374"/>
+              <a:off x="5076451" y="6053378"/>
               <a:ext cx="63202" cy="63202"/>
             </a:xfrm>
             <a:custGeom>
@@ -18291,7 +18291,7 @@
           </p:nvSpPr>
           <p:spPr>
             <a:xfrm>
-              <a:off x="4475615" y="6071314"/>
+              <a:off x="5023579" y="6071297"/>
               <a:ext cx="63202" cy="63202"/>
             </a:xfrm>
             <a:custGeom>
@@ -18334,7 +18334,7 @@
           </p:nvSpPr>
           <p:spPr>
             <a:xfrm>
-              <a:off x="4773802" y="6068735"/>
+              <a:off x="4535602" y="6068743"/>
               <a:ext cx="63202" cy="63202"/>
             </a:xfrm>
             <a:custGeom>
@@ -18377,7 +18377,7 @@
           </p:nvSpPr>
           <p:spPr>
             <a:xfrm>
-              <a:off x="4518653" y="6049889"/>
+              <a:off x="5074541" y="6049889"/>
               <a:ext cx="63202" cy="63202"/>
             </a:xfrm>
             <a:custGeom>
@@ -18420,7 +18420,7 @@
           </p:nvSpPr>
           <p:spPr>
             <a:xfrm>
-              <a:off x="4779695" y="6172926"/>
+              <a:off x="4715965" y="6172914"/>
               <a:ext cx="63202" cy="63202"/>
             </a:xfrm>
             <a:custGeom>
@@ -18463,7 +18463,7 @@
           </p:nvSpPr>
           <p:spPr>
             <a:xfrm>
-              <a:off x="4773621" y="6052888"/>
+              <a:off x="4905993" y="6052884"/>
               <a:ext cx="63202" cy="63202"/>
             </a:xfrm>
             <a:custGeom>
@@ -18506,7 +18506,7 @@
           </p:nvSpPr>
           <p:spPr>
             <a:xfrm>
-              <a:off x="5008086" y="6064293"/>
+              <a:off x="5107851" y="6064266"/>
               <a:ext cx="63202" cy="63202"/>
             </a:xfrm>
             <a:custGeom>
@@ -18549,7 +18549,7 @@
           </p:nvSpPr>
           <p:spPr>
             <a:xfrm>
-              <a:off x="4953687" y="6097344"/>
+              <a:off x="4936414" y="6097338"/>
               <a:ext cx="63202" cy="63202"/>
             </a:xfrm>
             <a:custGeom>
@@ -18592,7 +18592,7 @@
           </p:nvSpPr>
           <p:spPr>
             <a:xfrm>
-              <a:off x="4995200" y="6067278"/>
+              <a:off x="4794736" y="6067269"/>
               <a:ext cx="63202" cy="63202"/>
             </a:xfrm>
             <a:custGeom>
@@ -18635,7 +18635,7 @@
           </p:nvSpPr>
           <p:spPr>
             <a:xfrm>
-              <a:off x="4577628" y="6065888"/>
+              <a:off x="5138196" y="6065876"/>
               <a:ext cx="63202" cy="63202"/>
             </a:xfrm>
             <a:custGeom>
@@ -18678,7 +18678,7 @@
           </p:nvSpPr>
           <p:spPr>
             <a:xfrm>
-              <a:off x="4808237" y="6067662"/>
+              <a:off x="4804429" y="6067685"/>
               <a:ext cx="63202" cy="63202"/>
             </a:xfrm>
             <a:custGeom>
@@ -18721,7 +18721,7 @@
           </p:nvSpPr>
           <p:spPr>
             <a:xfrm>
-              <a:off x="5013664" y="6069851"/>
+              <a:off x="4547554" y="6069832"/>
               <a:ext cx="63202" cy="63202"/>
             </a:xfrm>
             <a:custGeom>
@@ -18764,7 +18764,7 @@
           </p:nvSpPr>
           <p:spPr>
             <a:xfrm>
-              <a:off x="4683032" y="6075876"/>
+              <a:off x="5151716" y="6075879"/>
               <a:ext cx="63202" cy="63202"/>
             </a:xfrm>
             <a:custGeom>
@@ -18807,7 +18807,7 @@
           </p:nvSpPr>
           <p:spPr>
             <a:xfrm>
-              <a:off x="4727346" y="6068645"/>
+              <a:off x="4585962" y="6068654"/>
               <a:ext cx="63202" cy="63202"/>
             </a:xfrm>
             <a:custGeom>
@@ -18850,7 +18850,7 @@
           </p:nvSpPr>
           <p:spPr>
             <a:xfrm>
-              <a:off x="4893608" y="6530018"/>
+              <a:off x="4946255" y="6530004"/>
               <a:ext cx="63202" cy="63202"/>
             </a:xfrm>
             <a:custGeom>
@@ -18893,7 +18893,7 @@
           </p:nvSpPr>
           <p:spPr>
             <a:xfrm>
-              <a:off x="4495011" y="6075056"/>
+              <a:off x="5146617" y="6075029"/>
               <a:ext cx="63202" cy="63202"/>
             </a:xfrm>
             <a:custGeom>
@@ -18936,7 +18936,7 @@
           </p:nvSpPr>
           <p:spPr>
             <a:xfrm>
-              <a:off x="5717151" y="6724346"/>
+              <a:off x="5914104" y="6724318"/>
               <a:ext cx="63202" cy="63202"/>
             </a:xfrm>
             <a:custGeom>
@@ -18979,7 +18979,7 @@
           </p:nvSpPr>
           <p:spPr>
             <a:xfrm>
-              <a:off x="4824718" y="6094988"/>
+              <a:off x="4626407" y="6094947"/>
               <a:ext cx="63202" cy="63202"/>
             </a:xfrm>
             <a:custGeom>
@@ -19022,7 +19022,7 @@
           </p:nvSpPr>
           <p:spPr>
             <a:xfrm>
-              <a:off x="4943963" y="6072232"/>
+              <a:off x="5032459" y="6072225"/>
               <a:ext cx="63202" cy="63202"/>
             </a:xfrm>
             <a:custGeom>
@@ -19065,7 +19065,7 @@
           </p:nvSpPr>
           <p:spPr>
             <a:xfrm>
-              <a:off x="4919518" y="6065096"/>
+              <a:off x="4772304" y="6065091"/>
               <a:ext cx="63202" cy="63202"/>
             </a:xfrm>
             <a:custGeom>
@@ -19108,7 +19108,7 @@
           </p:nvSpPr>
           <p:spPr>
             <a:xfrm>
-              <a:off x="5126551" y="6066167"/>
+              <a:off x="4867888" y="6066161"/>
               <a:ext cx="63202" cy="63202"/>
             </a:xfrm>
             <a:custGeom>
@@ -19151,7 +19151,7 @@
           </p:nvSpPr>
           <p:spPr>
             <a:xfrm>
-              <a:off x="4924811" y="6076221"/>
+              <a:off x="4689312" y="6076200"/>
               <a:ext cx="63202" cy="63202"/>
             </a:xfrm>
             <a:custGeom>
@@ -19194,7 +19194,7 @@
           </p:nvSpPr>
           <p:spPr>
             <a:xfrm>
-              <a:off x="4720806" y="6080635"/>
+              <a:off x="4488439" y="6080594"/>
               <a:ext cx="63202" cy="63202"/>
             </a:xfrm>
             <a:custGeom>
@@ -19237,7 +19237,7 @@
           </p:nvSpPr>
           <p:spPr>
             <a:xfrm>
-              <a:off x="4938906" y="6070627"/>
+              <a:off x="4486868" y="6070637"/>
               <a:ext cx="63202" cy="63202"/>
             </a:xfrm>
             <a:custGeom>
@@ -19280,7 +19280,7 @@
           </p:nvSpPr>
           <p:spPr>
             <a:xfrm>
-              <a:off x="4857063" y="6072810"/>
+              <a:off x="5048354" y="6072791"/>
               <a:ext cx="63202" cy="63202"/>
             </a:xfrm>
             <a:custGeom>
@@ -19323,7 +19323,7 @@
           </p:nvSpPr>
           <p:spPr>
             <a:xfrm>
-              <a:off x="4643666" y="6068852"/>
+              <a:off x="5021101" y="6068813"/>
               <a:ext cx="63202" cy="63202"/>
             </a:xfrm>
             <a:custGeom>
@@ -19366,7 +19366,7 @@
           </p:nvSpPr>
           <p:spPr>
             <a:xfrm>
-              <a:off x="5120247" y="6053344"/>
+              <a:off x="4548695" y="6053303"/>
               <a:ext cx="63202" cy="63202"/>
             </a:xfrm>
             <a:custGeom>
@@ -19409,7 +19409,7 @@
           </p:nvSpPr>
           <p:spPr>
             <a:xfrm>
-              <a:off x="4620812" y="6061139"/>
+              <a:off x="5032631" y="6061119"/>
               <a:ext cx="63202" cy="63202"/>
             </a:xfrm>
             <a:custGeom>
@@ -19452,7 +19452,7 @@
           </p:nvSpPr>
           <p:spPr>
             <a:xfrm>
-              <a:off x="4527578" y="6059639"/>
+              <a:off x="4856021" y="6059611"/>
               <a:ext cx="63202" cy="63202"/>
             </a:xfrm>
             <a:custGeom>
@@ -19495,7 +19495,7 @@
           </p:nvSpPr>
           <p:spPr>
             <a:xfrm>
-              <a:off x="4941028" y="6099869"/>
+              <a:off x="4657820" y="6099854"/>
               <a:ext cx="63202" cy="63202"/>
             </a:xfrm>
             <a:custGeom>
@@ -19538,7 +19538,7 @@
           </p:nvSpPr>
           <p:spPr>
             <a:xfrm>
-              <a:off x="4754195" y="6065113"/>
+              <a:off x="5035018" y="6065082"/>
               <a:ext cx="63202" cy="63202"/>
             </a:xfrm>
             <a:custGeom>
@@ -19581,7 +19581,7 @@
           </p:nvSpPr>
           <p:spPr>
             <a:xfrm>
-              <a:off x="5136533" y="6185732"/>
+              <a:off x="4518417" y="6185734"/>
               <a:ext cx="63202" cy="63202"/>
             </a:xfrm>
             <a:custGeom>
@@ -19624,7 +19624,7 @@
           </p:nvSpPr>
           <p:spPr>
             <a:xfrm>
-              <a:off x="4864034" y="6079297"/>
+              <a:off x="4722500" y="6079314"/>
               <a:ext cx="63202" cy="63202"/>
             </a:xfrm>
             <a:custGeom>
@@ -19667,7 +19667,7 @@
           </p:nvSpPr>
           <p:spPr>
             <a:xfrm>
-              <a:off x="4796957" y="6071038"/>
+              <a:off x="5023192" y="6070994"/>
               <a:ext cx="63202" cy="63202"/>
             </a:xfrm>
             <a:custGeom>
@@ -19710,7 +19710,7 @@
           </p:nvSpPr>
           <p:spPr>
             <a:xfrm>
-              <a:off x="4932060" y="6103562"/>
+              <a:off x="4820319" y="6103554"/>
               <a:ext cx="63202" cy="63202"/>
             </a:xfrm>
             <a:custGeom>
@@ -19753,7 +19753,7 @@
           </p:nvSpPr>
           <p:spPr>
             <a:xfrm>
-              <a:off x="4535014" y="6059155"/>
+              <a:off x="5161535" y="6059144"/>
               <a:ext cx="63202" cy="63202"/>
             </a:xfrm>
             <a:custGeom>
@@ -19796,7 +19796,7 @@
           </p:nvSpPr>
           <p:spPr>
             <a:xfrm>
-              <a:off x="4968106" y="6057748"/>
+              <a:off x="4589269" y="6057747"/>
               <a:ext cx="63202" cy="63202"/>
             </a:xfrm>
             <a:custGeom>
@@ -19839,7 +19839,7 @@
           </p:nvSpPr>
           <p:spPr>
             <a:xfrm>
-              <a:off x="5557470" y="6587877"/>
+              <a:off x="5833824" y="6587838"/>
               <a:ext cx="63202" cy="63202"/>
             </a:xfrm>
             <a:custGeom>
@@ -19882,7 +19882,7 @@
           </p:nvSpPr>
           <p:spPr>
             <a:xfrm>
-              <a:off x="4922038" y="6123742"/>
+              <a:off x="4690141" y="6123709"/>
               <a:ext cx="63202" cy="63202"/>
             </a:xfrm>
             <a:custGeom>
@@ -19925,7 +19925,7 @@
           </p:nvSpPr>
           <p:spPr>
             <a:xfrm>
-              <a:off x="4747381" y="6076469"/>
+              <a:off x="4922712" y="6076429"/>
               <a:ext cx="63202" cy="63202"/>
             </a:xfrm>
             <a:custGeom>
@@ -19968,7 +19968,7 @@
           </p:nvSpPr>
           <p:spPr>
             <a:xfrm>
-              <a:off x="5035931" y="6144675"/>
+              <a:off x="5043574" y="6144642"/>
               <a:ext cx="63202" cy="63202"/>
             </a:xfrm>
             <a:custGeom>
@@ -20011,7 +20011,7 @@
           </p:nvSpPr>
           <p:spPr>
             <a:xfrm>
-              <a:off x="4990710" y="6050030"/>
+              <a:off x="5094703" y="6050038"/>
               <a:ext cx="63202" cy="63202"/>
             </a:xfrm>
             <a:custGeom>
@@ -20054,7 +20054,7 @@
           </p:nvSpPr>
           <p:spPr>
             <a:xfrm>
-              <a:off x="5000155" y="6051919"/>
+              <a:off x="4930224" y="6051924"/>
               <a:ext cx="63202" cy="63202"/>
             </a:xfrm>
             <a:custGeom>
@@ -20097,7 +20097,7 @@
           </p:nvSpPr>
           <p:spPr>
             <a:xfrm>
-              <a:off x="4920337" y="6051249"/>
+              <a:off x="5061867" y="6051218"/>
               <a:ext cx="63202" cy="63202"/>
             </a:xfrm>
             <a:custGeom>
@@ -20140,7 +20140,7 @@
           </p:nvSpPr>
           <p:spPr>
             <a:xfrm>
-              <a:off x="4907064" y="6053920"/>
+              <a:off x="5147190" y="6053896"/>
               <a:ext cx="63202" cy="63202"/>
             </a:xfrm>
             <a:custGeom>
@@ -20183,7 +20183,7 @@
           </p:nvSpPr>
           <p:spPr>
             <a:xfrm>
-              <a:off x="4656221" y="6063352"/>
+              <a:off x="4656672" y="6063353"/>
               <a:ext cx="63202" cy="63202"/>
             </a:xfrm>
             <a:custGeom>
@@ -20226,7 +20226,7 @@
           </p:nvSpPr>
           <p:spPr>
             <a:xfrm>
-              <a:off x="5112332" y="6096413"/>
+              <a:off x="4953512" y="6096421"/>
               <a:ext cx="63202" cy="63202"/>
             </a:xfrm>
             <a:custGeom>
@@ -20269,7 +20269,7 @@
           </p:nvSpPr>
           <p:spPr>
             <a:xfrm>
-              <a:off x="4630403" y="6045895"/>
+              <a:off x="5044301" y="6045892"/>
               <a:ext cx="63202" cy="63202"/>
             </a:xfrm>
             <a:custGeom>
@@ -20312,7 +20312,7 @@
           </p:nvSpPr>
           <p:spPr>
             <a:xfrm>
-              <a:off x="4960395" y="6074761"/>
+              <a:off x="4528289" y="6074756"/>
               <a:ext cx="63202" cy="63202"/>
             </a:xfrm>
             <a:custGeom>
@@ -20355,7 +20355,7 @@
           </p:nvSpPr>
           <p:spPr>
             <a:xfrm>
-              <a:off x="4850546" y="6044506"/>
+              <a:off x="5119629" y="6044481"/>
               <a:ext cx="63202" cy="63202"/>
             </a:xfrm>
             <a:custGeom>
@@ -20398,7 +20398,7 @@
           </p:nvSpPr>
           <p:spPr>
             <a:xfrm>
-              <a:off x="4902080" y="6054360"/>
+              <a:off x="4489911" y="6054336"/>
               <a:ext cx="63202" cy="63202"/>
             </a:xfrm>
             <a:custGeom>
@@ -20441,7 +20441,7 @@
           </p:nvSpPr>
           <p:spPr>
             <a:xfrm>
-              <a:off x="4987809" y="6074966"/>
+              <a:off x="5123126" y="6074953"/>
               <a:ext cx="63202" cy="63202"/>
             </a:xfrm>
             <a:custGeom>
@@ -20484,7 +20484,7 @@
           </p:nvSpPr>
           <p:spPr>
             <a:xfrm>
-              <a:off x="5048172" y="6063141"/>
+              <a:off x="4500820" y="6063109"/>
               <a:ext cx="63202" cy="63202"/>
             </a:xfrm>
             <a:custGeom>
@@ -20527,7 +20527,7 @@
           </p:nvSpPr>
           <p:spPr>
             <a:xfrm>
-              <a:off x="4550417" y="6473497"/>
+              <a:off x="4548460" y="6473504"/>
               <a:ext cx="63202" cy="63202"/>
             </a:xfrm>
             <a:custGeom>
@@ -20570,7 +20570,7 @@
           </p:nvSpPr>
           <p:spPr>
             <a:xfrm>
-              <a:off x="4680194" y="6205304"/>
+              <a:off x="4887047" y="6205317"/>
               <a:ext cx="63202" cy="63202"/>
             </a:xfrm>
             <a:custGeom>
@@ -20613,7 +20613,7 @@
           </p:nvSpPr>
           <p:spPr>
             <a:xfrm>
-              <a:off x="4901695" y="6058390"/>
+              <a:off x="4768943" y="6058342"/>
               <a:ext cx="63202" cy="63202"/>
             </a:xfrm>
             <a:custGeom>
@@ -20656,7 +20656,7 @@
           </p:nvSpPr>
           <p:spPr>
             <a:xfrm>
-              <a:off x="5142067" y="6055997"/>
+              <a:off x="5114263" y="6055983"/>
               <a:ext cx="63202" cy="63202"/>
             </a:xfrm>
             <a:custGeom>
@@ -20699,7 +20699,7 @@
           </p:nvSpPr>
           <p:spPr>
             <a:xfrm>
-              <a:off x="4969832" y="6089454"/>
+              <a:off x="5092675" y="6089450"/>
               <a:ext cx="63202" cy="63202"/>
             </a:xfrm>
             <a:custGeom>
@@ -20742,7 +20742,7 @@
           </p:nvSpPr>
           <p:spPr>
             <a:xfrm>
-              <a:off x="4866523" y="6076250"/>
+              <a:off x="4834770" y="6076243"/>
               <a:ext cx="63202" cy="63202"/>
             </a:xfrm>
             <a:custGeom>
@@ -20785,7 +20785,7 @@
           </p:nvSpPr>
           <p:spPr>
             <a:xfrm>
-              <a:off x="5083178" y="6065414"/>
+              <a:off x="4519141" y="6065392"/>
               <a:ext cx="63202" cy="63202"/>
             </a:xfrm>
             <a:custGeom>
@@ -20828,7 +20828,7 @@
           </p:nvSpPr>
           <p:spPr>
             <a:xfrm>
-              <a:off x="4562630" y="6366744"/>
+              <a:off x="4511837" y="6366719"/>
               <a:ext cx="63202" cy="63202"/>
             </a:xfrm>
             <a:custGeom>
@@ -20871,7 +20871,7 @@
           </p:nvSpPr>
           <p:spPr>
             <a:xfrm>
-              <a:off x="5072160" y="6059530"/>
+              <a:off x="4787923" y="6059511"/>
               <a:ext cx="63202" cy="63202"/>
             </a:xfrm>
             <a:custGeom>
@@ -20914,7 +20914,7 @@
           </p:nvSpPr>
           <p:spPr>
             <a:xfrm>
-              <a:off x="4695421" y="6085466"/>
+              <a:off x="4730456" y="6085478"/>
               <a:ext cx="63202" cy="63202"/>
             </a:xfrm>
             <a:custGeom>
@@ -20957,7 +20957,7 @@
           </p:nvSpPr>
           <p:spPr>
             <a:xfrm>
-              <a:off x="4634046" y="6536769"/>
+              <a:off x="5047637" y="6536756"/>
               <a:ext cx="63202" cy="63202"/>
             </a:xfrm>
             <a:custGeom>
@@ -21000,7 +21000,7 @@
           </p:nvSpPr>
           <p:spPr>
             <a:xfrm>
-              <a:off x="4860289" y="6226218"/>
+              <a:off x="4783210" y="6226207"/>
               <a:ext cx="63202" cy="63202"/>
             </a:xfrm>
             <a:custGeom>
@@ -21043,7 +21043,7 @@
           </p:nvSpPr>
           <p:spPr>
             <a:xfrm>
-              <a:off x="4483254" y="6387307"/>
+              <a:off x="5053065" y="6387310"/>
               <a:ext cx="63202" cy="63202"/>
             </a:xfrm>
             <a:custGeom>
@@ -21086,7 +21086,7 @@
           </p:nvSpPr>
           <p:spPr>
             <a:xfrm>
-              <a:off x="4565713" y="6305928"/>
+              <a:off x="5023878" y="6305911"/>
               <a:ext cx="63202" cy="63202"/>
             </a:xfrm>
             <a:custGeom>
@@ -21129,7 +21129,7 @@
           </p:nvSpPr>
           <p:spPr>
             <a:xfrm>
-              <a:off x="4977601" y="6053274"/>
+              <a:off x="5101969" y="6053287"/>
               <a:ext cx="63202" cy="63202"/>
             </a:xfrm>
             <a:custGeom>
@@ -21172,7 +21172,7 @@
           </p:nvSpPr>
           <p:spPr>
             <a:xfrm>
-              <a:off x="4629768" y="6099744"/>
+              <a:off x="4850597" y="6099705"/>
               <a:ext cx="63202" cy="63202"/>
             </a:xfrm>
             <a:custGeom>
@@ -21215,7 +21215,7 @@
           </p:nvSpPr>
           <p:spPr>
             <a:xfrm>
-              <a:off x="4765044" y="6467240"/>
+              <a:off x="4911177" y="6467217"/>
               <a:ext cx="63202" cy="63202"/>
             </a:xfrm>
             <a:custGeom>
@@ -21258,7 +21258,7 @@
           </p:nvSpPr>
           <p:spPr>
             <a:xfrm>
-              <a:off x="4742720" y="6196386"/>
+              <a:off x="4657100" y="6196363"/>
               <a:ext cx="63202" cy="63202"/>
             </a:xfrm>
             <a:custGeom>
@@ -21301,7 +21301,7 @@
           </p:nvSpPr>
           <p:spPr>
             <a:xfrm>
-              <a:off x="4568244" y="6069105"/>
+              <a:off x="4534137" y="6069072"/>
               <a:ext cx="63202" cy="63202"/>
             </a:xfrm>
             <a:custGeom>
@@ -21344,7 +21344,7 @@
           </p:nvSpPr>
           <p:spPr>
             <a:xfrm>
-              <a:off x="4683162" y="6093840"/>
+              <a:off x="5137965" y="6093836"/>
               <a:ext cx="63202" cy="63202"/>
             </a:xfrm>
             <a:custGeom>
@@ -21387,7 +21387,7 @@
           </p:nvSpPr>
           <p:spPr>
             <a:xfrm>
-              <a:off x="4917423" y="6095035"/>
+              <a:off x="4567768" y="6095028"/>
               <a:ext cx="63202" cy="63202"/>
             </a:xfrm>
             <a:custGeom>
@@ -21430,7 +21430,7 @@
           </p:nvSpPr>
           <p:spPr>
             <a:xfrm>
-              <a:off x="4741535" y="6062304"/>
+              <a:off x="4952141" y="6062279"/>
               <a:ext cx="63202" cy="63202"/>
             </a:xfrm>
             <a:custGeom>
@@ -21473,7 +21473,7 @@
           </p:nvSpPr>
           <p:spPr>
             <a:xfrm>
-              <a:off x="5108377" y="6197347"/>
+              <a:off x="4954610" y="6197355"/>
               <a:ext cx="63202" cy="63202"/>
             </a:xfrm>
             <a:custGeom>
@@ -21516,7 +21516,7 @@
           </p:nvSpPr>
           <p:spPr>
             <a:xfrm>
-              <a:off x="4748155" y="6520937"/>
+              <a:off x="4867488" y="6520915"/>
               <a:ext cx="63202" cy="63202"/>
             </a:xfrm>
             <a:custGeom>
@@ -21559,7 +21559,7 @@
           </p:nvSpPr>
           <p:spPr>
             <a:xfrm>
-              <a:off x="5024323" y="6101533"/>
+              <a:off x="4652866" y="6101519"/>
               <a:ext cx="63202" cy="63202"/>
             </a:xfrm>
             <a:custGeom>
@@ -21602,7 +21602,7 @@
           </p:nvSpPr>
           <p:spPr>
             <a:xfrm>
-              <a:off x="4587969" y="6068879"/>
+              <a:off x="4837956" y="6068899"/>
               <a:ext cx="63202" cy="63202"/>
             </a:xfrm>
             <a:custGeom>
@@ -21645,7 +21645,7 @@
           </p:nvSpPr>
           <p:spPr>
             <a:xfrm>
-              <a:off x="4930294" y="6101048"/>
+              <a:off x="4906943" y="6101003"/>
               <a:ext cx="63202" cy="63202"/>
             </a:xfrm>
             <a:custGeom>
@@ -21688,7 +21688,7 @@
           </p:nvSpPr>
           <p:spPr>
             <a:xfrm>
-              <a:off x="4536833" y="6065949"/>
+              <a:off x="4680460" y="6065927"/>
               <a:ext cx="63202" cy="63202"/>
             </a:xfrm>
             <a:custGeom>
@@ -21731,7 +21731,7 @@
           </p:nvSpPr>
           <p:spPr>
             <a:xfrm>
-              <a:off x="5089706" y="6156656"/>
+              <a:off x="5028185" y="6156632"/>
               <a:ext cx="63202" cy="63202"/>
             </a:xfrm>
             <a:custGeom>
@@ -21774,7 +21774,7 @@
           </p:nvSpPr>
           <p:spPr>
             <a:xfrm>
-              <a:off x="4934773" y="6076266"/>
+              <a:off x="4641763" y="6076239"/>
               <a:ext cx="63202" cy="63202"/>
             </a:xfrm>
             <a:custGeom>
@@ -21817,7 +21817,7 @@
           </p:nvSpPr>
           <p:spPr>
             <a:xfrm>
-              <a:off x="4976698" y="6118979"/>
+              <a:off x="4630520" y="6118966"/>
               <a:ext cx="63202" cy="63202"/>
             </a:xfrm>
             <a:custGeom>
@@ -21860,7 +21860,7 @@
           </p:nvSpPr>
           <p:spPr>
             <a:xfrm>
-              <a:off x="4706815" y="6088782"/>
+              <a:off x="5157837" y="6088761"/>
               <a:ext cx="63202" cy="63202"/>
             </a:xfrm>
             <a:custGeom>
@@ -21903,7 +21903,7 @@
           </p:nvSpPr>
           <p:spPr>
             <a:xfrm>
-              <a:off x="4529368" y="6074568"/>
+              <a:off x="4511849" y="6074561"/>
               <a:ext cx="63202" cy="63202"/>
             </a:xfrm>
             <a:custGeom>
@@ -21946,7 +21946,7 @@
           </p:nvSpPr>
           <p:spPr>
             <a:xfrm>
-              <a:off x="4606697" y="6378279"/>
+              <a:off x="5117285" y="6378269"/>
               <a:ext cx="63202" cy="63202"/>
             </a:xfrm>
             <a:custGeom>
@@ -21989,7 +21989,7 @@
           </p:nvSpPr>
           <p:spPr>
             <a:xfrm>
-              <a:off x="5164928" y="6074169"/>
+              <a:off x="5104220" y="6074157"/>
               <a:ext cx="63202" cy="63202"/>
             </a:xfrm>
             <a:custGeom>
@@ -22032,7 +22032,7 @@
           </p:nvSpPr>
           <p:spPr>
             <a:xfrm>
-              <a:off x="4963349" y="6075929"/>
+              <a:off x="4611036" y="6075913"/>
               <a:ext cx="63202" cy="63202"/>
             </a:xfrm>
             <a:custGeom>
@@ -22075,7 +22075,7 @@
           </p:nvSpPr>
           <p:spPr>
             <a:xfrm>
-              <a:off x="4537739" y="6057453"/>
+              <a:off x="5030454" y="6057445"/>
               <a:ext cx="63202" cy="63202"/>
             </a:xfrm>
             <a:custGeom>
@@ -22118,7 +22118,7 @@
           </p:nvSpPr>
           <p:spPr>
             <a:xfrm>
-              <a:off x="5115779" y="6070011"/>
+              <a:off x="4499517" y="6069993"/>
               <a:ext cx="63202" cy="63202"/>
             </a:xfrm>
             <a:custGeom>
@@ -22161,7 +22161,7 @@
           </p:nvSpPr>
           <p:spPr>
             <a:xfrm>
-              <a:off x="4642430" y="6077198"/>
+              <a:off x="4882578" y="6077153"/>
               <a:ext cx="63202" cy="63202"/>
             </a:xfrm>
             <a:custGeom>
@@ -22204,7 +22204,7 @@
           </p:nvSpPr>
           <p:spPr>
             <a:xfrm>
-              <a:off x="4776690" y="6148802"/>
+              <a:off x="4880662" y="6148775"/>
               <a:ext cx="63202" cy="63202"/>
             </a:xfrm>
             <a:custGeom>
@@ -22247,7 +22247,7 @@
           </p:nvSpPr>
           <p:spPr>
             <a:xfrm>
-              <a:off x="4724116" y="6051008"/>
+              <a:off x="4998899" y="6050989"/>
               <a:ext cx="63202" cy="63202"/>
             </a:xfrm>
             <a:custGeom>
@@ -22290,7 +22290,7 @@
           </p:nvSpPr>
           <p:spPr>
             <a:xfrm>
-              <a:off x="4611585" y="6065752"/>
+              <a:off x="4673328" y="6065743"/>
               <a:ext cx="63202" cy="63202"/>
             </a:xfrm>
             <a:custGeom>
@@ -22333,7 +22333,7 @@
           </p:nvSpPr>
           <p:spPr>
             <a:xfrm>
-              <a:off x="4599921" y="6090314"/>
+              <a:off x="4940432" y="6090316"/>
               <a:ext cx="63202" cy="63202"/>
             </a:xfrm>
             <a:custGeom>
@@ -22376,7 +22376,7 @@
           </p:nvSpPr>
           <p:spPr>
             <a:xfrm>
-              <a:off x="4715788" y="6061626"/>
+              <a:off x="4954890" y="6061598"/>
               <a:ext cx="63202" cy="63202"/>
             </a:xfrm>
             <a:custGeom>
@@ -22419,7 +22419,7 @@
           </p:nvSpPr>
           <p:spPr>
             <a:xfrm>
-              <a:off x="4470831" y="6081788"/>
+              <a:off x="4775910" y="6081793"/>
               <a:ext cx="63202" cy="63202"/>
             </a:xfrm>
             <a:custGeom>
@@ -22462,7 +22462,7 @@
           </p:nvSpPr>
           <p:spPr>
             <a:xfrm>
-              <a:off x="4939379" y="6069869"/>
+              <a:off x="4564863" y="6069867"/>
               <a:ext cx="63202" cy="63202"/>
             </a:xfrm>
             <a:custGeom>
@@ -22505,7 +22505,7 @@
           </p:nvSpPr>
           <p:spPr>
             <a:xfrm>
-              <a:off x="4610556" y="6069970"/>
+              <a:off x="4899781" y="6069944"/>
               <a:ext cx="63202" cy="63202"/>
             </a:xfrm>
             <a:custGeom>
@@ -22548,7 +22548,7 @@
           </p:nvSpPr>
           <p:spPr>
             <a:xfrm>
-              <a:off x="4932708" y="6077761"/>
+              <a:off x="5024802" y="6077749"/>
               <a:ext cx="63202" cy="63202"/>
             </a:xfrm>
             <a:custGeom>
@@ -22591,7 +22591,7 @@
           </p:nvSpPr>
           <p:spPr>
             <a:xfrm>
-              <a:off x="4982382" y="6056608"/>
+              <a:off x="4851081" y="6056597"/>
               <a:ext cx="63202" cy="63202"/>
             </a:xfrm>
             <a:custGeom>
@@ -22634,7 +22634,7 @@
           </p:nvSpPr>
           <p:spPr>
             <a:xfrm>
-              <a:off x="4619910" y="6073371"/>
+              <a:off x="4904247" y="6073333"/>
               <a:ext cx="63202" cy="63202"/>
             </a:xfrm>
             <a:custGeom>
@@ -22677,7 +22677,7 @@
           </p:nvSpPr>
           <p:spPr>
             <a:xfrm>
-              <a:off x="5139845" y="6079076"/>
+              <a:off x="4676159" y="6079060"/>
               <a:ext cx="63202" cy="63202"/>
             </a:xfrm>
             <a:custGeom>
@@ -22720,7 +22720,7 @@
           </p:nvSpPr>
           <p:spPr>
             <a:xfrm>
-              <a:off x="4572939" y="6059378"/>
+              <a:off x="4722762" y="6059362"/>
               <a:ext cx="63202" cy="63202"/>
             </a:xfrm>
             <a:custGeom>
@@ -22763,7 +22763,7 @@
           </p:nvSpPr>
           <p:spPr>
             <a:xfrm>
-              <a:off x="5159188" y="6077637"/>
+              <a:off x="4881237" y="6077625"/>
               <a:ext cx="63202" cy="63202"/>
             </a:xfrm>
             <a:custGeom>
@@ -22806,7 +22806,7 @@
           </p:nvSpPr>
           <p:spPr>
             <a:xfrm>
-              <a:off x="4593844" y="6577367"/>
+              <a:off x="4775886" y="6577327"/>
               <a:ext cx="63202" cy="63202"/>
             </a:xfrm>
             <a:custGeom>
@@ -22849,7 +22849,7 @@
           </p:nvSpPr>
           <p:spPr>
             <a:xfrm>
-              <a:off x="4658997" y="6071352"/>
+              <a:off x="5056499" y="6071348"/>
               <a:ext cx="63202" cy="63202"/>
             </a:xfrm>
             <a:custGeom>
@@ -22892,7 +22892,7 @@
           </p:nvSpPr>
           <p:spPr>
             <a:xfrm>
-              <a:off x="4612564" y="6086285"/>
+              <a:off x="4506683" y="6086285"/>
               <a:ext cx="63202" cy="63202"/>
             </a:xfrm>
             <a:custGeom>
@@ -22935,7 +22935,7 @@
           </p:nvSpPr>
           <p:spPr>
             <a:xfrm>
-              <a:off x="4652162" y="6056810"/>
+              <a:off x="5024487" y="6056813"/>
               <a:ext cx="63202" cy="63202"/>
             </a:xfrm>
             <a:custGeom>
@@ -22978,7 +22978,7 @@
           </p:nvSpPr>
           <p:spPr>
             <a:xfrm>
-              <a:off x="4815337" y="6043600"/>
+              <a:off x="4902115" y="6043560"/>
               <a:ext cx="63202" cy="63202"/>
             </a:xfrm>
             <a:custGeom>
@@ -23021,7 +23021,7 @@
           </p:nvSpPr>
           <p:spPr>
             <a:xfrm>
-              <a:off x="4632674" y="6054505"/>
+              <a:off x="4497448" y="6054480"/>
               <a:ext cx="63202" cy="63202"/>
             </a:xfrm>
             <a:custGeom>
@@ -23064,7 +23064,7 @@
           </p:nvSpPr>
           <p:spPr>
             <a:xfrm>
-              <a:off x="5061139" y="6070386"/>
+              <a:off x="4582743" y="6070373"/>
               <a:ext cx="63202" cy="63202"/>
             </a:xfrm>
             <a:custGeom>
@@ -23107,7 +23107,7 @@
           </p:nvSpPr>
           <p:spPr>
             <a:xfrm>
-              <a:off x="5027835" y="6060467"/>
+              <a:off x="4728839" y="6060427"/>
               <a:ext cx="63202" cy="63202"/>
             </a:xfrm>
             <a:custGeom>
@@ -23150,7 +23150,7 @@
           </p:nvSpPr>
           <p:spPr>
             <a:xfrm>
-              <a:off x="4694383" y="6055786"/>
+              <a:off x="5079579" y="6055782"/>
               <a:ext cx="63202" cy="63202"/>
             </a:xfrm>
             <a:custGeom>
@@ -23193,7 +23193,7 @@
           </p:nvSpPr>
           <p:spPr>
             <a:xfrm>
-              <a:off x="4884989" y="6066226"/>
+              <a:off x="4631768" y="6066228"/>
               <a:ext cx="63202" cy="63202"/>
             </a:xfrm>
             <a:custGeom>
@@ -23236,7 +23236,7 @@
           </p:nvSpPr>
           <p:spPr>
             <a:xfrm>
-              <a:off x="5025912" y="6054700"/>
+              <a:off x="4944731" y="6054657"/>
               <a:ext cx="63202" cy="63202"/>
             </a:xfrm>
             <a:custGeom>
@@ -23279,7 +23279,7 @@
           </p:nvSpPr>
           <p:spPr>
             <a:xfrm>
-              <a:off x="4716848" y="6119976"/>
+              <a:off x="5126456" y="6119961"/>
               <a:ext cx="63202" cy="63202"/>
             </a:xfrm>
             <a:custGeom>
@@ -23322,7 +23322,7 @@
           </p:nvSpPr>
           <p:spPr>
             <a:xfrm>
-              <a:off x="4800045" y="6074325"/>
+              <a:off x="5053493" y="6074314"/>
               <a:ext cx="63202" cy="63202"/>
             </a:xfrm>
             <a:custGeom>
@@ -23365,7 +23365,7 @@
           </p:nvSpPr>
           <p:spPr>
             <a:xfrm>
-              <a:off x="4612580" y="6119392"/>
+              <a:off x="4628960" y="6119390"/>
               <a:ext cx="63202" cy="63202"/>
             </a:xfrm>
             <a:custGeom>
@@ -23408,7 +23408,7 @@
           </p:nvSpPr>
           <p:spPr>
             <a:xfrm>
-              <a:off x="4940836" y="6111756"/>
+              <a:off x="5099545" y="6111726"/>
               <a:ext cx="63202" cy="63202"/>
             </a:xfrm>
             <a:custGeom>
@@ -23451,7 +23451,7 @@
           </p:nvSpPr>
           <p:spPr>
             <a:xfrm>
-              <a:off x="4811570" y="6056112"/>
+              <a:off x="4887736" y="6056063"/>
               <a:ext cx="63202" cy="63202"/>
             </a:xfrm>
             <a:custGeom>
@@ -23494,7 +23494,7 @@
           </p:nvSpPr>
           <p:spPr>
             <a:xfrm>
-              <a:off x="4689657" y="6072027"/>
+              <a:off x="4744505" y="6072024"/>
               <a:ext cx="63202" cy="63202"/>
             </a:xfrm>
             <a:custGeom>
@@ -23537,7 +23537,7 @@
           </p:nvSpPr>
           <p:spPr>
             <a:xfrm>
-              <a:off x="4693030" y="6074130"/>
+              <a:off x="4795918" y="6074129"/>
               <a:ext cx="63202" cy="63202"/>
             </a:xfrm>
             <a:custGeom>
@@ -23580,7 +23580,7 @@
           </p:nvSpPr>
           <p:spPr>
             <a:xfrm>
-              <a:off x="4536485" y="6052978"/>
+              <a:off x="4908885" y="6052981"/>
               <a:ext cx="63202" cy="63202"/>
             </a:xfrm>
             <a:custGeom>
@@ -23623,7 +23623,7 @@
           </p:nvSpPr>
           <p:spPr>
             <a:xfrm>
-              <a:off x="4555537" y="6055609"/>
+              <a:off x="4701676" y="6055592"/>
               <a:ext cx="63202" cy="63202"/>
             </a:xfrm>
             <a:custGeom>
@@ -23666,7 +23666,7 @@
           </p:nvSpPr>
           <p:spPr>
             <a:xfrm>
-              <a:off x="4559980" y="6059274"/>
+              <a:off x="5137603" y="6059273"/>
               <a:ext cx="63202" cy="63202"/>
             </a:xfrm>
             <a:custGeom>
@@ -23709,7 +23709,7 @@
           </p:nvSpPr>
           <p:spPr>
             <a:xfrm>
-              <a:off x="5133764" y="6172980"/>
+              <a:off x="4502386" y="6172984"/>
               <a:ext cx="63202" cy="63202"/>
             </a:xfrm>
             <a:custGeom>
@@ -23752,7 +23752,7 @@
           </p:nvSpPr>
           <p:spPr>
             <a:xfrm>
-              <a:off x="4921759" y="6073705"/>
+              <a:off x="4627135" y="6073676"/>
               <a:ext cx="63202" cy="63202"/>
             </a:xfrm>
             <a:custGeom>
@@ -23795,7 +23795,7 @@
           </p:nvSpPr>
           <p:spPr>
             <a:xfrm>
-              <a:off x="5104692" y="6077145"/>
+              <a:off x="4742035" y="6077107"/>
               <a:ext cx="63202" cy="63202"/>
             </a:xfrm>
             <a:custGeom>
@@ -23838,7 +23838,7 @@
           </p:nvSpPr>
           <p:spPr>
             <a:xfrm>
-              <a:off x="5063360" y="6074226"/>
+              <a:off x="5050777" y="6074209"/>
               <a:ext cx="63202" cy="63202"/>
             </a:xfrm>
             <a:custGeom>
@@ -23881,7 +23881,7 @@
           </p:nvSpPr>
           <p:spPr>
             <a:xfrm>
-              <a:off x="4685881" y="6075042"/>
+              <a:off x="4843121" y="6075047"/>
               <a:ext cx="63202" cy="63202"/>
             </a:xfrm>
             <a:custGeom>
@@ -23924,7 +23924,7 @@
           </p:nvSpPr>
           <p:spPr>
             <a:xfrm>
-              <a:off x="5148382" y="6072172"/>
+              <a:off x="4745203" y="6072184"/>
               <a:ext cx="63202" cy="63202"/>
             </a:xfrm>
             <a:custGeom>
@@ -23967,7 +23967,7 @@
           </p:nvSpPr>
           <p:spPr>
             <a:xfrm>
-              <a:off x="5165500" y="6089831"/>
+              <a:off x="5149194" y="6089828"/>
               <a:ext cx="63202" cy="63202"/>
             </a:xfrm>
             <a:custGeom>
@@ -24010,7 +24010,7 @@
           </p:nvSpPr>
           <p:spPr>
             <a:xfrm>
-              <a:off x="5073693" y="6069333"/>
+              <a:off x="5127129" y="6069299"/>
               <a:ext cx="63202" cy="63202"/>
             </a:xfrm>
             <a:custGeom>
@@ -24053,7 +24053,7 @@
           </p:nvSpPr>
           <p:spPr>
             <a:xfrm>
-              <a:off x="4609155" y="6052083"/>
+              <a:off x="4767712" y="6052066"/>
               <a:ext cx="63202" cy="63202"/>
             </a:xfrm>
             <a:custGeom>
@@ -24096,7 +24096,7 @@
           </p:nvSpPr>
           <p:spPr>
             <a:xfrm>
-              <a:off x="5093223" y="6278710"/>
+              <a:off x="4701058" y="6278688"/>
               <a:ext cx="63202" cy="63202"/>
             </a:xfrm>
             <a:custGeom>
@@ -24139,7 +24139,7 @@
           </p:nvSpPr>
           <p:spPr>
             <a:xfrm>
-              <a:off x="4815412" y="6064536"/>
+              <a:off x="4824925" y="6064503"/>
               <a:ext cx="63202" cy="63202"/>
             </a:xfrm>
             <a:custGeom>
@@ -24182,7 +24182,7 @@
           </p:nvSpPr>
           <p:spPr>
             <a:xfrm>
-              <a:off x="5017681" y="6047748"/>
+              <a:off x="4641177" y="6047736"/>
               <a:ext cx="63202" cy="63202"/>
             </a:xfrm>
             <a:custGeom>
@@ -24225,7 +24225,7 @@
           </p:nvSpPr>
           <p:spPr>
             <a:xfrm>
-              <a:off x="5077618" y="6055664"/>
+              <a:off x="4815771" y="6055638"/>
               <a:ext cx="63202" cy="63202"/>
             </a:xfrm>
             <a:custGeom>
@@ -24268,7 +24268,7 @@
           </p:nvSpPr>
           <p:spPr>
             <a:xfrm>
-              <a:off x="4724321" y="6073721"/>
+              <a:off x="4745732" y="6073722"/>
               <a:ext cx="63202" cy="63202"/>
             </a:xfrm>
             <a:custGeom>
@@ -24311,7 +24311,7 @@
           </p:nvSpPr>
           <p:spPr>
             <a:xfrm>
-              <a:off x="4506737" y="6052323"/>
+              <a:off x="4917720" y="6052319"/>
               <a:ext cx="63202" cy="63202"/>
             </a:xfrm>
             <a:custGeom>
@@ -24354,7 +24354,7 @@
           </p:nvSpPr>
           <p:spPr>
             <a:xfrm>
-              <a:off x="4934726" y="6224238"/>
+              <a:off x="4593527" y="6224206"/>
               <a:ext cx="63202" cy="63202"/>
             </a:xfrm>
             <a:custGeom>
@@ -24397,7 +24397,7 @@
           </p:nvSpPr>
           <p:spPr>
             <a:xfrm>
-              <a:off x="4864702" y="6280753"/>
+              <a:off x="4869616" y="6280722"/>
               <a:ext cx="63202" cy="63202"/>
             </a:xfrm>
             <a:custGeom>
@@ -24440,7 +24440,7 @@
           </p:nvSpPr>
           <p:spPr>
             <a:xfrm>
-              <a:off x="5140662" y="6079126"/>
+              <a:off x="4725382" y="6079118"/>
               <a:ext cx="63202" cy="63202"/>
             </a:xfrm>
             <a:custGeom>
@@ -24483,7 +24483,7 @@
           </p:nvSpPr>
           <p:spPr>
             <a:xfrm>
-              <a:off x="5023919" y="6078590"/>
+              <a:off x="4933311" y="6078582"/>
               <a:ext cx="63202" cy="63202"/>
             </a:xfrm>
             <a:custGeom>
@@ -24526,7 +24526,7 @@
           </p:nvSpPr>
           <p:spPr>
             <a:xfrm>
-              <a:off x="5071503" y="6065446"/>
+              <a:off x="4694360" y="6065449"/>
               <a:ext cx="63202" cy="63202"/>
             </a:xfrm>
             <a:custGeom>
@@ -24569,7 +24569,7 @@
           </p:nvSpPr>
           <p:spPr>
             <a:xfrm>
-              <a:off x="4733214" y="6425867"/>
+              <a:off x="4648902" y="6425837"/>
               <a:ext cx="63202" cy="63202"/>
             </a:xfrm>
             <a:custGeom>
@@ -24612,7 +24612,7 @@
           </p:nvSpPr>
           <p:spPr>
             <a:xfrm>
-              <a:off x="5050329" y="6103512"/>
+              <a:off x="4476423" y="6103476"/>
               <a:ext cx="63202" cy="63202"/>
             </a:xfrm>
             <a:custGeom>
@@ -24655,7 +24655,7 @@
           </p:nvSpPr>
           <p:spPr>
             <a:xfrm>
-              <a:off x="4978644" y="6101433"/>
+              <a:off x="4796592" y="6101408"/>
               <a:ext cx="63202" cy="63202"/>
             </a:xfrm>
             <a:custGeom>
@@ -24698,7 +24698,7 @@
           </p:nvSpPr>
           <p:spPr>
             <a:xfrm>
-              <a:off x="4813011" y="6104138"/>
+              <a:off x="4661285" y="6104136"/>
               <a:ext cx="63202" cy="63202"/>
             </a:xfrm>
             <a:custGeom>
@@ -24741,7 +24741,7 @@
           </p:nvSpPr>
           <p:spPr>
             <a:xfrm>
-              <a:off x="4635519" y="6264569"/>
+              <a:off x="4524224" y="6264532"/>
               <a:ext cx="63202" cy="63202"/>
             </a:xfrm>
             <a:custGeom>
@@ -24784,7 +24784,7 @@
           </p:nvSpPr>
           <p:spPr>
             <a:xfrm>
-              <a:off x="4860306" y="6174901"/>
+              <a:off x="4655038" y="6174890"/>
               <a:ext cx="63202" cy="63202"/>
             </a:xfrm>
             <a:custGeom>
@@ -24827,7 +24827,7 @@
           </p:nvSpPr>
           <p:spPr>
             <a:xfrm>
-              <a:off x="5131556" y="6048978"/>
+              <a:off x="4673941" y="6048943"/>
               <a:ext cx="63202" cy="63202"/>
             </a:xfrm>
             <a:custGeom>
@@ -24870,7 +24870,7 @@
           </p:nvSpPr>
           <p:spPr>
             <a:xfrm>
-              <a:off x="4870626" y="6101520"/>
+              <a:off x="4767834" y="6101524"/>
               <a:ext cx="63202" cy="63202"/>
             </a:xfrm>
             <a:custGeom>
@@ -24913,7 +24913,7 @@
           </p:nvSpPr>
           <p:spPr>
             <a:xfrm>
-              <a:off x="4912848" y="6132200"/>
+              <a:off x="5147151" y="6132178"/>
               <a:ext cx="63202" cy="63202"/>
             </a:xfrm>
             <a:custGeom>
@@ -24956,7 +24956,7 @@
           </p:nvSpPr>
           <p:spPr>
             <a:xfrm>
-              <a:off x="4700845" y="6053118"/>
+              <a:off x="5117148" y="6053130"/>
               <a:ext cx="63202" cy="63202"/>
             </a:xfrm>
             <a:custGeom>
@@ -24999,7 +24999,7 @@
           </p:nvSpPr>
           <p:spPr>
             <a:xfrm>
-              <a:off x="5005210" y="6053363"/>
+              <a:off x="4531746" y="6053376"/>
               <a:ext cx="63202" cy="63202"/>
             </a:xfrm>
             <a:custGeom>
@@ -25042,7 +25042,7 @@
           </p:nvSpPr>
           <p:spPr>
             <a:xfrm>
-              <a:off x="4601384" y="6064234"/>
+              <a:off x="5092845" y="6064209"/>
               <a:ext cx="63202" cy="63202"/>
             </a:xfrm>
             <a:custGeom>
@@ -25085,7 +25085,7 @@
           </p:nvSpPr>
           <p:spPr>
             <a:xfrm>
-              <a:off x="5096423" y="6101028"/>
+              <a:off x="4730754" y="6101030"/>
               <a:ext cx="63202" cy="63202"/>
             </a:xfrm>
             <a:custGeom>
@@ -25128,7 +25128,7 @@
           </p:nvSpPr>
           <p:spPr>
             <a:xfrm>
-              <a:off x="5014493" y="6075964"/>
+              <a:off x="4694638" y="6075962"/>
               <a:ext cx="63202" cy="63202"/>
             </a:xfrm>
             <a:custGeom>
@@ -25171,7 +25171,7 @@
           </p:nvSpPr>
           <p:spPr>
             <a:xfrm>
-              <a:off x="5073160" y="6073219"/>
+              <a:off x="4822887" y="6073201"/>
               <a:ext cx="63202" cy="63202"/>
             </a:xfrm>
             <a:custGeom>
@@ -25214,7 +25214,7 @@
           </p:nvSpPr>
           <p:spPr>
             <a:xfrm>
-              <a:off x="4711657" y="6067018"/>
+              <a:off x="4503672" y="6066973"/>
               <a:ext cx="63202" cy="63202"/>
             </a:xfrm>
             <a:custGeom>
@@ -25257,7 +25257,7 @@
           </p:nvSpPr>
           <p:spPr>
             <a:xfrm>
-              <a:off x="4982853" y="6148047"/>
+              <a:off x="5051784" y="6148043"/>
               <a:ext cx="63202" cy="63202"/>
             </a:xfrm>
             <a:custGeom>
@@ -25300,7 +25300,7 @@
           </p:nvSpPr>
           <p:spPr>
             <a:xfrm>
-              <a:off x="4480482" y="6073028"/>
+              <a:off x="5128266" y="6072983"/>
               <a:ext cx="63202" cy="63202"/>
             </a:xfrm>
             <a:custGeom>
@@ -25343,7 +25343,7 @@
           </p:nvSpPr>
           <p:spPr>
             <a:xfrm>
-              <a:off x="5037010" y="6062037"/>
+              <a:off x="4480662" y="6062026"/>
               <a:ext cx="63202" cy="63202"/>
             </a:xfrm>
             <a:custGeom>
@@ -25386,7 +25386,7 @@
           </p:nvSpPr>
           <p:spPr>
             <a:xfrm>
-              <a:off x="4664442" y="6104097"/>
+              <a:off x="5052424" y="6104080"/>
               <a:ext cx="63202" cy="63202"/>
             </a:xfrm>
             <a:custGeom>
@@ -25429,7 +25429,7 @@
           </p:nvSpPr>
           <p:spPr>
             <a:xfrm>
-              <a:off x="5049502" y="6058094"/>
+              <a:off x="4895572" y="6058060"/>
               <a:ext cx="63202" cy="63202"/>
             </a:xfrm>
             <a:custGeom>
@@ -25472,7 +25472,7 @@
           </p:nvSpPr>
           <p:spPr>
             <a:xfrm>
-              <a:off x="4672553" y="6067050"/>
+              <a:off x="4585724" y="6067044"/>
               <a:ext cx="63202" cy="63202"/>
             </a:xfrm>
             <a:custGeom>
@@ -25515,7 +25515,7 @@
           </p:nvSpPr>
           <p:spPr>
             <a:xfrm>
-              <a:off x="4494339" y="6075086"/>
+              <a:off x="5017654" y="6075069"/>
               <a:ext cx="63202" cy="63202"/>
             </a:xfrm>
             <a:custGeom>
@@ -25558,7 +25558,7 @@
           </p:nvSpPr>
           <p:spPr>
             <a:xfrm>
-              <a:off x="5595712" y="6776020"/>
+              <a:off x="5418194" y="6775994"/>
               <a:ext cx="63202" cy="63202"/>
             </a:xfrm>
             <a:custGeom>
@@ -25601,7 +25601,7 @@
           </p:nvSpPr>
           <p:spPr>
             <a:xfrm>
-              <a:off x="4621312" y="6053422"/>
+              <a:off x="5015964" y="6053407"/>
               <a:ext cx="63202" cy="63202"/>
             </a:xfrm>
             <a:custGeom>
@@ -25644,7 +25644,7 @@
           </p:nvSpPr>
           <p:spPr>
             <a:xfrm>
-              <a:off x="4941068" y="6076062"/>
+              <a:off x="4680621" y="6076060"/>
               <a:ext cx="63202" cy="63202"/>
             </a:xfrm>
             <a:custGeom>
@@ -25687,7 +25687,7 @@
           </p:nvSpPr>
           <p:spPr>
             <a:xfrm>
-              <a:off x="4585707" y="6071467"/>
+              <a:off x="5056086" y="6071432"/>
               <a:ext cx="63202" cy="63202"/>
             </a:xfrm>
             <a:custGeom>
@@ -25730,7 +25730,7 @@
           </p:nvSpPr>
           <p:spPr>
             <a:xfrm>
-              <a:off x="4515083" y="6051906"/>
+              <a:off x="4892436" y="6051895"/>
               <a:ext cx="63202" cy="63202"/>
             </a:xfrm>
             <a:custGeom>
@@ -25773,7 +25773,7 @@
           </p:nvSpPr>
           <p:spPr>
             <a:xfrm>
-              <a:off x="5085027" y="6065248"/>
+              <a:off x="4841348" y="6065259"/>
               <a:ext cx="63202" cy="63202"/>
             </a:xfrm>
             <a:custGeom>
@@ -25816,7 +25816,7 @@
           </p:nvSpPr>
           <p:spPr>
             <a:xfrm>
-              <a:off x="4582568" y="6060892"/>
+              <a:off x="4922418" y="6060885"/>
               <a:ext cx="63202" cy="63202"/>
             </a:xfrm>
             <a:custGeom>
@@ -25859,7 +25859,7 @@
           </p:nvSpPr>
           <p:spPr>
             <a:xfrm>
-              <a:off x="5002609" y="6065577"/>
+              <a:off x="4658163" y="6065585"/>
               <a:ext cx="63202" cy="63202"/>
             </a:xfrm>
             <a:custGeom>
@@ -25902,7 +25902,7 @@
           </p:nvSpPr>
           <p:spPr>
             <a:xfrm>
-              <a:off x="4605136" y="6055675"/>
+              <a:off x="5034205" y="6055634"/>
               <a:ext cx="63202" cy="63202"/>
             </a:xfrm>
             <a:custGeom>
@@ -25945,7 +25945,7 @@
           </p:nvSpPr>
           <p:spPr>
             <a:xfrm>
-              <a:off x="4522081" y="6078782"/>
+              <a:off x="4827408" y="6078756"/>
               <a:ext cx="63202" cy="63202"/>
             </a:xfrm>
             <a:custGeom>
@@ -25988,7 +25988,7 @@
           </p:nvSpPr>
           <p:spPr>
             <a:xfrm>
-              <a:off x="4753493" y="6234740"/>
+              <a:off x="5087964" y="6234730"/>
               <a:ext cx="63202" cy="63202"/>
             </a:xfrm>
             <a:custGeom>
@@ -26031,7 +26031,7 @@
           </p:nvSpPr>
           <p:spPr>
             <a:xfrm>
-              <a:off x="5038083" y="6057881"/>
+              <a:off x="4770236" y="6057864"/>
               <a:ext cx="63202" cy="63202"/>
             </a:xfrm>
             <a:custGeom>
@@ -26074,7 +26074,7 @@
           </p:nvSpPr>
           <p:spPr>
             <a:xfrm>
-              <a:off x="4918870" y="5317739"/>
+              <a:off x="5023449" y="5317751"/>
               <a:ext cx="63202" cy="63202"/>
             </a:xfrm>
             <a:custGeom>
@@ -26117,7 +26117,7 @@
           </p:nvSpPr>
           <p:spPr>
             <a:xfrm>
-              <a:off x="4538298" y="5317369"/>
+              <a:off x="5094425" y="5317369"/>
               <a:ext cx="63202" cy="63202"/>
             </a:xfrm>
             <a:custGeom>
@@ -26160,7 +26160,7 @@
           </p:nvSpPr>
           <p:spPr>
             <a:xfrm>
-              <a:off x="5085095" y="6053196"/>
+              <a:off x="4504510" y="6053158"/>
               <a:ext cx="63202" cy="63202"/>
             </a:xfrm>
             <a:custGeom>
@@ -26203,7 +26203,7 @@
           </p:nvSpPr>
           <p:spPr>
             <a:xfrm>
-              <a:off x="4802214" y="6074751"/>
+              <a:off x="5077723" y="6074749"/>
               <a:ext cx="63202" cy="63202"/>
             </a:xfrm>
             <a:custGeom>
@@ -26246,7 +26246,7 @@
           </p:nvSpPr>
           <p:spPr>
             <a:xfrm>
-              <a:off x="4610491" y="6314441"/>
+              <a:off x="4905074" y="6314423"/>
               <a:ext cx="63202" cy="63202"/>
             </a:xfrm>
             <a:custGeom>
@@ -26289,7 +26289,7 @@
           </p:nvSpPr>
           <p:spPr>
             <a:xfrm>
-              <a:off x="4511204" y="6077338"/>
+              <a:off x="5086773" y="6077326"/>
               <a:ext cx="63202" cy="63202"/>
             </a:xfrm>
             <a:custGeom>
@@ -26332,7 +26332,7 @@
           </p:nvSpPr>
           <p:spPr>
             <a:xfrm>
-              <a:off x="5007581" y="6083034"/>
+              <a:off x="4931563" y="6083052"/>
               <a:ext cx="63202" cy="63202"/>
             </a:xfrm>
             <a:custGeom>
@@ -26375,7 +26375,7 @@
           </p:nvSpPr>
           <p:spPr>
             <a:xfrm>
-              <a:off x="4978808" y="6066364"/>
+              <a:off x="4554412" y="6066343"/>
               <a:ext cx="63202" cy="63202"/>
             </a:xfrm>
             <a:custGeom>
@@ -26418,7 +26418,7 @@
           </p:nvSpPr>
           <p:spPr>
             <a:xfrm>
-              <a:off x="4954963" y="6050509"/>
+              <a:off x="4588411" y="6050511"/>
               <a:ext cx="63202" cy="63202"/>
             </a:xfrm>
             <a:custGeom>
@@ -26461,7 +26461,7 @@
           </p:nvSpPr>
           <p:spPr>
             <a:xfrm>
-              <a:off x="4642507" y="6058032"/>
+              <a:off x="4916365" y="6058011"/>
               <a:ext cx="63202" cy="63202"/>
             </a:xfrm>
             <a:custGeom>
@@ -26504,7 +26504,7 @@
           </p:nvSpPr>
           <p:spPr>
             <a:xfrm>
-              <a:off x="5151303" y="6082384"/>
+              <a:off x="4962117" y="6082338"/>
               <a:ext cx="63202" cy="63202"/>
             </a:xfrm>
             <a:custGeom>
@@ -26547,7 +26547,7 @@
           </p:nvSpPr>
           <p:spPr>
             <a:xfrm>
-              <a:off x="4925459" y="6054340"/>
+              <a:off x="4822696" y="6054332"/>
               <a:ext cx="63202" cy="63202"/>
             </a:xfrm>
             <a:custGeom>
@@ -26590,7 +26590,7 @@
           </p:nvSpPr>
           <p:spPr>
             <a:xfrm>
-              <a:off x="4979165" y="6057927"/>
+              <a:off x="4909813" y="6057906"/>
               <a:ext cx="63202" cy="63202"/>
             </a:xfrm>
             <a:custGeom>
@@ -26633,7 +26633,7 @@
           </p:nvSpPr>
           <p:spPr>
             <a:xfrm>
-              <a:off x="4900445" y="6086774"/>
+              <a:off x="4553518" y="6086756"/>
               <a:ext cx="63202" cy="63202"/>
             </a:xfrm>
             <a:custGeom>
@@ -26676,7 +26676,7 @@
           </p:nvSpPr>
           <p:spPr>
             <a:xfrm>
-              <a:off x="5054886" y="6084502"/>
+              <a:off x="4670517" y="6084471"/>
               <a:ext cx="63202" cy="63202"/>
             </a:xfrm>
             <a:custGeom>
@@ -26719,7 +26719,7 @@
           </p:nvSpPr>
           <p:spPr>
             <a:xfrm>
-              <a:off x="5085629" y="6153489"/>
+              <a:off x="4787794" y="6153481"/>
               <a:ext cx="63202" cy="63202"/>
             </a:xfrm>
             <a:custGeom>
@@ -26762,7 +26762,7 @@
           </p:nvSpPr>
           <p:spPr>
             <a:xfrm>
-              <a:off x="5033794" y="6077606"/>
+              <a:off x="4601965" y="6077601"/>
               <a:ext cx="63202" cy="63202"/>
             </a:xfrm>
             <a:custGeom>
@@ -26805,7 +26805,7 @@
           </p:nvSpPr>
           <p:spPr>
             <a:xfrm>
-              <a:off x="6378160" y="6808417"/>
+              <a:off x="6529976" y="6808404"/>
               <a:ext cx="63202" cy="63202"/>
             </a:xfrm>
             <a:custGeom>
@@ -26848,7 +26848,7 @@
           </p:nvSpPr>
           <p:spPr>
             <a:xfrm>
-              <a:off x="5134974" y="6060067"/>
+              <a:off x="5100058" y="6060057"/>
               <a:ext cx="63202" cy="63202"/>
             </a:xfrm>
             <a:custGeom>
@@ -26891,7 +26891,7 @@
           </p:nvSpPr>
           <p:spPr>
             <a:xfrm>
-              <a:off x="4706733" y="6074329"/>
+              <a:off x="4879779" y="6074295"/>
               <a:ext cx="63202" cy="63202"/>
             </a:xfrm>
             <a:custGeom>
@@ -26934,7 +26934,7 @@
           </p:nvSpPr>
           <p:spPr>
             <a:xfrm>
-              <a:off x="4969594" y="6063414"/>
+              <a:off x="4986871" y="6063402"/>
               <a:ext cx="63202" cy="63202"/>
             </a:xfrm>
             <a:custGeom>
@@ -26977,7 +26977,7 @@
           </p:nvSpPr>
           <p:spPr>
             <a:xfrm>
-              <a:off x="5130922" y="6057480"/>
+              <a:off x="5019005" y="6057485"/>
               <a:ext cx="63202" cy="63202"/>
             </a:xfrm>
             <a:custGeom>
@@ -27020,7 +27020,7 @@
           </p:nvSpPr>
           <p:spPr>
             <a:xfrm>
-              <a:off x="5098888" y="6058702"/>
+              <a:off x="4879968" y="6058717"/>
               <a:ext cx="63202" cy="63202"/>
             </a:xfrm>
             <a:custGeom>
@@ -27063,7 +27063,7 @@
           </p:nvSpPr>
           <p:spPr>
             <a:xfrm>
-              <a:off x="4742921" y="6062310"/>
+              <a:off x="5112136" y="6062282"/>
               <a:ext cx="63202" cy="63202"/>
             </a:xfrm>
             <a:custGeom>
@@ -27106,7 +27106,7 @@
           </p:nvSpPr>
           <p:spPr>
             <a:xfrm>
-              <a:off x="4597552" y="6055959"/>
+              <a:off x="4738666" y="6055926"/>
               <a:ext cx="63202" cy="63202"/>
             </a:xfrm>
             <a:custGeom>
@@ -27149,7 +27149,7 @@
           </p:nvSpPr>
           <p:spPr>
             <a:xfrm>
-              <a:off x="4483742" y="6050570"/>
+              <a:off x="4981683" y="6050572"/>
               <a:ext cx="63202" cy="63202"/>
             </a:xfrm>
             <a:custGeom>
@@ -27192,7 +27192,7 @@
           </p:nvSpPr>
           <p:spPr>
             <a:xfrm>
-              <a:off x="4923199" y="6083737"/>
+              <a:off x="5057615" y="6083710"/>
               <a:ext cx="63202" cy="63202"/>
             </a:xfrm>
             <a:custGeom>
@@ -27235,7 +27235,7 @@
           </p:nvSpPr>
           <p:spPr>
             <a:xfrm>
-              <a:off x="4635020" y="6089703"/>
+              <a:off x="4679430" y="6089688"/>
               <a:ext cx="63202" cy="63202"/>
             </a:xfrm>
             <a:custGeom>
@@ -27278,7 +27278,7 @@
           </p:nvSpPr>
           <p:spPr>
             <a:xfrm>
-              <a:off x="4841666" y="6058128"/>
+              <a:off x="5149977" y="6058135"/>
               <a:ext cx="63202" cy="63202"/>
             </a:xfrm>
             <a:custGeom>
@@ -27321,7 +27321,7 @@
           </p:nvSpPr>
           <p:spPr>
             <a:xfrm>
-              <a:off x="4501397" y="6062682"/>
+              <a:off x="4529215" y="6062688"/>
               <a:ext cx="63202" cy="63202"/>
             </a:xfrm>
             <a:custGeom>
@@ -27364,7 +27364,7 @@
           </p:nvSpPr>
           <p:spPr>
             <a:xfrm>
-              <a:off x="4768444" y="6063518"/>
+              <a:off x="5042095" y="6063492"/>
               <a:ext cx="63202" cy="63202"/>
             </a:xfrm>
             <a:custGeom>
@@ -27407,7 +27407,7 @@
           </p:nvSpPr>
           <p:spPr>
             <a:xfrm>
-              <a:off x="5072596" y="6074309"/>
+              <a:off x="4784663" y="6074307"/>
               <a:ext cx="63202" cy="63202"/>
             </a:xfrm>
             <a:custGeom>
@@ -27450,7 +27450,7 @@
           </p:nvSpPr>
           <p:spPr>
             <a:xfrm>
-              <a:off x="4487759" y="6045894"/>
+              <a:off x="4600476" y="6045901"/>
               <a:ext cx="63202" cy="63202"/>
             </a:xfrm>
             <a:custGeom>
@@ -27493,7 +27493,7 @@
           </p:nvSpPr>
           <p:spPr>
             <a:xfrm>
-              <a:off x="4901001" y="6093504"/>
+              <a:off x="4946951" y="6093525"/>
               <a:ext cx="63202" cy="63202"/>
             </a:xfrm>
             <a:custGeom>
@@ -27536,7 +27536,7 @@
           </p:nvSpPr>
           <p:spPr>
             <a:xfrm>
-              <a:off x="4809199" y="6057487"/>
+              <a:off x="5051178" y="6057502"/>
               <a:ext cx="63202" cy="63202"/>
             </a:xfrm>
             <a:custGeom>
@@ -27579,7 +27579,7 @@
           </p:nvSpPr>
           <p:spPr>
             <a:xfrm>
-              <a:off x="4839055" y="6049294"/>
+              <a:off x="4557018" y="6049277"/>
               <a:ext cx="63202" cy="63202"/>
             </a:xfrm>
             <a:custGeom>
@@ -27622,7 +27622,7 @@
           </p:nvSpPr>
           <p:spPr>
             <a:xfrm>
-              <a:off x="5097399" y="6161637"/>
+              <a:off x="4732884" y="6161627"/>
               <a:ext cx="63202" cy="63202"/>
             </a:xfrm>
             <a:custGeom>
@@ -27665,7 +27665,7 @@
           </p:nvSpPr>
           <p:spPr>
             <a:xfrm>
-              <a:off x="4933956" y="6088993"/>
+              <a:off x="4525563" y="6088987"/>
               <a:ext cx="63202" cy="63202"/>
             </a:xfrm>
             <a:custGeom>
@@ -27708,7 +27708,7 @@
           </p:nvSpPr>
           <p:spPr>
             <a:xfrm>
-              <a:off x="4474922" y="6049263"/>
+              <a:off x="4939471" y="6049263"/>
               <a:ext cx="63202" cy="63202"/>
             </a:xfrm>
             <a:custGeom>
@@ -27751,7 +27751,7 @@
           </p:nvSpPr>
           <p:spPr>
             <a:xfrm>
-              <a:off x="4764425" y="6054578"/>
+              <a:off x="4925581" y="6054578"/>
               <a:ext cx="63202" cy="63202"/>
             </a:xfrm>
             <a:custGeom>
@@ -27794,7 +27794,7 @@
           </p:nvSpPr>
           <p:spPr>
             <a:xfrm>
-              <a:off x="4676306" y="6059145"/>
+              <a:off x="4580859" y="6059122"/>
               <a:ext cx="63202" cy="63202"/>
             </a:xfrm>
             <a:custGeom>
@@ -27837,7 +27837,7 @@
           </p:nvSpPr>
           <p:spPr>
             <a:xfrm>
-              <a:off x="5104259" y="6071577"/>
+              <a:off x="4910330" y="6071555"/>
               <a:ext cx="63202" cy="63202"/>
             </a:xfrm>
             <a:custGeom>
@@ -27880,7 +27880,7 @@
           </p:nvSpPr>
           <p:spPr>
             <a:xfrm>
-              <a:off x="4506622" y="6073604"/>
+              <a:off x="4810782" y="6073592"/>
               <a:ext cx="63202" cy="63202"/>
             </a:xfrm>
             <a:custGeom>
@@ -27923,7 +27923,7 @@
           </p:nvSpPr>
           <p:spPr>
             <a:xfrm>
-              <a:off x="4929727" y="6043396"/>
+              <a:off x="4711815" y="6043390"/>
               <a:ext cx="63202" cy="63202"/>
             </a:xfrm>
             <a:custGeom>
@@ -27966,7 +27966,7 @@
           </p:nvSpPr>
           <p:spPr>
             <a:xfrm>
-              <a:off x="4585799" y="6061654"/>
+              <a:off x="4493314" y="6061660"/>
               <a:ext cx="63202" cy="63202"/>
             </a:xfrm>
             <a:custGeom>
@@ -28009,7 +28009,7 @@
           </p:nvSpPr>
           <p:spPr>
             <a:xfrm>
-              <a:off x="4695747" y="6065707"/>
+              <a:off x="4523689" y="6065676"/>
               <a:ext cx="63202" cy="63202"/>
             </a:xfrm>
             <a:custGeom>
@@ -28052,7 +28052,7 @@
           </p:nvSpPr>
           <p:spPr>
             <a:xfrm>
-              <a:off x="4630102" y="6103084"/>
+              <a:off x="4710894" y="6103041"/>
               <a:ext cx="63202" cy="63202"/>
             </a:xfrm>
             <a:custGeom>
@@ -28095,7 +28095,7 @@
           </p:nvSpPr>
           <p:spPr>
             <a:xfrm>
-              <a:off x="5150341" y="6053040"/>
+              <a:off x="5068685" y="6053045"/>
               <a:ext cx="63202" cy="63202"/>
             </a:xfrm>
             <a:custGeom>
@@ -28138,7 +28138,7 @@
           </p:nvSpPr>
           <p:spPr>
             <a:xfrm>
-              <a:off x="5122961" y="6053929"/>
+              <a:off x="4606362" y="6053887"/>
               <a:ext cx="63202" cy="63202"/>
             </a:xfrm>
             <a:custGeom>
@@ -28181,7 +28181,7 @@
           </p:nvSpPr>
           <p:spPr>
             <a:xfrm>
-              <a:off x="5156132" y="6096617"/>
+              <a:off x="5148256" y="6096611"/>
               <a:ext cx="63202" cy="63202"/>
             </a:xfrm>
             <a:custGeom>
@@ -28224,7 +28224,7 @@
           </p:nvSpPr>
           <p:spPr>
             <a:xfrm>
-              <a:off x="4888634" y="6059042"/>
+              <a:off x="5023257" y="6059055"/>
               <a:ext cx="63202" cy="63202"/>
             </a:xfrm>
             <a:custGeom>
@@ -28267,7 +28267,7 @@
           </p:nvSpPr>
           <p:spPr>
             <a:xfrm>
-              <a:off x="4588103" y="6062692"/>
+              <a:off x="4989569" y="6062690"/>
               <a:ext cx="63202" cy="63202"/>
             </a:xfrm>
             <a:custGeom>
@@ -28310,7 +28310,7 @@
           </p:nvSpPr>
           <p:spPr>
             <a:xfrm>
-              <a:off x="4543405" y="6071026"/>
+              <a:off x="5081316" y="6070996"/>
               <a:ext cx="63202" cy="63202"/>
             </a:xfrm>
             <a:custGeom>
@@ -28353,7 +28353,7 @@
           </p:nvSpPr>
           <p:spPr>
             <a:xfrm>
-              <a:off x="4637151" y="6066757"/>
+              <a:off x="4994644" y="6066743"/>
               <a:ext cx="63202" cy="63202"/>
             </a:xfrm>
             <a:custGeom>
@@ -28396,7 +28396,7 @@
           </p:nvSpPr>
           <p:spPr>
             <a:xfrm>
-              <a:off x="5037352" y="6068494"/>
+              <a:off x="5101773" y="6068481"/>
               <a:ext cx="63202" cy="63202"/>
             </a:xfrm>
             <a:custGeom>
@@ -28439,7 +28439,7 @@
           </p:nvSpPr>
           <p:spPr>
             <a:xfrm>
-              <a:off x="4604775" y="6075921"/>
+              <a:off x="4841647" y="6075898"/>
               <a:ext cx="63202" cy="63202"/>
             </a:xfrm>
             <a:custGeom>
@@ -28482,7 +28482,7 @@
           </p:nvSpPr>
           <p:spPr>
             <a:xfrm>
-              <a:off x="5147530" y="6073730"/>
+              <a:off x="4569389" y="6073744"/>
               <a:ext cx="63202" cy="63202"/>
             </a:xfrm>
             <a:custGeom>
@@ -28525,7 +28525,7 @@
           </p:nvSpPr>
           <p:spPr>
             <a:xfrm>
-              <a:off x="4876983" y="6065320"/>
+              <a:off x="4590331" y="6065307"/>
               <a:ext cx="63202" cy="63202"/>
             </a:xfrm>
             <a:custGeom>
@@ -28568,7 +28568,7 @@
           </p:nvSpPr>
           <p:spPr>
             <a:xfrm>
-              <a:off x="4978244" y="6074165"/>
+              <a:off x="4749632" y="6074170"/>
               <a:ext cx="63202" cy="63202"/>
             </a:xfrm>
             <a:custGeom>
@@ -28611,7 +28611,7 @@
           </p:nvSpPr>
           <p:spPr>
             <a:xfrm>
-              <a:off x="5026051" y="6074621"/>
+              <a:off x="5082576" y="6074606"/>
               <a:ext cx="63202" cy="63202"/>
             </a:xfrm>
             <a:custGeom>
@@ -28654,7 +28654,7 @@
           </p:nvSpPr>
           <p:spPr>
             <a:xfrm>
-              <a:off x="4481685" y="6429002"/>
+              <a:off x="4850521" y="6428977"/>
               <a:ext cx="63202" cy="63202"/>
             </a:xfrm>
             <a:custGeom>
@@ -28697,7 +28697,7 @@
           </p:nvSpPr>
           <p:spPr>
             <a:xfrm>
-              <a:off x="4843311" y="6073025"/>
+              <a:off x="5107544" y="6072989"/>
               <a:ext cx="63202" cy="63202"/>
             </a:xfrm>
             <a:custGeom>
@@ -28740,7 +28740,7 @@
           </p:nvSpPr>
           <p:spPr>
             <a:xfrm>
-              <a:off x="4650050" y="6063066"/>
+              <a:off x="4532807" y="6063046"/>
               <a:ext cx="63202" cy="63202"/>
             </a:xfrm>
             <a:custGeom>
@@ -28783,7 +28783,7 @@
           </p:nvSpPr>
           <p:spPr>
             <a:xfrm>
-              <a:off x="4483293" y="6091399"/>
+              <a:off x="4713803" y="6091392"/>
               <a:ext cx="63202" cy="63202"/>
             </a:xfrm>
             <a:custGeom>
@@ -28826,7 +28826,7 @@
           </p:nvSpPr>
           <p:spPr>
             <a:xfrm>
-              <a:off x="4533073" y="6073480"/>
+              <a:off x="4748770" y="6073475"/>
               <a:ext cx="63202" cy="63202"/>
             </a:xfrm>
             <a:custGeom>
@@ -28869,7 +28869,7 @@
           </p:nvSpPr>
           <p:spPr>
             <a:xfrm>
-              <a:off x="4515090" y="6071936"/>
+              <a:off x="4718643" y="6071953"/>
               <a:ext cx="63202" cy="63202"/>
             </a:xfrm>
             <a:custGeom>
@@ -28912,7 +28912,7 @@
           </p:nvSpPr>
           <p:spPr>
             <a:xfrm>
-              <a:off x="4777511" y="6058770"/>
+              <a:off x="4918446" y="6058738"/>
               <a:ext cx="63202" cy="63202"/>
             </a:xfrm>
             <a:custGeom>
@@ -28955,7 +28955,7 @@
           </p:nvSpPr>
           <p:spPr>
             <a:xfrm>
-              <a:off x="5047514" y="6059008"/>
+              <a:off x="4922358" y="6058984"/>
               <a:ext cx="63202" cy="63202"/>
             </a:xfrm>
             <a:custGeom>
@@ -28998,7 +28998,7 @@
           </p:nvSpPr>
           <p:spPr>
             <a:xfrm>
-              <a:off x="4776887" y="6059242"/>
+              <a:off x="4605551" y="6059249"/>
               <a:ext cx="63202" cy="63202"/>
             </a:xfrm>
             <a:custGeom>
@@ -29041,7 +29041,7 @@
           </p:nvSpPr>
           <p:spPr>
             <a:xfrm>
-              <a:off x="5113884" y="6549011"/>
+              <a:off x="4549045" y="6548961"/>
               <a:ext cx="63202" cy="63202"/>
             </a:xfrm>
             <a:custGeom>
@@ -29084,7 +29084,7 @@
           </p:nvSpPr>
           <p:spPr>
             <a:xfrm>
-              <a:off x="5028981" y="6382093"/>
+              <a:off x="4677982" y="6382038"/>
               <a:ext cx="63202" cy="63202"/>
             </a:xfrm>
             <a:custGeom>
@@ -29127,7 +29127,7 @@
           </p:nvSpPr>
           <p:spPr>
             <a:xfrm>
-              <a:off x="4520162" y="6144945"/>
+              <a:off x="4560559" y="6144944"/>
               <a:ext cx="63202" cy="63202"/>
             </a:xfrm>
             <a:custGeom>
@@ -29170,7 +29170,7 @@
           </p:nvSpPr>
           <p:spPr>
             <a:xfrm>
-              <a:off x="4483217" y="6355027"/>
+              <a:off x="5003488" y="6354988"/>
               <a:ext cx="63202" cy="63202"/>
             </a:xfrm>
             <a:custGeom>
@@ -29213,7 +29213,7 @@
           </p:nvSpPr>
           <p:spPr>
             <a:xfrm>
-              <a:off x="4628344" y="6064026"/>
+              <a:off x="4602201" y="6064016"/>
               <a:ext cx="63202" cy="63202"/>
             </a:xfrm>
             <a:custGeom>
@@ -29256,7 +29256,7 @@
           </p:nvSpPr>
           <p:spPr>
             <a:xfrm>
-              <a:off x="5818728" y="6581326"/>
+              <a:off x="5476752" y="6581299"/>
               <a:ext cx="63202" cy="63202"/>
             </a:xfrm>
             <a:custGeom>
@@ -29299,7 +29299,7 @@
           </p:nvSpPr>
           <p:spPr>
             <a:xfrm>
-              <a:off x="4728033" y="6278849"/>
+              <a:off x="4734276" y="6278851"/>
               <a:ext cx="63202" cy="63202"/>
             </a:xfrm>
             <a:custGeom>
@@ -29342,7 +29342,7 @@
           </p:nvSpPr>
           <p:spPr>
             <a:xfrm>
-              <a:off x="4559473" y="6063279"/>
+              <a:off x="4658980" y="6063244"/>
               <a:ext cx="63202" cy="63202"/>
             </a:xfrm>
             <a:custGeom>
@@ -29385,7 +29385,7 @@
           </p:nvSpPr>
           <p:spPr>
             <a:xfrm>
-              <a:off x="5032280" y="6052160"/>
+              <a:off x="4520674" y="6052140"/>
               <a:ext cx="63202" cy="63202"/>
             </a:xfrm>
             <a:custGeom>
@@ -29428,7 +29428,7 @@
           </p:nvSpPr>
           <p:spPr>
             <a:xfrm>
-              <a:off x="5036347" y="6086068"/>
+              <a:off x="4682735" y="6086043"/>
               <a:ext cx="63202" cy="63202"/>
             </a:xfrm>
             <a:custGeom>
@@ -29471,7 +29471,7 @@
           </p:nvSpPr>
           <p:spPr>
             <a:xfrm>
-              <a:off x="4856598" y="6054545"/>
+              <a:off x="4677147" y="6054525"/>
               <a:ext cx="63202" cy="63202"/>
             </a:xfrm>
             <a:custGeom>
@@ -29514,7 +29514,7 @@
           </p:nvSpPr>
           <p:spPr>
             <a:xfrm>
-              <a:off x="5167527" y="6066662"/>
+              <a:off x="5063867" y="6066653"/>
               <a:ext cx="63202" cy="63202"/>
             </a:xfrm>
             <a:custGeom>
@@ -29557,7 +29557,7 @@
           </p:nvSpPr>
           <p:spPr>
             <a:xfrm>
-              <a:off x="4960770" y="6059351"/>
+              <a:off x="5057443" y="6059336"/>
               <a:ext cx="63202" cy="63202"/>
             </a:xfrm>
             <a:custGeom>
@@ -29600,7 +29600,7 @@
           </p:nvSpPr>
           <p:spPr>
             <a:xfrm>
-              <a:off x="4869234" y="6119600"/>
+              <a:off x="4593659" y="6119597"/>
               <a:ext cx="63202" cy="63202"/>
             </a:xfrm>
             <a:custGeom>
@@ -29643,7 +29643,7 @@
           </p:nvSpPr>
           <p:spPr>
             <a:xfrm>
-              <a:off x="4836231" y="6056591"/>
+              <a:off x="4798682" y="6056577"/>
               <a:ext cx="63202" cy="63202"/>
             </a:xfrm>
             <a:custGeom>
@@ -29686,7 +29686,7 @@
           </p:nvSpPr>
           <p:spPr>
             <a:xfrm>
-              <a:off x="4563403" y="6100659"/>
+              <a:off x="4696719" y="6100628"/>
               <a:ext cx="63202" cy="63202"/>
             </a:xfrm>
             <a:custGeom>
@@ -29729,7 +29729,7 @@
           </p:nvSpPr>
           <p:spPr>
             <a:xfrm>
-              <a:off x="4723202" y="6059549"/>
+              <a:off x="4947031" y="6059512"/>
               <a:ext cx="63202" cy="63202"/>
             </a:xfrm>
             <a:custGeom>
@@ -29772,7 +29772,7 @@
           </p:nvSpPr>
           <p:spPr>
             <a:xfrm>
-              <a:off x="4820202" y="6067629"/>
+              <a:off x="4475086" y="6067610"/>
               <a:ext cx="63202" cy="63202"/>
             </a:xfrm>
             <a:custGeom>
@@ -29815,7 +29815,7 @@
           </p:nvSpPr>
           <p:spPr>
             <a:xfrm>
-              <a:off x="4679679" y="6043236"/>
+              <a:off x="4911191" y="6043228"/>
               <a:ext cx="63202" cy="63202"/>
             </a:xfrm>
             <a:custGeom>
@@ -29858,7 +29858,7 @@
           </p:nvSpPr>
           <p:spPr>
             <a:xfrm>
-              <a:off x="5132115" y="6071803"/>
+              <a:off x="5030013" y="6071797"/>
               <a:ext cx="63202" cy="63202"/>
             </a:xfrm>
             <a:custGeom>
@@ -29901,7 +29901,7 @@
           </p:nvSpPr>
           <p:spPr>
             <a:xfrm>
-              <a:off x="5019772" y="6072190"/>
+              <a:off x="5102042" y="6072182"/>
               <a:ext cx="63202" cy="63202"/>
             </a:xfrm>
             <a:custGeom>
@@ -29944,7 +29944,7 @@
           </p:nvSpPr>
           <p:spPr>
             <a:xfrm>
-              <a:off x="4902202" y="6071423"/>
+              <a:off x="4654293" y="6071393"/>
               <a:ext cx="63202" cy="63202"/>
             </a:xfrm>
             <a:custGeom>
@@ -29987,7 +29987,7 @@
           </p:nvSpPr>
           <p:spPr>
             <a:xfrm>
-              <a:off x="4915790" y="6071355"/>
+              <a:off x="4732644" y="6071353"/>
               <a:ext cx="63202" cy="63202"/>
             </a:xfrm>
             <a:custGeom>
@@ -30030,7 +30030,7 @@
           </p:nvSpPr>
           <p:spPr>
             <a:xfrm>
-              <a:off x="5167035" y="6070426"/>
+              <a:off x="5094138" y="6070447"/>
               <a:ext cx="63202" cy="63202"/>
             </a:xfrm>
             <a:custGeom>
@@ -30073,7 +30073,7 @@
           </p:nvSpPr>
           <p:spPr>
             <a:xfrm>
-              <a:off x="4733086" y="6077995"/>
+              <a:off x="4870192" y="6078001"/>
               <a:ext cx="63202" cy="63202"/>
             </a:xfrm>
             <a:custGeom>
@@ -30116,7 +30116,7 @@
           </p:nvSpPr>
           <p:spPr>
             <a:xfrm>
-              <a:off x="4983819" y="6137886"/>
+              <a:off x="4481246" y="6137875"/>
               <a:ext cx="63202" cy="63202"/>
             </a:xfrm>
             <a:custGeom>
@@ -30159,7 +30159,7 @@
           </p:nvSpPr>
           <p:spPr>
             <a:xfrm>
-              <a:off x="4469842" y="6065197"/>
+              <a:off x="4494282" y="6065210"/>
               <a:ext cx="63202" cy="63202"/>
             </a:xfrm>
             <a:custGeom>
@@ -30202,7 +30202,7 @@
           </p:nvSpPr>
           <p:spPr>
             <a:xfrm>
-              <a:off x="4743784" y="6059140"/>
+              <a:off x="4636208" y="6059134"/>
               <a:ext cx="63202" cy="63202"/>
             </a:xfrm>
             <a:custGeom>
@@ -30245,7 +30245,7 @@
           </p:nvSpPr>
           <p:spPr>
             <a:xfrm>
-              <a:off x="5114205" y="6184414"/>
+              <a:off x="4500442" y="6184398"/>
               <a:ext cx="63202" cy="63202"/>
             </a:xfrm>
             <a:custGeom>
@@ -30288,7 +30288,7 @@
           </p:nvSpPr>
           <p:spPr>
             <a:xfrm>
-              <a:off x="5037372" y="6106696"/>
+              <a:off x="4716250" y="6106694"/>
               <a:ext cx="63202" cy="63202"/>
             </a:xfrm>
             <a:custGeom>
@@ -30331,7 +30331,7 @@
           </p:nvSpPr>
           <p:spPr>
             <a:xfrm>
-              <a:off x="4537747" y="6069313"/>
+              <a:off x="5061414" y="6069320"/>
               <a:ext cx="63202" cy="63202"/>
             </a:xfrm>
             <a:custGeom>
@@ -30374,7 +30374,7 @@
           </p:nvSpPr>
           <p:spPr>
             <a:xfrm>
-              <a:off x="4913929" y="6052988"/>
+              <a:off x="4944653" y="6052973"/>
               <a:ext cx="63202" cy="63202"/>
             </a:xfrm>
             <a:custGeom>
@@ -30417,7 +30417,7 @@
           </p:nvSpPr>
           <p:spPr>
             <a:xfrm>
-              <a:off x="4503011" y="6063917"/>
+              <a:off x="4808952" y="6063902"/>
               <a:ext cx="63202" cy="63202"/>
             </a:xfrm>
             <a:custGeom>
@@ -30460,7 +30460,7 @@
           </p:nvSpPr>
           <p:spPr>
             <a:xfrm>
-              <a:off x="4586421" y="6143855"/>
+              <a:off x="5141186" y="6143830"/>
               <a:ext cx="63202" cy="63202"/>
             </a:xfrm>
             <a:custGeom>
@@ -30503,7 +30503,7 @@
           </p:nvSpPr>
           <p:spPr>
             <a:xfrm>
-              <a:off x="4737527" y="6078378"/>
+              <a:off x="4939081" y="6078367"/>
               <a:ext cx="63202" cy="63202"/>
             </a:xfrm>
             <a:custGeom>
@@ -30546,7 +30546,7 @@
           </p:nvSpPr>
           <p:spPr>
             <a:xfrm>
-              <a:off x="5058327" y="6119595"/>
+              <a:off x="4924357" y="6119592"/>
               <a:ext cx="63202" cy="63202"/>
             </a:xfrm>
             <a:custGeom>
@@ -30589,7 +30589,7 @@
           </p:nvSpPr>
           <p:spPr>
             <a:xfrm>
-              <a:off x="4933040" y="6076888"/>
+              <a:off x="5151840" y="6076874"/>
               <a:ext cx="63202" cy="63202"/>
             </a:xfrm>
             <a:custGeom>
@@ -30688,7 +30688,7 @@
           </p:nvSpPr>
           <p:spPr>
             <a:xfrm>
-              <a:off x="7192078" y="2797365"/>
+              <a:off x="7192078" y="2797343"/>
               <a:ext cx="2796732" cy="0"/>
             </a:xfrm>
             <a:custGeom>
@@ -30731,7 +30731,7 @@
           </p:nvSpPr>
           <p:spPr>
             <a:xfrm>
-              <a:off x="7192078" y="2312561"/>
+              <a:off x="7192078" y="2312548"/>
               <a:ext cx="2796732" cy="0"/>
             </a:xfrm>
             <a:custGeom>
@@ -30774,7 +30774,7 @@
           </p:nvSpPr>
           <p:spPr>
             <a:xfrm>
-              <a:off x="7192078" y="1827758"/>
+              <a:off x="7192078" y="1827754"/>
               <a:ext cx="2796732" cy="0"/>
             </a:xfrm>
             <a:custGeom>
@@ -30817,7 +30817,7 @@
           </p:nvSpPr>
           <p:spPr>
             <a:xfrm>
-              <a:off x="7192078" y="3039766"/>
+              <a:off x="7192078" y="3039740"/>
               <a:ext cx="2796732" cy="0"/>
             </a:xfrm>
             <a:custGeom>
@@ -30860,7 +30860,7 @@
           </p:nvSpPr>
           <p:spPr>
             <a:xfrm>
-              <a:off x="7192078" y="2554963"/>
+              <a:off x="7192078" y="2554946"/>
               <a:ext cx="2796732" cy="0"/>
             </a:xfrm>
             <a:custGeom>
@@ -30903,7 +30903,7 @@
           </p:nvSpPr>
           <p:spPr>
             <a:xfrm>
-              <a:off x="7192078" y="2070160"/>
+              <a:off x="7192078" y="2070151"/>
               <a:ext cx="2796732" cy="0"/>
             </a:xfrm>
             <a:custGeom>
@@ -31118,7 +31118,7 @@
           </p:nvSpPr>
           <p:spPr>
             <a:xfrm>
-              <a:off x="7694151" y="2559221"/>
+              <a:off x="7675958" y="2559208"/>
               <a:ext cx="63202" cy="63202"/>
             </a:xfrm>
             <a:custGeom>
@@ -31161,7 +31161,7 @@
           </p:nvSpPr>
           <p:spPr>
             <a:xfrm>
-              <a:off x="7661506" y="2661739"/>
+              <a:off x="7822614" y="2661687"/>
               <a:ext cx="63202" cy="63202"/>
             </a:xfrm>
             <a:custGeom>
@@ -31204,7 +31204,7 @@
           </p:nvSpPr>
           <p:spPr>
             <a:xfrm>
-              <a:off x="7694148" y="2520649"/>
+              <a:off x="7985755" y="2520648"/>
               <a:ext cx="63202" cy="63202"/>
             </a:xfrm>
             <a:custGeom>
@@ -31247,7 +31247,7 @@
           </p:nvSpPr>
           <p:spPr>
             <a:xfrm>
-              <a:off x="7753303" y="2581018"/>
+              <a:off x="7356090" y="2581002"/>
               <a:ext cx="63202" cy="63202"/>
             </a:xfrm>
             <a:custGeom>
@@ -31290,7 +31290,7 @@
           </p:nvSpPr>
           <p:spPr>
             <a:xfrm>
-              <a:off x="7979783" y="2543998"/>
+              <a:off x="7912012" y="2544011"/>
               <a:ext cx="63202" cy="63202"/>
             </a:xfrm>
             <a:custGeom>
@@ -31333,7 +31333,7 @@
           </p:nvSpPr>
           <p:spPr>
             <a:xfrm>
-              <a:off x="7385989" y="2349934"/>
+              <a:off x="7707200" y="2349923"/>
               <a:ext cx="63202" cy="63202"/>
             </a:xfrm>
             <a:custGeom>
@@ -31376,7 +31376,7 @@
           </p:nvSpPr>
           <p:spPr>
             <a:xfrm>
-              <a:off x="7399656" y="2643048"/>
+              <a:off x="7914747" y="2643052"/>
               <a:ext cx="63202" cy="63202"/>
             </a:xfrm>
             <a:custGeom>
@@ -31419,7 +31419,7 @@
           </p:nvSpPr>
           <p:spPr>
             <a:xfrm>
-              <a:off x="7940713" y="2662924"/>
+              <a:off x="7851509" y="2662923"/>
               <a:ext cx="63202" cy="63202"/>
             </a:xfrm>
             <a:custGeom>
@@ -31462,7 +31462,7 @@
           </p:nvSpPr>
           <p:spPr>
             <a:xfrm>
-              <a:off x="7954479" y="2543840"/>
+              <a:off x="7506245" y="2543816"/>
               <a:ext cx="63202" cy="63202"/>
             </a:xfrm>
             <a:custGeom>
@@ -31505,7 +31505,7 @@
           </p:nvSpPr>
           <p:spPr>
             <a:xfrm>
-              <a:off x="7846037" y="2554736"/>
+              <a:off x="7629834" y="2554715"/>
               <a:ext cx="63202" cy="63202"/>
             </a:xfrm>
             <a:custGeom>
@@ -31548,7 +31548,7 @@
           </p:nvSpPr>
           <p:spPr>
             <a:xfrm>
-              <a:off x="7596288" y="2643257"/>
+              <a:off x="7549520" y="2643232"/>
               <a:ext cx="63202" cy="63202"/>
             </a:xfrm>
             <a:custGeom>
@@ -31591,7 +31591,7 @@
           </p:nvSpPr>
           <p:spPr>
             <a:xfrm>
-              <a:off x="7569545" y="2790865"/>
+              <a:off x="7935698" y="2790872"/>
               <a:ext cx="63202" cy="63202"/>
             </a:xfrm>
             <a:custGeom>
@@ -31634,7 +31634,7 @@
           </p:nvSpPr>
           <p:spPr>
             <a:xfrm>
-              <a:off x="7404393" y="2693934"/>
+              <a:off x="7558623" y="2693885"/>
               <a:ext cx="63202" cy="63202"/>
             </a:xfrm>
             <a:custGeom>
@@ -31677,7 +31677,7 @@
           </p:nvSpPr>
           <p:spPr>
             <a:xfrm>
-              <a:off x="7583491" y="2649213"/>
+              <a:off x="7427873" y="2649184"/>
               <a:ext cx="63202" cy="63202"/>
             </a:xfrm>
             <a:custGeom>
@@ -31720,7 +31720,7 @@
           </p:nvSpPr>
           <p:spPr>
             <a:xfrm>
-              <a:off x="7557811" y="2645130"/>
+              <a:off x="7490671" y="2645136"/>
               <a:ext cx="63202" cy="63202"/>
             </a:xfrm>
             <a:custGeom>
@@ -31763,7 +31763,7 @@
           </p:nvSpPr>
           <p:spPr>
             <a:xfrm>
-              <a:off x="7392273" y="2760412"/>
+              <a:off x="7901253" y="2760423"/>
               <a:ext cx="63202" cy="63202"/>
             </a:xfrm>
             <a:custGeom>
@@ -31806,7 +31806,7 @@
           </p:nvSpPr>
           <p:spPr>
             <a:xfrm>
-              <a:off x="7485155" y="2650154"/>
+              <a:off x="7359364" y="2650105"/>
               <a:ext cx="63202" cy="63202"/>
             </a:xfrm>
             <a:custGeom>
@@ -31849,7 +31849,7 @@
           </p:nvSpPr>
           <p:spPr>
             <a:xfrm>
-              <a:off x="7819519" y="2579301"/>
+              <a:off x="7612887" y="2579298"/>
               <a:ext cx="63202" cy="63202"/>
             </a:xfrm>
             <a:custGeom>
@@ -31892,7 +31892,7 @@
           </p:nvSpPr>
           <p:spPr>
             <a:xfrm>
-              <a:off x="7395409" y="2703603"/>
+              <a:off x="7946038" y="2703577"/>
               <a:ext cx="63202" cy="63202"/>
             </a:xfrm>
             <a:custGeom>
@@ -31935,7 +31935,7 @@
           </p:nvSpPr>
           <p:spPr>
             <a:xfrm>
-              <a:off x="7802636" y="2632505"/>
+              <a:off x="7636400" y="2632470"/>
               <a:ext cx="63202" cy="63202"/>
             </a:xfrm>
             <a:custGeom>
@@ -31978,7 +31978,7 @@
           </p:nvSpPr>
           <p:spPr>
             <a:xfrm>
-              <a:off x="7759724" y="2628207"/>
+              <a:off x="7434521" y="2628217"/>
               <a:ext cx="63202" cy="63202"/>
             </a:xfrm>
             <a:custGeom>
@@ -32021,7 +32021,7 @@
           </p:nvSpPr>
           <p:spPr>
             <a:xfrm>
-              <a:off x="7660300" y="2661541"/>
+              <a:off x="8013975" y="2661522"/>
               <a:ext cx="63202" cy="63202"/>
             </a:xfrm>
             <a:custGeom>
@@ -32064,7 +32064,7 @@
           </p:nvSpPr>
           <p:spPr>
             <a:xfrm>
-              <a:off x="7462395" y="2749967"/>
+              <a:off x="7912654" y="2749933"/>
               <a:ext cx="63202" cy="63202"/>
             </a:xfrm>
             <a:custGeom>
@@ -32107,7 +32107,7 @@
           </p:nvSpPr>
           <p:spPr>
             <a:xfrm>
-              <a:off x="7864296" y="2663225"/>
+              <a:off x="7912755" y="2663189"/>
               <a:ext cx="63202" cy="63202"/>
             </a:xfrm>
             <a:custGeom>
@@ -32150,7 +32150,7 @@
           </p:nvSpPr>
           <p:spPr>
             <a:xfrm>
-              <a:off x="7804462" y="2644090"/>
+              <a:off x="7524267" y="2644066"/>
               <a:ext cx="63202" cy="63202"/>
             </a:xfrm>
             <a:custGeom>
@@ -32193,7 +32193,7 @@
           </p:nvSpPr>
           <p:spPr>
             <a:xfrm>
-              <a:off x="7337964" y="2350200"/>
+              <a:off x="7490159" y="2350184"/>
               <a:ext cx="63202" cy="63202"/>
             </a:xfrm>
             <a:custGeom>
@@ -32236,7 +32236,7 @@
           </p:nvSpPr>
           <p:spPr>
             <a:xfrm>
-              <a:off x="7854273" y="2651157"/>
+              <a:off x="7925916" y="2651134"/>
               <a:ext cx="63202" cy="63202"/>
             </a:xfrm>
             <a:custGeom>
@@ -32279,7 +32279,7 @@
           </p:nvSpPr>
           <p:spPr>
             <a:xfrm>
-              <a:off x="8000831" y="2647234"/>
+              <a:off x="7629546" y="2647212"/>
               <a:ext cx="63202" cy="63202"/>
             </a:xfrm>
             <a:custGeom>
@@ -32322,7 +32322,7 @@
           </p:nvSpPr>
           <p:spPr>
             <a:xfrm>
-              <a:off x="7701532" y="2348585"/>
+              <a:off x="7729950" y="2348575"/>
               <a:ext cx="63202" cy="63202"/>
             </a:xfrm>
             <a:custGeom>
@@ -32365,7 +32365,7 @@
           </p:nvSpPr>
           <p:spPr>
             <a:xfrm>
-              <a:off x="7948338" y="2583629"/>
+              <a:off x="7747987" y="2583616"/>
               <a:ext cx="63202" cy="63202"/>
             </a:xfrm>
             <a:custGeom>
@@ -32408,7 +32408,7 @@
           </p:nvSpPr>
           <p:spPr>
             <a:xfrm>
-              <a:off x="7666372" y="2604655"/>
+              <a:off x="7497326" y="2604640"/>
               <a:ext cx="63202" cy="63202"/>
             </a:xfrm>
             <a:custGeom>
@@ -32451,7 +32451,7 @@
           </p:nvSpPr>
           <p:spPr>
             <a:xfrm>
-              <a:off x="7606606" y="2615326"/>
+              <a:off x="8014315" y="2615313"/>
               <a:ext cx="63202" cy="63202"/>
             </a:xfrm>
             <a:custGeom>
@@ -32494,7 +32494,7 @@
           </p:nvSpPr>
           <p:spPr>
             <a:xfrm>
-              <a:off x="7465295" y="2602279"/>
+              <a:off x="7816273" y="2602257"/>
               <a:ext cx="63202" cy="63202"/>
             </a:xfrm>
             <a:custGeom>
@@ -32537,7 +32537,7 @@
           </p:nvSpPr>
           <p:spPr>
             <a:xfrm>
-              <a:off x="7825620" y="2603449"/>
+              <a:off x="7725324" y="2603452"/>
               <a:ext cx="63202" cy="63202"/>
             </a:xfrm>
             <a:custGeom>
@@ -32580,7 +32580,7 @@
           </p:nvSpPr>
           <p:spPr>
             <a:xfrm>
-              <a:off x="7625176" y="2602491"/>
+              <a:off x="7806306" y="2602459"/>
               <a:ext cx="63202" cy="63202"/>
             </a:xfrm>
             <a:custGeom>
@@ -32623,7 +32623,7 @@
           </p:nvSpPr>
           <p:spPr>
             <a:xfrm>
-              <a:off x="8030792" y="2627990"/>
+              <a:off x="7615644" y="2627949"/>
               <a:ext cx="63202" cy="63202"/>
             </a:xfrm>
             <a:custGeom>
@@ -32666,7 +32666,7 @@
           </p:nvSpPr>
           <p:spPr>
             <a:xfrm>
-              <a:off x="7580072" y="2629394"/>
+              <a:off x="7437912" y="2629383"/>
               <a:ext cx="63202" cy="63202"/>
             </a:xfrm>
             <a:custGeom>
@@ -32709,7 +32709,7 @@
           </p:nvSpPr>
           <p:spPr>
             <a:xfrm>
-              <a:off x="7975381" y="2691253"/>
+              <a:off x="7821411" y="2691231"/>
               <a:ext cx="63202" cy="63202"/>
             </a:xfrm>
             <a:custGeom>
@@ -32752,7 +32752,7 @@
           </p:nvSpPr>
           <p:spPr>
             <a:xfrm>
-              <a:off x="7983136" y="2654154"/>
+              <a:off x="7601551" y="2654141"/>
               <a:ext cx="63202" cy="63202"/>
             </a:xfrm>
             <a:custGeom>
@@ -32795,7 +32795,7 @@
           </p:nvSpPr>
           <p:spPr>
             <a:xfrm>
-              <a:off x="7415693" y="2580969"/>
+              <a:off x="7962711" y="2580921"/>
               <a:ext cx="63202" cy="63202"/>
             </a:xfrm>
             <a:custGeom>
@@ -32838,7 +32838,7 @@
           </p:nvSpPr>
           <p:spPr>
             <a:xfrm>
-              <a:off x="7734484" y="2747001"/>
+              <a:off x="7743946" y="2746980"/>
               <a:ext cx="63202" cy="63202"/>
             </a:xfrm>
             <a:custGeom>
@@ -32881,7 +32881,7 @@
           </p:nvSpPr>
           <p:spPr>
             <a:xfrm>
-              <a:off x="7674963" y="2620142"/>
+              <a:off x="7863567" y="2620126"/>
               <a:ext cx="63202" cy="63202"/>
             </a:xfrm>
             <a:custGeom>
@@ -32924,7 +32924,7 @@
           </p:nvSpPr>
           <p:spPr>
             <a:xfrm>
-              <a:off x="7708044" y="2580121"/>
+              <a:off x="7833347" y="2580115"/>
               <a:ext cx="63202" cy="63202"/>
             </a:xfrm>
             <a:custGeom>
@@ -32967,7 +32967,7 @@
           </p:nvSpPr>
           <p:spPr>
             <a:xfrm>
-              <a:off x="7854259" y="2579308"/>
+              <a:off x="7536953" y="2579275"/>
               <a:ext cx="63202" cy="63202"/>
             </a:xfrm>
             <a:custGeom>
@@ -33010,7 +33010,7 @@
           </p:nvSpPr>
           <p:spPr>
             <a:xfrm>
-              <a:off x="7755858" y="2626037"/>
+              <a:off x="7579000" y="2626021"/>
               <a:ext cx="63202" cy="63202"/>
             </a:xfrm>
             <a:custGeom>
@@ -33053,7 +33053,7 @@
           </p:nvSpPr>
           <p:spPr>
             <a:xfrm>
-              <a:off x="7774001" y="2579924"/>
+              <a:off x="7921404" y="2579915"/>
               <a:ext cx="63202" cy="63202"/>
             </a:xfrm>
             <a:custGeom>
@@ -33096,7 +33096,7 @@
           </p:nvSpPr>
           <p:spPr>
             <a:xfrm>
-              <a:off x="7966643" y="2544007"/>
+              <a:off x="7987888" y="2543980"/>
               <a:ext cx="63202" cy="63202"/>
             </a:xfrm>
             <a:custGeom>
@@ -33195,7 +33195,7 @@
           </p:nvSpPr>
           <p:spPr>
             <a:xfrm>
-              <a:off x="7192078" y="4722697"/>
+              <a:off x="7192078" y="4722676"/>
               <a:ext cx="2796732" cy="0"/>
             </a:xfrm>
             <a:custGeom>
@@ -33238,7 +33238,7 @@
           </p:nvSpPr>
           <p:spPr>
             <a:xfrm>
-              <a:off x="7192078" y="4237894"/>
+              <a:off x="7192078" y="4237881"/>
               <a:ext cx="2796732" cy="0"/>
             </a:xfrm>
             <a:custGeom>
@@ -33281,7 +33281,7 @@
           </p:nvSpPr>
           <p:spPr>
             <a:xfrm>
-              <a:off x="7192078" y="3753091"/>
+              <a:off x="7192078" y="3753086"/>
               <a:ext cx="2796732" cy="0"/>
             </a:xfrm>
             <a:custGeom>
@@ -33324,7 +33324,7 @@
           </p:nvSpPr>
           <p:spPr>
             <a:xfrm>
-              <a:off x="7192078" y="4965099"/>
+              <a:off x="7192078" y="4965073"/>
               <a:ext cx="2796732" cy="0"/>
             </a:xfrm>
             <a:custGeom>
@@ -33367,7 +33367,7 @@
           </p:nvSpPr>
           <p:spPr>
             <a:xfrm>
-              <a:off x="7192078" y="4480296"/>
+              <a:off x="7192078" y="4480278"/>
               <a:ext cx="2796732" cy="0"/>
             </a:xfrm>
             <a:custGeom>
@@ -33410,7 +33410,7 @@
           </p:nvSpPr>
           <p:spPr>
             <a:xfrm>
-              <a:off x="7192078" y="3995492"/>
+              <a:off x="7192078" y="3995484"/>
               <a:ext cx="2796732" cy="0"/>
             </a:xfrm>
             <a:custGeom>
@@ -33625,7 +33625,7 @@
           </p:nvSpPr>
           <p:spPr>
             <a:xfrm>
-              <a:off x="7864790" y="4446087"/>
+              <a:off x="7476584" y="4446068"/>
               <a:ext cx="63202" cy="63202"/>
             </a:xfrm>
             <a:custGeom>
@@ -33668,7 +33668,7 @@
           </p:nvSpPr>
           <p:spPr>
             <a:xfrm>
-              <a:off x="7419153" y="4438768"/>
+              <a:off x="7431200" y="4438747"/>
               <a:ext cx="63202" cy="63202"/>
             </a:xfrm>
             <a:custGeom>
@@ -33711,7 +33711,7 @@
           </p:nvSpPr>
           <p:spPr>
             <a:xfrm>
-              <a:off x="7987386" y="4551514"/>
+              <a:off x="7703494" y="4551487"/>
               <a:ext cx="63202" cy="63202"/>
             </a:xfrm>
             <a:custGeom>
@@ -33754,7 +33754,7 @@
           </p:nvSpPr>
           <p:spPr>
             <a:xfrm>
-              <a:off x="8660380" y="4795416"/>
+              <a:off x="8261023" y="4795399"/>
               <a:ext cx="63202" cy="63202"/>
             </a:xfrm>
             <a:custGeom>
@@ -33797,7 +33797,7 @@
           </p:nvSpPr>
           <p:spPr>
             <a:xfrm>
-              <a:off x="7866937" y="4513204"/>
+              <a:off x="7346500" y="4513210"/>
               <a:ext cx="63202" cy="63202"/>
             </a:xfrm>
             <a:custGeom>
@@ -33840,7 +33840,7 @@
           </p:nvSpPr>
           <p:spPr>
             <a:xfrm>
-              <a:off x="7402147" y="4419886"/>
+              <a:off x="8008918" y="4419897"/>
               <a:ext cx="63202" cy="63202"/>
             </a:xfrm>
             <a:custGeom>
@@ -33883,7 +33883,7 @@
           </p:nvSpPr>
           <p:spPr>
             <a:xfrm>
-              <a:off x="7480707" y="4484144"/>
+              <a:off x="7491117" y="4484121"/>
               <a:ext cx="63202" cy="63202"/>
             </a:xfrm>
             <a:custGeom>
@@ -33926,7 +33926,7 @@
           </p:nvSpPr>
           <p:spPr>
             <a:xfrm>
-              <a:off x="7779308" y="4428739"/>
+              <a:off x="7744706" y="4428711"/>
               <a:ext cx="63202" cy="63202"/>
             </a:xfrm>
             <a:custGeom>
@@ -33969,7 +33969,7 @@
           </p:nvSpPr>
           <p:spPr>
             <a:xfrm>
-              <a:off x="7941608" y="4565960"/>
+              <a:off x="7422908" y="4565938"/>
               <a:ext cx="63202" cy="63202"/>
             </a:xfrm>
             <a:custGeom>
@@ -34012,7 +34012,7 @@
           </p:nvSpPr>
           <p:spPr>
             <a:xfrm>
-              <a:off x="7600181" y="4442868"/>
+              <a:off x="7998660" y="4442863"/>
               <a:ext cx="63202" cy="63202"/>
             </a:xfrm>
             <a:custGeom>
@@ -34055,7 +34055,7 @@
           </p:nvSpPr>
           <p:spPr>
             <a:xfrm>
-              <a:off x="7622245" y="4437211"/>
+              <a:off x="7805927" y="4437176"/>
               <a:ext cx="63202" cy="63202"/>
             </a:xfrm>
             <a:custGeom>
@@ -34098,7 +34098,7 @@
           </p:nvSpPr>
           <p:spPr>
             <a:xfrm>
-              <a:off x="7868948" y="4441415"/>
+              <a:off x="7605946" y="4441402"/>
               <a:ext cx="63202" cy="63202"/>
             </a:xfrm>
             <a:custGeom>
@@ -34141,7 +34141,7 @@
           </p:nvSpPr>
           <p:spPr>
             <a:xfrm>
-              <a:off x="7433633" y="4410350"/>
+              <a:off x="7522242" y="4410322"/>
               <a:ext cx="63202" cy="63202"/>
             </a:xfrm>
             <a:custGeom>
@@ -34184,7 +34184,7 @@
           </p:nvSpPr>
           <p:spPr>
             <a:xfrm>
-              <a:off x="7826008" y="4472316"/>
+              <a:off x="7729526" y="4472284"/>
               <a:ext cx="63202" cy="63202"/>
             </a:xfrm>
             <a:custGeom>
@@ -35679,7 +35679,7 @@
           </p:nvSpPr>
           <p:spPr>
             <a:xfrm>
-              <a:off x="1334650" y="2998074"/>
+              <a:off x="1334650" y="2998049"/>
               <a:ext cx="62155" cy="81691"/>
             </a:xfrm>
             <a:prstGeom prst="rect">
@@ -35725,7 +35725,7 @@
           </p:nvSpPr>
           <p:spPr>
             <a:xfrm>
-              <a:off x="1148183" y="2513271"/>
+              <a:off x="1148183" y="2513254"/>
               <a:ext cx="248622" cy="81691"/>
             </a:xfrm>
             <a:prstGeom prst="rect">
@@ -35771,7 +35771,7 @@
           </p:nvSpPr>
           <p:spPr>
             <a:xfrm>
-              <a:off x="1148183" y="2028468"/>
+              <a:off x="1148183" y="2028459"/>
               <a:ext cx="248622" cy="81691"/>
             </a:xfrm>
             <a:prstGeom prst="rect">
@@ -35817,7 +35817,7 @@
           </p:nvSpPr>
           <p:spPr>
             <a:xfrm>
-              <a:off x="1148183" y="1543611"/>
+              <a:off x="1148183" y="1543610"/>
               <a:ext cx="248622" cy="81746"/>
             </a:xfrm>
             <a:prstGeom prst="rect">
@@ -35863,7 +35863,7 @@
           </p:nvSpPr>
           <p:spPr>
             <a:xfrm>
-              <a:off x="1424641" y="3039766"/>
+              <a:off x="1424641" y="3039740"/>
               <a:ext cx="34794" cy="0"/>
             </a:xfrm>
             <a:custGeom>
@@ -35903,7 +35903,7 @@
           </p:nvSpPr>
           <p:spPr>
             <a:xfrm>
-              <a:off x="1424641" y="2554963"/>
+              <a:off x="1424641" y="2554946"/>
               <a:ext cx="34794" cy="0"/>
             </a:xfrm>
             <a:custGeom>
@@ -35943,7 +35943,7 @@
           </p:nvSpPr>
           <p:spPr>
             <a:xfrm>
-              <a:off x="1424641" y="2070160"/>
+              <a:off x="1424641" y="2070151"/>
               <a:ext cx="34794" cy="0"/>
             </a:xfrm>
             <a:custGeom>
@@ -36023,7 +36023,7 @@
           </p:nvSpPr>
           <p:spPr>
             <a:xfrm>
-              <a:off x="1334650" y="4923407"/>
+              <a:off x="1334650" y="4923381"/>
               <a:ext cx="62155" cy="81691"/>
             </a:xfrm>
             <a:prstGeom prst="rect">
@@ -36069,7 +36069,7 @@
           </p:nvSpPr>
           <p:spPr>
             <a:xfrm>
-              <a:off x="1148183" y="4438604"/>
+              <a:off x="1148183" y="4438587"/>
               <a:ext cx="248622" cy="81691"/>
             </a:xfrm>
             <a:prstGeom prst="rect">
@@ -36115,7 +36115,7 @@
           </p:nvSpPr>
           <p:spPr>
             <a:xfrm>
-              <a:off x="1148183" y="3953801"/>
+              <a:off x="1148183" y="3953792"/>
               <a:ext cx="248622" cy="81691"/>
             </a:xfrm>
             <a:prstGeom prst="rect">
@@ -36207,7 +36207,7 @@
           </p:nvSpPr>
           <p:spPr>
             <a:xfrm>
-              <a:off x="1424641" y="4965099"/>
+              <a:off x="1424641" y="4965073"/>
               <a:ext cx="34794" cy="0"/>
             </a:xfrm>
             <a:custGeom>
@@ -36247,7 +36247,7 @@
           </p:nvSpPr>
           <p:spPr>
             <a:xfrm>
-              <a:off x="1424641" y="4480296"/>
+              <a:off x="1424641" y="4480278"/>
               <a:ext cx="34794" cy="0"/>
             </a:xfrm>
             <a:custGeom>
@@ -36287,7 +36287,7 @@
           </p:nvSpPr>
           <p:spPr>
             <a:xfrm>
-              <a:off x="1424641" y="3995492"/>
+              <a:off x="1424641" y="3995484"/>
               <a:ext cx="34794" cy="0"/>
             </a:xfrm>
             <a:custGeom>
@@ -36367,7 +36367,7 @@
           </p:nvSpPr>
           <p:spPr>
             <a:xfrm>
-              <a:off x="1334650" y="6848740"/>
+              <a:off x="1334650" y="6848714"/>
               <a:ext cx="62155" cy="81691"/>
             </a:xfrm>
             <a:prstGeom prst="rect">
@@ -36413,7 +36413,7 @@
           </p:nvSpPr>
           <p:spPr>
             <a:xfrm>
-              <a:off x="1148183" y="6363936"/>
+              <a:off x="1148183" y="6363919"/>
               <a:ext cx="248622" cy="81691"/>
             </a:xfrm>
             <a:prstGeom prst="rect">
@@ -36459,7 +36459,7 @@
           </p:nvSpPr>
           <p:spPr>
             <a:xfrm>
-              <a:off x="1148183" y="5879133"/>
+              <a:off x="1148183" y="5879125"/>
               <a:ext cx="248622" cy="81691"/>
             </a:xfrm>
             <a:prstGeom prst="rect">
@@ -36505,7 +36505,7 @@
           </p:nvSpPr>
           <p:spPr>
             <a:xfrm>
-              <a:off x="1148183" y="5394276"/>
+              <a:off x="1148183" y="5394275"/>
               <a:ext cx="248622" cy="81746"/>
             </a:xfrm>
             <a:prstGeom prst="rect">
@@ -36551,7 +36551,7 @@
           </p:nvSpPr>
           <p:spPr>
             <a:xfrm>
-              <a:off x="1424641" y="6890431"/>
+              <a:off x="1424641" y="6890406"/>
               <a:ext cx="34794" cy="0"/>
             </a:xfrm>
             <a:custGeom>
@@ -36591,7 +36591,7 @@
           </p:nvSpPr>
           <p:spPr>
             <a:xfrm>
-              <a:off x="1424641" y="6405628"/>
+              <a:off x="1424641" y="6405611"/>
               <a:ext cx="34794" cy="0"/>
             </a:xfrm>
             <a:custGeom>
@@ -36631,7 +36631,7 @@
           </p:nvSpPr>
           <p:spPr>
             <a:xfrm>
-              <a:off x="1424641" y="5920825"/>
+              <a:off x="1424641" y="5920816"/>
               <a:ext cx="34794" cy="0"/>
             </a:xfrm>
             <a:custGeom>

--- a/Images/Figures_PPT/Jitter_Plot_Raptor_All.pptx
+++ b/Images/Figures_PPT/Jitter_Plot_Raptor_All.pptx
@@ -2359,7 +2359,7 @@
           </p:nvSpPr>
           <p:spPr>
             <a:xfrm>
-              <a:off x="1459435" y="2797343"/>
+              <a:off x="1459435" y="2797352"/>
               <a:ext cx="2796732" cy="0"/>
             </a:xfrm>
             <a:custGeom>
@@ -2402,7 +2402,7 @@
           </p:nvSpPr>
           <p:spPr>
             <a:xfrm>
-              <a:off x="1459435" y="2312548"/>
+              <a:off x="1459435" y="2312565"/>
               <a:ext cx="2796732" cy="0"/>
             </a:xfrm>
             <a:custGeom>
@@ -2445,7 +2445,7 @@
           </p:nvSpPr>
           <p:spPr>
             <a:xfrm>
-              <a:off x="1459435" y="1827754"/>
+              <a:off x="1459435" y="1827778"/>
               <a:ext cx="2796732" cy="0"/>
             </a:xfrm>
             <a:custGeom>
@@ -2488,7 +2488,7 @@
           </p:nvSpPr>
           <p:spPr>
             <a:xfrm>
-              <a:off x="1459435" y="3039740"/>
+              <a:off x="1459435" y="3039745"/>
               <a:ext cx="2796732" cy="0"/>
             </a:xfrm>
             <a:custGeom>
@@ -2531,7 +2531,7 @@
           </p:nvSpPr>
           <p:spPr>
             <a:xfrm>
-              <a:off x="1459435" y="2554946"/>
+              <a:off x="1459435" y="2554958"/>
               <a:ext cx="2796732" cy="0"/>
             </a:xfrm>
             <a:custGeom>
@@ -2574,7 +2574,7 @@
           </p:nvSpPr>
           <p:spPr>
             <a:xfrm>
-              <a:off x="1459435" y="2070151"/>
+              <a:off x="1459435" y="2070172"/>
               <a:ext cx="2796732" cy="0"/>
             </a:xfrm>
             <a:custGeom>
@@ -2617,7 +2617,7 @@
           </p:nvSpPr>
           <p:spPr>
             <a:xfrm>
-              <a:off x="1459435" y="1585357"/>
+              <a:off x="1459435" y="1585385"/>
               <a:ext cx="2796732" cy="0"/>
             </a:xfrm>
             <a:custGeom>
@@ -2789,7 +2789,7 @@
           </p:nvSpPr>
           <p:spPr>
             <a:xfrm>
-              <a:off x="3420565" y="2848447"/>
+              <a:off x="3418421" y="2848474"/>
               <a:ext cx="63202" cy="63202"/>
             </a:xfrm>
             <a:custGeom>
@@ -2832,7 +2832,7 @@
           </p:nvSpPr>
           <p:spPr>
             <a:xfrm>
-              <a:off x="1837842" y="2805090"/>
+              <a:off x="1615167" y="2805097"/>
               <a:ext cx="63202" cy="63202"/>
             </a:xfrm>
             <a:custGeom>
@@ -2875,7 +2875,7 @@
           </p:nvSpPr>
           <p:spPr>
             <a:xfrm>
-              <a:off x="1785477" y="2692192"/>
+              <a:off x="1763251" y="2692206"/>
               <a:ext cx="63202" cy="63202"/>
             </a:xfrm>
             <a:custGeom>
@@ -2918,7 +2918,7 @@
           </p:nvSpPr>
           <p:spPr>
             <a:xfrm>
-              <a:off x="2860945" y="2900948"/>
+              <a:off x="2701903" y="2900975"/>
               <a:ext cx="63202" cy="63202"/>
             </a:xfrm>
             <a:custGeom>
@@ -2961,7 +2961,7 @@
           </p:nvSpPr>
           <p:spPr>
             <a:xfrm>
-              <a:off x="2041417" y="2855992"/>
+              <a:off x="1661778" y="2856013"/>
               <a:ext cx="63202" cy="63202"/>
             </a:xfrm>
             <a:custGeom>
@@ -3004,7 +3004,7 @@
           </p:nvSpPr>
           <p:spPr>
             <a:xfrm>
-              <a:off x="2782566" y="2900209"/>
+              <a:off x="2623145" y="2900216"/>
               <a:ext cx="63202" cy="63202"/>
             </a:xfrm>
             <a:custGeom>
@@ -3103,7 +3103,7 @@
           </p:nvSpPr>
           <p:spPr>
             <a:xfrm>
-              <a:off x="1459435" y="4722676"/>
+              <a:off x="1459435" y="4722684"/>
               <a:ext cx="2796732" cy="0"/>
             </a:xfrm>
             <a:custGeom>
@@ -3146,7 +3146,7 @@
           </p:nvSpPr>
           <p:spPr>
             <a:xfrm>
-              <a:off x="1459435" y="4237881"/>
+              <a:off x="1459435" y="4237898"/>
               <a:ext cx="2796732" cy="0"/>
             </a:xfrm>
             <a:custGeom>
@@ -3189,7 +3189,7 @@
           </p:nvSpPr>
           <p:spPr>
             <a:xfrm>
-              <a:off x="1459435" y="3753086"/>
+              <a:off x="1459435" y="3753111"/>
               <a:ext cx="2796732" cy="0"/>
             </a:xfrm>
             <a:custGeom>
@@ -3232,7 +3232,7 @@
           </p:nvSpPr>
           <p:spPr>
             <a:xfrm>
-              <a:off x="1459435" y="4965073"/>
+              <a:off x="1459435" y="4965078"/>
               <a:ext cx="2796732" cy="0"/>
             </a:xfrm>
             <a:custGeom>
@@ -3275,7 +3275,7 @@
           </p:nvSpPr>
           <p:spPr>
             <a:xfrm>
-              <a:off x="1459435" y="4480278"/>
+              <a:off x="1459435" y="4480291"/>
               <a:ext cx="2796732" cy="0"/>
             </a:xfrm>
             <a:custGeom>
@@ -3318,7 +3318,7 @@
           </p:nvSpPr>
           <p:spPr>
             <a:xfrm>
-              <a:off x="1459435" y="3995484"/>
+              <a:off x="1459435" y="3995504"/>
               <a:ext cx="2796732" cy="0"/>
             </a:xfrm>
             <a:custGeom>
@@ -3361,7 +3361,7 @@
           </p:nvSpPr>
           <p:spPr>
             <a:xfrm>
-              <a:off x="1459435" y="3510689"/>
+              <a:off x="1459435" y="3510718"/>
               <a:ext cx="2796732" cy="0"/>
             </a:xfrm>
             <a:custGeom>
@@ -3533,7 +3533,7 @@
           </p:nvSpPr>
           <p:spPr>
             <a:xfrm>
-              <a:off x="1824909" y="4513150"/>
+              <a:off x="1856021" y="4513166"/>
               <a:ext cx="63202" cy="63202"/>
             </a:xfrm>
             <a:custGeom>
@@ -3576,7 +3576,7 @@
           </p:nvSpPr>
           <p:spPr>
             <a:xfrm>
-              <a:off x="1644004" y="4687632"/>
+              <a:off x="2168635" y="4687624"/>
               <a:ext cx="63202" cy="63202"/>
             </a:xfrm>
             <a:custGeom>
@@ -3619,7 +3619,7 @@
           </p:nvSpPr>
           <p:spPr>
             <a:xfrm>
-              <a:off x="1608080" y="4513166"/>
+              <a:off x="2202168" y="4513162"/>
               <a:ext cx="63202" cy="63202"/>
             </a:xfrm>
             <a:custGeom>
@@ -3662,7 +3662,7 @@
           </p:nvSpPr>
           <p:spPr>
             <a:xfrm>
-              <a:off x="2135712" y="4612444"/>
+              <a:off x="1743729" y="4612436"/>
               <a:ext cx="63202" cy="63202"/>
             </a:xfrm>
             <a:custGeom>
@@ -3705,7 +3705,7 @@
           </p:nvSpPr>
           <p:spPr>
             <a:xfrm>
-              <a:off x="1963358" y="4562691"/>
+              <a:off x="2004226" y="4562726"/>
               <a:ext cx="63202" cy="63202"/>
             </a:xfrm>
             <a:custGeom>
@@ -3748,7 +3748,7 @@
           </p:nvSpPr>
           <p:spPr>
             <a:xfrm>
-              <a:off x="3121652" y="4843354"/>
+              <a:off x="3054853" y="4843372"/>
               <a:ext cx="63202" cy="63202"/>
             </a:xfrm>
             <a:custGeom>
@@ -3791,7 +3791,7 @@
           </p:nvSpPr>
           <p:spPr>
             <a:xfrm>
-              <a:off x="2203747" y="4612041"/>
+              <a:off x="1769480" y="4612070"/>
               <a:ext cx="63202" cy="63202"/>
             </a:xfrm>
             <a:custGeom>
@@ -3834,7 +3834,7 @@
           </p:nvSpPr>
           <p:spPr>
             <a:xfrm>
-              <a:off x="1744390" y="4638906"/>
+              <a:off x="2021478" y="4638921"/>
               <a:ext cx="63202" cy="63202"/>
             </a:xfrm>
             <a:custGeom>
@@ -3877,7 +3877,7 @@
           </p:nvSpPr>
           <p:spPr>
             <a:xfrm>
-              <a:off x="1795328" y="4697199"/>
+              <a:off x="1959555" y="4697180"/>
               <a:ext cx="63202" cy="63202"/>
             </a:xfrm>
             <a:custGeom>
@@ -3920,7 +3920,7 @@
           </p:nvSpPr>
           <p:spPr>
             <a:xfrm>
-              <a:off x="2980138" y="4802904"/>
+              <a:off x="2796251" y="4802938"/>
               <a:ext cx="63202" cy="63202"/>
             </a:xfrm>
             <a:custGeom>
@@ -3963,7 +3963,7 @@
           </p:nvSpPr>
           <p:spPr>
             <a:xfrm>
-              <a:off x="2701941" y="4778612"/>
+              <a:off x="2595264" y="4778624"/>
               <a:ext cx="63202" cy="63202"/>
             </a:xfrm>
             <a:custGeom>
@@ -4006,7 +4006,7 @@
           </p:nvSpPr>
           <p:spPr>
             <a:xfrm>
-              <a:off x="2137723" y="4733864"/>
+              <a:off x="1800998" y="4733879"/>
               <a:ext cx="63202" cy="63202"/>
             </a:xfrm>
             <a:custGeom>
@@ -4049,7 +4049,7 @@
           </p:nvSpPr>
           <p:spPr>
             <a:xfrm>
-              <a:off x="1907914" y="4642887"/>
+              <a:off x="1609552" y="4642891"/>
               <a:ext cx="63202" cy="63202"/>
             </a:xfrm>
             <a:custGeom>
@@ -4092,7 +4092,7 @@
           </p:nvSpPr>
           <p:spPr>
             <a:xfrm>
-              <a:off x="3139319" y="4790023"/>
+              <a:off x="3138982" y="4790041"/>
               <a:ext cx="63202" cy="63202"/>
             </a:xfrm>
             <a:custGeom>
@@ -4135,7 +4135,7 @@
           </p:nvSpPr>
           <p:spPr>
             <a:xfrm>
-              <a:off x="3149457" y="4823053"/>
+              <a:off x="2923252" y="4823051"/>
               <a:ext cx="63202" cy="63202"/>
             </a:xfrm>
             <a:custGeom>
@@ -4178,7 +4178,7 @@
           </p:nvSpPr>
           <p:spPr>
             <a:xfrm>
-              <a:off x="1811358" y="4396656"/>
+              <a:off x="1835277" y="4396682"/>
               <a:ext cx="63202" cy="63202"/>
             </a:xfrm>
             <a:custGeom>
@@ -4221,7 +4221,7 @@
           </p:nvSpPr>
           <p:spPr>
             <a:xfrm>
-              <a:off x="2197533" y="4764713"/>
+              <a:off x="1961785" y="4764716"/>
               <a:ext cx="63202" cy="63202"/>
             </a:xfrm>
             <a:custGeom>
@@ -4264,7 +4264,7 @@
           </p:nvSpPr>
           <p:spPr>
             <a:xfrm>
-              <a:off x="1773588" y="4416256"/>
+              <a:off x="1700340" y="4416253"/>
               <a:ext cx="63202" cy="63202"/>
             </a:xfrm>
             <a:custGeom>
@@ -4307,7 +4307,7 @@
           </p:nvSpPr>
           <p:spPr>
             <a:xfrm>
-              <a:off x="2229735" y="4673369"/>
+              <a:off x="2010408" y="4673405"/>
               <a:ext cx="63202" cy="63202"/>
             </a:xfrm>
             <a:custGeom>
@@ -4350,7 +4350,7 @@
           </p:nvSpPr>
           <p:spPr>
             <a:xfrm>
-              <a:off x="1647434" y="4712549"/>
+              <a:off x="1939754" y="4712577"/>
               <a:ext cx="63202" cy="63202"/>
             </a:xfrm>
             <a:custGeom>
@@ -4393,7 +4393,7 @@
           </p:nvSpPr>
           <p:spPr>
             <a:xfrm>
-              <a:off x="2003292" y="4695781"/>
+              <a:off x="1862998" y="4695802"/>
               <a:ext cx="63202" cy="63202"/>
             </a:xfrm>
             <a:custGeom>
@@ -4436,7 +4436,7 @@
           </p:nvSpPr>
           <p:spPr>
             <a:xfrm>
-              <a:off x="2660014" y="4835000"/>
+              <a:off x="2492278" y="4835030"/>
               <a:ext cx="63202" cy="63202"/>
             </a:xfrm>
             <a:custGeom>
@@ -4535,7 +4535,7 @@
           </p:nvSpPr>
           <p:spPr>
             <a:xfrm>
-              <a:off x="1459435" y="6648008"/>
+              <a:off x="1459435" y="6648017"/>
               <a:ext cx="2796732" cy="0"/>
             </a:xfrm>
             <a:custGeom>
@@ -4578,7 +4578,7 @@
           </p:nvSpPr>
           <p:spPr>
             <a:xfrm>
-              <a:off x="1459435" y="6163214"/>
+              <a:off x="1459435" y="6163230"/>
               <a:ext cx="2796732" cy="0"/>
             </a:xfrm>
             <a:custGeom>
@@ -4621,7 +4621,7 @@
           </p:nvSpPr>
           <p:spPr>
             <a:xfrm>
-              <a:off x="1459435" y="5678419"/>
+              <a:off x="1459435" y="5678444"/>
               <a:ext cx="2796732" cy="0"/>
             </a:xfrm>
             <a:custGeom>
@@ -4664,7 +4664,7 @@
           </p:nvSpPr>
           <p:spPr>
             <a:xfrm>
-              <a:off x="1459435" y="6890406"/>
+              <a:off x="1459435" y="6890410"/>
               <a:ext cx="2796732" cy="0"/>
             </a:xfrm>
             <a:custGeom>
@@ -4707,7 +4707,7 @@
           </p:nvSpPr>
           <p:spPr>
             <a:xfrm>
-              <a:off x="1459435" y="6405611"/>
+              <a:off x="1459435" y="6405624"/>
               <a:ext cx="2796732" cy="0"/>
             </a:xfrm>
             <a:custGeom>
@@ -4750,7 +4750,7 @@
           </p:nvSpPr>
           <p:spPr>
             <a:xfrm>
-              <a:off x="1459435" y="5920816"/>
+              <a:off x="1459435" y="5920837"/>
               <a:ext cx="2796732" cy="0"/>
             </a:xfrm>
             <a:custGeom>
@@ -4793,7 +4793,7 @@
           </p:nvSpPr>
           <p:spPr>
             <a:xfrm>
-              <a:off x="1459435" y="5436022"/>
+              <a:off x="1459435" y="5436050"/>
               <a:ext cx="2796732" cy="0"/>
             </a:xfrm>
             <a:custGeom>
@@ -4965,7 +4965,7 @@
           </p:nvSpPr>
           <p:spPr>
             <a:xfrm>
-              <a:off x="2179851" y="6201022"/>
+              <a:off x="1695396" y="6201042"/>
               <a:ext cx="63202" cy="63202"/>
             </a:xfrm>
             <a:custGeom>
@@ -5008,7 +5008,7 @@
           </p:nvSpPr>
           <p:spPr>
             <a:xfrm>
-              <a:off x="2178907" y="6198582"/>
+              <a:off x="2185560" y="6198569"/>
               <a:ext cx="63202" cy="63202"/>
             </a:xfrm>
             <a:custGeom>
@@ -5051,7 +5051,7 @@
           </p:nvSpPr>
           <p:spPr>
             <a:xfrm>
-              <a:off x="1935151" y="6197153"/>
+              <a:off x="1865444" y="6197159"/>
               <a:ext cx="63202" cy="63202"/>
             </a:xfrm>
             <a:custGeom>
@@ -5094,7 +5094,7 @@
           </p:nvSpPr>
           <p:spPr>
             <a:xfrm>
-              <a:off x="1678604" y="6287395"/>
+              <a:off x="1769899" y="6287403"/>
               <a:ext cx="63202" cy="63202"/>
             </a:xfrm>
             <a:custGeom>
@@ -5137,7 +5137,7 @@
           </p:nvSpPr>
           <p:spPr>
             <a:xfrm>
-              <a:off x="1797140" y="6353752"/>
+              <a:off x="1704536" y="6353773"/>
               <a:ext cx="63202" cy="63202"/>
             </a:xfrm>
             <a:custGeom>
@@ -5180,7 +5180,7 @@
           </p:nvSpPr>
           <p:spPr>
             <a:xfrm>
-              <a:off x="2146205" y="6321108"/>
+              <a:off x="1929718" y="6321128"/>
               <a:ext cx="63202" cy="63202"/>
             </a:xfrm>
             <a:custGeom>
@@ -5223,7 +5223,7 @@
           </p:nvSpPr>
           <p:spPr>
             <a:xfrm>
-              <a:off x="2243471" y="6273372"/>
+              <a:off x="1934015" y="6273388"/>
               <a:ext cx="63202" cy="63202"/>
             </a:xfrm>
             <a:custGeom>
@@ -5266,7 +5266,7 @@
           </p:nvSpPr>
           <p:spPr>
             <a:xfrm>
-              <a:off x="2262544" y="6260485"/>
+              <a:off x="2161402" y="6260490"/>
               <a:ext cx="63202" cy="63202"/>
             </a:xfrm>
             <a:custGeom>
@@ -5309,7 +5309,7 @@
           </p:nvSpPr>
           <p:spPr>
             <a:xfrm>
-              <a:off x="2234854" y="6400379"/>
+              <a:off x="2039582" y="6400406"/>
               <a:ext cx="63202" cy="63202"/>
             </a:xfrm>
             <a:custGeom>
@@ -5352,7 +5352,7 @@
           </p:nvSpPr>
           <p:spPr>
             <a:xfrm>
-              <a:off x="2048814" y="6272922"/>
+              <a:off x="1611251" y="6272935"/>
               <a:ext cx="63202" cy="63202"/>
             </a:xfrm>
             <a:custGeom>
@@ -5395,7 +5395,7 @@
           </p:nvSpPr>
           <p:spPr>
             <a:xfrm>
-              <a:off x="2018504" y="6340835"/>
+              <a:off x="1720423" y="6340863"/>
               <a:ext cx="63202" cy="63202"/>
             </a:xfrm>
             <a:custGeom>
@@ -5438,7 +5438,7 @@
           </p:nvSpPr>
           <p:spPr>
             <a:xfrm>
-              <a:off x="1944273" y="6362855"/>
+              <a:off x="2280346" y="6362890"/>
               <a:ext cx="63202" cy="63202"/>
             </a:xfrm>
             <a:custGeom>
@@ -5481,7 +5481,7 @@
           </p:nvSpPr>
           <p:spPr>
             <a:xfrm>
-              <a:off x="1891049" y="6264398"/>
+              <a:off x="2134855" y="6264403"/>
               <a:ext cx="63202" cy="63202"/>
             </a:xfrm>
             <a:custGeom>
@@ -5524,7 +5524,7 @@
           </p:nvSpPr>
           <p:spPr>
             <a:xfrm>
-              <a:off x="1630826" y="6314197"/>
+              <a:off x="1836818" y="6314186"/>
               <a:ext cx="63202" cy="63202"/>
             </a:xfrm>
             <a:custGeom>
@@ -5567,7 +5567,7 @@
           </p:nvSpPr>
           <p:spPr>
             <a:xfrm>
-              <a:off x="2171773" y="6375308"/>
+              <a:off x="1640790" y="6375334"/>
               <a:ext cx="63202" cy="63202"/>
             </a:xfrm>
             <a:custGeom>
@@ -5610,7 +5610,7 @@
           </p:nvSpPr>
           <p:spPr>
             <a:xfrm>
-              <a:off x="1960356" y="6323558"/>
+              <a:off x="1823377" y="6323557"/>
               <a:ext cx="63202" cy="63202"/>
             </a:xfrm>
             <a:custGeom>
@@ -5653,7 +5653,7 @@
           </p:nvSpPr>
           <p:spPr>
             <a:xfrm>
-              <a:off x="2223141" y="6272299"/>
+              <a:off x="1970695" y="6272322"/>
               <a:ext cx="63202" cy="63202"/>
             </a:xfrm>
             <a:custGeom>
@@ -5696,7 +5696,7 @@
           </p:nvSpPr>
           <p:spPr>
             <a:xfrm>
-              <a:off x="1668977" y="6318886"/>
+              <a:off x="1814173" y="6318883"/>
               <a:ext cx="63202" cy="63202"/>
             </a:xfrm>
             <a:custGeom>
@@ -5739,7 +5739,7 @@
           </p:nvSpPr>
           <p:spPr>
             <a:xfrm>
-              <a:off x="2139923" y="6599694"/>
+              <a:off x="1801913" y="6599703"/>
               <a:ext cx="63202" cy="63202"/>
             </a:xfrm>
             <a:custGeom>
@@ -5782,7 +5782,7 @@
           </p:nvSpPr>
           <p:spPr>
             <a:xfrm>
-              <a:off x="1912314" y="6322563"/>
+              <a:off x="1854692" y="6322590"/>
               <a:ext cx="63202" cy="63202"/>
             </a:xfrm>
             <a:custGeom>
@@ -5825,7 +5825,7 @@
           </p:nvSpPr>
           <p:spPr>
             <a:xfrm>
-              <a:off x="1618640" y="6345973"/>
+              <a:off x="1920466" y="6346016"/>
               <a:ext cx="63202" cy="63202"/>
             </a:xfrm>
             <a:custGeom>
@@ -5868,7 +5868,7 @@
           </p:nvSpPr>
           <p:spPr>
             <a:xfrm>
-              <a:off x="2204631" y="6345743"/>
+              <a:off x="2073232" y="6345760"/>
               <a:ext cx="63202" cy="63202"/>
             </a:xfrm>
             <a:custGeom>
@@ -5911,7 +5911,7 @@
           </p:nvSpPr>
           <p:spPr>
             <a:xfrm>
-              <a:off x="1925223" y="6254574"/>
+              <a:off x="2206709" y="6254573"/>
               <a:ext cx="63202" cy="63202"/>
             </a:xfrm>
             <a:custGeom>
@@ -5954,7 +5954,7 @@
           </p:nvSpPr>
           <p:spPr>
             <a:xfrm>
-              <a:off x="2005930" y="6242764"/>
+              <a:off x="2062544" y="6242780"/>
               <a:ext cx="63202" cy="63202"/>
             </a:xfrm>
             <a:custGeom>
@@ -5997,7 +5997,7 @@
           </p:nvSpPr>
           <p:spPr>
             <a:xfrm>
-              <a:off x="1794542" y="6567838"/>
+              <a:off x="1607019" y="6567837"/>
               <a:ext cx="63202" cy="63202"/>
             </a:xfrm>
             <a:custGeom>
@@ -6040,7 +6040,7 @@
           </p:nvSpPr>
           <p:spPr>
             <a:xfrm>
-              <a:off x="2088851" y="6620283"/>
+              <a:off x="1613835" y="6620306"/>
               <a:ext cx="63202" cy="63202"/>
             </a:xfrm>
             <a:custGeom>
@@ -6083,7 +6083,7 @@
           </p:nvSpPr>
           <p:spPr>
             <a:xfrm>
-              <a:off x="2186917" y="6686508"/>
+              <a:off x="1747904" y="6686498"/>
               <a:ext cx="63202" cy="63202"/>
             </a:xfrm>
             <a:custGeom>
@@ -6126,7 +6126,7 @@
           </p:nvSpPr>
           <p:spPr>
             <a:xfrm>
-              <a:off x="1806469" y="6349641"/>
+              <a:off x="1917474" y="6349639"/>
               <a:ext cx="63202" cy="63202"/>
             </a:xfrm>
             <a:custGeom>
@@ -6169,7 +6169,7 @@
           </p:nvSpPr>
           <p:spPr>
             <a:xfrm>
-              <a:off x="2266099" y="6329715"/>
+              <a:off x="2281616" y="6329699"/>
               <a:ext cx="63202" cy="63202"/>
             </a:xfrm>
             <a:custGeom>
@@ -6212,7 +6212,7 @@
           </p:nvSpPr>
           <p:spPr>
             <a:xfrm>
-              <a:off x="2100268" y="6265519"/>
+              <a:off x="2166252" y="6265516"/>
               <a:ext cx="63202" cy="63202"/>
             </a:xfrm>
             <a:custGeom>
@@ -6255,7 +6255,7 @@
           </p:nvSpPr>
           <p:spPr>
             <a:xfrm>
-              <a:off x="1609384" y="6261726"/>
+              <a:off x="2290526" y="6261731"/>
               <a:ext cx="63202" cy="63202"/>
             </a:xfrm>
             <a:custGeom>
@@ -6298,7 +6298,7 @@
           </p:nvSpPr>
           <p:spPr>
             <a:xfrm>
-              <a:off x="1620987" y="6372989"/>
+              <a:off x="1946106" y="6373021"/>
               <a:ext cx="63202" cy="63202"/>
             </a:xfrm>
             <a:custGeom>
@@ -6341,7 +6341,7 @@
           </p:nvSpPr>
           <p:spPr>
             <a:xfrm>
-              <a:off x="1715424" y="6376911"/>
+              <a:off x="1787695" y="6376919"/>
               <a:ext cx="63202" cy="63202"/>
             </a:xfrm>
             <a:custGeom>
@@ -6384,7 +6384,7 @@
           </p:nvSpPr>
           <p:spPr>
             <a:xfrm>
-              <a:off x="2101863" y="6333948"/>
+              <a:off x="2141162" y="6333966"/>
               <a:ext cx="63202" cy="63202"/>
             </a:xfrm>
             <a:custGeom>
@@ -6427,7 +6427,7 @@
           </p:nvSpPr>
           <p:spPr>
             <a:xfrm>
-              <a:off x="1729340" y="6334414"/>
+              <a:off x="1843908" y="6334403"/>
               <a:ext cx="63202" cy="63202"/>
             </a:xfrm>
             <a:custGeom>
@@ -6470,7 +6470,7 @@
           </p:nvSpPr>
           <p:spPr>
             <a:xfrm>
-              <a:off x="2015360" y="6424614"/>
+              <a:off x="2123635" y="6424640"/>
               <a:ext cx="63202" cy="63202"/>
             </a:xfrm>
             <a:custGeom>
@@ -6513,7 +6513,7 @@
           </p:nvSpPr>
           <p:spPr>
             <a:xfrm>
-              <a:off x="1608474" y="6705564"/>
+              <a:off x="1660976" y="6705555"/>
               <a:ext cx="63202" cy="63202"/>
             </a:xfrm>
             <a:custGeom>
@@ -6556,7 +6556,7 @@
           </p:nvSpPr>
           <p:spPr>
             <a:xfrm>
-              <a:off x="1717183" y="6419951"/>
+              <a:off x="1790110" y="6419963"/>
               <a:ext cx="63202" cy="63202"/>
             </a:xfrm>
             <a:custGeom>
@@ -6599,7 +6599,7 @@
           </p:nvSpPr>
           <p:spPr>
             <a:xfrm>
-              <a:off x="1933128" y="6531423"/>
+              <a:off x="1868978" y="6531429"/>
               <a:ext cx="63202" cy="63202"/>
             </a:xfrm>
             <a:custGeom>
@@ -6642,7 +6642,7 @@
           </p:nvSpPr>
           <p:spPr>
             <a:xfrm>
-              <a:off x="1966487" y="6229140"/>
+              <a:off x="1713767" y="6229161"/>
               <a:ext cx="63202" cy="63202"/>
             </a:xfrm>
             <a:custGeom>
@@ -6685,7 +6685,7 @@
           </p:nvSpPr>
           <p:spPr>
             <a:xfrm>
-              <a:off x="1663559" y="6316066"/>
+              <a:off x="1728653" y="6316081"/>
               <a:ext cx="63202" cy="63202"/>
             </a:xfrm>
             <a:custGeom>
@@ -6728,7 +6728,7 @@
           </p:nvSpPr>
           <p:spPr>
             <a:xfrm>
-              <a:off x="2086013" y="6372687"/>
+              <a:off x="1932060" y="6372717"/>
               <a:ext cx="63202" cy="63202"/>
             </a:xfrm>
             <a:custGeom>
@@ -6771,7 +6771,7 @@
           </p:nvSpPr>
           <p:spPr>
             <a:xfrm>
-              <a:off x="1986128" y="6322572"/>
+              <a:off x="1831469" y="6322578"/>
               <a:ext cx="63202" cy="63202"/>
             </a:xfrm>
             <a:custGeom>
@@ -6814,7 +6814,7 @@
           </p:nvSpPr>
           <p:spPr>
             <a:xfrm>
-              <a:off x="1706480" y="6200953"/>
+              <a:off x="1931354" y="6200972"/>
               <a:ext cx="63202" cy="63202"/>
             </a:xfrm>
             <a:custGeom>
@@ -6857,7 +6857,7 @@
           </p:nvSpPr>
           <p:spPr>
             <a:xfrm>
-              <a:off x="1715174" y="6550182"/>
+              <a:off x="1734365" y="6550193"/>
               <a:ext cx="63202" cy="63202"/>
             </a:xfrm>
             <a:custGeom>
@@ -6900,7 +6900,7 @@
           </p:nvSpPr>
           <p:spPr>
             <a:xfrm>
-              <a:off x="2030858" y="6348022"/>
+              <a:off x="1799040" y="6348025"/>
               <a:ext cx="63202" cy="63202"/>
             </a:xfrm>
             <a:custGeom>
@@ -6943,7 +6943,7 @@
           </p:nvSpPr>
           <p:spPr>
             <a:xfrm>
-              <a:off x="1872339" y="6377125"/>
+              <a:off x="2088970" y="6377116"/>
               <a:ext cx="63202" cy="63202"/>
             </a:xfrm>
             <a:custGeom>
@@ -6986,7 +6986,7 @@
           </p:nvSpPr>
           <p:spPr>
             <a:xfrm>
-              <a:off x="2182304" y="6194008"/>
+              <a:off x="1772127" y="6194039"/>
               <a:ext cx="63202" cy="63202"/>
             </a:xfrm>
             <a:custGeom>
@@ -7029,7 +7029,7 @@
           </p:nvSpPr>
           <p:spPr>
             <a:xfrm>
-              <a:off x="1915182" y="6525367"/>
+              <a:off x="2042207" y="6525375"/>
               <a:ext cx="63202" cy="63202"/>
             </a:xfrm>
             <a:custGeom>
@@ -7072,7 +7072,7 @@
           </p:nvSpPr>
           <p:spPr>
             <a:xfrm>
-              <a:off x="2010773" y="6322364"/>
+              <a:off x="1747014" y="6322394"/>
               <a:ext cx="63202" cy="63202"/>
             </a:xfrm>
             <a:custGeom>
@@ -7115,7 +7115,7 @@
           </p:nvSpPr>
           <p:spPr>
             <a:xfrm>
-              <a:off x="2493406" y="6552304"/>
+              <a:off x="3088034" y="6552309"/>
               <a:ext cx="63202" cy="63202"/>
             </a:xfrm>
             <a:custGeom>
@@ -7158,7 +7158,7 @@
           </p:nvSpPr>
           <p:spPr>
             <a:xfrm>
-              <a:off x="2093284" y="6229883"/>
+              <a:off x="2192718" y="6229908"/>
               <a:ext cx="63202" cy="63202"/>
             </a:xfrm>
             <a:custGeom>
@@ -7201,7 +7201,7 @@
           </p:nvSpPr>
           <p:spPr>
             <a:xfrm>
-              <a:off x="1765361" y="6363844"/>
+              <a:off x="1775992" y="6363849"/>
               <a:ext cx="63202" cy="63202"/>
             </a:xfrm>
             <a:custGeom>
@@ -7244,7 +7244,7 @@
           </p:nvSpPr>
           <p:spPr>
             <a:xfrm>
-              <a:off x="1813221" y="6244826"/>
+              <a:off x="1936598" y="6244808"/>
               <a:ext cx="63202" cy="63202"/>
             </a:xfrm>
             <a:custGeom>
@@ -7287,7 +7287,7 @@
           </p:nvSpPr>
           <p:spPr>
             <a:xfrm>
-              <a:off x="1645102" y="6316082"/>
+              <a:off x="1903083" y="6316101"/>
               <a:ext cx="63202" cy="63202"/>
             </a:xfrm>
             <a:custGeom>
@@ -7330,7 +7330,7 @@
           </p:nvSpPr>
           <p:spPr>
             <a:xfrm>
-              <a:off x="2939765" y="6738965"/>
+              <a:off x="2776184" y="6738977"/>
               <a:ext cx="63202" cy="63202"/>
             </a:xfrm>
             <a:custGeom>
@@ -7373,7 +7373,7 @@
           </p:nvSpPr>
           <p:spPr>
             <a:xfrm>
-              <a:off x="2197863" y="6198046"/>
+              <a:off x="1937359" y="6198028"/>
               <a:ext cx="63202" cy="63202"/>
             </a:xfrm>
             <a:custGeom>
@@ -7416,7 +7416,7 @@
           </p:nvSpPr>
           <p:spPr>
             <a:xfrm>
-              <a:off x="1616349" y="6197742"/>
+              <a:off x="1719117" y="6197767"/>
               <a:ext cx="63202" cy="63202"/>
             </a:xfrm>
             <a:custGeom>
@@ -7459,7 +7459,7 @@
           </p:nvSpPr>
           <p:spPr>
             <a:xfrm>
-              <a:off x="1869058" y="6198705"/>
+              <a:off x="1980280" y="6198741"/>
               <a:ext cx="63202" cy="63202"/>
             </a:xfrm>
             <a:custGeom>
@@ -7502,7 +7502,7 @@
           </p:nvSpPr>
           <p:spPr>
             <a:xfrm>
-              <a:off x="1795606" y="6198357"/>
+              <a:off x="1658917" y="6198403"/>
               <a:ext cx="63202" cy="63202"/>
             </a:xfrm>
             <a:custGeom>
@@ -7545,7 +7545,7 @@
           </p:nvSpPr>
           <p:spPr>
             <a:xfrm>
-              <a:off x="1910158" y="6197115"/>
+              <a:off x="2293707" y="6197139"/>
               <a:ext cx="63202" cy="63202"/>
             </a:xfrm>
             <a:custGeom>
@@ -7588,7 +7588,7 @@
           </p:nvSpPr>
           <p:spPr>
             <a:xfrm>
-              <a:off x="2207758" y="6429077"/>
+              <a:off x="1760823" y="6429103"/>
               <a:ext cx="63202" cy="63202"/>
             </a:xfrm>
             <a:custGeom>
@@ -7631,7 +7631,7 @@
           </p:nvSpPr>
           <p:spPr>
             <a:xfrm>
-              <a:off x="1834148" y="6281697"/>
+              <a:off x="1724135" y="6281715"/>
               <a:ext cx="63202" cy="63202"/>
             </a:xfrm>
             <a:custGeom>
@@ -7674,7 +7674,7 @@
           </p:nvSpPr>
           <p:spPr>
             <a:xfrm>
-              <a:off x="2103380" y="6685217"/>
+              <a:off x="1887350" y="6685213"/>
               <a:ext cx="63202" cy="63202"/>
             </a:xfrm>
             <a:custGeom>
@@ -7717,7 +7717,7 @@
           </p:nvSpPr>
           <p:spPr>
             <a:xfrm>
-              <a:off x="2695623" y="6738967"/>
+              <a:off x="2578875" y="6738957"/>
               <a:ext cx="63202" cy="63202"/>
             </a:xfrm>
             <a:custGeom>
@@ -7760,7 +7760,7 @@
           </p:nvSpPr>
           <p:spPr>
             <a:xfrm>
-              <a:off x="1810388" y="6201653"/>
+              <a:off x="1709635" y="6201665"/>
               <a:ext cx="63202" cy="63202"/>
             </a:xfrm>
             <a:custGeom>
@@ -7803,7 +7803,7 @@
           </p:nvSpPr>
           <p:spPr>
             <a:xfrm>
-              <a:off x="2207114" y="6223046"/>
+              <a:off x="1822393" y="6223075"/>
               <a:ext cx="63202" cy="63202"/>
             </a:xfrm>
             <a:custGeom>
@@ -7846,7 +7846,7 @@
           </p:nvSpPr>
           <p:spPr>
             <a:xfrm>
-              <a:off x="1731101" y="6583550"/>
+              <a:off x="1646765" y="6583545"/>
               <a:ext cx="63202" cy="63202"/>
             </a:xfrm>
             <a:custGeom>
@@ -7889,7 +7889,7 @@
           </p:nvSpPr>
           <p:spPr>
             <a:xfrm>
-              <a:off x="1856061" y="6235343"/>
+              <a:off x="2213079" y="6235387"/>
               <a:ext cx="63202" cy="63202"/>
             </a:xfrm>
             <a:custGeom>
@@ -7932,7 +7932,7 @@
           </p:nvSpPr>
           <p:spPr>
             <a:xfrm>
-              <a:off x="1769425" y="6311506"/>
+              <a:off x="2293923" y="6311519"/>
               <a:ext cx="63202" cy="63202"/>
             </a:xfrm>
             <a:custGeom>
@@ -7975,7 +7975,7 @@
           </p:nvSpPr>
           <p:spPr>
             <a:xfrm>
-              <a:off x="2172883" y="6569235"/>
+              <a:off x="1997859" y="6569239"/>
               <a:ext cx="63202" cy="63202"/>
             </a:xfrm>
             <a:custGeom>
@@ -8018,7 +8018,7 @@
           </p:nvSpPr>
           <p:spPr>
             <a:xfrm>
-              <a:off x="2272207" y="6307686"/>
+              <a:off x="1653908" y="6307696"/>
               <a:ext cx="63202" cy="63202"/>
             </a:xfrm>
             <a:custGeom>
@@ -8061,7 +8061,7 @@
           </p:nvSpPr>
           <p:spPr>
             <a:xfrm>
-              <a:off x="3039017" y="6768398"/>
+              <a:off x="2735353" y="6768410"/>
               <a:ext cx="63202" cy="63202"/>
             </a:xfrm>
             <a:custGeom>
@@ -8104,7 +8104,7 @@
           </p:nvSpPr>
           <p:spPr>
             <a:xfrm>
-              <a:off x="1726556" y="6193182"/>
+              <a:off x="2144434" y="6193213"/>
               <a:ext cx="63202" cy="63202"/>
             </a:xfrm>
             <a:custGeom>
@@ -8147,7 +8147,7 @@
           </p:nvSpPr>
           <p:spPr>
             <a:xfrm>
-              <a:off x="1806901" y="6194937"/>
+              <a:off x="1721023" y="6194928"/>
               <a:ext cx="63202" cy="63202"/>
             </a:xfrm>
             <a:custGeom>
@@ -8190,7 +8190,7 @@
           </p:nvSpPr>
           <p:spPr>
             <a:xfrm>
-              <a:off x="1633457" y="6193850"/>
+              <a:off x="1976777" y="6193865"/>
               <a:ext cx="63202" cy="63202"/>
             </a:xfrm>
             <a:custGeom>
@@ -8233,7 +8233,7 @@
           </p:nvSpPr>
           <p:spPr>
             <a:xfrm>
-              <a:off x="2108589" y="6246090"/>
+              <a:off x="2125753" y="6246071"/>
               <a:ext cx="63202" cy="63202"/>
             </a:xfrm>
             <a:custGeom>
@@ -8276,7 +8276,7 @@
           </p:nvSpPr>
           <p:spPr>
             <a:xfrm>
-              <a:off x="1830774" y="6264073"/>
+              <a:off x="1648232" y="6264090"/>
               <a:ext cx="63202" cy="63202"/>
             </a:xfrm>
             <a:custGeom>
@@ -8319,7 +8319,7 @@
           </p:nvSpPr>
           <p:spPr>
             <a:xfrm>
-              <a:off x="1661664" y="6193375"/>
+              <a:off x="1681258" y="6193407"/>
               <a:ext cx="63202" cy="63202"/>
             </a:xfrm>
             <a:custGeom>
@@ -8362,7 +8362,7 @@
           </p:nvSpPr>
           <p:spPr>
             <a:xfrm>
-              <a:off x="2286235" y="6287719"/>
+              <a:off x="2085675" y="6287715"/>
               <a:ext cx="63202" cy="63202"/>
             </a:xfrm>
             <a:custGeom>
@@ -8405,7 +8405,7 @@
           </p:nvSpPr>
           <p:spPr>
             <a:xfrm>
-              <a:off x="2024421" y="6275269"/>
+              <a:off x="1885837" y="6275257"/>
               <a:ext cx="63202" cy="63202"/>
             </a:xfrm>
             <a:custGeom>
@@ -8448,7 +8448,7 @@
           </p:nvSpPr>
           <p:spPr>
             <a:xfrm>
-              <a:off x="2253124" y="6193617"/>
+              <a:off x="2163973" y="6193652"/>
               <a:ext cx="63202" cy="63202"/>
             </a:xfrm>
             <a:custGeom>
@@ -8491,7 +8491,7 @@
           </p:nvSpPr>
           <p:spPr>
             <a:xfrm>
-              <a:off x="2068740" y="6195549"/>
+              <a:off x="1712895" y="6195564"/>
               <a:ext cx="63202" cy="63202"/>
             </a:xfrm>
             <a:custGeom>
@@ -8534,7 +8534,7 @@
           </p:nvSpPr>
           <p:spPr>
             <a:xfrm>
-              <a:off x="2168341" y="6193656"/>
+              <a:off x="1756515" y="6193684"/>
               <a:ext cx="63202" cy="63202"/>
             </a:xfrm>
             <a:custGeom>
@@ -8577,7 +8577,7 @@
           </p:nvSpPr>
           <p:spPr>
             <a:xfrm>
-              <a:off x="1792103" y="6510725"/>
+              <a:off x="1722803" y="6510737"/>
               <a:ext cx="63202" cy="63202"/>
             </a:xfrm>
             <a:custGeom>
@@ -8620,7 +8620,7 @@
           </p:nvSpPr>
           <p:spPr>
             <a:xfrm>
-              <a:off x="2267504" y="6293091"/>
+              <a:off x="2020703" y="6293100"/>
               <a:ext cx="63202" cy="63202"/>
             </a:xfrm>
             <a:custGeom>
@@ -8663,7 +8663,7 @@
           </p:nvSpPr>
           <p:spPr>
             <a:xfrm>
-              <a:off x="2123867" y="6329694"/>
+              <a:off x="2084621" y="6329711"/>
               <a:ext cx="63202" cy="63202"/>
             </a:xfrm>
             <a:custGeom>
@@ -8706,7 +8706,7 @@
           </p:nvSpPr>
           <p:spPr>
             <a:xfrm>
-              <a:off x="1919257" y="6707982"/>
+              <a:off x="2238109" y="6707987"/>
               <a:ext cx="63202" cy="63202"/>
             </a:xfrm>
             <a:custGeom>
@@ -8749,7 +8749,7 @@
           </p:nvSpPr>
           <p:spPr>
             <a:xfrm>
-              <a:off x="1894412" y="6190666"/>
+              <a:off x="1647848" y="6190665"/>
               <a:ext cx="63202" cy="63202"/>
             </a:xfrm>
             <a:custGeom>
@@ -8792,7 +8792,7 @@
           </p:nvSpPr>
           <p:spPr>
             <a:xfrm>
-              <a:off x="2040140" y="6189967"/>
+              <a:off x="1667054" y="6189988"/>
               <a:ext cx="63202" cy="63202"/>
             </a:xfrm>
             <a:custGeom>
@@ -8835,7 +8835,7 @@
           </p:nvSpPr>
           <p:spPr>
             <a:xfrm>
-              <a:off x="2144105" y="6350844"/>
+              <a:off x="1714101" y="6350851"/>
               <a:ext cx="63202" cy="63202"/>
             </a:xfrm>
             <a:custGeom>
@@ -8878,7 +8878,7 @@
           </p:nvSpPr>
           <p:spPr>
             <a:xfrm>
-              <a:off x="2295750" y="6398314"/>
+              <a:off x="1800393" y="6398313"/>
               <a:ext cx="63202" cy="63202"/>
             </a:xfrm>
             <a:custGeom>
@@ -8921,7 +8921,7 @@
           </p:nvSpPr>
           <p:spPr>
             <a:xfrm>
-              <a:off x="2205430" y="6324361"/>
+              <a:off x="1726394" y="6324387"/>
               <a:ext cx="63202" cy="63202"/>
             </a:xfrm>
             <a:custGeom>
@@ -8964,7 +8964,7 @@
           </p:nvSpPr>
           <p:spPr>
             <a:xfrm>
-              <a:off x="2295186" y="6328046"/>
+              <a:off x="2130967" y="6328075"/>
               <a:ext cx="63202" cy="63202"/>
             </a:xfrm>
             <a:custGeom>
@@ -9007,7 +9007,7 @@
           </p:nvSpPr>
           <p:spPr>
             <a:xfrm>
-              <a:off x="2083905" y="6321129"/>
+              <a:off x="2144400" y="6321146"/>
               <a:ext cx="63202" cy="63202"/>
             </a:xfrm>
             <a:custGeom>
@@ -9050,7 +9050,7 @@
           </p:nvSpPr>
           <p:spPr>
             <a:xfrm>
-              <a:off x="1799927" y="6311021"/>
+              <a:off x="2190936" y="6311065"/>
               <a:ext cx="63202" cy="63202"/>
             </a:xfrm>
             <a:custGeom>
@@ -9093,7 +9093,7 @@
           </p:nvSpPr>
           <p:spPr>
             <a:xfrm>
-              <a:off x="1873938" y="6313718"/>
+              <a:off x="1847672" y="6313707"/>
               <a:ext cx="63202" cy="63202"/>
             </a:xfrm>
             <a:custGeom>
@@ -9136,7 +9136,7 @@
           </p:nvSpPr>
           <p:spPr>
             <a:xfrm>
-              <a:off x="2115761" y="6314678"/>
+              <a:off x="2117841" y="6314672"/>
               <a:ext cx="63202" cy="63202"/>
             </a:xfrm>
             <a:custGeom>
@@ -9179,7 +9179,7 @@
           </p:nvSpPr>
           <p:spPr>
             <a:xfrm>
-              <a:off x="1785278" y="6305788"/>
+              <a:off x="1941275" y="6305796"/>
               <a:ext cx="63202" cy="63202"/>
             </a:xfrm>
             <a:custGeom>
@@ -9222,7 +9222,7 @@
           </p:nvSpPr>
           <p:spPr>
             <a:xfrm>
-              <a:off x="1993992" y="6281958"/>
+              <a:off x="1823607" y="6281955"/>
               <a:ext cx="63202" cy="63202"/>
             </a:xfrm>
             <a:custGeom>
@@ -9265,7 +9265,7 @@
           </p:nvSpPr>
           <p:spPr>
             <a:xfrm>
-              <a:off x="1975663" y="6328067"/>
+              <a:off x="2246882" y="6328046"/>
               <a:ext cx="63202" cy="63202"/>
             </a:xfrm>
             <a:custGeom>
@@ -9308,7 +9308,7 @@
           </p:nvSpPr>
           <p:spPr>
             <a:xfrm>
-              <a:off x="1775205" y="6560612"/>
+              <a:off x="1929997" y="6560607"/>
               <a:ext cx="63202" cy="63202"/>
             </a:xfrm>
             <a:custGeom>
@@ -9351,7 +9351,7 @@
           </p:nvSpPr>
           <p:spPr>
             <a:xfrm>
-              <a:off x="2166199" y="6658625"/>
+              <a:off x="2110358" y="6658660"/>
               <a:ext cx="63202" cy="63202"/>
             </a:xfrm>
             <a:custGeom>
@@ -9394,7 +9394,7 @@
           </p:nvSpPr>
           <p:spPr>
             <a:xfrm>
-              <a:off x="1799749" y="6560787"/>
+              <a:off x="2233589" y="6560798"/>
               <a:ext cx="63202" cy="63202"/>
             </a:xfrm>
             <a:custGeom>
@@ -9437,7 +9437,7 @@
           </p:nvSpPr>
           <p:spPr>
             <a:xfrm>
-              <a:off x="2062295" y="6582362"/>
+              <a:off x="2242722" y="6582384"/>
               <a:ext cx="63202" cy="63202"/>
             </a:xfrm>
             <a:custGeom>
@@ -9480,7 +9480,7 @@
           </p:nvSpPr>
           <p:spPr>
             <a:xfrm>
-              <a:off x="1689564" y="6665514"/>
+              <a:off x="2044080" y="6665520"/>
               <a:ext cx="63202" cy="63202"/>
             </a:xfrm>
             <a:custGeom>
@@ -9523,7 +9523,7 @@
           </p:nvSpPr>
           <p:spPr>
             <a:xfrm>
-              <a:off x="2232127" y="6187849"/>
+              <a:off x="2283411" y="6187864"/>
               <a:ext cx="63202" cy="63202"/>
             </a:xfrm>
             <a:custGeom>
@@ -9566,7 +9566,7 @@
           </p:nvSpPr>
           <p:spPr>
             <a:xfrm>
-              <a:off x="1699858" y="6440370"/>
+              <a:off x="2288550" y="6440370"/>
               <a:ext cx="63202" cy="63202"/>
             </a:xfrm>
             <a:custGeom>
@@ -9609,7 +9609,7 @@
           </p:nvSpPr>
           <p:spPr>
             <a:xfrm>
-              <a:off x="1685965" y="6357033"/>
+              <a:off x="2160633" y="6357072"/>
               <a:ext cx="63202" cy="63202"/>
             </a:xfrm>
             <a:custGeom>
@@ -9652,7 +9652,7 @@
           </p:nvSpPr>
           <p:spPr>
             <a:xfrm>
-              <a:off x="1928531" y="6195688"/>
+              <a:off x="2212752" y="6195710"/>
               <a:ext cx="63202" cy="63202"/>
             </a:xfrm>
             <a:custGeom>
@@ -9695,7 +9695,7 @@
           </p:nvSpPr>
           <p:spPr>
             <a:xfrm>
-              <a:off x="1666744" y="6198078"/>
+              <a:off x="1888982" y="6198075"/>
               <a:ext cx="63202" cy="63202"/>
             </a:xfrm>
             <a:custGeom>
@@ -9738,7 +9738,7 @@
           </p:nvSpPr>
           <p:spPr>
             <a:xfrm>
-              <a:off x="1911138" y="6200082"/>
+              <a:off x="1628906" y="6200087"/>
               <a:ext cx="63202" cy="63202"/>
             </a:xfrm>
             <a:custGeom>
@@ -9781,7 +9781,7 @@
           </p:nvSpPr>
           <p:spPr>
             <a:xfrm>
-              <a:off x="2216292" y="6199430"/>
+              <a:off x="1977256" y="6199432"/>
               <a:ext cx="63202" cy="63202"/>
             </a:xfrm>
             <a:custGeom>
@@ -9824,7 +9824,7 @@
           </p:nvSpPr>
           <p:spPr>
             <a:xfrm>
-              <a:off x="1655486" y="6194601"/>
+              <a:off x="1677049" y="6194617"/>
               <a:ext cx="63202" cy="63202"/>
             </a:xfrm>
             <a:custGeom>
@@ -9867,7 +9867,7 @@
           </p:nvSpPr>
           <p:spPr>
             <a:xfrm>
-              <a:off x="1904102" y="6402550"/>
+              <a:off x="1996056" y="6402583"/>
               <a:ext cx="63202" cy="63202"/>
             </a:xfrm>
             <a:custGeom>
@@ -9910,7 +9910,7 @@
           </p:nvSpPr>
           <p:spPr>
             <a:xfrm>
-              <a:off x="1858266" y="6471902"/>
+              <a:off x="1777449" y="6471884"/>
               <a:ext cx="63202" cy="63202"/>
             </a:xfrm>
             <a:custGeom>
@@ -9953,7 +9953,7 @@
           </p:nvSpPr>
           <p:spPr>
             <a:xfrm>
-              <a:off x="1926366" y="6191241"/>
+              <a:off x="1854495" y="6191271"/>
               <a:ext cx="63202" cy="63202"/>
             </a:xfrm>
             <a:custGeom>
@@ -9996,7 +9996,7 @@
           </p:nvSpPr>
           <p:spPr>
             <a:xfrm>
-              <a:off x="2143107" y="6325672"/>
+              <a:off x="1739388" y="6325688"/>
               <a:ext cx="63202" cy="63202"/>
             </a:xfrm>
             <a:custGeom>
@@ -10095,7 +10095,7 @@
           </p:nvSpPr>
           <p:spPr>
             <a:xfrm>
-              <a:off x="4325757" y="2797343"/>
+              <a:off x="4325757" y="2797352"/>
               <a:ext cx="2796732" cy="0"/>
             </a:xfrm>
             <a:custGeom>
@@ -10138,7 +10138,7 @@
           </p:nvSpPr>
           <p:spPr>
             <a:xfrm>
-              <a:off x="4325757" y="2312548"/>
+              <a:off x="4325757" y="2312565"/>
               <a:ext cx="2796732" cy="0"/>
             </a:xfrm>
             <a:custGeom>
@@ -10181,7 +10181,7 @@
           </p:nvSpPr>
           <p:spPr>
             <a:xfrm>
-              <a:off x="4325757" y="1827754"/>
+              <a:off x="4325757" y="1827778"/>
               <a:ext cx="2796732" cy="0"/>
             </a:xfrm>
             <a:custGeom>
@@ -10224,7 +10224,7 @@
           </p:nvSpPr>
           <p:spPr>
             <a:xfrm>
-              <a:off x="4325757" y="3039740"/>
+              <a:off x="4325757" y="3039745"/>
               <a:ext cx="2796732" cy="0"/>
             </a:xfrm>
             <a:custGeom>
@@ -10267,7 +10267,7 @@
           </p:nvSpPr>
           <p:spPr>
             <a:xfrm>
-              <a:off x="4325757" y="2554946"/>
+              <a:off x="4325757" y="2554958"/>
               <a:ext cx="2796732" cy="0"/>
             </a:xfrm>
             <a:custGeom>
@@ -10310,7 +10310,7 @@
           </p:nvSpPr>
           <p:spPr>
             <a:xfrm>
-              <a:off x="4325757" y="2070151"/>
+              <a:off x="4325757" y="2070172"/>
               <a:ext cx="2796732" cy="0"/>
             </a:xfrm>
             <a:custGeom>
@@ -10353,7 +10353,7 @@
           </p:nvSpPr>
           <p:spPr>
             <a:xfrm>
-              <a:off x="4325757" y="1585357"/>
+              <a:off x="4325757" y="1585385"/>
               <a:ext cx="2796732" cy="0"/>
             </a:xfrm>
             <a:custGeom>
@@ -10525,7 +10525,7 @@
           </p:nvSpPr>
           <p:spPr>
             <a:xfrm>
-              <a:off x="5055237" y="2523115"/>
+              <a:off x="4935761" y="2523103"/>
               <a:ext cx="63202" cy="63202"/>
             </a:xfrm>
             <a:custGeom>
@@ -10568,7 +10568,7 @@
           </p:nvSpPr>
           <p:spPr>
             <a:xfrm>
-              <a:off x="4739370" y="2409706"/>
+              <a:off x="4825684" y="2409726"/>
               <a:ext cx="63202" cy="63202"/>
             </a:xfrm>
             <a:custGeom>
@@ -10611,7 +10611,7 @@
           </p:nvSpPr>
           <p:spPr>
             <a:xfrm>
-              <a:off x="5106303" y="2369228"/>
+              <a:off x="4972755" y="2369228"/>
               <a:ext cx="63202" cy="63202"/>
             </a:xfrm>
             <a:custGeom>
@@ -10654,7 +10654,7 @@
           </p:nvSpPr>
           <p:spPr>
             <a:xfrm>
-              <a:off x="4726695" y="2416983"/>
+              <a:off x="5166040" y="2416996"/>
               <a:ext cx="63202" cy="63202"/>
             </a:xfrm>
             <a:custGeom>
@@ -10697,7 +10697,7 @@
           </p:nvSpPr>
           <p:spPr>
             <a:xfrm>
-              <a:off x="4868843" y="2439263"/>
+              <a:off x="4903460" y="2439306"/>
               <a:ext cx="63202" cy="63202"/>
             </a:xfrm>
             <a:custGeom>
@@ -10740,7 +10740,7 @@
           </p:nvSpPr>
           <p:spPr>
             <a:xfrm>
-              <a:off x="4618758" y="2470161"/>
+              <a:off x="5079153" y="2470182"/>
               <a:ext cx="63202" cy="63202"/>
             </a:xfrm>
             <a:custGeom>
@@ -10783,7 +10783,7 @@
           </p:nvSpPr>
           <p:spPr>
             <a:xfrm>
-              <a:off x="4884582" y="2389991"/>
+              <a:off x="4827425" y="2390004"/>
               <a:ext cx="63202" cy="63202"/>
             </a:xfrm>
             <a:custGeom>
@@ -10826,7 +10826,7 @@
           </p:nvSpPr>
           <p:spPr>
             <a:xfrm>
-              <a:off x="4651640" y="2419081"/>
+              <a:off x="4618793" y="2419075"/>
               <a:ext cx="63202" cy="63202"/>
             </a:xfrm>
             <a:custGeom>
@@ -10869,7 +10869,7 @@
           </p:nvSpPr>
           <p:spPr>
             <a:xfrm>
-              <a:off x="4825449" y="2391657"/>
+              <a:off x="4531721" y="2391705"/>
               <a:ext cx="63202" cy="63202"/>
             </a:xfrm>
             <a:custGeom>
@@ -10912,7 +10912,7 @@
           </p:nvSpPr>
           <p:spPr>
             <a:xfrm>
-              <a:off x="4481239" y="2407330"/>
+              <a:off x="5038775" y="2407340"/>
               <a:ext cx="63202" cy="63202"/>
             </a:xfrm>
             <a:custGeom>
@@ -10955,7 +10955,7 @@
           </p:nvSpPr>
           <p:spPr>
             <a:xfrm>
-              <a:off x="4789332" y="2875147"/>
+              <a:off x="5050688" y="2875167"/>
               <a:ext cx="63202" cy="63202"/>
             </a:xfrm>
             <a:custGeom>
@@ -10998,7 +10998,7 @@
           </p:nvSpPr>
           <p:spPr>
             <a:xfrm>
-              <a:off x="4687091" y="2398445"/>
+              <a:off x="4940449" y="2398487"/>
               <a:ext cx="63202" cy="63202"/>
             </a:xfrm>
             <a:custGeom>
@@ -11041,7 +11041,7 @@
           </p:nvSpPr>
           <p:spPr>
             <a:xfrm>
-              <a:off x="5085377" y="2405591"/>
+              <a:off x="4983272" y="2405599"/>
               <a:ext cx="63202" cy="63202"/>
             </a:xfrm>
             <a:custGeom>
@@ -11084,7 +11084,7 @@
           </p:nvSpPr>
           <p:spPr>
             <a:xfrm>
-              <a:off x="4984325" y="2419398"/>
+              <a:off x="5150678" y="2419413"/>
               <a:ext cx="63202" cy="63202"/>
             </a:xfrm>
             <a:custGeom>
@@ -11127,7 +11127,7 @@
           </p:nvSpPr>
           <p:spPr>
             <a:xfrm>
-              <a:off x="4696059" y="2533174"/>
+              <a:off x="4838224" y="2533215"/>
               <a:ext cx="63202" cy="63202"/>
             </a:xfrm>
             <a:custGeom>
@@ -11170,7 +11170,7 @@
           </p:nvSpPr>
           <p:spPr>
             <a:xfrm>
-              <a:off x="5025001" y="2424203"/>
+              <a:off x="4774794" y="2424214"/>
               <a:ext cx="63202" cy="63202"/>
             </a:xfrm>
             <a:custGeom>
@@ -11213,7 +11213,7 @@
           </p:nvSpPr>
           <p:spPr>
             <a:xfrm>
-              <a:off x="4990983" y="2502904"/>
+              <a:off x="4840207" y="2502918"/>
               <a:ext cx="63202" cy="63202"/>
             </a:xfrm>
             <a:custGeom>
@@ -11256,7 +11256,7 @@
           </p:nvSpPr>
           <p:spPr>
             <a:xfrm>
-              <a:off x="5060288" y="2380820"/>
+              <a:off x="4997159" y="2380812"/>
               <a:ext cx="63202" cy="63202"/>
             </a:xfrm>
             <a:custGeom>
@@ -11299,7 +11299,7 @@
           </p:nvSpPr>
           <p:spPr>
             <a:xfrm>
-              <a:off x="4903189" y="2402357"/>
+              <a:off x="4893200" y="2402363"/>
               <a:ext cx="63202" cy="63202"/>
             </a:xfrm>
             <a:custGeom>
@@ -11342,7 +11342,7 @@
           </p:nvSpPr>
           <p:spPr>
             <a:xfrm>
-              <a:off x="4501340" y="2456548"/>
+              <a:off x="5117406" y="2456572"/>
               <a:ext cx="63202" cy="63202"/>
             </a:xfrm>
             <a:custGeom>
@@ -11385,7 +11385,7 @@
           </p:nvSpPr>
           <p:spPr>
             <a:xfrm>
-              <a:off x="4967020" y="2422210"/>
+              <a:off x="4692666" y="2422231"/>
               <a:ext cx="63202" cy="63202"/>
             </a:xfrm>
             <a:custGeom>
@@ -11428,7 +11428,7 @@
           </p:nvSpPr>
           <p:spPr>
             <a:xfrm>
-              <a:off x="4800507" y="2435007"/>
+              <a:off x="4691158" y="2435035"/>
               <a:ext cx="63202" cy="63202"/>
             </a:xfrm>
             <a:custGeom>
@@ -11471,7 +11471,7 @@
           </p:nvSpPr>
           <p:spPr>
             <a:xfrm>
-              <a:off x="4695487" y="2588408"/>
+              <a:off x="4841872" y="2588423"/>
               <a:ext cx="63202" cy="63202"/>
             </a:xfrm>
             <a:custGeom>
@@ -11514,7 +11514,7 @@
           </p:nvSpPr>
           <p:spPr>
             <a:xfrm>
-              <a:off x="5152267" y="2568336"/>
+              <a:off x="4889889" y="2568363"/>
               <a:ext cx="63202" cy="63202"/>
             </a:xfrm>
             <a:custGeom>
@@ -11557,7 +11557,7 @@
           </p:nvSpPr>
           <p:spPr>
             <a:xfrm>
-              <a:off x="4915933" y="2466149"/>
+              <a:off x="4928081" y="2466160"/>
               <a:ext cx="63202" cy="63202"/>
             </a:xfrm>
             <a:custGeom>
@@ -11600,7 +11600,7 @@
           </p:nvSpPr>
           <p:spPr>
             <a:xfrm>
-              <a:off x="5119331" y="2405693"/>
+              <a:off x="4525181" y="2405712"/>
               <a:ext cx="63202" cy="63202"/>
             </a:xfrm>
             <a:custGeom>
@@ -11643,7 +11643,7 @@
           </p:nvSpPr>
           <p:spPr>
             <a:xfrm>
-              <a:off x="5069561" y="2784937"/>
+              <a:off x="4771451" y="2784943"/>
               <a:ext cx="63202" cy="63202"/>
             </a:xfrm>
             <a:custGeom>
@@ -11686,7 +11686,7 @@
           </p:nvSpPr>
           <p:spPr>
             <a:xfrm>
-              <a:off x="4620393" y="2414941"/>
+              <a:off x="4531006" y="2414956"/>
               <a:ext cx="63202" cy="63202"/>
             </a:xfrm>
             <a:custGeom>
@@ -11729,7 +11729,7 @@
           </p:nvSpPr>
           <p:spPr>
             <a:xfrm>
-              <a:off x="5061415" y="2431708"/>
+              <a:off x="4725880" y="2431731"/>
               <a:ext cx="63202" cy="63202"/>
             </a:xfrm>
             <a:custGeom>
@@ -11772,7 +11772,7 @@
           </p:nvSpPr>
           <p:spPr>
             <a:xfrm>
-              <a:off x="5021818" y="2371808"/>
+              <a:off x="5123155" y="2371803"/>
               <a:ext cx="63202" cy="63202"/>
             </a:xfrm>
             <a:custGeom>
@@ -11815,7 +11815,7 @@
           </p:nvSpPr>
           <p:spPr>
             <a:xfrm>
-              <a:off x="5116231" y="2422889"/>
+              <a:off x="4914491" y="2422915"/>
               <a:ext cx="63202" cy="63202"/>
             </a:xfrm>
             <a:custGeom>
@@ -11858,7 +11858,7 @@
           </p:nvSpPr>
           <p:spPr>
             <a:xfrm>
-              <a:off x="5042062" y="2381699"/>
+              <a:off x="5073070" y="2381689"/>
               <a:ext cx="63202" cy="63202"/>
             </a:xfrm>
             <a:custGeom>
@@ -11901,7 +11901,7 @@
           </p:nvSpPr>
           <p:spPr>
             <a:xfrm>
-              <a:off x="4817505" y="2435463"/>
+              <a:off x="5136083" y="2435462"/>
               <a:ext cx="63202" cy="63202"/>
             </a:xfrm>
             <a:custGeom>
@@ -11944,7 +11944,7 @@
           </p:nvSpPr>
           <p:spPr>
             <a:xfrm>
-              <a:off x="5026003" y="2463809"/>
+              <a:off x="4568123" y="2463807"/>
               <a:ext cx="63202" cy="63202"/>
             </a:xfrm>
             <a:custGeom>
@@ -11987,7 +11987,7 @@
           </p:nvSpPr>
           <p:spPr>
             <a:xfrm>
-              <a:off x="4975820" y="2411893"/>
+              <a:off x="5125354" y="2411886"/>
               <a:ext cx="63202" cy="63202"/>
             </a:xfrm>
             <a:custGeom>
@@ -12030,7 +12030,7 @@
           </p:nvSpPr>
           <p:spPr>
             <a:xfrm>
-              <a:off x="4733871" y="2405585"/>
+              <a:off x="5107064" y="2405621"/>
               <a:ext cx="63202" cy="63202"/>
             </a:xfrm>
             <a:custGeom>
@@ -12073,7 +12073,7 @@
           </p:nvSpPr>
           <p:spPr>
             <a:xfrm>
-              <a:off x="5104323" y="2419252"/>
+              <a:off x="4844167" y="2419271"/>
               <a:ext cx="63202" cy="63202"/>
             </a:xfrm>
             <a:custGeom>
@@ -12116,7 +12116,7 @@
           </p:nvSpPr>
           <p:spPr>
             <a:xfrm>
-              <a:off x="5143025" y="2459775"/>
+              <a:off x="5095837" y="2459803"/>
               <a:ext cx="63202" cy="63202"/>
             </a:xfrm>
             <a:custGeom>
@@ -12159,7 +12159,7 @@
           </p:nvSpPr>
           <p:spPr>
             <a:xfrm>
-              <a:off x="4902661" y="2414653"/>
+              <a:off x="4928422" y="2414680"/>
               <a:ext cx="63202" cy="63202"/>
             </a:xfrm>
             <a:custGeom>
@@ -12202,7 +12202,7 @@
           </p:nvSpPr>
           <p:spPr>
             <a:xfrm>
-              <a:off x="5052530" y="2470759"/>
+              <a:off x="4648598" y="2470764"/>
               <a:ext cx="63202" cy="63202"/>
             </a:xfrm>
             <a:custGeom>
@@ -12245,7 +12245,7 @@
           </p:nvSpPr>
           <p:spPr>
             <a:xfrm>
-              <a:off x="5069328" y="2441417"/>
+              <a:off x="4908464" y="2441428"/>
               <a:ext cx="63202" cy="63202"/>
             </a:xfrm>
             <a:custGeom>
@@ -12288,7 +12288,7 @@
           </p:nvSpPr>
           <p:spPr>
             <a:xfrm>
-              <a:off x="4896490" y="2602228"/>
+              <a:off x="4730474" y="2602225"/>
               <a:ext cx="63202" cy="63202"/>
             </a:xfrm>
             <a:custGeom>
@@ -12331,7 +12331,7 @@
           </p:nvSpPr>
           <p:spPr>
             <a:xfrm>
-              <a:off x="4583705" y="2423416"/>
+              <a:off x="4850022" y="2423426"/>
               <a:ext cx="63202" cy="63202"/>
             </a:xfrm>
             <a:custGeom>
@@ -12374,7 +12374,7 @@
           </p:nvSpPr>
           <p:spPr>
             <a:xfrm>
-              <a:off x="4851169" y="2536250"/>
+              <a:off x="4754451" y="2536234"/>
               <a:ext cx="63202" cy="63202"/>
             </a:xfrm>
             <a:custGeom>
@@ -12417,7 +12417,7 @@
           </p:nvSpPr>
           <p:spPr>
             <a:xfrm>
-              <a:off x="4998720" y="2403061"/>
+              <a:off x="4690823" y="2403096"/>
               <a:ext cx="63202" cy="63202"/>
             </a:xfrm>
             <a:custGeom>
@@ -12460,7 +12460,7 @@
           </p:nvSpPr>
           <p:spPr>
             <a:xfrm>
-              <a:off x="5112932" y="2414815"/>
+              <a:off x="4793928" y="2414818"/>
               <a:ext cx="63202" cy="63202"/>
             </a:xfrm>
             <a:custGeom>
@@ -12503,7 +12503,7 @@
           </p:nvSpPr>
           <p:spPr>
             <a:xfrm>
-              <a:off x="4975553" y="2385716"/>
+              <a:off x="5077267" y="2385733"/>
               <a:ext cx="63202" cy="63202"/>
             </a:xfrm>
             <a:custGeom>
@@ -12546,7 +12546,7 @@
           </p:nvSpPr>
           <p:spPr>
             <a:xfrm>
-              <a:off x="4806209" y="2408386"/>
+              <a:off x="4842804" y="2408398"/>
               <a:ext cx="63202" cy="63202"/>
             </a:xfrm>
             <a:custGeom>
@@ -12589,7 +12589,7 @@
           </p:nvSpPr>
           <p:spPr>
             <a:xfrm>
-              <a:off x="4899436" y="2421691"/>
+              <a:off x="4965800" y="2421698"/>
               <a:ext cx="63202" cy="63202"/>
             </a:xfrm>
             <a:custGeom>
@@ -12632,7 +12632,7 @@
           </p:nvSpPr>
           <p:spPr>
             <a:xfrm>
-              <a:off x="4861888" y="2609727"/>
+              <a:off x="4498731" y="2609758"/>
               <a:ext cx="63202" cy="63202"/>
             </a:xfrm>
             <a:custGeom>
@@ -12675,7 +12675,7 @@
           </p:nvSpPr>
           <p:spPr>
             <a:xfrm>
-              <a:off x="5020473" y="2424162"/>
+              <a:off x="5015264" y="2424169"/>
               <a:ext cx="63202" cy="63202"/>
             </a:xfrm>
             <a:custGeom>
@@ -12718,7 +12718,7 @@
           </p:nvSpPr>
           <p:spPr>
             <a:xfrm>
-              <a:off x="4786843" y="2511762"/>
+              <a:off x="4671908" y="2511757"/>
               <a:ext cx="63202" cy="63202"/>
             </a:xfrm>
             <a:custGeom>
@@ -12761,7 +12761,7 @@
           </p:nvSpPr>
           <p:spPr>
             <a:xfrm>
-              <a:off x="5758074" y="2683392"/>
+              <a:off x="5904139" y="2683403"/>
               <a:ext cx="63202" cy="63202"/>
             </a:xfrm>
             <a:custGeom>
@@ -12804,7 +12804,7 @@
           </p:nvSpPr>
           <p:spPr>
             <a:xfrm>
-              <a:off x="5014230" y="2367536"/>
+              <a:off x="4993292" y="2367556"/>
               <a:ext cx="63202" cy="63202"/>
             </a:xfrm>
             <a:custGeom>
@@ -12847,7 +12847,7 @@
           </p:nvSpPr>
           <p:spPr>
             <a:xfrm>
-              <a:off x="4481961" y="2388679"/>
+              <a:off x="4801513" y="2388689"/>
               <a:ext cx="63202" cy="63202"/>
             </a:xfrm>
             <a:custGeom>
@@ -12890,7 +12890,7 @@
           </p:nvSpPr>
           <p:spPr>
             <a:xfrm>
-              <a:off x="5091648" y="2680374"/>
+              <a:off x="4835453" y="2680362"/>
               <a:ext cx="63202" cy="63202"/>
             </a:xfrm>
             <a:custGeom>
@@ -12933,7 +12933,7 @@
           </p:nvSpPr>
           <p:spPr>
             <a:xfrm>
-              <a:off x="4864229" y="2431854"/>
+              <a:off x="4980726" y="2431861"/>
               <a:ext cx="63202" cy="63202"/>
             </a:xfrm>
             <a:custGeom>
@@ -12976,7 +12976,7 @@
           </p:nvSpPr>
           <p:spPr>
             <a:xfrm>
-              <a:off x="4800895" y="2390477"/>
+              <a:off x="5110154" y="2390460"/>
               <a:ext cx="63202" cy="63202"/>
             </a:xfrm>
             <a:custGeom>
@@ -13019,7 +13019,7 @@
           </p:nvSpPr>
           <p:spPr>
             <a:xfrm>
-              <a:off x="4516402" y="2424165"/>
+              <a:off x="4982311" y="2424151"/>
               <a:ext cx="63202" cy="63202"/>
             </a:xfrm>
             <a:custGeom>
@@ -13062,7 +13062,7 @@
           </p:nvSpPr>
           <p:spPr>
             <a:xfrm>
-              <a:off x="4644062" y="2442642"/>
+              <a:off x="4656831" y="2442629"/>
               <a:ext cx="63202" cy="63202"/>
             </a:xfrm>
             <a:custGeom>
@@ -13105,7 +13105,7 @@
           </p:nvSpPr>
           <p:spPr>
             <a:xfrm>
-              <a:off x="4633802" y="2428172"/>
+              <a:off x="4646006" y="2428195"/>
               <a:ext cx="63202" cy="63202"/>
             </a:xfrm>
             <a:custGeom>
@@ -13148,7 +13148,7 @@
           </p:nvSpPr>
           <p:spPr>
             <a:xfrm>
-              <a:off x="4729328" y="2484573"/>
+              <a:off x="4648987" y="2484561"/>
               <a:ext cx="63202" cy="63202"/>
             </a:xfrm>
             <a:custGeom>
@@ -13191,7 +13191,7 @@
           </p:nvSpPr>
           <p:spPr>
             <a:xfrm>
-              <a:off x="4726832" y="2409434"/>
+              <a:off x="4693788" y="2409448"/>
               <a:ext cx="63202" cy="63202"/>
             </a:xfrm>
             <a:custGeom>
@@ -13234,7 +13234,7 @@
           </p:nvSpPr>
           <p:spPr>
             <a:xfrm>
-              <a:off x="4510607" y="2413867"/>
+              <a:off x="5089691" y="2413907"/>
               <a:ext cx="63202" cy="63202"/>
             </a:xfrm>
             <a:custGeom>
@@ -13277,7 +13277,7 @@
           </p:nvSpPr>
           <p:spPr>
             <a:xfrm>
-              <a:off x="4845857" y="2455603"/>
+              <a:off x="4795471" y="2455620"/>
               <a:ext cx="63202" cy="63202"/>
             </a:xfrm>
             <a:custGeom>
@@ -13320,7 +13320,7 @@
           </p:nvSpPr>
           <p:spPr>
             <a:xfrm>
-              <a:off x="4769683" y="2453085"/>
+              <a:off x="4498753" y="2453108"/>
               <a:ext cx="63202" cy="63202"/>
             </a:xfrm>
             <a:custGeom>
@@ -13363,7 +13363,7 @@
           </p:nvSpPr>
           <p:spPr>
             <a:xfrm>
-              <a:off x="4914350" y="2402296"/>
+              <a:off x="4556390" y="2402324"/>
               <a:ext cx="63202" cy="63202"/>
             </a:xfrm>
             <a:custGeom>
@@ -13406,7 +13406,7 @@
           </p:nvSpPr>
           <p:spPr>
             <a:xfrm>
-              <a:off x="5070968" y="2502779"/>
+              <a:off x="4564732" y="2502786"/>
               <a:ext cx="63202" cy="63202"/>
             </a:xfrm>
             <a:custGeom>
@@ -13449,7 +13449,7 @@
           </p:nvSpPr>
           <p:spPr>
             <a:xfrm>
-              <a:off x="4978856" y="2505942"/>
+              <a:off x="5023815" y="2505964"/>
               <a:ext cx="63202" cy="63202"/>
             </a:xfrm>
             <a:custGeom>
@@ -13492,7 +13492,7 @@
           </p:nvSpPr>
           <p:spPr>
             <a:xfrm>
-              <a:off x="4629777" y="2452168"/>
+              <a:off x="5016193" y="2452207"/>
               <a:ext cx="63202" cy="63202"/>
             </a:xfrm>
             <a:custGeom>
@@ -13535,7 +13535,7 @@
           </p:nvSpPr>
           <p:spPr>
             <a:xfrm>
-              <a:off x="5071406" y="2492332"/>
+              <a:off x="4682820" y="2492329"/>
               <a:ext cx="63202" cy="63202"/>
             </a:xfrm>
             <a:custGeom>
@@ -13578,7 +13578,7 @@
           </p:nvSpPr>
           <p:spPr>
             <a:xfrm>
-              <a:off x="4606813" y="2433895"/>
+              <a:off x="5099766" y="2433927"/>
               <a:ext cx="63202" cy="63202"/>
             </a:xfrm>
             <a:custGeom>
@@ -13621,7 +13621,7 @@
           </p:nvSpPr>
           <p:spPr>
             <a:xfrm>
-              <a:off x="4572720" y="2406218"/>
+              <a:off x="4595233" y="2406231"/>
               <a:ext cx="63202" cy="63202"/>
             </a:xfrm>
             <a:custGeom>
@@ -13664,7 +13664,7 @@
           </p:nvSpPr>
           <p:spPr>
             <a:xfrm>
-              <a:off x="4777899" y="2368438"/>
+              <a:off x="4583617" y="2368461"/>
               <a:ext cx="63202" cy="63202"/>
             </a:xfrm>
             <a:custGeom>
@@ -13707,7 +13707,7 @@
           </p:nvSpPr>
           <p:spPr>
             <a:xfrm>
-              <a:off x="4723244" y="2369853"/>
+              <a:off x="4575494" y="2369862"/>
               <a:ext cx="63202" cy="63202"/>
             </a:xfrm>
             <a:custGeom>
@@ -13750,7 +13750,7 @@
           </p:nvSpPr>
           <p:spPr>
             <a:xfrm>
-              <a:off x="4621651" y="2431037"/>
+              <a:off x="4868804" y="2431058"/>
               <a:ext cx="63202" cy="63202"/>
             </a:xfrm>
             <a:custGeom>
@@ -13793,7 +13793,7 @@
           </p:nvSpPr>
           <p:spPr>
             <a:xfrm>
-              <a:off x="4755445" y="2394057"/>
+              <a:off x="4704904" y="2394073"/>
               <a:ext cx="63202" cy="63202"/>
             </a:xfrm>
             <a:custGeom>
@@ -13836,7 +13836,7 @@
           </p:nvSpPr>
           <p:spPr>
             <a:xfrm>
-              <a:off x="4893040" y="2755885"/>
+              <a:off x="4495910" y="2755917"/>
               <a:ext cx="63202" cy="63202"/>
             </a:xfrm>
             <a:custGeom>
@@ -13879,7 +13879,7 @@
           </p:nvSpPr>
           <p:spPr>
             <a:xfrm>
-              <a:off x="4815318" y="2368553"/>
+              <a:off x="4730457" y="2368555"/>
               <a:ext cx="63202" cy="63202"/>
             </a:xfrm>
             <a:custGeom>
@@ -13922,7 +13922,7 @@
           </p:nvSpPr>
           <p:spPr>
             <a:xfrm>
-              <a:off x="4586264" y="2397867"/>
+              <a:off x="4572561" y="2397907"/>
               <a:ext cx="63202" cy="63202"/>
             </a:xfrm>
             <a:custGeom>
@@ -13965,7 +13965,7 @@
           </p:nvSpPr>
           <p:spPr>
             <a:xfrm>
-              <a:off x="4941476" y="2406026"/>
+              <a:off x="4484763" y="2406035"/>
               <a:ext cx="63202" cy="63202"/>
             </a:xfrm>
             <a:custGeom>
@@ -14008,7 +14008,7 @@
           </p:nvSpPr>
           <p:spPr>
             <a:xfrm>
-              <a:off x="4661697" y="2461972"/>
+              <a:off x="5021483" y="2461974"/>
               <a:ext cx="63202" cy="63202"/>
             </a:xfrm>
             <a:custGeom>
@@ -14051,7 +14051,7 @@
           </p:nvSpPr>
           <p:spPr>
             <a:xfrm>
-              <a:off x="4693175" y="2360128"/>
+              <a:off x="4712912" y="2360131"/>
               <a:ext cx="63202" cy="63202"/>
             </a:xfrm>
             <a:custGeom>
@@ -14094,7 +14094,7 @@
           </p:nvSpPr>
           <p:spPr>
             <a:xfrm>
-              <a:off x="4841914" y="2414753"/>
+              <a:off x="4862805" y="2414748"/>
               <a:ext cx="63202" cy="63202"/>
             </a:xfrm>
             <a:custGeom>
@@ -14137,7 +14137,7 @@
           </p:nvSpPr>
           <p:spPr>
             <a:xfrm>
-              <a:off x="4716263" y="2403520"/>
+              <a:off x="5039495" y="2403533"/>
               <a:ext cx="63202" cy="63202"/>
             </a:xfrm>
             <a:custGeom>
@@ -14236,7 +14236,7 @@
           </p:nvSpPr>
           <p:spPr>
             <a:xfrm>
-              <a:off x="4325757" y="4722676"/>
+              <a:off x="4325757" y="4722684"/>
               <a:ext cx="2796732" cy="0"/>
             </a:xfrm>
             <a:custGeom>
@@ -14279,7 +14279,7 @@
           </p:nvSpPr>
           <p:spPr>
             <a:xfrm>
-              <a:off x="4325757" y="4237881"/>
+              <a:off x="4325757" y="4237898"/>
               <a:ext cx="2796732" cy="0"/>
             </a:xfrm>
             <a:custGeom>
@@ -14322,7 +14322,7 @@
           </p:nvSpPr>
           <p:spPr>
             <a:xfrm>
-              <a:off x="4325757" y="3753086"/>
+              <a:off x="4325757" y="3753111"/>
               <a:ext cx="2796732" cy="0"/>
             </a:xfrm>
             <a:custGeom>
@@ -14365,7 +14365,7 @@
           </p:nvSpPr>
           <p:spPr>
             <a:xfrm>
-              <a:off x="4325757" y="4965073"/>
+              <a:off x="4325757" y="4965078"/>
               <a:ext cx="2796732" cy="0"/>
             </a:xfrm>
             <a:custGeom>
@@ -14408,7 +14408,7 @@
           </p:nvSpPr>
           <p:spPr>
             <a:xfrm>
-              <a:off x="4325757" y="4480278"/>
+              <a:off x="4325757" y="4480291"/>
               <a:ext cx="2796732" cy="0"/>
             </a:xfrm>
             <a:custGeom>
@@ -14451,7 +14451,7 @@
           </p:nvSpPr>
           <p:spPr>
             <a:xfrm>
-              <a:off x="4325757" y="3995484"/>
+              <a:off x="4325757" y="3995504"/>
               <a:ext cx="2796732" cy="0"/>
             </a:xfrm>
             <a:custGeom>
@@ -14494,7 +14494,7 @@
           </p:nvSpPr>
           <p:spPr>
             <a:xfrm>
-              <a:off x="4325757" y="3510689"/>
+              <a:off x="4325757" y="3510718"/>
               <a:ext cx="2796732" cy="0"/>
             </a:xfrm>
             <a:custGeom>
@@ -14666,7 +14666,7 @@
           </p:nvSpPr>
           <p:spPr>
             <a:xfrm>
-              <a:off x="6018317" y="4821827"/>
+              <a:off x="5751376" y="4821811"/>
               <a:ext cx="63202" cy="63202"/>
             </a:xfrm>
             <a:custGeom>
@@ -14709,7 +14709,7 @@
           </p:nvSpPr>
           <p:spPr>
             <a:xfrm>
-              <a:off x="5032809" y="4732169"/>
+              <a:off x="4898517" y="4732201"/>
               <a:ext cx="63202" cy="63202"/>
             </a:xfrm>
             <a:custGeom>
@@ -14752,7 +14752,7 @@
           </p:nvSpPr>
           <p:spPr>
             <a:xfrm>
-              <a:off x="4494283" y="4371841"/>
+              <a:off x="4775468" y="4371849"/>
               <a:ext cx="63202" cy="63202"/>
             </a:xfrm>
             <a:custGeom>
@@ -14795,7 +14795,7 @@
           </p:nvSpPr>
           <p:spPr>
             <a:xfrm>
-              <a:off x="6677817" y="4883747"/>
+              <a:off x="6583249" y="4883747"/>
               <a:ext cx="63202" cy="63202"/>
             </a:xfrm>
             <a:custGeom>
@@ -14894,7 +14894,7 @@
           </p:nvSpPr>
           <p:spPr>
             <a:xfrm>
-              <a:off x="4325757" y="6648008"/>
+              <a:off x="4325757" y="6648017"/>
               <a:ext cx="2796732" cy="0"/>
             </a:xfrm>
             <a:custGeom>
@@ -14937,7 +14937,7 @@
           </p:nvSpPr>
           <p:spPr>
             <a:xfrm>
-              <a:off x="4325757" y="6163214"/>
+              <a:off x="4325757" y="6163230"/>
               <a:ext cx="2796732" cy="0"/>
             </a:xfrm>
             <a:custGeom>
@@ -14980,7 +14980,7 @@
           </p:nvSpPr>
           <p:spPr>
             <a:xfrm>
-              <a:off x="4325757" y="5678419"/>
+              <a:off x="4325757" y="5678444"/>
               <a:ext cx="2796732" cy="0"/>
             </a:xfrm>
             <a:custGeom>
@@ -15023,7 +15023,7 @@
           </p:nvSpPr>
           <p:spPr>
             <a:xfrm>
-              <a:off x="4325757" y="6890406"/>
+              <a:off x="4325757" y="6890410"/>
               <a:ext cx="2796732" cy="0"/>
             </a:xfrm>
             <a:custGeom>
@@ -15066,7 +15066,7 @@
           </p:nvSpPr>
           <p:spPr>
             <a:xfrm>
-              <a:off x="4325757" y="6405611"/>
+              <a:off x="4325757" y="6405624"/>
               <a:ext cx="2796732" cy="0"/>
             </a:xfrm>
             <a:custGeom>
@@ -15109,7 +15109,7 @@
           </p:nvSpPr>
           <p:spPr>
             <a:xfrm>
-              <a:off x="4325757" y="5920816"/>
+              <a:off x="4325757" y="5920837"/>
               <a:ext cx="2796732" cy="0"/>
             </a:xfrm>
             <a:custGeom>
@@ -15152,7 +15152,7 @@
           </p:nvSpPr>
           <p:spPr>
             <a:xfrm>
-              <a:off x="4325757" y="5436022"/>
+              <a:off x="4325757" y="5436050"/>
               <a:ext cx="2796732" cy="0"/>
             </a:xfrm>
             <a:custGeom>
@@ -15324,7 +15324,7 @@
           </p:nvSpPr>
           <p:spPr>
             <a:xfrm>
-              <a:off x="4656592" y="6069268"/>
+              <a:off x="5083897" y="6069296"/>
               <a:ext cx="63202" cy="63202"/>
             </a:xfrm>
             <a:custGeom>
@@ -15367,7 +15367,7 @@
           </p:nvSpPr>
           <p:spPr>
             <a:xfrm>
-              <a:off x="5157214" y="6063045"/>
+              <a:off x="4838711" y="6063088"/>
               <a:ext cx="63202" cy="63202"/>
             </a:xfrm>
             <a:custGeom>
@@ -15410,7 +15410,7 @@
           </p:nvSpPr>
           <p:spPr>
             <a:xfrm>
-              <a:off x="4591564" y="6072618"/>
+              <a:off x="4737040" y="6072636"/>
               <a:ext cx="63202" cy="63202"/>
             </a:xfrm>
             <a:custGeom>
@@ -15453,7 +15453,7 @@
           </p:nvSpPr>
           <p:spPr>
             <a:xfrm>
-              <a:off x="4599265" y="6055871"/>
+              <a:off x="5062947" y="6055911"/>
               <a:ext cx="63202" cy="63202"/>
             </a:xfrm>
             <a:custGeom>
@@ -15496,7 +15496,7 @@
           </p:nvSpPr>
           <p:spPr>
             <a:xfrm>
-              <a:off x="4863640" y="6058491"/>
+              <a:off x="4498483" y="6058521"/>
               <a:ext cx="63202" cy="63202"/>
             </a:xfrm>
             <a:custGeom>
@@ -15539,7 +15539,7 @@
           </p:nvSpPr>
           <p:spPr>
             <a:xfrm>
-              <a:off x="4491535" y="6071920"/>
+              <a:off x="5090095" y="6071936"/>
               <a:ext cx="63202" cy="63202"/>
             </a:xfrm>
             <a:custGeom>
@@ -15582,7 +15582,7 @@
           </p:nvSpPr>
           <p:spPr>
             <a:xfrm>
-              <a:off x="5069284" y="6055562"/>
+              <a:off x="4652435" y="6055568"/>
               <a:ext cx="63202" cy="63202"/>
             </a:xfrm>
             <a:custGeom>
@@ -15625,7 +15625,7 @@
           </p:nvSpPr>
           <p:spPr>
             <a:xfrm>
-              <a:off x="4943863" y="6216615"/>
+              <a:off x="5081521" y="6216619"/>
               <a:ext cx="63202" cy="63202"/>
             </a:xfrm>
             <a:custGeom>
@@ -15668,7 +15668,7 @@
           </p:nvSpPr>
           <p:spPr>
             <a:xfrm>
-              <a:off x="4617137" y="6074453"/>
+              <a:off x="4538939" y="6074480"/>
               <a:ext cx="63202" cy="63202"/>
             </a:xfrm>
             <a:custGeom>
@@ -15711,7 +15711,7 @@
           </p:nvSpPr>
           <p:spPr>
             <a:xfrm>
-              <a:off x="4824377" y="6079125"/>
+              <a:off x="4698457" y="6079113"/>
               <a:ext cx="63202" cy="63202"/>
             </a:xfrm>
             <a:custGeom>
@@ -15754,7 +15754,7 @@
           </p:nvSpPr>
           <p:spPr>
             <a:xfrm>
-              <a:off x="4730632" y="6079467"/>
+              <a:off x="4714778" y="6079471"/>
               <a:ext cx="63202" cy="63202"/>
             </a:xfrm>
             <a:custGeom>
@@ -15797,7 +15797,7 @@
           </p:nvSpPr>
           <p:spPr>
             <a:xfrm>
-              <a:off x="5018728" y="6136810"/>
+              <a:off x="4572806" y="6136807"/>
               <a:ext cx="63202" cy="63202"/>
             </a:xfrm>
             <a:custGeom>
@@ -15840,7 +15840,7 @@
           </p:nvSpPr>
           <p:spPr>
             <a:xfrm>
-              <a:off x="4866807" y="6171653"/>
+              <a:off x="4631693" y="6171676"/>
               <a:ext cx="63202" cy="63202"/>
             </a:xfrm>
             <a:custGeom>
@@ -15883,7 +15883,7 @@
           </p:nvSpPr>
           <p:spPr>
             <a:xfrm>
-              <a:off x="4931433" y="6071788"/>
+              <a:off x="4471205" y="6071810"/>
               <a:ext cx="63202" cy="63202"/>
             </a:xfrm>
             <a:custGeom>
@@ -15926,7 +15926,7 @@
           </p:nvSpPr>
           <p:spPr>
             <a:xfrm>
-              <a:off x="4967194" y="6071466"/>
+              <a:off x="4984571" y="6071484"/>
               <a:ext cx="63202" cy="63202"/>
             </a:xfrm>
             <a:custGeom>
@@ -15969,7 +15969,7 @@
           </p:nvSpPr>
           <p:spPr>
             <a:xfrm>
-              <a:off x="5109523" y="6050682"/>
+              <a:off x="4684947" y="6050713"/>
               <a:ext cx="63202" cy="63202"/>
             </a:xfrm>
             <a:custGeom>
@@ -16012,7 +16012,7 @@
           </p:nvSpPr>
           <p:spPr>
             <a:xfrm>
-              <a:off x="4689859" y="6075844"/>
+              <a:off x="4617391" y="6075874"/>
               <a:ext cx="63202" cy="63202"/>
             </a:xfrm>
             <a:custGeom>
@@ -16055,7 +16055,7 @@
           </p:nvSpPr>
           <p:spPr>
             <a:xfrm>
-              <a:off x="4981432" y="6042892"/>
+              <a:off x="5155634" y="6042906"/>
               <a:ext cx="63202" cy="63202"/>
             </a:xfrm>
             <a:custGeom>
@@ -16098,7 +16098,7 @@
           </p:nvSpPr>
           <p:spPr>
             <a:xfrm>
-              <a:off x="5133313" y="6070641"/>
+              <a:off x="4909773" y="6070653"/>
               <a:ext cx="63202" cy="63202"/>
             </a:xfrm>
             <a:custGeom>
@@ -16141,7 +16141,7 @@
           </p:nvSpPr>
           <p:spPr>
             <a:xfrm>
-              <a:off x="5086939" y="6055690"/>
+              <a:off x="4515526" y="6055696"/>
               <a:ext cx="63202" cy="63202"/>
             </a:xfrm>
             <a:custGeom>
@@ -16184,7 +16184,7 @@
           </p:nvSpPr>
           <p:spPr>
             <a:xfrm>
-              <a:off x="4964398" y="6305930"/>
+              <a:off x="5129786" y="6305975"/>
               <a:ext cx="63202" cy="63202"/>
             </a:xfrm>
             <a:custGeom>
@@ -16227,7 +16227,7 @@
           </p:nvSpPr>
           <p:spPr>
             <a:xfrm>
-              <a:off x="4483630" y="6134810"/>
+              <a:off x="4814175" y="6134818"/>
               <a:ext cx="63202" cy="63202"/>
             </a:xfrm>
             <a:custGeom>
@@ -16270,7 +16270,7 @@
           </p:nvSpPr>
           <p:spPr>
             <a:xfrm>
-              <a:off x="4483687" y="6070244"/>
+              <a:off x="5123005" y="6070239"/>
               <a:ext cx="63202" cy="63202"/>
             </a:xfrm>
             <a:custGeom>
@@ -16313,7 +16313,7 @@
           </p:nvSpPr>
           <p:spPr>
             <a:xfrm>
-              <a:off x="4660696" y="6053746"/>
+              <a:off x="5160872" y="6053757"/>
               <a:ext cx="63202" cy="63202"/>
             </a:xfrm>
             <a:custGeom>
@@ -16356,7 +16356,7 @@
           </p:nvSpPr>
           <p:spPr>
             <a:xfrm>
-              <a:off x="4906780" y="6058180"/>
+              <a:off x="4762824" y="6058165"/>
               <a:ext cx="63202" cy="63202"/>
             </a:xfrm>
             <a:custGeom>
@@ -16399,7 +16399,7 @@
           </p:nvSpPr>
           <p:spPr>
             <a:xfrm>
-              <a:off x="4983847" y="6063891"/>
+              <a:off x="4790951" y="6063886"/>
               <a:ext cx="63202" cy="63202"/>
             </a:xfrm>
             <a:custGeom>
@@ -16442,7 +16442,7 @@
           </p:nvSpPr>
           <p:spPr>
             <a:xfrm>
-              <a:off x="4801216" y="6079095"/>
+              <a:off x="5060807" y="6079139"/>
               <a:ext cx="63202" cy="63202"/>
             </a:xfrm>
             <a:custGeom>
@@ -16485,7 +16485,7 @@
           </p:nvSpPr>
           <p:spPr>
             <a:xfrm>
-              <a:off x="4559020" y="6075462"/>
+              <a:off x="4526591" y="6075500"/>
               <a:ext cx="63202" cy="63202"/>
             </a:xfrm>
             <a:custGeom>
@@ -16528,7 +16528,7 @@
           </p:nvSpPr>
           <p:spPr>
             <a:xfrm>
-              <a:off x="5152528" y="6060948"/>
+              <a:off x="4979799" y="6060964"/>
               <a:ext cx="63202" cy="63202"/>
             </a:xfrm>
             <a:custGeom>
@@ -16571,7 +16571,7 @@
           </p:nvSpPr>
           <p:spPr>
             <a:xfrm>
-              <a:off x="4847449" y="6074445"/>
+              <a:off x="4566936" y="6074468"/>
               <a:ext cx="63202" cy="63202"/>
             </a:xfrm>
             <a:custGeom>
@@ -16614,7 +16614,7 @@
           </p:nvSpPr>
           <p:spPr>
             <a:xfrm>
-              <a:off x="4699569" y="6067920"/>
+              <a:off x="5089665" y="6067932"/>
               <a:ext cx="63202" cy="63202"/>
             </a:xfrm>
             <a:custGeom>
@@ -16657,7 +16657,7 @@
           </p:nvSpPr>
           <p:spPr>
             <a:xfrm>
-              <a:off x="4840981" y="6051075"/>
+              <a:off x="5159779" y="6051099"/>
               <a:ext cx="63202" cy="63202"/>
             </a:xfrm>
             <a:custGeom>
@@ -16700,7 +16700,7 @@
           </p:nvSpPr>
           <p:spPr>
             <a:xfrm>
-              <a:off x="5128119" y="6051906"/>
+              <a:off x="5140255" y="6051943"/>
               <a:ext cx="63202" cy="63202"/>
             </a:xfrm>
             <a:custGeom>
@@ -16743,7 +16743,7 @@
           </p:nvSpPr>
           <p:spPr>
             <a:xfrm>
-              <a:off x="4863181" y="6055561"/>
+              <a:off x="4788699" y="6055556"/>
               <a:ext cx="63202" cy="63202"/>
             </a:xfrm>
             <a:custGeom>
@@ -16786,7 +16786,7 @@
           </p:nvSpPr>
           <p:spPr>
             <a:xfrm>
-              <a:off x="4704267" y="6071343"/>
+              <a:off x="4492384" y="6071366"/>
               <a:ext cx="63202" cy="63202"/>
             </a:xfrm>
             <a:custGeom>
@@ -16829,7 +16829,7 @@
           </p:nvSpPr>
           <p:spPr>
             <a:xfrm>
-              <a:off x="5091190" y="6075875"/>
+              <a:off x="4859687" y="6075881"/>
               <a:ext cx="63202" cy="63202"/>
             </a:xfrm>
             <a:custGeom>
@@ -16872,7 +16872,7 @@
           </p:nvSpPr>
           <p:spPr>
             <a:xfrm>
-              <a:off x="4972707" y="6070399"/>
+              <a:off x="4624415" y="6070397"/>
               <a:ext cx="63202" cy="63202"/>
             </a:xfrm>
             <a:custGeom>
@@ -16915,7 +16915,7 @@
           </p:nvSpPr>
           <p:spPr>
             <a:xfrm>
-              <a:off x="5018282" y="6051903"/>
+              <a:off x="4488814" y="6051912"/>
               <a:ext cx="63202" cy="63202"/>
             </a:xfrm>
             <a:custGeom>
@@ -16958,7 +16958,7 @@
           </p:nvSpPr>
           <p:spPr>
             <a:xfrm>
-              <a:off x="5073449" y="6074756"/>
+              <a:off x="5086544" y="6074761"/>
               <a:ext cx="63202" cy="63202"/>
             </a:xfrm>
             <a:custGeom>
@@ -17001,7 +17001,7 @@
           </p:nvSpPr>
           <p:spPr>
             <a:xfrm>
-              <a:off x="5081044" y="6123863"/>
+              <a:off x="4744242" y="6123873"/>
               <a:ext cx="63202" cy="63202"/>
             </a:xfrm>
             <a:custGeom>
@@ -17044,7 +17044,7 @@
           </p:nvSpPr>
           <p:spPr>
             <a:xfrm>
-              <a:off x="4864893" y="6059607"/>
+              <a:off x="5159614" y="6059645"/>
               <a:ext cx="63202" cy="63202"/>
             </a:xfrm>
             <a:custGeom>
@@ -17087,7 +17087,7 @@
           </p:nvSpPr>
           <p:spPr>
             <a:xfrm>
-              <a:off x="5068486" y="6055392"/>
+              <a:off x="4535968" y="6055411"/>
               <a:ext cx="63202" cy="63202"/>
             </a:xfrm>
             <a:custGeom>
@@ -17130,7 +17130,7 @@
           </p:nvSpPr>
           <p:spPr>
             <a:xfrm>
-              <a:off x="4559229" y="6065332"/>
+              <a:off x="5149835" y="6065353"/>
               <a:ext cx="63202" cy="63202"/>
             </a:xfrm>
             <a:custGeom>
@@ -17173,7 +17173,7 @@
           </p:nvSpPr>
           <p:spPr>
             <a:xfrm>
-              <a:off x="4774254" y="6077250"/>
+              <a:off x="4630476" y="6077286"/>
               <a:ext cx="63202" cy="63202"/>
             </a:xfrm>
             <a:custGeom>
@@ -17216,7 +17216,7 @@
           </p:nvSpPr>
           <p:spPr>
             <a:xfrm>
-              <a:off x="4991795" y="6071391"/>
+              <a:off x="5037224" y="6071426"/>
               <a:ext cx="63202" cy="63202"/>
             </a:xfrm>
             <a:custGeom>
@@ -17259,7 +17259,7 @@
           </p:nvSpPr>
           <p:spPr>
             <a:xfrm>
-              <a:off x="4982148" y="6065035"/>
+              <a:off x="5051399" y="6065075"/>
               <a:ext cx="63202" cy="63202"/>
             </a:xfrm>
             <a:custGeom>
@@ -17302,7 +17302,7 @@
           </p:nvSpPr>
           <p:spPr>
             <a:xfrm>
-              <a:off x="4470064" y="6097325"/>
+              <a:off x="4931626" y="6097355"/>
               <a:ext cx="63202" cy="63202"/>
             </a:xfrm>
             <a:custGeom>
@@ -17345,7 +17345,7 @@
           </p:nvSpPr>
           <p:spPr>
             <a:xfrm>
-              <a:off x="4593385" y="6050057"/>
+              <a:off x="4523670" y="6050092"/>
               <a:ext cx="63202" cy="63202"/>
             </a:xfrm>
             <a:custGeom>
@@ -17388,7 +17388,7 @@
           </p:nvSpPr>
           <p:spPr>
             <a:xfrm>
-              <a:off x="5011484" y="6082858"/>
+              <a:off x="4759456" y="6082861"/>
               <a:ext cx="63202" cy="63202"/>
             </a:xfrm>
             <a:custGeom>
@@ -17431,7 +17431,7 @@
           </p:nvSpPr>
           <p:spPr>
             <a:xfrm>
-              <a:off x="4723808" y="6050735"/>
+              <a:off x="5021877" y="6050768"/>
               <a:ext cx="63202" cy="63202"/>
             </a:xfrm>
             <a:custGeom>
@@ -17474,7 +17474,7 @@
           </p:nvSpPr>
           <p:spPr>
             <a:xfrm>
-              <a:off x="4519647" y="6082922"/>
+              <a:off x="4601254" y="6082941"/>
               <a:ext cx="63202" cy="63202"/>
             </a:xfrm>
             <a:custGeom>
@@ -17517,7 +17517,7 @@
           </p:nvSpPr>
           <p:spPr>
             <a:xfrm>
-              <a:off x="4824326" y="6060349"/>
+              <a:off x="4707636" y="6060351"/>
               <a:ext cx="63202" cy="63202"/>
             </a:xfrm>
             <a:custGeom>
@@ -17560,7 +17560,7 @@
           </p:nvSpPr>
           <p:spPr>
             <a:xfrm>
-              <a:off x="5007632" y="6153242"/>
+              <a:off x="4617905" y="6153258"/>
               <a:ext cx="63202" cy="63202"/>
             </a:xfrm>
             <a:custGeom>
@@ -17603,7 +17603,7 @@
           </p:nvSpPr>
           <p:spPr>
             <a:xfrm>
-              <a:off x="4493575" y="6053398"/>
+              <a:off x="5153522" y="6053424"/>
               <a:ext cx="63202" cy="63202"/>
             </a:xfrm>
             <a:custGeom>
@@ -17646,7 +17646,7 @@
           </p:nvSpPr>
           <p:spPr>
             <a:xfrm>
-              <a:off x="4928098" y="6058471"/>
+              <a:off x="4784908" y="6058478"/>
               <a:ext cx="63202" cy="63202"/>
             </a:xfrm>
             <a:custGeom>
@@ -17689,7 +17689,7 @@
           </p:nvSpPr>
           <p:spPr>
             <a:xfrm>
-              <a:off x="5025558" y="6048080"/>
+              <a:off x="4568281" y="6048108"/>
               <a:ext cx="63202" cy="63202"/>
             </a:xfrm>
             <a:custGeom>
@@ -17732,7 +17732,7 @@
           </p:nvSpPr>
           <p:spPr>
             <a:xfrm>
-              <a:off x="4712208" y="6530586"/>
+              <a:off x="4790727" y="6530607"/>
               <a:ext cx="63202" cy="63202"/>
             </a:xfrm>
             <a:custGeom>
@@ -17775,7 +17775,7 @@
           </p:nvSpPr>
           <p:spPr>
             <a:xfrm>
-              <a:off x="4827231" y="6056459"/>
+              <a:off x="4708273" y="6056489"/>
               <a:ext cx="63202" cy="63202"/>
             </a:xfrm>
             <a:custGeom>
@@ -17818,7 +17818,7 @@
           </p:nvSpPr>
           <p:spPr>
             <a:xfrm>
-              <a:off x="4632978" y="6056462"/>
+              <a:off x="4543964" y="6056473"/>
               <a:ext cx="63202" cy="63202"/>
             </a:xfrm>
             <a:custGeom>
@@ -17861,7 +17861,7 @@
           </p:nvSpPr>
           <p:spPr>
             <a:xfrm>
-              <a:off x="4793500" y="6070828"/>
+              <a:off x="4717145" y="6070819"/>
               <a:ext cx="63202" cy="63202"/>
             </a:xfrm>
             <a:custGeom>
@@ -17904,7 +17904,7 @@
           </p:nvSpPr>
           <p:spPr>
             <a:xfrm>
-              <a:off x="4838307" y="6066264"/>
+              <a:off x="5127058" y="6066269"/>
               <a:ext cx="63202" cy="63202"/>
             </a:xfrm>
             <a:custGeom>
@@ -17947,7 +17947,7 @@
           </p:nvSpPr>
           <p:spPr>
             <a:xfrm>
-              <a:off x="4885650" y="6070510"/>
+              <a:off x="4678853" y="6070555"/>
               <a:ext cx="63202" cy="63202"/>
             </a:xfrm>
             <a:custGeom>
@@ -17990,7 +17990,7 @@
           </p:nvSpPr>
           <p:spPr>
             <a:xfrm>
-              <a:off x="4582528" y="6184569"/>
+              <a:off x="4596439" y="6184581"/>
               <a:ext cx="63202" cy="63202"/>
             </a:xfrm>
             <a:custGeom>
@@ -18033,7 +18033,7 @@
           </p:nvSpPr>
           <p:spPr>
             <a:xfrm>
-              <a:off x="4764174" y="6109862"/>
+              <a:off x="4576896" y="6109861"/>
               <a:ext cx="63202" cy="63202"/>
             </a:xfrm>
             <a:custGeom>
@@ -18076,7 +18076,7 @@
           </p:nvSpPr>
           <p:spPr>
             <a:xfrm>
-              <a:off x="5159962" y="6058365"/>
+              <a:off x="4912560" y="6058374"/>
               <a:ext cx="63202" cy="63202"/>
             </a:xfrm>
             <a:custGeom>
@@ -18119,7 +18119,7 @@
           </p:nvSpPr>
           <p:spPr>
             <a:xfrm>
-              <a:off x="4823536" y="6223129"/>
+              <a:off x="5012244" y="6223159"/>
               <a:ext cx="63202" cy="63202"/>
             </a:xfrm>
             <a:custGeom>
@@ -18162,7 +18162,7 @@
           </p:nvSpPr>
           <p:spPr>
             <a:xfrm>
-              <a:off x="4975597" y="6081496"/>
+              <a:off x="4830346" y="6081485"/>
               <a:ext cx="63202" cy="63202"/>
             </a:xfrm>
             <a:custGeom>
@@ -18205,7 +18205,7 @@
           </p:nvSpPr>
           <p:spPr>
             <a:xfrm>
-              <a:off x="4562677" y="6093371"/>
+              <a:off x="4708169" y="6093395"/>
               <a:ext cx="63202" cy="63202"/>
             </a:xfrm>
             <a:custGeom>
@@ -18248,7 +18248,7 @@
           </p:nvSpPr>
           <p:spPr>
             <a:xfrm>
-              <a:off x="5076451" y="6053378"/>
+              <a:off x="4521067" y="6053402"/>
               <a:ext cx="63202" cy="63202"/>
             </a:xfrm>
             <a:custGeom>
@@ -18291,7 +18291,7 @@
           </p:nvSpPr>
           <p:spPr>
             <a:xfrm>
-              <a:off x="5023579" y="6071297"/>
+              <a:off x="5164631" y="6071321"/>
               <a:ext cx="63202" cy="63202"/>
             </a:xfrm>
             <a:custGeom>
@@ -18334,7 +18334,7 @@
           </p:nvSpPr>
           <p:spPr>
             <a:xfrm>
-              <a:off x="4535602" y="6068743"/>
+              <a:off x="4826249" y="6068758"/>
               <a:ext cx="63202" cy="63202"/>
             </a:xfrm>
             <a:custGeom>
@@ -18377,7 +18377,7 @@
           </p:nvSpPr>
           <p:spPr>
             <a:xfrm>
-              <a:off x="5074541" y="6049889"/>
+              <a:off x="4626400" y="6049875"/>
               <a:ext cx="63202" cy="63202"/>
             </a:xfrm>
             <a:custGeom>
@@ -18420,7 +18420,7 @@
           </p:nvSpPr>
           <p:spPr>
             <a:xfrm>
-              <a:off x="4715965" y="6172914"/>
+              <a:off x="4829446" y="6172918"/>
               <a:ext cx="63202" cy="63202"/>
             </a:xfrm>
             <a:custGeom>
@@ -18463,7 +18463,7 @@
           </p:nvSpPr>
           <p:spPr>
             <a:xfrm>
-              <a:off x="4905993" y="6052884"/>
+              <a:off x="4842236" y="6052897"/>
               <a:ext cx="63202" cy="63202"/>
             </a:xfrm>
             <a:custGeom>
@@ -18506,7 +18506,7 @@
           </p:nvSpPr>
           <p:spPr>
             <a:xfrm>
-              <a:off x="5107851" y="6064266"/>
+              <a:off x="4483325" y="6064307"/>
               <a:ext cx="63202" cy="63202"/>
             </a:xfrm>
             <a:custGeom>
@@ -18549,7 +18549,7 @@
           </p:nvSpPr>
           <p:spPr>
             <a:xfrm>
-              <a:off x="4936414" y="6097338"/>
+              <a:off x="5156060" y="6097349"/>
               <a:ext cx="63202" cy="63202"/>
             </a:xfrm>
             <a:custGeom>
@@ -18592,7 +18592,7 @@
           </p:nvSpPr>
           <p:spPr>
             <a:xfrm>
-              <a:off x="4794736" y="6067269"/>
+              <a:off x="4813681" y="6067303"/>
               <a:ext cx="63202" cy="63202"/>
             </a:xfrm>
             <a:custGeom>
@@ -18635,7 +18635,7 @@
           </p:nvSpPr>
           <p:spPr>
             <a:xfrm>
-              <a:off x="5138196" y="6065876"/>
+              <a:off x="4803234" y="6065900"/>
               <a:ext cx="63202" cy="63202"/>
             </a:xfrm>
             <a:custGeom>
@@ -18678,7 +18678,7 @@
           </p:nvSpPr>
           <p:spPr>
             <a:xfrm>
-              <a:off x="4804429" y="6067685"/>
+              <a:off x="4868994" y="6067700"/>
               <a:ext cx="63202" cy="63202"/>
             </a:xfrm>
             <a:custGeom>
@@ -18721,7 +18721,7 @@
           </p:nvSpPr>
           <p:spPr>
             <a:xfrm>
-              <a:off x="4547554" y="6069832"/>
+              <a:off x="4876738" y="6069880"/>
               <a:ext cx="63202" cy="63202"/>
             </a:xfrm>
             <a:custGeom>
@@ -18764,7 +18764,7 @@
           </p:nvSpPr>
           <p:spPr>
             <a:xfrm>
-              <a:off x="5151716" y="6075879"/>
+              <a:off x="5069638" y="6075880"/>
               <a:ext cx="63202" cy="63202"/>
             </a:xfrm>
             <a:custGeom>
@@ -18807,7 +18807,7 @@
           </p:nvSpPr>
           <p:spPr>
             <a:xfrm>
-              <a:off x="4585962" y="6068654"/>
+              <a:off x="4517035" y="6068663"/>
               <a:ext cx="63202" cy="63202"/>
             </a:xfrm>
             <a:custGeom>
@@ -18850,7 +18850,7 @@
           </p:nvSpPr>
           <p:spPr>
             <a:xfrm>
-              <a:off x="4946255" y="6530004"/>
+              <a:off x="4738971" y="6530029"/>
               <a:ext cx="63202" cy="63202"/>
             </a:xfrm>
             <a:custGeom>
@@ -18893,7 +18893,7 @@
           </p:nvSpPr>
           <p:spPr>
             <a:xfrm>
-              <a:off x="5146617" y="6075029"/>
+              <a:off x="4991962" y="6075055"/>
               <a:ext cx="63202" cy="63202"/>
             </a:xfrm>
             <a:custGeom>
@@ -18936,7 +18936,7 @@
           </p:nvSpPr>
           <p:spPr>
             <a:xfrm>
-              <a:off x="5914104" y="6724318"/>
+              <a:off x="5412302" y="6724334"/>
               <a:ext cx="63202" cy="63202"/>
             </a:xfrm>
             <a:custGeom>
@@ -18979,7 +18979,7 @@
           </p:nvSpPr>
           <p:spPr>
             <a:xfrm>
-              <a:off x="4626407" y="6094947"/>
+              <a:off x="5093708" y="6094973"/>
               <a:ext cx="63202" cy="63202"/>
             </a:xfrm>
             <a:custGeom>
@@ -19022,7 +19022,7 @@
           </p:nvSpPr>
           <p:spPr>
             <a:xfrm>
-              <a:off x="5032459" y="6072225"/>
+              <a:off x="4738111" y="6072224"/>
               <a:ext cx="63202" cy="63202"/>
             </a:xfrm>
             <a:custGeom>
@@ -19065,7 +19065,7 @@
           </p:nvSpPr>
           <p:spPr>
             <a:xfrm>
-              <a:off x="4772304" y="6065091"/>
+              <a:off x="4558717" y="6065114"/>
               <a:ext cx="63202" cy="63202"/>
             </a:xfrm>
             <a:custGeom>
@@ -19108,7 +19108,7 @@
           </p:nvSpPr>
           <p:spPr>
             <a:xfrm>
-              <a:off x="4867888" y="6066161"/>
+              <a:off x="4663194" y="6066179"/>
               <a:ext cx="63202" cy="63202"/>
             </a:xfrm>
             <a:custGeom>
@@ -19151,7 +19151,7 @@
           </p:nvSpPr>
           <p:spPr>
             <a:xfrm>
-              <a:off x="4689312" y="6076200"/>
+              <a:off x="4872378" y="6076204"/>
               <a:ext cx="63202" cy="63202"/>
             </a:xfrm>
             <a:custGeom>
@@ -19194,7 +19194,7 @@
           </p:nvSpPr>
           <p:spPr>
             <a:xfrm>
-              <a:off x="4488439" y="6080594"/>
+              <a:off x="4714913" y="6080641"/>
               <a:ext cx="63202" cy="63202"/>
             </a:xfrm>
             <a:custGeom>
@@ -19237,7 +19237,7 @@
           </p:nvSpPr>
           <p:spPr>
             <a:xfrm>
-              <a:off x="4486868" y="6070637"/>
+              <a:off x="4900491" y="6070642"/>
               <a:ext cx="63202" cy="63202"/>
             </a:xfrm>
             <a:custGeom>
@@ -19280,7 +19280,7 @@
           </p:nvSpPr>
           <p:spPr>
             <a:xfrm>
-              <a:off x="5048354" y="6072791"/>
+              <a:off x="4805652" y="6072843"/>
               <a:ext cx="63202" cy="63202"/>
             </a:xfrm>
             <a:custGeom>
@@ -19323,7 +19323,7 @@
           </p:nvSpPr>
           <p:spPr>
             <a:xfrm>
-              <a:off x="5021101" y="6068813"/>
+              <a:off x="4549596" y="6068833"/>
               <a:ext cx="63202" cy="63202"/>
             </a:xfrm>
             <a:custGeom>
@@ -19366,7 +19366,7 @@
           </p:nvSpPr>
           <p:spPr>
             <a:xfrm>
-              <a:off x="4548695" y="6053303"/>
+              <a:off x="5005691" y="6053351"/>
               <a:ext cx="63202" cy="63202"/>
             </a:xfrm>
             <a:custGeom>
@@ -19409,7 +19409,7 @@
           </p:nvSpPr>
           <p:spPr>
             <a:xfrm>
-              <a:off x="5032631" y="6061119"/>
+              <a:off x="4804250" y="6061140"/>
               <a:ext cx="63202" cy="63202"/>
             </a:xfrm>
             <a:custGeom>
@@ -19452,7 +19452,7 @@
           </p:nvSpPr>
           <p:spPr>
             <a:xfrm>
-              <a:off x="4856021" y="6059611"/>
+              <a:off x="5129279" y="6059640"/>
               <a:ext cx="63202" cy="63202"/>
             </a:xfrm>
             <a:custGeom>
@@ -19495,7 +19495,7 @@
           </p:nvSpPr>
           <p:spPr>
             <a:xfrm>
-              <a:off x="4657820" y="6099854"/>
+              <a:off x="4731089" y="6099868"/>
               <a:ext cx="63202" cy="63202"/>
             </a:xfrm>
             <a:custGeom>
@@ -19538,7 +19538,7 @@
           </p:nvSpPr>
           <p:spPr>
             <a:xfrm>
-              <a:off x="5035018" y="6065082"/>
+              <a:off x="4844349" y="6065112"/>
               <a:ext cx="63202" cy="63202"/>
             </a:xfrm>
             <a:custGeom>
@@ -19581,7 +19581,7 @@
           </p:nvSpPr>
           <p:spPr>
             <a:xfrm>
-              <a:off x="4518417" y="6185734"/>
+              <a:off x="4764489" y="6185739"/>
               <a:ext cx="63202" cy="63202"/>
             </a:xfrm>
             <a:custGeom>
@@ -19624,7 +19624,7 @@
           </p:nvSpPr>
           <p:spPr>
             <a:xfrm>
-              <a:off x="4722500" y="6079314"/>
+              <a:off x="4862217" y="6079335"/>
               <a:ext cx="63202" cy="63202"/>
             </a:xfrm>
             <a:custGeom>
@@ -19667,7 +19667,7 @@
           </p:nvSpPr>
           <p:spPr>
             <a:xfrm>
-              <a:off x="5023192" y="6070994"/>
+              <a:off x="5060465" y="6071028"/>
               <a:ext cx="63202" cy="63202"/>
             </a:xfrm>
             <a:custGeom>
@@ -19710,7 +19710,7 @@
           </p:nvSpPr>
           <p:spPr>
             <a:xfrm>
-              <a:off x="4820319" y="6103554"/>
+              <a:off x="4532585" y="6103573"/>
               <a:ext cx="63202" cy="63202"/>
             </a:xfrm>
             <a:custGeom>
@@ -19753,7 +19753,7 @@
           </p:nvSpPr>
           <p:spPr>
             <a:xfrm>
-              <a:off x="5161535" y="6059144"/>
+              <a:off x="4685457" y="6059146"/>
               <a:ext cx="63202" cy="63202"/>
             </a:xfrm>
             <a:custGeom>
@@ -19796,7 +19796,7 @@
           </p:nvSpPr>
           <p:spPr>
             <a:xfrm>
-              <a:off x="4589269" y="6057747"/>
+              <a:off x="4659207" y="6057744"/>
               <a:ext cx="63202" cy="63202"/>
             </a:xfrm>
             <a:custGeom>
@@ -19839,7 +19839,7 @@
           </p:nvSpPr>
           <p:spPr>
             <a:xfrm>
-              <a:off x="5833824" y="6587838"/>
+              <a:off x="5564351" y="6587881"/>
               <a:ext cx="63202" cy="63202"/>
             </a:xfrm>
             <a:custGeom>
@@ -19882,7 +19882,7 @@
           </p:nvSpPr>
           <p:spPr>
             <a:xfrm>
-              <a:off x="4690141" y="6123709"/>
+              <a:off x="5093520" y="6123738"/>
               <a:ext cx="63202" cy="63202"/>
             </a:xfrm>
             <a:custGeom>
@@ -19925,7 +19925,7 @@
           </p:nvSpPr>
           <p:spPr>
             <a:xfrm>
-              <a:off x="4922712" y="6076429"/>
+              <a:off x="4579932" y="6076475"/>
               <a:ext cx="63202" cy="63202"/>
             </a:xfrm>
             <a:custGeom>
@@ -19968,7 +19968,7 @@
           </p:nvSpPr>
           <p:spPr>
             <a:xfrm>
-              <a:off x="5043574" y="6144642"/>
+              <a:off x="5161979" y="6144666"/>
               <a:ext cx="63202" cy="63202"/>
             </a:xfrm>
             <a:custGeom>
@@ -20011,7 +20011,7 @@
           </p:nvSpPr>
           <p:spPr>
             <a:xfrm>
-              <a:off x="5094703" y="6050038"/>
+              <a:off x="4623038" y="6050045"/>
               <a:ext cx="63202" cy="63202"/>
             </a:xfrm>
             <a:custGeom>
@@ -20054,7 +20054,7 @@
           </p:nvSpPr>
           <p:spPr>
             <a:xfrm>
-              <a:off x="4930224" y="6051924"/>
+              <a:off x="4745076" y="6051939"/>
               <a:ext cx="63202" cy="63202"/>
             </a:xfrm>
             <a:custGeom>
@@ -20097,7 +20097,7 @@
           </p:nvSpPr>
           <p:spPr>
             <a:xfrm>
-              <a:off x="5061867" y="6051218"/>
+              <a:off x="4930897" y="6051250"/>
               <a:ext cx="63202" cy="63202"/>
             </a:xfrm>
             <a:custGeom>
@@ -20140,7 +20140,7 @@
           </p:nvSpPr>
           <p:spPr>
             <a:xfrm>
-              <a:off x="5147190" y="6053896"/>
+              <a:off x="5158017" y="6053921"/>
               <a:ext cx="63202" cy="63202"/>
             </a:xfrm>
             <a:custGeom>
@@ -20183,7 +20183,7 @@
           </p:nvSpPr>
           <p:spPr>
             <a:xfrm>
-              <a:off x="4656672" y="6063353"/>
+              <a:off x="5038719" y="6063390"/>
               <a:ext cx="63202" cy="63202"/>
             </a:xfrm>
             <a:custGeom>
@@ -20226,7 +20226,7 @@
           </p:nvSpPr>
           <p:spPr>
             <a:xfrm>
-              <a:off x="4953512" y="6096421"/>
+              <a:off x="5082808" y="6096449"/>
               <a:ext cx="63202" cy="63202"/>
             </a:xfrm>
             <a:custGeom>
@@ -20269,7 +20269,7 @@
           </p:nvSpPr>
           <p:spPr>
             <a:xfrm>
-              <a:off x="5044301" y="6045892"/>
+              <a:off x="4853209" y="6045925"/>
               <a:ext cx="63202" cy="63202"/>
             </a:xfrm>
             <a:custGeom>
@@ -20312,7 +20312,7 @@
           </p:nvSpPr>
           <p:spPr>
             <a:xfrm>
-              <a:off x="4528289" y="6074756"/>
+              <a:off x="4972595" y="6074774"/>
               <a:ext cx="63202" cy="63202"/>
             </a:xfrm>
             <a:custGeom>
@@ -20355,7 +20355,7 @@
           </p:nvSpPr>
           <p:spPr>
             <a:xfrm>
-              <a:off x="5119629" y="6044481"/>
+              <a:off x="4873744" y="6044531"/>
               <a:ext cx="63202" cy="63202"/>
             </a:xfrm>
             <a:custGeom>
@@ -20398,7 +20398,7 @@
           </p:nvSpPr>
           <p:spPr>
             <a:xfrm>
-              <a:off x="4489911" y="6054336"/>
+              <a:off x="5018920" y="6054343"/>
               <a:ext cx="63202" cy="63202"/>
             </a:xfrm>
             <a:custGeom>
@@ -20441,7 +20441,7 @@
           </p:nvSpPr>
           <p:spPr>
             <a:xfrm>
-              <a:off x="5123126" y="6074953"/>
+              <a:off x="5139812" y="6074948"/>
               <a:ext cx="63202" cy="63202"/>
             </a:xfrm>
             <a:custGeom>
@@ -20484,7 +20484,7 @@
           </p:nvSpPr>
           <p:spPr>
             <a:xfrm>
-              <a:off x="4500820" y="6063109"/>
+              <a:off x="4531022" y="6063126"/>
               <a:ext cx="63202" cy="63202"/>
             </a:xfrm>
             <a:custGeom>
@@ -20527,7 +20527,7 @@
           </p:nvSpPr>
           <p:spPr>
             <a:xfrm>
-              <a:off x="4548460" y="6473504"/>
+              <a:off x="4608295" y="6473483"/>
               <a:ext cx="63202" cy="63202"/>
             </a:xfrm>
             <a:custGeom>
@@ -20570,7 +20570,7 @@
           </p:nvSpPr>
           <p:spPr>
             <a:xfrm>
-              <a:off x="4887047" y="6205317"/>
+              <a:off x="5033347" y="6205307"/>
               <a:ext cx="63202" cy="63202"/>
             </a:xfrm>
             <a:custGeom>
@@ -20613,7 +20613,7 @@
           </p:nvSpPr>
           <p:spPr>
             <a:xfrm>
-              <a:off x="4768943" y="6058342"/>
+              <a:off x="4768804" y="6058363"/>
               <a:ext cx="63202" cy="63202"/>
             </a:xfrm>
             <a:custGeom>
@@ -20656,7 +20656,7 @@
           </p:nvSpPr>
           <p:spPr>
             <a:xfrm>
-              <a:off x="5114263" y="6055983"/>
+              <a:off x="4470711" y="6055989"/>
               <a:ext cx="63202" cy="63202"/>
             </a:xfrm>
             <a:custGeom>
@@ -20699,7 +20699,7 @@
           </p:nvSpPr>
           <p:spPr>
             <a:xfrm>
-              <a:off x="5092675" y="6089450"/>
+              <a:off x="4563430" y="6089435"/>
               <a:ext cx="63202" cy="63202"/>
             </a:xfrm>
             <a:custGeom>
@@ -20742,7 +20742,7 @@
           </p:nvSpPr>
           <p:spPr>
             <a:xfrm>
-              <a:off x="4834770" y="6076243"/>
+              <a:off x="4991157" y="6076255"/>
               <a:ext cx="63202" cy="63202"/>
             </a:xfrm>
             <a:custGeom>
@@ -20785,7 +20785,7 @@
           </p:nvSpPr>
           <p:spPr>
             <a:xfrm>
-              <a:off x="4519141" y="6065392"/>
+              <a:off x="4597285" y="6065407"/>
               <a:ext cx="63202" cy="63202"/>
             </a:xfrm>
             <a:custGeom>
@@ -20828,7 +20828,7 @@
           </p:nvSpPr>
           <p:spPr>
             <a:xfrm>
-              <a:off x="4511837" y="6366719"/>
+              <a:off x="5003141" y="6366739"/>
               <a:ext cx="63202" cy="63202"/>
             </a:xfrm>
             <a:custGeom>
@@ -20871,7 +20871,7 @@
           </p:nvSpPr>
           <p:spPr>
             <a:xfrm>
-              <a:off x="4787923" y="6059511"/>
+              <a:off x="4934051" y="6059532"/>
               <a:ext cx="63202" cy="63202"/>
             </a:xfrm>
             <a:custGeom>
@@ -20914,7 +20914,7 @@
           </p:nvSpPr>
           <p:spPr>
             <a:xfrm>
-              <a:off x="4730456" y="6085478"/>
+              <a:off x="4747531" y="6085479"/>
               <a:ext cx="63202" cy="63202"/>
             </a:xfrm>
             <a:custGeom>
@@ -20957,7 +20957,7 @@
           </p:nvSpPr>
           <p:spPr>
             <a:xfrm>
-              <a:off x="5047637" y="6536756"/>
+              <a:off x="4542391" y="6536752"/>
               <a:ext cx="63202" cy="63202"/>
             </a:xfrm>
             <a:custGeom>
@@ -21000,7 +21000,7 @@
           </p:nvSpPr>
           <p:spPr>
             <a:xfrm>
-              <a:off x="4783210" y="6226207"/>
+              <a:off x="5117395" y="6226208"/>
               <a:ext cx="63202" cy="63202"/>
             </a:xfrm>
             <a:custGeom>
@@ -21043,7 +21043,7 @@
           </p:nvSpPr>
           <p:spPr>
             <a:xfrm>
-              <a:off x="5053065" y="6387310"/>
+              <a:off x="4971714" y="6387321"/>
               <a:ext cx="63202" cy="63202"/>
             </a:xfrm>
             <a:custGeom>
@@ -21086,7 +21086,7 @@
           </p:nvSpPr>
           <p:spPr>
             <a:xfrm>
-              <a:off x="5023878" y="6305911"/>
+              <a:off x="5068274" y="6305895"/>
               <a:ext cx="63202" cy="63202"/>
             </a:xfrm>
             <a:custGeom>
@@ -21129,7 +21129,7 @@
           </p:nvSpPr>
           <p:spPr>
             <a:xfrm>
-              <a:off x="5101969" y="6053287"/>
+              <a:off x="4702007" y="6053288"/>
               <a:ext cx="63202" cy="63202"/>
             </a:xfrm>
             <a:custGeom>
@@ -21172,7 +21172,7 @@
           </p:nvSpPr>
           <p:spPr>
             <a:xfrm>
-              <a:off x="4850597" y="6099705"/>
+              <a:off x="4896960" y="6099725"/>
               <a:ext cx="63202" cy="63202"/>
             </a:xfrm>
             <a:custGeom>
@@ -21215,7 +21215,7 @@
           </p:nvSpPr>
           <p:spPr>
             <a:xfrm>
-              <a:off x="4911177" y="6467217"/>
+              <a:off x="4551847" y="6467229"/>
               <a:ext cx="63202" cy="63202"/>
             </a:xfrm>
             <a:custGeom>
@@ -21258,7 +21258,7 @@
           </p:nvSpPr>
           <p:spPr>
             <a:xfrm>
-              <a:off x="4657100" y="6196363"/>
+              <a:off x="5081904" y="6196398"/>
               <a:ext cx="63202" cy="63202"/>
             </a:xfrm>
             <a:custGeom>
@@ -21301,7 +21301,7 @@
           </p:nvSpPr>
           <p:spPr>
             <a:xfrm>
-              <a:off x="4534137" y="6069072"/>
+              <a:off x="4903425" y="6069107"/>
               <a:ext cx="63202" cy="63202"/>
             </a:xfrm>
             <a:custGeom>
@@ -21344,7 +21344,7 @@
           </p:nvSpPr>
           <p:spPr>
             <a:xfrm>
-              <a:off x="5137965" y="6093836"/>
+              <a:off x="5103161" y="6093857"/>
               <a:ext cx="63202" cy="63202"/>
             </a:xfrm>
             <a:custGeom>
@@ -21387,7 +21387,7 @@
           </p:nvSpPr>
           <p:spPr>
             <a:xfrm>
-              <a:off x="4567768" y="6095028"/>
+              <a:off x="4677031" y="6095035"/>
               <a:ext cx="63202" cy="63202"/>
             </a:xfrm>
             <a:custGeom>
@@ -21430,7 +21430,7 @@
           </p:nvSpPr>
           <p:spPr>
             <a:xfrm>
-              <a:off x="4952141" y="6062279"/>
+              <a:off x="4468990" y="6062314"/>
               <a:ext cx="63202" cy="63202"/>
             </a:xfrm>
             <a:custGeom>
@@ -21473,7 +21473,7 @@
           </p:nvSpPr>
           <p:spPr>
             <a:xfrm>
-              <a:off x="4954610" y="6197355"/>
+              <a:off x="5132592" y="6197381"/>
               <a:ext cx="63202" cy="63202"/>
             </a:xfrm>
             <a:custGeom>
@@ -21516,7 +21516,7 @@
           </p:nvSpPr>
           <p:spPr>
             <a:xfrm>
-              <a:off x="4867488" y="6520915"/>
+              <a:off x="4753003" y="6520894"/>
               <a:ext cx="63202" cy="63202"/>
             </a:xfrm>
             <a:custGeom>
@@ -21559,7 +21559,7 @@
           </p:nvSpPr>
           <p:spPr>
             <a:xfrm>
-              <a:off x="4652866" y="6101519"/>
+              <a:off x="4826794" y="6101523"/>
               <a:ext cx="63202" cy="63202"/>
             </a:xfrm>
             <a:custGeom>
@@ -21602,7 +21602,7 @@
           </p:nvSpPr>
           <p:spPr>
             <a:xfrm>
-              <a:off x="4837956" y="6068899"/>
+              <a:off x="4604124" y="6068903"/>
               <a:ext cx="63202" cy="63202"/>
             </a:xfrm>
             <a:custGeom>
@@ -21645,7 +21645,7 @@
           </p:nvSpPr>
           <p:spPr>
             <a:xfrm>
-              <a:off x="4906943" y="6101003"/>
+              <a:off x="4906468" y="6101044"/>
               <a:ext cx="63202" cy="63202"/>
             </a:xfrm>
             <a:custGeom>
@@ -21688,7 +21688,7 @@
           </p:nvSpPr>
           <p:spPr>
             <a:xfrm>
-              <a:off x="4680460" y="6065927"/>
+              <a:off x="4794584" y="6065957"/>
               <a:ext cx="63202" cy="63202"/>
             </a:xfrm>
             <a:custGeom>
@@ -21731,7 +21731,7 @@
           </p:nvSpPr>
           <p:spPr>
             <a:xfrm>
-              <a:off x="5028185" y="6156632"/>
+              <a:off x="5066172" y="6156633"/>
               <a:ext cx="63202" cy="63202"/>
             </a:xfrm>
             <a:custGeom>
@@ -21774,7 +21774,7 @@
           </p:nvSpPr>
           <p:spPr>
             <a:xfrm>
-              <a:off x="4641763" y="6076239"/>
+              <a:off x="4583905" y="6076273"/>
               <a:ext cx="63202" cy="63202"/>
             </a:xfrm>
             <a:custGeom>
@@ -21817,7 +21817,7 @@
           </p:nvSpPr>
           <p:spPr>
             <a:xfrm>
-              <a:off x="4630520" y="6118966"/>
+              <a:off x="4527636" y="6118970"/>
               <a:ext cx="63202" cy="63202"/>
             </a:xfrm>
             <a:custGeom>
@@ -21860,7 +21860,7 @@
           </p:nvSpPr>
           <p:spPr>
             <a:xfrm>
-              <a:off x="5157837" y="6088761"/>
+              <a:off x="4584323" y="6088778"/>
               <a:ext cx="63202" cy="63202"/>
             </a:xfrm>
             <a:custGeom>
@@ -21903,7 +21903,7 @@
           </p:nvSpPr>
           <p:spPr>
             <a:xfrm>
-              <a:off x="4511849" y="6074561"/>
+              <a:off x="5165700" y="6074571"/>
               <a:ext cx="63202" cy="63202"/>
             </a:xfrm>
             <a:custGeom>
@@ -21946,7 +21946,7 @@
           </p:nvSpPr>
           <p:spPr>
             <a:xfrm>
-              <a:off x="5117285" y="6378269"/>
+              <a:off x="4637219" y="6378297"/>
               <a:ext cx="63202" cy="63202"/>
             </a:xfrm>
             <a:custGeom>
@@ -21989,7 +21989,7 @@
           </p:nvSpPr>
           <p:spPr>
             <a:xfrm>
-              <a:off x="5104220" y="6074157"/>
+              <a:off x="4968719" y="6074165"/>
               <a:ext cx="63202" cy="63202"/>
             </a:xfrm>
             <a:custGeom>
@@ -22032,7 +22032,7 @@
           </p:nvSpPr>
           <p:spPr>
             <a:xfrm>
-              <a:off x="4611036" y="6075913"/>
+              <a:off x="5116707" y="6075934"/>
               <a:ext cx="63202" cy="63202"/>
             </a:xfrm>
             <a:custGeom>
@@ -22075,7 +22075,7 @@
           </p:nvSpPr>
           <p:spPr>
             <a:xfrm>
-              <a:off x="5030454" y="6057445"/>
+              <a:off x="4514858" y="6057457"/>
               <a:ext cx="63202" cy="63202"/>
             </a:xfrm>
             <a:custGeom>
@@ -22118,7 +22118,7 @@
           </p:nvSpPr>
           <p:spPr>
             <a:xfrm>
-              <a:off x="4499517" y="6069993"/>
+              <a:off x="4801061" y="6069997"/>
               <a:ext cx="63202" cy="63202"/>
             </a:xfrm>
             <a:custGeom>
@@ -22161,7 +22161,7 @@
           </p:nvSpPr>
           <p:spPr>
             <a:xfrm>
-              <a:off x="4882578" y="6077153"/>
+              <a:off x="4868306" y="6077191"/>
               <a:ext cx="63202" cy="63202"/>
             </a:xfrm>
             <a:custGeom>
@@ -22204,7 +22204,7 @@
           </p:nvSpPr>
           <p:spPr>
             <a:xfrm>
-              <a:off x="4880662" y="6148775"/>
+              <a:off x="4719012" y="6148792"/>
               <a:ext cx="63202" cy="63202"/>
             </a:xfrm>
             <a:custGeom>
@@ -22247,7 +22247,7 @@
           </p:nvSpPr>
           <p:spPr>
             <a:xfrm>
-              <a:off x="4998899" y="6050989"/>
+              <a:off x="4708747" y="6051021"/>
               <a:ext cx="63202" cy="63202"/>
             </a:xfrm>
             <a:custGeom>
@@ -22290,7 +22290,7 @@
           </p:nvSpPr>
           <p:spPr>
             <a:xfrm>
-              <a:off x="4673328" y="6065743"/>
+              <a:off x="4579326" y="6065748"/>
               <a:ext cx="63202" cy="63202"/>
             </a:xfrm>
             <a:custGeom>
@@ -22333,7 +22333,7 @@
           </p:nvSpPr>
           <p:spPr>
             <a:xfrm>
-              <a:off x="4940432" y="6090316"/>
+              <a:off x="4645406" y="6090343"/>
               <a:ext cx="63202" cy="63202"/>
             </a:xfrm>
             <a:custGeom>
@@ -22376,7 +22376,7 @@
           </p:nvSpPr>
           <p:spPr>
             <a:xfrm>
-              <a:off x="4954890" y="6061598"/>
+              <a:off x="4605929" y="6061628"/>
               <a:ext cx="63202" cy="63202"/>
             </a:xfrm>
             <a:custGeom>
@@ -22419,7 +22419,7 @@
           </p:nvSpPr>
           <p:spPr>
             <a:xfrm>
-              <a:off x="4775910" y="6081793"/>
+              <a:off x="4817155" y="6081786"/>
               <a:ext cx="63202" cy="63202"/>
             </a:xfrm>
             <a:custGeom>
@@ -22462,7 +22462,7 @@
           </p:nvSpPr>
           <p:spPr>
             <a:xfrm>
-              <a:off x="4564863" y="6069867"/>
+              <a:off x="5005463" y="6069871"/>
               <a:ext cx="63202" cy="63202"/>
             </a:xfrm>
             <a:custGeom>
@@ -22505,7 +22505,7 @@
           </p:nvSpPr>
           <p:spPr>
             <a:xfrm>
-              <a:off x="4899781" y="6069944"/>
+              <a:off x="4957605" y="6069978"/>
               <a:ext cx="63202" cy="63202"/>
             </a:xfrm>
             <a:custGeom>
@@ -22548,7 +22548,7 @@
           </p:nvSpPr>
           <p:spPr>
             <a:xfrm>
-              <a:off x="5024802" y="6077749"/>
+              <a:off x="4476337" y="6077784"/>
               <a:ext cx="63202" cy="63202"/>
             </a:xfrm>
             <a:custGeom>
@@ -22591,7 +22591,7 @@
           </p:nvSpPr>
           <p:spPr>
             <a:xfrm>
-              <a:off x="4851081" y="6056597"/>
+              <a:off x="5138716" y="6056617"/>
               <a:ext cx="63202" cy="63202"/>
             </a:xfrm>
             <a:custGeom>
@@ -22634,7 +22634,7 @@
           </p:nvSpPr>
           <p:spPr>
             <a:xfrm>
-              <a:off x="4904247" y="6073333"/>
+              <a:off x="4901145" y="6073346"/>
               <a:ext cx="63202" cy="63202"/>
             </a:xfrm>
             <a:custGeom>
@@ -22677,7 +22677,7 @@
           </p:nvSpPr>
           <p:spPr>
             <a:xfrm>
-              <a:off x="4676159" y="6079060"/>
+              <a:off x="4586831" y="6079091"/>
               <a:ext cx="63202" cy="63202"/>
             </a:xfrm>
             <a:custGeom>
@@ -22720,7 +22720,7 @@
           </p:nvSpPr>
           <p:spPr>
             <a:xfrm>
-              <a:off x="4722762" y="6059362"/>
+              <a:off x="4499546" y="6059387"/>
               <a:ext cx="63202" cy="63202"/>
             </a:xfrm>
             <a:custGeom>
@@ -22763,7 +22763,7 @@
           </p:nvSpPr>
           <p:spPr>
             <a:xfrm>
-              <a:off x="4881237" y="6077625"/>
+              <a:off x="5104248" y="6077605"/>
               <a:ext cx="63202" cy="63202"/>
             </a:xfrm>
             <a:custGeom>
@@ -22806,7 +22806,7 @@
           </p:nvSpPr>
           <p:spPr>
             <a:xfrm>
-              <a:off x="4775886" y="6577327"/>
+              <a:off x="4592890" y="6577324"/>
               <a:ext cx="63202" cy="63202"/>
             </a:xfrm>
             <a:custGeom>
@@ -22849,7 +22849,7 @@
           </p:nvSpPr>
           <p:spPr>
             <a:xfrm>
-              <a:off x="5056499" y="6071348"/>
+              <a:off x="4930129" y="6071373"/>
               <a:ext cx="63202" cy="63202"/>
             </a:xfrm>
             <a:custGeom>
@@ -22892,7 +22892,7 @@
           </p:nvSpPr>
           <p:spPr>
             <a:xfrm>
-              <a:off x="4506683" y="6086285"/>
+              <a:off x="4937784" y="6086287"/>
               <a:ext cx="63202" cy="63202"/>
             </a:xfrm>
             <a:custGeom>
@@ -22935,7 +22935,7 @@
           </p:nvSpPr>
           <p:spPr>
             <a:xfrm>
-              <a:off x="5024487" y="6056813"/>
+              <a:off x="4550892" y="6056810"/>
               <a:ext cx="63202" cy="63202"/>
             </a:xfrm>
             <a:custGeom>
@@ -22978,7 +22978,7 @@
           </p:nvSpPr>
           <p:spPr>
             <a:xfrm>
-              <a:off x="4902115" y="6043560"/>
+              <a:off x="4634485" y="6043577"/>
               <a:ext cx="63202" cy="63202"/>
             </a:xfrm>
             <a:custGeom>
@@ -23021,7 +23021,7 @@
           </p:nvSpPr>
           <p:spPr>
             <a:xfrm>
-              <a:off x="4497448" y="6054480"/>
+              <a:off x="5010005" y="6054502"/>
               <a:ext cx="63202" cy="63202"/>
             </a:xfrm>
             <a:custGeom>
@@ -23064,7 +23064,7 @@
           </p:nvSpPr>
           <p:spPr>
             <a:xfrm>
-              <a:off x="4582743" y="6070373"/>
+              <a:off x="5094586" y="6070398"/>
               <a:ext cx="63202" cy="63202"/>
             </a:xfrm>
             <a:custGeom>
@@ -23107,7 +23107,7 @@
           </p:nvSpPr>
           <p:spPr>
             <a:xfrm>
-              <a:off x="4728839" y="6060427"/>
+              <a:off x="4760987" y="6060449"/>
               <a:ext cx="63202" cy="63202"/>
             </a:xfrm>
             <a:custGeom>
@@ -23150,7 +23150,7 @@
           </p:nvSpPr>
           <p:spPr>
             <a:xfrm>
-              <a:off x="5079579" y="6055782"/>
+              <a:off x="4736449" y="6055810"/>
               <a:ext cx="63202" cy="63202"/>
             </a:xfrm>
             <a:custGeom>
@@ -23193,7 +23193,7 @@
           </p:nvSpPr>
           <p:spPr>
             <a:xfrm>
-              <a:off x="4631768" y="6066228"/>
+              <a:off x="5096973" y="6066246"/>
               <a:ext cx="63202" cy="63202"/>
             </a:xfrm>
             <a:custGeom>
@@ -23236,7 +23236,7 @@
           </p:nvSpPr>
           <p:spPr>
             <a:xfrm>
-              <a:off x="4944731" y="6054657"/>
+              <a:off x="4621841" y="6054700"/>
               <a:ext cx="63202" cy="63202"/>
             </a:xfrm>
             <a:custGeom>
@@ -23279,7 +23279,7 @@
           </p:nvSpPr>
           <p:spPr>
             <a:xfrm>
-              <a:off x="5126456" y="6119961"/>
+              <a:off x="4650394" y="6120001"/>
               <a:ext cx="63202" cy="63202"/>
             </a:xfrm>
             <a:custGeom>
@@ -23322,7 +23322,7 @@
           </p:nvSpPr>
           <p:spPr>
             <a:xfrm>
-              <a:off x="5053493" y="6074314"/>
+              <a:off x="4658995" y="6074337"/>
               <a:ext cx="63202" cy="63202"/>
             </a:xfrm>
             <a:custGeom>
@@ -23365,7 +23365,7 @@
           </p:nvSpPr>
           <p:spPr>
             <a:xfrm>
-              <a:off x="4628960" y="6119390"/>
+              <a:off x="4977913" y="6119431"/>
               <a:ext cx="63202" cy="63202"/>
             </a:xfrm>
             <a:custGeom>
@@ -23408,7 +23408,7 @@
           </p:nvSpPr>
           <p:spPr>
             <a:xfrm>
-              <a:off x="5099545" y="6111726"/>
+              <a:off x="4954436" y="6111767"/>
               <a:ext cx="63202" cy="63202"/>
             </a:xfrm>
             <a:custGeom>
@@ -23451,7 +23451,7 @@
           </p:nvSpPr>
           <p:spPr>
             <a:xfrm>
-              <a:off x="4887736" y="6056063"/>
+              <a:off x="4612041" y="6056103"/>
               <a:ext cx="63202" cy="63202"/>
             </a:xfrm>
             <a:custGeom>
@@ -23494,7 +23494,7 @@
           </p:nvSpPr>
           <p:spPr>
             <a:xfrm>
-              <a:off x="4744505" y="6072024"/>
+              <a:off x="4724284" y="6072045"/>
               <a:ext cx="63202" cy="63202"/>
             </a:xfrm>
             <a:custGeom>
@@ -23537,7 +23537,7 @@
           </p:nvSpPr>
           <p:spPr>
             <a:xfrm>
-              <a:off x="4795918" y="6074129"/>
+              <a:off x="4641356" y="6074126"/>
               <a:ext cx="63202" cy="63202"/>
             </a:xfrm>
             <a:custGeom>
@@ -23580,7 +23580,7 @@
           </p:nvSpPr>
           <p:spPr>
             <a:xfrm>
-              <a:off x="4908885" y="6052981"/>
+              <a:off x="4533487" y="6052996"/>
               <a:ext cx="63202" cy="63202"/>
             </a:xfrm>
             <a:custGeom>
@@ -23623,7 +23623,7 @@
           </p:nvSpPr>
           <p:spPr>
             <a:xfrm>
-              <a:off x="4701676" y="6055592"/>
+              <a:off x="4492606" y="6055634"/>
               <a:ext cx="63202" cy="63202"/>
             </a:xfrm>
             <a:custGeom>
@@ -23666,7 +23666,7 @@
           </p:nvSpPr>
           <p:spPr>
             <a:xfrm>
-              <a:off x="5137603" y="6059273"/>
+              <a:off x="5078206" y="6059300"/>
               <a:ext cx="63202" cy="63202"/>
             </a:xfrm>
             <a:custGeom>
@@ -23709,7 +23709,7 @@
           </p:nvSpPr>
           <p:spPr>
             <a:xfrm>
-              <a:off x="4502386" y="6172984"/>
+              <a:off x="4778868" y="6172969"/>
               <a:ext cx="63202" cy="63202"/>
             </a:xfrm>
             <a:custGeom>
@@ -23752,7 +23752,7 @@
           </p:nvSpPr>
           <p:spPr>
             <a:xfrm>
-              <a:off x="4627135" y="6073676"/>
+              <a:off x="5074528" y="6073683"/>
               <a:ext cx="63202" cy="63202"/>
             </a:xfrm>
             <a:custGeom>
@@ -23795,7 +23795,7 @@
           </p:nvSpPr>
           <p:spPr>
             <a:xfrm>
-              <a:off x="4742035" y="6077107"/>
+              <a:off x="4577504" y="6077142"/>
               <a:ext cx="63202" cy="63202"/>
             </a:xfrm>
             <a:custGeom>
@@ -23838,7 +23838,7 @@
           </p:nvSpPr>
           <p:spPr>
             <a:xfrm>
-              <a:off x="5050777" y="6074209"/>
+              <a:off x="4935037" y="6074239"/>
               <a:ext cx="63202" cy="63202"/>
             </a:xfrm>
             <a:custGeom>
@@ -23881,7 +23881,7 @@
           </p:nvSpPr>
           <p:spPr>
             <a:xfrm>
-              <a:off x="4843121" y="6075047"/>
+              <a:off x="4612065" y="6075046"/>
               <a:ext cx="63202" cy="63202"/>
             </a:xfrm>
             <a:custGeom>
@@ -23924,7 +23924,7 @@
           </p:nvSpPr>
           <p:spPr>
             <a:xfrm>
-              <a:off x="4745203" y="6072184"/>
+              <a:off x="5146002" y="6072191"/>
               <a:ext cx="63202" cy="63202"/>
             </a:xfrm>
             <a:custGeom>
@@ -23967,7 +23967,7 @@
           </p:nvSpPr>
           <p:spPr>
             <a:xfrm>
-              <a:off x="5149194" y="6089828"/>
+              <a:off x="4810170" y="6089827"/>
               <a:ext cx="63202" cy="63202"/>
             </a:xfrm>
             <a:custGeom>
@@ -24010,7 +24010,7 @@
           </p:nvSpPr>
           <p:spPr>
             <a:xfrm>
-              <a:off x="5127129" y="6069299"/>
+              <a:off x="5058890" y="6069335"/>
               <a:ext cx="63202" cy="63202"/>
             </a:xfrm>
             <a:custGeom>
@@ -24053,7 +24053,7 @@
           </p:nvSpPr>
           <p:spPr>
             <a:xfrm>
-              <a:off x="4767712" y="6052066"/>
+              <a:off x="4748293" y="6052065"/>
               <a:ext cx="63202" cy="63202"/>
             </a:xfrm>
             <a:custGeom>
@@ -24096,7 +24096,7 @@
           </p:nvSpPr>
           <p:spPr>
             <a:xfrm>
-              <a:off x="4701058" y="6278688"/>
+              <a:off x="4520743" y="6278715"/>
               <a:ext cx="63202" cy="63202"/>
             </a:xfrm>
             <a:custGeom>
@@ -24139,7 +24139,7 @@
           </p:nvSpPr>
           <p:spPr>
             <a:xfrm>
-              <a:off x="4824925" y="6064503"/>
+              <a:off x="4543810" y="6064552"/>
               <a:ext cx="63202" cy="63202"/>
             </a:xfrm>
             <a:custGeom>
@@ -24182,7 +24182,7 @@
           </p:nvSpPr>
           <p:spPr>
             <a:xfrm>
-              <a:off x="4641177" y="6047736"/>
+              <a:off x="4778304" y="6047765"/>
               <a:ext cx="63202" cy="63202"/>
             </a:xfrm>
             <a:custGeom>
@@ -24225,7 +24225,7 @@
           </p:nvSpPr>
           <p:spPr>
             <a:xfrm>
-              <a:off x="4815771" y="6055638"/>
+              <a:off x="4868476" y="6055658"/>
               <a:ext cx="63202" cy="63202"/>
             </a:xfrm>
             <a:custGeom>
@@ -24268,7 +24268,7 @@
           </p:nvSpPr>
           <p:spPr>
             <a:xfrm>
-              <a:off x="4745732" y="6073722"/>
+              <a:off x="5025037" y="6073758"/>
               <a:ext cx="63202" cy="63202"/>
             </a:xfrm>
             <a:custGeom>
@@ -24311,7 +24311,7 @@
           </p:nvSpPr>
           <p:spPr>
             <a:xfrm>
-              <a:off x="4917720" y="6052319"/>
+              <a:off x="4785113" y="6052308"/>
               <a:ext cx="63202" cy="63202"/>
             </a:xfrm>
             <a:custGeom>
@@ -24354,7 +24354,7 @@
           </p:nvSpPr>
           <p:spPr>
             <a:xfrm>
-              <a:off x="4593527" y="6224206"/>
+              <a:off x="5046696" y="6224215"/>
               <a:ext cx="63202" cy="63202"/>
             </a:xfrm>
             <a:custGeom>
@@ -24397,7 +24397,7 @@
           </p:nvSpPr>
           <p:spPr>
             <a:xfrm>
-              <a:off x="4869616" y="6280722"/>
+              <a:off x="4704884" y="6280764"/>
               <a:ext cx="63202" cy="63202"/>
             </a:xfrm>
             <a:custGeom>
@@ -24440,7 +24440,7 @@
           </p:nvSpPr>
           <p:spPr>
             <a:xfrm>
-              <a:off x="4725382" y="6079118"/>
+              <a:off x="4611921" y="6079145"/>
               <a:ext cx="63202" cy="63202"/>
             </a:xfrm>
             <a:custGeom>
@@ -24483,7 +24483,7 @@
           </p:nvSpPr>
           <p:spPr>
             <a:xfrm>
-              <a:off x="4933311" y="6078582"/>
+              <a:off x="4912819" y="6078605"/>
               <a:ext cx="63202" cy="63202"/>
             </a:xfrm>
             <a:custGeom>
@@ -24526,7 +24526,7 @@
           </p:nvSpPr>
           <p:spPr>
             <a:xfrm>
-              <a:off x="4694360" y="6065449"/>
+              <a:off x="5126658" y="6065462"/>
               <a:ext cx="63202" cy="63202"/>
             </a:xfrm>
             <a:custGeom>
@@ -24569,7 +24569,7 @@
           </p:nvSpPr>
           <p:spPr>
             <a:xfrm>
-              <a:off x="4648902" y="6425837"/>
+              <a:off x="4543601" y="6425845"/>
               <a:ext cx="63202" cy="63202"/>
             </a:xfrm>
             <a:custGeom>
@@ -24612,7 +24612,7 @@
           </p:nvSpPr>
           <p:spPr>
             <a:xfrm>
-              <a:off x="4476423" y="6103476"/>
+              <a:off x="4736102" y="6103497"/>
               <a:ext cx="63202" cy="63202"/>
             </a:xfrm>
             <a:custGeom>
@@ -24655,7 +24655,7 @@
           </p:nvSpPr>
           <p:spPr>
             <a:xfrm>
-              <a:off x="4796592" y="6101408"/>
+              <a:off x="4713405" y="6101442"/>
               <a:ext cx="63202" cy="63202"/>
             </a:xfrm>
             <a:custGeom>
@@ -24698,7 +24698,7 @@
           </p:nvSpPr>
           <p:spPr>
             <a:xfrm>
-              <a:off x="4661285" y="6104136"/>
+              <a:off x="4555982" y="6104131"/>
               <a:ext cx="63202" cy="63202"/>
             </a:xfrm>
             <a:custGeom>
@@ -24741,7 +24741,7 @@
           </p:nvSpPr>
           <p:spPr>
             <a:xfrm>
-              <a:off x="4524224" y="6264532"/>
+              <a:off x="4731006" y="6264556"/>
               <a:ext cx="63202" cy="63202"/>
             </a:xfrm>
             <a:custGeom>
@@ -24784,7 +24784,7 @@
           </p:nvSpPr>
           <p:spPr>
             <a:xfrm>
-              <a:off x="4655038" y="6174890"/>
+              <a:off x="5090880" y="6174913"/>
               <a:ext cx="63202" cy="63202"/>
             </a:xfrm>
             <a:custGeom>
@@ -24827,7 +24827,7 @@
           </p:nvSpPr>
           <p:spPr>
             <a:xfrm>
-              <a:off x="4673941" y="6048943"/>
+              <a:off x="4982245" y="6048990"/>
               <a:ext cx="63202" cy="63202"/>
             </a:xfrm>
             <a:custGeom>
@@ -24870,7 +24870,7 @@
           </p:nvSpPr>
           <p:spPr>
             <a:xfrm>
-              <a:off x="4767834" y="6101524"/>
+              <a:off x="4771310" y="6101536"/>
               <a:ext cx="63202" cy="63202"/>
             </a:xfrm>
             <a:custGeom>
@@ -24913,7 +24913,7 @@
           </p:nvSpPr>
           <p:spPr>
             <a:xfrm>
-              <a:off x="5147151" y="6132178"/>
+              <a:off x="4935085" y="6132215"/>
               <a:ext cx="63202" cy="63202"/>
             </a:xfrm>
             <a:custGeom>
@@ -24956,7 +24956,7 @@
           </p:nvSpPr>
           <p:spPr>
             <a:xfrm>
-              <a:off x="5117148" y="6053130"/>
+              <a:off x="4671399" y="6053136"/>
               <a:ext cx="63202" cy="63202"/>
             </a:xfrm>
             <a:custGeom>
@@ -24999,7 +24999,7 @@
           </p:nvSpPr>
           <p:spPr>
             <a:xfrm>
-              <a:off x="4531746" y="6053376"/>
+              <a:off x="5061224" y="6053389"/>
               <a:ext cx="63202" cy="63202"/>
             </a:xfrm>
             <a:custGeom>
@@ -25042,7 +25042,7 @@
           </p:nvSpPr>
           <p:spPr>
             <a:xfrm>
-              <a:off x="5092845" y="6064209"/>
+              <a:off x="4651503" y="6064245"/>
               <a:ext cx="63202" cy="63202"/>
             </a:xfrm>
             <a:custGeom>
@@ -25085,7 +25085,7 @@
           </p:nvSpPr>
           <p:spPr>
             <a:xfrm>
-              <a:off x="4730754" y="6101030"/>
+              <a:off x="4868528" y="6101047"/>
               <a:ext cx="63202" cy="63202"/>
             </a:xfrm>
             <a:custGeom>
@@ -25128,7 +25128,7 @@
           </p:nvSpPr>
           <p:spPr>
             <a:xfrm>
-              <a:off x="4694638" y="6075962"/>
+              <a:off x="5106108" y="6075960"/>
               <a:ext cx="63202" cy="63202"/>
             </a:xfrm>
             <a:custGeom>
@@ -25171,7 +25171,7 @@
           </p:nvSpPr>
           <p:spPr>
             <a:xfrm>
-              <a:off x="4822887" y="6073201"/>
+              <a:off x="4712755" y="6073210"/>
               <a:ext cx="63202" cy="63202"/>
             </a:xfrm>
             <a:custGeom>
@@ -25214,7 +25214,7 @@
           </p:nvSpPr>
           <p:spPr>
             <a:xfrm>
-              <a:off x="4503672" y="6066973"/>
+              <a:off x="4669695" y="6066995"/>
               <a:ext cx="63202" cy="63202"/>
             </a:xfrm>
             <a:custGeom>
@@ -25257,7 +25257,7 @@
           </p:nvSpPr>
           <p:spPr>
             <a:xfrm>
-              <a:off x="5051784" y="6148043"/>
+              <a:off x="5057322" y="6148044"/>
               <a:ext cx="63202" cy="63202"/>
             </a:xfrm>
             <a:custGeom>
@@ -25300,7 +25300,7 @@
           </p:nvSpPr>
           <p:spPr>
             <a:xfrm>
-              <a:off x="5128266" y="6072983"/>
+              <a:off x="4606406" y="6073004"/>
               <a:ext cx="63202" cy="63202"/>
             </a:xfrm>
             <a:custGeom>
@@ -25343,7 +25343,7 @@
           </p:nvSpPr>
           <p:spPr>
             <a:xfrm>
-              <a:off x="4480662" y="6062026"/>
+              <a:off x="5131660" y="6062050"/>
               <a:ext cx="63202" cy="63202"/>
             </a:xfrm>
             <a:custGeom>
@@ -25386,7 +25386,7 @@
           </p:nvSpPr>
           <p:spPr>
             <a:xfrm>
-              <a:off x="5052424" y="6104080"/>
+              <a:off x="4935407" y="6104091"/>
               <a:ext cx="63202" cy="63202"/>
             </a:xfrm>
             <a:custGeom>
@@ -25429,7 +25429,7 @@
           </p:nvSpPr>
           <p:spPr>
             <a:xfrm>
-              <a:off x="4895572" y="6058060"/>
+              <a:off x="4945095" y="6058080"/>
               <a:ext cx="63202" cy="63202"/>
             </a:xfrm>
             <a:custGeom>
@@ -25472,7 +25472,7 @@
           </p:nvSpPr>
           <p:spPr>
             <a:xfrm>
-              <a:off x="4585724" y="6067044"/>
+              <a:off x="5000505" y="6067044"/>
               <a:ext cx="63202" cy="63202"/>
             </a:xfrm>
             <a:custGeom>
@@ -25515,7 +25515,7 @@
           </p:nvSpPr>
           <p:spPr>
             <a:xfrm>
-              <a:off x="5017654" y="6075069"/>
+              <a:off x="4496300" y="6075107"/>
               <a:ext cx="63202" cy="63202"/>
             </a:xfrm>
             <a:custGeom>
@@ -25558,7 +25558,7 @@
           </p:nvSpPr>
           <p:spPr>
             <a:xfrm>
-              <a:off x="5418194" y="6775994"/>
+              <a:off x="5831984" y="6775992"/>
               <a:ext cx="63202" cy="63202"/>
             </a:xfrm>
             <a:custGeom>
@@ -25601,7 +25601,7 @@
           </p:nvSpPr>
           <p:spPr>
             <a:xfrm>
-              <a:off x="5015964" y="6053407"/>
+              <a:off x="4762629" y="6053414"/>
               <a:ext cx="63202" cy="63202"/>
             </a:xfrm>
             <a:custGeom>
@@ -25644,7 +25644,7 @@
           </p:nvSpPr>
           <p:spPr>
             <a:xfrm>
-              <a:off x="4680621" y="6076060"/>
+              <a:off x="4476532" y="6076058"/>
               <a:ext cx="63202" cy="63202"/>
             </a:xfrm>
             <a:custGeom>
@@ -25687,7 +25687,7 @@
           </p:nvSpPr>
           <p:spPr>
             <a:xfrm>
-              <a:off x="5056086" y="6071432"/>
+              <a:off x="4832025" y="6071452"/>
               <a:ext cx="63202" cy="63202"/>
             </a:xfrm>
             <a:custGeom>
@@ -25730,7 +25730,7 @@
           </p:nvSpPr>
           <p:spPr>
             <a:xfrm>
-              <a:off x="4892436" y="6051895"/>
+              <a:off x="4747170" y="6051933"/>
               <a:ext cx="63202" cy="63202"/>
             </a:xfrm>
             <a:custGeom>
@@ -25773,7 +25773,7 @@
           </p:nvSpPr>
           <p:spPr>
             <a:xfrm>
-              <a:off x="4841348" y="6065259"/>
+              <a:off x="4721970" y="6065250"/>
               <a:ext cx="63202" cy="63202"/>
             </a:xfrm>
             <a:custGeom>
@@ -25816,7 +25816,7 @@
           </p:nvSpPr>
           <p:spPr>
             <a:xfrm>
-              <a:off x="4922418" y="6060885"/>
+              <a:off x="4543580" y="6060891"/>
               <a:ext cx="63202" cy="63202"/>
             </a:xfrm>
             <a:custGeom>
@@ -25859,7 +25859,7 @@
           </p:nvSpPr>
           <p:spPr>
             <a:xfrm>
-              <a:off x="4658163" y="6065585"/>
+              <a:off x="5087178" y="6065609"/>
               <a:ext cx="63202" cy="63202"/>
             </a:xfrm>
             <a:custGeom>
@@ -25902,7 +25902,7 @@
           </p:nvSpPr>
           <p:spPr>
             <a:xfrm>
-              <a:off x="5034205" y="6055634"/>
+              <a:off x="4904948" y="6055659"/>
               <a:ext cx="63202" cy="63202"/>
             </a:xfrm>
             <a:custGeom>
@@ -25945,7 +25945,7 @@
           </p:nvSpPr>
           <p:spPr>
             <a:xfrm>
-              <a:off x="4827408" y="6078756"/>
+              <a:off x="4943722" y="6078807"/>
               <a:ext cx="63202" cy="63202"/>
             </a:xfrm>
             <a:custGeom>
@@ -25988,7 +25988,7 @@
           </p:nvSpPr>
           <p:spPr>
             <a:xfrm>
-              <a:off x="5087964" y="6234730"/>
+              <a:off x="5001577" y="6234754"/>
               <a:ext cx="63202" cy="63202"/>
             </a:xfrm>
             <a:custGeom>
@@ -26031,7 +26031,7 @@
           </p:nvSpPr>
           <p:spPr>
             <a:xfrm>
-              <a:off x="4770236" y="6057864"/>
+              <a:off x="5116431" y="6057881"/>
               <a:ext cx="63202" cy="63202"/>
             </a:xfrm>
             <a:custGeom>
@@ -26074,7 +26074,7 @@
           </p:nvSpPr>
           <p:spPr>
             <a:xfrm>
-              <a:off x="5023449" y="5317751"/>
+              <a:off x="5161171" y="5317755"/>
               <a:ext cx="63202" cy="63202"/>
             </a:xfrm>
             <a:custGeom>
@@ -26117,7 +26117,7 @@
           </p:nvSpPr>
           <p:spPr>
             <a:xfrm>
-              <a:off x="5094425" y="5317369"/>
+              <a:off x="4532556" y="5317369"/>
               <a:ext cx="63202" cy="63202"/>
             </a:xfrm>
             <a:custGeom>
@@ -26160,7 +26160,7 @@
           </p:nvSpPr>
           <p:spPr>
             <a:xfrm>
-              <a:off x="4504510" y="6053158"/>
+              <a:off x="4894540" y="6053202"/>
               <a:ext cx="63202" cy="63202"/>
             </a:xfrm>
             <a:custGeom>
@@ -26203,7 +26203,7 @@
           </p:nvSpPr>
           <p:spPr>
             <a:xfrm>
-              <a:off x="5077723" y="6074749"/>
+              <a:off x="4777087" y="6074756"/>
               <a:ext cx="63202" cy="63202"/>
             </a:xfrm>
             <a:custGeom>
@@ -26246,7 +26246,7 @@
           </p:nvSpPr>
           <p:spPr>
             <a:xfrm>
-              <a:off x="4905074" y="6314423"/>
+              <a:off x="4610107" y="6314460"/>
               <a:ext cx="63202" cy="63202"/>
             </a:xfrm>
             <a:custGeom>
@@ -26289,7 +26289,7 @@
           </p:nvSpPr>
           <p:spPr>
             <a:xfrm>
-              <a:off x="5086773" y="6077326"/>
+              <a:off x="4926495" y="6077351"/>
               <a:ext cx="63202" cy="63202"/>
             </a:xfrm>
             <a:custGeom>
@@ -26332,7 +26332,7 @@
           </p:nvSpPr>
           <p:spPr>
             <a:xfrm>
-              <a:off x="4931563" y="6083052"/>
+              <a:off x="4658516" y="6083050"/>
               <a:ext cx="63202" cy="63202"/>
             </a:xfrm>
             <a:custGeom>
@@ -26375,7 +26375,7 @@
           </p:nvSpPr>
           <p:spPr>
             <a:xfrm>
-              <a:off x="4554412" y="6066343"/>
+              <a:off x="4666568" y="6066372"/>
               <a:ext cx="63202" cy="63202"/>
             </a:xfrm>
             <a:custGeom>
@@ -26418,7 +26418,7 @@
           </p:nvSpPr>
           <p:spPr>
             <a:xfrm>
-              <a:off x="4588411" y="6050511"/>
+              <a:off x="4526207" y="6050518"/>
               <a:ext cx="63202" cy="63202"/>
             </a:xfrm>
             <a:custGeom>
@@ -26461,7 +26461,7 @@
           </p:nvSpPr>
           <p:spPr>
             <a:xfrm>
-              <a:off x="4916365" y="6058011"/>
+              <a:off x="4489036" y="6058053"/>
               <a:ext cx="63202" cy="63202"/>
             </a:xfrm>
             <a:custGeom>
@@ -26504,7 +26504,7 @@
           </p:nvSpPr>
           <p:spPr>
             <a:xfrm>
-              <a:off x="4962117" y="6082338"/>
+              <a:off x="4933252" y="6082371"/>
               <a:ext cx="63202" cy="63202"/>
             </a:xfrm>
             <a:custGeom>
@@ -26547,7 +26547,7 @@
           </p:nvSpPr>
           <p:spPr>
             <a:xfrm>
-              <a:off x="4822696" y="6054332"/>
+              <a:off x="4960480" y="6054347"/>
               <a:ext cx="63202" cy="63202"/>
             </a:xfrm>
             <a:custGeom>
@@ -26590,7 +26590,7 @@
           </p:nvSpPr>
           <p:spPr>
             <a:xfrm>
-              <a:off x="4909813" y="6057906"/>
+              <a:off x="4839085" y="6057929"/>
               <a:ext cx="63202" cy="63202"/>
             </a:xfrm>
             <a:custGeom>
@@ -26633,7 +26633,7 @@
           </p:nvSpPr>
           <p:spPr>
             <a:xfrm>
-              <a:off x="4553518" y="6086756"/>
+              <a:off x="4955631" y="6086801"/>
               <a:ext cx="63202" cy="63202"/>
             </a:xfrm>
             <a:custGeom>
@@ -26676,7 +26676,7 @@
           </p:nvSpPr>
           <p:spPr>
             <a:xfrm>
-              <a:off x="4670517" y="6084471"/>
+              <a:off x="4495627" y="6084513"/>
               <a:ext cx="63202" cy="63202"/>
             </a:xfrm>
             <a:custGeom>
@@ -26719,7 +26719,7 @@
           </p:nvSpPr>
           <p:spPr>
             <a:xfrm>
-              <a:off x="4787794" y="6153481"/>
+              <a:off x="4767049" y="6153497"/>
               <a:ext cx="63202" cy="63202"/>
             </a:xfrm>
             <a:custGeom>
@@ -26762,7 +26762,7 @@
           </p:nvSpPr>
           <p:spPr>
             <a:xfrm>
-              <a:off x="4601965" y="6077601"/>
+              <a:off x="4703861" y="6077626"/>
               <a:ext cx="63202" cy="63202"/>
             </a:xfrm>
             <a:custGeom>
@@ -26805,7 +26805,7 @@
           </p:nvSpPr>
           <p:spPr>
             <a:xfrm>
-              <a:off x="6529976" y="6808404"/>
+              <a:off x="6299006" y="6808394"/>
               <a:ext cx="63202" cy="63202"/>
             </a:xfrm>
             <a:custGeom>
@@ -26848,7 +26848,7 @@
           </p:nvSpPr>
           <p:spPr>
             <a:xfrm>
-              <a:off x="5100058" y="6060057"/>
+              <a:off x="4888919" y="6060090"/>
               <a:ext cx="63202" cy="63202"/>
             </a:xfrm>
             <a:custGeom>
@@ -26891,7 +26891,7 @@
           </p:nvSpPr>
           <p:spPr>
             <a:xfrm>
-              <a:off x="4879779" y="6074295"/>
+              <a:off x="4911914" y="6074311"/>
               <a:ext cx="63202" cy="63202"/>
             </a:xfrm>
             <a:custGeom>
@@ -26934,7 +26934,7 @@
           </p:nvSpPr>
           <p:spPr>
             <a:xfrm>
-              <a:off x="4986871" y="6063402"/>
+              <a:off x="4906436" y="6063438"/>
               <a:ext cx="63202" cy="63202"/>
             </a:xfrm>
             <a:custGeom>
@@ -26977,7 +26977,7 @@
           </p:nvSpPr>
           <p:spPr>
             <a:xfrm>
-              <a:off x="5019005" y="6057485"/>
+              <a:off x="4567418" y="6057510"/>
               <a:ext cx="63202" cy="63202"/>
             </a:xfrm>
             <a:custGeom>
@@ -27020,7 +27020,7 @@
           </p:nvSpPr>
           <p:spPr>
             <a:xfrm>
-              <a:off x="4879968" y="6058717"/>
+              <a:off x="5062983" y="6058719"/>
               <a:ext cx="63202" cy="63202"/>
             </a:xfrm>
             <a:custGeom>
@@ -27063,7 +27063,7 @@
           </p:nvSpPr>
           <p:spPr>
             <a:xfrm>
-              <a:off x="5112136" y="6062282"/>
+              <a:off x="4615093" y="6062294"/>
               <a:ext cx="63202" cy="63202"/>
             </a:xfrm>
             <a:custGeom>
@@ -27106,7 +27106,7 @@
           </p:nvSpPr>
           <p:spPr>
             <a:xfrm>
-              <a:off x="4738666" y="6055926"/>
+              <a:off x="4887020" y="6055967"/>
               <a:ext cx="63202" cy="63202"/>
             </a:xfrm>
             <a:custGeom>
@@ -27149,7 +27149,7 @@
           </p:nvSpPr>
           <p:spPr>
             <a:xfrm>
-              <a:off x="4981683" y="6050572"/>
+              <a:off x="4532903" y="6050588"/>
               <a:ext cx="63202" cy="63202"/>
             </a:xfrm>
             <a:custGeom>
@@ -27192,7 +27192,7 @@
           </p:nvSpPr>
           <p:spPr>
             <a:xfrm>
-              <a:off x="5057615" y="6083710"/>
+              <a:off x="4676752" y="6083727"/>
               <a:ext cx="63202" cy="63202"/>
             </a:xfrm>
             <a:custGeom>
@@ -27235,7 +27235,7 @@
           </p:nvSpPr>
           <p:spPr>
             <a:xfrm>
-              <a:off x="4679430" y="6089688"/>
+              <a:off x="5079851" y="6089694"/>
               <a:ext cx="63202" cy="63202"/>
             </a:xfrm>
             <a:custGeom>
@@ -27278,7 +27278,7 @@
           </p:nvSpPr>
           <p:spPr>
             <a:xfrm>
-              <a:off x="5149977" y="6058135"/>
+              <a:off x="4717435" y="6058138"/>
               <a:ext cx="63202" cy="63202"/>
             </a:xfrm>
             <a:custGeom>
@@ -27321,7 +27321,7 @@
           </p:nvSpPr>
           <p:spPr>
             <a:xfrm>
-              <a:off x="4529215" y="6062688"/>
+              <a:off x="4668552" y="6062705"/>
               <a:ext cx="63202" cy="63202"/>
             </a:xfrm>
             <a:custGeom>
@@ -27364,7 +27364,7 @@
           </p:nvSpPr>
           <p:spPr>
             <a:xfrm>
-              <a:off x="5042095" y="6063492"/>
+              <a:off x="5063583" y="6063533"/>
               <a:ext cx="63202" cy="63202"/>
             </a:xfrm>
             <a:custGeom>
@@ -27407,7 +27407,7 @@
           </p:nvSpPr>
           <p:spPr>
             <a:xfrm>
-              <a:off x="4784663" y="6074307"/>
+              <a:off x="4480965" y="6074309"/>
               <a:ext cx="63202" cy="63202"/>
             </a:xfrm>
             <a:custGeom>
@@ -27450,7 +27450,7 @@
           </p:nvSpPr>
           <p:spPr>
             <a:xfrm>
-              <a:off x="4600476" y="6045901"/>
+              <a:off x="5133672" y="6045908"/>
               <a:ext cx="63202" cy="63202"/>
             </a:xfrm>
             <a:custGeom>
@@ -27493,7 +27493,7 @@
           </p:nvSpPr>
           <p:spPr>
             <a:xfrm>
-              <a:off x="4946951" y="6093525"/>
+              <a:off x="4650289" y="6093523"/>
               <a:ext cx="63202" cy="63202"/>
             </a:xfrm>
             <a:custGeom>
@@ -27536,7 +27536,7 @@
           </p:nvSpPr>
           <p:spPr>
             <a:xfrm>
-              <a:off x="5051178" y="6057502"/>
+              <a:off x="4791362" y="6057509"/>
               <a:ext cx="63202" cy="63202"/>
             </a:xfrm>
             <a:custGeom>
@@ -27579,7 +27579,7 @@
           </p:nvSpPr>
           <p:spPr>
             <a:xfrm>
-              <a:off x="4557018" y="6049277"/>
+              <a:off x="4508909" y="6049309"/>
               <a:ext cx="63202" cy="63202"/>
             </a:xfrm>
             <a:custGeom>
@@ -27622,7 +27622,7 @@
           </p:nvSpPr>
           <p:spPr>
             <a:xfrm>
-              <a:off x="4732884" y="6161627"/>
+              <a:off x="5001107" y="6161655"/>
               <a:ext cx="63202" cy="63202"/>
             </a:xfrm>
             <a:custGeom>
@@ -27665,7 +27665,7 @@
           </p:nvSpPr>
           <p:spPr>
             <a:xfrm>
-              <a:off x="4525563" y="6088987"/>
+              <a:off x="4670340" y="6089001"/>
               <a:ext cx="63202" cy="63202"/>
             </a:xfrm>
             <a:custGeom>
@@ -27708,7 +27708,7 @@
           </p:nvSpPr>
           <p:spPr>
             <a:xfrm>
-              <a:off x="4939471" y="6049263"/>
+              <a:off x="4713748" y="6049257"/>
               <a:ext cx="63202" cy="63202"/>
             </a:xfrm>
             <a:custGeom>
@@ -27751,7 +27751,7 @@
           </p:nvSpPr>
           <p:spPr>
             <a:xfrm>
-              <a:off x="4925581" y="6054578"/>
+              <a:off x="4979628" y="6054599"/>
               <a:ext cx="63202" cy="63202"/>
             </a:xfrm>
             <a:custGeom>
@@ -27794,7 +27794,7 @@
           </p:nvSpPr>
           <p:spPr>
             <a:xfrm>
-              <a:off x="4580859" y="6059122"/>
+              <a:off x="4843708" y="6059137"/>
               <a:ext cx="63202" cy="63202"/>
             </a:xfrm>
             <a:custGeom>
@@ -27837,7 +27837,7 @@
           </p:nvSpPr>
           <p:spPr>
             <a:xfrm>
-              <a:off x="4910330" y="6071555"/>
+              <a:off x="5157500" y="6071560"/>
               <a:ext cx="63202" cy="63202"/>
             </a:xfrm>
             <a:custGeom>
@@ -27880,7 +27880,7 @@
           </p:nvSpPr>
           <p:spPr>
             <a:xfrm>
-              <a:off x="4810782" y="6073592"/>
+              <a:off x="4774298" y="6073612"/>
               <a:ext cx="63202" cy="63202"/>
             </a:xfrm>
             <a:custGeom>
@@ -27923,7 +27923,7 @@
           </p:nvSpPr>
           <p:spPr>
             <a:xfrm>
-              <a:off x="4711815" y="6043390"/>
+              <a:off x="4536661" y="6043395"/>
               <a:ext cx="63202" cy="63202"/>
             </a:xfrm>
             <a:custGeom>
@@ -27966,7 +27966,7 @@
           </p:nvSpPr>
           <p:spPr>
             <a:xfrm>
-              <a:off x="4493314" y="6061660"/>
+              <a:off x="4886878" y="6061657"/>
               <a:ext cx="63202" cy="63202"/>
             </a:xfrm>
             <a:custGeom>
@@ -28009,7 +28009,7 @@
           </p:nvSpPr>
           <p:spPr>
             <a:xfrm>
-              <a:off x="4523689" y="6065676"/>
+              <a:off x="4629610" y="6065696"/>
               <a:ext cx="63202" cy="63202"/>
             </a:xfrm>
             <a:custGeom>
@@ -28052,7 +28052,7 @@
           </p:nvSpPr>
           <p:spPr>
             <a:xfrm>
-              <a:off x="4710894" y="6103041"/>
+              <a:off x="4750684" y="6103075"/>
               <a:ext cx="63202" cy="63202"/>
             </a:xfrm>
             <a:custGeom>
@@ -28095,7 +28095,7 @@
           </p:nvSpPr>
           <p:spPr>
             <a:xfrm>
-              <a:off x="5068685" y="6053045"/>
+              <a:off x="5033490" y="6053039"/>
               <a:ext cx="63202" cy="63202"/>
             </a:xfrm>
             <a:custGeom>
@@ -28138,7 +28138,7 @@
           </p:nvSpPr>
           <p:spPr>
             <a:xfrm>
-              <a:off x="4606362" y="6053887"/>
+              <a:off x="4988525" y="6053912"/>
               <a:ext cx="63202" cy="63202"/>
             </a:xfrm>
             <a:custGeom>
@@ -28181,7 +28181,7 @@
           </p:nvSpPr>
           <p:spPr>
             <a:xfrm>
-              <a:off x="5148256" y="6096611"/>
+              <a:off x="4912263" y="6096610"/>
               <a:ext cx="63202" cy="63202"/>
             </a:xfrm>
             <a:custGeom>
@@ -28224,7 +28224,7 @@
           </p:nvSpPr>
           <p:spPr>
             <a:xfrm>
-              <a:off x="5023257" y="6059055"/>
+              <a:off x="4857044" y="6059059"/>
               <a:ext cx="63202" cy="63202"/>
             </a:xfrm>
             <a:custGeom>
@@ -28267,7 +28267,7 @@
           </p:nvSpPr>
           <p:spPr>
             <a:xfrm>
-              <a:off x="4989569" y="6062690"/>
+              <a:off x="4888871" y="6062674"/>
               <a:ext cx="63202" cy="63202"/>
             </a:xfrm>
             <a:custGeom>
@@ -28310,7 +28310,7 @@
           </p:nvSpPr>
           <p:spPr>
             <a:xfrm>
-              <a:off x="5081316" y="6070996"/>
+              <a:off x="4757696" y="6071042"/>
               <a:ext cx="63202" cy="63202"/>
             </a:xfrm>
             <a:custGeom>
@@ -28353,7 +28353,7 @@
           </p:nvSpPr>
           <p:spPr>
             <a:xfrm>
-              <a:off x="4994644" y="6066743"/>
+              <a:off x="4743994" y="6066776"/>
               <a:ext cx="63202" cy="63202"/>
             </a:xfrm>
             <a:custGeom>
@@ -28396,7 +28396,7 @@
           </p:nvSpPr>
           <p:spPr>
             <a:xfrm>
-              <a:off x="5101773" y="6068481"/>
+              <a:off x="5003544" y="6068508"/>
               <a:ext cx="63202" cy="63202"/>
             </a:xfrm>
             <a:custGeom>
@@ -28439,7 +28439,7 @@
           </p:nvSpPr>
           <p:spPr>
             <a:xfrm>
-              <a:off x="4841647" y="6075898"/>
+              <a:off x="5109018" y="6075929"/>
               <a:ext cx="63202" cy="63202"/>
             </a:xfrm>
             <a:custGeom>
@@ -28482,7 +28482,7 @@
           </p:nvSpPr>
           <p:spPr>
             <a:xfrm>
-              <a:off x="4569389" y="6073744"/>
+              <a:off x="5133966" y="6073730"/>
               <a:ext cx="63202" cy="63202"/>
             </a:xfrm>
             <a:custGeom>
@@ -28525,7 +28525,7 @@
           </p:nvSpPr>
           <p:spPr>
             <a:xfrm>
-              <a:off x="4590331" y="6065307"/>
+              <a:off x="4917113" y="6065323"/>
               <a:ext cx="63202" cy="63202"/>
             </a:xfrm>
             <a:custGeom>
@@ -28568,7 +28568,7 @@
           </p:nvSpPr>
           <p:spPr>
             <a:xfrm>
-              <a:off x="4749632" y="6074170"/>
+              <a:off x="4872753" y="6074183"/>
               <a:ext cx="63202" cy="63202"/>
             </a:xfrm>
             <a:custGeom>
@@ -28611,7 +28611,7 @@
           </p:nvSpPr>
           <p:spPr>
             <a:xfrm>
-              <a:off x="5082576" y="6074606"/>
+              <a:off x="5148293" y="6074627"/>
               <a:ext cx="63202" cy="63202"/>
             </a:xfrm>
             <a:custGeom>
@@ -28654,7 +28654,7 @@
           </p:nvSpPr>
           <p:spPr>
             <a:xfrm>
-              <a:off x="4850521" y="6428977"/>
+              <a:off x="4532950" y="6429001"/>
               <a:ext cx="63202" cy="63202"/>
             </a:xfrm>
             <a:custGeom>
@@ -28697,7 +28697,7 @@
           </p:nvSpPr>
           <p:spPr>
             <a:xfrm>
-              <a:off x="5107544" y="6072989"/>
+              <a:off x="4871010" y="6073037"/>
               <a:ext cx="63202" cy="63202"/>
             </a:xfrm>
             <a:custGeom>
@@ -28740,7 +28740,7 @@
           </p:nvSpPr>
           <p:spPr>
             <a:xfrm>
-              <a:off x="4532807" y="6063046"/>
+              <a:off x="4490352" y="6063068"/>
               <a:ext cx="63202" cy="63202"/>
             </a:xfrm>
             <a:custGeom>
@@ -28783,7 +28783,7 @@
           </p:nvSpPr>
           <p:spPr>
             <a:xfrm>
-              <a:off x="4713803" y="6091392"/>
+              <a:off x="5113653" y="6091395"/>
               <a:ext cx="63202" cy="63202"/>
             </a:xfrm>
             <a:custGeom>
@@ -28826,7 +28826,7 @@
           </p:nvSpPr>
           <p:spPr>
             <a:xfrm>
-              <a:off x="4748770" y="6073475"/>
+              <a:off x="4726314" y="6073518"/>
               <a:ext cx="63202" cy="63202"/>
             </a:xfrm>
             <a:custGeom>
@@ -28869,7 +28869,7 @@
           </p:nvSpPr>
           <p:spPr>
             <a:xfrm>
-              <a:off x="4718643" y="6071953"/>
+              <a:off x="4502064" y="6071933"/>
               <a:ext cx="63202" cy="63202"/>
             </a:xfrm>
             <a:custGeom>
@@ -28912,7 +28912,7 @@
           </p:nvSpPr>
           <p:spPr>
             <a:xfrm>
-              <a:off x="4918446" y="6058738"/>
+              <a:off x="4553294" y="6058775"/>
               <a:ext cx="63202" cy="63202"/>
             </a:xfrm>
             <a:custGeom>
@@ -28955,7 +28955,7 @@
           </p:nvSpPr>
           <p:spPr>
             <a:xfrm>
-              <a:off x="4922358" y="6058984"/>
+              <a:off x="5017557" y="6059005"/>
               <a:ext cx="63202" cy="63202"/>
             </a:xfrm>
             <a:custGeom>
@@ -28998,7 +28998,7 @@
           </p:nvSpPr>
           <p:spPr>
             <a:xfrm>
-              <a:off x="4605551" y="6059249"/>
+              <a:off x="4513815" y="6059248"/>
               <a:ext cx="63202" cy="63202"/>
             </a:xfrm>
             <a:custGeom>
@@ -29041,7 +29041,7 @@
           </p:nvSpPr>
           <p:spPr>
             <a:xfrm>
-              <a:off x="4549045" y="6548961"/>
+              <a:off x="4472228" y="6548979"/>
               <a:ext cx="63202" cy="63202"/>
             </a:xfrm>
             <a:custGeom>
@@ -29084,7 +29084,7 @@
           </p:nvSpPr>
           <p:spPr>
             <a:xfrm>
-              <a:off x="4677982" y="6382038"/>
+              <a:off x="4930297" y="6382055"/>
               <a:ext cx="63202" cy="63202"/>
             </a:xfrm>
             <a:custGeom>
@@ -29127,7 +29127,7 @@
           </p:nvSpPr>
           <p:spPr>
             <a:xfrm>
-              <a:off x="4560559" y="6144944"/>
+              <a:off x="5077425" y="6144966"/>
               <a:ext cx="63202" cy="63202"/>
             </a:xfrm>
             <a:custGeom>
@@ -29170,7 +29170,7 @@
           </p:nvSpPr>
           <p:spPr>
             <a:xfrm>
-              <a:off x="5003488" y="6354988"/>
+              <a:off x="4495388" y="6355005"/>
               <a:ext cx="63202" cy="63202"/>
             </a:xfrm>
             <a:custGeom>
@@ -29213,7 +29213,7 @@
           </p:nvSpPr>
           <p:spPr>
             <a:xfrm>
-              <a:off x="4602201" y="6064016"/>
+              <a:off x="4921302" y="6064062"/>
               <a:ext cx="63202" cy="63202"/>
             </a:xfrm>
             <a:custGeom>
@@ -29256,7 +29256,7 @@
           </p:nvSpPr>
           <p:spPr>
             <a:xfrm>
-              <a:off x="5476752" y="6581299"/>
+              <a:off x="5828000" y="6581333"/>
               <a:ext cx="63202" cy="63202"/>
             </a:xfrm>
             <a:custGeom>
@@ -29299,7 +29299,7 @@
           </p:nvSpPr>
           <p:spPr>
             <a:xfrm>
-              <a:off x="4734276" y="6278851"/>
+              <a:off x="4612381" y="6278845"/>
               <a:ext cx="63202" cy="63202"/>
             </a:xfrm>
             <a:custGeom>
@@ -29342,7 +29342,7 @@
           </p:nvSpPr>
           <p:spPr>
             <a:xfrm>
-              <a:off x="4658980" y="6063244"/>
+              <a:off x="5043799" y="6063293"/>
               <a:ext cx="63202" cy="63202"/>
             </a:xfrm>
             <a:custGeom>
@@ -29385,7 +29385,7 @@
           </p:nvSpPr>
           <p:spPr>
             <a:xfrm>
-              <a:off x="4520674" y="6052140"/>
+              <a:off x="4788315" y="6052170"/>
               <a:ext cx="63202" cy="63202"/>
             </a:xfrm>
             <a:custGeom>
@@ -29428,7 +29428,7 @@
           </p:nvSpPr>
           <p:spPr>
             <a:xfrm>
-              <a:off x="4682735" y="6086043"/>
+              <a:off x="4746018" y="6086049"/>
               <a:ext cx="63202" cy="63202"/>
             </a:xfrm>
             <a:custGeom>
@@ -29471,7 +29471,7 @@
           </p:nvSpPr>
           <p:spPr>
             <a:xfrm>
-              <a:off x="4677147" y="6054525"/>
+              <a:off x="5073168" y="6054544"/>
               <a:ext cx="63202" cy="63202"/>
             </a:xfrm>
             <a:custGeom>
@@ -29514,7 +29514,7 @@
           </p:nvSpPr>
           <p:spPr>
             <a:xfrm>
-              <a:off x="5063867" y="6066653"/>
+              <a:off x="5027106" y="6066685"/>
               <a:ext cx="63202" cy="63202"/>
             </a:xfrm>
             <a:custGeom>
@@ -29557,7 +29557,7 @@
           </p:nvSpPr>
           <p:spPr>
             <a:xfrm>
-              <a:off x="5057443" y="6059336"/>
+              <a:off x="4626950" y="6059352"/>
               <a:ext cx="63202" cy="63202"/>
             </a:xfrm>
             <a:custGeom>
@@ -29600,7 +29600,7 @@
           </p:nvSpPr>
           <p:spPr>
             <a:xfrm>
-              <a:off x="4593659" y="6119597"/>
+              <a:off x="4701364" y="6119607"/>
               <a:ext cx="63202" cy="63202"/>
             </a:xfrm>
             <a:custGeom>
@@ -29643,7 +29643,7 @@
           </p:nvSpPr>
           <p:spPr>
             <a:xfrm>
-              <a:off x="4798682" y="6056577"/>
+              <a:off x="4670577" y="6056599"/>
               <a:ext cx="63202" cy="63202"/>
             </a:xfrm>
             <a:custGeom>
@@ -29686,7 +29686,7 @@
           </p:nvSpPr>
           <p:spPr>
             <a:xfrm>
-              <a:off x="4696719" y="6100628"/>
+              <a:off x="4561168" y="6100658"/>
               <a:ext cx="63202" cy="63202"/>
             </a:xfrm>
             <a:custGeom>
@@ -29729,7 +29729,7 @@
           </p:nvSpPr>
           <p:spPr>
             <a:xfrm>
-              <a:off x="4947031" y="6059512"/>
+              <a:off x="4876399" y="6059528"/>
               <a:ext cx="63202" cy="63202"/>
             </a:xfrm>
             <a:custGeom>
@@ -29772,7 +29772,7 @@
           </p:nvSpPr>
           <p:spPr>
             <a:xfrm>
-              <a:off x="4475086" y="6067610"/>
+              <a:off x="5070605" y="6067624"/>
               <a:ext cx="63202" cy="63202"/>
             </a:xfrm>
             <a:custGeom>
@@ -29815,7 +29815,7 @@
           </p:nvSpPr>
           <p:spPr>
             <a:xfrm>
-              <a:off x="4911191" y="6043228"/>
+              <a:off x="5155379" y="6043257"/>
               <a:ext cx="63202" cy="63202"/>
             </a:xfrm>
             <a:custGeom>
@@ -29858,7 +29858,7 @@
           </p:nvSpPr>
           <p:spPr>
             <a:xfrm>
-              <a:off x="5030013" y="6071797"/>
+              <a:off x="4517722" y="6071799"/>
               <a:ext cx="63202" cy="63202"/>
             </a:xfrm>
             <a:custGeom>
@@ -29901,7 +29901,7 @@
           </p:nvSpPr>
           <p:spPr>
             <a:xfrm>
-              <a:off x="5102042" y="6072182"/>
+              <a:off x="4492929" y="6072200"/>
               <a:ext cx="63202" cy="63202"/>
             </a:xfrm>
             <a:custGeom>
@@ -29944,7 +29944,7 @@
           </p:nvSpPr>
           <p:spPr>
             <a:xfrm>
-              <a:off x="4654293" y="6071393"/>
+              <a:off x="5011881" y="6071427"/>
               <a:ext cx="63202" cy="63202"/>
             </a:xfrm>
             <a:custGeom>
@@ -29987,7 +29987,7 @@
           </p:nvSpPr>
           <p:spPr>
             <a:xfrm>
-              <a:off x="4732644" y="6071353"/>
+              <a:off x="5020571" y="6071380"/>
               <a:ext cx="63202" cy="63202"/>
             </a:xfrm>
             <a:custGeom>
@@ -30030,7 +30030,7 @@
           </p:nvSpPr>
           <p:spPr>
             <a:xfrm>
-              <a:off x="5094138" y="6070447"/>
+              <a:off x="4740247" y="6070440"/>
               <a:ext cx="63202" cy="63202"/>
             </a:xfrm>
             <a:custGeom>
@@ -30073,7 +30073,7 @@
           </p:nvSpPr>
           <p:spPr>
             <a:xfrm>
-              <a:off x="4870192" y="6078001"/>
+              <a:off x="5018340" y="6078027"/>
               <a:ext cx="63202" cy="63202"/>
             </a:xfrm>
             <a:custGeom>
@@ -30116,7 +30116,7 @@
           </p:nvSpPr>
           <p:spPr>
             <a:xfrm>
-              <a:off x="4481246" y="6137875"/>
+              <a:off x="5144962" y="6137865"/>
               <a:ext cx="63202" cy="63202"/>
             </a:xfrm>
             <a:custGeom>
@@ -30159,7 +30159,7 @@
           </p:nvSpPr>
           <p:spPr>
             <a:xfrm>
-              <a:off x="4494282" y="6065210"/>
+              <a:off x="5134062" y="6065226"/>
               <a:ext cx="63202" cy="63202"/>
             </a:xfrm>
             <a:custGeom>
@@ -30202,7 +30202,7 @@
           </p:nvSpPr>
           <p:spPr>
             <a:xfrm>
-              <a:off x="4636208" y="6059134"/>
+              <a:off x="4535911" y="6059167"/>
               <a:ext cx="63202" cy="63202"/>
             </a:xfrm>
             <a:custGeom>
@@ -30245,7 +30245,7 @@
           </p:nvSpPr>
           <p:spPr>
             <a:xfrm>
-              <a:off x="4500442" y="6184398"/>
+              <a:off x="4596618" y="6184436"/>
               <a:ext cx="63202" cy="63202"/>
             </a:xfrm>
             <a:custGeom>
@@ -30288,7 +30288,7 @@
           </p:nvSpPr>
           <p:spPr>
             <a:xfrm>
-              <a:off x="4716250" y="6106694"/>
+              <a:off x="4706431" y="6106715"/>
               <a:ext cx="63202" cy="63202"/>
             </a:xfrm>
             <a:custGeom>
@@ -30331,7 +30331,7 @@
           </p:nvSpPr>
           <p:spPr>
             <a:xfrm>
-              <a:off x="5061414" y="6069320"/>
+              <a:off x="4535387" y="6069349"/>
               <a:ext cx="63202" cy="63202"/>
             </a:xfrm>
             <a:custGeom>
@@ -30374,7 +30374,7 @@
           </p:nvSpPr>
           <p:spPr>
             <a:xfrm>
-              <a:off x="4944653" y="6052973"/>
+              <a:off x="5038624" y="6052993"/>
               <a:ext cx="63202" cy="63202"/>
             </a:xfrm>
             <a:custGeom>
@@ -30417,7 +30417,7 @@
           </p:nvSpPr>
           <p:spPr>
             <a:xfrm>
-              <a:off x="4808952" y="6063902"/>
+              <a:off x="4887216" y="6063886"/>
               <a:ext cx="63202" cy="63202"/>
             </a:xfrm>
             <a:custGeom>
@@ -30460,7 +30460,7 @@
           </p:nvSpPr>
           <p:spPr>
             <a:xfrm>
-              <a:off x="5141186" y="6143830"/>
+              <a:off x="4798641" y="6143842"/>
               <a:ext cx="63202" cy="63202"/>
             </a:xfrm>
             <a:custGeom>
@@ -30503,7 +30503,7 @@
           </p:nvSpPr>
           <p:spPr>
             <a:xfrm>
-              <a:off x="4939081" y="6078367"/>
+              <a:off x="4788346" y="6078382"/>
               <a:ext cx="63202" cy="63202"/>
             </a:xfrm>
             <a:custGeom>
@@ -30546,7 +30546,7 @@
           </p:nvSpPr>
           <p:spPr>
             <a:xfrm>
-              <a:off x="4924357" y="6119592"/>
+              <a:off x="5085749" y="6119589"/>
               <a:ext cx="63202" cy="63202"/>
             </a:xfrm>
             <a:custGeom>
@@ -30589,7 +30589,7 @@
           </p:nvSpPr>
           <p:spPr>
             <a:xfrm>
-              <a:off x="5151840" y="6076874"/>
+              <a:off x="4781178" y="6076911"/>
               <a:ext cx="63202" cy="63202"/>
             </a:xfrm>
             <a:custGeom>
@@ -30688,7 +30688,7 @@
           </p:nvSpPr>
           <p:spPr>
             <a:xfrm>
-              <a:off x="7192078" y="2797343"/>
+              <a:off x="7192078" y="2797352"/>
               <a:ext cx="2796732" cy="0"/>
             </a:xfrm>
             <a:custGeom>
@@ -30731,7 +30731,7 @@
           </p:nvSpPr>
           <p:spPr>
             <a:xfrm>
-              <a:off x="7192078" y="2312548"/>
+              <a:off x="7192078" y="2312565"/>
               <a:ext cx="2796732" cy="0"/>
             </a:xfrm>
             <a:custGeom>
@@ -30774,7 +30774,7 @@
           </p:nvSpPr>
           <p:spPr>
             <a:xfrm>
-              <a:off x="7192078" y="1827754"/>
+              <a:off x="7192078" y="1827778"/>
               <a:ext cx="2796732" cy="0"/>
             </a:xfrm>
             <a:custGeom>
@@ -30817,7 +30817,7 @@
           </p:nvSpPr>
           <p:spPr>
             <a:xfrm>
-              <a:off x="7192078" y="3039740"/>
+              <a:off x="7192078" y="3039745"/>
               <a:ext cx="2796732" cy="0"/>
             </a:xfrm>
             <a:custGeom>
@@ -30860,7 +30860,7 @@
           </p:nvSpPr>
           <p:spPr>
             <a:xfrm>
-              <a:off x="7192078" y="2554946"/>
+              <a:off x="7192078" y="2554958"/>
               <a:ext cx="2796732" cy="0"/>
             </a:xfrm>
             <a:custGeom>
@@ -30903,7 +30903,7 @@
           </p:nvSpPr>
           <p:spPr>
             <a:xfrm>
-              <a:off x="7192078" y="2070151"/>
+              <a:off x="7192078" y="2070172"/>
               <a:ext cx="2796732" cy="0"/>
             </a:xfrm>
             <a:custGeom>
@@ -30946,7 +30946,7 @@
           </p:nvSpPr>
           <p:spPr>
             <a:xfrm>
-              <a:off x="7192078" y="1585357"/>
+              <a:off x="7192078" y="1585385"/>
               <a:ext cx="2796732" cy="0"/>
             </a:xfrm>
             <a:custGeom>
@@ -31118,7 +31118,7 @@
           </p:nvSpPr>
           <p:spPr>
             <a:xfrm>
-              <a:off x="7675958" y="2559208"/>
+              <a:off x="7800879" y="2559249"/>
               <a:ext cx="63202" cy="63202"/>
             </a:xfrm>
             <a:custGeom>
@@ -31161,7 +31161,7 @@
           </p:nvSpPr>
           <p:spPr>
             <a:xfrm>
-              <a:off x="7822614" y="2661687"/>
+              <a:off x="7843641" y="2661720"/>
               <a:ext cx="63202" cy="63202"/>
             </a:xfrm>
             <a:custGeom>
@@ -31204,7 +31204,7 @@
           </p:nvSpPr>
           <p:spPr>
             <a:xfrm>
-              <a:off x="7985755" y="2520648"/>
+              <a:off x="7581954" y="2520651"/>
               <a:ext cx="63202" cy="63202"/>
             </a:xfrm>
             <a:custGeom>
@@ -31247,7 +31247,7 @@
           </p:nvSpPr>
           <p:spPr>
             <a:xfrm>
-              <a:off x="7356090" y="2581002"/>
+              <a:off x="7962280" y="2581007"/>
               <a:ext cx="63202" cy="63202"/>
             </a:xfrm>
             <a:custGeom>
@@ -31290,7 +31290,7 @@
           </p:nvSpPr>
           <p:spPr>
             <a:xfrm>
-              <a:off x="7912012" y="2544011"/>
+              <a:off x="7823584" y="2544011"/>
               <a:ext cx="63202" cy="63202"/>
             </a:xfrm>
             <a:custGeom>
@@ -31333,7 +31333,7 @@
           </p:nvSpPr>
           <p:spPr>
             <a:xfrm>
-              <a:off x="7707200" y="2349923"/>
+              <a:off x="7544901" y="2349956"/>
               <a:ext cx="63202" cy="63202"/>
             </a:xfrm>
             <a:custGeom>
@@ -31376,7 +31376,7 @@
           </p:nvSpPr>
           <p:spPr>
             <a:xfrm>
-              <a:off x="7914747" y="2643052"/>
+              <a:off x="7611325" y="2643044"/>
               <a:ext cx="63202" cy="63202"/>
             </a:xfrm>
             <a:custGeom>
@@ -31419,7 +31419,7 @@
           </p:nvSpPr>
           <p:spPr>
             <a:xfrm>
-              <a:off x="7851509" y="2662923"/>
+              <a:off x="7446298" y="2662926"/>
               <a:ext cx="63202" cy="63202"/>
             </a:xfrm>
             <a:custGeom>
@@ -31462,7 +31462,7 @@
           </p:nvSpPr>
           <p:spPr>
             <a:xfrm>
-              <a:off x="7506245" y="2543816"/>
+              <a:off x="7680851" y="2543812"/>
               <a:ext cx="63202" cy="63202"/>
             </a:xfrm>
             <a:custGeom>
@@ -31505,7 +31505,7 @@
           </p:nvSpPr>
           <p:spPr>
             <a:xfrm>
-              <a:off x="7629834" y="2554715"/>
+              <a:off x="7522687" y="2554716"/>
               <a:ext cx="63202" cy="63202"/>
             </a:xfrm>
             <a:custGeom>
@@ -31548,7 +31548,7 @@
           </p:nvSpPr>
           <p:spPr>
             <a:xfrm>
-              <a:off x="7549520" y="2643232"/>
+              <a:off x="7911139" y="2643234"/>
               <a:ext cx="63202" cy="63202"/>
             </a:xfrm>
             <a:custGeom>
@@ -31591,7 +31591,7 @@
           </p:nvSpPr>
           <p:spPr>
             <a:xfrm>
-              <a:off x="7935698" y="2790872"/>
+              <a:off x="7945628" y="2790845"/>
               <a:ext cx="63202" cy="63202"/>
             </a:xfrm>
             <a:custGeom>
@@ -31634,7 +31634,7 @@
           </p:nvSpPr>
           <p:spPr>
             <a:xfrm>
-              <a:off x="7558623" y="2693885"/>
+              <a:off x="7705398" y="2693920"/>
               <a:ext cx="63202" cy="63202"/>
             </a:xfrm>
             <a:custGeom>
@@ -31677,7 +31677,7 @@
           </p:nvSpPr>
           <p:spPr>
             <a:xfrm>
-              <a:off x="7427873" y="2649184"/>
+              <a:off x="7349676" y="2649218"/>
               <a:ext cx="63202" cy="63202"/>
             </a:xfrm>
             <a:custGeom>
@@ -31720,7 +31720,7 @@
           </p:nvSpPr>
           <p:spPr>
             <a:xfrm>
-              <a:off x="7490671" y="2645136"/>
+              <a:off x="7862528" y="2645147"/>
               <a:ext cx="63202" cy="63202"/>
             </a:xfrm>
             <a:custGeom>
@@ -31763,7 +31763,7 @@
           </p:nvSpPr>
           <p:spPr>
             <a:xfrm>
-              <a:off x="7901253" y="2760423"/>
+              <a:off x="7695194" y="2760418"/>
               <a:ext cx="63202" cy="63202"/>
             </a:xfrm>
             <a:custGeom>
@@ -31806,7 +31806,7 @@
           </p:nvSpPr>
           <p:spPr>
             <a:xfrm>
-              <a:off x="7359364" y="2650105"/>
+              <a:off x="7560324" y="2650138"/>
               <a:ext cx="63202" cy="63202"/>
             </a:xfrm>
             <a:custGeom>
@@ -31849,7 +31849,7 @@
           </p:nvSpPr>
           <p:spPr>
             <a:xfrm>
-              <a:off x="7612887" y="2579298"/>
+              <a:off x="7511056" y="2579320"/>
               <a:ext cx="63202" cy="63202"/>
             </a:xfrm>
             <a:custGeom>
@@ -31892,7 +31892,7 @@
           </p:nvSpPr>
           <p:spPr>
             <a:xfrm>
-              <a:off x="7946038" y="2703577"/>
+              <a:off x="7613972" y="2703602"/>
               <a:ext cx="63202" cy="63202"/>
             </a:xfrm>
             <a:custGeom>
@@ -31935,7 +31935,7 @@
           </p:nvSpPr>
           <p:spPr>
             <a:xfrm>
-              <a:off x="7636400" y="2632470"/>
+              <a:off x="7408730" y="2632485"/>
               <a:ext cx="63202" cy="63202"/>
             </a:xfrm>
             <a:custGeom>
@@ -31978,7 +31978,7 @@
           </p:nvSpPr>
           <p:spPr>
             <a:xfrm>
-              <a:off x="7434521" y="2628217"/>
+              <a:off x="7808100" y="2628223"/>
               <a:ext cx="63202" cy="63202"/>
             </a:xfrm>
             <a:custGeom>
@@ -32021,7 +32021,7 @@
           </p:nvSpPr>
           <p:spPr>
             <a:xfrm>
-              <a:off x="8013975" y="2661522"/>
+              <a:off x="7957827" y="2661523"/>
               <a:ext cx="63202" cy="63202"/>
             </a:xfrm>
             <a:custGeom>
@@ -32064,7 +32064,7 @@
           </p:nvSpPr>
           <p:spPr>
             <a:xfrm>
-              <a:off x="7912654" y="2749933"/>
+              <a:off x="7922492" y="2749955"/>
               <a:ext cx="63202" cy="63202"/>
             </a:xfrm>
             <a:custGeom>
@@ -32107,7 +32107,7 @@
           </p:nvSpPr>
           <p:spPr>
             <a:xfrm>
-              <a:off x="7912755" y="2663189"/>
+              <a:off x="7425524" y="2663212"/>
               <a:ext cx="63202" cy="63202"/>
             </a:xfrm>
             <a:custGeom>
@@ -32150,7 +32150,7 @@
           </p:nvSpPr>
           <p:spPr>
             <a:xfrm>
-              <a:off x="7524267" y="2644066"/>
+              <a:off x="7455864" y="2644059"/>
               <a:ext cx="63202" cy="63202"/>
             </a:xfrm>
             <a:custGeom>
@@ -32193,7 +32193,7 @@
           </p:nvSpPr>
           <p:spPr>
             <a:xfrm>
-              <a:off x="7490159" y="2350184"/>
+              <a:off x="7543444" y="2350185"/>
               <a:ext cx="63202" cy="63202"/>
             </a:xfrm>
             <a:custGeom>
@@ -32236,7 +32236,7 @@
           </p:nvSpPr>
           <p:spPr>
             <a:xfrm>
-              <a:off x="7925916" y="2651134"/>
+              <a:off x="7500954" y="2651135"/>
               <a:ext cx="63202" cy="63202"/>
             </a:xfrm>
             <a:custGeom>
@@ -32279,7 +32279,7 @@
           </p:nvSpPr>
           <p:spPr>
             <a:xfrm>
-              <a:off x="7629546" y="2647212"/>
+              <a:off x="7614378" y="2647238"/>
               <a:ext cx="63202" cy="63202"/>
             </a:xfrm>
             <a:custGeom>
@@ -32322,7 +32322,7 @@
           </p:nvSpPr>
           <p:spPr>
             <a:xfrm>
-              <a:off x="7729950" y="2348575"/>
+              <a:off x="7896062" y="2348587"/>
               <a:ext cx="63202" cy="63202"/>
             </a:xfrm>
             <a:custGeom>
@@ -32365,7 +32365,7 @@
           </p:nvSpPr>
           <p:spPr>
             <a:xfrm>
-              <a:off x="7747987" y="2583616"/>
+              <a:off x="7480083" y="2583631"/>
               <a:ext cx="63202" cy="63202"/>
             </a:xfrm>
             <a:custGeom>
@@ -32408,7 +32408,7 @@
           </p:nvSpPr>
           <p:spPr>
             <a:xfrm>
-              <a:off x="7497326" y="2604640"/>
+              <a:off x="7999872" y="2604660"/>
               <a:ext cx="63202" cy="63202"/>
             </a:xfrm>
             <a:custGeom>
@@ -32451,7 +32451,7 @@
           </p:nvSpPr>
           <p:spPr>
             <a:xfrm>
-              <a:off x="8014315" y="2615313"/>
+              <a:off x="7744974" y="2615332"/>
               <a:ext cx="63202" cy="63202"/>
             </a:xfrm>
             <a:custGeom>
@@ -32494,7 +32494,7 @@
           </p:nvSpPr>
           <p:spPr>
             <a:xfrm>
-              <a:off x="7816273" y="2602257"/>
+              <a:off x="7597887" y="2602272"/>
               <a:ext cx="63202" cy="63202"/>
             </a:xfrm>
             <a:custGeom>
@@ -32537,7 +32537,7 @@
           </p:nvSpPr>
           <p:spPr>
             <a:xfrm>
-              <a:off x="7725324" y="2603452"/>
+              <a:off x="7386649" y="2603432"/>
               <a:ext cx="63202" cy="63202"/>
             </a:xfrm>
             <a:custGeom>
@@ -32580,7 +32580,7 @@
           </p:nvSpPr>
           <p:spPr>
             <a:xfrm>
-              <a:off x="7806306" y="2602459"/>
+              <a:off x="7801771" y="2602465"/>
               <a:ext cx="63202" cy="63202"/>
             </a:xfrm>
             <a:custGeom>
@@ -32623,7 +32623,7 @@
           </p:nvSpPr>
           <p:spPr>
             <a:xfrm>
-              <a:off x="7615644" y="2627949"/>
+              <a:off x="7978728" y="2627957"/>
               <a:ext cx="63202" cy="63202"/>
             </a:xfrm>
             <a:custGeom>
@@ -32666,7 +32666,7 @@
           </p:nvSpPr>
           <p:spPr>
             <a:xfrm>
-              <a:off x="7437912" y="2629383"/>
+              <a:off x="7887627" y="2629394"/>
               <a:ext cx="63202" cy="63202"/>
             </a:xfrm>
             <a:custGeom>
@@ -32709,7 +32709,7 @@
           </p:nvSpPr>
           <p:spPr>
             <a:xfrm>
-              <a:off x="7821411" y="2691231"/>
+              <a:off x="7912460" y="2691230"/>
               <a:ext cx="63202" cy="63202"/>
             </a:xfrm>
             <a:custGeom>
@@ -32752,7 +32752,7 @@
           </p:nvSpPr>
           <p:spPr>
             <a:xfrm>
-              <a:off x="7601551" y="2654141"/>
+              <a:off x="7976388" y="2654165"/>
               <a:ext cx="63202" cy="63202"/>
             </a:xfrm>
             <a:custGeom>
@@ -32795,7 +32795,7 @@
           </p:nvSpPr>
           <p:spPr>
             <a:xfrm>
-              <a:off x="7962711" y="2580921"/>
+              <a:off x="7428948" y="2580955"/>
               <a:ext cx="63202" cy="63202"/>
             </a:xfrm>
             <a:custGeom>
@@ -32838,7 +32838,7 @@
           </p:nvSpPr>
           <p:spPr>
             <a:xfrm>
-              <a:off x="7743946" y="2746980"/>
+              <a:off x="7367352" y="2747003"/>
               <a:ext cx="63202" cy="63202"/>
             </a:xfrm>
             <a:custGeom>
@@ -32881,7 +32881,7 @@
           </p:nvSpPr>
           <p:spPr>
             <a:xfrm>
-              <a:off x="7863567" y="2620126"/>
+              <a:off x="7842567" y="2620117"/>
               <a:ext cx="63202" cy="63202"/>
             </a:xfrm>
             <a:custGeom>
@@ -32924,7 +32924,7 @@
           </p:nvSpPr>
           <p:spPr>
             <a:xfrm>
-              <a:off x="7833347" y="2580115"/>
+              <a:off x="8012009" y="2580123"/>
               <a:ext cx="63202" cy="63202"/>
             </a:xfrm>
             <a:custGeom>
@@ -32967,7 +32967,7 @@
           </p:nvSpPr>
           <p:spPr>
             <a:xfrm>
-              <a:off x="7536953" y="2579275"/>
+              <a:off x="8022001" y="2579288"/>
               <a:ext cx="63202" cy="63202"/>
             </a:xfrm>
             <a:custGeom>
@@ -33010,7 +33010,7 @@
           </p:nvSpPr>
           <p:spPr>
             <a:xfrm>
-              <a:off x="7579000" y="2626021"/>
+              <a:off x="7444209" y="2626018"/>
               <a:ext cx="63202" cy="63202"/>
             </a:xfrm>
             <a:custGeom>
@@ -33053,7 +33053,7 @@
           </p:nvSpPr>
           <p:spPr>
             <a:xfrm>
-              <a:off x="7921404" y="2579915"/>
+              <a:off x="7414593" y="2579930"/>
               <a:ext cx="63202" cy="63202"/>
             </a:xfrm>
             <a:custGeom>
@@ -33096,7 +33096,7 @@
           </p:nvSpPr>
           <p:spPr>
             <a:xfrm>
-              <a:off x="7987888" y="2543980"/>
+              <a:off x="7541336" y="2544026"/>
               <a:ext cx="63202" cy="63202"/>
             </a:xfrm>
             <a:custGeom>
@@ -33195,7 +33195,7 @@
           </p:nvSpPr>
           <p:spPr>
             <a:xfrm>
-              <a:off x="7192078" y="4722676"/>
+              <a:off x="7192078" y="4722684"/>
               <a:ext cx="2796732" cy="0"/>
             </a:xfrm>
             <a:custGeom>
@@ -33238,7 +33238,7 @@
           </p:nvSpPr>
           <p:spPr>
             <a:xfrm>
-              <a:off x="7192078" y="4237881"/>
+              <a:off x="7192078" y="4237898"/>
               <a:ext cx="2796732" cy="0"/>
             </a:xfrm>
             <a:custGeom>
@@ -33281,7 +33281,7 @@
           </p:nvSpPr>
           <p:spPr>
             <a:xfrm>
-              <a:off x="7192078" y="3753086"/>
+              <a:off x="7192078" y="3753111"/>
               <a:ext cx="2796732" cy="0"/>
             </a:xfrm>
             <a:custGeom>
@@ -33324,7 +33324,7 @@
           </p:nvSpPr>
           <p:spPr>
             <a:xfrm>
-              <a:off x="7192078" y="4965073"/>
+              <a:off x="7192078" y="4965078"/>
               <a:ext cx="2796732" cy="0"/>
             </a:xfrm>
             <a:custGeom>
@@ -33367,7 +33367,7 @@
           </p:nvSpPr>
           <p:spPr>
             <a:xfrm>
-              <a:off x="7192078" y="4480278"/>
+              <a:off x="7192078" y="4480291"/>
               <a:ext cx="2796732" cy="0"/>
             </a:xfrm>
             <a:custGeom>
@@ -33410,7 +33410,7 @@
           </p:nvSpPr>
           <p:spPr>
             <a:xfrm>
-              <a:off x="7192078" y="3995484"/>
+              <a:off x="7192078" y="3995504"/>
               <a:ext cx="2796732" cy="0"/>
             </a:xfrm>
             <a:custGeom>
@@ -33453,7 +33453,7 @@
           </p:nvSpPr>
           <p:spPr>
             <a:xfrm>
-              <a:off x="7192078" y="3510689"/>
+              <a:off x="7192078" y="3510718"/>
               <a:ext cx="2796732" cy="0"/>
             </a:xfrm>
             <a:custGeom>
@@ -33625,7 +33625,7 @@
           </p:nvSpPr>
           <p:spPr>
             <a:xfrm>
-              <a:off x="7476584" y="4446068"/>
+              <a:off x="7809659" y="4446078"/>
               <a:ext cx="63202" cy="63202"/>
             </a:xfrm>
             <a:custGeom>
@@ -33668,7 +33668,7 @@
           </p:nvSpPr>
           <p:spPr>
             <a:xfrm>
-              <a:off x="7431200" y="4438747"/>
+              <a:off x="8022841" y="4438740"/>
               <a:ext cx="63202" cy="63202"/>
             </a:xfrm>
             <a:custGeom>
@@ -33711,7 +33711,7 @@
           </p:nvSpPr>
           <p:spPr>
             <a:xfrm>
-              <a:off x="7703494" y="4551487"/>
+              <a:off x="7587479" y="4551521"/>
               <a:ext cx="63202" cy="63202"/>
             </a:xfrm>
             <a:custGeom>
@@ -33754,7 +33754,7 @@
           </p:nvSpPr>
           <p:spPr>
             <a:xfrm>
-              <a:off x="8261023" y="4795399"/>
+              <a:off x="8255968" y="4795391"/>
               <a:ext cx="63202" cy="63202"/>
             </a:xfrm>
             <a:custGeom>
@@ -33797,7 +33797,7 @@
           </p:nvSpPr>
           <p:spPr>
             <a:xfrm>
-              <a:off x="7346500" y="4513210"/>
+              <a:off x="7790307" y="4513221"/>
               <a:ext cx="63202" cy="63202"/>
             </a:xfrm>
             <a:custGeom>
@@ -33840,7 +33840,7 @@
           </p:nvSpPr>
           <p:spPr>
             <a:xfrm>
-              <a:off x="8008918" y="4419897"/>
+              <a:off x="7715217" y="4419893"/>
               <a:ext cx="63202" cy="63202"/>
             </a:xfrm>
             <a:custGeom>
@@ -33883,7 +33883,7 @@
           </p:nvSpPr>
           <p:spPr>
             <a:xfrm>
-              <a:off x="7491117" y="4484121"/>
+              <a:off x="7600337" y="4484146"/>
               <a:ext cx="63202" cy="63202"/>
             </a:xfrm>
             <a:custGeom>
@@ -33926,7 +33926,7 @@
           </p:nvSpPr>
           <p:spPr>
             <a:xfrm>
-              <a:off x="7744706" y="4428711"/>
+              <a:off x="7805147" y="4428730"/>
               <a:ext cx="63202" cy="63202"/>
             </a:xfrm>
             <a:custGeom>
@@ -33969,7 +33969,7 @@
           </p:nvSpPr>
           <p:spPr>
             <a:xfrm>
-              <a:off x="7422908" y="4565938"/>
+              <a:off x="7728579" y="4565974"/>
               <a:ext cx="63202" cy="63202"/>
             </a:xfrm>
             <a:custGeom>
@@ -34012,7 +34012,7 @@
           </p:nvSpPr>
           <p:spPr>
             <a:xfrm>
-              <a:off x="7998660" y="4442863"/>
+              <a:off x="7799894" y="4442881"/>
               <a:ext cx="63202" cy="63202"/>
             </a:xfrm>
             <a:custGeom>
@@ -34055,7 +34055,7 @@
           </p:nvSpPr>
           <p:spPr>
             <a:xfrm>
-              <a:off x="7805927" y="4437176"/>
+              <a:off x="7737599" y="4437201"/>
               <a:ext cx="63202" cy="63202"/>
             </a:xfrm>
             <a:custGeom>
@@ -34098,7 +34098,7 @@
           </p:nvSpPr>
           <p:spPr>
             <a:xfrm>
-              <a:off x="7605946" y="4441402"/>
+              <a:off x="7621993" y="4441429"/>
               <a:ext cx="63202" cy="63202"/>
             </a:xfrm>
             <a:custGeom>
@@ -34141,7 +34141,7 @@
           </p:nvSpPr>
           <p:spPr>
             <a:xfrm>
-              <a:off x="7522242" y="4410322"/>
+              <a:off x="7465845" y="4410353"/>
               <a:ext cx="63202" cy="63202"/>
             </a:xfrm>
             <a:custGeom>
@@ -34184,7 +34184,7 @@
           </p:nvSpPr>
           <p:spPr>
             <a:xfrm>
-              <a:off x="7729526" y="4472284"/>
+              <a:off x="7912800" y="4472293"/>
               <a:ext cx="63202" cy="63202"/>
             </a:xfrm>
             <a:custGeom>
@@ -35679,7 +35679,7 @@
           </p:nvSpPr>
           <p:spPr>
             <a:xfrm>
-              <a:off x="1334650" y="2998049"/>
+              <a:off x="1334650" y="2998053"/>
               <a:ext cx="62155" cy="81691"/>
             </a:xfrm>
             <a:prstGeom prst="rect">
@@ -35725,7 +35725,7 @@
           </p:nvSpPr>
           <p:spPr>
             <a:xfrm>
-              <a:off x="1148183" y="2513254"/>
+              <a:off x="1148183" y="2513267"/>
               <a:ext cx="248622" cy="81691"/>
             </a:xfrm>
             <a:prstGeom prst="rect">
@@ -35771,7 +35771,7 @@
           </p:nvSpPr>
           <p:spPr>
             <a:xfrm>
-              <a:off x="1148183" y="2028459"/>
+              <a:off x="1148183" y="2028480"/>
               <a:ext cx="248622" cy="81691"/>
             </a:xfrm>
             <a:prstGeom prst="rect">
@@ -35817,7 +35817,7 @@
           </p:nvSpPr>
           <p:spPr>
             <a:xfrm>
-              <a:off x="1148183" y="1543610"/>
+              <a:off x="1148183" y="1543639"/>
               <a:ext cx="248622" cy="81746"/>
             </a:xfrm>
             <a:prstGeom prst="rect">
@@ -35863,7 +35863,7 @@
           </p:nvSpPr>
           <p:spPr>
             <a:xfrm>
-              <a:off x="1424641" y="3039740"/>
+              <a:off x="1424641" y="3039745"/>
               <a:ext cx="34794" cy="0"/>
             </a:xfrm>
             <a:custGeom>
@@ -35903,7 +35903,7 @@
           </p:nvSpPr>
           <p:spPr>
             <a:xfrm>
-              <a:off x="1424641" y="2554946"/>
+              <a:off x="1424641" y="2554958"/>
               <a:ext cx="34794" cy="0"/>
             </a:xfrm>
             <a:custGeom>
@@ -35943,7 +35943,7 @@
           </p:nvSpPr>
           <p:spPr>
             <a:xfrm>
-              <a:off x="1424641" y="2070151"/>
+              <a:off x="1424641" y="2070172"/>
               <a:ext cx="34794" cy="0"/>
             </a:xfrm>
             <a:custGeom>
@@ -35983,7 +35983,7 @@
           </p:nvSpPr>
           <p:spPr>
             <a:xfrm>
-              <a:off x="1424641" y="1585357"/>
+              <a:off x="1424641" y="1585385"/>
               <a:ext cx="34794" cy="0"/>
             </a:xfrm>
             <a:custGeom>
@@ -36023,7 +36023,7 @@
           </p:nvSpPr>
           <p:spPr>
             <a:xfrm>
-              <a:off x="1334650" y="4923381"/>
+              <a:off x="1334650" y="4923386"/>
               <a:ext cx="62155" cy="81691"/>
             </a:xfrm>
             <a:prstGeom prst="rect">
@@ -36069,7 +36069,7 @@
           </p:nvSpPr>
           <p:spPr>
             <a:xfrm>
-              <a:off x="1148183" y="4438587"/>
+              <a:off x="1148183" y="4438599"/>
               <a:ext cx="248622" cy="81691"/>
             </a:xfrm>
             <a:prstGeom prst="rect">
@@ -36115,7 +36115,7 @@
           </p:nvSpPr>
           <p:spPr>
             <a:xfrm>
-              <a:off x="1148183" y="3953792"/>
+              <a:off x="1148183" y="3953813"/>
               <a:ext cx="248622" cy="81691"/>
             </a:xfrm>
             <a:prstGeom prst="rect">
@@ -36161,7 +36161,7 @@
           </p:nvSpPr>
           <p:spPr>
             <a:xfrm>
-              <a:off x="1148183" y="3468943"/>
+              <a:off x="1148183" y="3468971"/>
               <a:ext cx="248622" cy="81746"/>
             </a:xfrm>
             <a:prstGeom prst="rect">
@@ -36207,7 +36207,7 @@
           </p:nvSpPr>
           <p:spPr>
             <a:xfrm>
-              <a:off x="1424641" y="4965073"/>
+              <a:off x="1424641" y="4965078"/>
               <a:ext cx="34794" cy="0"/>
             </a:xfrm>
             <a:custGeom>
@@ -36247,7 +36247,7 @@
           </p:nvSpPr>
           <p:spPr>
             <a:xfrm>
-              <a:off x="1424641" y="4480278"/>
+              <a:off x="1424641" y="4480291"/>
               <a:ext cx="34794" cy="0"/>
             </a:xfrm>
             <a:custGeom>
@@ -36287,7 +36287,7 @@
           </p:nvSpPr>
           <p:spPr>
             <a:xfrm>
-              <a:off x="1424641" y="3995484"/>
+              <a:off x="1424641" y="3995504"/>
               <a:ext cx="34794" cy="0"/>
             </a:xfrm>
             <a:custGeom>
@@ -36327,7 +36327,7 @@
           </p:nvSpPr>
           <p:spPr>
             <a:xfrm>
-              <a:off x="1424641" y="3510689"/>
+              <a:off x="1424641" y="3510718"/>
               <a:ext cx="34794" cy="0"/>
             </a:xfrm>
             <a:custGeom>
@@ -36367,7 +36367,7 @@
           </p:nvSpPr>
           <p:spPr>
             <a:xfrm>
-              <a:off x="1334650" y="6848714"/>
+              <a:off x="1334650" y="6848719"/>
               <a:ext cx="62155" cy="81691"/>
             </a:xfrm>
             <a:prstGeom prst="rect">
@@ -36413,7 +36413,7 @@
           </p:nvSpPr>
           <p:spPr>
             <a:xfrm>
-              <a:off x="1148183" y="6363919"/>
+              <a:off x="1148183" y="6363932"/>
               <a:ext cx="248622" cy="81691"/>
             </a:xfrm>
             <a:prstGeom prst="rect">
@@ -36459,7 +36459,7 @@
           </p:nvSpPr>
           <p:spPr>
             <a:xfrm>
-              <a:off x="1148183" y="5879125"/>
+              <a:off x="1148183" y="5879145"/>
               <a:ext cx="248622" cy="81691"/>
             </a:xfrm>
             <a:prstGeom prst="rect">
@@ -36505,7 +36505,7 @@
           </p:nvSpPr>
           <p:spPr>
             <a:xfrm>
-              <a:off x="1148183" y="5394275"/>
+              <a:off x="1148183" y="5394304"/>
               <a:ext cx="248622" cy="81746"/>
             </a:xfrm>
             <a:prstGeom prst="rect">
@@ -36551,7 +36551,7 @@
           </p:nvSpPr>
           <p:spPr>
             <a:xfrm>
-              <a:off x="1424641" y="6890406"/>
+              <a:off x="1424641" y="6890410"/>
               <a:ext cx="34794" cy="0"/>
             </a:xfrm>
             <a:custGeom>
@@ -36591,7 +36591,7 @@
           </p:nvSpPr>
           <p:spPr>
             <a:xfrm>
-              <a:off x="1424641" y="6405611"/>
+              <a:off x="1424641" y="6405624"/>
               <a:ext cx="34794" cy="0"/>
             </a:xfrm>
             <a:custGeom>
@@ -36631,7 +36631,7 @@
           </p:nvSpPr>
           <p:spPr>
             <a:xfrm>
-              <a:off x="1424641" y="5920816"/>
+              <a:off x="1424641" y="5920837"/>
               <a:ext cx="34794" cy="0"/>
             </a:xfrm>
             <a:custGeom>
@@ -36671,7 +36671,7 @@
           </p:nvSpPr>
           <p:spPr>
             <a:xfrm>
-              <a:off x="1424641" y="5436022"/>
+              <a:off x="1424641" y="5436050"/>
               <a:ext cx="34794" cy="0"/>
             </a:xfrm>
             <a:custGeom>

--- a/Images/Figures_PPT/Jitter_Plot_Raptor_All.pptx
+++ b/Images/Figures_PPT/Jitter_Plot_Raptor_All.pptx
@@ -2359,7 +2359,7 @@
           </p:nvSpPr>
           <p:spPr>
             <a:xfrm>
-              <a:off x="1459435" y="2797352"/>
+              <a:off x="1459435" y="2797363"/>
               <a:ext cx="2796732" cy="0"/>
             </a:xfrm>
             <a:custGeom>
@@ -2445,7 +2445,7 @@
           </p:nvSpPr>
           <p:spPr>
             <a:xfrm>
-              <a:off x="1459435" y="1827778"/>
+              <a:off x="1459435" y="1827767"/>
               <a:ext cx="2796732" cy="0"/>
             </a:xfrm>
             <a:custGeom>
@@ -2488,7 +2488,7 @@
           </p:nvSpPr>
           <p:spPr>
             <a:xfrm>
-              <a:off x="1459435" y="3039745"/>
+              <a:off x="1459435" y="3039762"/>
               <a:ext cx="2796732" cy="0"/>
             </a:xfrm>
             <a:custGeom>
@@ -2531,7 +2531,7 @@
           </p:nvSpPr>
           <p:spPr>
             <a:xfrm>
-              <a:off x="1459435" y="2554958"/>
+              <a:off x="1459435" y="2554964"/>
               <a:ext cx="2796732" cy="0"/>
             </a:xfrm>
             <a:custGeom>
@@ -2574,7 +2574,7 @@
           </p:nvSpPr>
           <p:spPr>
             <a:xfrm>
-              <a:off x="1459435" y="2070172"/>
+              <a:off x="1459435" y="2070166"/>
               <a:ext cx="2796732" cy="0"/>
             </a:xfrm>
             <a:custGeom>
@@ -2617,7 +2617,7 @@
           </p:nvSpPr>
           <p:spPr>
             <a:xfrm>
-              <a:off x="1459435" y="1585385"/>
+              <a:off x="1459435" y="1585368"/>
               <a:ext cx="2796732" cy="0"/>
             </a:xfrm>
             <a:custGeom>
@@ -2789,7 +2789,7 @@
           </p:nvSpPr>
           <p:spPr>
             <a:xfrm>
-              <a:off x="3418421" y="2848474"/>
+              <a:off x="3494759" y="2848482"/>
               <a:ext cx="63202" cy="63202"/>
             </a:xfrm>
             <a:custGeom>
@@ -2832,7 +2832,7 @@
           </p:nvSpPr>
           <p:spPr>
             <a:xfrm>
-              <a:off x="1615167" y="2805097"/>
+              <a:off x="1621935" y="2805127"/>
               <a:ext cx="63202" cy="63202"/>
             </a:xfrm>
             <a:custGeom>
@@ -2875,7 +2875,7 @@
           </p:nvSpPr>
           <p:spPr>
             <a:xfrm>
-              <a:off x="1763251" y="2692206"/>
+              <a:off x="1715174" y="2692217"/>
               <a:ext cx="63202" cy="63202"/>
             </a:xfrm>
             <a:custGeom>
@@ -2918,7 +2918,7 @@
           </p:nvSpPr>
           <p:spPr>
             <a:xfrm>
-              <a:off x="2701903" y="2900975"/>
+              <a:off x="2615251" y="2900956"/>
               <a:ext cx="63202" cy="63202"/>
             </a:xfrm>
             <a:custGeom>
@@ -2961,7 +2961,7 @@
           </p:nvSpPr>
           <p:spPr>
             <a:xfrm>
-              <a:off x="1661778" y="2856013"/>
+              <a:off x="1979778" y="2856031"/>
               <a:ext cx="63202" cy="63202"/>
             </a:xfrm>
             <a:custGeom>
@@ -3004,7 +3004,7 @@
           </p:nvSpPr>
           <p:spPr>
             <a:xfrm>
-              <a:off x="2623145" y="2900216"/>
+              <a:off x="2595922" y="2900228"/>
               <a:ext cx="63202" cy="63202"/>
             </a:xfrm>
             <a:custGeom>
@@ -3103,7 +3103,7 @@
           </p:nvSpPr>
           <p:spPr>
             <a:xfrm>
-              <a:off x="1459435" y="4722684"/>
+              <a:off x="1459435" y="4722696"/>
               <a:ext cx="2796732" cy="0"/>
             </a:xfrm>
             <a:custGeom>
@@ -3189,7 +3189,7 @@
           </p:nvSpPr>
           <p:spPr>
             <a:xfrm>
-              <a:off x="1459435" y="3753111"/>
+              <a:off x="1459435" y="3753100"/>
               <a:ext cx="2796732" cy="0"/>
             </a:xfrm>
             <a:custGeom>
@@ -3232,7 +3232,7 @@
           </p:nvSpPr>
           <p:spPr>
             <a:xfrm>
-              <a:off x="1459435" y="4965078"/>
+              <a:off x="1459435" y="4965095"/>
               <a:ext cx="2796732" cy="0"/>
             </a:xfrm>
             <a:custGeom>
@@ -3275,7 +3275,7 @@
           </p:nvSpPr>
           <p:spPr>
             <a:xfrm>
-              <a:off x="1459435" y="4480291"/>
+              <a:off x="1459435" y="4480297"/>
               <a:ext cx="2796732" cy="0"/>
             </a:xfrm>
             <a:custGeom>
@@ -3318,7 +3318,7 @@
           </p:nvSpPr>
           <p:spPr>
             <a:xfrm>
-              <a:off x="1459435" y="3995504"/>
+              <a:off x="1459435" y="3995499"/>
               <a:ext cx="2796732" cy="0"/>
             </a:xfrm>
             <a:custGeom>
@@ -3361,7 +3361,7 @@
           </p:nvSpPr>
           <p:spPr>
             <a:xfrm>
-              <a:off x="1459435" y="3510718"/>
+              <a:off x="1459435" y="3510701"/>
               <a:ext cx="2796732" cy="0"/>
             </a:xfrm>
             <a:custGeom>
@@ -3533,7 +3533,7 @@
           </p:nvSpPr>
           <p:spPr>
             <a:xfrm>
-              <a:off x="1856021" y="4513166"/>
+              <a:off x="1808040" y="4513182"/>
               <a:ext cx="63202" cy="63202"/>
             </a:xfrm>
             <a:custGeom>
@@ -3576,7 +3576,7 @@
           </p:nvSpPr>
           <p:spPr>
             <a:xfrm>
-              <a:off x="2168635" y="4687624"/>
+              <a:off x="1945040" y="4687635"/>
               <a:ext cx="63202" cy="63202"/>
             </a:xfrm>
             <a:custGeom>
@@ -3619,7 +3619,7 @@
           </p:nvSpPr>
           <p:spPr>
             <a:xfrm>
-              <a:off x="2202168" y="4513162"/>
+              <a:off x="2210399" y="4513189"/>
               <a:ext cx="63202" cy="63202"/>
             </a:xfrm>
             <a:custGeom>
@@ -3662,7 +3662,7 @@
           </p:nvSpPr>
           <p:spPr>
             <a:xfrm>
-              <a:off x="1743729" y="4612436"/>
+              <a:off x="2093422" y="4612454"/>
               <a:ext cx="63202" cy="63202"/>
             </a:xfrm>
             <a:custGeom>
@@ -3705,7 +3705,7 @@
           </p:nvSpPr>
           <p:spPr>
             <a:xfrm>
-              <a:off x="2004226" y="4562726"/>
+              <a:off x="1961225" y="4562708"/>
               <a:ext cx="63202" cy="63202"/>
             </a:xfrm>
             <a:custGeom>
@@ -3748,7 +3748,7 @@
           </p:nvSpPr>
           <p:spPr>
             <a:xfrm>
-              <a:off x="3054853" y="4843372"/>
+              <a:off x="2489893" y="4843366"/>
               <a:ext cx="63202" cy="63202"/>
             </a:xfrm>
             <a:custGeom>
@@ -3791,7 +3791,7 @@
           </p:nvSpPr>
           <p:spPr>
             <a:xfrm>
-              <a:off x="1769480" y="4612070"/>
+              <a:off x="2267667" y="4612055"/>
               <a:ext cx="63202" cy="63202"/>
             </a:xfrm>
             <a:custGeom>
@@ -3834,7 +3834,7 @@
           </p:nvSpPr>
           <p:spPr>
             <a:xfrm>
-              <a:off x="2021478" y="4638921"/>
+              <a:off x="1791744" y="4638920"/>
               <a:ext cx="63202" cy="63202"/>
             </a:xfrm>
             <a:custGeom>
@@ -3877,7 +3877,7 @@
           </p:nvSpPr>
           <p:spPr>
             <a:xfrm>
-              <a:off x="1959555" y="4697180"/>
+              <a:off x="2173201" y="4697195"/>
               <a:ext cx="63202" cy="63202"/>
             </a:xfrm>
             <a:custGeom>
@@ -3920,7 +3920,7 @@
           </p:nvSpPr>
           <p:spPr>
             <a:xfrm>
-              <a:off x="2796251" y="4802938"/>
+              <a:off x="2734016" y="4802933"/>
               <a:ext cx="63202" cy="63202"/>
             </a:xfrm>
             <a:custGeom>
@@ -3963,7 +3963,7 @@
           </p:nvSpPr>
           <p:spPr>
             <a:xfrm>
-              <a:off x="2595264" y="4778624"/>
+              <a:off x="3000969" y="4778630"/>
               <a:ext cx="63202" cy="63202"/>
             </a:xfrm>
             <a:custGeom>
@@ -4006,7 +4006,7 @@
           </p:nvSpPr>
           <p:spPr>
             <a:xfrm>
-              <a:off x="1800998" y="4733879"/>
+              <a:off x="1732371" y="4733910"/>
               <a:ext cx="63202" cy="63202"/>
             </a:xfrm>
             <a:custGeom>
@@ -4049,7 +4049,7 @@
           </p:nvSpPr>
           <p:spPr>
             <a:xfrm>
-              <a:off x="1609552" y="4642891"/>
+              <a:off x="2168209" y="4642910"/>
               <a:ext cx="63202" cy="63202"/>
             </a:xfrm>
             <a:custGeom>
@@ -4092,7 +4092,7 @@
           </p:nvSpPr>
           <p:spPr>
             <a:xfrm>
-              <a:off x="3138982" y="4790041"/>
+              <a:off x="2995173" y="4790026"/>
               <a:ext cx="63202" cy="63202"/>
             </a:xfrm>
             <a:custGeom>
@@ -4135,7 +4135,7 @@
           </p:nvSpPr>
           <p:spPr>
             <a:xfrm>
-              <a:off x="2923252" y="4823051"/>
+              <a:off x="2839175" y="4823046"/>
               <a:ext cx="63202" cy="63202"/>
             </a:xfrm>
             <a:custGeom>
@@ -4178,7 +4178,7 @@
           </p:nvSpPr>
           <p:spPr>
             <a:xfrm>
-              <a:off x="1835277" y="4396682"/>
+              <a:off x="2049742" y="4396678"/>
               <a:ext cx="63202" cy="63202"/>
             </a:xfrm>
             <a:custGeom>
@@ -4221,7 +4221,7 @@
           </p:nvSpPr>
           <p:spPr>
             <a:xfrm>
-              <a:off x="1961785" y="4764716"/>
+              <a:off x="1796542" y="4764720"/>
               <a:ext cx="63202" cy="63202"/>
             </a:xfrm>
             <a:custGeom>
@@ -4264,7 +4264,7 @@
           </p:nvSpPr>
           <p:spPr>
             <a:xfrm>
-              <a:off x="1700340" y="4416253"/>
+              <a:off x="2100819" y="4416264"/>
               <a:ext cx="63202" cy="63202"/>
             </a:xfrm>
             <a:custGeom>
@@ -4307,7 +4307,7 @@
           </p:nvSpPr>
           <p:spPr>
             <a:xfrm>
-              <a:off x="2010408" y="4673405"/>
+              <a:off x="1915781" y="4673394"/>
               <a:ext cx="63202" cy="63202"/>
             </a:xfrm>
             <a:custGeom>
@@ -4350,7 +4350,7 @@
           </p:nvSpPr>
           <p:spPr>
             <a:xfrm>
-              <a:off x="1939754" y="4712577"/>
+              <a:off x="2264849" y="4712560"/>
               <a:ext cx="63202" cy="63202"/>
             </a:xfrm>
             <a:custGeom>
@@ -4393,7 +4393,7 @@
           </p:nvSpPr>
           <p:spPr>
             <a:xfrm>
-              <a:off x="1862998" y="4695802"/>
+              <a:off x="1793760" y="4695802"/>
               <a:ext cx="63202" cy="63202"/>
             </a:xfrm>
             <a:custGeom>
@@ -4436,7 +4436,7 @@
           </p:nvSpPr>
           <p:spPr>
             <a:xfrm>
-              <a:off x="2492278" y="4835030"/>
+              <a:off x="3134689" y="4835026"/>
               <a:ext cx="63202" cy="63202"/>
             </a:xfrm>
             <a:custGeom>
@@ -4535,7 +4535,7 @@
           </p:nvSpPr>
           <p:spPr>
             <a:xfrm>
-              <a:off x="1459435" y="6648017"/>
+              <a:off x="1459435" y="6648028"/>
               <a:ext cx="2796732" cy="0"/>
             </a:xfrm>
             <a:custGeom>
@@ -4621,7 +4621,7 @@
           </p:nvSpPr>
           <p:spPr>
             <a:xfrm>
-              <a:off x="1459435" y="5678444"/>
+              <a:off x="1459435" y="5678432"/>
               <a:ext cx="2796732" cy="0"/>
             </a:xfrm>
             <a:custGeom>
@@ -4664,7 +4664,7 @@
           </p:nvSpPr>
           <p:spPr>
             <a:xfrm>
-              <a:off x="1459435" y="6890410"/>
+              <a:off x="1459435" y="6890427"/>
               <a:ext cx="2796732" cy="0"/>
             </a:xfrm>
             <a:custGeom>
@@ -4707,7 +4707,7 @@
           </p:nvSpPr>
           <p:spPr>
             <a:xfrm>
-              <a:off x="1459435" y="6405624"/>
+              <a:off x="1459435" y="6405629"/>
               <a:ext cx="2796732" cy="0"/>
             </a:xfrm>
             <a:custGeom>
@@ -4750,7 +4750,7 @@
           </p:nvSpPr>
           <p:spPr>
             <a:xfrm>
-              <a:off x="1459435" y="5920837"/>
+              <a:off x="1459435" y="5920831"/>
               <a:ext cx="2796732" cy="0"/>
             </a:xfrm>
             <a:custGeom>
@@ -4793,7 +4793,7 @@
           </p:nvSpPr>
           <p:spPr>
             <a:xfrm>
-              <a:off x="1459435" y="5436050"/>
+              <a:off x="1459435" y="5436033"/>
               <a:ext cx="2796732" cy="0"/>
             </a:xfrm>
             <a:custGeom>
@@ -4965,7 +4965,7 @@
           </p:nvSpPr>
           <p:spPr>
             <a:xfrm>
-              <a:off x="1695396" y="6201042"/>
+              <a:off x="2263434" y="6201070"/>
               <a:ext cx="63202" cy="63202"/>
             </a:xfrm>
             <a:custGeom>
@@ -5008,7 +5008,7 @@
           </p:nvSpPr>
           <p:spPr>
             <a:xfrm>
-              <a:off x="2185560" y="6198569"/>
+              <a:off x="1797106" y="6198564"/>
               <a:ext cx="63202" cy="63202"/>
             </a:xfrm>
             <a:custGeom>
@@ -5051,7 +5051,7 @@
           </p:nvSpPr>
           <p:spPr>
             <a:xfrm>
-              <a:off x="1865444" y="6197159"/>
+              <a:off x="2188229" y="6197177"/>
               <a:ext cx="63202" cy="63202"/>
             </a:xfrm>
             <a:custGeom>
@@ -5094,7 +5094,7 @@
           </p:nvSpPr>
           <p:spPr>
             <a:xfrm>
-              <a:off x="1769899" y="6287403"/>
+              <a:off x="1836637" y="6287401"/>
               <a:ext cx="63202" cy="63202"/>
             </a:xfrm>
             <a:custGeom>
@@ -5137,7 +5137,7 @@
           </p:nvSpPr>
           <p:spPr>
             <a:xfrm>
-              <a:off x="1704536" y="6353773"/>
+              <a:off x="2099827" y="6353771"/>
               <a:ext cx="63202" cy="63202"/>
             </a:xfrm>
             <a:custGeom>
@@ -5180,7 +5180,7 @@
           </p:nvSpPr>
           <p:spPr>
             <a:xfrm>
-              <a:off x="1929718" y="6321128"/>
+              <a:off x="2248744" y="6321118"/>
               <a:ext cx="63202" cy="63202"/>
             </a:xfrm>
             <a:custGeom>
@@ -5223,7 +5223,7 @@
           </p:nvSpPr>
           <p:spPr>
             <a:xfrm>
-              <a:off x="1934015" y="6273388"/>
+              <a:off x="2026792" y="6273389"/>
               <a:ext cx="63202" cy="63202"/>
             </a:xfrm>
             <a:custGeom>
@@ -5266,7 +5266,7 @@
           </p:nvSpPr>
           <p:spPr>
             <a:xfrm>
-              <a:off x="2161402" y="6260490"/>
+              <a:off x="2209438" y="6260485"/>
               <a:ext cx="63202" cy="63202"/>
             </a:xfrm>
             <a:custGeom>
@@ -5309,7 +5309,7 @@
           </p:nvSpPr>
           <p:spPr>
             <a:xfrm>
-              <a:off x="2039582" y="6400406"/>
+              <a:off x="2111366" y="6400407"/>
               <a:ext cx="63202" cy="63202"/>
             </a:xfrm>
             <a:custGeom>
@@ -5352,7 +5352,7 @@
           </p:nvSpPr>
           <p:spPr>
             <a:xfrm>
-              <a:off x="1611251" y="6272935"/>
+              <a:off x="1956777" y="6272962"/>
               <a:ext cx="63202" cy="63202"/>
             </a:xfrm>
             <a:custGeom>
@@ -5395,7 +5395,7 @@
           </p:nvSpPr>
           <p:spPr>
             <a:xfrm>
-              <a:off x="1720423" y="6340863"/>
+              <a:off x="2162106" y="6340861"/>
               <a:ext cx="63202" cy="63202"/>
             </a:xfrm>
             <a:custGeom>
@@ -5438,7 +5438,7 @@
           </p:nvSpPr>
           <p:spPr>
             <a:xfrm>
-              <a:off x="2280346" y="6362890"/>
+              <a:off x="1916037" y="6362885"/>
               <a:ext cx="63202" cy="63202"/>
             </a:xfrm>
             <a:custGeom>
@@ -5481,7 +5481,7 @@
           </p:nvSpPr>
           <p:spPr>
             <a:xfrm>
-              <a:off x="2134855" y="6264403"/>
+              <a:off x="1915947" y="6264409"/>
               <a:ext cx="63202" cy="63202"/>
             </a:xfrm>
             <a:custGeom>
@@ -5524,7 +5524,7 @@
           </p:nvSpPr>
           <p:spPr>
             <a:xfrm>
-              <a:off x="1836818" y="6314186"/>
+              <a:off x="1883107" y="6314220"/>
               <a:ext cx="63202" cy="63202"/>
             </a:xfrm>
             <a:custGeom>
@@ -5567,7 +5567,7 @@
           </p:nvSpPr>
           <p:spPr>
             <a:xfrm>
-              <a:off x="1640790" y="6375334"/>
+              <a:off x="2040901" y="6375349"/>
               <a:ext cx="63202" cy="63202"/>
             </a:xfrm>
             <a:custGeom>
@@ -5610,7 +5610,7 @@
           </p:nvSpPr>
           <p:spPr>
             <a:xfrm>
-              <a:off x="1823377" y="6323557"/>
+              <a:off x="1793497" y="6323569"/>
               <a:ext cx="63202" cy="63202"/>
             </a:xfrm>
             <a:custGeom>
@@ -5653,7 +5653,7 @@
           </p:nvSpPr>
           <p:spPr>
             <a:xfrm>
-              <a:off x="1970695" y="6272322"/>
+              <a:off x="2042176" y="6272299"/>
               <a:ext cx="63202" cy="63202"/>
             </a:xfrm>
             <a:custGeom>
@@ -5696,7 +5696,7 @@
           </p:nvSpPr>
           <p:spPr>
             <a:xfrm>
-              <a:off x="1814173" y="6318883"/>
+              <a:off x="1964046" y="6318892"/>
               <a:ext cx="63202" cy="63202"/>
             </a:xfrm>
             <a:custGeom>
@@ -5739,7 +5739,7 @@
           </p:nvSpPr>
           <p:spPr>
             <a:xfrm>
-              <a:off x="1801913" y="6599703"/>
+              <a:off x="2096003" y="6599712"/>
               <a:ext cx="63202" cy="63202"/>
             </a:xfrm>
             <a:custGeom>
@@ -5782,7 +5782,7 @@
           </p:nvSpPr>
           <p:spPr>
             <a:xfrm>
-              <a:off x="1854692" y="6322590"/>
+              <a:off x="2171102" y="6322590"/>
               <a:ext cx="63202" cy="63202"/>
             </a:xfrm>
             <a:custGeom>
@@ -5825,7 +5825,7 @@
           </p:nvSpPr>
           <p:spPr>
             <a:xfrm>
-              <a:off x="1920466" y="6346016"/>
+              <a:off x="1626312" y="6346010"/>
               <a:ext cx="63202" cy="63202"/>
             </a:xfrm>
             <a:custGeom>
@@ -5868,7 +5868,7 @@
           </p:nvSpPr>
           <p:spPr>
             <a:xfrm>
-              <a:off x="2073232" y="6345760"/>
+              <a:off x="1839719" y="6345775"/>
               <a:ext cx="63202" cy="63202"/>
             </a:xfrm>
             <a:custGeom>
@@ -5911,7 +5911,7 @@
           </p:nvSpPr>
           <p:spPr>
             <a:xfrm>
-              <a:off x="2206709" y="6254573"/>
+              <a:off x="1963800" y="6254574"/>
               <a:ext cx="63202" cy="63202"/>
             </a:xfrm>
             <a:custGeom>
@@ -5954,7 +5954,7 @@
           </p:nvSpPr>
           <p:spPr>
             <a:xfrm>
-              <a:off x="2062544" y="6242780"/>
+              <a:off x="1904429" y="6242785"/>
               <a:ext cx="63202" cy="63202"/>
             </a:xfrm>
             <a:custGeom>
@@ -5997,7 +5997,7 @@
           </p:nvSpPr>
           <p:spPr>
             <a:xfrm>
-              <a:off x="1607019" y="6567837"/>
+              <a:off x="2197149" y="6567834"/>
               <a:ext cx="63202" cy="63202"/>
             </a:xfrm>
             <a:custGeom>
@@ -6040,7 +6040,7 @@
           </p:nvSpPr>
           <p:spPr>
             <a:xfrm>
-              <a:off x="1613835" y="6620306"/>
+              <a:off x="1797379" y="6620311"/>
               <a:ext cx="63202" cy="63202"/>
             </a:xfrm>
             <a:custGeom>
@@ -6083,7 +6083,7 @@
           </p:nvSpPr>
           <p:spPr>
             <a:xfrm>
-              <a:off x="1747904" y="6686498"/>
+              <a:off x="2174812" y="6686532"/>
               <a:ext cx="63202" cy="63202"/>
             </a:xfrm>
             <a:custGeom>
@@ -6126,7 +6126,7 @@
           </p:nvSpPr>
           <p:spPr>
             <a:xfrm>
-              <a:off x="1917474" y="6349639"/>
+              <a:off x="1625052" y="6349641"/>
               <a:ext cx="63202" cy="63202"/>
             </a:xfrm>
             <a:custGeom>
@@ -6169,7 +6169,7 @@
           </p:nvSpPr>
           <p:spPr>
             <a:xfrm>
-              <a:off x="2281616" y="6329699"/>
+              <a:off x="2160293" y="6329718"/>
               <a:ext cx="63202" cy="63202"/>
             </a:xfrm>
             <a:custGeom>
@@ -6212,7 +6212,7 @@
           </p:nvSpPr>
           <p:spPr>
             <a:xfrm>
-              <a:off x="2166252" y="6265516"/>
+              <a:off x="1694191" y="6265535"/>
               <a:ext cx="63202" cy="63202"/>
             </a:xfrm>
             <a:custGeom>
@@ -6255,7 +6255,7 @@
           </p:nvSpPr>
           <p:spPr>
             <a:xfrm>
-              <a:off x="2290526" y="6261731"/>
+              <a:off x="1859304" y="6261758"/>
               <a:ext cx="63202" cy="63202"/>
             </a:xfrm>
             <a:custGeom>
@@ -6298,7 +6298,7 @@
           </p:nvSpPr>
           <p:spPr>
             <a:xfrm>
-              <a:off x="1946106" y="6373021"/>
+              <a:off x="2111825" y="6372997"/>
               <a:ext cx="63202" cy="63202"/>
             </a:xfrm>
             <a:custGeom>
@@ -6341,7 +6341,7 @@
           </p:nvSpPr>
           <p:spPr>
             <a:xfrm>
-              <a:off x="1787695" y="6376919"/>
+              <a:off x="2017568" y="6376926"/>
               <a:ext cx="63202" cy="63202"/>
             </a:xfrm>
             <a:custGeom>
@@ -6384,7 +6384,7 @@
           </p:nvSpPr>
           <p:spPr>
             <a:xfrm>
-              <a:off x="2141162" y="6333966"/>
+              <a:off x="2237458" y="6334003"/>
               <a:ext cx="63202" cy="63202"/>
             </a:xfrm>
             <a:custGeom>
@@ -6427,7 +6427,7 @@
           </p:nvSpPr>
           <p:spPr>
             <a:xfrm>
-              <a:off x="1843908" y="6334403"/>
+              <a:off x="2148558" y="6334415"/>
               <a:ext cx="63202" cy="63202"/>
             </a:xfrm>
             <a:custGeom>
@@ -6470,7 +6470,7 @@
           </p:nvSpPr>
           <p:spPr>
             <a:xfrm>
-              <a:off x="2123635" y="6424640"/>
+              <a:off x="2064113" y="6424658"/>
               <a:ext cx="63202" cy="63202"/>
             </a:xfrm>
             <a:custGeom>
@@ -6513,7 +6513,7 @@
           </p:nvSpPr>
           <p:spPr>
             <a:xfrm>
-              <a:off x="1660976" y="6705555"/>
+              <a:off x="2165909" y="6705576"/>
               <a:ext cx="63202" cy="63202"/>
             </a:xfrm>
             <a:custGeom>
@@ -6556,7 +6556,7 @@
           </p:nvSpPr>
           <p:spPr>
             <a:xfrm>
-              <a:off x="1790110" y="6419963"/>
+              <a:off x="2158042" y="6419997"/>
               <a:ext cx="63202" cy="63202"/>
             </a:xfrm>
             <a:custGeom>
@@ -6599,7 +6599,7 @@
           </p:nvSpPr>
           <p:spPr>
             <a:xfrm>
-              <a:off x="1868978" y="6531429"/>
+              <a:off x="1941396" y="6531425"/>
               <a:ext cx="63202" cy="63202"/>
             </a:xfrm>
             <a:custGeom>
@@ -6642,7 +6642,7 @@
           </p:nvSpPr>
           <p:spPr>
             <a:xfrm>
-              <a:off x="1713767" y="6229161"/>
+              <a:off x="2071364" y="6229153"/>
               <a:ext cx="63202" cy="63202"/>
             </a:xfrm>
             <a:custGeom>
@@ -6685,7 +6685,7 @@
           </p:nvSpPr>
           <p:spPr>
             <a:xfrm>
-              <a:off x="1728653" y="6316081"/>
+              <a:off x="2162764" y="6316100"/>
               <a:ext cx="63202" cy="63202"/>
             </a:xfrm>
             <a:custGeom>
@@ -6728,7 +6728,7 @@
           </p:nvSpPr>
           <p:spPr>
             <a:xfrm>
-              <a:off x="1932060" y="6372717"/>
+              <a:off x="1817087" y="6372701"/>
               <a:ext cx="63202" cy="63202"/>
             </a:xfrm>
             <a:custGeom>
@@ -6771,7 +6771,7 @@
           </p:nvSpPr>
           <p:spPr>
             <a:xfrm>
-              <a:off x="1831469" y="6322578"/>
+              <a:off x="1836500" y="6322601"/>
               <a:ext cx="63202" cy="63202"/>
             </a:xfrm>
             <a:custGeom>
@@ -6814,7 +6814,7 @@
           </p:nvSpPr>
           <p:spPr>
             <a:xfrm>
-              <a:off x="1931354" y="6200972"/>
+              <a:off x="1994397" y="6200950"/>
               <a:ext cx="63202" cy="63202"/>
             </a:xfrm>
             <a:custGeom>
@@ -6857,7 +6857,7 @@
           </p:nvSpPr>
           <p:spPr>
             <a:xfrm>
-              <a:off x="1734365" y="6550193"/>
+              <a:off x="2013727" y="6550195"/>
               <a:ext cx="63202" cy="63202"/>
             </a:xfrm>
             <a:custGeom>
@@ -6900,7 +6900,7 @@
           </p:nvSpPr>
           <p:spPr>
             <a:xfrm>
-              <a:off x="1799040" y="6348025"/>
+              <a:off x="1786556" y="6348040"/>
               <a:ext cx="63202" cy="63202"/>
             </a:xfrm>
             <a:custGeom>
@@ -6943,7 +6943,7 @@
           </p:nvSpPr>
           <p:spPr>
             <a:xfrm>
-              <a:off x="2088970" y="6377116"/>
+              <a:off x="1604937" y="6377138"/>
               <a:ext cx="63202" cy="63202"/>
             </a:xfrm>
             <a:custGeom>
@@ -6986,7 +6986,7 @@
           </p:nvSpPr>
           <p:spPr>
             <a:xfrm>
-              <a:off x="1772127" y="6194039"/>
+              <a:off x="1933124" y="6194035"/>
               <a:ext cx="63202" cy="63202"/>
             </a:xfrm>
             <a:custGeom>
@@ -7029,7 +7029,7 @@
           </p:nvSpPr>
           <p:spPr>
             <a:xfrm>
-              <a:off x="2042207" y="6525375"/>
+              <a:off x="2093901" y="6525369"/>
               <a:ext cx="63202" cy="63202"/>
             </a:xfrm>
             <a:custGeom>
@@ -7072,7 +7072,7 @@
           </p:nvSpPr>
           <p:spPr>
             <a:xfrm>
-              <a:off x="1747014" y="6322394"/>
+              <a:off x="2001275" y="6322390"/>
               <a:ext cx="63202" cy="63202"/>
             </a:xfrm>
             <a:custGeom>
@@ -7115,7 +7115,7 @@
           </p:nvSpPr>
           <p:spPr>
             <a:xfrm>
-              <a:off x="3088034" y="6552309"/>
+              <a:off x="2899889" y="6552345"/>
               <a:ext cx="63202" cy="63202"/>
             </a:xfrm>
             <a:custGeom>
@@ -7158,7 +7158,7 @@
           </p:nvSpPr>
           <p:spPr>
             <a:xfrm>
-              <a:off x="2192718" y="6229908"/>
+              <a:off x="1680504" y="6229892"/>
               <a:ext cx="63202" cy="63202"/>
             </a:xfrm>
             <a:custGeom>
@@ -7201,7 +7201,7 @@
           </p:nvSpPr>
           <p:spPr>
             <a:xfrm>
-              <a:off x="1775992" y="6363849"/>
+              <a:off x="2155721" y="6363840"/>
               <a:ext cx="63202" cy="63202"/>
             </a:xfrm>
             <a:custGeom>
@@ -7244,7 +7244,7 @@
           </p:nvSpPr>
           <p:spPr>
             <a:xfrm>
-              <a:off x="1936598" y="6244808"/>
+              <a:off x="1730148" y="6244836"/>
               <a:ext cx="63202" cy="63202"/>
             </a:xfrm>
             <a:custGeom>
@@ -7287,7 +7287,7 @@
           </p:nvSpPr>
           <p:spPr>
             <a:xfrm>
-              <a:off x="1903083" y="6316101"/>
+              <a:off x="1883481" y="6316109"/>
               <a:ext cx="63202" cy="63202"/>
             </a:xfrm>
             <a:custGeom>
@@ -7330,7 +7330,7 @@
           </p:nvSpPr>
           <p:spPr>
             <a:xfrm>
-              <a:off x="2776184" y="6738977"/>
+              <a:off x="2528903" y="6738965"/>
               <a:ext cx="63202" cy="63202"/>
             </a:xfrm>
             <a:custGeom>
@@ -7373,7 +7373,7 @@
           </p:nvSpPr>
           <p:spPr>
             <a:xfrm>
-              <a:off x="1937359" y="6198028"/>
+              <a:off x="2283511" y="6198041"/>
               <a:ext cx="63202" cy="63202"/>
             </a:xfrm>
             <a:custGeom>
@@ -7416,7 +7416,7 @@
           </p:nvSpPr>
           <p:spPr>
             <a:xfrm>
-              <a:off x="1719117" y="6197767"/>
+              <a:off x="2283365" y="6197742"/>
               <a:ext cx="63202" cy="63202"/>
             </a:xfrm>
             <a:custGeom>
@@ -7459,7 +7459,7 @@
           </p:nvSpPr>
           <p:spPr>
             <a:xfrm>
-              <a:off x="1980280" y="6198741"/>
+              <a:off x="2120552" y="6198725"/>
               <a:ext cx="63202" cy="63202"/>
             </a:xfrm>
             <a:custGeom>
@@ -7502,7 +7502,7 @@
           </p:nvSpPr>
           <p:spPr>
             <a:xfrm>
-              <a:off x="1658917" y="6198403"/>
+              <a:off x="2103273" y="6198373"/>
               <a:ext cx="63202" cy="63202"/>
             </a:xfrm>
             <a:custGeom>
@@ -7545,7 +7545,7 @@
           </p:nvSpPr>
           <p:spPr>
             <a:xfrm>
-              <a:off x="2293707" y="6197139"/>
+              <a:off x="1936094" y="6197117"/>
               <a:ext cx="63202" cy="63202"/>
             </a:xfrm>
             <a:custGeom>
@@ -7588,7 +7588,7 @@
           </p:nvSpPr>
           <p:spPr>
             <a:xfrm>
-              <a:off x="1760823" y="6429103"/>
+              <a:off x="2033578" y="6429086"/>
               <a:ext cx="63202" cy="63202"/>
             </a:xfrm>
             <a:custGeom>
@@ -7631,7 +7631,7 @@
           </p:nvSpPr>
           <p:spPr>
             <a:xfrm>
-              <a:off x="1724135" y="6281715"/>
+              <a:off x="1789826" y="6281724"/>
               <a:ext cx="63202" cy="63202"/>
             </a:xfrm>
             <a:custGeom>
@@ -7674,7 +7674,7 @@
           </p:nvSpPr>
           <p:spPr>
             <a:xfrm>
-              <a:off x="1887350" y="6685213"/>
+              <a:off x="1711389" y="6685216"/>
               <a:ext cx="63202" cy="63202"/>
             </a:xfrm>
             <a:custGeom>
@@ -7717,7 +7717,7 @@
           </p:nvSpPr>
           <p:spPr>
             <a:xfrm>
-              <a:off x="2578875" y="6738957"/>
+              <a:off x="2942190" y="6738983"/>
               <a:ext cx="63202" cy="63202"/>
             </a:xfrm>
             <a:custGeom>
@@ -7760,7 +7760,7 @@
           </p:nvSpPr>
           <p:spPr>
             <a:xfrm>
-              <a:off x="1709635" y="6201665"/>
+              <a:off x="1987242" y="6201696"/>
               <a:ext cx="63202" cy="63202"/>
             </a:xfrm>
             <a:custGeom>
@@ -7803,7 +7803,7 @@
           </p:nvSpPr>
           <p:spPr>
             <a:xfrm>
-              <a:off x="1822393" y="6223075"/>
+              <a:off x="2138988" y="6223074"/>
               <a:ext cx="63202" cy="63202"/>
             </a:xfrm>
             <a:custGeom>
@@ -7846,7 +7846,7 @@
           </p:nvSpPr>
           <p:spPr>
             <a:xfrm>
-              <a:off x="1646765" y="6583545"/>
+              <a:off x="1882230" y="6583545"/>
               <a:ext cx="63202" cy="63202"/>
             </a:xfrm>
             <a:custGeom>
@@ -7889,7 +7889,7 @@
           </p:nvSpPr>
           <p:spPr>
             <a:xfrm>
-              <a:off x="2213079" y="6235387"/>
+              <a:off x="2054135" y="6235376"/>
               <a:ext cx="63202" cy="63202"/>
             </a:xfrm>
             <a:custGeom>
@@ -7932,7 +7932,7 @@
           </p:nvSpPr>
           <p:spPr>
             <a:xfrm>
-              <a:off x="2293923" y="6311519"/>
+              <a:off x="1860755" y="6311524"/>
               <a:ext cx="63202" cy="63202"/>
             </a:xfrm>
             <a:custGeom>
@@ -7975,7 +7975,7 @@
           </p:nvSpPr>
           <p:spPr>
             <a:xfrm>
-              <a:off x="1997859" y="6569239"/>
+              <a:off x="1941438" y="6569274"/>
               <a:ext cx="63202" cy="63202"/>
             </a:xfrm>
             <a:custGeom>
@@ -8018,7 +8018,7 @@
           </p:nvSpPr>
           <p:spPr>
             <a:xfrm>
-              <a:off x="1653908" y="6307696"/>
+              <a:off x="2228188" y="6307718"/>
               <a:ext cx="63202" cy="63202"/>
             </a:xfrm>
             <a:custGeom>
@@ -8061,7 +8061,7 @@
           </p:nvSpPr>
           <p:spPr>
             <a:xfrm>
-              <a:off x="2735353" y="6768410"/>
+              <a:off x="2924496" y="6768411"/>
               <a:ext cx="63202" cy="63202"/>
             </a:xfrm>
             <a:custGeom>
@@ -8104,7 +8104,7 @@
           </p:nvSpPr>
           <p:spPr>
             <a:xfrm>
-              <a:off x="2144434" y="6193213"/>
+              <a:off x="2047813" y="6193187"/>
               <a:ext cx="63202" cy="63202"/>
             </a:xfrm>
             <a:custGeom>
@@ -8147,7 +8147,7 @@
           </p:nvSpPr>
           <p:spPr>
             <a:xfrm>
-              <a:off x="1721023" y="6194928"/>
+              <a:off x="1777545" y="6194958"/>
               <a:ext cx="63202" cy="63202"/>
             </a:xfrm>
             <a:custGeom>
@@ -8190,7 +8190,7 @@
           </p:nvSpPr>
           <p:spPr>
             <a:xfrm>
-              <a:off x="1976777" y="6193865"/>
+              <a:off x="1929410" y="6193864"/>
               <a:ext cx="63202" cy="63202"/>
             </a:xfrm>
             <a:custGeom>
@@ -8233,7 +8233,7 @@
           </p:nvSpPr>
           <p:spPr>
             <a:xfrm>
-              <a:off x="2125753" y="6246071"/>
+              <a:off x="1877927" y="6246082"/>
               <a:ext cx="63202" cy="63202"/>
             </a:xfrm>
             <a:custGeom>
@@ -8276,7 +8276,7 @@
           </p:nvSpPr>
           <p:spPr>
             <a:xfrm>
-              <a:off x="1648232" y="6264090"/>
+              <a:off x="2266492" y="6264090"/>
               <a:ext cx="63202" cy="63202"/>
             </a:xfrm>
             <a:custGeom>
@@ -8319,7 +8319,7 @@
           </p:nvSpPr>
           <p:spPr>
             <a:xfrm>
-              <a:off x="1681258" y="6193407"/>
+              <a:off x="1757913" y="6193388"/>
               <a:ext cx="63202" cy="63202"/>
             </a:xfrm>
             <a:custGeom>
@@ -8362,7 +8362,7 @@
           </p:nvSpPr>
           <p:spPr>
             <a:xfrm>
-              <a:off x="2085675" y="6287715"/>
+              <a:off x="1964973" y="6287719"/>
               <a:ext cx="63202" cy="63202"/>
             </a:xfrm>
             <a:custGeom>
@@ -8405,7 +8405,7 @@
           </p:nvSpPr>
           <p:spPr>
             <a:xfrm>
-              <a:off x="1885837" y="6275257"/>
+              <a:off x="2256110" y="6275281"/>
               <a:ext cx="63202" cy="63202"/>
             </a:xfrm>
             <a:custGeom>
@@ -8448,7 +8448,7 @@
           </p:nvSpPr>
           <p:spPr>
             <a:xfrm>
-              <a:off x="2163973" y="6193652"/>
+              <a:off x="1949553" y="6193626"/>
               <a:ext cx="63202" cy="63202"/>
             </a:xfrm>
             <a:custGeom>
@@ -8491,7 +8491,7 @@
           </p:nvSpPr>
           <p:spPr>
             <a:xfrm>
-              <a:off x="1712895" y="6195564"/>
+              <a:off x="1676344" y="6195584"/>
               <a:ext cx="63202" cy="63202"/>
             </a:xfrm>
             <a:custGeom>
@@ -8534,7 +8534,7 @@
           </p:nvSpPr>
           <p:spPr>
             <a:xfrm>
-              <a:off x="1756515" y="6193684"/>
+              <a:off x="2104302" y="6193681"/>
               <a:ext cx="63202" cy="63202"/>
             </a:xfrm>
             <a:custGeom>
@@ -8577,7 +8577,7 @@
           </p:nvSpPr>
           <p:spPr>
             <a:xfrm>
-              <a:off x="1722803" y="6510737"/>
+              <a:off x="1720136" y="6510736"/>
               <a:ext cx="63202" cy="63202"/>
             </a:xfrm>
             <a:custGeom>
@@ -8620,7 +8620,7 @@
           </p:nvSpPr>
           <p:spPr>
             <a:xfrm>
-              <a:off x="2020703" y="6293100"/>
+              <a:off x="1975766" y="6293131"/>
               <a:ext cx="63202" cy="63202"/>
             </a:xfrm>
             <a:custGeom>
@@ -8663,7 +8663,7 @@
           </p:nvSpPr>
           <p:spPr>
             <a:xfrm>
-              <a:off x="2084621" y="6329711"/>
+              <a:off x="1670338" y="6329724"/>
               <a:ext cx="63202" cy="63202"/>
             </a:xfrm>
             <a:custGeom>
@@ -8706,7 +8706,7 @@
           </p:nvSpPr>
           <p:spPr>
             <a:xfrm>
-              <a:off x="2238109" y="6707987"/>
+              <a:off x="2243496" y="6708005"/>
               <a:ext cx="63202" cy="63202"/>
             </a:xfrm>
             <a:custGeom>
@@ -8749,7 +8749,7 @@
           </p:nvSpPr>
           <p:spPr>
             <a:xfrm>
-              <a:off x="1647848" y="6190665"/>
+              <a:off x="1661428" y="6190695"/>
               <a:ext cx="63202" cy="63202"/>
             </a:xfrm>
             <a:custGeom>
@@ -8792,7 +8792,7 @@
           </p:nvSpPr>
           <p:spPr>
             <a:xfrm>
-              <a:off x="1667054" y="6189988"/>
+              <a:off x="1840025" y="6190011"/>
               <a:ext cx="63202" cy="63202"/>
             </a:xfrm>
             <a:custGeom>
@@ -8835,7 +8835,7 @@
           </p:nvSpPr>
           <p:spPr>
             <a:xfrm>
-              <a:off x="1714101" y="6350851"/>
+              <a:off x="1950631" y="6350862"/>
               <a:ext cx="63202" cy="63202"/>
             </a:xfrm>
             <a:custGeom>
@@ -8878,7 +8878,7 @@
           </p:nvSpPr>
           <p:spPr>
             <a:xfrm>
-              <a:off x="1800393" y="6398313"/>
+              <a:off x="1937805" y="6398327"/>
               <a:ext cx="63202" cy="63202"/>
             </a:xfrm>
             <a:custGeom>
@@ -8921,7 +8921,7 @@
           </p:nvSpPr>
           <p:spPr>
             <a:xfrm>
-              <a:off x="1726394" y="6324387"/>
+              <a:off x="1703948" y="6324396"/>
               <a:ext cx="63202" cy="63202"/>
             </a:xfrm>
             <a:custGeom>
@@ -8964,7 +8964,7 @@
           </p:nvSpPr>
           <p:spPr>
             <a:xfrm>
-              <a:off x="2130967" y="6328075"/>
+              <a:off x="2021547" y="6328068"/>
               <a:ext cx="63202" cy="63202"/>
             </a:xfrm>
             <a:custGeom>
@@ -9007,7 +9007,7 @@
           </p:nvSpPr>
           <p:spPr>
             <a:xfrm>
-              <a:off x="2144400" y="6321146"/>
+              <a:off x="1802987" y="6321119"/>
               <a:ext cx="63202" cy="63202"/>
             </a:xfrm>
             <a:custGeom>
@@ -9050,7 +9050,7 @@
           </p:nvSpPr>
           <p:spPr>
             <a:xfrm>
-              <a:off x="2190936" y="6311065"/>
+              <a:off x="2006836" y="6311052"/>
               <a:ext cx="63202" cy="63202"/>
             </a:xfrm>
             <a:custGeom>
@@ -9093,7 +9093,7 @@
           </p:nvSpPr>
           <p:spPr>
             <a:xfrm>
-              <a:off x="1847672" y="6313707"/>
+              <a:off x="1761122" y="6313707"/>
               <a:ext cx="63202" cy="63202"/>
             </a:xfrm>
             <a:custGeom>
@@ -9136,7 +9136,7 @@
           </p:nvSpPr>
           <p:spPr>
             <a:xfrm>
-              <a:off x="2117841" y="6314672"/>
+              <a:off x="2025433" y="6314674"/>
               <a:ext cx="63202" cy="63202"/>
             </a:xfrm>
             <a:custGeom>
@@ -9179,7 +9179,7 @@
           </p:nvSpPr>
           <p:spPr>
             <a:xfrm>
-              <a:off x="1941275" y="6305796"/>
+              <a:off x="2178130" y="6305812"/>
               <a:ext cx="63202" cy="63202"/>
             </a:xfrm>
             <a:custGeom>
@@ -9222,7 +9222,7 @@
           </p:nvSpPr>
           <p:spPr>
             <a:xfrm>
-              <a:off x="1823607" y="6281955"/>
+              <a:off x="1830560" y="6281957"/>
               <a:ext cx="63202" cy="63202"/>
             </a:xfrm>
             <a:custGeom>
@@ -9265,7 +9265,7 @@
           </p:nvSpPr>
           <p:spPr>
             <a:xfrm>
-              <a:off x="2246882" y="6328046"/>
+              <a:off x="1950869" y="6328053"/>
               <a:ext cx="63202" cy="63202"/>
             </a:xfrm>
             <a:custGeom>
@@ -9308,7 +9308,7 @@
           </p:nvSpPr>
           <p:spPr>
             <a:xfrm>
-              <a:off x="1929997" y="6560607"/>
+              <a:off x="2081229" y="6560629"/>
               <a:ext cx="63202" cy="63202"/>
             </a:xfrm>
             <a:custGeom>
@@ -9351,7 +9351,7 @@
           </p:nvSpPr>
           <p:spPr>
             <a:xfrm>
-              <a:off x="2110358" y="6658660"/>
+              <a:off x="2041575" y="6658661"/>
               <a:ext cx="63202" cy="63202"/>
             </a:xfrm>
             <a:custGeom>
@@ -9394,7 +9394,7 @@
           </p:nvSpPr>
           <p:spPr>
             <a:xfrm>
-              <a:off x="2233589" y="6560798"/>
+              <a:off x="2126905" y="6560801"/>
               <a:ext cx="63202" cy="63202"/>
             </a:xfrm>
             <a:custGeom>
@@ -9437,7 +9437,7 @@
           </p:nvSpPr>
           <p:spPr>
             <a:xfrm>
-              <a:off x="2242722" y="6582384"/>
+              <a:off x="2004128" y="6582390"/>
               <a:ext cx="63202" cy="63202"/>
             </a:xfrm>
             <a:custGeom>
@@ -9480,7 +9480,7 @@
           </p:nvSpPr>
           <p:spPr>
             <a:xfrm>
-              <a:off x="2044080" y="6665520"/>
+              <a:off x="1842249" y="6665538"/>
               <a:ext cx="63202" cy="63202"/>
             </a:xfrm>
             <a:custGeom>
@@ -9523,7 +9523,7 @@
           </p:nvSpPr>
           <p:spPr>
             <a:xfrm>
-              <a:off x="2283411" y="6187864"/>
+              <a:off x="1932312" y="6187849"/>
               <a:ext cx="63202" cy="63202"/>
             </a:xfrm>
             <a:custGeom>
@@ -9566,7 +9566,7 @@
           </p:nvSpPr>
           <p:spPr>
             <a:xfrm>
-              <a:off x="2288550" y="6440370"/>
+              <a:off x="1731457" y="6440388"/>
               <a:ext cx="63202" cy="63202"/>
             </a:xfrm>
             <a:custGeom>
@@ -9609,7 +9609,7 @@
           </p:nvSpPr>
           <p:spPr>
             <a:xfrm>
-              <a:off x="2160633" y="6357072"/>
+              <a:off x="1627393" y="6357060"/>
               <a:ext cx="63202" cy="63202"/>
             </a:xfrm>
             <a:custGeom>
@@ -9652,7 +9652,7 @@
           </p:nvSpPr>
           <p:spPr>
             <a:xfrm>
-              <a:off x="2212752" y="6195710"/>
+              <a:off x="1884848" y="6195730"/>
               <a:ext cx="63202" cy="63202"/>
             </a:xfrm>
             <a:custGeom>
@@ -9695,7 +9695,7 @@
           </p:nvSpPr>
           <p:spPr>
             <a:xfrm>
-              <a:off x="1888982" y="6198075"/>
+              <a:off x="1708252" y="6198098"/>
               <a:ext cx="63202" cy="63202"/>
             </a:xfrm>
             <a:custGeom>
@@ -9738,7 +9738,7 @@
           </p:nvSpPr>
           <p:spPr>
             <a:xfrm>
-              <a:off x="1628906" y="6200087"/>
+              <a:off x="1900844" y="6200075"/>
               <a:ext cx="63202" cy="63202"/>
             </a:xfrm>
             <a:custGeom>
@@ -9781,7 +9781,7 @@
           </p:nvSpPr>
           <p:spPr>
             <a:xfrm>
-              <a:off x="1977256" y="6199432"/>
+              <a:off x="1785998" y="6199439"/>
               <a:ext cx="63202" cy="63202"/>
             </a:xfrm>
             <a:custGeom>
@@ -9824,7 +9824,7 @@
           </p:nvSpPr>
           <p:spPr>
             <a:xfrm>
-              <a:off x="1677049" y="6194617"/>
+              <a:off x="1883654" y="6194586"/>
               <a:ext cx="63202" cy="63202"/>
             </a:xfrm>
             <a:custGeom>
@@ -9867,7 +9867,7 @@
           </p:nvSpPr>
           <p:spPr>
             <a:xfrm>
-              <a:off x="1996056" y="6402583"/>
+              <a:off x="2004060" y="6402565"/>
               <a:ext cx="63202" cy="63202"/>
             </a:xfrm>
             <a:custGeom>
@@ -9910,7 +9910,7 @@
           </p:nvSpPr>
           <p:spPr>
             <a:xfrm>
-              <a:off x="1777449" y="6471884"/>
+              <a:off x="1927263" y="6471921"/>
               <a:ext cx="63202" cy="63202"/>
             </a:xfrm>
             <a:custGeom>
@@ -9953,7 +9953,7 @@
           </p:nvSpPr>
           <p:spPr>
             <a:xfrm>
-              <a:off x="1854495" y="6191271"/>
+              <a:off x="1911928" y="6191257"/>
               <a:ext cx="63202" cy="63202"/>
             </a:xfrm>
             <a:custGeom>
@@ -9996,7 +9996,7 @@
           </p:nvSpPr>
           <p:spPr>
             <a:xfrm>
-              <a:off x="1739388" y="6325688"/>
+              <a:off x="1670026" y="6325689"/>
               <a:ext cx="63202" cy="63202"/>
             </a:xfrm>
             <a:custGeom>
@@ -10095,7 +10095,7 @@
           </p:nvSpPr>
           <p:spPr>
             <a:xfrm>
-              <a:off x="4325757" y="2797352"/>
+              <a:off x="4325757" y="2797363"/>
               <a:ext cx="2796732" cy="0"/>
             </a:xfrm>
             <a:custGeom>
@@ -10181,7 +10181,7 @@
           </p:nvSpPr>
           <p:spPr>
             <a:xfrm>
-              <a:off x="4325757" y="1827778"/>
+              <a:off x="4325757" y="1827767"/>
               <a:ext cx="2796732" cy="0"/>
             </a:xfrm>
             <a:custGeom>
@@ -10224,7 +10224,7 @@
           </p:nvSpPr>
           <p:spPr>
             <a:xfrm>
-              <a:off x="4325757" y="3039745"/>
+              <a:off x="4325757" y="3039762"/>
               <a:ext cx="2796732" cy="0"/>
             </a:xfrm>
             <a:custGeom>
@@ -10267,7 +10267,7 @@
           </p:nvSpPr>
           <p:spPr>
             <a:xfrm>
-              <a:off x="4325757" y="2554958"/>
+              <a:off x="4325757" y="2554964"/>
               <a:ext cx="2796732" cy="0"/>
             </a:xfrm>
             <a:custGeom>
@@ -10310,7 +10310,7 @@
           </p:nvSpPr>
           <p:spPr>
             <a:xfrm>
-              <a:off x="4325757" y="2070172"/>
+              <a:off x="4325757" y="2070166"/>
               <a:ext cx="2796732" cy="0"/>
             </a:xfrm>
             <a:custGeom>
@@ -10353,7 +10353,7 @@
           </p:nvSpPr>
           <p:spPr>
             <a:xfrm>
-              <a:off x="4325757" y="1585385"/>
+              <a:off x="4325757" y="1585368"/>
               <a:ext cx="2796732" cy="0"/>
             </a:xfrm>
             <a:custGeom>
@@ -10525,7 +10525,7 @@
           </p:nvSpPr>
           <p:spPr>
             <a:xfrm>
-              <a:off x="4935761" y="2523103"/>
+              <a:off x="5092652" y="2523136"/>
               <a:ext cx="63202" cy="63202"/>
             </a:xfrm>
             <a:custGeom>
@@ -10568,7 +10568,7 @@
           </p:nvSpPr>
           <p:spPr>
             <a:xfrm>
-              <a:off x="4825684" y="2409726"/>
+              <a:off x="4556458" y="2409735"/>
               <a:ext cx="63202" cy="63202"/>
             </a:xfrm>
             <a:custGeom>
@@ -10611,7 +10611,7 @@
           </p:nvSpPr>
           <p:spPr>
             <a:xfrm>
-              <a:off x="4972755" y="2369228"/>
+              <a:off x="4590342" y="2369243"/>
               <a:ext cx="63202" cy="63202"/>
             </a:xfrm>
             <a:custGeom>
@@ -10654,7 +10654,7 @@
           </p:nvSpPr>
           <p:spPr>
             <a:xfrm>
-              <a:off x="5166040" y="2416996"/>
+              <a:off x="4507582" y="2416986"/>
               <a:ext cx="63202" cy="63202"/>
             </a:xfrm>
             <a:custGeom>
@@ -10697,7 +10697,7 @@
           </p:nvSpPr>
           <p:spPr>
             <a:xfrm>
-              <a:off x="4903460" y="2439306"/>
+              <a:off x="5100590" y="2439309"/>
               <a:ext cx="63202" cy="63202"/>
             </a:xfrm>
             <a:custGeom>
@@ -10740,7 +10740,7 @@
           </p:nvSpPr>
           <p:spPr>
             <a:xfrm>
-              <a:off x="5079153" y="2470182"/>
+              <a:off x="4773635" y="2470193"/>
               <a:ext cx="63202" cy="63202"/>
             </a:xfrm>
             <a:custGeom>
@@ -10783,7 +10783,7 @@
           </p:nvSpPr>
           <p:spPr>
             <a:xfrm>
-              <a:off x="4827425" y="2390004"/>
+              <a:off x="4732689" y="2389988"/>
               <a:ext cx="63202" cy="63202"/>
             </a:xfrm>
             <a:custGeom>
@@ -10826,7 +10826,7 @@
           </p:nvSpPr>
           <p:spPr>
             <a:xfrm>
-              <a:off x="4618793" y="2419075"/>
+              <a:off x="4542400" y="2419069"/>
               <a:ext cx="63202" cy="63202"/>
             </a:xfrm>
             <a:custGeom>
@@ -10869,7 +10869,7 @@
           </p:nvSpPr>
           <p:spPr>
             <a:xfrm>
-              <a:off x="4531721" y="2391705"/>
+              <a:off x="4807165" y="2391710"/>
               <a:ext cx="63202" cy="63202"/>
             </a:xfrm>
             <a:custGeom>
@@ -10912,7 +10912,7 @@
           </p:nvSpPr>
           <p:spPr>
             <a:xfrm>
-              <a:off x="5038775" y="2407340"/>
+              <a:off x="5045889" y="2407345"/>
               <a:ext cx="63202" cy="63202"/>
             </a:xfrm>
             <a:custGeom>
@@ -10955,7 +10955,7 @@
           </p:nvSpPr>
           <p:spPr>
             <a:xfrm>
-              <a:off x="5050688" y="2875167"/>
+              <a:off x="5062480" y="2875163"/>
               <a:ext cx="63202" cy="63202"/>
             </a:xfrm>
             <a:custGeom>
@@ -10998,7 +10998,7 @@
           </p:nvSpPr>
           <p:spPr>
             <a:xfrm>
-              <a:off x="4940449" y="2398487"/>
+              <a:off x="5008208" y="2398495"/>
               <a:ext cx="63202" cy="63202"/>
             </a:xfrm>
             <a:custGeom>
@@ -11041,7 +11041,7 @@
           </p:nvSpPr>
           <p:spPr>
             <a:xfrm>
-              <a:off x="4983272" y="2405599"/>
+              <a:off x="4629126" y="2405623"/>
               <a:ext cx="63202" cy="63202"/>
             </a:xfrm>
             <a:custGeom>
@@ -11084,7 +11084,7 @@
           </p:nvSpPr>
           <p:spPr>
             <a:xfrm>
-              <a:off x="5150678" y="2419413"/>
+              <a:off x="4705838" y="2419419"/>
               <a:ext cx="63202" cy="63202"/>
             </a:xfrm>
             <a:custGeom>
@@ -11127,7 +11127,7 @@
           </p:nvSpPr>
           <p:spPr>
             <a:xfrm>
-              <a:off x="4838224" y="2533215"/>
+              <a:off x="4530164" y="2533189"/>
               <a:ext cx="63202" cy="63202"/>
             </a:xfrm>
             <a:custGeom>
@@ -11170,7 +11170,7 @@
           </p:nvSpPr>
           <p:spPr>
             <a:xfrm>
-              <a:off x="4774794" y="2424214"/>
+              <a:off x="4507994" y="2424212"/>
               <a:ext cx="63202" cy="63202"/>
             </a:xfrm>
             <a:custGeom>
@@ -11213,7 +11213,7 @@
           </p:nvSpPr>
           <p:spPr>
             <a:xfrm>
-              <a:off x="4840207" y="2502918"/>
+              <a:off x="4941176" y="2502889"/>
               <a:ext cx="63202" cy="63202"/>
             </a:xfrm>
             <a:custGeom>
@@ -11256,7 +11256,7 @@
           </p:nvSpPr>
           <p:spPr>
             <a:xfrm>
-              <a:off x="4997159" y="2380812"/>
+              <a:off x="4966789" y="2380840"/>
               <a:ext cx="63202" cy="63202"/>
             </a:xfrm>
             <a:custGeom>
@@ -11299,7 +11299,7 @@
           </p:nvSpPr>
           <p:spPr>
             <a:xfrm>
-              <a:off x="4893200" y="2402363"/>
+              <a:off x="4759995" y="2402373"/>
               <a:ext cx="63202" cy="63202"/>
             </a:xfrm>
             <a:custGeom>
@@ -11342,7 +11342,7 @@
           </p:nvSpPr>
           <p:spPr>
             <a:xfrm>
-              <a:off x="5117406" y="2456572"/>
+              <a:off x="4925083" y="2456541"/>
               <a:ext cx="63202" cy="63202"/>
             </a:xfrm>
             <a:custGeom>
@@ -11385,7 +11385,7 @@
           </p:nvSpPr>
           <p:spPr>
             <a:xfrm>
-              <a:off x="4692666" y="2422231"/>
+              <a:off x="4593624" y="2422231"/>
               <a:ext cx="63202" cy="63202"/>
             </a:xfrm>
             <a:custGeom>
@@ -11428,7 +11428,7 @@
           </p:nvSpPr>
           <p:spPr>
             <a:xfrm>
-              <a:off x="4691158" y="2435035"/>
+              <a:off x="4773190" y="2435027"/>
               <a:ext cx="63202" cy="63202"/>
             </a:xfrm>
             <a:custGeom>
@@ -11471,7 +11471,7 @@
           </p:nvSpPr>
           <p:spPr>
             <a:xfrm>
-              <a:off x="4841872" y="2588423"/>
+              <a:off x="4716276" y="2588416"/>
               <a:ext cx="63202" cy="63202"/>
             </a:xfrm>
             <a:custGeom>
@@ -11514,7 +11514,7 @@
           </p:nvSpPr>
           <p:spPr>
             <a:xfrm>
-              <a:off x="4889889" y="2568363"/>
+              <a:off x="4526652" y="2568343"/>
               <a:ext cx="63202" cy="63202"/>
             </a:xfrm>
             <a:custGeom>
@@ -11557,7 +11557,7 @@
           </p:nvSpPr>
           <p:spPr>
             <a:xfrm>
-              <a:off x="4928081" y="2466160"/>
+              <a:off x="4795102" y="2466152"/>
               <a:ext cx="63202" cy="63202"/>
             </a:xfrm>
             <a:custGeom>
@@ -11600,7 +11600,7 @@
           </p:nvSpPr>
           <p:spPr>
             <a:xfrm>
-              <a:off x="4525181" y="2405712"/>
+              <a:off x="4554327" y="2405712"/>
               <a:ext cx="63202" cy="63202"/>
             </a:xfrm>
             <a:custGeom>
@@ -11643,7 +11643,7 @@
           </p:nvSpPr>
           <p:spPr>
             <a:xfrm>
-              <a:off x="4771451" y="2784943"/>
+              <a:off x="4778993" y="2784956"/>
               <a:ext cx="63202" cy="63202"/>
             </a:xfrm>
             <a:custGeom>
@@ -11686,7 +11686,7 @@
           </p:nvSpPr>
           <p:spPr>
             <a:xfrm>
-              <a:off x="4531006" y="2414956"/>
+              <a:off x="4919996" y="2414952"/>
               <a:ext cx="63202" cy="63202"/>
             </a:xfrm>
             <a:custGeom>
@@ -11729,7 +11729,7 @@
           </p:nvSpPr>
           <p:spPr>
             <a:xfrm>
-              <a:off x="4725880" y="2431731"/>
+              <a:off x="5109279" y="2431755"/>
               <a:ext cx="63202" cy="63202"/>
             </a:xfrm>
             <a:custGeom>
@@ -11772,7 +11772,7 @@
           </p:nvSpPr>
           <p:spPr>
             <a:xfrm>
-              <a:off x="5123155" y="2371803"/>
+              <a:off x="4877711" y="2371800"/>
               <a:ext cx="63202" cy="63202"/>
             </a:xfrm>
             <a:custGeom>
@@ -11815,7 +11815,7 @@
           </p:nvSpPr>
           <p:spPr>
             <a:xfrm>
-              <a:off x="4914491" y="2422915"/>
+              <a:off x="5080682" y="2422919"/>
               <a:ext cx="63202" cy="63202"/>
             </a:xfrm>
             <a:custGeom>
@@ -11858,7 +11858,7 @@
           </p:nvSpPr>
           <p:spPr>
             <a:xfrm>
-              <a:off x="5073070" y="2381689"/>
+              <a:off x="4938084" y="2381723"/>
               <a:ext cx="63202" cy="63202"/>
             </a:xfrm>
             <a:custGeom>
@@ -11901,7 +11901,7 @@
           </p:nvSpPr>
           <p:spPr>
             <a:xfrm>
-              <a:off x="5136083" y="2435462"/>
+              <a:off x="4968255" y="2435452"/>
               <a:ext cx="63202" cy="63202"/>
             </a:xfrm>
             <a:custGeom>
@@ -11944,7 +11944,7 @@
           </p:nvSpPr>
           <p:spPr>
             <a:xfrm>
-              <a:off x="4568123" y="2463807"/>
+              <a:off x="4768541" y="2463849"/>
               <a:ext cx="63202" cy="63202"/>
             </a:xfrm>
             <a:custGeom>
@@ -11987,7 +11987,7 @@
           </p:nvSpPr>
           <p:spPr>
             <a:xfrm>
-              <a:off x="5125354" y="2411886"/>
+              <a:off x="5061167" y="2411923"/>
               <a:ext cx="63202" cy="63202"/>
             </a:xfrm>
             <a:custGeom>
@@ -12030,7 +12030,7 @@
           </p:nvSpPr>
           <p:spPr>
             <a:xfrm>
-              <a:off x="5107064" y="2405621"/>
+              <a:off x="5029981" y="2405618"/>
               <a:ext cx="63202" cy="63202"/>
             </a:xfrm>
             <a:custGeom>
@@ -12073,7 +12073,7 @@
           </p:nvSpPr>
           <p:spPr>
             <a:xfrm>
-              <a:off x="4844167" y="2419271"/>
+              <a:off x="4730210" y="2419263"/>
               <a:ext cx="63202" cy="63202"/>
             </a:xfrm>
             <a:custGeom>
@@ -12116,7 +12116,7 @@
           </p:nvSpPr>
           <p:spPr>
             <a:xfrm>
-              <a:off x="5095837" y="2459803"/>
+              <a:off x="5009951" y="2459792"/>
               <a:ext cx="63202" cy="63202"/>
             </a:xfrm>
             <a:custGeom>
@@ -12159,7 +12159,7 @@
           </p:nvSpPr>
           <p:spPr>
             <a:xfrm>
-              <a:off x="4928422" y="2414680"/>
+              <a:off x="4862996" y="2414682"/>
               <a:ext cx="63202" cy="63202"/>
             </a:xfrm>
             <a:custGeom>
@@ -12202,7 +12202,7 @@
           </p:nvSpPr>
           <p:spPr>
             <a:xfrm>
-              <a:off x="4648598" y="2470764"/>
+              <a:off x="5110666" y="2470753"/>
               <a:ext cx="63202" cy="63202"/>
             </a:xfrm>
             <a:custGeom>
@@ -12245,7 +12245,7 @@
           </p:nvSpPr>
           <p:spPr>
             <a:xfrm>
-              <a:off x="4908464" y="2441428"/>
+              <a:off x="4690853" y="2441449"/>
               <a:ext cx="63202" cy="63202"/>
             </a:xfrm>
             <a:custGeom>
@@ -12288,7 +12288,7 @@
           </p:nvSpPr>
           <p:spPr>
             <a:xfrm>
-              <a:off x="4730474" y="2602225"/>
+              <a:off x="4609377" y="2602242"/>
               <a:ext cx="63202" cy="63202"/>
             </a:xfrm>
             <a:custGeom>
@@ -12331,7 +12331,7 @@
           </p:nvSpPr>
           <p:spPr>
             <a:xfrm>
-              <a:off x="4850022" y="2423426"/>
+              <a:off x="4506139" y="2423443"/>
               <a:ext cx="63202" cy="63202"/>
             </a:xfrm>
             <a:custGeom>
@@ -12374,7 +12374,7 @@
           </p:nvSpPr>
           <p:spPr>
             <a:xfrm>
-              <a:off x="4754451" y="2536234"/>
+              <a:off x="5042195" y="2536253"/>
               <a:ext cx="63202" cy="63202"/>
             </a:xfrm>
             <a:custGeom>
@@ -12417,7 +12417,7 @@
           </p:nvSpPr>
           <p:spPr>
             <a:xfrm>
-              <a:off x="4690823" y="2403096"/>
+              <a:off x="4721341" y="2403085"/>
               <a:ext cx="63202" cy="63202"/>
             </a:xfrm>
             <a:custGeom>
@@ -12460,7 +12460,7 @@
           </p:nvSpPr>
           <p:spPr>
             <a:xfrm>
-              <a:off x="4793928" y="2414818"/>
+              <a:off x="4824649" y="2414835"/>
               <a:ext cx="63202" cy="63202"/>
             </a:xfrm>
             <a:custGeom>
@@ -12503,7 +12503,7 @@
           </p:nvSpPr>
           <p:spPr>
             <a:xfrm>
-              <a:off x="5077267" y="2385733"/>
+              <a:off x="5098939" y="2385715"/>
               <a:ext cx="63202" cy="63202"/>
             </a:xfrm>
             <a:custGeom>
@@ -12546,7 +12546,7 @@
           </p:nvSpPr>
           <p:spPr>
             <a:xfrm>
-              <a:off x="4842804" y="2408398"/>
+              <a:off x="5028514" y="2408403"/>
               <a:ext cx="63202" cy="63202"/>
             </a:xfrm>
             <a:custGeom>
@@ -12589,7 +12589,7 @@
           </p:nvSpPr>
           <p:spPr>
             <a:xfrm>
-              <a:off x="4965800" y="2421698"/>
+              <a:off x="4729489" y="2421696"/>
               <a:ext cx="63202" cy="63202"/>
             </a:xfrm>
             <a:custGeom>
@@ -12632,7 +12632,7 @@
           </p:nvSpPr>
           <p:spPr>
             <a:xfrm>
-              <a:off x="4498731" y="2609758"/>
+              <a:off x="4674047" y="2609749"/>
               <a:ext cx="63202" cy="63202"/>
             </a:xfrm>
             <a:custGeom>
@@ -12675,7 +12675,7 @@
           </p:nvSpPr>
           <p:spPr>
             <a:xfrm>
-              <a:off x="5015264" y="2424169"/>
+              <a:off x="4995526" y="2424154"/>
               <a:ext cx="63202" cy="63202"/>
             </a:xfrm>
             <a:custGeom>
@@ -12718,7 +12718,7 @@
           </p:nvSpPr>
           <p:spPr>
             <a:xfrm>
-              <a:off x="4671908" y="2511757"/>
+              <a:off x="4709677" y="2511791"/>
               <a:ext cx="63202" cy="63202"/>
             </a:xfrm>
             <a:custGeom>
@@ -12761,7 +12761,7 @@
           </p:nvSpPr>
           <p:spPr>
             <a:xfrm>
-              <a:off x="5904139" y="2683403"/>
+              <a:off x="5485163" y="2683384"/>
               <a:ext cx="63202" cy="63202"/>
             </a:xfrm>
             <a:custGeom>
@@ -12804,7 +12804,7 @@
           </p:nvSpPr>
           <p:spPr>
             <a:xfrm>
-              <a:off x="4993292" y="2367556"/>
+              <a:off x="5068776" y="2367560"/>
               <a:ext cx="63202" cy="63202"/>
             </a:xfrm>
             <a:custGeom>
@@ -12847,7 +12847,7 @@
           </p:nvSpPr>
           <p:spPr>
             <a:xfrm>
-              <a:off x="4801513" y="2388689"/>
+              <a:off x="4955307" y="2388680"/>
               <a:ext cx="63202" cy="63202"/>
             </a:xfrm>
             <a:custGeom>
@@ -12890,7 +12890,7 @@
           </p:nvSpPr>
           <p:spPr>
             <a:xfrm>
-              <a:off x="4835453" y="2680362"/>
+              <a:off x="4903718" y="2680390"/>
               <a:ext cx="63202" cy="63202"/>
             </a:xfrm>
             <a:custGeom>
@@ -12933,7 +12933,7 @@
           </p:nvSpPr>
           <p:spPr>
             <a:xfrm>
-              <a:off x="4980726" y="2431861"/>
+              <a:off x="4629686" y="2431896"/>
               <a:ext cx="63202" cy="63202"/>
             </a:xfrm>
             <a:custGeom>
@@ -12976,7 +12976,7 @@
           </p:nvSpPr>
           <p:spPr>
             <a:xfrm>
-              <a:off x="5110154" y="2390460"/>
+              <a:off x="4945545" y="2390464"/>
               <a:ext cx="63202" cy="63202"/>
             </a:xfrm>
             <a:custGeom>
@@ -13019,7 +13019,7 @@
           </p:nvSpPr>
           <p:spPr>
             <a:xfrm>
-              <a:off x="4982311" y="2424151"/>
+              <a:off x="5130256" y="2424183"/>
               <a:ext cx="63202" cy="63202"/>
             </a:xfrm>
             <a:custGeom>
@@ -13062,7 +13062,7 @@
           </p:nvSpPr>
           <p:spPr>
             <a:xfrm>
-              <a:off x="4656831" y="2442629"/>
+              <a:off x="4714898" y="2442657"/>
               <a:ext cx="63202" cy="63202"/>
             </a:xfrm>
             <a:custGeom>
@@ -13105,7 +13105,7 @@
           </p:nvSpPr>
           <p:spPr>
             <a:xfrm>
-              <a:off x="4646006" y="2428195"/>
+              <a:off x="5005211" y="2428179"/>
               <a:ext cx="63202" cy="63202"/>
             </a:xfrm>
             <a:custGeom>
@@ -13148,7 +13148,7 @@
           </p:nvSpPr>
           <p:spPr>
             <a:xfrm>
-              <a:off x="4648987" y="2484561"/>
+              <a:off x="4874433" y="2484584"/>
               <a:ext cx="63202" cy="63202"/>
             </a:xfrm>
             <a:custGeom>
@@ -13191,7 +13191,7 @@
           </p:nvSpPr>
           <p:spPr>
             <a:xfrm>
-              <a:off x="4693788" y="2409448"/>
+              <a:off x="4534958" y="2409425"/>
               <a:ext cx="63202" cy="63202"/>
             </a:xfrm>
             <a:custGeom>
@@ -13234,7 +13234,7 @@
           </p:nvSpPr>
           <p:spPr>
             <a:xfrm>
-              <a:off x="5089691" y="2413907"/>
+              <a:off x="4917846" y="2413911"/>
               <a:ext cx="63202" cy="63202"/>
             </a:xfrm>
             <a:custGeom>
@@ -13277,7 +13277,7 @@
           </p:nvSpPr>
           <p:spPr>
             <a:xfrm>
-              <a:off x="4795471" y="2455620"/>
+              <a:off x="4792614" y="2455628"/>
               <a:ext cx="63202" cy="63202"/>
             </a:xfrm>
             <a:custGeom>
@@ -13320,7 +13320,7 @@
           </p:nvSpPr>
           <p:spPr>
             <a:xfrm>
-              <a:off x="4498753" y="2453108"/>
+              <a:off x="4775423" y="2453123"/>
               <a:ext cx="63202" cy="63202"/>
             </a:xfrm>
             <a:custGeom>
@@ -13363,7 +13363,7 @@
           </p:nvSpPr>
           <p:spPr>
             <a:xfrm>
-              <a:off x="4556390" y="2402324"/>
+              <a:off x="4614681" y="2402296"/>
               <a:ext cx="63202" cy="63202"/>
             </a:xfrm>
             <a:custGeom>
@@ -13406,7 +13406,7 @@
           </p:nvSpPr>
           <p:spPr>
             <a:xfrm>
-              <a:off x="4564732" y="2502786"/>
+              <a:off x="4474413" y="2502792"/>
               <a:ext cx="63202" cy="63202"/>
             </a:xfrm>
             <a:custGeom>
@@ -13449,7 +13449,7 @@
           </p:nvSpPr>
           <p:spPr>
             <a:xfrm>
-              <a:off x="5023815" y="2505964"/>
+              <a:off x="4986632" y="2505969"/>
               <a:ext cx="63202" cy="63202"/>
             </a:xfrm>
             <a:custGeom>
@@ -13492,7 +13492,7 @@
           </p:nvSpPr>
           <p:spPr>
             <a:xfrm>
-              <a:off x="5016193" y="2452207"/>
+              <a:off x="4846965" y="2452195"/>
               <a:ext cx="63202" cy="63202"/>
             </a:xfrm>
             <a:custGeom>
@@ -13535,7 +13535,7 @@
           </p:nvSpPr>
           <p:spPr>
             <a:xfrm>
-              <a:off x="4682820" y="2492329"/>
+              <a:off x="4730586" y="2492332"/>
               <a:ext cx="63202" cy="63202"/>
             </a:xfrm>
             <a:custGeom>
@@ -13578,7 +13578,7 @@
           </p:nvSpPr>
           <p:spPr>
             <a:xfrm>
-              <a:off x="5099766" y="2433927"/>
+              <a:off x="4544034" y="2433913"/>
               <a:ext cx="63202" cy="63202"/>
             </a:xfrm>
             <a:custGeom>
@@ -13621,7 +13621,7 @@
           </p:nvSpPr>
           <p:spPr>
             <a:xfrm>
-              <a:off x="4595233" y="2406231"/>
+              <a:off x="4914947" y="2406250"/>
               <a:ext cx="63202" cy="63202"/>
             </a:xfrm>
             <a:custGeom>
@@ -13664,7 +13664,7 @@
           </p:nvSpPr>
           <p:spPr>
             <a:xfrm>
-              <a:off x="4583617" y="2368461"/>
+              <a:off x="4667395" y="2368468"/>
               <a:ext cx="63202" cy="63202"/>
             </a:xfrm>
             <a:custGeom>
@@ -13707,7 +13707,7 @@
           </p:nvSpPr>
           <p:spPr>
             <a:xfrm>
-              <a:off x="4575494" y="2369862"/>
+              <a:off x="4591534" y="2369875"/>
               <a:ext cx="63202" cy="63202"/>
             </a:xfrm>
             <a:custGeom>
@@ -13750,7 +13750,7 @@
           </p:nvSpPr>
           <p:spPr>
             <a:xfrm>
-              <a:off x="4868804" y="2431058"/>
+              <a:off x="4800757" y="2431069"/>
               <a:ext cx="63202" cy="63202"/>
             </a:xfrm>
             <a:custGeom>
@@ -13793,7 +13793,7 @@
           </p:nvSpPr>
           <p:spPr>
             <a:xfrm>
-              <a:off x="4704904" y="2394073"/>
+              <a:off x="4728436" y="2394077"/>
               <a:ext cx="63202" cy="63202"/>
             </a:xfrm>
             <a:custGeom>
@@ -13836,7 +13836,7 @@
           </p:nvSpPr>
           <p:spPr>
             <a:xfrm>
-              <a:off x="4495910" y="2755917"/>
+              <a:off x="4486306" y="2755934"/>
               <a:ext cx="63202" cy="63202"/>
             </a:xfrm>
             <a:custGeom>
@@ -13879,7 +13879,7 @@
           </p:nvSpPr>
           <p:spPr>
             <a:xfrm>
-              <a:off x="4730457" y="2368555"/>
+              <a:off x="5113325" y="2368549"/>
               <a:ext cx="63202" cy="63202"/>
             </a:xfrm>
             <a:custGeom>
@@ -13922,7 +13922,7 @@
           </p:nvSpPr>
           <p:spPr>
             <a:xfrm>
-              <a:off x="4572561" y="2397907"/>
+              <a:off x="5043027" y="2397890"/>
               <a:ext cx="63202" cy="63202"/>
             </a:xfrm>
             <a:custGeom>
@@ -13965,7 +13965,7 @@
           </p:nvSpPr>
           <p:spPr>
             <a:xfrm>
-              <a:off x="4484763" y="2406035"/>
+              <a:off x="5061698" y="2406029"/>
               <a:ext cx="63202" cy="63202"/>
             </a:xfrm>
             <a:custGeom>
@@ -14008,7 +14008,7 @@
           </p:nvSpPr>
           <p:spPr>
             <a:xfrm>
-              <a:off x="5021483" y="2461974"/>
+              <a:off x="5042857" y="2461988"/>
               <a:ext cx="63202" cy="63202"/>
             </a:xfrm>
             <a:custGeom>
@@ -14051,7 +14051,7 @@
           </p:nvSpPr>
           <p:spPr>
             <a:xfrm>
-              <a:off x="4712912" y="2360131"/>
+              <a:off x="5071675" y="2360121"/>
               <a:ext cx="63202" cy="63202"/>
             </a:xfrm>
             <a:custGeom>
@@ -14094,7 +14094,7 @@
           </p:nvSpPr>
           <p:spPr>
             <a:xfrm>
-              <a:off x="4862805" y="2414748"/>
+              <a:off x="4806668" y="2414782"/>
               <a:ext cx="63202" cy="63202"/>
             </a:xfrm>
             <a:custGeom>
@@ -14137,7 +14137,7 @@
           </p:nvSpPr>
           <p:spPr>
             <a:xfrm>
-              <a:off x="5039495" y="2403533"/>
+              <a:off x="4905998" y="2403523"/>
               <a:ext cx="63202" cy="63202"/>
             </a:xfrm>
             <a:custGeom>
@@ -14236,7 +14236,7 @@
           </p:nvSpPr>
           <p:spPr>
             <a:xfrm>
-              <a:off x="4325757" y="4722684"/>
+              <a:off x="4325757" y="4722696"/>
               <a:ext cx="2796732" cy="0"/>
             </a:xfrm>
             <a:custGeom>
@@ -14322,7 +14322,7 @@
           </p:nvSpPr>
           <p:spPr>
             <a:xfrm>
-              <a:off x="4325757" y="3753111"/>
+              <a:off x="4325757" y="3753100"/>
               <a:ext cx="2796732" cy="0"/>
             </a:xfrm>
             <a:custGeom>
@@ -14365,7 +14365,7 @@
           </p:nvSpPr>
           <p:spPr>
             <a:xfrm>
-              <a:off x="4325757" y="4965078"/>
+              <a:off x="4325757" y="4965095"/>
               <a:ext cx="2796732" cy="0"/>
             </a:xfrm>
             <a:custGeom>
@@ -14408,7 +14408,7 @@
           </p:nvSpPr>
           <p:spPr>
             <a:xfrm>
-              <a:off x="4325757" y="4480291"/>
+              <a:off x="4325757" y="4480297"/>
               <a:ext cx="2796732" cy="0"/>
             </a:xfrm>
             <a:custGeom>
@@ -14451,7 +14451,7 @@
           </p:nvSpPr>
           <p:spPr>
             <a:xfrm>
-              <a:off x="4325757" y="3995504"/>
+              <a:off x="4325757" y="3995499"/>
               <a:ext cx="2796732" cy="0"/>
             </a:xfrm>
             <a:custGeom>
@@ -14494,7 +14494,7 @@
           </p:nvSpPr>
           <p:spPr>
             <a:xfrm>
-              <a:off x="4325757" y="3510718"/>
+              <a:off x="4325757" y="3510701"/>
               <a:ext cx="2796732" cy="0"/>
             </a:xfrm>
             <a:custGeom>
@@ -14666,7 +14666,7 @@
           </p:nvSpPr>
           <p:spPr>
             <a:xfrm>
-              <a:off x="5751376" y="4821811"/>
+              <a:off x="5768643" y="4821831"/>
               <a:ext cx="63202" cy="63202"/>
             </a:xfrm>
             <a:custGeom>
@@ -14709,7 +14709,7 @@
           </p:nvSpPr>
           <p:spPr>
             <a:xfrm>
-              <a:off x="4898517" y="4732201"/>
+              <a:off x="4733499" y="4732203"/>
               <a:ext cx="63202" cy="63202"/>
             </a:xfrm>
             <a:custGeom>
@@ -14752,7 +14752,7 @@
           </p:nvSpPr>
           <p:spPr>
             <a:xfrm>
-              <a:off x="4775468" y="4371849"/>
+              <a:off x="5040898" y="4371865"/>
               <a:ext cx="63202" cy="63202"/>
             </a:xfrm>
             <a:custGeom>
@@ -14795,7 +14795,7 @@
           </p:nvSpPr>
           <p:spPr>
             <a:xfrm>
-              <a:off x="6583249" y="4883747"/>
+              <a:off x="6404751" y="4883747"/>
               <a:ext cx="63202" cy="63202"/>
             </a:xfrm>
             <a:custGeom>
@@ -14894,7 +14894,7 @@
           </p:nvSpPr>
           <p:spPr>
             <a:xfrm>
-              <a:off x="4325757" y="6648017"/>
+              <a:off x="4325757" y="6648028"/>
               <a:ext cx="2796732" cy="0"/>
             </a:xfrm>
             <a:custGeom>
@@ -14980,7 +14980,7 @@
           </p:nvSpPr>
           <p:spPr>
             <a:xfrm>
-              <a:off x="4325757" y="5678444"/>
+              <a:off x="4325757" y="5678432"/>
               <a:ext cx="2796732" cy="0"/>
             </a:xfrm>
             <a:custGeom>
@@ -15023,7 +15023,7 @@
           </p:nvSpPr>
           <p:spPr>
             <a:xfrm>
-              <a:off x="4325757" y="6890410"/>
+              <a:off x="4325757" y="6890427"/>
               <a:ext cx="2796732" cy="0"/>
             </a:xfrm>
             <a:custGeom>
@@ -15066,7 +15066,7 @@
           </p:nvSpPr>
           <p:spPr>
             <a:xfrm>
-              <a:off x="4325757" y="6405624"/>
+              <a:off x="4325757" y="6405629"/>
               <a:ext cx="2796732" cy="0"/>
             </a:xfrm>
             <a:custGeom>
@@ -15109,7 +15109,7 @@
           </p:nvSpPr>
           <p:spPr>
             <a:xfrm>
-              <a:off x="4325757" y="5920837"/>
+              <a:off x="4325757" y="5920831"/>
               <a:ext cx="2796732" cy="0"/>
             </a:xfrm>
             <a:custGeom>
@@ -15152,7 +15152,7 @@
           </p:nvSpPr>
           <p:spPr>
             <a:xfrm>
-              <a:off x="4325757" y="5436050"/>
+              <a:off x="4325757" y="5436033"/>
               <a:ext cx="2796732" cy="0"/>
             </a:xfrm>
             <a:custGeom>
@@ -15324,7 +15324,7 @@
           </p:nvSpPr>
           <p:spPr>
             <a:xfrm>
-              <a:off x="5083897" y="6069296"/>
+              <a:off x="4782175" y="6069290"/>
               <a:ext cx="63202" cy="63202"/>
             </a:xfrm>
             <a:custGeom>
@@ -15367,7 +15367,7 @@
           </p:nvSpPr>
           <p:spPr>
             <a:xfrm>
-              <a:off x="4838711" y="6063088"/>
+              <a:off x="4838924" y="6063091"/>
               <a:ext cx="63202" cy="63202"/>
             </a:xfrm>
             <a:custGeom>
@@ -15410,7 +15410,7 @@
           </p:nvSpPr>
           <p:spPr>
             <a:xfrm>
-              <a:off x="4737040" y="6072636"/>
+              <a:off x="4990352" y="6072624"/>
               <a:ext cx="63202" cy="63202"/>
             </a:xfrm>
             <a:custGeom>
@@ -15453,7 +15453,7 @@
           </p:nvSpPr>
           <p:spPr>
             <a:xfrm>
-              <a:off x="5062947" y="6055911"/>
+              <a:off x="4717372" y="6055909"/>
               <a:ext cx="63202" cy="63202"/>
             </a:xfrm>
             <a:custGeom>
@@ -15496,7 +15496,7 @@
           </p:nvSpPr>
           <p:spPr>
             <a:xfrm>
-              <a:off x="4498483" y="6058521"/>
+              <a:off x="4590974" y="6058534"/>
               <a:ext cx="63202" cy="63202"/>
             </a:xfrm>
             <a:custGeom>
@@ -15539,7 +15539,7 @@
           </p:nvSpPr>
           <p:spPr>
             <a:xfrm>
-              <a:off x="5090095" y="6071936"/>
+              <a:off x="5114502" y="6071959"/>
               <a:ext cx="63202" cy="63202"/>
             </a:xfrm>
             <a:custGeom>
@@ -15582,7 +15582,7 @@
           </p:nvSpPr>
           <p:spPr>
             <a:xfrm>
-              <a:off x="4652435" y="6055568"/>
+              <a:off x="4569364" y="6055570"/>
               <a:ext cx="63202" cy="63202"/>
             </a:xfrm>
             <a:custGeom>
@@ -15625,7 +15625,7 @@
           </p:nvSpPr>
           <p:spPr>
             <a:xfrm>
-              <a:off x="5081521" y="6216619"/>
+              <a:off x="4920314" y="6216633"/>
               <a:ext cx="63202" cy="63202"/>
             </a:xfrm>
             <a:custGeom>
@@ -15668,7 +15668,7 @@
           </p:nvSpPr>
           <p:spPr>
             <a:xfrm>
-              <a:off x="4538939" y="6074480"/>
+              <a:off x="5104756" y="6074481"/>
               <a:ext cx="63202" cy="63202"/>
             </a:xfrm>
             <a:custGeom>
@@ -15711,7 +15711,7 @@
           </p:nvSpPr>
           <p:spPr>
             <a:xfrm>
-              <a:off x="4698457" y="6079113"/>
+              <a:off x="5050855" y="6079137"/>
               <a:ext cx="63202" cy="63202"/>
             </a:xfrm>
             <a:custGeom>
@@ -15754,7 +15754,7 @@
           </p:nvSpPr>
           <p:spPr>
             <a:xfrm>
-              <a:off x="4714778" y="6079471"/>
+              <a:off x="4617142" y="6079466"/>
               <a:ext cx="63202" cy="63202"/>
             </a:xfrm>
             <a:custGeom>
@@ -15797,7 +15797,7 @@
           </p:nvSpPr>
           <p:spPr>
             <a:xfrm>
-              <a:off x="4572806" y="6136807"/>
+              <a:off x="4585023" y="6136823"/>
               <a:ext cx="63202" cy="63202"/>
             </a:xfrm>
             <a:custGeom>
@@ -15840,7 +15840,7 @@
           </p:nvSpPr>
           <p:spPr>
             <a:xfrm>
-              <a:off x="4631693" y="6171676"/>
+              <a:off x="4842278" y="6171671"/>
               <a:ext cx="63202" cy="63202"/>
             </a:xfrm>
             <a:custGeom>
@@ -15883,7 +15883,7 @@
           </p:nvSpPr>
           <p:spPr>
             <a:xfrm>
-              <a:off x="4471205" y="6071810"/>
+              <a:off x="4734663" y="6071820"/>
               <a:ext cx="63202" cy="63202"/>
             </a:xfrm>
             <a:custGeom>
@@ -15926,7 +15926,7 @@
           </p:nvSpPr>
           <p:spPr>
             <a:xfrm>
-              <a:off x="4984571" y="6071484"/>
+              <a:off x="4729670" y="6071462"/>
               <a:ext cx="63202" cy="63202"/>
             </a:xfrm>
             <a:custGeom>
@@ -15969,7 +15969,7 @@
           </p:nvSpPr>
           <p:spPr>
             <a:xfrm>
-              <a:off x="4684947" y="6050713"/>
+              <a:off x="4773750" y="6050726"/>
               <a:ext cx="63202" cy="63202"/>
             </a:xfrm>
             <a:custGeom>
@@ -16012,7 +16012,7 @@
           </p:nvSpPr>
           <p:spPr>
             <a:xfrm>
-              <a:off x="4617391" y="6075874"/>
+              <a:off x="4975436" y="6075863"/>
               <a:ext cx="63202" cy="63202"/>
             </a:xfrm>
             <a:custGeom>
@@ -16055,7 +16055,7 @@
           </p:nvSpPr>
           <p:spPr>
             <a:xfrm>
-              <a:off x="5155634" y="6042906"/>
+              <a:off x="4864352" y="6042925"/>
               <a:ext cx="63202" cy="63202"/>
             </a:xfrm>
             <a:custGeom>
@@ -16098,7 +16098,7 @@
           </p:nvSpPr>
           <p:spPr>
             <a:xfrm>
-              <a:off x="4909773" y="6070653"/>
+              <a:off x="4579025" y="6070654"/>
               <a:ext cx="63202" cy="63202"/>
             </a:xfrm>
             <a:custGeom>
@@ -16141,7 +16141,7 @@
           </p:nvSpPr>
           <p:spPr>
             <a:xfrm>
-              <a:off x="4515526" y="6055696"/>
+              <a:off x="4674121" y="6055705"/>
               <a:ext cx="63202" cy="63202"/>
             </a:xfrm>
             <a:custGeom>
@@ -16184,7 +16184,7 @@
           </p:nvSpPr>
           <p:spPr>
             <a:xfrm>
-              <a:off x="5129786" y="6305975"/>
+              <a:off x="4682273" y="6305962"/>
               <a:ext cx="63202" cy="63202"/>
             </a:xfrm>
             <a:custGeom>
@@ -16227,7 +16227,7 @@
           </p:nvSpPr>
           <p:spPr>
             <a:xfrm>
-              <a:off x="4814175" y="6134818"/>
+              <a:off x="4786859" y="6134821"/>
               <a:ext cx="63202" cy="63202"/>
             </a:xfrm>
             <a:custGeom>
@@ -16270,7 +16270,7 @@
           </p:nvSpPr>
           <p:spPr>
             <a:xfrm>
-              <a:off x="5123005" y="6070239"/>
+              <a:off x="4512935" y="6070246"/>
               <a:ext cx="63202" cy="63202"/>
             </a:xfrm>
             <a:custGeom>
@@ -16313,7 +16313,7 @@
           </p:nvSpPr>
           <p:spPr>
             <a:xfrm>
-              <a:off x="5160872" y="6053757"/>
+              <a:off x="5094939" y="6053753"/>
               <a:ext cx="63202" cy="63202"/>
             </a:xfrm>
             <a:custGeom>
@@ -16356,7 +16356,7 @@
           </p:nvSpPr>
           <p:spPr>
             <a:xfrm>
-              <a:off x="4762824" y="6058165"/>
+              <a:off x="4866264" y="6058187"/>
               <a:ext cx="63202" cy="63202"/>
             </a:xfrm>
             <a:custGeom>
@@ -16399,7 +16399,7 @@
           </p:nvSpPr>
           <p:spPr>
             <a:xfrm>
-              <a:off x="4790951" y="6063886"/>
+              <a:off x="4526890" y="6063913"/>
               <a:ext cx="63202" cy="63202"/>
             </a:xfrm>
             <a:custGeom>
@@ -16442,7 +16442,7 @@
           </p:nvSpPr>
           <p:spPr>
             <a:xfrm>
-              <a:off x="5060807" y="6079139"/>
+              <a:off x="4730493" y="6079108"/>
               <a:ext cx="63202" cy="63202"/>
             </a:xfrm>
             <a:custGeom>
@@ -16485,7 +16485,7 @@
           </p:nvSpPr>
           <p:spPr>
             <a:xfrm>
-              <a:off x="4526591" y="6075500"/>
+              <a:off x="4835336" y="6075496"/>
               <a:ext cx="63202" cy="63202"/>
             </a:xfrm>
             <a:custGeom>
@@ -16528,7 +16528,7 @@
           </p:nvSpPr>
           <p:spPr>
             <a:xfrm>
-              <a:off x="4979799" y="6060964"/>
+              <a:off x="5101192" y="6060930"/>
               <a:ext cx="63202" cy="63202"/>
             </a:xfrm>
             <a:custGeom>
@@ -16571,7 +16571,7 @@
           </p:nvSpPr>
           <p:spPr>
             <a:xfrm>
-              <a:off x="4566936" y="6074468"/>
+              <a:off x="4966337" y="6074483"/>
               <a:ext cx="63202" cy="63202"/>
             </a:xfrm>
             <a:custGeom>
@@ -16614,7 +16614,7 @@
           </p:nvSpPr>
           <p:spPr>
             <a:xfrm>
-              <a:off x="5089665" y="6067932"/>
+              <a:off x="5159235" y="6067912"/>
               <a:ext cx="63202" cy="63202"/>
             </a:xfrm>
             <a:custGeom>
@@ -16657,7 +16657,7 @@
           </p:nvSpPr>
           <p:spPr>
             <a:xfrm>
-              <a:off x="5159779" y="6051099"/>
+              <a:off x="4514388" y="6051089"/>
               <a:ext cx="63202" cy="63202"/>
             </a:xfrm>
             <a:custGeom>
@@ -16700,7 +16700,7 @@
           </p:nvSpPr>
           <p:spPr>
             <a:xfrm>
-              <a:off x="5140255" y="6051943"/>
+              <a:off x="5082477" y="6051919"/>
               <a:ext cx="63202" cy="63202"/>
             </a:xfrm>
             <a:custGeom>
@@ -16743,7 +16743,7 @@
           </p:nvSpPr>
           <p:spPr>
             <a:xfrm>
-              <a:off x="4788699" y="6055556"/>
+              <a:off x="4590134" y="6055549"/>
               <a:ext cx="63202" cy="63202"/>
             </a:xfrm>
             <a:custGeom>
@@ -16786,7 +16786,7 @@
           </p:nvSpPr>
           <p:spPr>
             <a:xfrm>
-              <a:off x="4492384" y="6071366"/>
+              <a:off x="4926205" y="6071357"/>
               <a:ext cx="63202" cy="63202"/>
             </a:xfrm>
             <a:custGeom>
@@ -16829,7 +16829,7 @@
           </p:nvSpPr>
           <p:spPr>
             <a:xfrm>
-              <a:off x="4859687" y="6075881"/>
+              <a:off x="4784899" y="6075861"/>
               <a:ext cx="63202" cy="63202"/>
             </a:xfrm>
             <a:custGeom>
@@ -16872,7 +16872,7 @@
           </p:nvSpPr>
           <p:spPr>
             <a:xfrm>
-              <a:off x="4624415" y="6070397"/>
+              <a:off x="4507773" y="6070412"/>
               <a:ext cx="63202" cy="63202"/>
             </a:xfrm>
             <a:custGeom>
@@ -16915,7 +16915,7 @@
           </p:nvSpPr>
           <p:spPr>
             <a:xfrm>
-              <a:off x="4488814" y="6051912"/>
+              <a:off x="4478017" y="6051937"/>
               <a:ext cx="63202" cy="63202"/>
             </a:xfrm>
             <a:custGeom>
@@ -16958,7 +16958,7 @@
           </p:nvSpPr>
           <p:spPr>
             <a:xfrm>
-              <a:off x="5086544" y="6074761"/>
+              <a:off x="4526469" y="6074779"/>
               <a:ext cx="63202" cy="63202"/>
             </a:xfrm>
             <a:custGeom>
@@ -17001,7 +17001,7 @@
           </p:nvSpPr>
           <p:spPr>
             <a:xfrm>
-              <a:off x="4744242" y="6123873"/>
+              <a:off x="4725535" y="6123871"/>
               <a:ext cx="63202" cy="63202"/>
             </a:xfrm>
             <a:custGeom>
@@ -17044,7 +17044,7 @@
           </p:nvSpPr>
           <p:spPr>
             <a:xfrm>
-              <a:off x="5159614" y="6059645"/>
+              <a:off x="4585741" y="6059618"/>
               <a:ext cx="63202" cy="63202"/>
             </a:xfrm>
             <a:custGeom>
@@ -17087,7 +17087,7 @@
           </p:nvSpPr>
           <p:spPr>
             <a:xfrm>
-              <a:off x="4535968" y="6055411"/>
+              <a:off x="5010457" y="6055433"/>
               <a:ext cx="63202" cy="63202"/>
             </a:xfrm>
             <a:custGeom>
@@ -17130,7 +17130,7 @@
           </p:nvSpPr>
           <p:spPr>
             <a:xfrm>
-              <a:off x="5149835" y="6065353"/>
+              <a:off x="5091665" y="6065355"/>
               <a:ext cx="63202" cy="63202"/>
             </a:xfrm>
             <a:custGeom>
@@ -17173,7 +17173,7 @@
           </p:nvSpPr>
           <p:spPr>
             <a:xfrm>
-              <a:off x="4630476" y="6077286"/>
+              <a:off x="5093809" y="6077282"/>
               <a:ext cx="63202" cy="63202"/>
             </a:xfrm>
             <a:custGeom>
@@ -17216,7 +17216,7 @@
           </p:nvSpPr>
           <p:spPr>
             <a:xfrm>
-              <a:off x="5037224" y="6071426"/>
+              <a:off x="4825594" y="6071398"/>
               <a:ext cx="63202" cy="63202"/>
             </a:xfrm>
             <a:custGeom>
@@ -17259,7 +17259,7 @@
           </p:nvSpPr>
           <p:spPr>
             <a:xfrm>
-              <a:off x="5051399" y="6065075"/>
+              <a:off x="4707851" y="6065082"/>
               <a:ext cx="63202" cy="63202"/>
             </a:xfrm>
             <a:custGeom>
@@ -17302,7 +17302,7 @@
           </p:nvSpPr>
           <p:spPr>
             <a:xfrm>
-              <a:off x="4931626" y="6097355"/>
+              <a:off x="4847392" y="6097368"/>
               <a:ext cx="63202" cy="63202"/>
             </a:xfrm>
             <a:custGeom>
@@ -17345,7 +17345,7 @@
           </p:nvSpPr>
           <p:spPr>
             <a:xfrm>
-              <a:off x="4523670" y="6050092"/>
+              <a:off x="4546374" y="6050067"/>
               <a:ext cx="63202" cy="63202"/>
             </a:xfrm>
             <a:custGeom>
@@ -17388,7 +17388,7 @@
           </p:nvSpPr>
           <p:spPr>
             <a:xfrm>
-              <a:off x="4759456" y="6082861"/>
+              <a:off x="4934629" y="6082848"/>
               <a:ext cx="63202" cy="63202"/>
             </a:xfrm>
             <a:custGeom>
@@ -17431,7 +17431,7 @@
           </p:nvSpPr>
           <p:spPr>
             <a:xfrm>
-              <a:off x="5021877" y="6050768"/>
+              <a:off x="4772503" y="6050780"/>
               <a:ext cx="63202" cy="63202"/>
             </a:xfrm>
             <a:custGeom>
@@ -17474,7 +17474,7 @@
           </p:nvSpPr>
           <p:spPr>
             <a:xfrm>
-              <a:off x="4601254" y="6082941"/>
+              <a:off x="4710039" y="6082955"/>
               <a:ext cx="63202" cy="63202"/>
             </a:xfrm>
             <a:custGeom>
@@ -17517,7 +17517,7 @@
           </p:nvSpPr>
           <p:spPr>
             <a:xfrm>
-              <a:off x="4707636" y="6060351"/>
+              <a:off x="4534020" y="6060372"/>
               <a:ext cx="63202" cy="63202"/>
             </a:xfrm>
             <a:custGeom>
@@ -17560,7 +17560,7 @@
           </p:nvSpPr>
           <p:spPr>
             <a:xfrm>
-              <a:off x="4617905" y="6153258"/>
+              <a:off x="4807223" y="6153256"/>
               <a:ext cx="63202" cy="63202"/>
             </a:xfrm>
             <a:custGeom>
@@ -17603,7 +17603,7 @@
           </p:nvSpPr>
           <p:spPr>
             <a:xfrm>
-              <a:off x="5153522" y="6053424"/>
+              <a:off x="5028599" y="6053421"/>
               <a:ext cx="63202" cy="63202"/>
             </a:xfrm>
             <a:custGeom>
@@ -17646,7 +17646,7 @@
           </p:nvSpPr>
           <p:spPr>
             <a:xfrm>
-              <a:off x="4784908" y="6058478"/>
+              <a:off x="4848948" y="6058472"/>
               <a:ext cx="63202" cy="63202"/>
             </a:xfrm>
             <a:custGeom>
@@ -17689,7 +17689,7 @@
           </p:nvSpPr>
           <p:spPr>
             <a:xfrm>
-              <a:off x="4568281" y="6048108"/>
+              <a:off x="4906671" y="6048090"/>
               <a:ext cx="63202" cy="63202"/>
             </a:xfrm>
             <a:custGeom>
@@ -17732,7 +17732,7 @@
           </p:nvSpPr>
           <p:spPr>
             <a:xfrm>
-              <a:off x="4790727" y="6530607"/>
+              <a:off x="4758345" y="6530626"/>
               <a:ext cx="63202" cy="63202"/>
             </a:xfrm>
             <a:custGeom>
@@ -17775,7 +17775,7 @@
           </p:nvSpPr>
           <p:spPr>
             <a:xfrm>
-              <a:off x="4708273" y="6056489"/>
+              <a:off x="5131748" y="6056500"/>
               <a:ext cx="63202" cy="63202"/>
             </a:xfrm>
             <a:custGeom>
@@ -17818,7 +17818,7 @@
           </p:nvSpPr>
           <p:spPr>
             <a:xfrm>
-              <a:off x="4543964" y="6056473"/>
+              <a:off x="4742391" y="6056467"/>
               <a:ext cx="63202" cy="63202"/>
             </a:xfrm>
             <a:custGeom>
@@ -17861,7 +17861,7 @@
           </p:nvSpPr>
           <p:spPr>
             <a:xfrm>
-              <a:off x="4717145" y="6070819"/>
+              <a:off x="4597911" y="6070822"/>
               <a:ext cx="63202" cy="63202"/>
             </a:xfrm>
             <a:custGeom>
@@ -17904,7 +17904,7 @@
           </p:nvSpPr>
           <p:spPr>
             <a:xfrm>
-              <a:off x="5127058" y="6066269"/>
+              <a:off x="4639609" y="6066281"/>
               <a:ext cx="63202" cy="63202"/>
             </a:xfrm>
             <a:custGeom>
@@ -17947,7 +17947,7 @@
           </p:nvSpPr>
           <p:spPr>
             <a:xfrm>
-              <a:off x="4678853" y="6070555"/>
+              <a:off x="5051663" y="6070558"/>
               <a:ext cx="63202" cy="63202"/>
             </a:xfrm>
             <a:custGeom>
@@ -17990,7 +17990,7 @@
           </p:nvSpPr>
           <p:spPr>
             <a:xfrm>
-              <a:off x="4596439" y="6184581"/>
+              <a:off x="4924208" y="6184552"/>
               <a:ext cx="63202" cy="63202"/>
             </a:xfrm>
             <a:custGeom>
@@ -18033,7 +18033,7 @@
           </p:nvSpPr>
           <p:spPr>
             <a:xfrm>
-              <a:off x="4576896" y="6109861"/>
+              <a:off x="5106832" y="6109868"/>
               <a:ext cx="63202" cy="63202"/>
             </a:xfrm>
             <a:custGeom>
@@ -18076,7 +18076,7 @@
           </p:nvSpPr>
           <p:spPr>
             <a:xfrm>
-              <a:off x="4912560" y="6058374"/>
+              <a:off x="5045530" y="6058370"/>
               <a:ext cx="63202" cy="63202"/>
             </a:xfrm>
             <a:custGeom>
@@ -18119,7 +18119,7 @@
           </p:nvSpPr>
           <p:spPr>
             <a:xfrm>
-              <a:off x="5012244" y="6223159"/>
+              <a:off x="5046726" y="6223148"/>
               <a:ext cx="63202" cy="63202"/>
             </a:xfrm>
             <a:custGeom>
@@ -18162,7 +18162,7 @@
           </p:nvSpPr>
           <p:spPr>
             <a:xfrm>
-              <a:off x="4830346" y="6081485"/>
+              <a:off x="4556347" y="6081519"/>
               <a:ext cx="63202" cy="63202"/>
             </a:xfrm>
             <a:custGeom>
@@ -18205,7 +18205,7 @@
           </p:nvSpPr>
           <p:spPr>
             <a:xfrm>
-              <a:off x="4708169" y="6093395"/>
+              <a:off x="5111651" y="6093385"/>
               <a:ext cx="63202" cy="63202"/>
             </a:xfrm>
             <a:custGeom>
@@ -18248,7 +18248,7 @@
           </p:nvSpPr>
           <p:spPr>
             <a:xfrm>
-              <a:off x="4521067" y="6053402"/>
+              <a:off x="5088236" y="6053393"/>
               <a:ext cx="63202" cy="63202"/>
             </a:xfrm>
             <a:custGeom>
@@ -18291,7 +18291,7 @@
           </p:nvSpPr>
           <p:spPr>
             <a:xfrm>
-              <a:off x="5164631" y="6071321"/>
+              <a:off x="4543097" y="6071315"/>
               <a:ext cx="63202" cy="63202"/>
             </a:xfrm>
             <a:custGeom>
@@ -18334,7 +18334,7 @@
           </p:nvSpPr>
           <p:spPr>
             <a:xfrm>
-              <a:off x="4826249" y="6068758"/>
+              <a:off x="4951663" y="6068768"/>
               <a:ext cx="63202" cy="63202"/>
             </a:xfrm>
             <a:custGeom>
@@ -18377,7 +18377,7 @@
           </p:nvSpPr>
           <p:spPr>
             <a:xfrm>
-              <a:off x="4626400" y="6049875"/>
+              <a:off x="5053213" y="6049886"/>
               <a:ext cx="63202" cy="63202"/>
             </a:xfrm>
             <a:custGeom>
@@ -18420,7 +18420,7 @@
           </p:nvSpPr>
           <p:spPr>
             <a:xfrm>
-              <a:off x="4829446" y="6172918"/>
+              <a:off x="4619283" y="6172934"/>
               <a:ext cx="63202" cy="63202"/>
             </a:xfrm>
             <a:custGeom>
@@ -18463,7 +18463,7 @@
           </p:nvSpPr>
           <p:spPr>
             <a:xfrm>
-              <a:off x="4842236" y="6052897"/>
+              <a:off x="4790449" y="6052879"/>
               <a:ext cx="63202" cy="63202"/>
             </a:xfrm>
             <a:custGeom>
@@ -18506,7 +18506,7 @@
           </p:nvSpPr>
           <p:spPr>
             <a:xfrm>
-              <a:off x="4483325" y="6064307"/>
+              <a:off x="4680227" y="6064291"/>
               <a:ext cx="63202" cy="63202"/>
             </a:xfrm>
             <a:custGeom>
@@ -18549,7 +18549,7 @@
           </p:nvSpPr>
           <p:spPr>
             <a:xfrm>
-              <a:off x="5156060" y="6097349"/>
+              <a:off x="5051924" y="6097355"/>
               <a:ext cx="63202" cy="63202"/>
             </a:xfrm>
             <a:custGeom>
@@ -18592,7 +18592,7 @@
           </p:nvSpPr>
           <p:spPr>
             <a:xfrm>
-              <a:off x="4813681" y="6067303"/>
+              <a:off x="4637782" y="6067312"/>
               <a:ext cx="63202" cy="63202"/>
             </a:xfrm>
             <a:custGeom>
@@ -18635,7 +18635,7 @@
           </p:nvSpPr>
           <p:spPr>
             <a:xfrm>
-              <a:off x="4803234" y="6065900"/>
+              <a:off x="5066277" y="6065881"/>
               <a:ext cx="63202" cy="63202"/>
             </a:xfrm>
             <a:custGeom>
@@ -18678,7 +18678,7 @@
           </p:nvSpPr>
           <p:spPr>
             <a:xfrm>
-              <a:off x="4868994" y="6067700"/>
+              <a:off x="5068267" y="6067690"/>
               <a:ext cx="63202" cy="63202"/>
             </a:xfrm>
             <a:custGeom>
@@ -18721,7 +18721,7 @@
           </p:nvSpPr>
           <p:spPr>
             <a:xfrm>
-              <a:off x="4876738" y="6069880"/>
+              <a:off x="4692628" y="6069850"/>
               <a:ext cx="63202" cy="63202"/>
             </a:xfrm>
             <a:custGeom>
@@ -18764,7 +18764,7 @@
           </p:nvSpPr>
           <p:spPr>
             <a:xfrm>
-              <a:off x="5069638" y="6075880"/>
+              <a:off x="4905015" y="6075872"/>
               <a:ext cx="63202" cy="63202"/>
             </a:xfrm>
             <a:custGeom>
@@ -18807,7 +18807,7 @@
           </p:nvSpPr>
           <p:spPr>
             <a:xfrm>
-              <a:off x="4517035" y="6068663"/>
+              <a:off x="4804821" y="6068639"/>
               <a:ext cx="63202" cy="63202"/>
             </a:xfrm>
             <a:custGeom>
@@ -18850,7 +18850,7 @@
           </p:nvSpPr>
           <p:spPr>
             <a:xfrm>
-              <a:off x="4738971" y="6530029"/>
+              <a:off x="5021666" y="6530042"/>
               <a:ext cx="63202" cy="63202"/>
             </a:xfrm>
             <a:custGeom>
@@ -18893,7 +18893,7 @@
           </p:nvSpPr>
           <p:spPr>
             <a:xfrm>
-              <a:off x="4991962" y="6075055"/>
+              <a:off x="4814052" y="6075040"/>
               <a:ext cx="63202" cy="63202"/>
             </a:xfrm>
             <a:custGeom>
@@ -18936,7 +18936,7 @@
           </p:nvSpPr>
           <p:spPr>
             <a:xfrm>
-              <a:off x="5412302" y="6724334"/>
+              <a:off x="5752152" y="6724331"/>
               <a:ext cx="63202" cy="63202"/>
             </a:xfrm>
             <a:custGeom>
@@ -18979,7 +18979,7 @@
           </p:nvSpPr>
           <p:spPr>
             <a:xfrm>
-              <a:off x="5093708" y="6094973"/>
+              <a:off x="4908113" y="6094985"/>
               <a:ext cx="63202" cy="63202"/>
             </a:xfrm>
             <a:custGeom>
@@ -19022,7 +19022,7 @@
           </p:nvSpPr>
           <p:spPr>
             <a:xfrm>
-              <a:off x="4738111" y="6072224"/>
+              <a:off x="4666379" y="6072249"/>
               <a:ext cx="63202" cy="63202"/>
             </a:xfrm>
             <a:custGeom>
@@ -19065,7 +19065,7 @@
           </p:nvSpPr>
           <p:spPr>
             <a:xfrm>
-              <a:off x="4558717" y="6065114"/>
+              <a:off x="4916782" y="6065123"/>
               <a:ext cx="63202" cy="63202"/>
             </a:xfrm>
             <a:custGeom>
@@ -19108,7 +19108,7 @@
           </p:nvSpPr>
           <p:spPr>
             <a:xfrm>
-              <a:off x="4663194" y="6066179"/>
+              <a:off x="4878622" y="6066182"/>
               <a:ext cx="63202" cy="63202"/>
             </a:xfrm>
             <a:custGeom>
@@ -19151,7 +19151,7 @@
           </p:nvSpPr>
           <p:spPr>
             <a:xfrm>
-              <a:off x="4872378" y="6076204"/>
+              <a:off x="5027666" y="6076199"/>
               <a:ext cx="63202" cy="63202"/>
             </a:xfrm>
             <a:custGeom>
@@ -19194,7 +19194,7 @@
           </p:nvSpPr>
           <p:spPr>
             <a:xfrm>
-              <a:off x="4714913" y="6080641"/>
+              <a:off x="4597715" y="6080610"/>
               <a:ext cx="63202" cy="63202"/>
             </a:xfrm>
             <a:custGeom>
@@ -19237,7 +19237,7 @@
           </p:nvSpPr>
           <p:spPr>
             <a:xfrm>
-              <a:off x="4900491" y="6070642"/>
+              <a:off x="4911631" y="6070659"/>
               <a:ext cx="63202" cy="63202"/>
             </a:xfrm>
             <a:custGeom>
@@ -19280,7 +19280,7 @@
           </p:nvSpPr>
           <p:spPr>
             <a:xfrm>
-              <a:off x="4805652" y="6072843"/>
+              <a:off x="4702380" y="6072838"/>
               <a:ext cx="63202" cy="63202"/>
             </a:xfrm>
             <a:custGeom>
@@ -19323,7 +19323,7 @@
           </p:nvSpPr>
           <p:spPr>
             <a:xfrm>
-              <a:off x="4549596" y="6068833"/>
+              <a:off x="4490366" y="6068864"/>
               <a:ext cx="63202" cy="63202"/>
             </a:xfrm>
             <a:custGeom>
@@ -19366,7 +19366,7 @@
           </p:nvSpPr>
           <p:spPr>
             <a:xfrm>
-              <a:off x="5005691" y="6053351"/>
+              <a:off x="5133077" y="6053347"/>
               <a:ext cx="63202" cy="63202"/>
             </a:xfrm>
             <a:custGeom>
@@ -19409,7 +19409,7 @@
           </p:nvSpPr>
           <p:spPr>
             <a:xfrm>
-              <a:off x="4804250" y="6061140"/>
+              <a:off x="5121202" y="6061144"/>
               <a:ext cx="63202" cy="63202"/>
             </a:xfrm>
             <a:custGeom>
@@ -19452,7 +19452,7 @@
           </p:nvSpPr>
           <p:spPr>
             <a:xfrm>
-              <a:off x="5129279" y="6059640"/>
+              <a:off x="4682933" y="6059626"/>
               <a:ext cx="63202" cy="63202"/>
             </a:xfrm>
             <a:custGeom>
@@ -19495,7 +19495,7 @@
           </p:nvSpPr>
           <p:spPr>
             <a:xfrm>
-              <a:off x="4731089" y="6099868"/>
+              <a:off x="4911454" y="6099882"/>
               <a:ext cx="63202" cy="63202"/>
             </a:xfrm>
             <a:custGeom>
@@ -19538,7 +19538,7 @@
           </p:nvSpPr>
           <p:spPr>
             <a:xfrm>
-              <a:off x="4844349" y="6065112"/>
+              <a:off x="4878189" y="6065101"/>
               <a:ext cx="63202" cy="63202"/>
             </a:xfrm>
             <a:custGeom>
@@ -19581,7 +19581,7 @@
           </p:nvSpPr>
           <p:spPr>
             <a:xfrm>
-              <a:off x="4764489" y="6185739"/>
+              <a:off x="4674961" y="6185746"/>
               <a:ext cx="63202" cy="63202"/>
             </a:xfrm>
             <a:custGeom>
@@ -19624,7 +19624,7 @@
           </p:nvSpPr>
           <p:spPr>
             <a:xfrm>
-              <a:off x="4862217" y="6079335"/>
+              <a:off x="4781481" y="6079316"/>
               <a:ext cx="63202" cy="63202"/>
             </a:xfrm>
             <a:custGeom>
@@ -19667,7 +19667,7 @@
           </p:nvSpPr>
           <p:spPr>
             <a:xfrm>
-              <a:off x="5060465" y="6071028"/>
+              <a:off x="4872680" y="6071022"/>
               <a:ext cx="63202" cy="63202"/>
             </a:xfrm>
             <a:custGeom>
@@ -19710,7 +19710,7 @@
           </p:nvSpPr>
           <p:spPr>
             <a:xfrm>
-              <a:off x="4532585" y="6103573"/>
+              <a:off x="4972465" y="6103557"/>
               <a:ext cx="63202" cy="63202"/>
             </a:xfrm>
             <a:custGeom>
@@ -19753,7 +19753,7 @@
           </p:nvSpPr>
           <p:spPr>
             <a:xfrm>
-              <a:off x="4685457" y="6059146"/>
+              <a:off x="4880429" y="6059142"/>
               <a:ext cx="63202" cy="63202"/>
             </a:xfrm>
             <a:custGeom>
@@ -19796,7 +19796,7 @@
           </p:nvSpPr>
           <p:spPr>
             <a:xfrm>
-              <a:off x="4659207" y="6057744"/>
+              <a:off x="4801044" y="6057760"/>
               <a:ext cx="63202" cy="63202"/>
             </a:xfrm>
             <a:custGeom>
@@ -19839,7 +19839,7 @@
           </p:nvSpPr>
           <p:spPr>
             <a:xfrm>
-              <a:off x="5564351" y="6587881"/>
+              <a:off x="5522203" y="6587857"/>
               <a:ext cx="63202" cy="63202"/>
             </a:xfrm>
             <a:custGeom>
@@ -19882,7 +19882,7 @@
           </p:nvSpPr>
           <p:spPr>
             <a:xfrm>
-              <a:off x="5093520" y="6123738"/>
+              <a:off x="5132143" y="6123712"/>
               <a:ext cx="63202" cy="63202"/>
             </a:xfrm>
             <a:custGeom>
@@ -19925,7 +19925,7 @@
           </p:nvSpPr>
           <p:spPr>
             <a:xfrm>
-              <a:off x="4579932" y="6076475"/>
+              <a:off x="4917996" y="6076476"/>
               <a:ext cx="63202" cy="63202"/>
             </a:xfrm>
             <a:custGeom>
@@ -19968,7 +19968,7 @@
           </p:nvSpPr>
           <p:spPr>
             <a:xfrm>
-              <a:off x="5161979" y="6144666"/>
+              <a:off x="4748216" y="6144685"/>
               <a:ext cx="63202" cy="63202"/>
             </a:xfrm>
             <a:custGeom>
@@ -20011,7 +20011,7 @@
           </p:nvSpPr>
           <p:spPr>
             <a:xfrm>
-              <a:off x="4623038" y="6050045"/>
+              <a:off x="4830991" y="6050053"/>
               <a:ext cx="63202" cy="63202"/>
             </a:xfrm>
             <a:custGeom>
@@ -20054,7 +20054,7 @@
           </p:nvSpPr>
           <p:spPr>
             <a:xfrm>
-              <a:off x="4745076" y="6051939"/>
+              <a:off x="4670043" y="6051941"/>
               <a:ext cx="63202" cy="63202"/>
             </a:xfrm>
             <a:custGeom>
@@ -20097,7 +20097,7 @@
           </p:nvSpPr>
           <p:spPr>
             <a:xfrm>
-              <a:off x="4930897" y="6051250"/>
+              <a:off x="4574045" y="6051255"/>
               <a:ext cx="63202" cy="63202"/>
             </a:xfrm>
             <a:custGeom>
@@ -20140,7 +20140,7 @@
           </p:nvSpPr>
           <p:spPr>
             <a:xfrm>
-              <a:off x="5158017" y="6053921"/>
+              <a:off x="4648141" y="6053934"/>
               <a:ext cx="63202" cy="63202"/>
             </a:xfrm>
             <a:custGeom>
@@ -20183,7 +20183,7 @@
           </p:nvSpPr>
           <p:spPr>
             <a:xfrm>
-              <a:off x="5038719" y="6063390"/>
+              <a:off x="4644834" y="6063358"/>
               <a:ext cx="63202" cy="63202"/>
             </a:xfrm>
             <a:custGeom>
@@ -20226,7 +20226,7 @@
           </p:nvSpPr>
           <p:spPr>
             <a:xfrm>
-              <a:off x="5082808" y="6096449"/>
+              <a:off x="4607589" y="6096444"/>
               <a:ext cx="63202" cy="63202"/>
             </a:xfrm>
             <a:custGeom>
@@ -20269,7 +20269,7 @@
           </p:nvSpPr>
           <p:spPr>
             <a:xfrm>
-              <a:off x="4853209" y="6045925"/>
+              <a:off x="5062674" y="6045908"/>
               <a:ext cx="63202" cy="63202"/>
             </a:xfrm>
             <a:custGeom>
@@ -20312,7 +20312,7 @@
           </p:nvSpPr>
           <p:spPr>
             <a:xfrm>
-              <a:off x="4972595" y="6074774"/>
+              <a:off x="4495489" y="6074752"/>
               <a:ext cx="63202" cy="63202"/>
             </a:xfrm>
             <a:custGeom>
@@ -20355,7 +20355,7 @@
           </p:nvSpPr>
           <p:spPr>
             <a:xfrm>
-              <a:off x="4873744" y="6044531"/>
+              <a:off x="4502796" y="6044526"/>
               <a:ext cx="63202" cy="63202"/>
             </a:xfrm>
             <a:custGeom>
@@ -20398,7 +20398,7 @@
           </p:nvSpPr>
           <p:spPr>
             <a:xfrm>
-              <a:off x="5018920" y="6054343"/>
+              <a:off x="4880869" y="6054350"/>
               <a:ext cx="63202" cy="63202"/>
             </a:xfrm>
             <a:custGeom>
@@ -20441,7 +20441,7 @@
           </p:nvSpPr>
           <p:spPr>
             <a:xfrm>
-              <a:off x="5139812" y="6074948"/>
+              <a:off x="4721035" y="6074938"/>
               <a:ext cx="63202" cy="63202"/>
             </a:xfrm>
             <a:custGeom>
@@ -20484,7 +20484,7 @@
           </p:nvSpPr>
           <p:spPr>
             <a:xfrm>
-              <a:off x="4531022" y="6063126"/>
+              <a:off x="5096327" y="6063121"/>
               <a:ext cx="63202" cy="63202"/>
             </a:xfrm>
             <a:custGeom>
@@ -20527,7 +20527,7 @@
           </p:nvSpPr>
           <p:spPr>
             <a:xfrm>
-              <a:off x="4608295" y="6473483"/>
+              <a:off x="4817833" y="6473507"/>
               <a:ext cx="63202" cy="63202"/>
             </a:xfrm>
             <a:custGeom>
@@ -20570,7 +20570,7 @@
           </p:nvSpPr>
           <p:spPr>
             <a:xfrm>
-              <a:off x="5033347" y="6205307"/>
+              <a:off x="4872838" y="6205326"/>
               <a:ext cx="63202" cy="63202"/>
             </a:xfrm>
             <a:custGeom>
@@ -20613,7 +20613,7 @@
           </p:nvSpPr>
           <p:spPr>
             <a:xfrm>
-              <a:off x="4768804" y="6058363"/>
+              <a:off x="4563699" y="6058373"/>
               <a:ext cx="63202" cy="63202"/>
             </a:xfrm>
             <a:custGeom>
@@ -20656,7 +20656,7 @@
           </p:nvSpPr>
           <p:spPr>
             <a:xfrm>
-              <a:off x="4470711" y="6055989"/>
+              <a:off x="5124501" y="6056003"/>
               <a:ext cx="63202" cy="63202"/>
             </a:xfrm>
             <a:custGeom>
@@ -20699,7 +20699,7 @@
           </p:nvSpPr>
           <p:spPr>
             <a:xfrm>
-              <a:off x="4563430" y="6089435"/>
+              <a:off x="5152232" y="6089448"/>
               <a:ext cx="63202" cy="63202"/>
             </a:xfrm>
             <a:custGeom>
@@ -20742,7 +20742,7 @@
           </p:nvSpPr>
           <p:spPr>
             <a:xfrm>
-              <a:off x="4991157" y="6076255"/>
+              <a:off x="4845061" y="6076269"/>
               <a:ext cx="63202" cy="63202"/>
             </a:xfrm>
             <a:custGeom>
@@ -20785,7 +20785,7 @@
           </p:nvSpPr>
           <p:spPr>
             <a:xfrm>
-              <a:off x="4597285" y="6065407"/>
+              <a:off x="5121680" y="6065396"/>
               <a:ext cx="63202" cy="63202"/>
             </a:xfrm>
             <a:custGeom>
@@ -20828,7 +20828,7 @@
           </p:nvSpPr>
           <p:spPr>
             <a:xfrm>
-              <a:off x="5003141" y="6366739"/>
+              <a:off x="4930638" y="6366772"/>
               <a:ext cx="63202" cy="63202"/>
             </a:xfrm>
             <a:custGeom>
@@ -20871,7 +20871,7 @@
           </p:nvSpPr>
           <p:spPr>
             <a:xfrm>
-              <a:off x="4934051" y="6059532"/>
+              <a:off x="5156926" y="6059544"/>
               <a:ext cx="63202" cy="63202"/>
             </a:xfrm>
             <a:custGeom>
@@ -20914,7 +20914,7 @@
           </p:nvSpPr>
           <p:spPr>
             <a:xfrm>
-              <a:off x="4747531" y="6085479"/>
+              <a:off x="4756570" y="6085457"/>
               <a:ext cx="63202" cy="63202"/>
             </a:xfrm>
             <a:custGeom>
@@ -20957,7 +20957,7 @@
           </p:nvSpPr>
           <p:spPr>
             <a:xfrm>
-              <a:off x="4542391" y="6536752"/>
+              <a:off x="4758068" y="6536769"/>
               <a:ext cx="63202" cy="63202"/>
             </a:xfrm>
             <a:custGeom>
@@ -21000,7 +21000,7 @@
           </p:nvSpPr>
           <p:spPr>
             <a:xfrm>
-              <a:off x="5117395" y="6226208"/>
+              <a:off x="5164537" y="6226224"/>
               <a:ext cx="63202" cy="63202"/>
             </a:xfrm>
             <a:custGeom>
@@ -21043,7 +21043,7 @@
           </p:nvSpPr>
           <p:spPr>
             <a:xfrm>
-              <a:off x="4971714" y="6387321"/>
+              <a:off x="4581542" y="6387317"/>
               <a:ext cx="63202" cy="63202"/>
             </a:xfrm>
             <a:custGeom>
@@ -21086,7 +21086,7 @@
           </p:nvSpPr>
           <p:spPr>
             <a:xfrm>
-              <a:off x="5068274" y="6305895"/>
+              <a:off x="5043915" y="6305903"/>
               <a:ext cx="63202" cy="63202"/>
             </a:xfrm>
             <a:custGeom>
@@ -21129,7 +21129,7 @@
           </p:nvSpPr>
           <p:spPr>
             <a:xfrm>
-              <a:off x="4702007" y="6053288"/>
+              <a:off x="5090273" y="6053278"/>
               <a:ext cx="63202" cy="63202"/>
             </a:xfrm>
             <a:custGeom>
@@ -21172,7 +21172,7 @@
           </p:nvSpPr>
           <p:spPr>
             <a:xfrm>
-              <a:off x="4896960" y="6099725"/>
+              <a:off x="5015349" y="6099737"/>
               <a:ext cx="63202" cy="63202"/>
             </a:xfrm>
             <a:custGeom>
@@ -21215,7 +21215,7 @@
           </p:nvSpPr>
           <p:spPr>
             <a:xfrm>
-              <a:off x="4551847" y="6467229"/>
+              <a:off x="4602063" y="6467254"/>
               <a:ext cx="63202" cy="63202"/>
             </a:xfrm>
             <a:custGeom>
@@ -21258,7 +21258,7 @@
           </p:nvSpPr>
           <p:spPr>
             <a:xfrm>
-              <a:off x="5081904" y="6196398"/>
+              <a:off x="5024901" y="6196390"/>
               <a:ext cx="63202" cy="63202"/>
             </a:xfrm>
             <a:custGeom>
@@ -21301,7 +21301,7 @@
           </p:nvSpPr>
           <p:spPr>
             <a:xfrm>
-              <a:off x="4903425" y="6069107"/>
+              <a:off x="4588247" y="6069081"/>
               <a:ext cx="63202" cy="63202"/>
             </a:xfrm>
             <a:custGeom>
@@ -21344,7 +21344,7 @@
           </p:nvSpPr>
           <p:spPr>
             <a:xfrm>
-              <a:off x="5103161" y="6093857"/>
+              <a:off x="4588951" y="6093860"/>
               <a:ext cx="63202" cy="63202"/>
             </a:xfrm>
             <a:custGeom>
@@ -21387,7 +21387,7 @@
           </p:nvSpPr>
           <p:spPr>
             <a:xfrm>
-              <a:off x="4677031" y="6095035"/>
+              <a:off x="4935407" y="6095028"/>
               <a:ext cx="63202" cy="63202"/>
             </a:xfrm>
             <a:custGeom>
@@ -21430,7 +21430,7 @@
           </p:nvSpPr>
           <p:spPr>
             <a:xfrm>
-              <a:off x="4468990" y="6062314"/>
+              <a:off x="4954109" y="6062288"/>
               <a:ext cx="63202" cy="63202"/>
             </a:xfrm>
             <a:custGeom>
@@ -21473,7 +21473,7 @@
           </p:nvSpPr>
           <p:spPr>
             <a:xfrm>
-              <a:off x="5132592" y="6197381"/>
+              <a:off x="4526569" y="6197378"/>
               <a:ext cx="63202" cy="63202"/>
             </a:xfrm>
             <a:custGeom>
@@ -21516,7 +21516,7 @@
           </p:nvSpPr>
           <p:spPr>
             <a:xfrm>
-              <a:off x="4753003" y="6520894"/>
+              <a:off x="4948320" y="6520926"/>
               <a:ext cx="63202" cy="63202"/>
             </a:xfrm>
             <a:custGeom>
@@ -21559,7 +21559,7 @@
           </p:nvSpPr>
           <p:spPr>
             <a:xfrm>
-              <a:off x="4826794" y="6101523"/>
+              <a:off x="5164542" y="6101512"/>
               <a:ext cx="63202" cy="63202"/>
             </a:xfrm>
             <a:custGeom>
@@ -21602,7 +21602,7 @@
           </p:nvSpPr>
           <p:spPr>
             <a:xfrm>
-              <a:off x="4604124" y="6068903"/>
+              <a:off x="4578251" y="6068885"/>
               <a:ext cx="63202" cy="63202"/>
             </a:xfrm>
             <a:custGeom>
@@ -21645,7 +21645,7 @@
           </p:nvSpPr>
           <p:spPr>
             <a:xfrm>
-              <a:off x="4906468" y="6101044"/>
+              <a:off x="4715605" y="6101043"/>
               <a:ext cx="63202" cy="63202"/>
             </a:xfrm>
             <a:custGeom>
@@ -21688,7 +21688,7 @@
           </p:nvSpPr>
           <p:spPr>
             <a:xfrm>
-              <a:off x="4794584" y="6065957"/>
+              <a:off x="4825475" y="6065932"/>
               <a:ext cx="63202" cy="63202"/>
             </a:xfrm>
             <a:custGeom>
@@ -21731,7 +21731,7 @@
           </p:nvSpPr>
           <p:spPr>
             <a:xfrm>
-              <a:off x="5066172" y="6156633"/>
+              <a:off x="4510117" y="6156662"/>
               <a:ext cx="63202" cy="63202"/>
             </a:xfrm>
             <a:custGeom>
@@ -21774,7 +21774,7 @@
           </p:nvSpPr>
           <p:spPr>
             <a:xfrm>
-              <a:off x="4583905" y="6076273"/>
+              <a:off x="4990805" y="6076255"/>
               <a:ext cx="63202" cy="63202"/>
             </a:xfrm>
             <a:custGeom>
@@ -21817,7 +21817,7 @@
           </p:nvSpPr>
           <p:spPr>
             <a:xfrm>
-              <a:off x="4527636" y="6118970"/>
+              <a:off x="4546203" y="6118992"/>
               <a:ext cx="63202" cy="63202"/>
             </a:xfrm>
             <a:custGeom>
@@ -21860,7 +21860,7 @@
           </p:nvSpPr>
           <p:spPr>
             <a:xfrm>
-              <a:off x="4584323" y="6088778"/>
+              <a:off x="5107835" y="6088790"/>
               <a:ext cx="63202" cy="63202"/>
             </a:xfrm>
             <a:custGeom>
@@ -21903,7 +21903,7 @@
           </p:nvSpPr>
           <p:spPr>
             <a:xfrm>
-              <a:off x="5165700" y="6074571"/>
+              <a:off x="4920358" y="6074552"/>
               <a:ext cx="63202" cy="63202"/>
             </a:xfrm>
             <a:custGeom>
@@ -21946,7 +21946,7 @@
           </p:nvSpPr>
           <p:spPr>
             <a:xfrm>
-              <a:off x="4637219" y="6378297"/>
+              <a:off x="4866722" y="6378275"/>
               <a:ext cx="63202" cy="63202"/>
             </a:xfrm>
             <a:custGeom>
@@ -21989,7 +21989,7 @@
           </p:nvSpPr>
           <p:spPr>
             <a:xfrm>
-              <a:off x="4968719" y="6074165"/>
+              <a:off x="4806025" y="6074173"/>
               <a:ext cx="63202" cy="63202"/>
             </a:xfrm>
             <a:custGeom>
@@ -22032,7 +22032,7 @@
           </p:nvSpPr>
           <p:spPr>
             <a:xfrm>
-              <a:off x="5116707" y="6075934"/>
+              <a:off x="4726705" y="6075926"/>
               <a:ext cx="63202" cy="63202"/>
             </a:xfrm>
             <a:custGeom>
@@ -22075,7 +22075,7 @@
           </p:nvSpPr>
           <p:spPr>
             <a:xfrm>
-              <a:off x="4514858" y="6057457"/>
+              <a:off x="4800512" y="6057441"/>
               <a:ext cx="63202" cy="63202"/>
             </a:xfrm>
             <a:custGeom>
@@ -22118,7 +22118,7 @@
           </p:nvSpPr>
           <p:spPr>
             <a:xfrm>
-              <a:off x="4801061" y="6069997"/>
+              <a:off x="4805250" y="6069994"/>
               <a:ext cx="63202" cy="63202"/>
             </a:xfrm>
             <a:custGeom>
@@ -22161,7 +22161,7 @@
           </p:nvSpPr>
           <p:spPr>
             <a:xfrm>
-              <a:off x="4868306" y="6077191"/>
+              <a:off x="4705702" y="6077204"/>
               <a:ext cx="63202" cy="63202"/>
             </a:xfrm>
             <a:custGeom>
@@ -22204,7 +22204,7 @@
           </p:nvSpPr>
           <p:spPr>
             <a:xfrm>
-              <a:off x="4719012" y="6148792"/>
+              <a:off x="4808601" y="6148782"/>
               <a:ext cx="63202" cy="63202"/>
             </a:xfrm>
             <a:custGeom>
@@ -22247,7 +22247,7 @@
           </p:nvSpPr>
           <p:spPr>
             <a:xfrm>
-              <a:off x="4708747" y="6051021"/>
+              <a:off x="5112385" y="6051025"/>
               <a:ext cx="63202" cy="63202"/>
             </a:xfrm>
             <a:custGeom>
@@ -22290,7 +22290,7 @@
           </p:nvSpPr>
           <p:spPr>
             <a:xfrm>
-              <a:off x="4579326" y="6065748"/>
+              <a:off x="4678841" y="6065737"/>
               <a:ext cx="63202" cy="63202"/>
             </a:xfrm>
             <a:custGeom>
@@ -22333,7 +22333,7 @@
           </p:nvSpPr>
           <p:spPr>
             <a:xfrm>
-              <a:off x="4645406" y="6090343"/>
+              <a:off x="4866486" y="6090316"/>
               <a:ext cx="63202" cy="63202"/>
             </a:xfrm>
             <a:custGeom>
@@ -22376,7 +22376,7 @@
           </p:nvSpPr>
           <p:spPr>
             <a:xfrm>
-              <a:off x="4605929" y="6061628"/>
+              <a:off x="4764531" y="6061634"/>
               <a:ext cx="63202" cy="63202"/>
             </a:xfrm>
             <a:custGeom>
@@ -22419,7 +22419,7 @@
           </p:nvSpPr>
           <p:spPr>
             <a:xfrm>
-              <a:off x="4817155" y="6081786"/>
+              <a:off x="4489347" y="6081798"/>
               <a:ext cx="63202" cy="63202"/>
             </a:xfrm>
             <a:custGeom>
@@ -22462,7 +22462,7 @@
           </p:nvSpPr>
           <p:spPr>
             <a:xfrm>
-              <a:off x="5005463" y="6069871"/>
+              <a:off x="4747018" y="6069855"/>
               <a:ext cx="63202" cy="63202"/>
             </a:xfrm>
             <a:custGeom>
@@ -22505,7 +22505,7 @@
           </p:nvSpPr>
           <p:spPr>
             <a:xfrm>
-              <a:off x="4957605" y="6069978"/>
+              <a:off x="4675346" y="6069951"/>
               <a:ext cx="63202" cy="63202"/>
             </a:xfrm>
             <a:custGeom>
@@ -22548,7 +22548,7 @@
           </p:nvSpPr>
           <p:spPr>
             <a:xfrm>
-              <a:off x="4476337" y="6077784"/>
+              <a:off x="4629034" y="6077764"/>
               <a:ext cx="63202" cy="63202"/>
             </a:xfrm>
             <a:custGeom>
@@ -22591,7 +22591,7 @@
           </p:nvSpPr>
           <p:spPr>
             <a:xfrm>
-              <a:off x="5138716" y="6056617"/>
+              <a:off x="4916175" y="6056649"/>
               <a:ext cx="63202" cy="63202"/>
             </a:xfrm>
             <a:custGeom>
@@ -22634,7 +22634,7 @@
           </p:nvSpPr>
           <p:spPr>
             <a:xfrm>
-              <a:off x="4901145" y="6073346"/>
+              <a:off x="4841226" y="6073370"/>
               <a:ext cx="63202" cy="63202"/>
             </a:xfrm>
             <a:custGeom>
@@ -22677,7 +22677,7 @@
           </p:nvSpPr>
           <p:spPr>
             <a:xfrm>
-              <a:off x="4586831" y="6079091"/>
+              <a:off x="4528067" y="6079084"/>
               <a:ext cx="63202" cy="63202"/>
             </a:xfrm>
             <a:custGeom>
@@ -22720,7 +22720,7 @@
           </p:nvSpPr>
           <p:spPr>
             <a:xfrm>
-              <a:off x="4499546" y="6059387"/>
+              <a:off x="4824395" y="6059392"/>
               <a:ext cx="63202" cy="63202"/>
             </a:xfrm>
             <a:custGeom>
@@ -22763,7 +22763,7 @@
           </p:nvSpPr>
           <p:spPr>
             <a:xfrm>
-              <a:off x="5104248" y="6077605"/>
+              <a:off x="4799281" y="6077609"/>
               <a:ext cx="63202" cy="63202"/>
             </a:xfrm>
             <a:custGeom>
@@ -22806,7 +22806,7 @@
           </p:nvSpPr>
           <p:spPr>
             <a:xfrm>
-              <a:off x="4592890" y="6577324"/>
+              <a:off x="4729801" y="6577363"/>
               <a:ext cx="63202" cy="63202"/>
             </a:xfrm>
             <a:custGeom>
@@ -22849,7 +22849,7 @@
           </p:nvSpPr>
           <p:spPr>
             <a:xfrm>
-              <a:off x="4930129" y="6071373"/>
+              <a:off x="4927579" y="6071355"/>
               <a:ext cx="63202" cy="63202"/>
             </a:xfrm>
             <a:custGeom>
@@ -22892,7 +22892,7 @@
           </p:nvSpPr>
           <p:spPr>
             <a:xfrm>
-              <a:off x="4937784" y="6086287"/>
+              <a:off x="4993455" y="6086284"/>
               <a:ext cx="63202" cy="63202"/>
             </a:xfrm>
             <a:custGeom>
@@ -22935,7 +22935,7 @@
           </p:nvSpPr>
           <p:spPr>
             <a:xfrm>
-              <a:off x="4550892" y="6056810"/>
+              <a:off x="4891308" y="6056844"/>
               <a:ext cx="63202" cy="63202"/>
             </a:xfrm>
             <a:custGeom>
@@ -22978,7 +22978,7 @@
           </p:nvSpPr>
           <p:spPr>
             <a:xfrm>
-              <a:off x="4634485" y="6043577"/>
+              <a:off x="4876189" y="6043591"/>
               <a:ext cx="63202" cy="63202"/>
             </a:xfrm>
             <a:custGeom>
@@ -23021,7 +23021,7 @@
           </p:nvSpPr>
           <p:spPr>
             <a:xfrm>
-              <a:off x="5010005" y="6054502"/>
+              <a:off x="5036291" y="6054506"/>
               <a:ext cx="63202" cy="63202"/>
             </a:xfrm>
             <a:custGeom>
@@ -23064,7 +23064,7 @@
           </p:nvSpPr>
           <p:spPr>
             <a:xfrm>
-              <a:off x="5094586" y="6070398"/>
+              <a:off x="4745143" y="6070383"/>
               <a:ext cx="63202" cy="63202"/>
             </a:xfrm>
             <a:custGeom>
@@ -23107,7 +23107,7 @@
           </p:nvSpPr>
           <p:spPr>
             <a:xfrm>
-              <a:off x="4760987" y="6060449"/>
+              <a:off x="4492738" y="6060466"/>
               <a:ext cx="63202" cy="63202"/>
             </a:xfrm>
             <a:custGeom>
@@ -23150,7 +23150,7 @@
           </p:nvSpPr>
           <p:spPr>
             <a:xfrm>
-              <a:off x="4736449" y="6055810"/>
+              <a:off x="4812955" y="6055815"/>
               <a:ext cx="63202" cy="63202"/>
             </a:xfrm>
             <a:custGeom>
@@ -23193,7 +23193,7 @@
           </p:nvSpPr>
           <p:spPr>
             <a:xfrm>
-              <a:off x="5096973" y="6066246"/>
+              <a:off x="5143073" y="6066213"/>
               <a:ext cx="63202" cy="63202"/>
             </a:xfrm>
             <a:custGeom>
@@ -23236,7 +23236,7 @@
           </p:nvSpPr>
           <p:spPr>
             <a:xfrm>
-              <a:off x="4621841" y="6054700"/>
+              <a:off x="5036594" y="6054708"/>
               <a:ext cx="63202" cy="63202"/>
             </a:xfrm>
             <a:custGeom>
@@ -23279,7 +23279,7 @@
           </p:nvSpPr>
           <p:spPr>
             <a:xfrm>
-              <a:off x="4650394" y="6120001"/>
+              <a:off x="4552294" y="6119986"/>
               <a:ext cx="63202" cy="63202"/>
             </a:xfrm>
             <a:custGeom>
@@ -23322,7 +23322,7 @@
           </p:nvSpPr>
           <p:spPr>
             <a:xfrm>
-              <a:off x="4658995" y="6074337"/>
+              <a:off x="5165536" y="6074338"/>
               <a:ext cx="63202" cy="63202"/>
             </a:xfrm>
             <a:custGeom>
@@ -23365,7 +23365,7 @@
           </p:nvSpPr>
           <p:spPr>
             <a:xfrm>
-              <a:off x="4977913" y="6119431"/>
+              <a:off x="4749010" y="6119431"/>
               <a:ext cx="63202" cy="63202"/>
             </a:xfrm>
             <a:custGeom>
@@ -23408,7 +23408,7 @@
           </p:nvSpPr>
           <p:spPr>
             <a:xfrm>
-              <a:off x="4954436" y="6111767"/>
+              <a:off x="4678892" y="6111767"/>
               <a:ext cx="63202" cy="63202"/>
             </a:xfrm>
             <a:custGeom>
@@ -23451,7 +23451,7 @@
           </p:nvSpPr>
           <p:spPr>
             <a:xfrm>
-              <a:off x="4612041" y="6056103"/>
+              <a:off x="4922038" y="6056096"/>
               <a:ext cx="63202" cy="63202"/>
             </a:xfrm>
             <a:custGeom>
@@ -23494,7 +23494,7 @@
           </p:nvSpPr>
           <p:spPr>
             <a:xfrm>
-              <a:off x="4724284" y="6072045"/>
+              <a:off x="4807996" y="6072040"/>
               <a:ext cx="63202" cy="63202"/>
             </a:xfrm>
             <a:custGeom>
@@ -23537,7 +23537,7 @@
           </p:nvSpPr>
           <p:spPr>
             <a:xfrm>
-              <a:off x="4641356" y="6074126"/>
+              <a:off x="4948358" y="6074121"/>
               <a:ext cx="63202" cy="63202"/>
             </a:xfrm>
             <a:custGeom>
@@ -23580,7 +23580,7 @@
           </p:nvSpPr>
           <p:spPr>
             <a:xfrm>
-              <a:off x="4533487" y="6052996"/>
+              <a:off x="4735996" y="6052998"/>
               <a:ext cx="63202" cy="63202"/>
             </a:xfrm>
             <a:custGeom>
@@ -23623,7 +23623,7 @@
           </p:nvSpPr>
           <p:spPr>
             <a:xfrm>
-              <a:off x="4492606" y="6055634"/>
+              <a:off x="5158543" y="6055600"/>
               <a:ext cx="63202" cy="63202"/>
             </a:xfrm>
             <a:custGeom>
@@ -23666,7 +23666,7 @@
           </p:nvSpPr>
           <p:spPr>
             <a:xfrm>
-              <a:off x="5078206" y="6059300"/>
+              <a:off x="5011350" y="6059288"/>
               <a:ext cx="63202" cy="63202"/>
             </a:xfrm>
             <a:custGeom>
@@ -23709,7 +23709,7 @@
           </p:nvSpPr>
           <p:spPr>
             <a:xfrm>
-              <a:off x="4778868" y="6172969"/>
+              <a:off x="4574543" y="6172968"/>
               <a:ext cx="63202" cy="63202"/>
             </a:xfrm>
             <a:custGeom>
@@ -23752,7 +23752,7 @@
           </p:nvSpPr>
           <p:spPr>
             <a:xfrm>
-              <a:off x="5074528" y="6073683"/>
+              <a:off x="4829950" y="6073679"/>
               <a:ext cx="63202" cy="63202"/>
             </a:xfrm>
             <a:custGeom>
@@ -23795,7 +23795,7 @@
           </p:nvSpPr>
           <p:spPr>
             <a:xfrm>
-              <a:off x="4577504" y="6077142"/>
+              <a:off x="4746735" y="6077128"/>
               <a:ext cx="63202" cy="63202"/>
             </a:xfrm>
             <a:custGeom>
@@ -23838,7 +23838,7 @@
           </p:nvSpPr>
           <p:spPr>
             <a:xfrm>
-              <a:off x="4935037" y="6074239"/>
+              <a:off x="4681358" y="6074223"/>
               <a:ext cx="63202" cy="63202"/>
             </a:xfrm>
             <a:custGeom>
@@ -23881,7 +23881,7 @@
           </p:nvSpPr>
           <p:spPr>
             <a:xfrm>
-              <a:off x="4612065" y="6075046"/>
+              <a:off x="5013269" y="6075060"/>
               <a:ext cx="63202" cy="63202"/>
             </a:xfrm>
             <a:custGeom>
@@ -23924,7 +23924,7 @@
           </p:nvSpPr>
           <p:spPr>
             <a:xfrm>
-              <a:off x="5146002" y="6072191"/>
+              <a:off x="4804948" y="6072205"/>
               <a:ext cx="63202" cy="63202"/>
             </a:xfrm>
             <a:custGeom>
@@ -23967,7 +23967,7 @@
           </p:nvSpPr>
           <p:spPr>
             <a:xfrm>
-              <a:off x="4810170" y="6089827"/>
+              <a:off x="4786598" y="6089821"/>
               <a:ext cx="63202" cy="63202"/>
             </a:xfrm>
             <a:custGeom>
@@ -24010,7 +24010,7 @@
           </p:nvSpPr>
           <p:spPr>
             <a:xfrm>
-              <a:off x="5058890" y="6069335"/>
+              <a:off x="4922711" y="6069313"/>
               <a:ext cx="63202" cy="63202"/>
             </a:xfrm>
             <a:custGeom>
@@ -24053,7 +24053,7 @@
           </p:nvSpPr>
           <p:spPr>
             <a:xfrm>
-              <a:off x="4748293" y="6052065"/>
+              <a:off x="4726727" y="6052065"/>
               <a:ext cx="63202" cy="63202"/>
             </a:xfrm>
             <a:custGeom>
@@ -24096,7 +24096,7 @@
           </p:nvSpPr>
           <p:spPr>
             <a:xfrm>
-              <a:off x="4520743" y="6278715"/>
+              <a:off x="5050162" y="6278714"/>
               <a:ext cx="63202" cy="63202"/>
             </a:xfrm>
             <a:custGeom>
@@ -24139,7 +24139,7 @@
           </p:nvSpPr>
           <p:spPr>
             <a:xfrm>
-              <a:off x="4543810" y="6064552"/>
+              <a:off x="5144683" y="6064537"/>
               <a:ext cx="63202" cy="63202"/>
             </a:xfrm>
             <a:custGeom>
@@ -24182,7 +24182,7 @@
           </p:nvSpPr>
           <p:spPr>
             <a:xfrm>
-              <a:off x="4778304" y="6047765"/>
+              <a:off x="4710834" y="6047746"/>
               <a:ext cx="63202" cy="63202"/>
             </a:xfrm>
             <a:custGeom>
@@ -24225,7 +24225,7 @@
           </p:nvSpPr>
           <p:spPr>
             <a:xfrm>
-              <a:off x="4868476" y="6055658"/>
+              <a:off x="4494977" y="6055653"/>
               <a:ext cx="63202" cy="63202"/>
             </a:xfrm>
             <a:custGeom>
@@ -24268,7 +24268,7 @@
           </p:nvSpPr>
           <p:spPr>
             <a:xfrm>
-              <a:off x="5025037" y="6073758"/>
+              <a:off x="4656155" y="6073757"/>
               <a:ext cx="63202" cy="63202"/>
             </a:xfrm>
             <a:custGeom>
@@ -24311,7 +24311,7 @@
           </p:nvSpPr>
           <p:spPr>
             <a:xfrm>
-              <a:off x="4785113" y="6052308"/>
+              <a:off x="4734041" y="6052297"/>
               <a:ext cx="63202" cy="63202"/>
             </a:xfrm>
             <a:custGeom>
@@ -24354,7 +24354,7 @@
           </p:nvSpPr>
           <p:spPr>
             <a:xfrm>
-              <a:off x="5046696" y="6224215"/>
+              <a:off x="4745361" y="6224234"/>
               <a:ext cx="63202" cy="63202"/>
             </a:xfrm>
             <a:custGeom>
@@ -24397,7 +24397,7 @@
           </p:nvSpPr>
           <p:spPr>
             <a:xfrm>
-              <a:off x="4704884" y="6280764"/>
+              <a:off x="4733725" y="6280770"/>
               <a:ext cx="63202" cy="63202"/>
             </a:xfrm>
             <a:custGeom>
@@ -24440,7 +24440,7 @@
           </p:nvSpPr>
           <p:spPr>
             <a:xfrm>
-              <a:off x="4611921" y="6079145"/>
+              <a:off x="4773802" y="6079124"/>
               <a:ext cx="63202" cy="63202"/>
             </a:xfrm>
             <a:custGeom>
@@ -24483,7 +24483,7 @@
           </p:nvSpPr>
           <p:spPr>
             <a:xfrm>
-              <a:off x="4912819" y="6078605"/>
+              <a:off x="4583621" y="6078592"/>
               <a:ext cx="63202" cy="63202"/>
             </a:xfrm>
             <a:custGeom>
@@ -24526,7 +24526,7 @@
           </p:nvSpPr>
           <p:spPr>
             <a:xfrm>
-              <a:off x="5126658" y="6065462"/>
+              <a:off x="4687542" y="6065460"/>
               <a:ext cx="63202" cy="63202"/>
             </a:xfrm>
             <a:custGeom>
@@ -24569,7 +24569,7 @@
           </p:nvSpPr>
           <p:spPr>
             <a:xfrm>
-              <a:off x="4543601" y="6425845"/>
+              <a:off x="4506906" y="6425852"/>
               <a:ext cx="63202" cy="63202"/>
             </a:xfrm>
             <a:custGeom>
@@ -24612,7 +24612,7 @@
           </p:nvSpPr>
           <p:spPr>
             <a:xfrm>
-              <a:off x="4736102" y="6103497"/>
+              <a:off x="4550345" y="6103492"/>
               <a:ext cx="63202" cy="63202"/>
             </a:xfrm>
             <a:custGeom>
@@ -24655,7 +24655,7 @@
           </p:nvSpPr>
           <p:spPr>
             <a:xfrm>
-              <a:off x="4713405" y="6101442"/>
+              <a:off x="4995015" y="6101414"/>
               <a:ext cx="63202" cy="63202"/>
             </a:xfrm>
             <a:custGeom>
@@ -24698,7 +24698,7 @@
           </p:nvSpPr>
           <p:spPr>
             <a:xfrm>
-              <a:off x="4555982" y="6104131"/>
+              <a:off x="4752990" y="6104151"/>
               <a:ext cx="63202" cy="63202"/>
             </a:xfrm>
             <a:custGeom>
@@ -24741,7 +24741,7 @@
           </p:nvSpPr>
           <p:spPr>
             <a:xfrm>
-              <a:off x="4731006" y="6264556"/>
+              <a:off x="5161581" y="6264556"/>
               <a:ext cx="63202" cy="63202"/>
             </a:xfrm>
             <a:custGeom>
@@ -24784,7 +24784,7 @@
           </p:nvSpPr>
           <p:spPr>
             <a:xfrm>
-              <a:off x="5090880" y="6174913"/>
+              <a:off x="4985174" y="6174904"/>
               <a:ext cx="63202" cy="63202"/>
             </a:xfrm>
             <a:custGeom>
@@ -24827,7 +24827,7 @@
           </p:nvSpPr>
           <p:spPr>
             <a:xfrm>
-              <a:off x="4982245" y="6048990"/>
+              <a:off x="4844163" y="6048956"/>
               <a:ext cx="63202" cy="63202"/>
             </a:xfrm>
             <a:custGeom>
@@ -24870,7 +24870,7 @@
           </p:nvSpPr>
           <p:spPr>
             <a:xfrm>
-              <a:off x="4771310" y="6101536"/>
+              <a:off x="5161473" y="6101504"/>
               <a:ext cx="63202" cy="63202"/>
             </a:xfrm>
             <a:custGeom>
@@ -24913,7 +24913,7 @@
           </p:nvSpPr>
           <p:spPr>
             <a:xfrm>
-              <a:off x="4935085" y="6132215"/>
+              <a:off x="4588160" y="6132209"/>
               <a:ext cx="63202" cy="63202"/>
             </a:xfrm>
             <a:custGeom>
@@ -24956,7 +24956,7 @@
           </p:nvSpPr>
           <p:spPr>
             <a:xfrm>
-              <a:off x="4671399" y="6053136"/>
+              <a:off x="4976302" y="6053141"/>
               <a:ext cx="63202" cy="63202"/>
             </a:xfrm>
             <a:custGeom>
@@ -24999,7 +24999,7 @@
           </p:nvSpPr>
           <p:spPr>
             <a:xfrm>
-              <a:off x="5061224" y="6053389"/>
+              <a:off x="5039045" y="6053365"/>
               <a:ext cx="63202" cy="63202"/>
             </a:xfrm>
             <a:custGeom>
@@ -25042,7 +25042,7 @@
           </p:nvSpPr>
           <p:spPr>
             <a:xfrm>
-              <a:off x="4651503" y="6064245"/>
+              <a:off x="5133218" y="6064248"/>
               <a:ext cx="63202" cy="63202"/>
             </a:xfrm>
             <a:custGeom>
@@ -25085,7 +25085,7 @@
           </p:nvSpPr>
           <p:spPr>
             <a:xfrm>
-              <a:off x="4868528" y="6101047"/>
+              <a:off x="4919769" y="6101041"/>
               <a:ext cx="63202" cy="63202"/>
             </a:xfrm>
             <a:custGeom>
@@ -25128,7 +25128,7 @@
           </p:nvSpPr>
           <p:spPr>
             <a:xfrm>
-              <a:off x="5106108" y="6075960"/>
+              <a:off x="4559559" y="6075981"/>
               <a:ext cx="63202" cy="63202"/>
             </a:xfrm>
             <a:custGeom>
@@ -25171,7 +25171,7 @@
           </p:nvSpPr>
           <p:spPr>
             <a:xfrm>
-              <a:off x="4712755" y="6073210"/>
+              <a:off x="5134637" y="6073203"/>
               <a:ext cx="63202" cy="63202"/>
             </a:xfrm>
             <a:custGeom>
@@ -25214,7 +25214,7 @@
           </p:nvSpPr>
           <p:spPr>
             <a:xfrm>
-              <a:off x="4669695" y="6066995"/>
+              <a:off x="4996346" y="6067003"/>
               <a:ext cx="63202" cy="63202"/>
             </a:xfrm>
             <a:custGeom>
@@ -25257,7 +25257,7 @@
           </p:nvSpPr>
           <p:spPr>
             <a:xfrm>
-              <a:off x="5057322" y="6148044"/>
+              <a:off x="4511421" y="6148071"/>
               <a:ext cx="63202" cy="63202"/>
             </a:xfrm>
             <a:custGeom>
@@ -25300,7 +25300,7 @@
           </p:nvSpPr>
           <p:spPr>
             <a:xfrm>
-              <a:off x="4606406" y="6073004"/>
+              <a:off x="4754555" y="6073034"/>
               <a:ext cx="63202" cy="63202"/>
             </a:xfrm>
             <a:custGeom>
@@ -25343,7 +25343,7 @@
           </p:nvSpPr>
           <p:spPr>
             <a:xfrm>
-              <a:off x="5131660" y="6062050"/>
+              <a:off x="4705038" y="6062059"/>
               <a:ext cx="63202" cy="63202"/>
             </a:xfrm>
             <a:custGeom>
@@ -25386,7 +25386,7 @@
           </p:nvSpPr>
           <p:spPr>
             <a:xfrm>
-              <a:off x="4935407" y="6104091"/>
+              <a:off x="5006356" y="6104097"/>
               <a:ext cx="63202" cy="63202"/>
             </a:xfrm>
             <a:custGeom>
@@ -25429,7 +25429,7 @@
           </p:nvSpPr>
           <p:spPr>
             <a:xfrm>
-              <a:off x="4945095" y="6058080"/>
+              <a:off x="5098607" y="6058097"/>
               <a:ext cx="63202" cy="63202"/>
             </a:xfrm>
             <a:custGeom>
@@ -25472,7 +25472,7 @@
           </p:nvSpPr>
           <p:spPr>
             <a:xfrm>
-              <a:off x="5000505" y="6067044"/>
+              <a:off x="4616536" y="6067051"/>
               <a:ext cx="63202" cy="63202"/>
             </a:xfrm>
             <a:custGeom>
@@ -25515,7 +25515,7 @@
           </p:nvSpPr>
           <p:spPr>
             <a:xfrm>
-              <a:off x="4496300" y="6075107"/>
+              <a:off x="4891813" y="6075108"/>
               <a:ext cx="63202" cy="63202"/>
             </a:xfrm>
             <a:custGeom>
@@ -25558,7 +25558,7 @@
           </p:nvSpPr>
           <p:spPr>
             <a:xfrm>
-              <a:off x="5831984" y="6775992"/>
+              <a:off x="5414800" y="6776013"/>
               <a:ext cx="63202" cy="63202"/>
             </a:xfrm>
             <a:custGeom>
@@ -25601,7 +25601,7 @@
           </p:nvSpPr>
           <p:spPr>
             <a:xfrm>
-              <a:off x="4762629" y="6053414"/>
+              <a:off x="4810923" y="6053441"/>
               <a:ext cx="63202" cy="63202"/>
             </a:xfrm>
             <a:custGeom>
@@ -25644,7 +25644,7 @@
           </p:nvSpPr>
           <p:spPr>
             <a:xfrm>
-              <a:off x="4476532" y="6076058"/>
+              <a:off x="4471848" y="6076089"/>
               <a:ext cx="63202" cy="63202"/>
             </a:xfrm>
             <a:custGeom>
@@ -25687,7 +25687,7 @@
           </p:nvSpPr>
           <p:spPr>
             <a:xfrm>
-              <a:off x="4832025" y="6071452"/>
+              <a:off x="4812699" y="6071459"/>
               <a:ext cx="63202" cy="63202"/>
             </a:xfrm>
             <a:custGeom>
@@ -25730,7 +25730,7 @@
           </p:nvSpPr>
           <p:spPr>
             <a:xfrm>
-              <a:off x="4747170" y="6051933"/>
+              <a:off x="4662852" y="6051935"/>
               <a:ext cx="63202" cy="63202"/>
             </a:xfrm>
             <a:custGeom>
@@ -25773,7 +25773,7 @@
           </p:nvSpPr>
           <p:spPr>
             <a:xfrm>
-              <a:off x="4721970" y="6065250"/>
+              <a:off x="4978521" y="6065246"/>
               <a:ext cx="63202" cy="63202"/>
             </a:xfrm>
             <a:custGeom>
@@ -25816,7 +25816,7 @@
           </p:nvSpPr>
           <p:spPr>
             <a:xfrm>
-              <a:off x="4543580" y="6060891"/>
+              <a:off x="5074112" y="6060885"/>
               <a:ext cx="63202" cy="63202"/>
             </a:xfrm>
             <a:custGeom>
@@ -25859,7 +25859,7 @@
           </p:nvSpPr>
           <p:spPr>
             <a:xfrm>
-              <a:off x="5087178" y="6065609"/>
+              <a:off x="4507658" y="6065583"/>
               <a:ext cx="63202" cy="63202"/>
             </a:xfrm>
             <a:custGeom>
@@ -25902,7 +25902,7 @@
           </p:nvSpPr>
           <p:spPr>
             <a:xfrm>
-              <a:off x="4904948" y="6055659"/>
+              <a:off x="4713614" y="6055652"/>
               <a:ext cx="63202" cy="63202"/>
             </a:xfrm>
             <a:custGeom>
@@ -25945,7 +25945,7 @@
           </p:nvSpPr>
           <p:spPr>
             <a:xfrm>
-              <a:off x="4943722" y="6078807"/>
+              <a:off x="4605979" y="6078801"/>
               <a:ext cx="63202" cy="63202"/>
             </a:xfrm>
             <a:custGeom>
@@ -25988,7 +25988,7 @@
           </p:nvSpPr>
           <p:spPr>
             <a:xfrm>
-              <a:off x="5001577" y="6234754"/>
+              <a:off x="4780336" y="6234750"/>
               <a:ext cx="63202" cy="63202"/>
             </a:xfrm>
             <a:custGeom>
@@ -26031,7 +26031,7 @@
           </p:nvSpPr>
           <p:spPr>
             <a:xfrm>
-              <a:off x="5116431" y="6057881"/>
+              <a:off x="5164838" y="6057904"/>
               <a:ext cx="63202" cy="63202"/>
             </a:xfrm>
             <a:custGeom>
@@ -26074,7 +26074,7 @@
           </p:nvSpPr>
           <p:spPr>
             <a:xfrm>
-              <a:off x="5161171" y="5317755"/>
+              <a:off x="4583373" y="5317767"/>
               <a:ext cx="63202" cy="63202"/>
             </a:xfrm>
             <a:custGeom>
@@ -26117,7 +26117,7 @@
           </p:nvSpPr>
           <p:spPr>
             <a:xfrm>
-              <a:off x="4532556" y="5317369"/>
+              <a:off x="5135159" y="5317369"/>
               <a:ext cx="63202" cy="63202"/>
             </a:xfrm>
             <a:custGeom>
@@ -26160,7 +26160,7 @@
           </p:nvSpPr>
           <p:spPr>
             <a:xfrm>
-              <a:off x="4894540" y="6053202"/>
+              <a:off x="4856439" y="6053208"/>
               <a:ext cx="63202" cy="63202"/>
             </a:xfrm>
             <a:custGeom>
@@ -26203,7 +26203,7 @@
           </p:nvSpPr>
           <p:spPr>
             <a:xfrm>
-              <a:off x="4777087" y="6074756"/>
+              <a:off x="4628746" y="6074779"/>
               <a:ext cx="63202" cy="63202"/>
             </a:xfrm>
             <a:custGeom>
@@ -26246,7 +26246,7 @@
           </p:nvSpPr>
           <p:spPr>
             <a:xfrm>
-              <a:off x="4610107" y="6314460"/>
+              <a:off x="4646444" y="6314453"/>
               <a:ext cx="63202" cy="63202"/>
             </a:xfrm>
             <a:custGeom>
@@ -26289,7 +26289,7 @@
           </p:nvSpPr>
           <p:spPr>
             <a:xfrm>
-              <a:off x="4926495" y="6077351"/>
+              <a:off x="4608117" y="6077329"/>
               <a:ext cx="63202" cy="63202"/>
             </a:xfrm>
             <a:custGeom>
@@ -26332,7 +26332,7 @@
           </p:nvSpPr>
           <p:spPr>
             <a:xfrm>
-              <a:off x="4658516" y="6083050"/>
+              <a:off x="4870977" y="6083061"/>
               <a:ext cx="63202" cy="63202"/>
             </a:xfrm>
             <a:custGeom>
@@ -26375,7 +26375,7 @@
           </p:nvSpPr>
           <p:spPr>
             <a:xfrm>
-              <a:off x="4666568" y="6066372"/>
+              <a:off x="4612917" y="6066386"/>
               <a:ext cx="63202" cy="63202"/>
             </a:xfrm>
             <a:custGeom>
@@ -26418,7 +26418,7 @@
           </p:nvSpPr>
           <p:spPr>
             <a:xfrm>
-              <a:off x="4526207" y="6050518"/>
+              <a:off x="4796557" y="6050537"/>
               <a:ext cx="63202" cy="63202"/>
             </a:xfrm>
             <a:custGeom>
@@ -26461,7 +26461,7 @@
           </p:nvSpPr>
           <p:spPr>
             <a:xfrm>
-              <a:off x="4489036" y="6058053"/>
+              <a:off x="4488705" y="6058017"/>
               <a:ext cx="63202" cy="63202"/>
             </a:xfrm>
             <a:custGeom>
@@ -26504,7 +26504,7 @@
           </p:nvSpPr>
           <p:spPr>
             <a:xfrm>
-              <a:off x="4933252" y="6082371"/>
+              <a:off x="4595488" y="6082361"/>
               <a:ext cx="63202" cy="63202"/>
             </a:xfrm>
             <a:custGeom>
@@ -26547,7 +26547,7 @@
           </p:nvSpPr>
           <p:spPr>
             <a:xfrm>
-              <a:off x="4960480" y="6054347"/>
+              <a:off x="4905992" y="6054344"/>
               <a:ext cx="63202" cy="63202"/>
             </a:xfrm>
             <a:custGeom>
@@ -26590,7 +26590,7 @@
           </p:nvSpPr>
           <p:spPr>
             <a:xfrm>
-              <a:off x="4839085" y="6057929"/>
+              <a:off x="4728267" y="6057922"/>
               <a:ext cx="63202" cy="63202"/>
             </a:xfrm>
             <a:custGeom>
@@ -26633,7 +26633,7 @@
           </p:nvSpPr>
           <p:spPr>
             <a:xfrm>
-              <a:off x="4955631" y="6086801"/>
+              <a:off x="4820658" y="6086790"/>
               <a:ext cx="63202" cy="63202"/>
             </a:xfrm>
             <a:custGeom>
@@ -26676,7 +26676,7 @@
           </p:nvSpPr>
           <p:spPr>
             <a:xfrm>
-              <a:off x="4495627" y="6084513"/>
+              <a:off x="4808793" y="6084517"/>
               <a:ext cx="63202" cy="63202"/>
             </a:xfrm>
             <a:custGeom>
@@ -26719,7 +26719,7 @@
           </p:nvSpPr>
           <p:spPr>
             <a:xfrm>
-              <a:off x="4767049" y="6153497"/>
+              <a:off x="4766011" y="6153482"/>
               <a:ext cx="63202" cy="63202"/>
             </a:xfrm>
             <a:custGeom>
@@ -26762,7 +26762,7 @@
           </p:nvSpPr>
           <p:spPr>
             <a:xfrm>
-              <a:off x="4703861" y="6077626"/>
+              <a:off x="5168035" y="6077628"/>
               <a:ext cx="63202" cy="63202"/>
             </a:xfrm>
             <a:custGeom>
@@ -26805,7 +26805,7 @@
           </p:nvSpPr>
           <p:spPr>
             <a:xfrm>
-              <a:off x="6299006" y="6808394"/>
+              <a:off x="6234967" y="6808422"/>
               <a:ext cx="63202" cy="63202"/>
             </a:xfrm>
             <a:custGeom>
@@ -26848,7 +26848,7 @@
           </p:nvSpPr>
           <p:spPr>
             <a:xfrm>
-              <a:off x="4888919" y="6060090"/>
+              <a:off x="5122764" y="6060067"/>
               <a:ext cx="63202" cy="63202"/>
             </a:xfrm>
             <a:custGeom>
@@ -26891,7 +26891,7 @@
           </p:nvSpPr>
           <p:spPr>
             <a:xfrm>
-              <a:off x="4911914" y="6074311"/>
+              <a:off x="4874480" y="6074330"/>
               <a:ext cx="63202" cy="63202"/>
             </a:xfrm>
             <a:custGeom>
@@ -26934,7 +26934,7 @@
           </p:nvSpPr>
           <p:spPr>
             <a:xfrm>
-              <a:off x="4906436" y="6063438"/>
+              <a:off x="4689774" y="6063408"/>
               <a:ext cx="63202" cy="63202"/>
             </a:xfrm>
             <a:custGeom>
@@ -26977,7 +26977,7 @@
           </p:nvSpPr>
           <p:spPr>
             <a:xfrm>
-              <a:off x="4567418" y="6057510"/>
+              <a:off x="4845241" y="6057519"/>
               <a:ext cx="63202" cy="63202"/>
             </a:xfrm>
             <a:custGeom>
@@ -27020,7 +27020,7 @@
           </p:nvSpPr>
           <p:spPr>
             <a:xfrm>
-              <a:off x="5062983" y="6058719"/>
+              <a:off x="5135369" y="6058700"/>
               <a:ext cx="63202" cy="63202"/>
             </a:xfrm>
             <a:custGeom>
@@ -27063,7 +27063,7 @@
           </p:nvSpPr>
           <p:spPr>
             <a:xfrm>
-              <a:off x="4615093" y="6062294"/>
+              <a:off x="4606570" y="6062314"/>
               <a:ext cx="63202" cy="63202"/>
             </a:xfrm>
             <a:custGeom>
@@ -27106,7 +27106,7 @@
           </p:nvSpPr>
           <p:spPr>
             <a:xfrm>
-              <a:off x="4887020" y="6055967"/>
+              <a:off x="4730161" y="6055933"/>
               <a:ext cx="63202" cy="63202"/>
             </a:xfrm>
             <a:custGeom>
@@ -27149,7 +27149,7 @@
           </p:nvSpPr>
           <p:spPr>
             <a:xfrm>
-              <a:off x="4532903" y="6050588"/>
+              <a:off x="5012188" y="6050580"/>
               <a:ext cx="63202" cy="63202"/>
             </a:xfrm>
             <a:custGeom>
@@ -27192,7 +27192,7 @@
           </p:nvSpPr>
           <p:spPr>
             <a:xfrm>
-              <a:off x="4676752" y="6083727"/>
+              <a:off x="4701686" y="6083733"/>
               <a:ext cx="63202" cy="63202"/>
             </a:xfrm>
             <a:custGeom>
@@ -27235,7 +27235,7 @@
           </p:nvSpPr>
           <p:spPr>
             <a:xfrm>
-              <a:off x="5079851" y="6089694"/>
+              <a:off x="4580314" y="6089712"/>
               <a:ext cx="63202" cy="63202"/>
             </a:xfrm>
             <a:custGeom>
@@ -27278,7 +27278,7 @@
           </p:nvSpPr>
           <p:spPr>
             <a:xfrm>
-              <a:off x="4717435" y="6058138"/>
+              <a:off x="4674079" y="6058147"/>
               <a:ext cx="63202" cy="63202"/>
             </a:xfrm>
             <a:custGeom>
@@ -27321,7 +27321,7 @@
           </p:nvSpPr>
           <p:spPr>
             <a:xfrm>
-              <a:off x="4668552" y="6062705"/>
+              <a:off x="5101288" y="6062682"/>
               <a:ext cx="63202" cy="63202"/>
             </a:xfrm>
             <a:custGeom>
@@ -27364,7 +27364,7 @@
           </p:nvSpPr>
           <p:spPr>
             <a:xfrm>
-              <a:off x="5063583" y="6063533"/>
+              <a:off x="4801835" y="6063532"/>
               <a:ext cx="63202" cy="63202"/>
             </a:xfrm>
             <a:custGeom>
@@ -27407,7 +27407,7 @@
           </p:nvSpPr>
           <p:spPr>
             <a:xfrm>
-              <a:off x="4480965" y="6074309"/>
+              <a:off x="4527126" y="6074328"/>
               <a:ext cx="63202" cy="63202"/>
             </a:xfrm>
             <a:custGeom>
@@ -27450,7 +27450,7 @@
           </p:nvSpPr>
           <p:spPr>
             <a:xfrm>
-              <a:off x="5133672" y="6045908"/>
+              <a:off x="5167472" y="6045903"/>
               <a:ext cx="63202" cy="63202"/>
             </a:xfrm>
             <a:custGeom>
@@ -27493,7 +27493,7 @@
           </p:nvSpPr>
           <p:spPr>
             <a:xfrm>
-              <a:off x="4650289" y="6093523"/>
+              <a:off x="4584766" y="6093529"/>
               <a:ext cx="63202" cy="63202"/>
             </a:xfrm>
             <a:custGeom>
@@ -27536,7 +27536,7 @@
           </p:nvSpPr>
           <p:spPr>
             <a:xfrm>
-              <a:off x="4791362" y="6057509"/>
+              <a:off x="4695510" y="6057515"/>
               <a:ext cx="63202" cy="63202"/>
             </a:xfrm>
             <a:custGeom>
@@ -27579,7 +27579,7 @@
           </p:nvSpPr>
           <p:spPr>
             <a:xfrm>
-              <a:off x="4508909" y="6049309"/>
+              <a:off x="5071927" y="6049292"/>
               <a:ext cx="63202" cy="63202"/>
             </a:xfrm>
             <a:custGeom>
@@ -27622,7 +27622,7 @@
           </p:nvSpPr>
           <p:spPr>
             <a:xfrm>
-              <a:off x="5001107" y="6161655"/>
+              <a:off x="4609465" y="6161622"/>
               <a:ext cx="63202" cy="63202"/>
             </a:xfrm>
             <a:custGeom>
@@ -27665,7 +27665,7 @@
           </p:nvSpPr>
           <p:spPr>
             <a:xfrm>
-              <a:off x="4670340" y="6089001"/>
+              <a:off x="4565301" y="6089030"/>
               <a:ext cx="63202" cy="63202"/>
             </a:xfrm>
             <a:custGeom>
@@ -27708,7 +27708,7 @@
           </p:nvSpPr>
           <p:spPr>
             <a:xfrm>
-              <a:off x="4713748" y="6049257"/>
+              <a:off x="4850032" y="6049278"/>
               <a:ext cx="63202" cy="63202"/>
             </a:xfrm>
             <a:custGeom>
@@ -27751,7 +27751,7 @@
           </p:nvSpPr>
           <p:spPr>
             <a:xfrm>
-              <a:off x="4979628" y="6054599"/>
+              <a:off x="4918391" y="6054608"/>
               <a:ext cx="63202" cy="63202"/>
             </a:xfrm>
             <a:custGeom>
@@ -27794,7 +27794,7 @@
           </p:nvSpPr>
           <p:spPr>
             <a:xfrm>
-              <a:off x="4843708" y="6059137"/>
+              <a:off x="4971398" y="6059146"/>
               <a:ext cx="63202" cy="63202"/>
             </a:xfrm>
             <a:custGeom>
@@ -27837,7 +27837,7 @@
           </p:nvSpPr>
           <p:spPr>
             <a:xfrm>
-              <a:off x="5157500" y="6071560"/>
+              <a:off x="4524662" y="6071568"/>
               <a:ext cx="63202" cy="63202"/>
             </a:xfrm>
             <a:custGeom>
@@ -27880,7 +27880,7 @@
           </p:nvSpPr>
           <p:spPr>
             <a:xfrm>
-              <a:off x="4774298" y="6073612"/>
+              <a:off x="4954327" y="6073618"/>
               <a:ext cx="63202" cy="63202"/>
             </a:xfrm>
             <a:custGeom>
@@ -27923,7 +27923,7 @@
           </p:nvSpPr>
           <p:spPr>
             <a:xfrm>
-              <a:off x="4536661" y="6043395"/>
+              <a:off x="5103226" y="6043387"/>
               <a:ext cx="63202" cy="63202"/>
             </a:xfrm>
             <a:custGeom>
@@ -27966,7 +27966,7 @@
           </p:nvSpPr>
           <p:spPr>
             <a:xfrm>
-              <a:off x="4886878" y="6061657"/>
+              <a:off x="4679533" y="6061679"/>
               <a:ext cx="63202" cy="63202"/>
             </a:xfrm>
             <a:custGeom>
@@ -28009,7 +28009,7 @@
           </p:nvSpPr>
           <p:spPr>
             <a:xfrm>
-              <a:off x="4629610" y="6065696"/>
+              <a:off x="4772847" y="6065702"/>
               <a:ext cx="63202" cy="63202"/>
             </a:xfrm>
             <a:custGeom>
@@ -28052,7 +28052,7 @@
           </p:nvSpPr>
           <p:spPr>
             <a:xfrm>
-              <a:off x="4750684" y="6103075"/>
+              <a:off x="4617507" y="6103070"/>
               <a:ext cx="63202" cy="63202"/>
             </a:xfrm>
             <a:custGeom>
@@ -28095,7 +28095,7 @@
           </p:nvSpPr>
           <p:spPr>
             <a:xfrm>
-              <a:off x="5033490" y="6053039"/>
+              <a:off x="5025008" y="6053056"/>
               <a:ext cx="63202" cy="63202"/>
             </a:xfrm>
             <a:custGeom>
@@ -28138,7 +28138,7 @@
           </p:nvSpPr>
           <p:spPr>
             <a:xfrm>
-              <a:off x="4988525" y="6053912"/>
+              <a:off x="4600473" y="6053917"/>
               <a:ext cx="63202" cy="63202"/>
             </a:xfrm>
             <a:custGeom>
@@ -28181,7 +28181,7 @@
           </p:nvSpPr>
           <p:spPr>
             <a:xfrm>
-              <a:off x="4912263" y="6096610"/>
+              <a:off x="4924103" y="6096614"/>
               <a:ext cx="63202" cy="63202"/>
             </a:xfrm>
             <a:custGeom>
@@ -28224,7 +28224,7 @@
           </p:nvSpPr>
           <p:spPr>
             <a:xfrm>
-              <a:off x="4857044" y="6059059"/>
+              <a:off x="5104214" y="6059068"/>
               <a:ext cx="63202" cy="63202"/>
             </a:xfrm>
             <a:custGeom>
@@ -28267,7 +28267,7 @@
           </p:nvSpPr>
           <p:spPr>
             <a:xfrm>
-              <a:off x="4888871" y="6062674"/>
+              <a:off x="5101961" y="6062709"/>
               <a:ext cx="63202" cy="63202"/>
             </a:xfrm>
             <a:custGeom>
@@ -28310,7 +28310,7 @@
           </p:nvSpPr>
           <p:spPr>
             <a:xfrm>
-              <a:off x="4757696" y="6071042"/>
+              <a:off x="4862471" y="6071012"/>
               <a:ext cx="63202" cy="63202"/>
             </a:xfrm>
             <a:custGeom>
@@ -28353,7 +28353,7 @@
           </p:nvSpPr>
           <p:spPr>
             <a:xfrm>
-              <a:off x="4743994" y="6066776"/>
+              <a:off x="4761633" y="6066751"/>
               <a:ext cx="63202" cy="63202"/>
             </a:xfrm>
             <a:custGeom>
@@ -28396,7 +28396,7 @@
           </p:nvSpPr>
           <p:spPr>
             <a:xfrm>
-              <a:off x="5003544" y="6068508"/>
+              <a:off x="4882147" y="6068514"/>
               <a:ext cx="63202" cy="63202"/>
             </a:xfrm>
             <a:custGeom>
@@ -28439,7 +28439,7 @@
           </p:nvSpPr>
           <p:spPr>
             <a:xfrm>
-              <a:off x="5109018" y="6075929"/>
+              <a:off x="5031541" y="6075925"/>
               <a:ext cx="63202" cy="63202"/>
             </a:xfrm>
             <a:custGeom>
@@ -28482,7 +28482,7 @@
           </p:nvSpPr>
           <p:spPr>
             <a:xfrm>
-              <a:off x="5133966" y="6073730"/>
+              <a:off x="4962971" y="6073758"/>
               <a:ext cx="63202" cy="63202"/>
             </a:xfrm>
             <a:custGeom>
@@ -28525,7 +28525,7 @@
           </p:nvSpPr>
           <p:spPr>
             <a:xfrm>
-              <a:off x="4917113" y="6065323"/>
+              <a:off x="5062251" y="6065297"/>
               <a:ext cx="63202" cy="63202"/>
             </a:xfrm>
             <a:custGeom>
@@ -28568,7 +28568,7 @@
           </p:nvSpPr>
           <p:spPr>
             <a:xfrm>
-              <a:off x="4872753" y="6074183"/>
+              <a:off x="4848904" y="6074166"/>
               <a:ext cx="63202" cy="63202"/>
             </a:xfrm>
             <a:custGeom>
@@ -28611,7 +28611,7 @@
           </p:nvSpPr>
           <p:spPr>
             <a:xfrm>
-              <a:off x="5148293" y="6074627"/>
+              <a:off x="4779284" y="6074622"/>
               <a:ext cx="63202" cy="63202"/>
             </a:xfrm>
             <a:custGeom>
@@ -28654,7 +28654,7 @@
           </p:nvSpPr>
           <p:spPr>
             <a:xfrm>
-              <a:off x="4532950" y="6429001"/>
+              <a:off x="4773000" y="6428985"/>
               <a:ext cx="63202" cy="63202"/>
             </a:xfrm>
             <a:custGeom>
@@ -28697,7 +28697,7 @@
           </p:nvSpPr>
           <p:spPr>
             <a:xfrm>
-              <a:off x="4871010" y="6073037"/>
+              <a:off x="5148848" y="6073006"/>
               <a:ext cx="63202" cy="63202"/>
             </a:xfrm>
             <a:custGeom>
@@ -28740,7 +28740,7 @@
           </p:nvSpPr>
           <p:spPr>
             <a:xfrm>
-              <a:off x="4490352" y="6063068"/>
+              <a:off x="4667542" y="6063093"/>
               <a:ext cx="63202" cy="63202"/>
             </a:xfrm>
             <a:custGeom>
@@ -28783,7 +28783,7 @@
           </p:nvSpPr>
           <p:spPr>
             <a:xfrm>
-              <a:off x="5113653" y="6091395"/>
+              <a:off x="4666972" y="6091407"/>
               <a:ext cx="63202" cy="63202"/>
             </a:xfrm>
             <a:custGeom>
@@ -28826,7 +28826,7 @@
           </p:nvSpPr>
           <p:spPr>
             <a:xfrm>
-              <a:off x="4726314" y="6073518"/>
+              <a:off x="4714370" y="6073493"/>
               <a:ext cx="63202" cy="63202"/>
             </a:xfrm>
             <a:custGeom>
@@ -28869,7 +28869,7 @@
           </p:nvSpPr>
           <p:spPr>
             <a:xfrm>
-              <a:off x="4502064" y="6071933"/>
+              <a:off x="4915396" y="6071966"/>
               <a:ext cx="63202" cy="63202"/>
             </a:xfrm>
             <a:custGeom>
@@ -28912,7 +28912,7 @@
           </p:nvSpPr>
           <p:spPr>
             <a:xfrm>
-              <a:off x="4553294" y="6058775"/>
+              <a:off x="4781866" y="6058756"/>
               <a:ext cx="63202" cy="63202"/>
             </a:xfrm>
             <a:custGeom>
@@ -28955,7 +28955,7 @@
           </p:nvSpPr>
           <p:spPr>
             <a:xfrm>
-              <a:off x="5017557" y="6059005"/>
+              <a:off x="4857623" y="6059010"/>
               <a:ext cx="63202" cy="63202"/>
             </a:xfrm>
             <a:custGeom>
@@ -28998,7 +28998,7 @@
           </p:nvSpPr>
           <p:spPr>
             <a:xfrm>
-              <a:off x="4513815" y="6059248"/>
+              <a:off x="5142998" y="6059262"/>
               <a:ext cx="63202" cy="63202"/>
             </a:xfrm>
             <a:custGeom>
@@ -29041,7 +29041,7 @@
           </p:nvSpPr>
           <p:spPr>
             <a:xfrm>
-              <a:off x="4472228" y="6548979"/>
+              <a:off x="4823268" y="6548991"/>
               <a:ext cx="63202" cy="63202"/>
             </a:xfrm>
             <a:custGeom>
@@ -29084,7 +29084,7 @@
           </p:nvSpPr>
           <p:spPr>
             <a:xfrm>
-              <a:off x="4930297" y="6382055"/>
+              <a:off x="5157045" y="6382089"/>
               <a:ext cx="63202" cy="63202"/>
             </a:xfrm>
             <a:custGeom>
@@ -29127,7 +29127,7 @@
           </p:nvSpPr>
           <p:spPr>
             <a:xfrm>
-              <a:off x="5077425" y="6144966"/>
+              <a:off x="4582033" y="6144945"/>
               <a:ext cx="63202" cy="63202"/>
             </a:xfrm>
             <a:custGeom>
@@ -29170,7 +29170,7 @@
           </p:nvSpPr>
           <p:spPr>
             <a:xfrm>
-              <a:off x="4495388" y="6355005"/>
+              <a:off x="4933145" y="6355015"/>
               <a:ext cx="63202" cy="63202"/>
             </a:xfrm>
             <a:custGeom>
@@ -29213,7 +29213,7 @@
           </p:nvSpPr>
           <p:spPr>
             <a:xfrm>
-              <a:off x="4921302" y="6064062"/>
+              <a:off x="4633855" y="6064033"/>
               <a:ext cx="63202" cy="63202"/>
             </a:xfrm>
             <a:custGeom>
@@ -29256,7 +29256,7 @@
           </p:nvSpPr>
           <p:spPr>
             <a:xfrm>
-              <a:off x="5828000" y="6581333"/>
+              <a:off x="5474520" y="6581322"/>
               <a:ext cx="63202" cy="63202"/>
             </a:xfrm>
             <a:custGeom>
@@ -29299,7 +29299,7 @@
           </p:nvSpPr>
           <p:spPr>
             <a:xfrm>
-              <a:off x="4612381" y="6278845"/>
+              <a:off x="5098119" y="6278847"/>
               <a:ext cx="63202" cy="63202"/>
             </a:xfrm>
             <a:custGeom>
@@ -29342,7 +29342,7 @@
           </p:nvSpPr>
           <p:spPr>
             <a:xfrm>
-              <a:off x="5043799" y="6063293"/>
+              <a:off x="4805990" y="6063286"/>
               <a:ext cx="63202" cy="63202"/>
             </a:xfrm>
             <a:custGeom>
@@ -29385,7 +29385,7 @@
           </p:nvSpPr>
           <p:spPr>
             <a:xfrm>
-              <a:off x="4788315" y="6052170"/>
+              <a:off x="4781936" y="6052169"/>
               <a:ext cx="63202" cy="63202"/>
             </a:xfrm>
             <a:custGeom>
@@ -29428,7 +29428,7 @@
           </p:nvSpPr>
           <p:spPr>
             <a:xfrm>
-              <a:off x="4746018" y="6086049"/>
+              <a:off x="5087685" y="6086069"/>
               <a:ext cx="63202" cy="63202"/>
             </a:xfrm>
             <a:custGeom>
@@ -29471,7 +29471,7 @@
           </p:nvSpPr>
           <p:spPr>
             <a:xfrm>
-              <a:off x="5073168" y="6054544"/>
+              <a:off x="4722982" y="6054537"/>
               <a:ext cx="63202" cy="63202"/>
             </a:xfrm>
             <a:custGeom>
@@ -29514,7 +29514,7 @@
           </p:nvSpPr>
           <p:spPr>
             <a:xfrm>
-              <a:off x="5027106" y="6066685"/>
+              <a:off x="4841232" y="6066660"/>
               <a:ext cx="63202" cy="63202"/>
             </a:xfrm>
             <a:custGeom>
@@ -29557,7 +29557,7 @@
           </p:nvSpPr>
           <p:spPr>
             <a:xfrm>
-              <a:off x="4626950" y="6059352"/>
+              <a:off x="4886064" y="6059350"/>
               <a:ext cx="63202" cy="63202"/>
             </a:xfrm>
             <a:custGeom>
@@ -29600,7 +29600,7 @@
           </p:nvSpPr>
           <p:spPr>
             <a:xfrm>
-              <a:off x="4701364" y="6119607"/>
+              <a:off x="4902897" y="6119602"/>
               <a:ext cx="63202" cy="63202"/>
             </a:xfrm>
             <a:custGeom>
@@ -29643,7 +29643,7 @@
           </p:nvSpPr>
           <p:spPr>
             <a:xfrm>
-              <a:off x="4670577" y="6056599"/>
+              <a:off x="4717090" y="6056566"/>
               <a:ext cx="63202" cy="63202"/>
             </a:xfrm>
             <a:custGeom>
@@ -29686,7 +29686,7 @@
           </p:nvSpPr>
           <p:spPr>
             <a:xfrm>
-              <a:off x="4561168" y="6100658"/>
+              <a:off x="4938087" y="6100653"/>
               <a:ext cx="63202" cy="63202"/>
             </a:xfrm>
             <a:custGeom>
@@ -29729,7 +29729,7 @@
           </p:nvSpPr>
           <p:spPr>
             <a:xfrm>
-              <a:off x="4876399" y="6059528"/>
+              <a:off x="4822036" y="6059531"/>
               <a:ext cx="63202" cy="63202"/>
             </a:xfrm>
             <a:custGeom>
@@ -29772,7 +29772,7 @@
           </p:nvSpPr>
           <p:spPr>
             <a:xfrm>
-              <a:off x="5070605" y="6067624"/>
+              <a:off x="4572285" y="6067654"/>
               <a:ext cx="63202" cy="63202"/>
             </a:xfrm>
             <a:custGeom>
@@ -29815,7 +29815,7 @@
           </p:nvSpPr>
           <p:spPr>
             <a:xfrm>
-              <a:off x="5155379" y="6043257"/>
+              <a:off x="5043233" y="6043240"/>
               <a:ext cx="63202" cy="63202"/>
             </a:xfrm>
             <a:custGeom>
@@ -29858,7 +29858,7 @@
           </p:nvSpPr>
           <p:spPr>
             <a:xfrm>
-              <a:off x="4517722" y="6071799"/>
+              <a:off x="4545641" y="6071801"/>
               <a:ext cx="63202" cy="63202"/>
             </a:xfrm>
             <a:custGeom>
@@ -29901,7 +29901,7 @@
           </p:nvSpPr>
           <p:spPr>
             <a:xfrm>
-              <a:off x="4492929" y="6072200"/>
+              <a:off x="4999679" y="6072186"/>
               <a:ext cx="63202" cy="63202"/>
             </a:xfrm>
             <a:custGeom>
@@ -29944,7 +29944,7 @@
           </p:nvSpPr>
           <p:spPr>
             <a:xfrm>
-              <a:off x="5011881" y="6071427"/>
+              <a:off x="4964055" y="6071407"/>
               <a:ext cx="63202" cy="63202"/>
             </a:xfrm>
             <a:custGeom>
@@ -29987,7 +29987,7 @@
           </p:nvSpPr>
           <p:spPr>
             <a:xfrm>
-              <a:off x="5020571" y="6071380"/>
+              <a:off x="4997058" y="6071367"/>
               <a:ext cx="63202" cy="63202"/>
             </a:xfrm>
             <a:custGeom>
@@ -30030,7 +30030,7 @@
           </p:nvSpPr>
           <p:spPr>
             <a:xfrm>
-              <a:off x="4740247" y="6070440"/>
+              <a:off x="4655372" y="6070431"/>
               <a:ext cx="63202" cy="63202"/>
             </a:xfrm>
             <a:custGeom>
@@ -30073,7 +30073,7 @@
           </p:nvSpPr>
           <p:spPr>
             <a:xfrm>
-              <a:off x="5018340" y="6078027"/>
+              <a:off x="4594252" y="6077996"/>
               <a:ext cx="63202" cy="63202"/>
             </a:xfrm>
             <a:custGeom>
@@ -30116,7 +30116,7 @@
           </p:nvSpPr>
           <p:spPr>
             <a:xfrm>
-              <a:off x="5144962" y="6137865"/>
+              <a:off x="4594045" y="6137878"/>
               <a:ext cx="63202" cy="63202"/>
             </a:xfrm>
             <a:custGeom>
@@ -30159,7 +30159,7 @@
           </p:nvSpPr>
           <p:spPr>
             <a:xfrm>
-              <a:off x="5134062" y="6065226"/>
+              <a:off x="4497086" y="6065192"/>
               <a:ext cx="63202" cy="63202"/>
             </a:xfrm>
             <a:custGeom>
@@ -30202,7 +30202,7 @@
           </p:nvSpPr>
           <p:spPr>
             <a:xfrm>
-              <a:off x="4535911" y="6059167"/>
+              <a:off x="4627504" y="6059157"/>
               <a:ext cx="63202" cy="63202"/>
             </a:xfrm>
             <a:custGeom>
@@ -30245,7 +30245,7 @@
           </p:nvSpPr>
           <p:spPr>
             <a:xfrm>
-              <a:off x="4596618" y="6184436"/>
+              <a:off x="5064285" y="6184419"/>
               <a:ext cx="63202" cy="63202"/>
             </a:xfrm>
             <a:custGeom>
@@ -30288,7 +30288,7 @@
           </p:nvSpPr>
           <p:spPr>
             <a:xfrm>
-              <a:off x="4706431" y="6106715"/>
+              <a:off x="4597972" y="6106717"/>
               <a:ext cx="63202" cy="63202"/>
             </a:xfrm>
             <a:custGeom>
@@ -30331,7 +30331,7 @@
           </p:nvSpPr>
           <p:spPr>
             <a:xfrm>
-              <a:off x="4535387" y="6069349"/>
+              <a:off x="4869585" y="6069326"/>
               <a:ext cx="63202" cy="63202"/>
             </a:xfrm>
             <a:custGeom>
@@ -30374,7 +30374,7 @@
           </p:nvSpPr>
           <p:spPr>
             <a:xfrm>
-              <a:off x="5038624" y="6052993"/>
+              <a:off x="5024528" y="6052977"/>
               <a:ext cx="63202" cy="63202"/>
             </a:xfrm>
             <a:custGeom>
@@ -30417,7 +30417,7 @@
           </p:nvSpPr>
           <p:spPr>
             <a:xfrm>
-              <a:off x="4887216" y="6063886"/>
+              <a:off x="5151347" y="6063892"/>
               <a:ext cx="63202" cy="63202"/>
             </a:xfrm>
             <a:custGeom>
@@ -30460,7 +30460,7 @@
           </p:nvSpPr>
           <p:spPr>
             <a:xfrm>
-              <a:off x="4798641" y="6143842"/>
+              <a:off x="4952536" y="6143856"/>
               <a:ext cx="63202" cy="63202"/>
             </a:xfrm>
             <a:custGeom>
@@ -30503,7 +30503,7 @@
           </p:nvSpPr>
           <p:spPr>
             <a:xfrm>
-              <a:off x="4788346" y="6078382"/>
+              <a:off x="4967688" y="6078395"/>
               <a:ext cx="63202" cy="63202"/>
             </a:xfrm>
             <a:custGeom>
@@ -30546,7 +30546,7 @@
           </p:nvSpPr>
           <p:spPr>
             <a:xfrm>
-              <a:off x="5085749" y="6119589"/>
+              <a:off x="4634803" y="6119588"/>
               <a:ext cx="63202" cy="63202"/>
             </a:xfrm>
             <a:custGeom>
@@ -30589,7 +30589,7 @@
           </p:nvSpPr>
           <p:spPr>
             <a:xfrm>
-              <a:off x="4781178" y="6076911"/>
+              <a:off x="4838125" y="6076895"/>
               <a:ext cx="63202" cy="63202"/>
             </a:xfrm>
             <a:custGeom>
@@ -30688,7 +30688,7 @@
           </p:nvSpPr>
           <p:spPr>
             <a:xfrm>
-              <a:off x="7192078" y="2797352"/>
+              <a:off x="7192078" y="2797363"/>
               <a:ext cx="2796732" cy="0"/>
             </a:xfrm>
             <a:custGeom>
@@ -30774,7 +30774,7 @@
           </p:nvSpPr>
           <p:spPr>
             <a:xfrm>
-              <a:off x="7192078" y="1827778"/>
+              <a:off x="7192078" y="1827767"/>
               <a:ext cx="2796732" cy="0"/>
             </a:xfrm>
             <a:custGeom>
@@ -30817,7 +30817,7 @@
           </p:nvSpPr>
           <p:spPr>
             <a:xfrm>
-              <a:off x="7192078" y="3039745"/>
+              <a:off x="7192078" y="3039762"/>
               <a:ext cx="2796732" cy="0"/>
             </a:xfrm>
             <a:custGeom>
@@ -30860,7 +30860,7 @@
           </p:nvSpPr>
           <p:spPr>
             <a:xfrm>
-              <a:off x="7192078" y="2554958"/>
+              <a:off x="7192078" y="2554964"/>
               <a:ext cx="2796732" cy="0"/>
             </a:xfrm>
             <a:custGeom>
@@ -30903,7 +30903,7 @@
           </p:nvSpPr>
           <p:spPr>
             <a:xfrm>
-              <a:off x="7192078" y="2070172"/>
+              <a:off x="7192078" y="2070166"/>
               <a:ext cx="2796732" cy="0"/>
             </a:xfrm>
             <a:custGeom>
@@ -30946,7 +30946,7 @@
           </p:nvSpPr>
           <p:spPr>
             <a:xfrm>
-              <a:off x="7192078" y="1585385"/>
+              <a:off x="7192078" y="1585368"/>
               <a:ext cx="2796732" cy="0"/>
             </a:xfrm>
             <a:custGeom>
@@ -31118,7 +31118,7 @@
           </p:nvSpPr>
           <p:spPr>
             <a:xfrm>
-              <a:off x="7800879" y="2559249"/>
+              <a:off x="7542739" y="2559255"/>
               <a:ext cx="63202" cy="63202"/>
             </a:xfrm>
             <a:custGeom>
@@ -31161,7 +31161,7 @@
           </p:nvSpPr>
           <p:spPr>
             <a:xfrm>
-              <a:off x="7843641" y="2661720"/>
+              <a:off x="7682118" y="2661720"/>
               <a:ext cx="63202" cy="63202"/>
             </a:xfrm>
             <a:custGeom>
@@ -31204,7 +31204,7 @@
           </p:nvSpPr>
           <p:spPr>
             <a:xfrm>
-              <a:off x="7581954" y="2520651"/>
+              <a:off x="7585423" y="2520664"/>
               <a:ext cx="63202" cy="63202"/>
             </a:xfrm>
             <a:custGeom>
@@ -31247,7 +31247,7 @@
           </p:nvSpPr>
           <p:spPr>
             <a:xfrm>
-              <a:off x="7962280" y="2581007"/>
+              <a:off x="7960082" y="2581007"/>
               <a:ext cx="63202" cy="63202"/>
             </a:xfrm>
             <a:custGeom>
@@ -31290,7 +31290,7 @@
           </p:nvSpPr>
           <p:spPr>
             <a:xfrm>
-              <a:off x="7823584" y="2544011"/>
+              <a:off x="7548624" y="2544004"/>
               <a:ext cx="63202" cy="63202"/>
             </a:xfrm>
             <a:custGeom>
@@ -31333,7 +31333,7 @@
           </p:nvSpPr>
           <p:spPr>
             <a:xfrm>
-              <a:off x="7544901" y="2349956"/>
+              <a:off x="8001382" y="2349957"/>
               <a:ext cx="63202" cy="63202"/>
             </a:xfrm>
             <a:custGeom>
@@ -31376,7 +31376,7 @@
           </p:nvSpPr>
           <p:spPr>
             <a:xfrm>
-              <a:off x="7611325" y="2643044"/>
+              <a:off x="7845291" y="2643079"/>
               <a:ext cx="63202" cy="63202"/>
             </a:xfrm>
             <a:custGeom>
@@ -31419,7 +31419,7 @@
           </p:nvSpPr>
           <p:spPr>
             <a:xfrm>
-              <a:off x="7446298" y="2662926"/>
+              <a:off x="7894827" y="2662942"/>
               <a:ext cx="63202" cy="63202"/>
             </a:xfrm>
             <a:custGeom>
@@ -31462,7 +31462,7 @@
           </p:nvSpPr>
           <p:spPr>
             <a:xfrm>
-              <a:off x="7680851" y="2543812"/>
+              <a:off x="7493133" y="2543826"/>
               <a:ext cx="63202" cy="63202"/>
             </a:xfrm>
             <a:custGeom>
@@ -31505,7 +31505,7 @@
           </p:nvSpPr>
           <p:spPr>
             <a:xfrm>
-              <a:off x="7522687" y="2554716"/>
+              <a:off x="7900964" y="2554748"/>
               <a:ext cx="63202" cy="63202"/>
             </a:xfrm>
             <a:custGeom>
@@ -31548,7 +31548,7 @@
           </p:nvSpPr>
           <p:spPr>
             <a:xfrm>
-              <a:off x="7911139" y="2643234"/>
+              <a:off x="7952633" y="2643260"/>
               <a:ext cx="63202" cy="63202"/>
             </a:xfrm>
             <a:custGeom>
@@ -31591,7 +31591,7 @@
           </p:nvSpPr>
           <p:spPr>
             <a:xfrm>
-              <a:off x="7945628" y="2790845"/>
+              <a:off x="7621194" y="2790860"/>
               <a:ext cx="63202" cy="63202"/>
             </a:xfrm>
             <a:custGeom>
@@ -31634,7 +31634,7 @@
           </p:nvSpPr>
           <p:spPr>
             <a:xfrm>
-              <a:off x="7705398" y="2693920"/>
+              <a:off x="7364329" y="2693901"/>
               <a:ext cx="63202" cy="63202"/>
             </a:xfrm>
             <a:custGeom>
@@ -31677,7 +31677,7 @@
           </p:nvSpPr>
           <p:spPr>
             <a:xfrm>
-              <a:off x="7349676" y="2649218"/>
+              <a:off x="7650409" y="2649234"/>
               <a:ext cx="63202" cy="63202"/>
             </a:xfrm>
             <a:custGeom>
@@ -31720,7 +31720,7 @@
           </p:nvSpPr>
           <p:spPr>
             <a:xfrm>
-              <a:off x="7862528" y="2645147"/>
+              <a:off x="7604334" y="2645154"/>
               <a:ext cx="63202" cy="63202"/>
             </a:xfrm>
             <a:custGeom>
@@ -31763,7 +31763,7 @@
           </p:nvSpPr>
           <p:spPr>
             <a:xfrm>
-              <a:off x="7695194" y="2760418"/>
+              <a:off x="7834663" y="2760416"/>
               <a:ext cx="63202" cy="63202"/>
             </a:xfrm>
             <a:custGeom>
@@ -31806,7 +31806,7 @@
           </p:nvSpPr>
           <p:spPr>
             <a:xfrm>
-              <a:off x="7560324" y="2650138"/>
+              <a:off x="7842393" y="2650144"/>
               <a:ext cx="63202" cy="63202"/>
             </a:xfrm>
             <a:custGeom>
@@ -31849,7 +31849,7 @@
           </p:nvSpPr>
           <p:spPr>
             <a:xfrm>
-              <a:off x="7511056" y="2579320"/>
+              <a:off x="7709429" y="2579290"/>
               <a:ext cx="63202" cy="63202"/>
             </a:xfrm>
             <a:custGeom>
@@ -31892,7 +31892,7 @@
           </p:nvSpPr>
           <p:spPr>
             <a:xfrm>
-              <a:off x="7613972" y="2703602"/>
+              <a:off x="7579592" y="2703623"/>
               <a:ext cx="63202" cy="63202"/>
             </a:xfrm>
             <a:custGeom>
@@ -31935,7 +31935,7 @@
           </p:nvSpPr>
           <p:spPr>
             <a:xfrm>
-              <a:off x="7408730" y="2632485"/>
+              <a:off x="7371880" y="2632508"/>
               <a:ext cx="63202" cy="63202"/>
             </a:xfrm>
             <a:custGeom>
@@ -31978,7 +31978,7 @@
           </p:nvSpPr>
           <p:spPr>
             <a:xfrm>
-              <a:off x="7808100" y="2628223"/>
+              <a:off x="7686810" y="2628221"/>
               <a:ext cx="63202" cy="63202"/>
             </a:xfrm>
             <a:custGeom>
@@ -32021,7 +32021,7 @@
           </p:nvSpPr>
           <p:spPr>
             <a:xfrm>
-              <a:off x="7957827" y="2661523"/>
+              <a:off x="7993055" y="2661511"/>
               <a:ext cx="63202" cy="63202"/>
             </a:xfrm>
             <a:custGeom>
@@ -32064,7 +32064,7 @@
           </p:nvSpPr>
           <p:spPr>
             <a:xfrm>
-              <a:off x="7922492" y="2749955"/>
+              <a:off x="8010823" y="2749943"/>
               <a:ext cx="63202" cy="63202"/>
             </a:xfrm>
             <a:custGeom>
@@ -32107,7 +32107,7 @@
           </p:nvSpPr>
           <p:spPr>
             <a:xfrm>
-              <a:off x="7425524" y="2663212"/>
+              <a:off x="7961858" y="2663233"/>
               <a:ext cx="63202" cy="63202"/>
             </a:xfrm>
             <a:custGeom>
@@ -32150,7 +32150,7 @@
           </p:nvSpPr>
           <p:spPr>
             <a:xfrm>
-              <a:off x="7455864" y="2644059"/>
+              <a:off x="7830669" y="2644085"/>
               <a:ext cx="63202" cy="63202"/>
             </a:xfrm>
             <a:custGeom>
@@ -32193,7 +32193,7 @@
           </p:nvSpPr>
           <p:spPr>
             <a:xfrm>
-              <a:off x="7543444" y="2350185"/>
+              <a:off x="7369568" y="2350211"/>
               <a:ext cx="63202" cy="63202"/>
             </a:xfrm>
             <a:custGeom>
@@ -32236,7 +32236,7 @@
           </p:nvSpPr>
           <p:spPr>
             <a:xfrm>
-              <a:off x="7500954" y="2651135"/>
+              <a:off x="7926999" y="2651137"/>
               <a:ext cx="63202" cy="63202"/>
             </a:xfrm>
             <a:custGeom>
@@ -32279,7 +32279,7 @@
           </p:nvSpPr>
           <p:spPr>
             <a:xfrm>
-              <a:off x="7614378" y="2647238"/>
+              <a:off x="8020274" y="2647235"/>
               <a:ext cx="63202" cy="63202"/>
             </a:xfrm>
             <a:custGeom>
@@ -32322,7 +32322,7 @@
           </p:nvSpPr>
           <p:spPr>
             <a:xfrm>
-              <a:off x="7896062" y="2348587"/>
+              <a:off x="7917340" y="2348593"/>
               <a:ext cx="63202" cy="63202"/>
             </a:xfrm>
             <a:custGeom>
@@ -32365,7 +32365,7 @@
           </p:nvSpPr>
           <p:spPr>
             <a:xfrm>
-              <a:off x="7480083" y="2583631"/>
+              <a:off x="7873800" y="2583633"/>
               <a:ext cx="63202" cy="63202"/>
             </a:xfrm>
             <a:custGeom>
@@ -32408,7 +32408,7 @@
           </p:nvSpPr>
           <p:spPr>
             <a:xfrm>
-              <a:off x="7999872" y="2604660"/>
+              <a:off x="7865894" y="2604645"/>
               <a:ext cx="63202" cy="63202"/>
             </a:xfrm>
             <a:custGeom>
@@ -32451,7 +32451,7 @@
           </p:nvSpPr>
           <p:spPr>
             <a:xfrm>
-              <a:off x="7744974" y="2615332"/>
+              <a:off x="7773915" y="2615313"/>
               <a:ext cx="63202" cy="63202"/>
             </a:xfrm>
             <a:custGeom>
@@ -32494,7 +32494,7 @@
           </p:nvSpPr>
           <p:spPr>
             <a:xfrm>
-              <a:off x="7597887" y="2602272"/>
+              <a:off x="7534641" y="2602286"/>
               <a:ext cx="63202" cy="63202"/>
             </a:xfrm>
             <a:custGeom>
@@ -32537,7 +32537,7 @@
           </p:nvSpPr>
           <p:spPr>
             <a:xfrm>
-              <a:off x="7386649" y="2603432"/>
+              <a:off x="8014421" y="2603466"/>
               <a:ext cx="63202" cy="63202"/>
             </a:xfrm>
             <a:custGeom>
@@ -32580,7 +32580,7 @@
           </p:nvSpPr>
           <p:spPr>
             <a:xfrm>
-              <a:off x="7801771" y="2602465"/>
+              <a:off x="7381392" y="2602481"/>
               <a:ext cx="63202" cy="63202"/>
             </a:xfrm>
             <a:custGeom>
@@ -32623,7 +32623,7 @@
           </p:nvSpPr>
           <p:spPr>
             <a:xfrm>
-              <a:off x="7978728" y="2627957"/>
+              <a:off x="7477967" y="2627967"/>
               <a:ext cx="63202" cy="63202"/>
             </a:xfrm>
             <a:custGeom>
@@ -32666,7 +32666,7 @@
           </p:nvSpPr>
           <p:spPr>
             <a:xfrm>
-              <a:off x="7887627" y="2629394"/>
+              <a:off x="7416356" y="2629407"/>
               <a:ext cx="63202" cy="63202"/>
             </a:xfrm>
             <a:custGeom>
@@ -32709,7 +32709,7 @@
           </p:nvSpPr>
           <p:spPr>
             <a:xfrm>
-              <a:off x="7912460" y="2691230"/>
+              <a:off x="7873268" y="2691250"/>
               <a:ext cx="63202" cy="63202"/>
             </a:xfrm>
             <a:custGeom>
@@ -32752,7 +32752,7 @@
           </p:nvSpPr>
           <p:spPr>
             <a:xfrm>
-              <a:off x="7976388" y="2654165"/>
+              <a:off x="7550787" y="2654164"/>
               <a:ext cx="63202" cy="63202"/>
             </a:xfrm>
             <a:custGeom>
@@ -32795,7 +32795,7 @@
           </p:nvSpPr>
           <p:spPr>
             <a:xfrm>
-              <a:off x="7428948" y="2580955"/>
+              <a:off x="7503519" y="2580959"/>
               <a:ext cx="63202" cy="63202"/>
             </a:xfrm>
             <a:custGeom>
@@ -32838,7 +32838,7 @@
           </p:nvSpPr>
           <p:spPr>
             <a:xfrm>
-              <a:off x="7367352" y="2747003"/>
+              <a:off x="7803409" y="2747006"/>
               <a:ext cx="63202" cy="63202"/>
             </a:xfrm>
             <a:custGeom>
@@ -32881,7 +32881,7 @@
           </p:nvSpPr>
           <p:spPr>
             <a:xfrm>
-              <a:off x="7842567" y="2620117"/>
+              <a:off x="8007242" y="2620116"/>
               <a:ext cx="63202" cy="63202"/>
             </a:xfrm>
             <a:custGeom>
@@ -32924,7 +32924,7 @@
           </p:nvSpPr>
           <p:spPr>
             <a:xfrm>
-              <a:off x="8012009" y="2580123"/>
+              <a:off x="8002384" y="2580125"/>
               <a:ext cx="63202" cy="63202"/>
             </a:xfrm>
             <a:custGeom>
@@ -32967,7 +32967,7 @@
           </p:nvSpPr>
           <p:spPr>
             <a:xfrm>
-              <a:off x="8022001" y="2579288"/>
+              <a:off x="7923691" y="2579321"/>
               <a:ext cx="63202" cy="63202"/>
             </a:xfrm>
             <a:custGeom>
@@ -33010,7 +33010,7 @@
           </p:nvSpPr>
           <p:spPr>
             <a:xfrm>
-              <a:off x="7444209" y="2626018"/>
+              <a:off x="7353772" y="2626060"/>
               <a:ext cx="63202" cy="63202"/>
             </a:xfrm>
             <a:custGeom>
@@ -33053,7 +33053,7 @@
           </p:nvSpPr>
           <p:spPr>
             <a:xfrm>
-              <a:off x="7414593" y="2579930"/>
+              <a:off x="7349098" y="2579953"/>
               <a:ext cx="63202" cy="63202"/>
             </a:xfrm>
             <a:custGeom>
@@ -33096,7 +33096,7 @@
           </p:nvSpPr>
           <p:spPr>
             <a:xfrm>
-              <a:off x="7541336" y="2544026"/>
+              <a:off x="7927421" y="2544022"/>
               <a:ext cx="63202" cy="63202"/>
             </a:xfrm>
             <a:custGeom>
@@ -33195,7 +33195,7 @@
           </p:nvSpPr>
           <p:spPr>
             <a:xfrm>
-              <a:off x="7192078" y="4722684"/>
+              <a:off x="7192078" y="4722696"/>
               <a:ext cx="2796732" cy="0"/>
             </a:xfrm>
             <a:custGeom>
@@ -33281,7 +33281,7 @@
           </p:nvSpPr>
           <p:spPr>
             <a:xfrm>
-              <a:off x="7192078" y="3753111"/>
+              <a:off x="7192078" y="3753100"/>
               <a:ext cx="2796732" cy="0"/>
             </a:xfrm>
             <a:custGeom>
@@ -33324,7 +33324,7 @@
           </p:nvSpPr>
           <p:spPr>
             <a:xfrm>
-              <a:off x="7192078" y="4965078"/>
+              <a:off x="7192078" y="4965095"/>
               <a:ext cx="2796732" cy="0"/>
             </a:xfrm>
             <a:custGeom>
@@ -33367,7 +33367,7 @@
           </p:nvSpPr>
           <p:spPr>
             <a:xfrm>
-              <a:off x="7192078" y="4480291"/>
+              <a:off x="7192078" y="4480297"/>
               <a:ext cx="2796732" cy="0"/>
             </a:xfrm>
             <a:custGeom>
@@ -33410,7 +33410,7 @@
           </p:nvSpPr>
           <p:spPr>
             <a:xfrm>
-              <a:off x="7192078" y="3995504"/>
+              <a:off x="7192078" y="3995499"/>
               <a:ext cx="2796732" cy="0"/>
             </a:xfrm>
             <a:custGeom>
@@ -33453,7 +33453,7 @@
           </p:nvSpPr>
           <p:spPr>
             <a:xfrm>
-              <a:off x="7192078" y="3510718"/>
+              <a:off x="7192078" y="3510701"/>
               <a:ext cx="2796732" cy="0"/>
             </a:xfrm>
             <a:custGeom>
@@ -33625,7 +33625,7 @@
           </p:nvSpPr>
           <p:spPr>
             <a:xfrm>
-              <a:off x="7809659" y="4446078"/>
+              <a:off x="7878135" y="4446061"/>
               <a:ext cx="63202" cy="63202"/>
             </a:xfrm>
             <a:custGeom>
@@ -33668,7 +33668,7 @@
           </p:nvSpPr>
           <p:spPr>
             <a:xfrm>
-              <a:off x="8022841" y="4438740"/>
+              <a:off x="7635595" y="4438767"/>
               <a:ext cx="63202" cy="63202"/>
             </a:xfrm>
             <a:custGeom>
@@ -33711,7 +33711,7 @@
           </p:nvSpPr>
           <p:spPr>
             <a:xfrm>
-              <a:off x="7587479" y="4551521"/>
+              <a:off x="7857228" y="4551523"/>
               <a:ext cx="63202" cy="63202"/>
             </a:xfrm>
             <a:custGeom>
@@ -33754,7 +33754,7 @@
           </p:nvSpPr>
           <p:spPr>
             <a:xfrm>
-              <a:off x="8255968" y="4795391"/>
+              <a:off x="8465232" y="4795435"/>
               <a:ext cx="63202" cy="63202"/>
             </a:xfrm>
             <a:custGeom>
@@ -33797,7 +33797,7 @@
           </p:nvSpPr>
           <p:spPr>
             <a:xfrm>
-              <a:off x="7790307" y="4513221"/>
+              <a:off x="7585295" y="4513228"/>
               <a:ext cx="63202" cy="63202"/>
             </a:xfrm>
             <a:custGeom>
@@ -33840,7 +33840,7 @@
           </p:nvSpPr>
           <p:spPr>
             <a:xfrm>
-              <a:off x="7715217" y="4419893"/>
+              <a:off x="7358064" y="4419880"/>
               <a:ext cx="63202" cy="63202"/>
             </a:xfrm>
             <a:custGeom>
@@ -33883,7 +33883,7 @@
           </p:nvSpPr>
           <p:spPr>
             <a:xfrm>
-              <a:off x="7600337" y="4484146"/>
+              <a:off x="7704146" y="4484135"/>
               <a:ext cx="63202" cy="63202"/>
             </a:xfrm>
             <a:custGeom>
@@ -33926,7 +33926,7 @@
           </p:nvSpPr>
           <p:spPr>
             <a:xfrm>
-              <a:off x="7805147" y="4428730"/>
+              <a:off x="8027569" y="4428733"/>
               <a:ext cx="63202" cy="63202"/>
             </a:xfrm>
             <a:custGeom>
@@ -33969,7 +33969,7 @@
           </p:nvSpPr>
           <p:spPr>
             <a:xfrm>
-              <a:off x="7728579" y="4565974"/>
+              <a:off x="7557089" y="4565950"/>
               <a:ext cx="63202" cy="63202"/>
             </a:xfrm>
             <a:custGeom>
@@ -34012,7 +34012,7 @@
           </p:nvSpPr>
           <p:spPr>
             <a:xfrm>
-              <a:off x="7799894" y="4442881"/>
+              <a:off x="7419555" y="4442885"/>
               <a:ext cx="63202" cy="63202"/>
             </a:xfrm>
             <a:custGeom>
@@ -34055,7 +34055,7 @@
           </p:nvSpPr>
           <p:spPr>
             <a:xfrm>
-              <a:off x="7737599" y="4437201"/>
+              <a:off x="7453752" y="4437197"/>
               <a:ext cx="63202" cy="63202"/>
             </a:xfrm>
             <a:custGeom>
@@ -34098,7 +34098,7 @@
           </p:nvSpPr>
           <p:spPr>
             <a:xfrm>
-              <a:off x="7621993" y="4441429"/>
+              <a:off x="7379171" y="4441438"/>
               <a:ext cx="63202" cy="63202"/>
             </a:xfrm>
             <a:custGeom>
@@ -34141,7 +34141,7 @@
           </p:nvSpPr>
           <p:spPr>
             <a:xfrm>
-              <a:off x="7465845" y="4410353"/>
+              <a:off x="7546196" y="4410349"/>
               <a:ext cx="63202" cy="63202"/>
             </a:xfrm>
             <a:custGeom>
@@ -34184,7 +34184,7 @@
           </p:nvSpPr>
           <p:spPr>
             <a:xfrm>
-              <a:off x="7912800" y="4472293"/>
+              <a:off x="7406579" y="4472289"/>
               <a:ext cx="63202" cy="63202"/>
             </a:xfrm>
             <a:custGeom>
@@ -35679,7 +35679,7 @@
           </p:nvSpPr>
           <p:spPr>
             <a:xfrm>
-              <a:off x="1334650" y="2998053"/>
+              <a:off x="1334650" y="2998070"/>
               <a:ext cx="62155" cy="81691"/>
             </a:xfrm>
             <a:prstGeom prst="rect">
@@ -35725,7 +35725,7 @@
           </p:nvSpPr>
           <p:spPr>
             <a:xfrm>
-              <a:off x="1148183" y="2513267"/>
+              <a:off x="1148183" y="2513272"/>
               <a:ext cx="248622" cy="81691"/>
             </a:xfrm>
             <a:prstGeom prst="rect">
@@ -35771,7 +35771,7 @@
           </p:nvSpPr>
           <p:spPr>
             <a:xfrm>
-              <a:off x="1148183" y="2028480"/>
+              <a:off x="1148183" y="2028474"/>
               <a:ext cx="248622" cy="81691"/>
             </a:xfrm>
             <a:prstGeom prst="rect">
@@ -35817,7 +35817,7 @@
           </p:nvSpPr>
           <p:spPr>
             <a:xfrm>
-              <a:off x="1148183" y="1543639"/>
+              <a:off x="1148183" y="1543622"/>
               <a:ext cx="248622" cy="81746"/>
             </a:xfrm>
             <a:prstGeom prst="rect">
@@ -35863,7 +35863,7 @@
           </p:nvSpPr>
           <p:spPr>
             <a:xfrm>
-              <a:off x="1424641" y="3039745"/>
+              <a:off x="1424641" y="3039762"/>
               <a:ext cx="34794" cy="0"/>
             </a:xfrm>
             <a:custGeom>
@@ -35903,7 +35903,7 @@
           </p:nvSpPr>
           <p:spPr>
             <a:xfrm>
-              <a:off x="1424641" y="2554958"/>
+              <a:off x="1424641" y="2554964"/>
               <a:ext cx="34794" cy="0"/>
             </a:xfrm>
             <a:custGeom>
@@ -35943,7 +35943,7 @@
           </p:nvSpPr>
           <p:spPr>
             <a:xfrm>
-              <a:off x="1424641" y="2070172"/>
+              <a:off x="1424641" y="2070166"/>
               <a:ext cx="34794" cy="0"/>
             </a:xfrm>
             <a:custGeom>
@@ -35983,7 +35983,7 @@
           </p:nvSpPr>
           <p:spPr>
             <a:xfrm>
-              <a:off x="1424641" y="1585385"/>
+              <a:off x="1424641" y="1585368"/>
               <a:ext cx="34794" cy="0"/>
             </a:xfrm>
             <a:custGeom>
@@ -36023,7 +36023,7 @@
           </p:nvSpPr>
           <p:spPr>
             <a:xfrm>
-              <a:off x="1334650" y="4923386"/>
+              <a:off x="1334650" y="4923403"/>
               <a:ext cx="62155" cy="81691"/>
             </a:xfrm>
             <a:prstGeom prst="rect">
@@ -36069,7 +36069,7 @@
           </p:nvSpPr>
           <p:spPr>
             <a:xfrm>
-              <a:off x="1148183" y="4438599"/>
+              <a:off x="1148183" y="4438605"/>
               <a:ext cx="248622" cy="81691"/>
             </a:xfrm>
             <a:prstGeom prst="rect">
@@ -36115,7 +36115,7 @@
           </p:nvSpPr>
           <p:spPr>
             <a:xfrm>
-              <a:off x="1148183" y="3953813"/>
+              <a:off x="1148183" y="3953807"/>
               <a:ext cx="248622" cy="81691"/>
             </a:xfrm>
             <a:prstGeom prst="rect">
@@ -36161,7 +36161,7 @@
           </p:nvSpPr>
           <p:spPr>
             <a:xfrm>
-              <a:off x="1148183" y="3468971"/>
+              <a:off x="1148183" y="3468954"/>
               <a:ext cx="248622" cy="81746"/>
             </a:xfrm>
             <a:prstGeom prst="rect">
@@ -36207,7 +36207,7 @@
           </p:nvSpPr>
           <p:spPr>
             <a:xfrm>
-              <a:off x="1424641" y="4965078"/>
+              <a:off x="1424641" y="4965095"/>
               <a:ext cx="34794" cy="0"/>
             </a:xfrm>
             <a:custGeom>
@@ -36247,7 +36247,7 @@
           </p:nvSpPr>
           <p:spPr>
             <a:xfrm>
-              <a:off x="1424641" y="4480291"/>
+              <a:off x="1424641" y="4480297"/>
               <a:ext cx="34794" cy="0"/>
             </a:xfrm>
             <a:custGeom>
@@ -36287,7 +36287,7 @@
           </p:nvSpPr>
           <p:spPr>
             <a:xfrm>
-              <a:off x="1424641" y="3995504"/>
+              <a:off x="1424641" y="3995499"/>
               <a:ext cx="34794" cy="0"/>
             </a:xfrm>
             <a:custGeom>
@@ -36327,7 +36327,7 @@
           </p:nvSpPr>
           <p:spPr>
             <a:xfrm>
-              <a:off x="1424641" y="3510718"/>
+              <a:off x="1424641" y="3510701"/>
               <a:ext cx="34794" cy="0"/>
             </a:xfrm>
             <a:custGeom>
@@ -36367,7 +36367,7 @@
           </p:nvSpPr>
           <p:spPr>
             <a:xfrm>
-              <a:off x="1334650" y="6848719"/>
+              <a:off x="1334650" y="6848736"/>
               <a:ext cx="62155" cy="81691"/>
             </a:xfrm>
             <a:prstGeom prst="rect">
@@ -36413,7 +36413,7 @@
           </p:nvSpPr>
           <p:spPr>
             <a:xfrm>
-              <a:off x="1148183" y="6363932"/>
+              <a:off x="1148183" y="6363937"/>
               <a:ext cx="248622" cy="81691"/>
             </a:xfrm>
             <a:prstGeom prst="rect">
@@ -36459,7 +36459,7 @@
           </p:nvSpPr>
           <p:spPr>
             <a:xfrm>
-              <a:off x="1148183" y="5879145"/>
+              <a:off x="1148183" y="5879139"/>
               <a:ext cx="248622" cy="81691"/>
             </a:xfrm>
             <a:prstGeom prst="rect">
@@ -36505,7 +36505,7 @@
           </p:nvSpPr>
           <p:spPr>
             <a:xfrm>
-              <a:off x="1148183" y="5394304"/>
+              <a:off x="1148183" y="5394287"/>
               <a:ext cx="248622" cy="81746"/>
             </a:xfrm>
             <a:prstGeom prst="rect">
@@ -36551,7 +36551,7 @@
           </p:nvSpPr>
           <p:spPr>
             <a:xfrm>
-              <a:off x="1424641" y="6890410"/>
+              <a:off x="1424641" y="6890427"/>
               <a:ext cx="34794" cy="0"/>
             </a:xfrm>
             <a:custGeom>
@@ -36591,7 +36591,7 @@
           </p:nvSpPr>
           <p:spPr>
             <a:xfrm>
-              <a:off x="1424641" y="6405624"/>
+              <a:off x="1424641" y="6405629"/>
               <a:ext cx="34794" cy="0"/>
             </a:xfrm>
             <a:custGeom>
@@ -36631,7 +36631,7 @@
           </p:nvSpPr>
           <p:spPr>
             <a:xfrm>
-              <a:off x="1424641" y="5920837"/>
+              <a:off x="1424641" y="5920831"/>
               <a:ext cx="34794" cy="0"/>
             </a:xfrm>
             <a:custGeom>
@@ -36671,7 +36671,7 @@
           </p:nvSpPr>
           <p:spPr>
             <a:xfrm>
-              <a:off x="1424641" y="5436050"/>
+              <a:off x="1424641" y="5436033"/>
               <a:ext cx="34794" cy="0"/>
             </a:xfrm>
             <a:custGeom>

--- a/Images/Figures_PPT/Jitter_Plot_Raptor_All.pptx
+++ b/Images/Figures_PPT/Jitter_Plot_Raptor_All.pptx
@@ -2359,7 +2359,7 @@
           </p:nvSpPr>
           <p:spPr>
             <a:xfrm>
-              <a:off x="1459435" y="2797363"/>
+              <a:off x="1459435" y="2797358"/>
               <a:ext cx="2796732" cy="0"/>
             </a:xfrm>
             <a:custGeom>
@@ -2402,7 +2402,7 @@
           </p:nvSpPr>
           <p:spPr>
             <a:xfrm>
-              <a:off x="1459435" y="2312565"/>
+              <a:off x="1459435" y="2312566"/>
               <a:ext cx="2796732" cy="0"/>
             </a:xfrm>
             <a:custGeom>
@@ -2445,7 +2445,7 @@
           </p:nvSpPr>
           <p:spPr>
             <a:xfrm>
-              <a:off x="1459435" y="1827767"/>
+              <a:off x="1459435" y="1827774"/>
               <a:ext cx="2796732" cy="0"/>
             </a:xfrm>
             <a:custGeom>
@@ -2488,7 +2488,7 @@
           </p:nvSpPr>
           <p:spPr>
             <a:xfrm>
-              <a:off x="1459435" y="3039762"/>
+              <a:off x="1459435" y="3039754"/>
               <a:ext cx="2796732" cy="0"/>
             </a:xfrm>
             <a:custGeom>
@@ -2531,7 +2531,7 @@
           </p:nvSpPr>
           <p:spPr>
             <a:xfrm>
-              <a:off x="1459435" y="2554964"/>
+              <a:off x="1459435" y="2554962"/>
               <a:ext cx="2796732" cy="0"/>
             </a:xfrm>
             <a:custGeom>
@@ -2574,7 +2574,7 @@
           </p:nvSpPr>
           <p:spPr>
             <a:xfrm>
-              <a:off x="1459435" y="2070166"/>
+              <a:off x="1459435" y="2070170"/>
               <a:ext cx="2796732" cy="0"/>
             </a:xfrm>
             <a:custGeom>
@@ -2617,7 +2617,7 @@
           </p:nvSpPr>
           <p:spPr>
             <a:xfrm>
-              <a:off x="1459435" y="1585368"/>
+              <a:off x="1459435" y="1585378"/>
               <a:ext cx="2796732" cy="0"/>
             </a:xfrm>
             <a:custGeom>
@@ -2789,7 +2789,7 @@
           </p:nvSpPr>
           <p:spPr>
             <a:xfrm>
-              <a:off x="3494759" y="2848482"/>
+              <a:off x="3952765" y="2848464"/>
               <a:ext cx="63202" cy="63202"/>
             </a:xfrm>
             <a:custGeom>
@@ -2832,7 +2832,7 @@
           </p:nvSpPr>
           <p:spPr>
             <a:xfrm>
-              <a:off x="1621935" y="2805127"/>
+              <a:off x="1850242" y="2805139"/>
               <a:ext cx="63202" cy="63202"/>
             </a:xfrm>
             <a:custGeom>
@@ -2875,7 +2875,7 @@
           </p:nvSpPr>
           <p:spPr>
             <a:xfrm>
-              <a:off x="1715174" y="2692217"/>
+              <a:off x="1874516" y="2692219"/>
               <a:ext cx="63202" cy="63202"/>
             </a:xfrm>
             <a:custGeom>
@@ -2918,7 +2918,7 @@
           </p:nvSpPr>
           <p:spPr>
             <a:xfrm>
-              <a:off x="2615251" y="2900956"/>
+              <a:off x="2776481" y="2900980"/>
               <a:ext cx="63202" cy="63202"/>
             </a:xfrm>
             <a:custGeom>
@@ -2961,7 +2961,7 @@
           </p:nvSpPr>
           <p:spPr>
             <a:xfrm>
-              <a:off x="1979778" y="2856031"/>
+              <a:off x="2162541" y="2856015"/>
               <a:ext cx="63202" cy="63202"/>
             </a:xfrm>
             <a:custGeom>
@@ -3004,7 +3004,7 @@
           </p:nvSpPr>
           <p:spPr>
             <a:xfrm>
-              <a:off x="2595922" y="2900228"/>
+              <a:off x="2530266" y="2900221"/>
               <a:ext cx="63202" cy="63202"/>
             </a:xfrm>
             <a:custGeom>
@@ -3103,7 +3103,7 @@
           </p:nvSpPr>
           <p:spPr>
             <a:xfrm>
-              <a:off x="1459435" y="4722696"/>
+              <a:off x="1459435" y="4722690"/>
               <a:ext cx="2796732" cy="0"/>
             </a:xfrm>
             <a:custGeom>
@@ -3189,7 +3189,7 @@
           </p:nvSpPr>
           <p:spPr>
             <a:xfrm>
-              <a:off x="1459435" y="3753100"/>
+              <a:off x="1459435" y="3753106"/>
               <a:ext cx="2796732" cy="0"/>
             </a:xfrm>
             <a:custGeom>
@@ -3232,7 +3232,7 @@
           </p:nvSpPr>
           <p:spPr>
             <a:xfrm>
-              <a:off x="1459435" y="4965095"/>
+              <a:off x="1459435" y="4965086"/>
               <a:ext cx="2796732" cy="0"/>
             </a:xfrm>
             <a:custGeom>
@@ -3275,7 +3275,7 @@
           </p:nvSpPr>
           <p:spPr>
             <a:xfrm>
-              <a:off x="1459435" y="4480297"/>
+              <a:off x="1459435" y="4480294"/>
               <a:ext cx="2796732" cy="0"/>
             </a:xfrm>
             <a:custGeom>
@@ -3318,7 +3318,7 @@
           </p:nvSpPr>
           <p:spPr>
             <a:xfrm>
-              <a:off x="1459435" y="3995499"/>
+              <a:off x="1459435" y="3995502"/>
               <a:ext cx="2796732" cy="0"/>
             </a:xfrm>
             <a:custGeom>
@@ -3361,7 +3361,7 @@
           </p:nvSpPr>
           <p:spPr>
             <a:xfrm>
-              <a:off x="1459435" y="3510701"/>
+              <a:off x="1459435" y="3510710"/>
               <a:ext cx="2796732" cy="0"/>
             </a:xfrm>
             <a:custGeom>
@@ -3533,7 +3533,7 @@
           </p:nvSpPr>
           <p:spPr>
             <a:xfrm>
-              <a:off x="1808040" y="4513182"/>
+              <a:off x="1883347" y="4513189"/>
               <a:ext cx="63202" cy="63202"/>
             </a:xfrm>
             <a:custGeom>
@@ -3576,7 +3576,7 @@
           </p:nvSpPr>
           <p:spPr>
             <a:xfrm>
-              <a:off x="1945040" y="4687635"/>
+              <a:off x="1669369" y="4687642"/>
               <a:ext cx="63202" cy="63202"/>
             </a:xfrm>
             <a:custGeom>
@@ -3619,7 +3619,7 @@
           </p:nvSpPr>
           <p:spPr>
             <a:xfrm>
-              <a:off x="2210399" y="4513189"/>
+              <a:off x="1791472" y="4513189"/>
               <a:ext cx="63202" cy="63202"/>
             </a:xfrm>
             <a:custGeom>
@@ -3662,7 +3662,7 @@
           </p:nvSpPr>
           <p:spPr>
             <a:xfrm>
-              <a:off x="2093422" y="4612454"/>
+              <a:off x="1762380" y="4612468"/>
               <a:ext cx="63202" cy="63202"/>
             </a:xfrm>
             <a:custGeom>
@@ -3705,7 +3705,7 @@
           </p:nvSpPr>
           <p:spPr>
             <a:xfrm>
-              <a:off x="1961225" y="4562708"/>
+              <a:off x="2012920" y="4562723"/>
               <a:ext cx="63202" cy="63202"/>
             </a:xfrm>
             <a:custGeom>
@@ -3748,7 +3748,7 @@
           </p:nvSpPr>
           <p:spPr>
             <a:xfrm>
-              <a:off x="2489893" y="4843366"/>
+              <a:off x="2927084" y="4843370"/>
               <a:ext cx="63202" cy="63202"/>
             </a:xfrm>
             <a:custGeom>
@@ -3791,7 +3791,7 @@
           </p:nvSpPr>
           <p:spPr>
             <a:xfrm>
-              <a:off x="2267667" y="4612055"/>
+              <a:off x="1751631" y="4612069"/>
               <a:ext cx="63202" cy="63202"/>
             </a:xfrm>
             <a:custGeom>
@@ -3834,7 +3834,7 @@
           </p:nvSpPr>
           <p:spPr>
             <a:xfrm>
-              <a:off x="1791744" y="4638920"/>
+              <a:off x="2241450" y="4638926"/>
               <a:ext cx="63202" cy="63202"/>
             </a:xfrm>
             <a:custGeom>
@@ -3877,7 +3877,7 @@
           </p:nvSpPr>
           <p:spPr>
             <a:xfrm>
-              <a:off x="2173201" y="4697195"/>
+              <a:off x="2092098" y="4697190"/>
               <a:ext cx="63202" cy="63202"/>
             </a:xfrm>
             <a:custGeom>
@@ -3920,7 +3920,7 @@
           </p:nvSpPr>
           <p:spPr>
             <a:xfrm>
-              <a:off x="2734016" y="4802933"/>
+              <a:off x="3093192" y="4802912"/>
               <a:ext cx="63202" cy="63202"/>
             </a:xfrm>
             <a:custGeom>
@@ -3963,7 +3963,7 @@
           </p:nvSpPr>
           <p:spPr>
             <a:xfrm>
-              <a:off x="3000969" y="4778630"/>
+              <a:off x="2541270" y="4778632"/>
               <a:ext cx="63202" cy="63202"/>
             </a:xfrm>
             <a:custGeom>
@@ -4006,7 +4006,7 @@
           </p:nvSpPr>
           <p:spPr>
             <a:xfrm>
-              <a:off x="1732371" y="4733910"/>
+              <a:off x="2276956" y="4733913"/>
               <a:ext cx="63202" cy="63202"/>
             </a:xfrm>
             <a:custGeom>
@@ -4049,7 +4049,7 @@
           </p:nvSpPr>
           <p:spPr>
             <a:xfrm>
-              <a:off x="2168209" y="4642910"/>
+              <a:off x="1887134" y="4642912"/>
               <a:ext cx="63202" cy="63202"/>
             </a:xfrm>
             <a:custGeom>
@@ -4092,7 +4092,7 @@
           </p:nvSpPr>
           <p:spPr>
             <a:xfrm>
-              <a:off x="2995173" y="4790026"/>
+              <a:off x="2541460" y="4790049"/>
               <a:ext cx="63202" cy="63202"/>
             </a:xfrm>
             <a:custGeom>
@@ -4135,7 +4135,7 @@
           </p:nvSpPr>
           <p:spPr>
             <a:xfrm>
-              <a:off x="2839175" y="4823046"/>
+              <a:off x="2581969" y="4823064"/>
               <a:ext cx="63202" cy="63202"/>
             </a:xfrm>
             <a:custGeom>
@@ -4178,7 +4178,7 @@
           </p:nvSpPr>
           <p:spPr>
             <a:xfrm>
-              <a:off x="2049742" y="4396678"/>
+              <a:off x="2029497" y="4396682"/>
               <a:ext cx="63202" cy="63202"/>
             </a:xfrm>
             <a:custGeom>
@@ -4221,7 +4221,7 @@
           </p:nvSpPr>
           <p:spPr>
             <a:xfrm>
-              <a:off x="1796542" y="4764720"/>
+              <a:off x="1939329" y="4764721"/>
               <a:ext cx="63202" cy="63202"/>
             </a:xfrm>
             <a:custGeom>
@@ -4264,7 +4264,7 @@
           </p:nvSpPr>
           <p:spPr>
             <a:xfrm>
-              <a:off x="2100819" y="4416264"/>
+              <a:off x="1641961" y="4416255"/>
               <a:ext cx="63202" cy="63202"/>
             </a:xfrm>
             <a:custGeom>
@@ -4307,7 +4307,7 @@
           </p:nvSpPr>
           <p:spPr>
             <a:xfrm>
-              <a:off x="1915781" y="4673394"/>
+              <a:off x="1902443" y="4673395"/>
               <a:ext cx="63202" cy="63202"/>
             </a:xfrm>
             <a:custGeom>
@@ -4350,7 +4350,7 @@
           </p:nvSpPr>
           <p:spPr>
             <a:xfrm>
-              <a:off x="2264849" y="4712560"/>
+              <a:off x="1874102" y="4712556"/>
               <a:ext cx="63202" cy="63202"/>
             </a:xfrm>
             <a:custGeom>
@@ -4393,7 +4393,7 @@
           </p:nvSpPr>
           <p:spPr>
             <a:xfrm>
-              <a:off x="1793760" y="4695802"/>
+              <a:off x="2151879" y="4695773"/>
               <a:ext cx="63202" cy="63202"/>
             </a:xfrm>
             <a:custGeom>
@@ -4436,7 +4436,7 @@
           </p:nvSpPr>
           <p:spPr>
             <a:xfrm>
-              <a:off x="3134689" y="4835026"/>
+              <a:off x="2638609" y="4835007"/>
               <a:ext cx="63202" cy="63202"/>
             </a:xfrm>
             <a:custGeom>
@@ -4535,7 +4535,7 @@
           </p:nvSpPr>
           <p:spPr>
             <a:xfrm>
-              <a:off x="1459435" y="6648028"/>
+              <a:off x="1459435" y="6648023"/>
               <a:ext cx="2796732" cy="0"/>
             </a:xfrm>
             <a:custGeom>
@@ -4578,7 +4578,7 @@
           </p:nvSpPr>
           <p:spPr>
             <a:xfrm>
-              <a:off x="1459435" y="6163230"/>
+              <a:off x="1459435" y="6163231"/>
               <a:ext cx="2796732" cy="0"/>
             </a:xfrm>
             <a:custGeom>
@@ -4621,7 +4621,7 @@
           </p:nvSpPr>
           <p:spPr>
             <a:xfrm>
-              <a:off x="1459435" y="5678432"/>
+              <a:off x="1459435" y="5678439"/>
               <a:ext cx="2796732" cy="0"/>
             </a:xfrm>
             <a:custGeom>
@@ -4664,7 +4664,7 @@
           </p:nvSpPr>
           <p:spPr>
             <a:xfrm>
-              <a:off x="1459435" y="6890427"/>
+              <a:off x="1459435" y="6890419"/>
               <a:ext cx="2796732" cy="0"/>
             </a:xfrm>
             <a:custGeom>
@@ -4707,7 +4707,7 @@
           </p:nvSpPr>
           <p:spPr>
             <a:xfrm>
-              <a:off x="1459435" y="6405629"/>
+              <a:off x="1459435" y="6405627"/>
               <a:ext cx="2796732" cy="0"/>
             </a:xfrm>
             <a:custGeom>
@@ -4750,7 +4750,7 @@
           </p:nvSpPr>
           <p:spPr>
             <a:xfrm>
-              <a:off x="1459435" y="5920831"/>
+              <a:off x="1459435" y="5920835"/>
               <a:ext cx="2796732" cy="0"/>
             </a:xfrm>
             <a:custGeom>
@@ -4793,7 +4793,7 @@
           </p:nvSpPr>
           <p:spPr>
             <a:xfrm>
-              <a:off x="1459435" y="5436033"/>
+              <a:off x="1459435" y="5436043"/>
               <a:ext cx="2796732" cy="0"/>
             </a:xfrm>
             <a:custGeom>
@@ -4965,7 +4965,7 @@
           </p:nvSpPr>
           <p:spPr>
             <a:xfrm>
-              <a:off x="2263434" y="6201070"/>
+              <a:off x="2115193" y="6201058"/>
               <a:ext cx="63202" cy="63202"/>
             </a:xfrm>
             <a:custGeom>
@@ -5008,7 +5008,7 @@
           </p:nvSpPr>
           <p:spPr>
             <a:xfrm>
-              <a:off x="1797106" y="6198564"/>
+              <a:off x="1751600" y="6198575"/>
               <a:ext cx="63202" cy="63202"/>
             </a:xfrm>
             <a:custGeom>
@@ -5051,7 +5051,7 @@
           </p:nvSpPr>
           <p:spPr>
             <a:xfrm>
-              <a:off x="2188229" y="6197177"/>
+              <a:off x="1961320" y="6197156"/>
               <a:ext cx="63202" cy="63202"/>
             </a:xfrm>
             <a:custGeom>
@@ -5094,7 +5094,7 @@
           </p:nvSpPr>
           <p:spPr>
             <a:xfrm>
-              <a:off x="1836637" y="6287401"/>
+              <a:off x="1635516" y="6287401"/>
               <a:ext cx="63202" cy="63202"/>
             </a:xfrm>
             <a:custGeom>
@@ -5137,7 +5137,7 @@
           </p:nvSpPr>
           <p:spPr>
             <a:xfrm>
-              <a:off x="2099827" y="6353771"/>
+              <a:off x="1665020" y="6353750"/>
               <a:ext cx="63202" cy="63202"/>
             </a:xfrm>
             <a:custGeom>
@@ -5180,7 +5180,7 @@
           </p:nvSpPr>
           <p:spPr>
             <a:xfrm>
-              <a:off x="2248744" y="6321118"/>
+              <a:off x="1866977" y="6321152"/>
               <a:ext cx="63202" cy="63202"/>
             </a:xfrm>
             <a:custGeom>
@@ -5223,7 +5223,7 @@
           </p:nvSpPr>
           <p:spPr>
             <a:xfrm>
-              <a:off x="2026792" y="6273389"/>
+              <a:off x="1945459" y="6273383"/>
               <a:ext cx="63202" cy="63202"/>
             </a:xfrm>
             <a:custGeom>
@@ -5266,7 +5266,7 @@
           </p:nvSpPr>
           <p:spPr>
             <a:xfrm>
-              <a:off x="2209438" y="6260485"/>
+              <a:off x="2108460" y="6260487"/>
               <a:ext cx="63202" cy="63202"/>
             </a:xfrm>
             <a:custGeom>
@@ -5309,7 +5309,7 @@
           </p:nvSpPr>
           <p:spPr>
             <a:xfrm>
-              <a:off x="2111366" y="6400407"/>
+              <a:off x="1629464" y="6400406"/>
               <a:ext cx="63202" cy="63202"/>
             </a:xfrm>
             <a:custGeom>
@@ -5352,7 +5352,7 @@
           </p:nvSpPr>
           <p:spPr>
             <a:xfrm>
-              <a:off x="1956777" y="6272962"/>
+              <a:off x="1793750" y="6272928"/>
               <a:ext cx="63202" cy="63202"/>
             </a:xfrm>
             <a:custGeom>
@@ -5395,7 +5395,7 @@
           </p:nvSpPr>
           <p:spPr>
             <a:xfrm>
-              <a:off x="2162106" y="6340861"/>
+              <a:off x="1902896" y="6340852"/>
               <a:ext cx="63202" cy="63202"/>
             </a:xfrm>
             <a:custGeom>
@@ -5438,7 +5438,7 @@
           </p:nvSpPr>
           <p:spPr>
             <a:xfrm>
-              <a:off x="1916037" y="6362885"/>
+              <a:off x="1611137" y="6362875"/>
               <a:ext cx="63202" cy="63202"/>
             </a:xfrm>
             <a:custGeom>
@@ -5481,7 +5481,7 @@
           </p:nvSpPr>
           <p:spPr>
             <a:xfrm>
-              <a:off x="1915947" y="6264409"/>
+              <a:off x="1976166" y="6264429"/>
               <a:ext cx="63202" cy="63202"/>
             </a:xfrm>
             <a:custGeom>
@@ -5524,7 +5524,7 @@
           </p:nvSpPr>
           <p:spPr>
             <a:xfrm>
-              <a:off x="1883107" y="6314220"/>
+              <a:off x="2092622" y="6314201"/>
               <a:ext cx="63202" cy="63202"/>
             </a:xfrm>
             <a:custGeom>
@@ -5567,7 +5567,7 @@
           </p:nvSpPr>
           <p:spPr>
             <a:xfrm>
-              <a:off x="2040901" y="6375349"/>
+              <a:off x="1806694" y="6375318"/>
               <a:ext cx="63202" cy="63202"/>
             </a:xfrm>
             <a:custGeom>
@@ -5610,7 +5610,7 @@
           </p:nvSpPr>
           <p:spPr>
             <a:xfrm>
-              <a:off x="1793497" y="6323569"/>
+              <a:off x="1786769" y="6323563"/>
               <a:ext cx="63202" cy="63202"/>
             </a:xfrm>
             <a:custGeom>
@@ -5653,7 +5653,7 @@
           </p:nvSpPr>
           <p:spPr>
             <a:xfrm>
-              <a:off x="2042176" y="6272299"/>
+              <a:off x="2159731" y="6272298"/>
               <a:ext cx="63202" cy="63202"/>
             </a:xfrm>
             <a:custGeom>
@@ -5696,7 +5696,7 @@
           </p:nvSpPr>
           <p:spPr>
             <a:xfrm>
-              <a:off x="1964046" y="6318892"/>
+              <a:off x="1902478" y="6318917"/>
               <a:ext cx="63202" cy="63202"/>
             </a:xfrm>
             <a:custGeom>
@@ -5739,7 +5739,7 @@
           </p:nvSpPr>
           <p:spPr>
             <a:xfrm>
-              <a:off x="2096003" y="6599712"/>
+              <a:off x="2083109" y="6599705"/>
               <a:ext cx="63202" cy="63202"/>
             </a:xfrm>
             <a:custGeom>
@@ -5782,7 +5782,7 @@
           </p:nvSpPr>
           <p:spPr>
             <a:xfrm>
-              <a:off x="2171102" y="6322590"/>
+              <a:off x="1852941" y="6322578"/>
               <a:ext cx="63202" cy="63202"/>
             </a:xfrm>
             <a:custGeom>
@@ -5825,7 +5825,7 @@
           </p:nvSpPr>
           <p:spPr>
             <a:xfrm>
-              <a:off x="1626312" y="6346010"/>
+              <a:off x="1603484" y="6345993"/>
               <a:ext cx="63202" cy="63202"/>
             </a:xfrm>
             <a:custGeom>
@@ -5868,7 +5868,7 @@
           </p:nvSpPr>
           <p:spPr>
             <a:xfrm>
-              <a:off x="1839719" y="6345775"/>
+              <a:off x="1677196" y="6345776"/>
               <a:ext cx="63202" cy="63202"/>
             </a:xfrm>
             <a:custGeom>
@@ -5911,7 +5911,7 @@
           </p:nvSpPr>
           <p:spPr>
             <a:xfrm>
-              <a:off x="1963800" y="6254574"/>
+              <a:off x="1720937" y="6254579"/>
               <a:ext cx="63202" cy="63202"/>
             </a:xfrm>
             <a:custGeom>
@@ -5954,7 +5954,7 @@
           </p:nvSpPr>
           <p:spPr>
             <a:xfrm>
-              <a:off x="1904429" y="6242785"/>
+              <a:off x="2262235" y="6242803"/>
               <a:ext cx="63202" cy="63202"/>
             </a:xfrm>
             <a:custGeom>
@@ -5997,7 +5997,7 @@
           </p:nvSpPr>
           <p:spPr>
             <a:xfrm>
-              <a:off x="2197149" y="6567834"/>
+              <a:off x="1956210" y="6567853"/>
               <a:ext cx="63202" cy="63202"/>
             </a:xfrm>
             <a:custGeom>
@@ -6040,7 +6040,7 @@
           </p:nvSpPr>
           <p:spPr>
             <a:xfrm>
-              <a:off x="1797379" y="6620311"/>
+              <a:off x="2144952" y="6620315"/>
               <a:ext cx="63202" cy="63202"/>
             </a:xfrm>
             <a:custGeom>
@@ -6083,7 +6083,7 @@
           </p:nvSpPr>
           <p:spPr>
             <a:xfrm>
-              <a:off x="2174812" y="6686532"/>
+              <a:off x="1688410" y="6686540"/>
               <a:ext cx="63202" cy="63202"/>
             </a:xfrm>
             <a:custGeom>
@@ -6126,7 +6126,7 @@
           </p:nvSpPr>
           <p:spPr>
             <a:xfrm>
-              <a:off x="1625052" y="6349641"/>
+              <a:off x="1725260" y="6349642"/>
               <a:ext cx="63202" cy="63202"/>
             </a:xfrm>
             <a:custGeom>
@@ -6169,7 +6169,7 @@
           </p:nvSpPr>
           <p:spPr>
             <a:xfrm>
-              <a:off x="2160293" y="6329718"/>
+              <a:off x="2070714" y="6329715"/>
               <a:ext cx="63202" cy="63202"/>
             </a:xfrm>
             <a:custGeom>
@@ -6212,7 +6212,7 @@
           </p:nvSpPr>
           <p:spPr>
             <a:xfrm>
-              <a:off x="1694191" y="6265535"/>
+              <a:off x="1792496" y="6265529"/>
               <a:ext cx="63202" cy="63202"/>
             </a:xfrm>
             <a:custGeom>
@@ -6255,7 +6255,7 @@
           </p:nvSpPr>
           <p:spPr>
             <a:xfrm>
-              <a:off x="1859304" y="6261758"/>
+              <a:off x="1861682" y="6261765"/>
               <a:ext cx="63202" cy="63202"/>
             </a:xfrm>
             <a:custGeom>
@@ -6298,7 +6298,7 @@
           </p:nvSpPr>
           <p:spPr>
             <a:xfrm>
-              <a:off x="2111825" y="6372997"/>
+              <a:off x="1758775" y="6373023"/>
               <a:ext cx="63202" cy="63202"/>
             </a:xfrm>
             <a:custGeom>
@@ -6341,7 +6341,7 @@
           </p:nvSpPr>
           <p:spPr>
             <a:xfrm>
-              <a:off x="2017568" y="6376926"/>
+              <a:off x="1805877" y="6376931"/>
               <a:ext cx="63202" cy="63202"/>
             </a:xfrm>
             <a:custGeom>
@@ -6384,7 +6384,7 @@
           </p:nvSpPr>
           <p:spPr>
             <a:xfrm>
-              <a:off x="2237458" y="6334003"/>
+              <a:off x="1640586" y="6333965"/>
               <a:ext cx="63202" cy="63202"/>
             </a:xfrm>
             <a:custGeom>
@@ -6427,7 +6427,7 @@
           </p:nvSpPr>
           <p:spPr>
             <a:xfrm>
-              <a:off x="2148558" y="6334415"/>
+              <a:off x="1731812" y="6334417"/>
               <a:ext cx="63202" cy="63202"/>
             </a:xfrm>
             <a:custGeom>
@@ -6470,7 +6470,7 @@
           </p:nvSpPr>
           <p:spPr>
             <a:xfrm>
-              <a:off x="2064113" y="6424658"/>
+              <a:off x="1932554" y="6424632"/>
               <a:ext cx="63202" cy="63202"/>
             </a:xfrm>
             <a:custGeom>
@@ -6513,7 +6513,7 @@
           </p:nvSpPr>
           <p:spPr>
             <a:xfrm>
-              <a:off x="2165909" y="6705576"/>
+              <a:off x="2022127" y="6705566"/>
               <a:ext cx="63202" cy="63202"/>
             </a:xfrm>
             <a:custGeom>
@@ -6556,7 +6556,7 @@
           </p:nvSpPr>
           <p:spPr>
             <a:xfrm>
-              <a:off x="2158042" y="6419997"/>
+              <a:off x="2162587" y="6419995"/>
               <a:ext cx="63202" cy="63202"/>
             </a:xfrm>
             <a:custGeom>
@@ -6599,7 +6599,7 @@
           </p:nvSpPr>
           <p:spPr>
             <a:xfrm>
-              <a:off x="1941396" y="6531425"/>
+              <a:off x="1974870" y="6531445"/>
               <a:ext cx="63202" cy="63202"/>
             </a:xfrm>
             <a:custGeom>
@@ -6642,7 +6642,7 @@
           </p:nvSpPr>
           <p:spPr>
             <a:xfrm>
-              <a:off x="2071364" y="6229153"/>
+              <a:off x="1862674" y="6229154"/>
               <a:ext cx="63202" cy="63202"/>
             </a:xfrm>
             <a:custGeom>
@@ -6685,7 +6685,7 @@
           </p:nvSpPr>
           <p:spPr>
             <a:xfrm>
-              <a:off x="2162764" y="6316100"/>
+              <a:off x="1805007" y="6316078"/>
               <a:ext cx="63202" cy="63202"/>
             </a:xfrm>
             <a:custGeom>
@@ -6728,7 +6728,7 @@
           </p:nvSpPr>
           <p:spPr>
             <a:xfrm>
-              <a:off x="1817087" y="6372701"/>
+              <a:off x="2219281" y="6372706"/>
               <a:ext cx="63202" cy="63202"/>
             </a:xfrm>
             <a:custGeom>
@@ -6771,7 +6771,7 @@
           </p:nvSpPr>
           <p:spPr>
             <a:xfrm>
-              <a:off x="1836500" y="6322601"/>
+              <a:off x="1705928" y="6322591"/>
               <a:ext cx="63202" cy="63202"/>
             </a:xfrm>
             <a:custGeom>
@@ -6814,7 +6814,7 @@
           </p:nvSpPr>
           <p:spPr>
             <a:xfrm>
-              <a:off x="1994397" y="6200950"/>
+              <a:off x="2295228" y="6200937"/>
               <a:ext cx="63202" cy="63202"/>
             </a:xfrm>
             <a:custGeom>
@@ -6857,7 +6857,7 @@
           </p:nvSpPr>
           <p:spPr>
             <a:xfrm>
-              <a:off x="2013727" y="6550195"/>
+              <a:off x="2291297" y="6550188"/>
               <a:ext cx="63202" cy="63202"/>
             </a:xfrm>
             <a:custGeom>
@@ -6900,7 +6900,7 @@
           </p:nvSpPr>
           <p:spPr>
             <a:xfrm>
-              <a:off x="1786556" y="6348040"/>
+              <a:off x="2000312" y="6348044"/>
               <a:ext cx="63202" cy="63202"/>
             </a:xfrm>
             <a:custGeom>
@@ -6943,7 +6943,7 @@
           </p:nvSpPr>
           <p:spPr>
             <a:xfrm>
-              <a:off x="1604937" y="6377138"/>
+              <a:off x="1667535" y="6377114"/>
               <a:ext cx="63202" cy="63202"/>
             </a:xfrm>
             <a:custGeom>
@@ -6986,7 +6986,7 @@
           </p:nvSpPr>
           <p:spPr>
             <a:xfrm>
-              <a:off x="1933124" y="6194035"/>
+              <a:off x="2054185" y="6194041"/>
               <a:ext cx="63202" cy="63202"/>
             </a:xfrm>
             <a:custGeom>
@@ -7029,7 +7029,7 @@
           </p:nvSpPr>
           <p:spPr>
             <a:xfrm>
-              <a:off x="2093901" y="6525369"/>
+              <a:off x="1766739" y="6525382"/>
               <a:ext cx="63202" cy="63202"/>
             </a:xfrm>
             <a:custGeom>
@@ -7072,7 +7072,7 @@
           </p:nvSpPr>
           <p:spPr>
             <a:xfrm>
-              <a:off x="2001275" y="6322390"/>
+              <a:off x="2160204" y="6322380"/>
               <a:ext cx="63202" cy="63202"/>
             </a:xfrm>
             <a:custGeom>
@@ -7115,7 +7115,7 @@
           </p:nvSpPr>
           <p:spPr>
             <a:xfrm>
-              <a:off x="2899889" y="6552345"/>
+              <a:off x="2762299" y="6552337"/>
               <a:ext cx="63202" cy="63202"/>
             </a:xfrm>
             <a:custGeom>
@@ -7158,7 +7158,7 @@
           </p:nvSpPr>
           <p:spPr>
             <a:xfrm>
-              <a:off x="1680504" y="6229892"/>
+              <a:off x="1951689" y="6229905"/>
               <a:ext cx="63202" cy="63202"/>
             </a:xfrm>
             <a:custGeom>
@@ -7201,7 +7201,7 @@
           </p:nvSpPr>
           <p:spPr>
             <a:xfrm>
-              <a:off x="2155721" y="6363840"/>
+              <a:off x="1952321" y="6363846"/>
               <a:ext cx="63202" cy="63202"/>
             </a:xfrm>
             <a:custGeom>
@@ -7244,7 +7244,7 @@
           </p:nvSpPr>
           <p:spPr>
             <a:xfrm>
-              <a:off x="1730148" y="6244836"/>
+              <a:off x="2040250" y="6244812"/>
               <a:ext cx="63202" cy="63202"/>
             </a:xfrm>
             <a:custGeom>
@@ -7287,7 +7287,7 @@
           </p:nvSpPr>
           <p:spPr>
             <a:xfrm>
-              <a:off x="1883481" y="6316109"/>
+              <a:off x="1993296" y="6316102"/>
               <a:ext cx="63202" cy="63202"/>
             </a:xfrm>
             <a:custGeom>
@@ -7330,7 +7330,7 @@
           </p:nvSpPr>
           <p:spPr>
             <a:xfrm>
-              <a:off x="2528903" y="6738965"/>
+              <a:off x="2793395" y="6738974"/>
               <a:ext cx="63202" cy="63202"/>
             </a:xfrm>
             <a:custGeom>
@@ -7373,7 +7373,7 @@
           </p:nvSpPr>
           <p:spPr>
             <a:xfrm>
-              <a:off x="2283511" y="6198041"/>
+              <a:off x="1835608" y="6198057"/>
               <a:ext cx="63202" cy="63202"/>
             </a:xfrm>
             <a:custGeom>
@@ -7416,7 +7416,7 @@
           </p:nvSpPr>
           <p:spPr>
             <a:xfrm>
-              <a:off x="2283365" y="6197742"/>
+              <a:off x="2138466" y="6197755"/>
               <a:ext cx="63202" cy="63202"/>
             </a:xfrm>
             <a:custGeom>
@@ -7459,7 +7459,7 @@
           </p:nvSpPr>
           <p:spPr>
             <a:xfrm>
-              <a:off x="2120552" y="6198725"/>
+              <a:off x="2211840" y="6198739"/>
               <a:ext cx="63202" cy="63202"/>
             </a:xfrm>
             <a:custGeom>
@@ -7502,7 +7502,7 @@
           </p:nvSpPr>
           <p:spPr>
             <a:xfrm>
-              <a:off x="2103273" y="6198373"/>
+              <a:off x="2047966" y="6198401"/>
               <a:ext cx="63202" cy="63202"/>
             </a:xfrm>
             <a:custGeom>
@@ -7545,7 +7545,7 @@
           </p:nvSpPr>
           <p:spPr>
             <a:xfrm>
-              <a:off x="1936094" y="6197117"/>
+              <a:off x="1710496" y="6197107"/>
               <a:ext cx="63202" cy="63202"/>
             </a:xfrm>
             <a:custGeom>
@@ -7588,7 +7588,7 @@
           </p:nvSpPr>
           <p:spPr>
             <a:xfrm>
-              <a:off x="2033578" y="6429086"/>
+              <a:off x="1742329" y="6429113"/>
               <a:ext cx="63202" cy="63202"/>
             </a:xfrm>
             <a:custGeom>
@@ -7631,7 +7631,7 @@
           </p:nvSpPr>
           <p:spPr>
             <a:xfrm>
-              <a:off x="1789826" y="6281724"/>
+              <a:off x="1959081" y="6281703"/>
               <a:ext cx="63202" cy="63202"/>
             </a:xfrm>
             <a:custGeom>
@@ -7674,7 +7674,7 @@
           </p:nvSpPr>
           <p:spPr>
             <a:xfrm>
-              <a:off x="1711389" y="6685216"/>
+              <a:off x="1621169" y="6685195"/>
               <a:ext cx="63202" cy="63202"/>
             </a:xfrm>
             <a:custGeom>
@@ -7717,7 +7717,7 @@
           </p:nvSpPr>
           <p:spPr>
             <a:xfrm>
-              <a:off x="2942190" y="6738983"/>
+              <a:off x="3175315" y="6738979"/>
               <a:ext cx="63202" cy="63202"/>
             </a:xfrm>
             <a:custGeom>
@@ -7760,7 +7760,7 @@
           </p:nvSpPr>
           <p:spPr>
             <a:xfrm>
-              <a:off x="1987242" y="6201696"/>
+              <a:off x="1888061" y="6201671"/>
               <a:ext cx="63202" cy="63202"/>
             </a:xfrm>
             <a:custGeom>
@@ -7803,7 +7803,7 @@
           </p:nvSpPr>
           <p:spPr>
             <a:xfrm>
-              <a:off x="2138988" y="6223074"/>
+              <a:off x="2241538" y="6223076"/>
               <a:ext cx="63202" cy="63202"/>
             </a:xfrm>
             <a:custGeom>
@@ -7846,7 +7846,7 @@
           </p:nvSpPr>
           <p:spPr>
             <a:xfrm>
-              <a:off x="1882230" y="6583545"/>
+              <a:off x="1975444" y="6583540"/>
               <a:ext cx="63202" cy="63202"/>
             </a:xfrm>
             <a:custGeom>
@@ -7889,7 +7889,7 @@
           </p:nvSpPr>
           <p:spPr>
             <a:xfrm>
-              <a:off x="2054135" y="6235376"/>
+              <a:off x="2236300" y="6235367"/>
               <a:ext cx="63202" cy="63202"/>
             </a:xfrm>
             <a:custGeom>
@@ -7932,7 +7932,7 @@
           </p:nvSpPr>
           <p:spPr>
             <a:xfrm>
-              <a:off x="1860755" y="6311524"/>
+              <a:off x="1953205" y="6311535"/>
               <a:ext cx="63202" cy="63202"/>
             </a:xfrm>
             <a:custGeom>
@@ -7975,7 +7975,7 @@
           </p:nvSpPr>
           <p:spPr>
             <a:xfrm>
-              <a:off x="1941438" y="6569274"/>
+              <a:off x="2233208" y="6569247"/>
               <a:ext cx="63202" cy="63202"/>
             </a:xfrm>
             <a:custGeom>
@@ -8018,7 +8018,7 @@
           </p:nvSpPr>
           <p:spPr>
             <a:xfrm>
-              <a:off x="2228188" y="6307718"/>
+              <a:off x="2199910" y="6307717"/>
               <a:ext cx="63202" cy="63202"/>
             </a:xfrm>
             <a:custGeom>
@@ -8061,7 +8061,7 @@
           </p:nvSpPr>
           <p:spPr>
             <a:xfrm>
-              <a:off x="2924496" y="6768411"/>
+              <a:off x="3107188" y="6768419"/>
               <a:ext cx="63202" cy="63202"/>
             </a:xfrm>
             <a:custGeom>
@@ -8104,7 +8104,7 @@
           </p:nvSpPr>
           <p:spPr>
             <a:xfrm>
-              <a:off x="2047813" y="6193187"/>
+              <a:off x="2257880" y="6193190"/>
               <a:ext cx="63202" cy="63202"/>
             </a:xfrm>
             <a:custGeom>
@@ -8147,7 +8147,7 @@
           </p:nvSpPr>
           <p:spPr>
             <a:xfrm>
-              <a:off x="1777545" y="6194958"/>
+              <a:off x="1762978" y="6194955"/>
               <a:ext cx="63202" cy="63202"/>
             </a:xfrm>
             <a:custGeom>
@@ -8190,7 +8190,7 @@
           </p:nvSpPr>
           <p:spPr>
             <a:xfrm>
-              <a:off x="1929410" y="6193864"/>
+              <a:off x="2193522" y="6193861"/>
               <a:ext cx="63202" cy="63202"/>
             </a:xfrm>
             <a:custGeom>
@@ -8233,7 +8233,7 @@
           </p:nvSpPr>
           <p:spPr>
             <a:xfrm>
-              <a:off x="1877927" y="6246082"/>
+              <a:off x="1762254" y="6246095"/>
               <a:ext cx="63202" cy="63202"/>
             </a:xfrm>
             <a:custGeom>
@@ -8276,7 +8276,7 @@
           </p:nvSpPr>
           <p:spPr>
             <a:xfrm>
-              <a:off x="2266492" y="6264090"/>
+              <a:off x="1876712" y="6264076"/>
               <a:ext cx="63202" cy="63202"/>
             </a:xfrm>
             <a:custGeom>
@@ -8319,7 +8319,7 @@
           </p:nvSpPr>
           <p:spPr>
             <a:xfrm>
-              <a:off x="1757913" y="6193388"/>
+              <a:off x="2062320" y="6193388"/>
               <a:ext cx="63202" cy="63202"/>
             </a:xfrm>
             <a:custGeom>
@@ -8362,7 +8362,7 @@
           </p:nvSpPr>
           <p:spPr>
             <a:xfrm>
-              <a:off x="1964973" y="6287719"/>
+              <a:off x="1912313" y="6287744"/>
               <a:ext cx="63202" cy="63202"/>
             </a:xfrm>
             <a:custGeom>
@@ -8405,7 +8405,7 @@
           </p:nvSpPr>
           <p:spPr>
             <a:xfrm>
-              <a:off x="2256110" y="6275281"/>
+              <a:off x="2179244" y="6275280"/>
               <a:ext cx="63202" cy="63202"/>
             </a:xfrm>
             <a:custGeom>
@@ -8448,7 +8448,7 @@
           </p:nvSpPr>
           <p:spPr>
             <a:xfrm>
-              <a:off x="1949553" y="6193626"/>
+              <a:off x="2161363" y="6193616"/>
               <a:ext cx="63202" cy="63202"/>
             </a:xfrm>
             <a:custGeom>
@@ -8491,7 +8491,7 @@
           </p:nvSpPr>
           <p:spPr>
             <a:xfrm>
-              <a:off x="1676344" y="6195584"/>
+              <a:off x="1854423" y="6195586"/>
               <a:ext cx="63202" cy="63202"/>
             </a:xfrm>
             <a:custGeom>
@@ -8534,7 +8534,7 @@
           </p:nvSpPr>
           <p:spPr>
             <a:xfrm>
-              <a:off x="2104302" y="6193681"/>
+              <a:off x="1905404" y="6193686"/>
               <a:ext cx="63202" cy="63202"/>
             </a:xfrm>
             <a:custGeom>
@@ -8577,7 +8577,7 @@
           </p:nvSpPr>
           <p:spPr>
             <a:xfrm>
-              <a:off x="1720136" y="6510736"/>
+              <a:off x="2170269" y="6510730"/>
               <a:ext cx="63202" cy="63202"/>
             </a:xfrm>
             <a:custGeom>
@@ -8620,7 +8620,7 @@
           </p:nvSpPr>
           <p:spPr>
             <a:xfrm>
-              <a:off x="1975766" y="6293131"/>
+              <a:off x="1902995" y="6293098"/>
               <a:ext cx="63202" cy="63202"/>
             </a:xfrm>
             <a:custGeom>
@@ -8663,7 +8663,7 @@
           </p:nvSpPr>
           <p:spPr>
             <a:xfrm>
-              <a:off x="1670338" y="6329724"/>
+              <a:off x="1617241" y="6329719"/>
               <a:ext cx="63202" cy="63202"/>
             </a:xfrm>
             <a:custGeom>
@@ -8706,7 +8706,7 @@
           </p:nvSpPr>
           <p:spPr>
             <a:xfrm>
-              <a:off x="2243496" y="6708005"/>
+              <a:off x="2224711" y="6707984"/>
               <a:ext cx="63202" cy="63202"/>
             </a:xfrm>
             <a:custGeom>
@@ -8749,7 +8749,7 @@
           </p:nvSpPr>
           <p:spPr>
             <a:xfrm>
-              <a:off x="1661428" y="6190695"/>
+              <a:off x="1813223" y="6190665"/>
               <a:ext cx="63202" cy="63202"/>
             </a:xfrm>
             <a:custGeom>
@@ -8792,7 +8792,7 @@
           </p:nvSpPr>
           <p:spPr>
             <a:xfrm>
-              <a:off x="1840025" y="6190011"/>
+              <a:off x="1794803" y="6189997"/>
               <a:ext cx="63202" cy="63202"/>
             </a:xfrm>
             <a:custGeom>
@@ -8835,7 +8835,7 @@
           </p:nvSpPr>
           <p:spPr>
             <a:xfrm>
-              <a:off x="1950631" y="6350862"/>
+              <a:off x="1923793" y="6350851"/>
               <a:ext cx="63202" cy="63202"/>
             </a:xfrm>
             <a:custGeom>
@@ -8878,7 +8878,7 @@
           </p:nvSpPr>
           <p:spPr>
             <a:xfrm>
-              <a:off x="1937805" y="6398327"/>
+              <a:off x="2211559" y="6398302"/>
               <a:ext cx="63202" cy="63202"/>
             </a:xfrm>
             <a:custGeom>
@@ -8921,7 +8921,7 @@
           </p:nvSpPr>
           <p:spPr>
             <a:xfrm>
-              <a:off x="1703948" y="6324396"/>
+              <a:off x="1853484" y="6324383"/>
               <a:ext cx="63202" cy="63202"/>
             </a:xfrm>
             <a:custGeom>
@@ -8964,7 +8964,7 @@
           </p:nvSpPr>
           <p:spPr>
             <a:xfrm>
-              <a:off x="2021547" y="6328068"/>
+              <a:off x="1699340" y="6328052"/>
               <a:ext cx="63202" cy="63202"/>
             </a:xfrm>
             <a:custGeom>
@@ -9007,7 +9007,7 @@
           </p:nvSpPr>
           <p:spPr>
             <a:xfrm>
-              <a:off x="1802987" y="6321119"/>
+              <a:off x="2149016" y="6321124"/>
               <a:ext cx="63202" cy="63202"/>
             </a:xfrm>
             <a:custGeom>
@@ -9050,7 +9050,7 @@
           </p:nvSpPr>
           <p:spPr>
             <a:xfrm>
-              <a:off x="2006836" y="6311052"/>
+              <a:off x="1969132" y="6311056"/>
               <a:ext cx="63202" cy="63202"/>
             </a:xfrm>
             <a:custGeom>
@@ -9093,7 +9093,7 @@
           </p:nvSpPr>
           <p:spPr>
             <a:xfrm>
-              <a:off x="1761122" y="6313707"/>
+              <a:off x="1999538" y="6313698"/>
               <a:ext cx="63202" cy="63202"/>
             </a:xfrm>
             <a:custGeom>
@@ -9136,7 +9136,7 @@
           </p:nvSpPr>
           <p:spPr>
             <a:xfrm>
-              <a:off x="2025433" y="6314674"/>
+              <a:off x="1768516" y="6314671"/>
               <a:ext cx="63202" cy="63202"/>
             </a:xfrm>
             <a:custGeom>
@@ -9179,7 +9179,7 @@
           </p:nvSpPr>
           <p:spPr>
             <a:xfrm>
-              <a:off x="2178130" y="6305812"/>
+              <a:off x="2087440" y="6305820"/>
               <a:ext cx="63202" cy="63202"/>
             </a:xfrm>
             <a:custGeom>
@@ -9222,7 +9222,7 @@
           </p:nvSpPr>
           <p:spPr>
             <a:xfrm>
-              <a:off x="1830560" y="6281957"/>
+              <a:off x="2002843" y="6281972"/>
               <a:ext cx="63202" cy="63202"/>
             </a:xfrm>
             <a:custGeom>
@@ -9265,7 +9265,7 @@
           </p:nvSpPr>
           <p:spPr>
             <a:xfrm>
-              <a:off x="1950869" y="6328053"/>
+              <a:off x="1879340" y="6328062"/>
               <a:ext cx="63202" cy="63202"/>
             </a:xfrm>
             <a:custGeom>
@@ -9308,7 +9308,7 @@
           </p:nvSpPr>
           <p:spPr>
             <a:xfrm>
-              <a:off x="2081229" y="6560629"/>
+              <a:off x="2220242" y="6560636"/>
               <a:ext cx="63202" cy="63202"/>
             </a:xfrm>
             <a:custGeom>
@@ -9351,7 +9351,7 @@
           </p:nvSpPr>
           <p:spPr>
             <a:xfrm>
-              <a:off x="2041575" y="6658661"/>
+              <a:off x="1989676" y="6658641"/>
               <a:ext cx="63202" cy="63202"/>
             </a:xfrm>
             <a:custGeom>
@@ -9394,7 +9394,7 @@
           </p:nvSpPr>
           <p:spPr>
             <a:xfrm>
-              <a:off x="2126905" y="6560801"/>
+              <a:off x="1916837" y="6560833"/>
               <a:ext cx="63202" cy="63202"/>
             </a:xfrm>
             <a:custGeom>
@@ -9437,7 +9437,7 @@
           </p:nvSpPr>
           <p:spPr>
             <a:xfrm>
-              <a:off x="2004128" y="6582390"/>
+              <a:off x="2283210" y="6582371"/>
               <a:ext cx="63202" cy="63202"/>
             </a:xfrm>
             <a:custGeom>
@@ -9480,7 +9480,7 @@
           </p:nvSpPr>
           <p:spPr>
             <a:xfrm>
-              <a:off x="1842249" y="6665538"/>
+              <a:off x="2267712" y="6665548"/>
               <a:ext cx="63202" cy="63202"/>
             </a:xfrm>
             <a:custGeom>
@@ -9523,7 +9523,7 @@
           </p:nvSpPr>
           <p:spPr>
             <a:xfrm>
-              <a:off x="1932312" y="6187849"/>
+              <a:off x="1681040" y="6187851"/>
               <a:ext cx="63202" cy="63202"/>
             </a:xfrm>
             <a:custGeom>
@@ -9566,7 +9566,7 @@
           </p:nvSpPr>
           <p:spPr>
             <a:xfrm>
-              <a:off x="1731457" y="6440388"/>
+              <a:off x="2218173" y="6440391"/>
               <a:ext cx="63202" cy="63202"/>
             </a:xfrm>
             <a:custGeom>
@@ -9609,7 +9609,7 @@
           </p:nvSpPr>
           <p:spPr>
             <a:xfrm>
-              <a:off x="1627393" y="6357060"/>
+              <a:off x="2049654" y="6357042"/>
               <a:ext cx="63202" cy="63202"/>
             </a:xfrm>
             <a:custGeom>
@@ -9652,7 +9652,7 @@
           </p:nvSpPr>
           <p:spPr>
             <a:xfrm>
-              <a:off x="1884848" y="6195730"/>
+              <a:off x="1668433" y="6195738"/>
               <a:ext cx="63202" cy="63202"/>
             </a:xfrm>
             <a:custGeom>
@@ -9695,7 +9695,7 @@
           </p:nvSpPr>
           <p:spPr>
             <a:xfrm>
-              <a:off x="1708252" y="6198098"/>
+              <a:off x="2161500" y="6198102"/>
               <a:ext cx="63202" cy="63202"/>
             </a:xfrm>
             <a:custGeom>
@@ -9738,7 +9738,7 @@
           </p:nvSpPr>
           <p:spPr>
             <a:xfrm>
-              <a:off x="1900844" y="6200075"/>
+              <a:off x="1831298" y="6200086"/>
               <a:ext cx="63202" cy="63202"/>
             </a:xfrm>
             <a:custGeom>
@@ -9781,7 +9781,7 @@
           </p:nvSpPr>
           <p:spPr>
             <a:xfrm>
-              <a:off x="1785998" y="6199439"/>
+              <a:off x="2128455" y="6199468"/>
               <a:ext cx="63202" cy="63202"/>
             </a:xfrm>
             <a:custGeom>
@@ -9824,7 +9824,7 @@
           </p:nvSpPr>
           <p:spPr>
             <a:xfrm>
-              <a:off x="1883654" y="6194586"/>
+              <a:off x="1957090" y="6194616"/>
               <a:ext cx="63202" cy="63202"/>
             </a:xfrm>
             <a:custGeom>
@@ -9867,7 +9867,7 @@
           </p:nvSpPr>
           <p:spPr>
             <a:xfrm>
-              <a:off x="2004060" y="6402565"/>
+              <a:off x="1915395" y="6402590"/>
               <a:ext cx="63202" cy="63202"/>
             </a:xfrm>
             <a:custGeom>
@@ -9910,7 +9910,7 @@
           </p:nvSpPr>
           <p:spPr>
             <a:xfrm>
-              <a:off x="1927263" y="6471921"/>
+              <a:off x="1799743" y="6471899"/>
               <a:ext cx="63202" cy="63202"/>
             </a:xfrm>
             <a:custGeom>
@@ -9953,7 +9953,7 @@
           </p:nvSpPr>
           <p:spPr>
             <a:xfrm>
-              <a:off x="1911928" y="6191257"/>
+              <a:off x="2057960" y="6191245"/>
               <a:ext cx="63202" cy="63202"/>
             </a:xfrm>
             <a:custGeom>
@@ -9996,7 +9996,7 @@
           </p:nvSpPr>
           <p:spPr>
             <a:xfrm>
-              <a:off x="1670026" y="6325689"/>
+              <a:off x="1848155" y="6325680"/>
               <a:ext cx="63202" cy="63202"/>
             </a:xfrm>
             <a:custGeom>
@@ -10095,7 +10095,7 @@
           </p:nvSpPr>
           <p:spPr>
             <a:xfrm>
-              <a:off x="4325757" y="2797363"/>
+              <a:off x="4325757" y="2797358"/>
               <a:ext cx="2796732" cy="0"/>
             </a:xfrm>
             <a:custGeom>
@@ -10138,7 +10138,7 @@
           </p:nvSpPr>
           <p:spPr>
             <a:xfrm>
-              <a:off x="4325757" y="2312565"/>
+              <a:off x="4325757" y="2312566"/>
               <a:ext cx="2796732" cy="0"/>
             </a:xfrm>
             <a:custGeom>
@@ -10181,7 +10181,7 @@
           </p:nvSpPr>
           <p:spPr>
             <a:xfrm>
-              <a:off x="4325757" y="1827767"/>
+              <a:off x="4325757" y="1827774"/>
               <a:ext cx="2796732" cy="0"/>
             </a:xfrm>
             <a:custGeom>
@@ -10224,7 +10224,7 @@
           </p:nvSpPr>
           <p:spPr>
             <a:xfrm>
-              <a:off x="4325757" y="3039762"/>
+              <a:off x="4325757" y="3039754"/>
               <a:ext cx="2796732" cy="0"/>
             </a:xfrm>
             <a:custGeom>
@@ -10267,7 +10267,7 @@
           </p:nvSpPr>
           <p:spPr>
             <a:xfrm>
-              <a:off x="4325757" y="2554964"/>
+              <a:off x="4325757" y="2554962"/>
               <a:ext cx="2796732" cy="0"/>
             </a:xfrm>
             <a:custGeom>
@@ -10310,7 +10310,7 @@
           </p:nvSpPr>
           <p:spPr>
             <a:xfrm>
-              <a:off x="4325757" y="2070166"/>
+              <a:off x="4325757" y="2070170"/>
               <a:ext cx="2796732" cy="0"/>
             </a:xfrm>
             <a:custGeom>
@@ -10353,7 +10353,7 @@
           </p:nvSpPr>
           <p:spPr>
             <a:xfrm>
-              <a:off x="4325757" y="1585368"/>
+              <a:off x="4325757" y="1585378"/>
               <a:ext cx="2796732" cy="0"/>
             </a:xfrm>
             <a:custGeom>
@@ -10525,7 +10525,7 @@
           </p:nvSpPr>
           <p:spPr>
             <a:xfrm>
-              <a:off x="5092652" y="2523136"/>
+              <a:off x="4662036" y="2523113"/>
               <a:ext cx="63202" cy="63202"/>
             </a:xfrm>
             <a:custGeom>
@@ -10568,7 +10568,7 @@
           </p:nvSpPr>
           <p:spPr>
             <a:xfrm>
-              <a:off x="4556458" y="2409735"/>
+              <a:off x="4789554" y="2409720"/>
               <a:ext cx="63202" cy="63202"/>
             </a:xfrm>
             <a:custGeom>
@@ -10611,7 +10611,7 @@
           </p:nvSpPr>
           <p:spPr>
             <a:xfrm>
-              <a:off x="4590342" y="2369243"/>
+              <a:off x="4645371" y="2369262"/>
               <a:ext cx="63202" cy="63202"/>
             </a:xfrm>
             <a:custGeom>
@@ -10654,7 +10654,7 @@
           </p:nvSpPr>
           <p:spPr>
             <a:xfrm>
-              <a:off x="4507582" y="2416986"/>
+              <a:off x="4511199" y="2416987"/>
               <a:ext cx="63202" cy="63202"/>
             </a:xfrm>
             <a:custGeom>
@@ -10697,7 +10697,7 @@
           </p:nvSpPr>
           <p:spPr>
             <a:xfrm>
-              <a:off x="5100590" y="2439309"/>
+              <a:off x="4903573" y="2439302"/>
               <a:ext cx="63202" cy="63202"/>
             </a:xfrm>
             <a:custGeom>
@@ -10740,7 +10740,7 @@
           </p:nvSpPr>
           <p:spPr>
             <a:xfrm>
-              <a:off x="4773635" y="2470193"/>
+              <a:off x="5003377" y="2470162"/>
               <a:ext cx="63202" cy="63202"/>
             </a:xfrm>
             <a:custGeom>
@@ -10783,7 +10783,7 @@
           </p:nvSpPr>
           <p:spPr>
             <a:xfrm>
-              <a:off x="4732689" y="2389988"/>
+              <a:off x="4828203" y="2390005"/>
               <a:ext cx="63202" cy="63202"/>
             </a:xfrm>
             <a:custGeom>
@@ -10826,7 +10826,7 @@
           </p:nvSpPr>
           <p:spPr>
             <a:xfrm>
-              <a:off x="4542400" y="2419069"/>
+              <a:off x="5102459" y="2419075"/>
               <a:ext cx="63202" cy="63202"/>
             </a:xfrm>
             <a:custGeom>
@@ -10869,7 +10869,7 @@
           </p:nvSpPr>
           <p:spPr>
             <a:xfrm>
-              <a:off x="4807165" y="2391710"/>
+              <a:off x="5116758" y="2391675"/>
               <a:ext cx="63202" cy="63202"/>
             </a:xfrm>
             <a:custGeom>
@@ -10912,7 +10912,7 @@
           </p:nvSpPr>
           <p:spPr>
             <a:xfrm>
-              <a:off x="5045889" y="2407345"/>
+              <a:off x="4630570" y="2407343"/>
               <a:ext cx="63202" cy="63202"/>
             </a:xfrm>
             <a:custGeom>
@@ -10955,7 +10955,7 @@
           </p:nvSpPr>
           <p:spPr>
             <a:xfrm>
-              <a:off x="5062480" y="2875163"/>
+              <a:off x="4493152" y="2875163"/>
               <a:ext cx="63202" cy="63202"/>
             </a:xfrm>
             <a:custGeom>
@@ -10998,7 +10998,7 @@
           </p:nvSpPr>
           <p:spPr>
             <a:xfrm>
-              <a:off x="5008208" y="2398495"/>
+              <a:off x="4821252" y="2398483"/>
               <a:ext cx="63202" cy="63202"/>
             </a:xfrm>
             <a:custGeom>
@@ -11041,7 +11041,7 @@
           </p:nvSpPr>
           <p:spPr>
             <a:xfrm>
-              <a:off x="4629126" y="2405623"/>
+              <a:off x="4998668" y="2405619"/>
               <a:ext cx="63202" cy="63202"/>
             </a:xfrm>
             <a:custGeom>
@@ -11084,7 +11084,7 @@
           </p:nvSpPr>
           <p:spPr>
             <a:xfrm>
-              <a:off x="4705838" y="2419419"/>
+              <a:off x="5112362" y="2419421"/>
               <a:ext cx="63202" cy="63202"/>
             </a:xfrm>
             <a:custGeom>
@@ -11127,7 +11127,7 @@
           </p:nvSpPr>
           <p:spPr>
             <a:xfrm>
-              <a:off x="4530164" y="2533189"/>
+              <a:off x="4867746" y="2533218"/>
               <a:ext cx="63202" cy="63202"/>
             </a:xfrm>
             <a:custGeom>
@@ -11170,7 +11170,7 @@
           </p:nvSpPr>
           <p:spPr>
             <a:xfrm>
-              <a:off x="4507994" y="2424212"/>
+              <a:off x="4501904" y="2424214"/>
               <a:ext cx="63202" cy="63202"/>
             </a:xfrm>
             <a:custGeom>
@@ -11213,7 +11213,7 @@
           </p:nvSpPr>
           <p:spPr>
             <a:xfrm>
-              <a:off x="4941176" y="2502889"/>
+              <a:off x="4472207" y="2502891"/>
               <a:ext cx="63202" cy="63202"/>
             </a:xfrm>
             <a:custGeom>
@@ -11256,7 +11256,7 @@
           </p:nvSpPr>
           <p:spPr>
             <a:xfrm>
-              <a:off x="4966789" y="2380840"/>
+              <a:off x="4996349" y="2380845"/>
               <a:ext cx="63202" cy="63202"/>
             </a:xfrm>
             <a:custGeom>
@@ -11299,7 +11299,7 @@
           </p:nvSpPr>
           <p:spPr>
             <a:xfrm>
-              <a:off x="4759995" y="2402373"/>
+              <a:off x="4975699" y="2402365"/>
               <a:ext cx="63202" cy="63202"/>
             </a:xfrm>
             <a:custGeom>
@@ -11342,7 +11342,7 @@
           </p:nvSpPr>
           <p:spPr>
             <a:xfrm>
-              <a:off x="4925083" y="2456541"/>
+              <a:off x="5016785" y="2456569"/>
               <a:ext cx="63202" cy="63202"/>
             </a:xfrm>
             <a:custGeom>
@@ -11385,7 +11385,7 @@
           </p:nvSpPr>
           <p:spPr>
             <a:xfrm>
-              <a:off x="4593624" y="2422231"/>
+              <a:off x="5087535" y="2422230"/>
               <a:ext cx="63202" cy="63202"/>
             </a:xfrm>
             <a:custGeom>
@@ -11428,7 +11428,7 @@
           </p:nvSpPr>
           <p:spPr>
             <a:xfrm>
-              <a:off x="4773190" y="2435027"/>
+              <a:off x="4586742" y="2435035"/>
               <a:ext cx="63202" cy="63202"/>
             </a:xfrm>
             <a:custGeom>
@@ -11471,7 +11471,7 @@
           </p:nvSpPr>
           <p:spPr>
             <a:xfrm>
-              <a:off x="4716276" y="2588416"/>
+              <a:off x="5005438" y="2588404"/>
               <a:ext cx="63202" cy="63202"/>
             </a:xfrm>
             <a:custGeom>
@@ -11514,7 +11514,7 @@
           </p:nvSpPr>
           <p:spPr>
             <a:xfrm>
-              <a:off x="4526652" y="2568343"/>
+              <a:off x="4734933" y="2568361"/>
               <a:ext cx="63202" cy="63202"/>
             </a:xfrm>
             <a:custGeom>
@@ -11557,7 +11557,7 @@
           </p:nvSpPr>
           <p:spPr>
             <a:xfrm>
-              <a:off x="4795102" y="2466152"/>
+              <a:off x="4509413" y="2466164"/>
               <a:ext cx="63202" cy="63202"/>
             </a:xfrm>
             <a:custGeom>
@@ -11600,7 +11600,7 @@
           </p:nvSpPr>
           <p:spPr>
             <a:xfrm>
-              <a:off x="4554327" y="2405712"/>
+              <a:off x="5013612" y="2405683"/>
               <a:ext cx="63202" cy="63202"/>
             </a:xfrm>
             <a:custGeom>
@@ -11643,7 +11643,7 @@
           </p:nvSpPr>
           <p:spPr>
             <a:xfrm>
-              <a:off x="4778993" y="2784956"/>
+              <a:off x="4616345" y="2784950"/>
               <a:ext cx="63202" cy="63202"/>
             </a:xfrm>
             <a:custGeom>
@@ -11686,7 +11686,7 @@
           </p:nvSpPr>
           <p:spPr>
             <a:xfrm>
-              <a:off x="4919996" y="2414952"/>
+              <a:off x="5164224" y="2414974"/>
               <a:ext cx="63202" cy="63202"/>
             </a:xfrm>
             <a:custGeom>
@@ -11729,7 +11729,7 @@
           </p:nvSpPr>
           <p:spPr>
             <a:xfrm>
-              <a:off x="5109279" y="2431755"/>
+              <a:off x="5155553" y="2431721"/>
               <a:ext cx="63202" cy="63202"/>
             </a:xfrm>
             <a:custGeom>
@@ -11772,7 +11772,7 @@
           </p:nvSpPr>
           <p:spPr>
             <a:xfrm>
-              <a:off x="4877711" y="2371800"/>
+              <a:off x="4799597" y="2371810"/>
               <a:ext cx="63202" cy="63202"/>
             </a:xfrm>
             <a:custGeom>
@@ -11815,7 +11815,7 @@
           </p:nvSpPr>
           <p:spPr>
             <a:xfrm>
-              <a:off x="5080682" y="2422919"/>
+              <a:off x="4953883" y="2422908"/>
               <a:ext cx="63202" cy="63202"/>
             </a:xfrm>
             <a:custGeom>
@@ -11858,7 +11858,7 @@
           </p:nvSpPr>
           <p:spPr>
             <a:xfrm>
-              <a:off x="4938084" y="2381723"/>
+              <a:off x="4965998" y="2381695"/>
               <a:ext cx="63202" cy="63202"/>
             </a:xfrm>
             <a:custGeom>
@@ -11901,7 +11901,7 @@
           </p:nvSpPr>
           <p:spPr>
             <a:xfrm>
-              <a:off x="4968255" y="2435452"/>
+              <a:off x="4970553" y="2435448"/>
               <a:ext cx="63202" cy="63202"/>
             </a:xfrm>
             <a:custGeom>
@@ -11944,7 +11944,7 @@
           </p:nvSpPr>
           <p:spPr>
             <a:xfrm>
-              <a:off x="4768541" y="2463849"/>
+              <a:off x="4720542" y="2463840"/>
               <a:ext cx="63202" cy="63202"/>
             </a:xfrm>
             <a:custGeom>
@@ -11987,7 +11987,7 @@
           </p:nvSpPr>
           <p:spPr>
             <a:xfrm>
-              <a:off x="5061167" y="2411923"/>
+              <a:off x="4575813" y="2411890"/>
               <a:ext cx="63202" cy="63202"/>
             </a:xfrm>
             <a:custGeom>
@@ -12030,7 +12030,7 @@
           </p:nvSpPr>
           <p:spPr>
             <a:xfrm>
-              <a:off x="5029981" y="2405618"/>
+              <a:off x="4624474" y="2405602"/>
               <a:ext cx="63202" cy="63202"/>
             </a:xfrm>
             <a:custGeom>
@@ -12073,7 +12073,7 @@
           </p:nvSpPr>
           <p:spPr>
             <a:xfrm>
-              <a:off x="4730210" y="2419263"/>
+              <a:off x="4773064" y="2419288"/>
               <a:ext cx="63202" cy="63202"/>
             </a:xfrm>
             <a:custGeom>
@@ -12116,7 +12116,7 @@
           </p:nvSpPr>
           <p:spPr>
             <a:xfrm>
-              <a:off x="5009951" y="2459792"/>
+              <a:off x="4908016" y="2459785"/>
               <a:ext cx="63202" cy="63202"/>
             </a:xfrm>
             <a:custGeom>
@@ -12159,7 +12159,7 @@
           </p:nvSpPr>
           <p:spPr>
             <a:xfrm>
-              <a:off x="4862996" y="2414682"/>
+              <a:off x="5076695" y="2414683"/>
               <a:ext cx="63202" cy="63202"/>
             </a:xfrm>
             <a:custGeom>
@@ -12202,7 +12202,7 @@
           </p:nvSpPr>
           <p:spPr>
             <a:xfrm>
-              <a:off x="5110666" y="2470753"/>
+              <a:off x="5063414" y="2470752"/>
               <a:ext cx="63202" cy="63202"/>
             </a:xfrm>
             <a:custGeom>
@@ -12245,7 +12245,7 @@
           </p:nvSpPr>
           <p:spPr>
             <a:xfrm>
-              <a:off x="4690853" y="2441449"/>
+              <a:off x="5167486" y="2441425"/>
               <a:ext cx="63202" cy="63202"/>
             </a:xfrm>
             <a:custGeom>
@@ -12288,7 +12288,7 @@
           </p:nvSpPr>
           <p:spPr>
             <a:xfrm>
-              <a:off x="4609377" y="2602242"/>
+              <a:off x="4969507" y="2602221"/>
               <a:ext cx="63202" cy="63202"/>
             </a:xfrm>
             <a:custGeom>
@@ -12331,7 +12331,7 @@
           </p:nvSpPr>
           <p:spPr>
             <a:xfrm>
-              <a:off x="4506139" y="2423443"/>
+              <a:off x="4889276" y="2423446"/>
               <a:ext cx="63202" cy="63202"/>
             </a:xfrm>
             <a:custGeom>
@@ -12374,7 +12374,7 @@
           </p:nvSpPr>
           <p:spPr>
             <a:xfrm>
-              <a:off x="5042195" y="2536253"/>
+              <a:off x="4602726" y="2536251"/>
               <a:ext cx="63202" cy="63202"/>
             </a:xfrm>
             <a:custGeom>
@@ -12417,7 +12417,7 @@
           </p:nvSpPr>
           <p:spPr>
             <a:xfrm>
-              <a:off x="4721341" y="2403085"/>
+              <a:off x="5039165" y="2403082"/>
               <a:ext cx="63202" cy="63202"/>
             </a:xfrm>
             <a:custGeom>
@@ -12460,7 +12460,7 @@
           </p:nvSpPr>
           <p:spPr>
             <a:xfrm>
-              <a:off x="4824649" y="2414835"/>
+              <a:off x="4898974" y="2414818"/>
               <a:ext cx="63202" cy="63202"/>
             </a:xfrm>
             <a:custGeom>
@@ -12503,7 +12503,7 @@
           </p:nvSpPr>
           <p:spPr>
             <a:xfrm>
-              <a:off x="5098939" y="2385715"/>
+              <a:off x="5058391" y="2385724"/>
               <a:ext cx="63202" cy="63202"/>
             </a:xfrm>
             <a:custGeom>
@@ -12546,7 +12546,7 @@
           </p:nvSpPr>
           <p:spPr>
             <a:xfrm>
-              <a:off x="5028514" y="2408403"/>
+              <a:off x="5089004" y="2408410"/>
               <a:ext cx="63202" cy="63202"/>
             </a:xfrm>
             <a:custGeom>
@@ -12589,7 +12589,7 @@
           </p:nvSpPr>
           <p:spPr>
             <a:xfrm>
-              <a:off x="4729489" y="2421696"/>
+              <a:off x="4502381" y="2421689"/>
               <a:ext cx="63202" cy="63202"/>
             </a:xfrm>
             <a:custGeom>
@@ -12632,7 +12632,7 @@
           </p:nvSpPr>
           <p:spPr>
             <a:xfrm>
-              <a:off x="4674047" y="2609749"/>
+              <a:off x="4667308" y="2609740"/>
               <a:ext cx="63202" cy="63202"/>
             </a:xfrm>
             <a:custGeom>
@@ -12675,7 +12675,7 @@
           </p:nvSpPr>
           <p:spPr>
             <a:xfrm>
-              <a:off x="4995526" y="2424154"/>
+              <a:off x="4679833" y="2424163"/>
               <a:ext cx="63202" cy="63202"/>
             </a:xfrm>
             <a:custGeom>
@@ -12718,7 +12718,7 @@
           </p:nvSpPr>
           <p:spPr>
             <a:xfrm>
-              <a:off x="4709677" y="2511791"/>
+              <a:off x="4533109" y="2511756"/>
               <a:ext cx="63202" cy="63202"/>
             </a:xfrm>
             <a:custGeom>
@@ -12761,7 +12761,7 @@
           </p:nvSpPr>
           <p:spPr>
             <a:xfrm>
-              <a:off x="5485163" y="2683384"/>
+              <a:off x="5392587" y="2683406"/>
               <a:ext cx="63202" cy="63202"/>
             </a:xfrm>
             <a:custGeom>
@@ -12804,7 +12804,7 @@
           </p:nvSpPr>
           <p:spPr>
             <a:xfrm>
-              <a:off x="5068776" y="2367560"/>
+              <a:off x="4703559" y="2367530"/>
               <a:ext cx="63202" cy="63202"/>
             </a:xfrm>
             <a:custGeom>
@@ -12847,7 +12847,7 @@
           </p:nvSpPr>
           <p:spPr>
             <a:xfrm>
-              <a:off x="4955307" y="2388680"/>
+              <a:off x="5161258" y="2388671"/>
               <a:ext cx="63202" cy="63202"/>
             </a:xfrm>
             <a:custGeom>
@@ -12890,7 +12890,7 @@
           </p:nvSpPr>
           <p:spPr>
             <a:xfrm>
-              <a:off x="4903718" y="2680390"/>
+              <a:off x="4576933" y="2680384"/>
               <a:ext cx="63202" cy="63202"/>
             </a:xfrm>
             <a:custGeom>
@@ -12933,7 +12933,7 @@
           </p:nvSpPr>
           <p:spPr>
             <a:xfrm>
-              <a:off x="4629686" y="2431896"/>
+              <a:off x="4722680" y="2431879"/>
               <a:ext cx="63202" cy="63202"/>
             </a:xfrm>
             <a:custGeom>
@@ -12976,7 +12976,7 @@
           </p:nvSpPr>
           <p:spPr>
             <a:xfrm>
-              <a:off x="4945545" y="2390464"/>
+              <a:off x="4631839" y="2390482"/>
               <a:ext cx="63202" cy="63202"/>
             </a:xfrm>
             <a:custGeom>
@@ -13019,7 +13019,7 @@
           </p:nvSpPr>
           <p:spPr>
             <a:xfrm>
-              <a:off x="5130256" y="2424183"/>
+              <a:off x="4907443" y="2424162"/>
               <a:ext cx="63202" cy="63202"/>
             </a:xfrm>
             <a:custGeom>
@@ -13062,7 +13062,7 @@
           </p:nvSpPr>
           <p:spPr>
             <a:xfrm>
-              <a:off x="4714898" y="2442657"/>
+              <a:off x="4742412" y="2442631"/>
               <a:ext cx="63202" cy="63202"/>
             </a:xfrm>
             <a:custGeom>
@@ -13105,7 +13105,7 @@
           </p:nvSpPr>
           <p:spPr>
             <a:xfrm>
-              <a:off x="5005211" y="2428179"/>
+              <a:off x="4934007" y="2428180"/>
               <a:ext cx="63202" cy="63202"/>
             </a:xfrm>
             <a:custGeom>
@@ -13148,7 +13148,7 @@
           </p:nvSpPr>
           <p:spPr>
             <a:xfrm>
-              <a:off x="4874433" y="2484584"/>
+              <a:off x="4900371" y="2484563"/>
               <a:ext cx="63202" cy="63202"/>
             </a:xfrm>
             <a:custGeom>
@@ -13191,7 +13191,7 @@
           </p:nvSpPr>
           <p:spPr>
             <a:xfrm>
-              <a:off x="4534958" y="2409425"/>
+              <a:off x="4936708" y="2409430"/>
               <a:ext cx="63202" cy="63202"/>
             </a:xfrm>
             <a:custGeom>
@@ -13234,7 +13234,7 @@
           </p:nvSpPr>
           <p:spPr>
             <a:xfrm>
-              <a:off x="4917846" y="2413911"/>
+              <a:off x="5112724" y="2413907"/>
               <a:ext cx="63202" cy="63202"/>
             </a:xfrm>
             <a:custGeom>
@@ -13277,7 +13277,7 @@
           </p:nvSpPr>
           <p:spPr>
             <a:xfrm>
-              <a:off x="4792614" y="2455628"/>
+              <a:off x="4781660" y="2455644"/>
               <a:ext cx="63202" cy="63202"/>
             </a:xfrm>
             <a:custGeom>
@@ -13320,7 +13320,7 @@
           </p:nvSpPr>
           <p:spPr>
             <a:xfrm>
-              <a:off x="4775423" y="2453123"/>
+              <a:off x="4543368" y="2453117"/>
               <a:ext cx="63202" cy="63202"/>
             </a:xfrm>
             <a:custGeom>
@@ -13363,7 +13363,7 @@
           </p:nvSpPr>
           <p:spPr>
             <a:xfrm>
-              <a:off x="4614681" y="2402296"/>
+              <a:off x="5014913" y="2402296"/>
               <a:ext cx="63202" cy="63202"/>
             </a:xfrm>
             <a:custGeom>
@@ -13406,7 +13406,7 @@
           </p:nvSpPr>
           <p:spPr>
             <a:xfrm>
-              <a:off x="4474413" y="2502792"/>
+              <a:off x="5091930" y="2502821"/>
               <a:ext cx="63202" cy="63202"/>
             </a:xfrm>
             <a:custGeom>
@@ -13449,7 +13449,7 @@
           </p:nvSpPr>
           <p:spPr>
             <a:xfrm>
-              <a:off x="4986632" y="2505969"/>
+              <a:off x="4601918" y="2505949"/>
               <a:ext cx="63202" cy="63202"/>
             </a:xfrm>
             <a:custGeom>
@@ -13492,7 +13492,7 @@
           </p:nvSpPr>
           <p:spPr>
             <a:xfrm>
-              <a:off x="4846965" y="2452195"/>
+              <a:off x="4780919" y="2452188"/>
               <a:ext cx="63202" cy="63202"/>
             </a:xfrm>
             <a:custGeom>
@@ -13535,7 +13535,7 @@
           </p:nvSpPr>
           <p:spPr>
             <a:xfrm>
-              <a:off x="4730586" y="2492332"/>
+              <a:off x="5039025" y="2492336"/>
               <a:ext cx="63202" cy="63202"/>
             </a:xfrm>
             <a:custGeom>
@@ -13578,7 +13578,7 @@
           </p:nvSpPr>
           <p:spPr>
             <a:xfrm>
-              <a:off x="4544034" y="2433913"/>
+              <a:off x="4711836" y="2433913"/>
               <a:ext cx="63202" cy="63202"/>
             </a:xfrm>
             <a:custGeom>
@@ -13621,7 +13621,7 @@
           </p:nvSpPr>
           <p:spPr>
             <a:xfrm>
-              <a:off x="4914947" y="2406250"/>
+              <a:off x="5138855" y="2406230"/>
               <a:ext cx="63202" cy="63202"/>
             </a:xfrm>
             <a:custGeom>
@@ -13664,7 +13664,7 @@
           </p:nvSpPr>
           <p:spPr>
             <a:xfrm>
-              <a:off x="4667395" y="2368468"/>
+              <a:off x="4719857" y="2368486"/>
               <a:ext cx="63202" cy="63202"/>
             </a:xfrm>
             <a:custGeom>
@@ -13707,7 +13707,7 @@
           </p:nvSpPr>
           <p:spPr>
             <a:xfrm>
-              <a:off x="4591534" y="2369875"/>
+              <a:off x="4886583" y="2369869"/>
               <a:ext cx="63202" cy="63202"/>
             </a:xfrm>
             <a:custGeom>
@@ -13750,7 +13750,7 @@
           </p:nvSpPr>
           <p:spPr>
             <a:xfrm>
-              <a:off x="4800757" y="2431069"/>
+              <a:off x="4779394" y="2431053"/>
               <a:ext cx="63202" cy="63202"/>
             </a:xfrm>
             <a:custGeom>
@@ -13793,7 +13793,7 @@
           </p:nvSpPr>
           <p:spPr>
             <a:xfrm>
-              <a:off x="4728436" y="2394077"/>
+              <a:off x="4588459" y="2394068"/>
               <a:ext cx="63202" cy="63202"/>
             </a:xfrm>
             <a:custGeom>
@@ -13836,7 +13836,7 @@
           </p:nvSpPr>
           <p:spPr>
             <a:xfrm>
-              <a:off x="4486306" y="2755934"/>
+              <a:off x="4952999" y="2755927"/>
               <a:ext cx="63202" cy="63202"/>
             </a:xfrm>
             <a:custGeom>
@@ -13879,7 +13879,7 @@
           </p:nvSpPr>
           <p:spPr>
             <a:xfrm>
-              <a:off x="5113325" y="2368549"/>
+              <a:off x="4595227" y="2368584"/>
               <a:ext cx="63202" cy="63202"/>
             </a:xfrm>
             <a:custGeom>
@@ -13922,7 +13922,7 @@
           </p:nvSpPr>
           <p:spPr>
             <a:xfrm>
-              <a:off x="5043027" y="2397890"/>
+              <a:off x="4972305" y="2397896"/>
               <a:ext cx="63202" cy="63202"/>
             </a:xfrm>
             <a:custGeom>
@@ -13965,7 +13965,7 @@
           </p:nvSpPr>
           <p:spPr>
             <a:xfrm>
-              <a:off x="5061698" y="2406029"/>
+              <a:off x="5028969" y="2406054"/>
               <a:ext cx="63202" cy="63202"/>
             </a:xfrm>
             <a:custGeom>
@@ -14008,7 +14008,7 @@
           </p:nvSpPr>
           <p:spPr>
             <a:xfrm>
-              <a:off x="5042857" y="2461988"/>
+              <a:off x="5009566" y="2461981"/>
               <a:ext cx="63202" cy="63202"/>
             </a:xfrm>
             <a:custGeom>
@@ -14051,7 +14051,7 @@
           </p:nvSpPr>
           <p:spPr>
             <a:xfrm>
-              <a:off x="5071675" y="2360121"/>
+              <a:off x="4801807" y="2360113"/>
               <a:ext cx="63202" cy="63202"/>
             </a:xfrm>
             <a:custGeom>
@@ -14094,7 +14094,7 @@
           </p:nvSpPr>
           <p:spPr>
             <a:xfrm>
-              <a:off x="4806668" y="2414782"/>
+              <a:off x="4602549" y="2414756"/>
               <a:ext cx="63202" cy="63202"/>
             </a:xfrm>
             <a:custGeom>
@@ -14137,7 +14137,7 @@
           </p:nvSpPr>
           <p:spPr>
             <a:xfrm>
-              <a:off x="4905998" y="2403523"/>
+              <a:off x="4921052" y="2403505"/>
               <a:ext cx="63202" cy="63202"/>
             </a:xfrm>
             <a:custGeom>
@@ -14236,7 +14236,7 @@
           </p:nvSpPr>
           <p:spPr>
             <a:xfrm>
-              <a:off x="4325757" y="4722696"/>
+              <a:off x="4325757" y="4722690"/>
               <a:ext cx="2796732" cy="0"/>
             </a:xfrm>
             <a:custGeom>
@@ -14322,7 +14322,7 @@
           </p:nvSpPr>
           <p:spPr>
             <a:xfrm>
-              <a:off x="4325757" y="3753100"/>
+              <a:off x="4325757" y="3753106"/>
               <a:ext cx="2796732" cy="0"/>
             </a:xfrm>
             <a:custGeom>
@@ -14365,7 +14365,7 @@
           </p:nvSpPr>
           <p:spPr>
             <a:xfrm>
-              <a:off x="4325757" y="4965095"/>
+              <a:off x="4325757" y="4965086"/>
               <a:ext cx="2796732" cy="0"/>
             </a:xfrm>
             <a:custGeom>
@@ -14408,7 +14408,7 @@
           </p:nvSpPr>
           <p:spPr>
             <a:xfrm>
-              <a:off x="4325757" y="4480297"/>
+              <a:off x="4325757" y="4480294"/>
               <a:ext cx="2796732" cy="0"/>
             </a:xfrm>
             <a:custGeom>
@@ -14451,7 +14451,7 @@
           </p:nvSpPr>
           <p:spPr>
             <a:xfrm>
-              <a:off x="4325757" y="3995499"/>
+              <a:off x="4325757" y="3995502"/>
               <a:ext cx="2796732" cy="0"/>
             </a:xfrm>
             <a:custGeom>
@@ -14494,7 +14494,7 @@
           </p:nvSpPr>
           <p:spPr>
             <a:xfrm>
-              <a:off x="4325757" y="3510701"/>
+              <a:off x="4325757" y="3510710"/>
               <a:ext cx="2796732" cy="0"/>
             </a:xfrm>
             <a:custGeom>
@@ -14666,7 +14666,7 @@
           </p:nvSpPr>
           <p:spPr>
             <a:xfrm>
-              <a:off x="5768643" y="4821831"/>
+              <a:off x="5412517" y="4821826"/>
               <a:ext cx="63202" cy="63202"/>
             </a:xfrm>
             <a:custGeom>
@@ -14709,7 +14709,7 @@
           </p:nvSpPr>
           <p:spPr>
             <a:xfrm>
-              <a:off x="4733499" y="4732203"/>
+              <a:off x="5154609" y="4732189"/>
               <a:ext cx="63202" cy="63202"/>
             </a:xfrm>
             <a:custGeom>
@@ -14752,7 +14752,7 @@
           </p:nvSpPr>
           <p:spPr>
             <a:xfrm>
-              <a:off x="5040898" y="4371865"/>
+              <a:off x="4551456" y="4371866"/>
               <a:ext cx="63202" cy="63202"/>
             </a:xfrm>
             <a:custGeom>
@@ -14795,7 +14795,7 @@
           </p:nvSpPr>
           <p:spPr>
             <a:xfrm>
-              <a:off x="6404751" y="4883747"/>
+              <a:off x="6520769" y="4883747"/>
               <a:ext cx="63202" cy="63202"/>
             </a:xfrm>
             <a:custGeom>
@@ -14894,7 +14894,7 @@
           </p:nvSpPr>
           <p:spPr>
             <a:xfrm>
-              <a:off x="4325757" y="6648028"/>
+              <a:off x="4325757" y="6648023"/>
               <a:ext cx="2796732" cy="0"/>
             </a:xfrm>
             <a:custGeom>
@@ -14937,7 +14937,7 @@
           </p:nvSpPr>
           <p:spPr>
             <a:xfrm>
-              <a:off x="4325757" y="6163230"/>
+              <a:off x="4325757" y="6163231"/>
               <a:ext cx="2796732" cy="0"/>
             </a:xfrm>
             <a:custGeom>
@@ -14980,7 +14980,7 @@
           </p:nvSpPr>
           <p:spPr>
             <a:xfrm>
-              <a:off x="4325757" y="5678432"/>
+              <a:off x="4325757" y="5678439"/>
               <a:ext cx="2796732" cy="0"/>
             </a:xfrm>
             <a:custGeom>
@@ -15023,7 +15023,7 @@
           </p:nvSpPr>
           <p:spPr>
             <a:xfrm>
-              <a:off x="4325757" y="6890427"/>
+              <a:off x="4325757" y="6890419"/>
               <a:ext cx="2796732" cy="0"/>
             </a:xfrm>
             <a:custGeom>
@@ -15066,7 +15066,7 @@
           </p:nvSpPr>
           <p:spPr>
             <a:xfrm>
-              <a:off x="4325757" y="6405629"/>
+              <a:off x="4325757" y="6405627"/>
               <a:ext cx="2796732" cy="0"/>
             </a:xfrm>
             <a:custGeom>
@@ -15109,7 +15109,7 @@
           </p:nvSpPr>
           <p:spPr>
             <a:xfrm>
-              <a:off x="4325757" y="5920831"/>
+              <a:off x="4325757" y="5920835"/>
               <a:ext cx="2796732" cy="0"/>
             </a:xfrm>
             <a:custGeom>
@@ -15152,7 +15152,7 @@
           </p:nvSpPr>
           <p:spPr>
             <a:xfrm>
-              <a:off x="4325757" y="5436033"/>
+              <a:off x="4325757" y="5436043"/>
               <a:ext cx="2796732" cy="0"/>
             </a:xfrm>
             <a:custGeom>
@@ -15324,7 +15324,7 @@
           </p:nvSpPr>
           <p:spPr>
             <a:xfrm>
-              <a:off x="4782175" y="6069290"/>
+              <a:off x="5104445" y="6069295"/>
               <a:ext cx="63202" cy="63202"/>
             </a:xfrm>
             <a:custGeom>
@@ -15367,7 +15367,7 @@
           </p:nvSpPr>
           <p:spPr>
             <a:xfrm>
-              <a:off x="4838924" y="6063091"/>
+              <a:off x="4862733" y="6063099"/>
               <a:ext cx="63202" cy="63202"/>
             </a:xfrm>
             <a:custGeom>
@@ -15410,7 +15410,7 @@
           </p:nvSpPr>
           <p:spPr>
             <a:xfrm>
-              <a:off x="4990352" y="6072624"/>
+              <a:off x="5013463" y="6072626"/>
               <a:ext cx="63202" cy="63202"/>
             </a:xfrm>
             <a:custGeom>
@@ -15453,7 +15453,7 @@
           </p:nvSpPr>
           <p:spPr>
             <a:xfrm>
-              <a:off x="4717372" y="6055909"/>
+              <a:off x="4784131" y="6055915"/>
               <a:ext cx="63202" cy="63202"/>
             </a:xfrm>
             <a:custGeom>
@@ -15496,7 +15496,7 @@
           </p:nvSpPr>
           <p:spPr>
             <a:xfrm>
-              <a:off x="4590974" y="6058534"/>
+              <a:off x="4999373" y="6058512"/>
               <a:ext cx="63202" cy="63202"/>
             </a:xfrm>
             <a:custGeom>
@@ -15539,7 +15539,7 @@
           </p:nvSpPr>
           <p:spPr>
             <a:xfrm>
-              <a:off x="5114502" y="6071959"/>
+              <a:off x="5122626" y="6071936"/>
               <a:ext cx="63202" cy="63202"/>
             </a:xfrm>
             <a:custGeom>
@@ -15582,7 +15582,7 @@
           </p:nvSpPr>
           <p:spPr>
             <a:xfrm>
-              <a:off x="4569364" y="6055570"/>
+              <a:off x="5020141" y="6055559"/>
               <a:ext cx="63202" cy="63202"/>
             </a:xfrm>
             <a:custGeom>
@@ -15625,7 +15625,7 @@
           </p:nvSpPr>
           <p:spPr>
             <a:xfrm>
-              <a:off x="4920314" y="6216633"/>
+              <a:off x="4905522" y="6216607"/>
               <a:ext cx="63202" cy="63202"/>
             </a:xfrm>
             <a:custGeom>
@@ -15668,7 +15668,7 @@
           </p:nvSpPr>
           <p:spPr>
             <a:xfrm>
-              <a:off x="5104756" y="6074481"/>
+              <a:off x="4921128" y="6074470"/>
               <a:ext cx="63202" cy="63202"/>
             </a:xfrm>
             <a:custGeom>
@@ -15711,7 +15711,7 @@
           </p:nvSpPr>
           <p:spPr>
             <a:xfrm>
-              <a:off x="5050855" y="6079137"/>
+              <a:off x="4774037" y="6079133"/>
               <a:ext cx="63202" cy="63202"/>
             </a:xfrm>
             <a:custGeom>
@@ -15754,7 +15754,7 @@
           </p:nvSpPr>
           <p:spPr>
             <a:xfrm>
-              <a:off x="4617142" y="6079466"/>
+              <a:off x="4752546" y="6079479"/>
               <a:ext cx="63202" cy="63202"/>
             </a:xfrm>
             <a:custGeom>
@@ -15797,7 +15797,7 @@
           </p:nvSpPr>
           <p:spPr>
             <a:xfrm>
-              <a:off x="4585023" y="6136823"/>
+              <a:off x="5055501" y="6136818"/>
               <a:ext cx="63202" cy="63202"/>
             </a:xfrm>
             <a:custGeom>
@@ -15840,7 +15840,7 @@
           </p:nvSpPr>
           <p:spPr>
             <a:xfrm>
-              <a:off x="4842278" y="6171671"/>
+              <a:off x="4916879" y="6171661"/>
               <a:ext cx="63202" cy="63202"/>
             </a:xfrm>
             <a:custGeom>
@@ -15883,7 +15883,7 @@
           </p:nvSpPr>
           <p:spPr>
             <a:xfrm>
-              <a:off x="4734663" y="6071820"/>
+              <a:off x="4741705" y="6071817"/>
               <a:ext cx="63202" cy="63202"/>
             </a:xfrm>
             <a:custGeom>
@@ -15926,7 +15926,7 @@
           </p:nvSpPr>
           <p:spPr>
             <a:xfrm>
-              <a:off x="4729670" y="6071462"/>
+              <a:off x="4803068" y="6071458"/>
               <a:ext cx="63202" cy="63202"/>
             </a:xfrm>
             <a:custGeom>
@@ -15969,7 +15969,7 @@
           </p:nvSpPr>
           <p:spPr>
             <a:xfrm>
-              <a:off x="4773750" y="6050726"/>
+              <a:off x="4992917" y="6050727"/>
               <a:ext cx="63202" cy="63202"/>
             </a:xfrm>
             <a:custGeom>
@@ -16012,7 +16012,7 @@
           </p:nvSpPr>
           <p:spPr>
             <a:xfrm>
-              <a:off x="4975436" y="6075863"/>
+              <a:off x="4783133" y="6075887"/>
               <a:ext cx="63202" cy="63202"/>
             </a:xfrm>
             <a:custGeom>
@@ -16055,7 +16055,7 @@
           </p:nvSpPr>
           <p:spPr>
             <a:xfrm>
-              <a:off x="4864352" y="6042925"/>
+              <a:off x="4804695" y="6042899"/>
               <a:ext cx="63202" cy="63202"/>
             </a:xfrm>
             <a:custGeom>
@@ -16098,7 +16098,7 @@
           </p:nvSpPr>
           <p:spPr>
             <a:xfrm>
-              <a:off x="4579025" y="6070654"/>
+              <a:off x="4562522" y="6070650"/>
               <a:ext cx="63202" cy="63202"/>
             </a:xfrm>
             <a:custGeom>
@@ -16141,7 +16141,7 @@
           </p:nvSpPr>
           <p:spPr>
             <a:xfrm>
-              <a:off x="4674121" y="6055705"/>
+              <a:off x="4987654" y="6055712"/>
               <a:ext cx="63202" cy="63202"/>
             </a:xfrm>
             <a:custGeom>
@@ -16184,7 +16184,7 @@
           </p:nvSpPr>
           <p:spPr>
             <a:xfrm>
-              <a:off x="4682273" y="6305962"/>
+              <a:off x="4775439" y="6305979"/>
               <a:ext cx="63202" cy="63202"/>
             </a:xfrm>
             <a:custGeom>
@@ -16227,7 +16227,7 @@
           </p:nvSpPr>
           <p:spPr>
             <a:xfrm>
-              <a:off x="4786859" y="6134821"/>
+              <a:off x="4473653" y="6134834"/>
               <a:ext cx="63202" cy="63202"/>
             </a:xfrm>
             <a:custGeom>
@@ -16270,7 +16270,7 @@
           </p:nvSpPr>
           <p:spPr>
             <a:xfrm>
-              <a:off x="4512935" y="6070246"/>
+              <a:off x="4625246" y="6070246"/>
               <a:ext cx="63202" cy="63202"/>
             </a:xfrm>
             <a:custGeom>
@@ -16313,7 +16313,7 @@
           </p:nvSpPr>
           <p:spPr>
             <a:xfrm>
-              <a:off x="5094939" y="6053753"/>
+              <a:off x="5042617" y="6053788"/>
               <a:ext cx="63202" cy="63202"/>
             </a:xfrm>
             <a:custGeom>
@@ -16356,7 +16356,7 @@
           </p:nvSpPr>
           <p:spPr>
             <a:xfrm>
-              <a:off x="4866264" y="6058187"/>
+              <a:off x="4669443" y="6058193"/>
               <a:ext cx="63202" cy="63202"/>
             </a:xfrm>
             <a:custGeom>
@@ -16399,7 +16399,7 @@
           </p:nvSpPr>
           <p:spPr>
             <a:xfrm>
-              <a:off x="4526890" y="6063913"/>
+              <a:off x="4495173" y="6063905"/>
               <a:ext cx="63202" cy="63202"/>
             </a:xfrm>
             <a:custGeom>
@@ -16442,7 +16442,7 @@
           </p:nvSpPr>
           <p:spPr>
             <a:xfrm>
-              <a:off x="4730493" y="6079108"/>
+              <a:off x="4877318" y="6079114"/>
               <a:ext cx="63202" cy="63202"/>
             </a:xfrm>
             <a:custGeom>
@@ -16485,7 +16485,7 @@
           </p:nvSpPr>
           <p:spPr>
             <a:xfrm>
-              <a:off x="4835336" y="6075496"/>
+              <a:off x="4918633" y="6075498"/>
               <a:ext cx="63202" cy="63202"/>
             </a:xfrm>
             <a:custGeom>
@@ -16528,7 +16528,7 @@
           </p:nvSpPr>
           <p:spPr>
             <a:xfrm>
-              <a:off x="5101192" y="6060930"/>
+              <a:off x="5005769" y="6060945"/>
               <a:ext cx="63202" cy="63202"/>
             </a:xfrm>
             <a:custGeom>
@@ -16571,7 +16571,7 @@
           </p:nvSpPr>
           <p:spPr>
             <a:xfrm>
-              <a:off x="4966337" y="6074483"/>
+              <a:off x="4779571" y="6074456"/>
               <a:ext cx="63202" cy="63202"/>
             </a:xfrm>
             <a:custGeom>
@@ -16614,7 +16614,7 @@
           </p:nvSpPr>
           <p:spPr>
             <a:xfrm>
-              <a:off x="5159235" y="6067912"/>
+              <a:off x="4928909" y="6067941"/>
               <a:ext cx="63202" cy="63202"/>
             </a:xfrm>
             <a:custGeom>
@@ -16657,7 +16657,7 @@
           </p:nvSpPr>
           <p:spPr>
             <a:xfrm>
-              <a:off x="4514388" y="6051089"/>
+              <a:off x="4650568" y="6051102"/>
               <a:ext cx="63202" cy="63202"/>
             </a:xfrm>
             <a:custGeom>
@@ -16700,7 +16700,7 @@
           </p:nvSpPr>
           <p:spPr>
             <a:xfrm>
-              <a:off x="5082477" y="6051919"/>
+              <a:off x="4867288" y="6051923"/>
               <a:ext cx="63202" cy="63202"/>
             </a:xfrm>
             <a:custGeom>
@@ -16743,7 +16743,7 @@
           </p:nvSpPr>
           <p:spPr>
             <a:xfrm>
-              <a:off x="4590134" y="6055549"/>
+              <a:off x="5053416" y="6055546"/>
               <a:ext cx="63202" cy="63202"/>
             </a:xfrm>
             <a:custGeom>
@@ -16786,7 +16786,7 @@
           </p:nvSpPr>
           <p:spPr>
             <a:xfrm>
-              <a:off x="4926205" y="6071357"/>
+              <a:off x="5071583" y="6071358"/>
               <a:ext cx="63202" cy="63202"/>
             </a:xfrm>
             <a:custGeom>
@@ -16829,7 +16829,7 @@
           </p:nvSpPr>
           <p:spPr>
             <a:xfrm>
-              <a:off x="4784899" y="6075861"/>
+              <a:off x="5091928" y="6075870"/>
               <a:ext cx="63202" cy="63202"/>
             </a:xfrm>
             <a:custGeom>
@@ -16872,7 +16872,7 @@
           </p:nvSpPr>
           <p:spPr>
             <a:xfrm>
-              <a:off x="4507773" y="6070412"/>
+              <a:off x="4965659" y="6070400"/>
               <a:ext cx="63202" cy="63202"/>
             </a:xfrm>
             <a:custGeom>
@@ -16915,7 +16915,7 @@
           </p:nvSpPr>
           <p:spPr>
             <a:xfrm>
-              <a:off x="4478017" y="6051937"/>
+              <a:off x="4678007" y="6051937"/>
               <a:ext cx="63202" cy="63202"/>
             </a:xfrm>
             <a:custGeom>
@@ -16958,7 +16958,7 @@
           </p:nvSpPr>
           <p:spPr>
             <a:xfrm>
-              <a:off x="4526469" y="6074779"/>
+              <a:off x="4705641" y="6074770"/>
               <a:ext cx="63202" cy="63202"/>
             </a:xfrm>
             <a:custGeom>
@@ -17001,7 +17001,7 @@
           </p:nvSpPr>
           <p:spPr>
             <a:xfrm>
-              <a:off x="4725535" y="6123871"/>
+              <a:off x="5069964" y="6123869"/>
               <a:ext cx="63202" cy="63202"/>
             </a:xfrm>
             <a:custGeom>
@@ -17044,7 +17044,7 @@
           </p:nvSpPr>
           <p:spPr>
             <a:xfrm>
-              <a:off x="4585741" y="6059618"/>
+              <a:off x="4907446" y="6059619"/>
               <a:ext cx="63202" cy="63202"/>
             </a:xfrm>
             <a:custGeom>
@@ -17087,7 +17087,7 @@
           </p:nvSpPr>
           <p:spPr>
             <a:xfrm>
-              <a:off x="5010457" y="6055433"/>
+              <a:off x="4573954" y="6055413"/>
               <a:ext cx="63202" cy="63202"/>
             </a:xfrm>
             <a:custGeom>
@@ -17130,7 +17130,7 @@
           </p:nvSpPr>
           <p:spPr>
             <a:xfrm>
-              <a:off x="5091665" y="6065355"/>
+              <a:off x="4758306" y="6065346"/>
               <a:ext cx="63202" cy="63202"/>
             </a:xfrm>
             <a:custGeom>
@@ -17173,7 +17173,7 @@
           </p:nvSpPr>
           <p:spPr>
             <a:xfrm>
-              <a:off x="5093809" y="6077282"/>
+              <a:off x="4991520" y="6077274"/>
               <a:ext cx="63202" cy="63202"/>
             </a:xfrm>
             <a:custGeom>
@@ -17216,7 +17216,7 @@
           </p:nvSpPr>
           <p:spPr>
             <a:xfrm>
-              <a:off x="4825594" y="6071398"/>
+              <a:off x="4901078" y="6071437"/>
               <a:ext cx="63202" cy="63202"/>
             </a:xfrm>
             <a:custGeom>
@@ -17259,7 +17259,7 @@
           </p:nvSpPr>
           <p:spPr>
             <a:xfrm>
-              <a:off x="4707851" y="6065082"/>
+              <a:off x="4499362" y="6065048"/>
               <a:ext cx="63202" cy="63202"/>
             </a:xfrm>
             <a:custGeom>
@@ -17302,7 +17302,7 @@
           </p:nvSpPr>
           <p:spPr>
             <a:xfrm>
-              <a:off x="4847392" y="6097368"/>
+              <a:off x="4941838" y="6097362"/>
               <a:ext cx="63202" cy="63202"/>
             </a:xfrm>
             <a:custGeom>
@@ -17345,7 +17345,7 @@
           </p:nvSpPr>
           <p:spPr>
             <a:xfrm>
-              <a:off x="4546374" y="6050067"/>
+              <a:off x="5020392" y="6050106"/>
               <a:ext cx="63202" cy="63202"/>
             </a:xfrm>
             <a:custGeom>
@@ -17388,7 +17388,7 @@
           </p:nvSpPr>
           <p:spPr>
             <a:xfrm>
-              <a:off x="4934629" y="6082848"/>
+              <a:off x="4550839" y="6082860"/>
               <a:ext cx="63202" cy="63202"/>
             </a:xfrm>
             <a:custGeom>
@@ -17431,7 +17431,7 @@
           </p:nvSpPr>
           <p:spPr>
             <a:xfrm>
-              <a:off x="4772503" y="6050780"/>
+              <a:off x="4984606" y="6050766"/>
               <a:ext cx="63202" cy="63202"/>
             </a:xfrm>
             <a:custGeom>
@@ -17474,7 +17474,7 @@
           </p:nvSpPr>
           <p:spPr>
             <a:xfrm>
-              <a:off x="4710039" y="6082955"/>
+              <a:off x="4942166" y="6082975"/>
               <a:ext cx="63202" cy="63202"/>
             </a:xfrm>
             <a:custGeom>
@@ -17517,7 +17517,7 @@
           </p:nvSpPr>
           <p:spPr>
             <a:xfrm>
-              <a:off x="4534020" y="6060372"/>
+              <a:off x="4873048" y="6060356"/>
               <a:ext cx="63202" cy="63202"/>
             </a:xfrm>
             <a:custGeom>
@@ -17560,7 +17560,7 @@
           </p:nvSpPr>
           <p:spPr>
             <a:xfrm>
-              <a:off x="4807223" y="6153256"/>
+              <a:off x="4578848" y="6153260"/>
               <a:ext cx="63202" cy="63202"/>
             </a:xfrm>
             <a:custGeom>
@@ -17603,7 +17603,7 @@
           </p:nvSpPr>
           <p:spPr>
             <a:xfrm>
-              <a:off x="5028599" y="6053421"/>
+              <a:off x="4878764" y="6053415"/>
               <a:ext cx="63202" cy="63202"/>
             </a:xfrm>
             <a:custGeom>
@@ -17646,7 +17646,7 @@
           </p:nvSpPr>
           <p:spPr>
             <a:xfrm>
-              <a:off x="4848948" y="6058472"/>
+              <a:off x="5131069" y="6058493"/>
               <a:ext cx="63202" cy="63202"/>
             </a:xfrm>
             <a:custGeom>
@@ -17689,7 +17689,7 @@
           </p:nvSpPr>
           <p:spPr>
             <a:xfrm>
-              <a:off x="4906671" y="6048090"/>
+              <a:off x="4751527" y="6048100"/>
               <a:ext cx="63202" cy="63202"/>
             </a:xfrm>
             <a:custGeom>
@@ -17732,7 +17732,7 @@
           </p:nvSpPr>
           <p:spPr>
             <a:xfrm>
-              <a:off x="4758345" y="6530626"/>
+              <a:off x="5123347" y="6530632"/>
               <a:ext cx="63202" cy="63202"/>
             </a:xfrm>
             <a:custGeom>
@@ -17775,7 +17775,7 @@
           </p:nvSpPr>
           <p:spPr>
             <a:xfrm>
-              <a:off x="5131748" y="6056500"/>
+              <a:off x="4657252" y="6056484"/>
               <a:ext cx="63202" cy="63202"/>
             </a:xfrm>
             <a:custGeom>
@@ -17818,7 +17818,7 @@
           </p:nvSpPr>
           <p:spPr>
             <a:xfrm>
-              <a:off x="4742391" y="6056467"/>
+              <a:off x="4632273" y="6056474"/>
               <a:ext cx="63202" cy="63202"/>
             </a:xfrm>
             <a:custGeom>
@@ -17861,7 +17861,7 @@
           </p:nvSpPr>
           <p:spPr>
             <a:xfrm>
-              <a:off x="4597911" y="6070822"/>
+              <a:off x="4680951" y="6070833"/>
               <a:ext cx="63202" cy="63202"/>
             </a:xfrm>
             <a:custGeom>
@@ -17904,7 +17904,7 @@
           </p:nvSpPr>
           <p:spPr>
             <a:xfrm>
-              <a:off x="4639609" y="6066281"/>
+              <a:off x="4609115" y="6066285"/>
               <a:ext cx="63202" cy="63202"/>
             </a:xfrm>
             <a:custGeom>
@@ -17947,7 +17947,7 @@
           </p:nvSpPr>
           <p:spPr>
             <a:xfrm>
-              <a:off x="5051663" y="6070558"/>
+              <a:off x="4752568" y="6070557"/>
               <a:ext cx="63202" cy="63202"/>
             </a:xfrm>
             <a:custGeom>
@@ -17990,7 +17990,7 @@
           </p:nvSpPr>
           <p:spPr>
             <a:xfrm>
-              <a:off x="4924208" y="6184552"/>
+              <a:off x="4797159" y="6184554"/>
               <a:ext cx="63202" cy="63202"/>
             </a:xfrm>
             <a:custGeom>
@@ -18033,7 +18033,7 @@
           </p:nvSpPr>
           <p:spPr>
             <a:xfrm>
-              <a:off x="5106832" y="6109868"/>
+              <a:off x="4722460" y="6109876"/>
               <a:ext cx="63202" cy="63202"/>
             </a:xfrm>
             <a:custGeom>
@@ -18076,7 +18076,7 @@
           </p:nvSpPr>
           <p:spPr>
             <a:xfrm>
-              <a:off x="5045530" y="6058370"/>
+              <a:off x="4700839" y="6058376"/>
               <a:ext cx="63202" cy="63202"/>
             </a:xfrm>
             <a:custGeom>
@@ -18119,7 +18119,7 @@
           </p:nvSpPr>
           <p:spPr>
             <a:xfrm>
-              <a:off x="5046726" y="6223148"/>
+              <a:off x="4479211" y="6223176"/>
               <a:ext cx="63202" cy="63202"/>
             </a:xfrm>
             <a:custGeom>
@@ -18162,7 +18162,7 @@
           </p:nvSpPr>
           <p:spPr>
             <a:xfrm>
-              <a:off x="4556347" y="6081519"/>
+              <a:off x="5053277" y="6081508"/>
               <a:ext cx="63202" cy="63202"/>
             </a:xfrm>
             <a:custGeom>
@@ -18205,7 +18205,7 @@
           </p:nvSpPr>
           <p:spPr>
             <a:xfrm>
-              <a:off x="5111651" y="6093385"/>
+              <a:off x="5096194" y="6093383"/>
               <a:ext cx="63202" cy="63202"/>
             </a:xfrm>
             <a:custGeom>
@@ -18248,7 +18248,7 @@
           </p:nvSpPr>
           <p:spPr>
             <a:xfrm>
-              <a:off x="5088236" y="6053393"/>
+              <a:off x="4527380" y="6053393"/>
               <a:ext cx="63202" cy="63202"/>
             </a:xfrm>
             <a:custGeom>
@@ -18291,7 +18291,7 @@
           </p:nvSpPr>
           <p:spPr>
             <a:xfrm>
-              <a:off x="4543097" y="6071315"/>
+              <a:off x="5024453" y="6071334"/>
               <a:ext cx="63202" cy="63202"/>
             </a:xfrm>
             <a:custGeom>
@@ -18334,7 +18334,7 @@
           </p:nvSpPr>
           <p:spPr>
             <a:xfrm>
-              <a:off x="4951663" y="6068768"/>
+              <a:off x="4505585" y="6068738"/>
               <a:ext cx="63202" cy="63202"/>
             </a:xfrm>
             <a:custGeom>
@@ -18377,7 +18377,7 @@
           </p:nvSpPr>
           <p:spPr>
             <a:xfrm>
-              <a:off x="5053213" y="6049886"/>
+              <a:off x="4735946" y="6049902"/>
               <a:ext cx="63202" cy="63202"/>
             </a:xfrm>
             <a:custGeom>
@@ -18420,7 +18420,7 @@
           </p:nvSpPr>
           <p:spPr>
             <a:xfrm>
-              <a:off x="4619283" y="6172934"/>
+              <a:off x="4965699" y="6172941"/>
               <a:ext cx="63202" cy="63202"/>
             </a:xfrm>
             <a:custGeom>
@@ -18463,7 +18463,7 @@
           </p:nvSpPr>
           <p:spPr>
             <a:xfrm>
-              <a:off x="4790449" y="6052879"/>
+              <a:off x="4611982" y="6052903"/>
               <a:ext cx="63202" cy="63202"/>
             </a:xfrm>
             <a:custGeom>
@@ -18506,7 +18506,7 @@
           </p:nvSpPr>
           <p:spPr>
             <a:xfrm>
-              <a:off x="4680227" y="6064291"/>
+              <a:off x="4985751" y="6064292"/>
               <a:ext cx="63202" cy="63202"/>
             </a:xfrm>
             <a:custGeom>
@@ -18549,7 +18549,7 @@
           </p:nvSpPr>
           <p:spPr>
             <a:xfrm>
-              <a:off x="5051924" y="6097355"/>
+              <a:off x="4630177" y="6097341"/>
               <a:ext cx="63202" cy="63202"/>
             </a:xfrm>
             <a:custGeom>
@@ -18592,7 +18592,7 @@
           </p:nvSpPr>
           <p:spPr>
             <a:xfrm>
-              <a:off x="4637782" y="6067312"/>
+              <a:off x="4725546" y="6067288"/>
               <a:ext cx="63202" cy="63202"/>
             </a:xfrm>
             <a:custGeom>
@@ -18635,7 +18635,7 @@
           </p:nvSpPr>
           <p:spPr>
             <a:xfrm>
-              <a:off x="5066277" y="6065881"/>
+              <a:off x="4474611" y="6065873"/>
               <a:ext cx="63202" cy="63202"/>
             </a:xfrm>
             <a:custGeom>
@@ -18678,7 +18678,7 @@
           </p:nvSpPr>
           <p:spPr>
             <a:xfrm>
-              <a:off x="5068267" y="6067690"/>
+              <a:off x="4710303" y="6067668"/>
               <a:ext cx="63202" cy="63202"/>
             </a:xfrm>
             <a:custGeom>
@@ -18721,7 +18721,7 @@
           </p:nvSpPr>
           <p:spPr>
             <a:xfrm>
-              <a:off x="4692628" y="6069850"/>
+              <a:off x="4970404" y="6069871"/>
               <a:ext cx="63202" cy="63202"/>
             </a:xfrm>
             <a:custGeom>
@@ -18764,7 +18764,7 @@
           </p:nvSpPr>
           <p:spPr>
             <a:xfrm>
-              <a:off x="4905015" y="6075872"/>
+              <a:off x="4693506" y="6075889"/>
               <a:ext cx="63202" cy="63202"/>
             </a:xfrm>
             <a:custGeom>
@@ -18807,7 +18807,7 @@
           </p:nvSpPr>
           <p:spPr>
             <a:xfrm>
-              <a:off x="4804821" y="6068639"/>
+              <a:off x="4737479" y="6068639"/>
               <a:ext cx="63202" cy="63202"/>
             </a:xfrm>
             <a:custGeom>
@@ -18850,7 +18850,7 @@
           </p:nvSpPr>
           <p:spPr>
             <a:xfrm>
-              <a:off x="5021666" y="6530042"/>
+              <a:off x="4912759" y="6530046"/>
               <a:ext cx="63202" cy="63202"/>
             </a:xfrm>
             <a:custGeom>
@@ -18893,7 +18893,7 @@
           </p:nvSpPr>
           <p:spPr>
             <a:xfrm>
-              <a:off x="4814052" y="6075040"/>
+              <a:off x="4708890" y="6075038"/>
               <a:ext cx="63202" cy="63202"/>
             </a:xfrm>
             <a:custGeom>
@@ -18936,7 +18936,7 @@
           </p:nvSpPr>
           <p:spPr>
             <a:xfrm>
-              <a:off x="5752152" y="6724331"/>
+              <a:off x="5838577" y="6724318"/>
               <a:ext cx="63202" cy="63202"/>
             </a:xfrm>
             <a:custGeom>
@@ -18979,7 +18979,7 @@
           </p:nvSpPr>
           <p:spPr>
             <a:xfrm>
-              <a:off x="4908113" y="6094985"/>
+              <a:off x="4988561" y="6094995"/>
               <a:ext cx="63202" cy="63202"/>
             </a:xfrm>
             <a:custGeom>
@@ -19022,7 +19022,7 @@
           </p:nvSpPr>
           <p:spPr>
             <a:xfrm>
-              <a:off x="4666379" y="6072249"/>
+              <a:off x="4816868" y="6072234"/>
               <a:ext cx="63202" cy="63202"/>
             </a:xfrm>
             <a:custGeom>
@@ -19065,7 +19065,7 @@
           </p:nvSpPr>
           <p:spPr>
             <a:xfrm>
-              <a:off x="4916782" y="6065123"/>
+              <a:off x="4798574" y="6065135"/>
               <a:ext cx="63202" cy="63202"/>
             </a:xfrm>
             <a:custGeom>
@@ -19108,7 +19108,7 @@
           </p:nvSpPr>
           <p:spPr>
             <a:xfrm>
-              <a:off x="4878622" y="6066182"/>
+              <a:off x="5092625" y="6066185"/>
               <a:ext cx="63202" cy="63202"/>
             </a:xfrm>
             <a:custGeom>
@@ -19151,7 +19151,7 @@
           </p:nvSpPr>
           <p:spPr>
             <a:xfrm>
-              <a:off x="5027666" y="6076199"/>
+              <a:off x="5124985" y="6076236"/>
               <a:ext cx="63202" cy="63202"/>
             </a:xfrm>
             <a:custGeom>
@@ -19194,7 +19194,7 @@
           </p:nvSpPr>
           <p:spPr>
             <a:xfrm>
-              <a:off x="4597715" y="6080610"/>
+              <a:off x="4726431" y="6080624"/>
               <a:ext cx="63202" cy="63202"/>
             </a:xfrm>
             <a:custGeom>
@@ -19237,7 +19237,7 @@
           </p:nvSpPr>
           <p:spPr>
             <a:xfrm>
-              <a:off x="4911631" y="6070659"/>
+              <a:off x="4606698" y="6070647"/>
               <a:ext cx="63202" cy="63202"/>
             </a:xfrm>
             <a:custGeom>
@@ -19280,7 +19280,7 @@
           </p:nvSpPr>
           <p:spPr>
             <a:xfrm>
-              <a:off x="4702380" y="6072838"/>
+              <a:off x="4877241" y="6072813"/>
               <a:ext cx="63202" cy="63202"/>
             </a:xfrm>
             <a:custGeom>
@@ -19323,7 +19323,7 @@
           </p:nvSpPr>
           <p:spPr>
             <a:xfrm>
-              <a:off x="4490366" y="6068864"/>
+              <a:off x="4667341" y="6068865"/>
               <a:ext cx="63202" cy="63202"/>
             </a:xfrm>
             <a:custGeom>
@@ -19366,7 +19366,7 @@
           </p:nvSpPr>
           <p:spPr>
             <a:xfrm>
-              <a:off x="5133077" y="6053347"/>
+              <a:off x="4613484" y="6053354"/>
               <a:ext cx="63202" cy="63202"/>
             </a:xfrm>
             <a:custGeom>
@@ -19409,7 +19409,7 @@
           </p:nvSpPr>
           <p:spPr>
             <a:xfrm>
-              <a:off x="5121202" y="6061144"/>
+              <a:off x="4678205" y="6061145"/>
               <a:ext cx="63202" cy="63202"/>
             </a:xfrm>
             <a:custGeom>
@@ -19452,7 +19452,7 @@
           </p:nvSpPr>
           <p:spPr>
             <a:xfrm>
-              <a:off x="4682933" y="6059626"/>
+              <a:off x="4533841" y="6059647"/>
               <a:ext cx="63202" cy="63202"/>
             </a:xfrm>
             <a:custGeom>
@@ -19495,7 +19495,7 @@
           </p:nvSpPr>
           <p:spPr>
             <a:xfrm>
-              <a:off x="4911454" y="6099882"/>
+              <a:off x="4600956" y="6099891"/>
               <a:ext cx="63202" cy="63202"/>
             </a:xfrm>
             <a:custGeom>
@@ -19538,7 +19538,7 @@
           </p:nvSpPr>
           <p:spPr>
             <a:xfrm>
-              <a:off x="4878189" y="6065101"/>
+              <a:off x="4927599" y="6065116"/>
               <a:ext cx="63202" cy="63202"/>
             </a:xfrm>
             <a:custGeom>
@@ -19581,7 +19581,7 @@
           </p:nvSpPr>
           <p:spPr>
             <a:xfrm>
-              <a:off x="4674961" y="6185746"/>
+              <a:off x="4667523" y="6185719"/>
               <a:ext cx="63202" cy="63202"/>
             </a:xfrm>
             <a:custGeom>
@@ -19624,7 +19624,7 @@
           </p:nvSpPr>
           <p:spPr>
             <a:xfrm>
-              <a:off x="4781481" y="6079316"/>
+              <a:off x="4965926" y="6079319"/>
               <a:ext cx="63202" cy="63202"/>
             </a:xfrm>
             <a:custGeom>
@@ -19667,7 +19667,7 @@
           </p:nvSpPr>
           <p:spPr>
             <a:xfrm>
-              <a:off x="4872680" y="6071022"/>
+              <a:off x="4581349" y="6071020"/>
               <a:ext cx="63202" cy="63202"/>
             </a:xfrm>
             <a:custGeom>
@@ -19710,7 +19710,7 @@
           </p:nvSpPr>
           <p:spPr>
             <a:xfrm>
-              <a:off x="4972465" y="6103557"/>
+              <a:off x="5137865" y="6103549"/>
               <a:ext cx="63202" cy="63202"/>
             </a:xfrm>
             <a:custGeom>
@@ -19753,7 +19753,7 @@
           </p:nvSpPr>
           <p:spPr>
             <a:xfrm>
-              <a:off x="4880429" y="6059142"/>
+              <a:off x="4741297" y="6059158"/>
               <a:ext cx="63202" cy="63202"/>
             </a:xfrm>
             <a:custGeom>
@@ -19796,7 +19796,7 @@
           </p:nvSpPr>
           <p:spPr>
             <a:xfrm>
-              <a:off x="4801044" y="6057760"/>
+              <a:off x="4799858" y="6057745"/>
               <a:ext cx="63202" cy="63202"/>
             </a:xfrm>
             <a:custGeom>
@@ -19839,7 +19839,7 @@
           </p:nvSpPr>
           <p:spPr>
             <a:xfrm>
-              <a:off x="5522203" y="6587857"/>
+              <a:off x="5353811" y="6587875"/>
               <a:ext cx="63202" cy="63202"/>
             </a:xfrm>
             <a:custGeom>
@@ -19882,7 +19882,7 @@
           </p:nvSpPr>
           <p:spPr>
             <a:xfrm>
-              <a:off x="5132143" y="6123712"/>
+              <a:off x="4961480" y="6123742"/>
               <a:ext cx="63202" cy="63202"/>
             </a:xfrm>
             <a:custGeom>
@@ -19925,7 +19925,7 @@
           </p:nvSpPr>
           <p:spPr>
             <a:xfrm>
-              <a:off x="4917996" y="6076476"/>
+              <a:off x="5077325" y="6076477"/>
               <a:ext cx="63202" cy="63202"/>
             </a:xfrm>
             <a:custGeom>
@@ -19968,7 +19968,7 @@
           </p:nvSpPr>
           <p:spPr>
             <a:xfrm>
-              <a:off x="4748216" y="6144685"/>
+              <a:off x="4911460" y="6144676"/>
               <a:ext cx="63202" cy="63202"/>
             </a:xfrm>
             <a:custGeom>
@@ -20011,7 +20011,7 @@
           </p:nvSpPr>
           <p:spPr>
             <a:xfrm>
-              <a:off x="4830991" y="6050053"/>
+              <a:off x="4752836" y="6050029"/>
               <a:ext cx="63202" cy="63202"/>
             </a:xfrm>
             <a:custGeom>
@@ -20054,7 +20054,7 @@
           </p:nvSpPr>
           <p:spPr>
             <a:xfrm>
-              <a:off x="4670043" y="6051941"/>
+              <a:off x="4910380" y="6051936"/>
               <a:ext cx="63202" cy="63202"/>
             </a:xfrm>
             <a:custGeom>
@@ -20097,7 +20097,7 @@
           </p:nvSpPr>
           <p:spPr>
             <a:xfrm>
-              <a:off x="4574045" y="6051255"/>
+              <a:off x="4563324" y="6051234"/>
               <a:ext cx="63202" cy="63202"/>
             </a:xfrm>
             <a:custGeom>
@@ -20140,7 +20140,7 @@
           </p:nvSpPr>
           <p:spPr>
             <a:xfrm>
-              <a:off x="4648141" y="6053934"/>
+              <a:off x="4629080" y="6053901"/>
               <a:ext cx="63202" cy="63202"/>
             </a:xfrm>
             <a:custGeom>
@@ -20183,7 +20183,7 @@
           </p:nvSpPr>
           <p:spPr>
             <a:xfrm>
-              <a:off x="4644834" y="6063358"/>
+              <a:off x="4600420" y="6063358"/>
               <a:ext cx="63202" cy="63202"/>
             </a:xfrm>
             <a:custGeom>
@@ -20226,7 +20226,7 @@
           </p:nvSpPr>
           <p:spPr>
             <a:xfrm>
-              <a:off x="4607589" y="6096444"/>
+              <a:off x="4972422" y="6096442"/>
               <a:ext cx="63202" cy="63202"/>
             </a:xfrm>
             <a:custGeom>
@@ -20269,7 +20269,7 @@
           </p:nvSpPr>
           <p:spPr>
             <a:xfrm>
-              <a:off x="5062674" y="6045908"/>
+              <a:off x="4772588" y="6045914"/>
               <a:ext cx="63202" cy="63202"/>
             </a:xfrm>
             <a:custGeom>
@@ -20312,7 +20312,7 @@
           </p:nvSpPr>
           <p:spPr>
             <a:xfrm>
-              <a:off x="4495489" y="6074752"/>
+              <a:off x="4977640" y="6074745"/>
               <a:ext cx="63202" cy="63202"/>
             </a:xfrm>
             <a:custGeom>
@@ -20355,7 +20355,7 @@
           </p:nvSpPr>
           <p:spPr>
             <a:xfrm>
-              <a:off x="4502796" y="6044526"/>
+              <a:off x="5159202" y="6044493"/>
               <a:ext cx="63202" cy="63202"/>
             </a:xfrm>
             <a:custGeom>
@@ -20398,7 +20398,7 @@
           </p:nvSpPr>
           <p:spPr>
             <a:xfrm>
-              <a:off x="4880869" y="6054350"/>
+              <a:off x="4856144" y="6054347"/>
               <a:ext cx="63202" cy="63202"/>
             </a:xfrm>
             <a:custGeom>
@@ -20441,7 +20441,7 @@
           </p:nvSpPr>
           <p:spPr>
             <a:xfrm>
-              <a:off x="4721035" y="6074938"/>
+              <a:off x="5111692" y="6074953"/>
               <a:ext cx="63202" cy="63202"/>
             </a:xfrm>
             <a:custGeom>
@@ -20484,7 +20484,7 @@
           </p:nvSpPr>
           <p:spPr>
             <a:xfrm>
-              <a:off x="5096327" y="6063121"/>
+              <a:off x="4710965" y="6063146"/>
               <a:ext cx="63202" cy="63202"/>
             </a:xfrm>
             <a:custGeom>
@@ -20527,7 +20527,7 @@
           </p:nvSpPr>
           <p:spPr>
             <a:xfrm>
-              <a:off x="4817833" y="6473507"/>
+              <a:off x="4705117" y="6473499"/>
               <a:ext cx="63202" cy="63202"/>
             </a:xfrm>
             <a:custGeom>
@@ -20570,7 +20570,7 @@
           </p:nvSpPr>
           <p:spPr>
             <a:xfrm>
-              <a:off x="4872838" y="6205326"/>
+              <a:off x="4547250" y="6205335"/>
               <a:ext cx="63202" cy="63202"/>
             </a:xfrm>
             <a:custGeom>
@@ -20613,7 +20613,7 @@
           </p:nvSpPr>
           <p:spPr>
             <a:xfrm>
-              <a:off x="4563699" y="6058373"/>
+              <a:off x="4872976" y="6058377"/>
               <a:ext cx="63202" cy="63202"/>
             </a:xfrm>
             <a:custGeom>
@@ -20656,7 +20656,7 @@
           </p:nvSpPr>
           <p:spPr>
             <a:xfrm>
-              <a:off x="5124501" y="6056003"/>
+              <a:off x="4660785" y="6055987"/>
               <a:ext cx="63202" cy="63202"/>
             </a:xfrm>
             <a:custGeom>
@@ -20699,7 +20699,7 @@
           </p:nvSpPr>
           <p:spPr>
             <a:xfrm>
-              <a:off x="5152232" y="6089448"/>
+              <a:off x="4633184" y="6089458"/>
               <a:ext cx="63202" cy="63202"/>
             </a:xfrm>
             <a:custGeom>
@@ -20742,7 +20742,7 @@
           </p:nvSpPr>
           <p:spPr>
             <a:xfrm>
-              <a:off x="4845061" y="6076269"/>
+              <a:off x="4916328" y="6076258"/>
               <a:ext cx="63202" cy="63202"/>
             </a:xfrm>
             <a:custGeom>
@@ -20785,7 +20785,7 @@
           </p:nvSpPr>
           <p:spPr>
             <a:xfrm>
-              <a:off x="5121680" y="6065396"/>
+              <a:off x="4801975" y="6065416"/>
               <a:ext cx="63202" cy="63202"/>
             </a:xfrm>
             <a:custGeom>
@@ -20828,7 +20828,7 @@
           </p:nvSpPr>
           <p:spPr>
             <a:xfrm>
-              <a:off x="4930638" y="6366772"/>
+              <a:off x="4845307" y="6366744"/>
               <a:ext cx="63202" cy="63202"/>
             </a:xfrm>
             <a:custGeom>
@@ -20871,7 +20871,7 @@
           </p:nvSpPr>
           <p:spPr>
             <a:xfrm>
-              <a:off x="5156926" y="6059544"/>
+              <a:off x="4961603" y="6059529"/>
               <a:ext cx="63202" cy="63202"/>
             </a:xfrm>
             <a:custGeom>
@@ -20914,7 +20914,7 @@
           </p:nvSpPr>
           <p:spPr>
             <a:xfrm>
-              <a:off x="4756570" y="6085457"/>
+              <a:off x="4756826" y="6085463"/>
               <a:ext cx="63202" cy="63202"/>
             </a:xfrm>
             <a:custGeom>
@@ -20957,7 +20957,7 @@
           </p:nvSpPr>
           <p:spPr>
             <a:xfrm>
-              <a:off x="4758068" y="6536769"/>
+              <a:off x="4534718" y="6536759"/>
               <a:ext cx="63202" cy="63202"/>
             </a:xfrm>
             <a:custGeom>
@@ -21000,7 +21000,7 @@
           </p:nvSpPr>
           <p:spPr>
             <a:xfrm>
-              <a:off x="5164537" y="6226224"/>
+              <a:off x="4723429" y="6226203"/>
               <a:ext cx="63202" cy="63202"/>
             </a:xfrm>
             <a:custGeom>
@@ -21043,7 +21043,7 @@
           </p:nvSpPr>
           <p:spPr>
             <a:xfrm>
-              <a:off x="4581542" y="6387317"/>
+              <a:off x="4478556" y="6387295"/>
               <a:ext cx="63202" cy="63202"/>
             </a:xfrm>
             <a:custGeom>
@@ -21086,7 +21086,7 @@
           </p:nvSpPr>
           <p:spPr>
             <a:xfrm>
-              <a:off x="5043915" y="6305903"/>
+              <a:off x="4897125" y="6305917"/>
               <a:ext cx="63202" cy="63202"/>
             </a:xfrm>
             <a:custGeom>
@@ -21129,7 +21129,7 @@
           </p:nvSpPr>
           <p:spPr>
             <a:xfrm>
-              <a:off x="5090273" y="6053278"/>
+              <a:off x="4503422" y="6053270"/>
               <a:ext cx="63202" cy="63202"/>
             </a:xfrm>
             <a:custGeom>
@@ -21172,7 +21172,7 @@
           </p:nvSpPr>
           <p:spPr>
             <a:xfrm>
-              <a:off x="5015349" y="6099737"/>
+              <a:off x="5021525" y="6099714"/>
               <a:ext cx="63202" cy="63202"/>
             </a:xfrm>
             <a:custGeom>
@@ -21215,7 +21215,7 @@
           </p:nvSpPr>
           <p:spPr>
             <a:xfrm>
-              <a:off x="4602063" y="6467254"/>
+              <a:off x="5080703" y="6467248"/>
               <a:ext cx="63202" cy="63202"/>
             </a:xfrm>
             <a:custGeom>
@@ -21258,7 +21258,7 @@
           </p:nvSpPr>
           <p:spPr>
             <a:xfrm>
-              <a:off x="5024901" y="6196390"/>
+              <a:off x="5151489" y="6196404"/>
               <a:ext cx="63202" cy="63202"/>
             </a:xfrm>
             <a:custGeom>
@@ -21301,7 +21301,7 @@
           </p:nvSpPr>
           <p:spPr>
             <a:xfrm>
-              <a:off x="4588247" y="6069081"/>
+              <a:off x="4857326" y="6069106"/>
               <a:ext cx="63202" cy="63202"/>
             </a:xfrm>
             <a:custGeom>
@@ -21344,7 +21344,7 @@
           </p:nvSpPr>
           <p:spPr>
             <a:xfrm>
-              <a:off x="4588951" y="6093860"/>
+              <a:off x="4832282" y="6093881"/>
               <a:ext cx="63202" cy="63202"/>
             </a:xfrm>
             <a:custGeom>
@@ -21387,7 +21387,7 @@
           </p:nvSpPr>
           <p:spPr>
             <a:xfrm>
-              <a:off x="4935407" y="6095028"/>
+              <a:off x="5127252" y="6095043"/>
               <a:ext cx="63202" cy="63202"/>
             </a:xfrm>
             <a:custGeom>
@@ -21430,7 +21430,7 @@
           </p:nvSpPr>
           <p:spPr>
             <a:xfrm>
-              <a:off x="4954109" y="6062288"/>
+              <a:off x="4723829" y="6062299"/>
               <a:ext cx="63202" cy="63202"/>
             </a:xfrm>
             <a:custGeom>
@@ -21473,7 +21473,7 @@
           </p:nvSpPr>
           <p:spPr>
             <a:xfrm>
-              <a:off x="4526569" y="6197378"/>
+              <a:off x="4667530" y="6197360"/>
               <a:ext cx="63202" cy="63202"/>
             </a:xfrm>
             <a:custGeom>
@@ -21516,7 +21516,7 @@
           </p:nvSpPr>
           <p:spPr>
             <a:xfrm>
-              <a:off x="4948320" y="6520926"/>
+              <a:off x="4732542" y="6520902"/>
               <a:ext cx="63202" cy="63202"/>
             </a:xfrm>
             <a:custGeom>
@@ -21559,7 +21559,7 @@
           </p:nvSpPr>
           <p:spPr>
             <a:xfrm>
-              <a:off x="5164542" y="6101512"/>
+              <a:off x="4983914" y="6101513"/>
               <a:ext cx="63202" cy="63202"/>
             </a:xfrm>
             <a:custGeom>
@@ -21602,7 +21602,7 @@
           </p:nvSpPr>
           <p:spPr>
             <a:xfrm>
-              <a:off x="4578251" y="6068885"/>
+              <a:off x="4946092" y="6068906"/>
               <a:ext cx="63202" cy="63202"/>
             </a:xfrm>
             <a:custGeom>
@@ -21645,7 +21645,7 @@
           </p:nvSpPr>
           <p:spPr>
             <a:xfrm>
-              <a:off x="4715605" y="6101043"/>
+              <a:off x="4835282" y="6101058"/>
               <a:ext cx="63202" cy="63202"/>
             </a:xfrm>
             <a:custGeom>
@@ -21688,7 +21688,7 @@
           </p:nvSpPr>
           <p:spPr>
             <a:xfrm>
-              <a:off x="4825475" y="6065932"/>
+              <a:off x="4871288" y="6065922"/>
               <a:ext cx="63202" cy="63202"/>
             </a:xfrm>
             <a:custGeom>
@@ -21731,7 +21731,7 @@
           </p:nvSpPr>
           <p:spPr>
             <a:xfrm>
-              <a:off x="4510117" y="6156662"/>
+              <a:off x="4584126" y="6156662"/>
               <a:ext cx="63202" cy="63202"/>
             </a:xfrm>
             <a:custGeom>
@@ -21774,7 +21774,7 @@
           </p:nvSpPr>
           <p:spPr>
             <a:xfrm>
-              <a:off x="4990805" y="6076255"/>
+              <a:off x="4495351" y="6076273"/>
               <a:ext cx="63202" cy="63202"/>
             </a:xfrm>
             <a:custGeom>
@@ -21817,7 +21817,7 @@
           </p:nvSpPr>
           <p:spPr>
             <a:xfrm>
-              <a:off x="4546203" y="6118992"/>
+              <a:off x="4664433" y="6118978"/>
               <a:ext cx="63202" cy="63202"/>
             </a:xfrm>
             <a:custGeom>
@@ -21860,7 +21860,7 @@
           </p:nvSpPr>
           <p:spPr>
             <a:xfrm>
-              <a:off x="5107835" y="6088790"/>
+              <a:off x="5125959" y="6088769"/>
               <a:ext cx="63202" cy="63202"/>
             </a:xfrm>
             <a:custGeom>
@@ -21903,7 +21903,7 @@
           </p:nvSpPr>
           <p:spPr>
             <a:xfrm>
-              <a:off x="4920358" y="6074552"/>
+              <a:off x="4521237" y="6074559"/>
               <a:ext cx="63202" cy="63202"/>
             </a:xfrm>
             <a:custGeom>
@@ -21946,7 +21946,7 @@
           </p:nvSpPr>
           <p:spPr>
             <a:xfrm>
-              <a:off x="4866722" y="6378275"/>
+              <a:off x="5086247" y="6378311"/>
               <a:ext cx="63202" cy="63202"/>
             </a:xfrm>
             <a:custGeom>
@@ -21989,7 +21989,7 @@
           </p:nvSpPr>
           <p:spPr>
             <a:xfrm>
-              <a:off x="4806025" y="6074173"/>
+              <a:off x="4637226" y="6074167"/>
               <a:ext cx="63202" cy="63202"/>
             </a:xfrm>
             <a:custGeom>
@@ -22032,7 +22032,7 @@
           </p:nvSpPr>
           <p:spPr>
             <a:xfrm>
-              <a:off x="4726705" y="6075926"/>
+              <a:off x="5107571" y="6075946"/>
               <a:ext cx="63202" cy="63202"/>
             </a:xfrm>
             <a:custGeom>
@@ -22075,7 +22075,7 @@
           </p:nvSpPr>
           <p:spPr>
             <a:xfrm>
-              <a:off x="4800512" y="6057441"/>
+              <a:off x="4784779" y="6057463"/>
               <a:ext cx="63202" cy="63202"/>
             </a:xfrm>
             <a:custGeom>
@@ -22118,7 +22118,7 @@
           </p:nvSpPr>
           <p:spPr>
             <a:xfrm>
-              <a:off x="4805250" y="6069994"/>
+              <a:off x="4557207" y="6070011"/>
               <a:ext cx="63202" cy="63202"/>
             </a:xfrm>
             <a:custGeom>
@@ -22161,7 +22161,7 @@
           </p:nvSpPr>
           <p:spPr>
             <a:xfrm>
-              <a:off x="4705702" y="6077204"/>
+              <a:off x="4860028" y="6077194"/>
               <a:ext cx="63202" cy="63202"/>
             </a:xfrm>
             <a:custGeom>
@@ -22204,7 +22204,7 @@
           </p:nvSpPr>
           <p:spPr>
             <a:xfrm>
-              <a:off x="4808601" y="6148782"/>
+              <a:off x="5037470" y="6148795"/>
               <a:ext cx="63202" cy="63202"/>
             </a:xfrm>
             <a:custGeom>
@@ -22247,7 +22247,7 @@
           </p:nvSpPr>
           <p:spPr>
             <a:xfrm>
-              <a:off x="5112385" y="6051025"/>
+              <a:off x="4738208" y="6050996"/>
               <a:ext cx="63202" cy="63202"/>
             </a:xfrm>
             <a:custGeom>
@@ -22290,7 +22290,7 @@
           </p:nvSpPr>
           <p:spPr>
             <a:xfrm>
-              <a:off x="4678841" y="6065737"/>
+              <a:off x="4487670" y="6065748"/>
               <a:ext cx="63202" cy="63202"/>
             </a:xfrm>
             <a:custGeom>
@@ -22333,7 +22333,7 @@
           </p:nvSpPr>
           <p:spPr>
             <a:xfrm>
-              <a:off x="4866486" y="6090316"/>
+              <a:off x="4469750" y="6090319"/>
               <a:ext cx="63202" cy="63202"/>
             </a:xfrm>
             <a:custGeom>
@@ -22376,7 +22376,7 @@
           </p:nvSpPr>
           <p:spPr>
             <a:xfrm>
-              <a:off x="4764531" y="6061634"/>
+              <a:off x="4519673" y="6061617"/>
               <a:ext cx="63202" cy="63202"/>
             </a:xfrm>
             <a:custGeom>
@@ -22419,7 +22419,7 @@
           </p:nvSpPr>
           <p:spPr>
             <a:xfrm>
-              <a:off x="4489347" y="6081798"/>
+              <a:off x="4811417" y="6081802"/>
               <a:ext cx="63202" cy="63202"/>
             </a:xfrm>
             <a:custGeom>
@@ -22462,7 +22462,7 @@
           </p:nvSpPr>
           <p:spPr>
             <a:xfrm>
-              <a:off x="4747018" y="6069855"/>
+              <a:off x="4500833" y="6069873"/>
               <a:ext cx="63202" cy="63202"/>
             </a:xfrm>
             <a:custGeom>
@@ -22505,7 +22505,7 @@
           </p:nvSpPr>
           <p:spPr>
             <a:xfrm>
-              <a:off x="4675346" y="6069951"/>
+              <a:off x="4858474" y="6069964"/>
               <a:ext cx="63202" cy="63202"/>
             </a:xfrm>
             <a:custGeom>
@@ -22548,7 +22548,7 @@
           </p:nvSpPr>
           <p:spPr>
             <a:xfrm>
-              <a:off x="4629034" y="6077764"/>
+              <a:off x="4605801" y="6077786"/>
               <a:ext cx="63202" cy="63202"/>
             </a:xfrm>
             <a:custGeom>
@@ -22591,7 +22591,7 @@
           </p:nvSpPr>
           <p:spPr>
             <a:xfrm>
-              <a:off x="4916175" y="6056649"/>
+              <a:off x="4658104" y="6056628"/>
               <a:ext cx="63202" cy="63202"/>
             </a:xfrm>
             <a:custGeom>
@@ -22634,7 +22634,7 @@
           </p:nvSpPr>
           <p:spPr>
             <a:xfrm>
-              <a:off x="4841226" y="6073370"/>
+              <a:off x="4755030" y="6073345"/>
               <a:ext cx="63202" cy="63202"/>
             </a:xfrm>
             <a:custGeom>
@@ -22677,7 +22677,7 @@
           </p:nvSpPr>
           <p:spPr>
             <a:xfrm>
-              <a:off x="4528067" y="6079084"/>
+              <a:off x="4732517" y="6079092"/>
               <a:ext cx="63202" cy="63202"/>
             </a:xfrm>
             <a:custGeom>
@@ -22720,7 +22720,7 @@
           </p:nvSpPr>
           <p:spPr>
             <a:xfrm>
-              <a:off x="4824395" y="6059392"/>
+              <a:off x="4846033" y="6059415"/>
               <a:ext cx="63202" cy="63202"/>
             </a:xfrm>
             <a:custGeom>
@@ -22763,7 +22763,7 @@
           </p:nvSpPr>
           <p:spPr>
             <a:xfrm>
-              <a:off x="4799281" y="6077609"/>
+              <a:off x="4551044" y="6077634"/>
               <a:ext cx="63202" cy="63202"/>
             </a:xfrm>
             <a:custGeom>
@@ -22806,7 +22806,7 @@
           </p:nvSpPr>
           <p:spPr>
             <a:xfrm>
-              <a:off x="4729801" y="6577363"/>
+              <a:off x="4742386" y="6577359"/>
               <a:ext cx="63202" cy="63202"/>
             </a:xfrm>
             <a:custGeom>
@@ -22849,7 +22849,7 @@
           </p:nvSpPr>
           <p:spPr>
             <a:xfrm>
-              <a:off x="4927579" y="6071355"/>
+              <a:off x="4883214" y="6071385"/>
               <a:ext cx="63202" cy="63202"/>
             </a:xfrm>
             <a:custGeom>
@@ -22892,7 +22892,7 @@
           </p:nvSpPr>
           <p:spPr>
             <a:xfrm>
-              <a:off x="4993455" y="6086284"/>
+              <a:off x="4515214" y="6086309"/>
               <a:ext cx="63202" cy="63202"/>
             </a:xfrm>
             <a:custGeom>
@@ -22935,7 +22935,7 @@
           </p:nvSpPr>
           <p:spPr>
             <a:xfrm>
-              <a:off x="4891308" y="6056844"/>
+              <a:off x="4719047" y="6056833"/>
               <a:ext cx="63202" cy="63202"/>
             </a:xfrm>
             <a:custGeom>
@@ -22978,7 +22978,7 @@
           </p:nvSpPr>
           <p:spPr>
             <a:xfrm>
-              <a:off x="4876189" y="6043591"/>
+              <a:off x="5137789" y="6043610"/>
               <a:ext cx="63202" cy="63202"/>
             </a:xfrm>
             <a:custGeom>
@@ -23021,7 +23021,7 @@
           </p:nvSpPr>
           <p:spPr>
             <a:xfrm>
-              <a:off x="5036291" y="6054506"/>
+              <a:off x="4967770" y="6054505"/>
               <a:ext cx="63202" cy="63202"/>
             </a:xfrm>
             <a:custGeom>
@@ -23064,7 +23064,7 @@
           </p:nvSpPr>
           <p:spPr>
             <a:xfrm>
-              <a:off x="4745143" y="6070383"/>
+              <a:off x="4631552" y="6070418"/>
               <a:ext cx="63202" cy="63202"/>
             </a:xfrm>
             <a:custGeom>
@@ -23107,7 +23107,7 @@
           </p:nvSpPr>
           <p:spPr>
             <a:xfrm>
-              <a:off x="4492738" y="6060466"/>
+              <a:off x="5080296" y="6060445"/>
               <a:ext cx="63202" cy="63202"/>
             </a:xfrm>
             <a:custGeom>
@@ -23150,7 +23150,7 @@
           </p:nvSpPr>
           <p:spPr>
             <a:xfrm>
-              <a:off x="4812955" y="6055815"/>
+              <a:off x="4655710" y="6055792"/>
               <a:ext cx="63202" cy="63202"/>
             </a:xfrm>
             <a:custGeom>
@@ -23193,7 +23193,7 @@
           </p:nvSpPr>
           <p:spPr>
             <a:xfrm>
-              <a:off x="5143073" y="6066213"/>
+              <a:off x="4633272" y="6066242"/>
               <a:ext cx="63202" cy="63202"/>
             </a:xfrm>
             <a:custGeom>
@@ -23236,7 +23236,7 @@
           </p:nvSpPr>
           <p:spPr>
             <a:xfrm>
-              <a:off x="5036594" y="6054708"/>
+              <a:off x="5105714" y="6054705"/>
               <a:ext cx="63202" cy="63202"/>
             </a:xfrm>
             <a:custGeom>
@@ -23279,7 +23279,7 @@
           </p:nvSpPr>
           <p:spPr>
             <a:xfrm>
-              <a:off x="4552294" y="6119986"/>
+              <a:off x="5138338" y="6119996"/>
               <a:ext cx="63202" cy="63202"/>
             </a:xfrm>
             <a:custGeom>
@@ -23322,7 +23322,7 @@
           </p:nvSpPr>
           <p:spPr>
             <a:xfrm>
-              <a:off x="5165536" y="6074338"/>
+              <a:off x="5025811" y="6074344"/>
               <a:ext cx="63202" cy="63202"/>
             </a:xfrm>
             <a:custGeom>
@@ -23365,7 +23365,7 @@
           </p:nvSpPr>
           <p:spPr>
             <a:xfrm>
-              <a:off x="4749010" y="6119431"/>
+              <a:off x="4627753" y="6119416"/>
               <a:ext cx="63202" cy="63202"/>
             </a:xfrm>
             <a:custGeom>
@@ -23408,7 +23408,7 @@
           </p:nvSpPr>
           <p:spPr>
             <a:xfrm>
-              <a:off x="4678892" y="6111767"/>
+              <a:off x="4999082" y="6111769"/>
               <a:ext cx="63202" cy="63202"/>
             </a:xfrm>
             <a:custGeom>
@@ -23451,7 +23451,7 @@
           </p:nvSpPr>
           <p:spPr>
             <a:xfrm>
-              <a:off x="4922038" y="6056096"/>
+              <a:off x="5165019" y="6056111"/>
               <a:ext cx="63202" cy="63202"/>
             </a:xfrm>
             <a:custGeom>
@@ -23494,7 +23494,7 @@
           </p:nvSpPr>
           <p:spPr>
             <a:xfrm>
-              <a:off x="4807996" y="6072040"/>
+              <a:off x="5130176" y="6072063"/>
               <a:ext cx="63202" cy="63202"/>
             </a:xfrm>
             <a:custGeom>
@@ -23537,7 +23537,7 @@
           </p:nvSpPr>
           <p:spPr>
             <a:xfrm>
-              <a:off x="4948358" y="6074121"/>
+              <a:off x="5113478" y="6074152"/>
               <a:ext cx="63202" cy="63202"/>
             </a:xfrm>
             <a:custGeom>
@@ -23580,7 +23580,7 @@
           </p:nvSpPr>
           <p:spPr>
             <a:xfrm>
-              <a:off x="4735996" y="6052998"/>
+              <a:off x="4881592" y="6052996"/>
               <a:ext cx="63202" cy="63202"/>
             </a:xfrm>
             <a:custGeom>
@@ -23623,7 +23623,7 @@
           </p:nvSpPr>
           <p:spPr>
             <a:xfrm>
-              <a:off x="5158543" y="6055600"/>
+              <a:off x="4936407" y="6055613"/>
               <a:ext cx="63202" cy="63202"/>
             </a:xfrm>
             <a:custGeom>
@@ -23666,7 +23666,7 @@
           </p:nvSpPr>
           <p:spPr>
             <a:xfrm>
-              <a:off x="5011350" y="6059288"/>
+              <a:off x="5128402" y="6059317"/>
               <a:ext cx="63202" cy="63202"/>
             </a:xfrm>
             <a:custGeom>
@@ -23709,7 +23709,7 @@
           </p:nvSpPr>
           <p:spPr>
             <a:xfrm>
-              <a:off x="4574543" y="6172968"/>
+              <a:off x="4837573" y="6172989"/>
               <a:ext cx="63202" cy="63202"/>
             </a:xfrm>
             <a:custGeom>
@@ -23752,7 +23752,7 @@
           </p:nvSpPr>
           <p:spPr>
             <a:xfrm>
-              <a:off x="4829950" y="6073679"/>
+              <a:off x="4710237" y="6073700"/>
               <a:ext cx="63202" cy="63202"/>
             </a:xfrm>
             <a:custGeom>
@@ -23795,7 +23795,7 @@
           </p:nvSpPr>
           <p:spPr>
             <a:xfrm>
-              <a:off x="4746735" y="6077128"/>
+              <a:off x="5163060" y="6077151"/>
               <a:ext cx="63202" cy="63202"/>
             </a:xfrm>
             <a:custGeom>
@@ -23838,7 +23838,7 @@
           </p:nvSpPr>
           <p:spPr>
             <a:xfrm>
-              <a:off x="4681358" y="6074223"/>
+              <a:off x="5039129" y="6074226"/>
               <a:ext cx="63202" cy="63202"/>
             </a:xfrm>
             <a:custGeom>
@@ -23881,7 +23881,7 @@
           </p:nvSpPr>
           <p:spPr>
             <a:xfrm>
-              <a:off x="5013269" y="6075060"/>
+              <a:off x="4834923" y="6075063"/>
               <a:ext cx="63202" cy="63202"/>
             </a:xfrm>
             <a:custGeom>
@@ -23924,7 +23924,7 @@
           </p:nvSpPr>
           <p:spPr>
             <a:xfrm>
-              <a:off x="4804948" y="6072205"/>
+              <a:off x="5086279" y="6072184"/>
               <a:ext cx="63202" cy="63202"/>
             </a:xfrm>
             <a:custGeom>
@@ -23967,7 +23967,7 @@
           </p:nvSpPr>
           <p:spPr>
             <a:xfrm>
-              <a:off x="4786598" y="6089821"/>
+              <a:off x="4817292" y="6089846"/>
               <a:ext cx="63202" cy="63202"/>
             </a:xfrm>
             <a:custGeom>
@@ -24010,7 +24010,7 @@
           </p:nvSpPr>
           <p:spPr>
             <a:xfrm>
-              <a:off x="4922711" y="6069313"/>
+              <a:off x="4646701" y="6069320"/>
               <a:ext cx="63202" cy="63202"/>
             </a:xfrm>
             <a:custGeom>
@@ -24053,7 +24053,7 @@
           </p:nvSpPr>
           <p:spPr>
             <a:xfrm>
-              <a:off x="4726727" y="6052065"/>
+              <a:off x="4901311" y="6052065"/>
               <a:ext cx="63202" cy="63202"/>
             </a:xfrm>
             <a:custGeom>
@@ -24096,7 +24096,7 @@
           </p:nvSpPr>
           <p:spPr>
             <a:xfrm>
-              <a:off x="5050162" y="6278714"/>
+              <a:off x="4921079" y="6278727"/>
               <a:ext cx="63202" cy="63202"/>
             </a:xfrm>
             <a:custGeom>
@@ -24139,7 +24139,7 @@
           </p:nvSpPr>
           <p:spPr>
             <a:xfrm>
-              <a:off x="5144683" y="6064537"/>
+              <a:off x="5082361" y="6064523"/>
               <a:ext cx="63202" cy="63202"/>
             </a:xfrm>
             <a:custGeom>
@@ -24182,7 +24182,7 @@
           </p:nvSpPr>
           <p:spPr>
             <a:xfrm>
-              <a:off x="4710834" y="6047746"/>
+              <a:off x="5039383" y="6047776"/>
               <a:ext cx="63202" cy="63202"/>
             </a:xfrm>
             <a:custGeom>
@@ -24225,7 +24225,7 @@
           </p:nvSpPr>
           <p:spPr>
             <a:xfrm>
-              <a:off x="4494977" y="6055653"/>
+              <a:off x="4615001" y="6055660"/>
               <a:ext cx="63202" cy="63202"/>
             </a:xfrm>
             <a:custGeom>
@@ -24268,7 +24268,7 @@
           </p:nvSpPr>
           <p:spPr>
             <a:xfrm>
-              <a:off x="4656155" y="6073757"/>
+              <a:off x="4994463" y="6073757"/>
               <a:ext cx="63202" cy="63202"/>
             </a:xfrm>
             <a:custGeom>
@@ -24311,7 +24311,7 @@
           </p:nvSpPr>
           <p:spPr>
             <a:xfrm>
-              <a:off x="4734041" y="6052297"/>
+              <a:off x="5082592" y="6052321"/>
               <a:ext cx="63202" cy="63202"/>
             </a:xfrm>
             <a:custGeom>
@@ -24354,7 +24354,7 @@
           </p:nvSpPr>
           <p:spPr>
             <a:xfrm>
-              <a:off x="4745361" y="6224234"/>
+              <a:off x="5167541" y="6224216"/>
               <a:ext cx="63202" cy="63202"/>
             </a:xfrm>
             <a:custGeom>
@@ -24397,7 +24397,7 @@
           </p:nvSpPr>
           <p:spPr>
             <a:xfrm>
-              <a:off x="4733725" y="6280770"/>
+              <a:off x="4593889" y="6280754"/>
               <a:ext cx="63202" cy="63202"/>
             </a:xfrm>
             <a:custGeom>
@@ -24440,7 +24440,7 @@
           </p:nvSpPr>
           <p:spPr>
             <a:xfrm>
-              <a:off x="4773802" y="6079124"/>
+              <a:off x="4754484" y="6079137"/>
               <a:ext cx="63202" cy="63202"/>
             </a:xfrm>
             <a:custGeom>
@@ -24483,7 +24483,7 @@
           </p:nvSpPr>
           <p:spPr>
             <a:xfrm>
-              <a:off x="4583621" y="6078592"/>
+              <a:off x="4582812" y="6078591"/>
               <a:ext cx="63202" cy="63202"/>
             </a:xfrm>
             <a:custGeom>
@@ -24526,7 +24526,7 @@
           </p:nvSpPr>
           <p:spPr>
             <a:xfrm>
-              <a:off x="4687542" y="6065460"/>
+              <a:off x="4866098" y="6065457"/>
               <a:ext cx="63202" cy="63202"/>
             </a:xfrm>
             <a:custGeom>
@@ -24569,7 +24569,7 @@
           </p:nvSpPr>
           <p:spPr>
             <a:xfrm>
-              <a:off x="4506906" y="6425852"/>
+              <a:off x="5022410" y="6425859"/>
               <a:ext cx="63202" cy="63202"/>
             </a:xfrm>
             <a:custGeom>
@@ -24612,7 +24612,7 @@
           </p:nvSpPr>
           <p:spPr>
             <a:xfrm>
-              <a:off x="4550345" y="6103492"/>
+              <a:off x="5024293" y="6103498"/>
               <a:ext cx="63202" cy="63202"/>
             </a:xfrm>
             <a:custGeom>
@@ -24655,7 +24655,7 @@
           </p:nvSpPr>
           <p:spPr>
             <a:xfrm>
-              <a:off x="4995015" y="6101414"/>
+              <a:off x="4785839" y="6101428"/>
               <a:ext cx="63202" cy="63202"/>
             </a:xfrm>
             <a:custGeom>
@@ -24698,7 +24698,7 @@
           </p:nvSpPr>
           <p:spPr>
             <a:xfrm>
-              <a:off x="4752990" y="6104151"/>
+              <a:off x="5084861" y="6104144"/>
               <a:ext cx="63202" cy="63202"/>
             </a:xfrm>
             <a:custGeom>
@@ -24741,7 +24741,7 @@
           </p:nvSpPr>
           <p:spPr>
             <a:xfrm>
-              <a:off x="5161581" y="6264556"/>
+              <a:off x="4637374" y="6264572"/>
               <a:ext cx="63202" cy="63202"/>
             </a:xfrm>
             <a:custGeom>
@@ -24784,7 +24784,7 @@
           </p:nvSpPr>
           <p:spPr>
             <a:xfrm>
-              <a:off x="4985174" y="6174904"/>
+              <a:off x="4715638" y="6174939"/>
               <a:ext cx="63202" cy="63202"/>
             </a:xfrm>
             <a:custGeom>
@@ -24827,7 +24827,7 @@
           </p:nvSpPr>
           <p:spPr>
             <a:xfrm>
-              <a:off x="4844163" y="6048956"/>
+              <a:off x="5084752" y="6048972"/>
               <a:ext cx="63202" cy="63202"/>
             </a:xfrm>
             <a:custGeom>
@@ -24870,7 +24870,7 @@
           </p:nvSpPr>
           <p:spPr>
             <a:xfrm>
-              <a:off x="5161473" y="6101504"/>
+              <a:off x="4882453" y="6101530"/>
               <a:ext cx="63202" cy="63202"/>
             </a:xfrm>
             <a:custGeom>
@@ -24913,7 +24913,7 @@
           </p:nvSpPr>
           <p:spPr>
             <a:xfrm>
-              <a:off x="4588160" y="6132209"/>
+              <a:off x="5154909" y="6132203"/>
               <a:ext cx="63202" cy="63202"/>
             </a:xfrm>
             <a:custGeom>
@@ -24956,7 +24956,7 @@
           </p:nvSpPr>
           <p:spPr>
             <a:xfrm>
-              <a:off x="4976302" y="6053141"/>
+              <a:off x="4801324" y="6053143"/>
               <a:ext cx="63202" cy="63202"/>
             </a:xfrm>
             <a:custGeom>
@@ -24999,7 +24999,7 @@
           </p:nvSpPr>
           <p:spPr>
             <a:xfrm>
-              <a:off x="5039045" y="6053365"/>
+              <a:off x="4987326" y="6053403"/>
               <a:ext cx="63202" cy="63202"/>
             </a:xfrm>
             <a:custGeom>
@@ -25042,7 +25042,7 @@
           </p:nvSpPr>
           <p:spPr>
             <a:xfrm>
-              <a:off x="5133218" y="6064248"/>
+              <a:off x="4492083" y="6064241"/>
               <a:ext cx="63202" cy="63202"/>
             </a:xfrm>
             <a:custGeom>
@@ -25085,7 +25085,7 @@
           </p:nvSpPr>
           <p:spPr>
             <a:xfrm>
-              <a:off x="4919769" y="6101041"/>
+              <a:off x="5057925" y="6101058"/>
               <a:ext cx="63202" cy="63202"/>
             </a:xfrm>
             <a:custGeom>
@@ -25128,7 +25128,7 @@
           </p:nvSpPr>
           <p:spPr>
             <a:xfrm>
-              <a:off x="4559559" y="6075981"/>
+              <a:off x="4936466" y="6075991"/>
               <a:ext cx="63202" cy="63202"/>
             </a:xfrm>
             <a:custGeom>
@@ -25171,7 +25171,7 @@
           </p:nvSpPr>
           <p:spPr>
             <a:xfrm>
-              <a:off x="5134637" y="6073203"/>
+              <a:off x="4489641" y="6073226"/>
               <a:ext cx="63202" cy="63202"/>
             </a:xfrm>
             <a:custGeom>
@@ -25214,7 +25214,7 @@
           </p:nvSpPr>
           <p:spPr>
             <a:xfrm>
-              <a:off x="4996346" y="6067003"/>
+              <a:off x="4864021" y="6066989"/>
               <a:ext cx="63202" cy="63202"/>
             </a:xfrm>
             <a:custGeom>
@@ -25257,7 +25257,7 @@
           </p:nvSpPr>
           <p:spPr>
             <a:xfrm>
-              <a:off x="4511421" y="6148071"/>
+              <a:off x="5091262" y="6148063"/>
               <a:ext cx="63202" cy="63202"/>
             </a:xfrm>
             <a:custGeom>
@@ -25300,7 +25300,7 @@
           </p:nvSpPr>
           <p:spPr>
             <a:xfrm>
-              <a:off x="4754555" y="6073034"/>
+              <a:off x="4817954" y="6073018"/>
               <a:ext cx="63202" cy="63202"/>
             </a:xfrm>
             <a:custGeom>
@@ -25343,7 +25343,7 @@
           </p:nvSpPr>
           <p:spPr>
             <a:xfrm>
-              <a:off x="4705038" y="6062059"/>
+              <a:off x="4587935" y="6062044"/>
               <a:ext cx="63202" cy="63202"/>
             </a:xfrm>
             <a:custGeom>
@@ -25386,7 +25386,7 @@
           </p:nvSpPr>
           <p:spPr>
             <a:xfrm>
-              <a:off x="5006356" y="6104097"/>
+              <a:off x="5106125" y="6104103"/>
               <a:ext cx="63202" cy="63202"/>
             </a:xfrm>
             <a:custGeom>
@@ -25429,7 +25429,7 @@
           </p:nvSpPr>
           <p:spPr>
             <a:xfrm>
-              <a:off x="5098607" y="6058097"/>
+              <a:off x="4734465" y="6058095"/>
               <a:ext cx="63202" cy="63202"/>
             </a:xfrm>
             <a:custGeom>
@@ -25472,7 +25472,7 @@
           </p:nvSpPr>
           <p:spPr>
             <a:xfrm>
-              <a:off x="4616536" y="6067051"/>
+              <a:off x="4523164" y="6067046"/>
               <a:ext cx="63202" cy="63202"/>
             </a:xfrm>
             <a:custGeom>
@@ -25515,7 +25515,7 @@
           </p:nvSpPr>
           <p:spPr>
             <a:xfrm>
-              <a:off x="4891813" y="6075108"/>
+              <a:off x="4875564" y="6075100"/>
               <a:ext cx="63202" cy="63202"/>
             </a:xfrm>
             <a:custGeom>
@@ -25558,7 +25558,7 @@
           </p:nvSpPr>
           <p:spPr>
             <a:xfrm>
-              <a:off x="5414800" y="6776013"/>
+              <a:off x="5974243" y="6776030"/>
               <a:ext cx="63202" cy="63202"/>
             </a:xfrm>
             <a:custGeom>
@@ -25601,7 +25601,7 @@
           </p:nvSpPr>
           <p:spPr>
             <a:xfrm>
-              <a:off x="4810923" y="6053441"/>
+              <a:off x="4901964" y="6053419"/>
               <a:ext cx="63202" cy="63202"/>
             </a:xfrm>
             <a:custGeom>
@@ -25644,7 +25644,7 @@
           </p:nvSpPr>
           <p:spPr>
             <a:xfrm>
-              <a:off x="4471848" y="6076089"/>
+              <a:off x="5165002" y="6076090"/>
               <a:ext cx="63202" cy="63202"/>
             </a:xfrm>
             <a:custGeom>
@@ -25687,7 +25687,7 @@
           </p:nvSpPr>
           <p:spPr>
             <a:xfrm>
-              <a:off x="4812699" y="6071459"/>
+              <a:off x="4777929" y="6071467"/>
               <a:ext cx="63202" cy="63202"/>
             </a:xfrm>
             <a:custGeom>
@@ -25730,7 +25730,7 @@
           </p:nvSpPr>
           <p:spPr>
             <a:xfrm>
-              <a:off x="4662852" y="6051935"/>
+              <a:off x="4545758" y="6051948"/>
               <a:ext cx="63202" cy="63202"/>
             </a:xfrm>
             <a:custGeom>
@@ -25773,7 +25773,7 @@
           </p:nvSpPr>
           <p:spPr>
             <a:xfrm>
-              <a:off x="4978521" y="6065246"/>
+              <a:off x="4824175" y="6065262"/>
               <a:ext cx="63202" cy="63202"/>
             </a:xfrm>
             <a:custGeom>
@@ -25816,7 +25816,7 @@
           </p:nvSpPr>
           <p:spPr>
             <a:xfrm>
-              <a:off x="5074112" y="6060885"/>
+              <a:off x="4827649" y="6060904"/>
               <a:ext cx="63202" cy="63202"/>
             </a:xfrm>
             <a:custGeom>
@@ -25859,7 +25859,7 @@
           </p:nvSpPr>
           <p:spPr>
             <a:xfrm>
-              <a:off x="4507658" y="6065583"/>
+              <a:off x="4989602" y="6065615"/>
               <a:ext cx="63202" cy="63202"/>
             </a:xfrm>
             <a:custGeom>
@@ -25902,7 +25902,7 @@
           </p:nvSpPr>
           <p:spPr>
             <a:xfrm>
-              <a:off x="4713614" y="6055652"/>
+              <a:off x="4474621" y="6055660"/>
               <a:ext cx="63202" cy="63202"/>
             </a:xfrm>
             <a:custGeom>
@@ -25945,7 +25945,7 @@
           </p:nvSpPr>
           <p:spPr>
             <a:xfrm>
-              <a:off x="4605979" y="6078801"/>
+              <a:off x="4850716" y="6078781"/>
               <a:ext cx="63202" cy="63202"/>
             </a:xfrm>
             <a:custGeom>
@@ -25988,7 +25988,7 @@
           </p:nvSpPr>
           <p:spPr>
             <a:xfrm>
-              <a:off x="4780336" y="6234750"/>
+              <a:off x="5147889" y="6234728"/>
               <a:ext cx="63202" cy="63202"/>
             </a:xfrm>
             <a:custGeom>
@@ -26031,7 +26031,7 @@
           </p:nvSpPr>
           <p:spPr>
             <a:xfrm>
-              <a:off x="5164838" y="6057904"/>
+              <a:off x="4502176" y="6057875"/>
               <a:ext cx="63202" cy="63202"/>
             </a:xfrm>
             <a:custGeom>
@@ -26074,7 +26074,7 @@
           </p:nvSpPr>
           <p:spPr>
             <a:xfrm>
-              <a:off x="4583373" y="5317767"/>
+              <a:off x="5004661" y="5317751"/>
               <a:ext cx="63202" cy="63202"/>
             </a:xfrm>
             <a:custGeom>
@@ -26117,7 +26117,7 @@
           </p:nvSpPr>
           <p:spPr>
             <a:xfrm>
-              <a:off x="5135159" y="5317369"/>
+              <a:off x="4782219" y="5317369"/>
               <a:ext cx="63202" cy="63202"/>
             </a:xfrm>
             <a:custGeom>
@@ -26160,7 +26160,7 @@
           </p:nvSpPr>
           <p:spPr>
             <a:xfrm>
-              <a:off x="4856439" y="6053208"/>
+              <a:off x="4519068" y="6053192"/>
               <a:ext cx="63202" cy="63202"/>
             </a:xfrm>
             <a:custGeom>
@@ -26203,7 +26203,7 @@
           </p:nvSpPr>
           <p:spPr>
             <a:xfrm>
-              <a:off x="4628746" y="6074779"/>
+              <a:off x="4865637" y="6074777"/>
               <a:ext cx="63202" cy="63202"/>
             </a:xfrm>
             <a:custGeom>
@@ -26246,7 +26246,7 @@
           </p:nvSpPr>
           <p:spPr>
             <a:xfrm>
-              <a:off x="4646444" y="6314453"/>
+              <a:off x="4627247" y="6314435"/>
               <a:ext cx="63202" cy="63202"/>
             </a:xfrm>
             <a:custGeom>
@@ -26289,7 +26289,7 @@
           </p:nvSpPr>
           <p:spPr>
             <a:xfrm>
-              <a:off x="4608117" y="6077329"/>
+              <a:off x="4657926" y="6077321"/>
               <a:ext cx="63202" cy="63202"/>
             </a:xfrm>
             <a:custGeom>
@@ -26332,7 +26332,7 @@
           </p:nvSpPr>
           <p:spPr>
             <a:xfrm>
-              <a:off x="4870977" y="6083061"/>
+              <a:off x="4803590" y="6083055"/>
               <a:ext cx="63202" cy="63202"/>
             </a:xfrm>
             <a:custGeom>
@@ -26375,7 +26375,7 @@
           </p:nvSpPr>
           <p:spPr>
             <a:xfrm>
-              <a:off x="4612917" y="6066386"/>
+              <a:off x="4856501" y="6066366"/>
               <a:ext cx="63202" cy="63202"/>
             </a:xfrm>
             <a:custGeom>
@@ -26418,7 +26418,7 @@
           </p:nvSpPr>
           <p:spPr>
             <a:xfrm>
-              <a:off x="4796557" y="6050537"/>
+              <a:off x="5090394" y="6050531"/>
               <a:ext cx="63202" cy="63202"/>
             </a:xfrm>
             <a:custGeom>
@@ -26461,7 +26461,7 @@
           </p:nvSpPr>
           <p:spPr>
             <a:xfrm>
-              <a:off x="4488705" y="6058017"/>
+              <a:off x="4473473" y="6058038"/>
               <a:ext cx="63202" cy="63202"/>
             </a:xfrm>
             <a:custGeom>
@@ -26504,7 +26504,7 @@
           </p:nvSpPr>
           <p:spPr>
             <a:xfrm>
-              <a:off x="4595488" y="6082361"/>
+              <a:off x="4788117" y="6082361"/>
               <a:ext cx="63202" cy="63202"/>
             </a:xfrm>
             <a:custGeom>
@@ -26547,7 +26547,7 @@
           </p:nvSpPr>
           <p:spPr>
             <a:xfrm>
-              <a:off x="4905992" y="6054344"/>
+              <a:off x="4478821" y="6054355"/>
               <a:ext cx="63202" cy="63202"/>
             </a:xfrm>
             <a:custGeom>
@@ -26590,7 +26590,7 @@
           </p:nvSpPr>
           <p:spPr>
             <a:xfrm>
-              <a:off x="4728267" y="6057922"/>
+              <a:off x="4627515" y="6057956"/>
               <a:ext cx="63202" cy="63202"/>
             </a:xfrm>
             <a:custGeom>
@@ -26633,7 +26633,7 @@
           </p:nvSpPr>
           <p:spPr>
             <a:xfrm>
-              <a:off x="4820658" y="6086790"/>
+              <a:off x="4871090" y="6086804"/>
               <a:ext cx="63202" cy="63202"/>
             </a:xfrm>
             <a:custGeom>
@@ -26676,7 +26676,7 @@
           </p:nvSpPr>
           <p:spPr>
             <a:xfrm>
-              <a:off x="4808793" y="6084517"/>
+              <a:off x="4572329" y="6084491"/>
               <a:ext cx="63202" cy="63202"/>
             </a:xfrm>
             <a:custGeom>
@@ -26719,7 +26719,7 @@
           </p:nvSpPr>
           <p:spPr>
             <a:xfrm>
-              <a:off x="4766011" y="6153482"/>
+              <a:off x="4871559" y="6153513"/>
               <a:ext cx="63202" cy="63202"/>
             </a:xfrm>
             <a:custGeom>
@@ -26762,7 +26762,7 @@
           </p:nvSpPr>
           <p:spPr>
             <a:xfrm>
-              <a:off x="5168035" y="6077628"/>
+              <a:off x="4960810" y="6077628"/>
               <a:ext cx="63202" cy="63202"/>
             </a:xfrm>
             <a:custGeom>
@@ -26805,7 +26805,7 @@
           </p:nvSpPr>
           <p:spPr>
             <a:xfrm>
-              <a:off x="6234967" y="6808422"/>
+              <a:off x="6761048" y="6808396"/>
               <a:ext cx="63202" cy="63202"/>
             </a:xfrm>
             <a:custGeom>
@@ -26848,7 +26848,7 @@
           </p:nvSpPr>
           <p:spPr>
             <a:xfrm>
-              <a:off x="5122764" y="6060067"/>
+              <a:off x="4478391" y="6060063"/>
               <a:ext cx="63202" cy="63202"/>
             </a:xfrm>
             <a:custGeom>
@@ -26891,7 +26891,7 @@
           </p:nvSpPr>
           <p:spPr>
             <a:xfrm>
-              <a:off x="4874480" y="6074330"/>
+              <a:off x="4930297" y="6074343"/>
               <a:ext cx="63202" cy="63202"/>
             </a:xfrm>
             <a:custGeom>
@@ -26934,7 +26934,7 @@
           </p:nvSpPr>
           <p:spPr>
             <a:xfrm>
-              <a:off x="4689774" y="6063408"/>
+              <a:off x="4578831" y="6063435"/>
               <a:ext cx="63202" cy="63202"/>
             </a:xfrm>
             <a:custGeom>
@@ -26977,7 +26977,7 @@
           </p:nvSpPr>
           <p:spPr>
             <a:xfrm>
-              <a:off x="4845241" y="6057519"/>
+              <a:off x="4547753" y="6057515"/>
               <a:ext cx="63202" cy="63202"/>
             </a:xfrm>
             <a:custGeom>
@@ -27020,7 +27020,7 @@
           </p:nvSpPr>
           <p:spPr>
             <a:xfrm>
-              <a:off x="5135369" y="6058700"/>
+              <a:off x="4682467" y="6058706"/>
               <a:ext cx="63202" cy="63202"/>
             </a:xfrm>
             <a:custGeom>
@@ -27063,7 +27063,7 @@
           </p:nvSpPr>
           <p:spPr>
             <a:xfrm>
-              <a:off x="4606570" y="6062314"/>
+              <a:off x="4543726" y="6062294"/>
               <a:ext cx="63202" cy="63202"/>
             </a:xfrm>
             <a:custGeom>
@@ -27106,7 +27106,7 @@
           </p:nvSpPr>
           <p:spPr>
             <a:xfrm>
-              <a:off x="4730161" y="6055933"/>
+              <a:off x="4857252" y="6055969"/>
               <a:ext cx="63202" cy="63202"/>
             </a:xfrm>
             <a:custGeom>
@@ -27149,7 +27149,7 @@
           </p:nvSpPr>
           <p:spPr>
             <a:xfrm>
-              <a:off x="5012188" y="6050580"/>
+              <a:off x="5017548" y="6050559"/>
               <a:ext cx="63202" cy="63202"/>
             </a:xfrm>
             <a:custGeom>
@@ -27192,7 +27192,7 @@
           </p:nvSpPr>
           <p:spPr>
             <a:xfrm>
-              <a:off x="4701686" y="6083733"/>
+              <a:off x="4684675" y="6083747"/>
               <a:ext cx="63202" cy="63202"/>
             </a:xfrm>
             <a:custGeom>
@@ -27235,7 +27235,7 @@
           </p:nvSpPr>
           <p:spPr>
             <a:xfrm>
-              <a:off x="4580314" y="6089712"/>
+              <a:off x="4815926" y="6089679"/>
               <a:ext cx="63202" cy="63202"/>
             </a:xfrm>
             <a:custGeom>
@@ -27278,7 +27278,7 @@
           </p:nvSpPr>
           <p:spPr>
             <a:xfrm>
-              <a:off x="4674079" y="6058147"/>
+              <a:off x="4565363" y="6058133"/>
               <a:ext cx="63202" cy="63202"/>
             </a:xfrm>
             <a:custGeom>
@@ -27321,7 +27321,7 @@
           </p:nvSpPr>
           <p:spPr>
             <a:xfrm>
-              <a:off x="5101288" y="6062682"/>
+              <a:off x="4820604" y="6062673"/>
               <a:ext cx="63202" cy="63202"/>
             </a:xfrm>
             <a:custGeom>
@@ -27364,7 +27364,7 @@
           </p:nvSpPr>
           <p:spPr>
             <a:xfrm>
-              <a:off x="4801835" y="6063532"/>
+              <a:off x="5134517" y="6063533"/>
               <a:ext cx="63202" cy="63202"/>
             </a:xfrm>
             <a:custGeom>
@@ -27407,7 +27407,7 @@
           </p:nvSpPr>
           <p:spPr>
             <a:xfrm>
-              <a:off x="4527126" y="6074328"/>
+              <a:off x="4720942" y="6074328"/>
               <a:ext cx="63202" cy="63202"/>
             </a:xfrm>
             <a:custGeom>
@@ -27450,7 +27450,7 @@
           </p:nvSpPr>
           <p:spPr>
             <a:xfrm>
-              <a:off x="5167472" y="6045903"/>
+              <a:off x="4948091" y="6045908"/>
               <a:ext cx="63202" cy="63202"/>
             </a:xfrm>
             <a:custGeom>
@@ -27493,7 +27493,7 @@
           </p:nvSpPr>
           <p:spPr>
             <a:xfrm>
-              <a:off x="4584766" y="6093529"/>
+              <a:off x="4761689" y="6093509"/>
               <a:ext cx="63202" cy="63202"/>
             </a:xfrm>
             <a:custGeom>
@@ -27536,7 +27536,7 @@
           </p:nvSpPr>
           <p:spPr>
             <a:xfrm>
-              <a:off x="4695510" y="6057515"/>
+              <a:off x="4703227" y="6057492"/>
               <a:ext cx="63202" cy="63202"/>
             </a:xfrm>
             <a:custGeom>
@@ -27579,7 +27579,7 @@
           </p:nvSpPr>
           <p:spPr>
             <a:xfrm>
-              <a:off x="5071927" y="6049292"/>
+              <a:off x="4717294" y="6049313"/>
               <a:ext cx="63202" cy="63202"/>
             </a:xfrm>
             <a:custGeom>
@@ -27622,7 +27622,7 @@
           </p:nvSpPr>
           <p:spPr>
             <a:xfrm>
-              <a:off x="4609465" y="6161622"/>
+              <a:off x="4560649" y="6161629"/>
               <a:ext cx="63202" cy="63202"/>
             </a:xfrm>
             <a:custGeom>
@@ -27665,7 +27665,7 @@
           </p:nvSpPr>
           <p:spPr>
             <a:xfrm>
-              <a:off x="4565301" y="6089030"/>
+              <a:off x="5143263" y="6089011"/>
               <a:ext cx="63202" cy="63202"/>
             </a:xfrm>
             <a:custGeom>
@@ -27708,7 +27708,7 @@
           </p:nvSpPr>
           <p:spPr>
             <a:xfrm>
-              <a:off x="4850032" y="6049278"/>
+              <a:off x="4839326" y="6049277"/>
               <a:ext cx="63202" cy="63202"/>
             </a:xfrm>
             <a:custGeom>
@@ -27751,7 +27751,7 @@
           </p:nvSpPr>
           <p:spPr>
             <a:xfrm>
-              <a:off x="4918391" y="6054608"/>
+              <a:off x="4531140" y="6054594"/>
               <a:ext cx="63202" cy="63202"/>
             </a:xfrm>
             <a:custGeom>
@@ -27794,7 +27794,7 @@
           </p:nvSpPr>
           <p:spPr>
             <a:xfrm>
-              <a:off x="4971398" y="6059146"/>
+              <a:off x="4851154" y="6059171"/>
               <a:ext cx="63202" cy="63202"/>
             </a:xfrm>
             <a:custGeom>
@@ -27837,7 +27837,7 @@
           </p:nvSpPr>
           <p:spPr>
             <a:xfrm>
-              <a:off x="4524662" y="6071568"/>
+              <a:off x="4944257" y="6071571"/>
               <a:ext cx="63202" cy="63202"/>
             </a:xfrm>
             <a:custGeom>
@@ -27880,7 +27880,7 @@
           </p:nvSpPr>
           <p:spPr>
             <a:xfrm>
-              <a:off x="4954327" y="6073618"/>
+              <a:off x="4487369" y="6073615"/>
               <a:ext cx="63202" cy="63202"/>
             </a:xfrm>
             <a:custGeom>
@@ -27923,7 +27923,7 @@
           </p:nvSpPr>
           <p:spPr>
             <a:xfrm>
-              <a:off x="5103226" y="6043387"/>
+              <a:off x="5151163" y="6043407"/>
               <a:ext cx="63202" cy="63202"/>
             </a:xfrm>
             <a:custGeom>
@@ -27966,7 +27966,7 @@
           </p:nvSpPr>
           <p:spPr>
             <a:xfrm>
-              <a:off x="4679533" y="6061679"/>
+              <a:off x="4869094" y="6061681"/>
               <a:ext cx="63202" cy="63202"/>
             </a:xfrm>
             <a:custGeom>
@@ -28009,7 +28009,7 @@
           </p:nvSpPr>
           <p:spPr>
             <a:xfrm>
-              <a:off x="4772847" y="6065702"/>
+              <a:off x="4979499" y="6065682"/>
               <a:ext cx="63202" cy="63202"/>
             </a:xfrm>
             <a:custGeom>
@@ -28052,7 +28052,7 @@
           </p:nvSpPr>
           <p:spPr>
             <a:xfrm>
-              <a:off x="4617507" y="6103070"/>
+              <a:off x="4793566" y="6103073"/>
               <a:ext cx="63202" cy="63202"/>
             </a:xfrm>
             <a:custGeom>
@@ -28095,7 +28095,7 @@
           </p:nvSpPr>
           <p:spPr>
             <a:xfrm>
-              <a:off x="5025008" y="6053056"/>
+              <a:off x="5130985" y="6053048"/>
               <a:ext cx="63202" cy="63202"/>
             </a:xfrm>
             <a:custGeom>
@@ -28138,7 +28138,7 @@
           </p:nvSpPr>
           <p:spPr>
             <a:xfrm>
-              <a:off x="4600473" y="6053917"/>
+              <a:off x="5008845" y="6053931"/>
               <a:ext cx="63202" cy="63202"/>
             </a:xfrm>
             <a:custGeom>
@@ -28181,7 +28181,7 @@
           </p:nvSpPr>
           <p:spPr>
             <a:xfrm>
-              <a:off x="4924103" y="6096614"/>
+              <a:off x="5088134" y="6096644"/>
               <a:ext cx="63202" cy="63202"/>
             </a:xfrm>
             <a:custGeom>
@@ -28224,7 +28224,7 @@
           </p:nvSpPr>
           <p:spPr>
             <a:xfrm>
-              <a:off x="5104214" y="6059068"/>
+              <a:off x="4783363" y="6059054"/>
               <a:ext cx="63202" cy="63202"/>
             </a:xfrm>
             <a:custGeom>
@@ -28267,7 +28267,7 @@
           </p:nvSpPr>
           <p:spPr>
             <a:xfrm>
-              <a:off x="5101961" y="6062709"/>
+              <a:off x="5071847" y="6062700"/>
               <a:ext cx="63202" cy="63202"/>
             </a:xfrm>
             <a:custGeom>
@@ -28310,7 +28310,7 @@
           </p:nvSpPr>
           <p:spPr>
             <a:xfrm>
-              <a:off x="4862471" y="6071012"/>
+              <a:off x="4626344" y="6071015"/>
               <a:ext cx="63202" cy="63202"/>
             </a:xfrm>
             <a:custGeom>
@@ -28353,7 +28353,7 @@
           </p:nvSpPr>
           <p:spPr>
             <a:xfrm>
-              <a:off x="4761633" y="6066751"/>
+              <a:off x="4780123" y="6066756"/>
               <a:ext cx="63202" cy="63202"/>
             </a:xfrm>
             <a:custGeom>
@@ -28396,7 +28396,7 @@
           </p:nvSpPr>
           <p:spPr>
             <a:xfrm>
-              <a:off x="4882147" y="6068514"/>
+              <a:off x="5020501" y="6068501"/>
               <a:ext cx="63202" cy="63202"/>
             </a:xfrm>
             <a:custGeom>
@@ -28439,7 +28439,7 @@
           </p:nvSpPr>
           <p:spPr>
             <a:xfrm>
-              <a:off x="5031541" y="6075925"/>
+              <a:off x="4622414" y="6075938"/>
               <a:ext cx="63202" cy="63202"/>
             </a:xfrm>
             <a:custGeom>
@@ -28482,7 +28482,7 @@
           </p:nvSpPr>
           <p:spPr>
             <a:xfrm>
-              <a:off x="4962971" y="6073758"/>
+              <a:off x="4734529" y="6073736"/>
               <a:ext cx="63202" cy="63202"/>
             </a:xfrm>
             <a:custGeom>
@@ -28525,7 +28525,7 @@
           </p:nvSpPr>
           <p:spPr>
             <a:xfrm>
-              <a:off x="5062251" y="6065297"/>
+              <a:off x="4977068" y="6065328"/>
               <a:ext cx="63202" cy="63202"/>
             </a:xfrm>
             <a:custGeom>
@@ -28568,7 +28568,7 @@
           </p:nvSpPr>
           <p:spPr>
             <a:xfrm>
-              <a:off x="4848904" y="6074166"/>
+              <a:off x="4889585" y="6074181"/>
               <a:ext cx="63202" cy="63202"/>
             </a:xfrm>
             <a:custGeom>
@@ -28611,7 +28611,7 @@
           </p:nvSpPr>
           <p:spPr>
             <a:xfrm>
-              <a:off x="4779284" y="6074622"/>
+              <a:off x="4512119" y="6074629"/>
               <a:ext cx="63202" cy="63202"/>
             </a:xfrm>
             <a:custGeom>
@@ -28654,7 +28654,7 @@
           </p:nvSpPr>
           <p:spPr>
             <a:xfrm>
-              <a:off x="4773000" y="6428985"/>
+              <a:off x="5013164" y="6428992"/>
               <a:ext cx="63202" cy="63202"/>
             </a:xfrm>
             <a:custGeom>
@@ -28697,7 +28697,7 @@
           </p:nvSpPr>
           <p:spPr>
             <a:xfrm>
-              <a:off x="5148848" y="6073006"/>
+              <a:off x="5094900" y="6073027"/>
               <a:ext cx="63202" cy="63202"/>
             </a:xfrm>
             <a:custGeom>
@@ -28740,7 +28740,7 @@
           </p:nvSpPr>
           <p:spPr>
             <a:xfrm>
-              <a:off x="4667542" y="6063093"/>
+              <a:off x="5151433" y="6063088"/>
               <a:ext cx="63202" cy="63202"/>
             </a:xfrm>
             <a:custGeom>
@@ -28783,7 +28783,7 @@
           </p:nvSpPr>
           <p:spPr>
             <a:xfrm>
-              <a:off x="4666972" y="6091407"/>
+              <a:off x="4605968" y="6091385"/>
               <a:ext cx="63202" cy="63202"/>
             </a:xfrm>
             <a:custGeom>
@@ -28826,7 +28826,7 @@
           </p:nvSpPr>
           <p:spPr>
             <a:xfrm>
-              <a:off x="4714370" y="6073493"/>
+              <a:off x="4808322" y="6073519"/>
               <a:ext cx="63202" cy="63202"/>
             </a:xfrm>
             <a:custGeom>
@@ -28869,7 +28869,7 @@
           </p:nvSpPr>
           <p:spPr>
             <a:xfrm>
-              <a:off x="4915396" y="6071966"/>
+              <a:off x="5075100" y="6071934"/>
               <a:ext cx="63202" cy="63202"/>
             </a:xfrm>
             <a:custGeom>
@@ -28912,7 +28912,7 @@
           </p:nvSpPr>
           <p:spPr>
             <a:xfrm>
-              <a:off x="4781866" y="6058756"/>
+              <a:off x="4894690" y="6058770"/>
               <a:ext cx="63202" cy="63202"/>
             </a:xfrm>
             <a:custGeom>
@@ -28955,7 +28955,7 @@
           </p:nvSpPr>
           <p:spPr>
             <a:xfrm>
-              <a:off x="4857623" y="6059010"/>
+              <a:off x="4528872" y="6059000"/>
               <a:ext cx="63202" cy="63202"/>
             </a:xfrm>
             <a:custGeom>
@@ -28998,7 +28998,7 @@
           </p:nvSpPr>
           <p:spPr>
             <a:xfrm>
-              <a:off x="5142998" y="6059262"/>
+              <a:off x="4852712" y="6059265"/>
               <a:ext cx="63202" cy="63202"/>
             </a:xfrm>
             <a:custGeom>
@@ -29041,7 +29041,7 @@
           </p:nvSpPr>
           <p:spPr>
             <a:xfrm>
-              <a:off x="4823268" y="6548991"/>
+              <a:off x="4756091" y="6549000"/>
               <a:ext cx="63202" cy="63202"/>
             </a:xfrm>
             <a:custGeom>
@@ -29084,7 +29084,7 @@
           </p:nvSpPr>
           <p:spPr>
             <a:xfrm>
-              <a:off x="5157045" y="6382089"/>
+              <a:off x="4594011" y="6382075"/>
               <a:ext cx="63202" cy="63202"/>
             </a:xfrm>
             <a:custGeom>
@@ -29127,7 +29127,7 @@
           </p:nvSpPr>
           <p:spPr>
             <a:xfrm>
-              <a:off x="4582033" y="6144945"/>
+              <a:off x="4542888" y="6144961"/>
               <a:ext cx="63202" cy="63202"/>
             </a:xfrm>
             <a:custGeom>
@@ -29170,7 +29170,7 @@
           </p:nvSpPr>
           <p:spPr>
             <a:xfrm>
-              <a:off x="4933145" y="6355015"/>
+              <a:off x="4829919" y="6355003"/>
               <a:ext cx="63202" cy="63202"/>
             </a:xfrm>
             <a:custGeom>
@@ -29213,7 +29213,7 @@
           </p:nvSpPr>
           <p:spPr>
             <a:xfrm>
-              <a:off x="4633855" y="6064033"/>
+              <a:off x="5095618" y="6064066"/>
               <a:ext cx="63202" cy="63202"/>
             </a:xfrm>
             <a:custGeom>
@@ -29256,7 +29256,7 @@
           </p:nvSpPr>
           <p:spPr>
             <a:xfrm>
-              <a:off x="5474520" y="6581322"/>
+              <a:off x="5647288" y="6581326"/>
               <a:ext cx="63202" cy="63202"/>
             </a:xfrm>
             <a:custGeom>
@@ -29299,7 +29299,7 @@
           </p:nvSpPr>
           <p:spPr>
             <a:xfrm>
-              <a:off x="5098119" y="6278847"/>
+              <a:off x="5071491" y="6278847"/>
               <a:ext cx="63202" cy="63202"/>
             </a:xfrm>
             <a:custGeom>
@@ -29342,7 +29342,7 @@
           </p:nvSpPr>
           <p:spPr>
             <a:xfrm>
-              <a:off x="4805990" y="6063286"/>
+              <a:off x="5035620" y="6063262"/>
               <a:ext cx="63202" cy="63202"/>
             </a:xfrm>
             <a:custGeom>
@@ -29385,7 +29385,7 @@
           </p:nvSpPr>
           <p:spPr>
             <a:xfrm>
-              <a:off x="4781936" y="6052169"/>
+              <a:off x="4582903" y="6052181"/>
               <a:ext cx="63202" cy="63202"/>
             </a:xfrm>
             <a:custGeom>
@@ -29428,7 +29428,7 @@
           </p:nvSpPr>
           <p:spPr>
             <a:xfrm>
-              <a:off x="5087685" y="6086069"/>
+              <a:off x="4951591" y="6086058"/>
               <a:ext cx="63202" cy="63202"/>
             </a:xfrm>
             <a:custGeom>
@@ -29471,7 +29471,7 @@
           </p:nvSpPr>
           <p:spPr>
             <a:xfrm>
-              <a:off x="4722982" y="6054537"/>
+              <a:off x="4471019" y="6054551"/>
               <a:ext cx="63202" cy="63202"/>
             </a:xfrm>
             <a:custGeom>
@@ -29514,7 +29514,7 @@
           </p:nvSpPr>
           <p:spPr>
             <a:xfrm>
-              <a:off x="4841232" y="6066660"/>
+              <a:off x="4770441" y="6066670"/>
               <a:ext cx="63202" cy="63202"/>
             </a:xfrm>
             <a:custGeom>
@@ -29557,7 +29557,7 @@
           </p:nvSpPr>
           <p:spPr>
             <a:xfrm>
-              <a:off x="4886064" y="6059350"/>
+              <a:off x="4639656" y="6059359"/>
               <a:ext cx="63202" cy="63202"/>
             </a:xfrm>
             <a:custGeom>
@@ -29600,7 +29600,7 @@
           </p:nvSpPr>
           <p:spPr>
             <a:xfrm>
-              <a:off x="4902897" y="6119602"/>
+              <a:off x="5049324" y="6119621"/>
               <a:ext cx="63202" cy="63202"/>
             </a:xfrm>
             <a:custGeom>
@@ -29643,7 +29643,7 @@
           </p:nvSpPr>
           <p:spPr>
             <a:xfrm>
-              <a:off x="4717090" y="6056566"/>
+              <a:off x="4804065" y="6056574"/>
               <a:ext cx="63202" cy="63202"/>
             </a:xfrm>
             <a:custGeom>
@@ -29686,7 +29686,7 @@
           </p:nvSpPr>
           <p:spPr>
             <a:xfrm>
-              <a:off x="4938087" y="6100653"/>
+              <a:off x="4668025" y="6100662"/>
               <a:ext cx="63202" cy="63202"/>
             </a:xfrm>
             <a:custGeom>
@@ -29729,7 +29729,7 @@
           </p:nvSpPr>
           <p:spPr>
             <a:xfrm>
-              <a:off x="4822036" y="6059531"/>
+              <a:off x="5092256" y="6059522"/>
               <a:ext cx="63202" cy="63202"/>
             </a:xfrm>
             <a:custGeom>
@@ -29772,7 +29772,7 @@
           </p:nvSpPr>
           <p:spPr>
             <a:xfrm>
-              <a:off x="4572285" y="6067654"/>
+              <a:off x="5121812" y="6067635"/>
               <a:ext cx="63202" cy="63202"/>
             </a:xfrm>
             <a:custGeom>
@@ -29815,7 +29815,7 @@
           </p:nvSpPr>
           <p:spPr>
             <a:xfrm>
-              <a:off x="5043233" y="6043240"/>
+              <a:off x="5128155" y="6043267"/>
               <a:ext cx="63202" cy="63202"/>
             </a:xfrm>
             <a:custGeom>
@@ -29858,7 +29858,7 @@
           </p:nvSpPr>
           <p:spPr>
             <a:xfrm>
-              <a:off x="4545641" y="6071801"/>
+              <a:off x="5061726" y="6071815"/>
               <a:ext cx="63202" cy="63202"/>
             </a:xfrm>
             <a:custGeom>
@@ -29901,7 +29901,7 @@
           </p:nvSpPr>
           <p:spPr>
             <a:xfrm>
-              <a:off x="4999679" y="6072186"/>
+              <a:off x="4484684" y="6072209"/>
               <a:ext cx="63202" cy="63202"/>
             </a:xfrm>
             <a:custGeom>
@@ -29944,7 +29944,7 @@
           </p:nvSpPr>
           <p:spPr>
             <a:xfrm>
-              <a:off x="4964055" y="6071407"/>
+              <a:off x="4738052" y="6071413"/>
               <a:ext cx="63202" cy="63202"/>
             </a:xfrm>
             <a:custGeom>
@@ -29987,7 +29987,7 @@
           </p:nvSpPr>
           <p:spPr>
             <a:xfrm>
-              <a:off x="4997058" y="6071367"/>
+              <a:off x="4847010" y="6071377"/>
               <a:ext cx="63202" cy="63202"/>
             </a:xfrm>
             <a:custGeom>
@@ -30030,7 +30030,7 @@
           </p:nvSpPr>
           <p:spPr>
             <a:xfrm>
-              <a:off x="4655372" y="6070431"/>
+              <a:off x="4850429" y="6070461"/>
               <a:ext cx="63202" cy="63202"/>
             </a:xfrm>
             <a:custGeom>
@@ -30073,7 +30073,7 @@
           </p:nvSpPr>
           <p:spPr>
             <a:xfrm>
-              <a:off x="4594252" y="6077996"/>
+              <a:off x="5104839" y="6078018"/>
               <a:ext cx="63202" cy="63202"/>
             </a:xfrm>
             <a:custGeom>
@@ -30116,7 +30116,7 @@
           </p:nvSpPr>
           <p:spPr>
             <a:xfrm>
-              <a:off x="4594045" y="6137878"/>
+              <a:off x="5091894" y="6137875"/>
               <a:ext cx="63202" cy="63202"/>
             </a:xfrm>
             <a:custGeom>
@@ -30159,7 +30159,7 @@
           </p:nvSpPr>
           <p:spPr>
             <a:xfrm>
-              <a:off x="4497086" y="6065192"/>
+              <a:off x="5041177" y="6065214"/>
               <a:ext cx="63202" cy="63202"/>
             </a:xfrm>
             <a:custGeom>
@@ -30202,7 +30202,7 @@
           </p:nvSpPr>
           <p:spPr>
             <a:xfrm>
-              <a:off x="4627504" y="6059157"/>
+              <a:off x="5025664" y="6059168"/>
               <a:ext cx="63202" cy="63202"/>
             </a:xfrm>
             <a:custGeom>
@@ -30245,7 +30245,7 @@
           </p:nvSpPr>
           <p:spPr>
             <a:xfrm>
-              <a:off x="5064285" y="6184419"/>
+              <a:off x="4668161" y="6184424"/>
               <a:ext cx="63202" cy="63202"/>
             </a:xfrm>
             <a:custGeom>
@@ -30288,7 +30288,7 @@
           </p:nvSpPr>
           <p:spPr>
             <a:xfrm>
-              <a:off x="4597972" y="6106717"/>
+              <a:off x="4788532" y="6106709"/>
               <a:ext cx="63202" cy="63202"/>
             </a:xfrm>
             <a:custGeom>
@@ -30331,7 +30331,7 @@
           </p:nvSpPr>
           <p:spPr>
             <a:xfrm>
-              <a:off x="4869585" y="6069326"/>
+              <a:off x="4698980" y="6069349"/>
               <a:ext cx="63202" cy="63202"/>
             </a:xfrm>
             <a:custGeom>
@@ -30374,7 +30374,7 @@
           </p:nvSpPr>
           <p:spPr>
             <a:xfrm>
-              <a:off x="5024528" y="6052977"/>
+              <a:off x="5126001" y="6053003"/>
               <a:ext cx="63202" cy="63202"/>
             </a:xfrm>
             <a:custGeom>
@@ -30417,7 +30417,7 @@
           </p:nvSpPr>
           <p:spPr>
             <a:xfrm>
-              <a:off x="5151347" y="6063892"/>
+              <a:off x="4793306" y="6063898"/>
               <a:ext cx="63202" cy="63202"/>
             </a:xfrm>
             <a:custGeom>
@@ -30460,7 +30460,7 @@
           </p:nvSpPr>
           <p:spPr>
             <a:xfrm>
-              <a:off x="4952536" y="6143856"/>
+              <a:off x="4889779" y="6143827"/>
               <a:ext cx="63202" cy="63202"/>
             </a:xfrm>
             <a:custGeom>
@@ -30503,7 +30503,7 @@
           </p:nvSpPr>
           <p:spPr>
             <a:xfrm>
-              <a:off x="4967688" y="6078395"/>
+              <a:off x="4996091" y="6078412"/>
               <a:ext cx="63202" cy="63202"/>
             </a:xfrm>
             <a:custGeom>
@@ -30546,7 +30546,7 @@
           </p:nvSpPr>
           <p:spPr>
             <a:xfrm>
-              <a:off x="4634803" y="6119588"/>
+              <a:off x="4975660" y="6119603"/>
               <a:ext cx="63202" cy="63202"/>
             </a:xfrm>
             <a:custGeom>
@@ -30589,7 +30589,7 @@
           </p:nvSpPr>
           <p:spPr>
             <a:xfrm>
-              <a:off x="4838125" y="6076895"/>
+              <a:off x="5167269" y="6076886"/>
               <a:ext cx="63202" cy="63202"/>
             </a:xfrm>
             <a:custGeom>
@@ -30688,7 +30688,7 @@
           </p:nvSpPr>
           <p:spPr>
             <a:xfrm>
-              <a:off x="7192078" y="2797363"/>
+              <a:off x="7192078" y="2797358"/>
               <a:ext cx="2796732" cy="0"/>
             </a:xfrm>
             <a:custGeom>
@@ -30731,7 +30731,7 @@
           </p:nvSpPr>
           <p:spPr>
             <a:xfrm>
-              <a:off x="7192078" y="2312565"/>
+              <a:off x="7192078" y="2312566"/>
               <a:ext cx="2796732" cy="0"/>
             </a:xfrm>
             <a:custGeom>
@@ -30774,7 +30774,7 @@
           </p:nvSpPr>
           <p:spPr>
             <a:xfrm>
-              <a:off x="7192078" y="1827767"/>
+              <a:off x="7192078" y="1827774"/>
               <a:ext cx="2796732" cy="0"/>
             </a:xfrm>
             <a:custGeom>
@@ -30817,7 +30817,7 @@
           </p:nvSpPr>
           <p:spPr>
             <a:xfrm>
-              <a:off x="7192078" y="3039762"/>
+              <a:off x="7192078" y="3039754"/>
               <a:ext cx="2796732" cy="0"/>
             </a:xfrm>
             <a:custGeom>
@@ -30860,7 +30860,7 @@
           </p:nvSpPr>
           <p:spPr>
             <a:xfrm>
-              <a:off x="7192078" y="2554964"/>
+              <a:off x="7192078" y="2554962"/>
               <a:ext cx="2796732" cy="0"/>
             </a:xfrm>
             <a:custGeom>
@@ -30903,7 +30903,7 @@
           </p:nvSpPr>
           <p:spPr>
             <a:xfrm>
-              <a:off x="7192078" y="2070166"/>
+              <a:off x="7192078" y="2070170"/>
               <a:ext cx="2796732" cy="0"/>
             </a:xfrm>
             <a:custGeom>
@@ -30946,7 +30946,7 @@
           </p:nvSpPr>
           <p:spPr>
             <a:xfrm>
-              <a:off x="7192078" y="1585368"/>
+              <a:off x="7192078" y="1585378"/>
               <a:ext cx="2796732" cy="0"/>
             </a:xfrm>
             <a:custGeom>
@@ -31118,7 +31118,7 @@
           </p:nvSpPr>
           <p:spPr>
             <a:xfrm>
-              <a:off x="7542739" y="2559255"/>
+              <a:off x="7489205" y="2559234"/>
               <a:ext cx="63202" cy="63202"/>
             </a:xfrm>
             <a:custGeom>
@@ -31161,7 +31161,7 @@
           </p:nvSpPr>
           <p:spPr>
             <a:xfrm>
-              <a:off x="7682118" y="2661720"/>
+              <a:off x="7656063" y="2661710"/>
               <a:ext cx="63202" cy="63202"/>
             </a:xfrm>
             <a:custGeom>
@@ -31204,7 +31204,7 @@
           </p:nvSpPr>
           <p:spPr>
             <a:xfrm>
-              <a:off x="7585423" y="2520664"/>
+              <a:off x="7860385" y="2520631"/>
               <a:ext cx="63202" cy="63202"/>
             </a:xfrm>
             <a:custGeom>
@@ -31247,7 +31247,7 @@
           </p:nvSpPr>
           <p:spPr>
             <a:xfrm>
-              <a:off x="7960082" y="2581007"/>
+              <a:off x="7640242" y="2581010"/>
               <a:ext cx="63202" cy="63202"/>
             </a:xfrm>
             <a:custGeom>
@@ -31290,7 +31290,7 @@
           </p:nvSpPr>
           <p:spPr>
             <a:xfrm>
-              <a:off x="7548624" y="2544004"/>
+              <a:off x="8027418" y="2544008"/>
               <a:ext cx="63202" cy="63202"/>
             </a:xfrm>
             <a:custGeom>
@@ -31333,7 +31333,7 @@
           </p:nvSpPr>
           <p:spPr>
             <a:xfrm>
-              <a:off x="8001382" y="2349957"/>
+              <a:off x="7770284" y="2349936"/>
               <a:ext cx="63202" cy="63202"/>
             </a:xfrm>
             <a:custGeom>
@@ -31376,7 +31376,7 @@
           </p:nvSpPr>
           <p:spPr>
             <a:xfrm>
-              <a:off x="7845291" y="2643079"/>
+              <a:off x="7990126" y="2643060"/>
               <a:ext cx="63202" cy="63202"/>
             </a:xfrm>
             <a:custGeom>
@@ -31419,7 +31419,7 @@
           </p:nvSpPr>
           <p:spPr>
             <a:xfrm>
-              <a:off x="7894827" y="2662942"/>
+              <a:off x="7692500" y="2662924"/>
               <a:ext cx="63202" cy="63202"/>
             </a:xfrm>
             <a:custGeom>
@@ -31462,7 +31462,7 @@
           </p:nvSpPr>
           <p:spPr>
             <a:xfrm>
-              <a:off x="7493133" y="2543826"/>
+              <a:off x="7345119" y="2543822"/>
               <a:ext cx="63202" cy="63202"/>
             </a:xfrm>
             <a:custGeom>
@@ -31505,7 +31505,7 @@
           </p:nvSpPr>
           <p:spPr>
             <a:xfrm>
-              <a:off x="7900964" y="2554748"/>
+              <a:off x="7983055" y="2554734"/>
               <a:ext cx="63202" cy="63202"/>
             </a:xfrm>
             <a:custGeom>
@@ -31548,7 +31548,7 @@
           </p:nvSpPr>
           <p:spPr>
             <a:xfrm>
-              <a:off x="7952633" y="2643260"/>
+              <a:off x="7419604" y="2643242"/>
               <a:ext cx="63202" cy="63202"/>
             </a:xfrm>
             <a:custGeom>
@@ -31591,7 +31591,7 @@
           </p:nvSpPr>
           <p:spPr>
             <a:xfrm>
-              <a:off x="7621194" y="2790860"/>
+              <a:off x="7552721" y="2790865"/>
               <a:ext cx="63202" cy="63202"/>
             </a:xfrm>
             <a:custGeom>
@@ -31634,7 +31634,7 @@
           </p:nvSpPr>
           <p:spPr>
             <a:xfrm>
-              <a:off x="7364329" y="2693901"/>
+              <a:off x="7423743" y="2693928"/>
               <a:ext cx="63202" cy="63202"/>
             </a:xfrm>
             <a:custGeom>
@@ -31677,7 +31677,7 @@
           </p:nvSpPr>
           <p:spPr>
             <a:xfrm>
-              <a:off x="7650409" y="2649234"/>
+              <a:off x="7986020" y="2649227"/>
               <a:ext cx="63202" cy="63202"/>
             </a:xfrm>
             <a:custGeom>
@@ -31720,7 +31720,7 @@
           </p:nvSpPr>
           <p:spPr>
             <a:xfrm>
-              <a:off x="7604334" y="2645154"/>
+              <a:off x="7954840" y="2645153"/>
               <a:ext cx="63202" cy="63202"/>
             </a:xfrm>
             <a:custGeom>
@@ -31763,7 +31763,7 @@
           </p:nvSpPr>
           <p:spPr>
             <a:xfrm>
-              <a:off x="7834663" y="2760416"/>
+              <a:off x="7691943" y="2760414"/>
               <a:ext cx="63202" cy="63202"/>
             </a:xfrm>
             <a:custGeom>
@@ -31806,7 +31806,7 @@
           </p:nvSpPr>
           <p:spPr>
             <a:xfrm>
-              <a:off x="7842393" y="2650144"/>
+              <a:off x="7983797" y="2650114"/>
               <a:ext cx="63202" cy="63202"/>
             </a:xfrm>
             <a:custGeom>
@@ -31849,7 +31849,7 @@
           </p:nvSpPr>
           <p:spPr>
             <a:xfrm>
-              <a:off x="7709429" y="2579290"/>
+              <a:off x="7809559" y="2579292"/>
               <a:ext cx="63202" cy="63202"/>
             </a:xfrm>
             <a:custGeom>
@@ -31892,7 +31892,7 @@
           </p:nvSpPr>
           <p:spPr>
             <a:xfrm>
-              <a:off x="7579592" y="2703623"/>
+              <a:off x="7398287" y="2703609"/>
               <a:ext cx="63202" cy="63202"/>
             </a:xfrm>
             <a:custGeom>
@@ -31935,7 +31935,7 @@
           </p:nvSpPr>
           <p:spPr>
             <a:xfrm>
-              <a:off x="7371880" y="2632508"/>
+              <a:off x="7449840" y="2632487"/>
               <a:ext cx="63202" cy="63202"/>
             </a:xfrm>
             <a:custGeom>
@@ -31978,7 +31978,7 @@
           </p:nvSpPr>
           <p:spPr>
             <a:xfrm>
-              <a:off x="7686810" y="2628221"/>
+              <a:off x="7411109" y="2628225"/>
               <a:ext cx="63202" cy="63202"/>
             </a:xfrm>
             <a:custGeom>
@@ -32021,7 +32021,7 @@
           </p:nvSpPr>
           <p:spPr>
             <a:xfrm>
-              <a:off x="7993055" y="2661511"/>
+              <a:off x="7930091" y="2661511"/>
               <a:ext cx="63202" cy="63202"/>
             </a:xfrm>
             <a:custGeom>
@@ -32064,7 +32064,7 @@
           </p:nvSpPr>
           <p:spPr>
             <a:xfrm>
-              <a:off x="8010823" y="2749943"/>
+              <a:off x="8032782" y="2749936"/>
               <a:ext cx="63202" cy="63202"/>
             </a:xfrm>
             <a:custGeom>
@@ -32107,7 +32107,7 @@
           </p:nvSpPr>
           <p:spPr>
             <a:xfrm>
-              <a:off x="7961858" y="2663233"/>
+              <a:off x="7987463" y="2663228"/>
               <a:ext cx="63202" cy="63202"/>
             </a:xfrm>
             <a:custGeom>
@@ -32150,7 +32150,7 @@
           </p:nvSpPr>
           <p:spPr>
             <a:xfrm>
-              <a:off x="7830669" y="2644085"/>
+              <a:off x="7474521" y="2644064"/>
               <a:ext cx="63202" cy="63202"/>
             </a:xfrm>
             <a:custGeom>
@@ -32193,7 +32193,7 @@
           </p:nvSpPr>
           <p:spPr>
             <a:xfrm>
-              <a:off x="7369568" y="2350211"/>
+              <a:off x="7512464" y="2350174"/>
               <a:ext cx="63202" cy="63202"/>
             </a:xfrm>
             <a:custGeom>
@@ -32236,7 +32236,7 @@
           </p:nvSpPr>
           <p:spPr>
             <a:xfrm>
-              <a:off x="7926999" y="2651137"/>
+              <a:off x="7748381" y="2651132"/>
               <a:ext cx="63202" cy="63202"/>
             </a:xfrm>
             <a:custGeom>
@@ -32279,7 +32279,7 @@
           </p:nvSpPr>
           <p:spPr>
             <a:xfrm>
-              <a:off x="8020274" y="2647235"/>
+              <a:off x="7430175" y="2647239"/>
               <a:ext cx="63202" cy="63202"/>
             </a:xfrm>
             <a:custGeom>
@@ -32322,7 +32322,7 @@
           </p:nvSpPr>
           <p:spPr>
             <a:xfrm>
-              <a:off x="7917340" y="2348593"/>
+              <a:off x="7493371" y="2348589"/>
               <a:ext cx="63202" cy="63202"/>
             </a:xfrm>
             <a:custGeom>
@@ -32365,7 +32365,7 @@
           </p:nvSpPr>
           <p:spPr>
             <a:xfrm>
-              <a:off x="7873800" y="2583633"/>
+              <a:off x="7811380" y="2583615"/>
               <a:ext cx="63202" cy="63202"/>
             </a:xfrm>
             <a:custGeom>
@@ -32408,7 +32408,7 @@
           </p:nvSpPr>
           <p:spPr>
             <a:xfrm>
-              <a:off x="7865894" y="2604645"/>
+              <a:off x="7519107" y="2604679"/>
               <a:ext cx="63202" cy="63202"/>
             </a:xfrm>
             <a:custGeom>
@@ -32451,7 +32451,7 @@
           </p:nvSpPr>
           <p:spPr>
             <a:xfrm>
-              <a:off x="7773915" y="2615313"/>
+              <a:off x="7586515" y="2615331"/>
               <a:ext cx="63202" cy="63202"/>
             </a:xfrm>
             <a:custGeom>
@@ -32494,7 +32494,7 @@
           </p:nvSpPr>
           <p:spPr>
             <a:xfrm>
-              <a:off x="7534641" y="2602286"/>
+              <a:off x="7553546" y="2602269"/>
               <a:ext cx="63202" cy="63202"/>
             </a:xfrm>
             <a:custGeom>
@@ -32537,7 +32537,7 @@
           </p:nvSpPr>
           <p:spPr>
             <a:xfrm>
-              <a:off x="8014421" y="2603466"/>
+              <a:off x="7804277" y="2603467"/>
               <a:ext cx="63202" cy="63202"/>
             </a:xfrm>
             <a:custGeom>
@@ -32580,7 +32580,7 @@
           </p:nvSpPr>
           <p:spPr>
             <a:xfrm>
-              <a:off x="7381392" y="2602481"/>
+              <a:off x="7602693" y="2602473"/>
               <a:ext cx="63202" cy="63202"/>
             </a:xfrm>
             <a:custGeom>
@@ -32623,7 +32623,7 @@
           </p:nvSpPr>
           <p:spPr>
             <a:xfrm>
-              <a:off x="7477967" y="2627967"/>
+              <a:off x="7379642" y="2627977"/>
               <a:ext cx="63202" cy="63202"/>
             </a:xfrm>
             <a:custGeom>
@@ -32666,7 +32666,7 @@
           </p:nvSpPr>
           <p:spPr>
             <a:xfrm>
-              <a:off x="7416356" y="2629407"/>
+              <a:off x="7578384" y="2629389"/>
               <a:ext cx="63202" cy="63202"/>
             </a:xfrm>
             <a:custGeom>
@@ -32709,7 +32709,7 @@
           </p:nvSpPr>
           <p:spPr>
             <a:xfrm>
-              <a:off x="7873268" y="2691250"/>
+              <a:off x="7511058" y="2691237"/>
               <a:ext cx="63202" cy="63202"/>
             </a:xfrm>
             <a:custGeom>
@@ -32752,7 +32752,7 @@
           </p:nvSpPr>
           <p:spPr>
             <a:xfrm>
-              <a:off x="7550787" y="2654164"/>
+              <a:off x="7805907" y="2654155"/>
               <a:ext cx="63202" cy="63202"/>
             </a:xfrm>
             <a:custGeom>
@@ -32795,7 +32795,7 @@
           </p:nvSpPr>
           <p:spPr>
             <a:xfrm>
-              <a:off x="7503519" y="2580959"/>
+              <a:off x="7558590" y="2580944"/>
               <a:ext cx="63202" cy="63202"/>
             </a:xfrm>
             <a:custGeom>
@@ -32838,7 +32838,7 @@
           </p:nvSpPr>
           <p:spPr>
             <a:xfrm>
-              <a:off x="7803409" y="2747006"/>
+              <a:off x="7711116" y="2747012"/>
               <a:ext cx="63202" cy="63202"/>
             </a:xfrm>
             <a:custGeom>
@@ -32881,7 +32881,7 @@
           </p:nvSpPr>
           <p:spPr>
             <a:xfrm>
-              <a:off x="8007242" y="2620116"/>
+              <a:off x="8006726" y="2620106"/>
               <a:ext cx="63202" cy="63202"/>
             </a:xfrm>
             <a:custGeom>
@@ -32924,7 +32924,7 @@
           </p:nvSpPr>
           <p:spPr>
             <a:xfrm>
-              <a:off x="8002384" y="2580125"/>
+              <a:off x="7348778" y="2580116"/>
               <a:ext cx="63202" cy="63202"/>
             </a:xfrm>
             <a:custGeom>
@@ -32967,7 +32967,7 @@
           </p:nvSpPr>
           <p:spPr>
             <a:xfrm>
-              <a:off x="7923691" y="2579321"/>
+              <a:off x="7935176" y="2579291"/>
               <a:ext cx="63202" cy="63202"/>
             </a:xfrm>
             <a:custGeom>
@@ -33010,7 +33010,7 @@
           </p:nvSpPr>
           <p:spPr>
             <a:xfrm>
-              <a:off x="7353772" y="2626060"/>
+              <a:off x="7657776" y="2626022"/>
               <a:ext cx="63202" cy="63202"/>
             </a:xfrm>
             <a:custGeom>
@@ -33053,7 +33053,7 @@
           </p:nvSpPr>
           <p:spPr>
             <a:xfrm>
-              <a:off x="7349098" y="2579953"/>
+              <a:off x="7498877" y="2579917"/>
               <a:ext cx="63202" cy="63202"/>
             </a:xfrm>
             <a:custGeom>
@@ -33096,7 +33096,7 @@
           </p:nvSpPr>
           <p:spPr>
             <a:xfrm>
-              <a:off x="7927421" y="2544022"/>
+              <a:off x="7852737" y="2544021"/>
               <a:ext cx="63202" cy="63202"/>
             </a:xfrm>
             <a:custGeom>
@@ -33195,7 +33195,7 @@
           </p:nvSpPr>
           <p:spPr>
             <a:xfrm>
-              <a:off x="7192078" y="4722696"/>
+              <a:off x="7192078" y="4722690"/>
               <a:ext cx="2796732" cy="0"/>
             </a:xfrm>
             <a:custGeom>
@@ -33281,7 +33281,7 @@
           </p:nvSpPr>
           <p:spPr>
             <a:xfrm>
-              <a:off x="7192078" y="3753100"/>
+              <a:off x="7192078" y="3753106"/>
               <a:ext cx="2796732" cy="0"/>
             </a:xfrm>
             <a:custGeom>
@@ -33324,7 +33324,7 @@
           </p:nvSpPr>
           <p:spPr>
             <a:xfrm>
-              <a:off x="7192078" y="4965095"/>
+              <a:off x="7192078" y="4965086"/>
               <a:ext cx="2796732" cy="0"/>
             </a:xfrm>
             <a:custGeom>
@@ -33367,7 +33367,7 @@
           </p:nvSpPr>
           <p:spPr>
             <a:xfrm>
-              <a:off x="7192078" y="4480297"/>
+              <a:off x="7192078" y="4480294"/>
               <a:ext cx="2796732" cy="0"/>
             </a:xfrm>
             <a:custGeom>
@@ -33410,7 +33410,7 @@
           </p:nvSpPr>
           <p:spPr>
             <a:xfrm>
-              <a:off x="7192078" y="3995499"/>
+              <a:off x="7192078" y="3995502"/>
               <a:ext cx="2796732" cy="0"/>
             </a:xfrm>
             <a:custGeom>
@@ -33453,7 +33453,7 @@
           </p:nvSpPr>
           <p:spPr>
             <a:xfrm>
-              <a:off x="7192078" y="3510701"/>
+              <a:off x="7192078" y="3510710"/>
               <a:ext cx="2796732" cy="0"/>
             </a:xfrm>
             <a:custGeom>
@@ -33625,7 +33625,7 @@
           </p:nvSpPr>
           <p:spPr>
             <a:xfrm>
-              <a:off x="7878135" y="4446061"/>
+              <a:off x="7479534" y="4446057"/>
               <a:ext cx="63202" cy="63202"/>
             </a:xfrm>
             <a:custGeom>
@@ -33668,7 +33668,7 @@
           </p:nvSpPr>
           <p:spPr>
             <a:xfrm>
-              <a:off x="7635595" y="4438767"/>
+              <a:off x="7746244" y="4438755"/>
               <a:ext cx="63202" cy="63202"/>
             </a:xfrm>
             <a:custGeom>
@@ -33711,7 +33711,7 @@
           </p:nvSpPr>
           <p:spPr>
             <a:xfrm>
-              <a:off x="7857228" y="4551523"/>
+              <a:off x="7741182" y="4551536"/>
               <a:ext cx="63202" cy="63202"/>
             </a:xfrm>
             <a:custGeom>
@@ -33754,7 +33754,7 @@
           </p:nvSpPr>
           <p:spPr>
             <a:xfrm>
-              <a:off x="8465232" y="4795435"/>
+              <a:off x="8732864" y="4795425"/>
               <a:ext cx="63202" cy="63202"/>
             </a:xfrm>
             <a:custGeom>
@@ -33797,7 +33797,7 @@
           </p:nvSpPr>
           <p:spPr>
             <a:xfrm>
-              <a:off x="7585295" y="4513228"/>
+              <a:off x="7454167" y="4513232"/>
               <a:ext cx="63202" cy="63202"/>
             </a:xfrm>
             <a:custGeom>
@@ -33840,7 +33840,7 @@
           </p:nvSpPr>
           <p:spPr>
             <a:xfrm>
-              <a:off x="7358064" y="4419880"/>
+              <a:off x="7936013" y="4419882"/>
               <a:ext cx="63202" cy="63202"/>
             </a:xfrm>
             <a:custGeom>
@@ -33883,7 +33883,7 @@
           </p:nvSpPr>
           <p:spPr>
             <a:xfrm>
-              <a:off x="7704146" y="4484135"/>
+              <a:off x="7558999" y="4484139"/>
               <a:ext cx="63202" cy="63202"/>
             </a:xfrm>
             <a:custGeom>
@@ -33926,7 +33926,7 @@
           </p:nvSpPr>
           <p:spPr>
             <a:xfrm>
-              <a:off x="8027569" y="4428733"/>
+              <a:off x="7953523" y="4428736"/>
               <a:ext cx="63202" cy="63202"/>
             </a:xfrm>
             <a:custGeom>
@@ -33969,7 +33969,7 @@
           </p:nvSpPr>
           <p:spPr>
             <a:xfrm>
-              <a:off x="7557089" y="4565950"/>
+              <a:off x="7646144" y="4565946"/>
               <a:ext cx="63202" cy="63202"/>
             </a:xfrm>
             <a:custGeom>
@@ -34012,7 +34012,7 @@
           </p:nvSpPr>
           <p:spPr>
             <a:xfrm>
-              <a:off x="7419555" y="4442885"/>
+              <a:off x="7637010" y="4442864"/>
               <a:ext cx="63202" cy="63202"/>
             </a:xfrm>
             <a:custGeom>
@@ -34055,7 +34055,7 @@
           </p:nvSpPr>
           <p:spPr>
             <a:xfrm>
-              <a:off x="7453752" y="4437197"/>
+              <a:off x="7379637" y="4437187"/>
               <a:ext cx="63202" cy="63202"/>
             </a:xfrm>
             <a:custGeom>
@@ -34098,7 +34098,7 @@
           </p:nvSpPr>
           <p:spPr>
             <a:xfrm>
-              <a:off x="7379171" y="4441438"/>
+              <a:off x="7551691" y="4441422"/>
               <a:ext cx="63202" cy="63202"/>
             </a:xfrm>
             <a:custGeom>
@@ -34141,7 +34141,7 @@
           </p:nvSpPr>
           <p:spPr>
             <a:xfrm>
-              <a:off x="7546196" y="4410349"/>
+              <a:off x="7786759" y="4410337"/>
               <a:ext cx="63202" cy="63202"/>
             </a:xfrm>
             <a:custGeom>
@@ -34184,7 +34184,7 @@
           </p:nvSpPr>
           <p:spPr>
             <a:xfrm>
-              <a:off x="7406579" y="4472289"/>
+              <a:off x="7525542" y="4472317"/>
               <a:ext cx="63202" cy="63202"/>
             </a:xfrm>
             <a:custGeom>
@@ -35679,7 +35679,7 @@
           </p:nvSpPr>
           <p:spPr>
             <a:xfrm>
-              <a:off x="1334650" y="2998070"/>
+              <a:off x="1334650" y="2998062"/>
               <a:ext cx="62155" cy="81691"/>
             </a:xfrm>
             <a:prstGeom prst="rect">
@@ -35725,7 +35725,7 @@
           </p:nvSpPr>
           <p:spPr>
             <a:xfrm>
-              <a:off x="1148183" y="2513272"/>
+              <a:off x="1148183" y="2513270"/>
               <a:ext cx="248622" cy="81691"/>
             </a:xfrm>
             <a:prstGeom prst="rect">
@@ -35771,7 +35771,7 @@
           </p:nvSpPr>
           <p:spPr>
             <a:xfrm>
-              <a:off x="1148183" y="2028474"/>
+              <a:off x="1148183" y="2028478"/>
               <a:ext cx="248622" cy="81691"/>
             </a:xfrm>
             <a:prstGeom prst="rect">
@@ -35817,7 +35817,7 @@
           </p:nvSpPr>
           <p:spPr>
             <a:xfrm>
-              <a:off x="1148183" y="1543622"/>
+              <a:off x="1148183" y="1543631"/>
               <a:ext cx="248622" cy="81746"/>
             </a:xfrm>
             <a:prstGeom prst="rect">
@@ -35863,7 +35863,7 @@
           </p:nvSpPr>
           <p:spPr>
             <a:xfrm>
-              <a:off x="1424641" y="3039762"/>
+              <a:off x="1424641" y="3039754"/>
               <a:ext cx="34794" cy="0"/>
             </a:xfrm>
             <a:custGeom>
@@ -35903,7 +35903,7 @@
           </p:nvSpPr>
           <p:spPr>
             <a:xfrm>
-              <a:off x="1424641" y="2554964"/>
+              <a:off x="1424641" y="2554962"/>
               <a:ext cx="34794" cy="0"/>
             </a:xfrm>
             <a:custGeom>
@@ -35943,7 +35943,7 @@
           </p:nvSpPr>
           <p:spPr>
             <a:xfrm>
-              <a:off x="1424641" y="2070166"/>
+              <a:off x="1424641" y="2070170"/>
               <a:ext cx="34794" cy="0"/>
             </a:xfrm>
             <a:custGeom>
@@ -35983,7 +35983,7 @@
           </p:nvSpPr>
           <p:spPr>
             <a:xfrm>
-              <a:off x="1424641" y="1585368"/>
+              <a:off x="1424641" y="1585378"/>
               <a:ext cx="34794" cy="0"/>
             </a:xfrm>
             <a:custGeom>
@@ -36023,7 +36023,7 @@
           </p:nvSpPr>
           <p:spPr>
             <a:xfrm>
-              <a:off x="1334650" y="4923403"/>
+              <a:off x="1334650" y="4923394"/>
               <a:ext cx="62155" cy="81691"/>
             </a:xfrm>
             <a:prstGeom prst="rect">
@@ -36069,7 +36069,7 @@
           </p:nvSpPr>
           <p:spPr>
             <a:xfrm>
-              <a:off x="1148183" y="4438605"/>
+              <a:off x="1148183" y="4438602"/>
               <a:ext cx="248622" cy="81691"/>
             </a:xfrm>
             <a:prstGeom prst="rect">
@@ -36115,7 +36115,7 @@
           </p:nvSpPr>
           <p:spPr>
             <a:xfrm>
-              <a:off x="1148183" y="3953807"/>
+              <a:off x="1148183" y="3953810"/>
               <a:ext cx="248622" cy="81691"/>
             </a:xfrm>
             <a:prstGeom prst="rect">
@@ -36161,7 +36161,7 @@
           </p:nvSpPr>
           <p:spPr>
             <a:xfrm>
-              <a:off x="1148183" y="3468954"/>
+              <a:off x="1148183" y="3468964"/>
               <a:ext cx="248622" cy="81746"/>
             </a:xfrm>
             <a:prstGeom prst="rect">
@@ -36207,7 +36207,7 @@
           </p:nvSpPr>
           <p:spPr>
             <a:xfrm>
-              <a:off x="1424641" y="4965095"/>
+              <a:off x="1424641" y="4965086"/>
               <a:ext cx="34794" cy="0"/>
             </a:xfrm>
             <a:custGeom>
@@ -36247,7 +36247,7 @@
           </p:nvSpPr>
           <p:spPr>
             <a:xfrm>
-              <a:off x="1424641" y="4480297"/>
+              <a:off x="1424641" y="4480294"/>
               <a:ext cx="34794" cy="0"/>
             </a:xfrm>
             <a:custGeom>
@@ -36287,7 +36287,7 @@
           </p:nvSpPr>
           <p:spPr>
             <a:xfrm>
-              <a:off x="1424641" y="3995499"/>
+              <a:off x="1424641" y="3995502"/>
               <a:ext cx="34794" cy="0"/>
             </a:xfrm>
             <a:custGeom>
@@ -36327,7 +36327,7 @@
           </p:nvSpPr>
           <p:spPr>
             <a:xfrm>
-              <a:off x="1424641" y="3510701"/>
+              <a:off x="1424641" y="3510710"/>
               <a:ext cx="34794" cy="0"/>
             </a:xfrm>
             <a:custGeom>
@@ -36367,7 +36367,7 @@
           </p:nvSpPr>
           <p:spPr>
             <a:xfrm>
-              <a:off x="1334650" y="6848736"/>
+              <a:off x="1334650" y="6848727"/>
               <a:ext cx="62155" cy="81691"/>
             </a:xfrm>
             <a:prstGeom prst="rect">
@@ -36413,7 +36413,7 @@
           </p:nvSpPr>
           <p:spPr>
             <a:xfrm>
-              <a:off x="1148183" y="6363937"/>
+              <a:off x="1148183" y="6363935"/>
               <a:ext cx="248622" cy="81691"/>
             </a:xfrm>
             <a:prstGeom prst="rect">
@@ -36459,7 +36459,7 @@
           </p:nvSpPr>
           <p:spPr>
             <a:xfrm>
-              <a:off x="1148183" y="5879139"/>
+              <a:off x="1148183" y="5879143"/>
               <a:ext cx="248622" cy="81691"/>
             </a:xfrm>
             <a:prstGeom prst="rect">
@@ -36505,7 +36505,7 @@
           </p:nvSpPr>
           <p:spPr>
             <a:xfrm>
-              <a:off x="1148183" y="5394287"/>
+              <a:off x="1148183" y="5394296"/>
               <a:ext cx="248622" cy="81746"/>
             </a:xfrm>
             <a:prstGeom prst="rect">
@@ -36551,7 +36551,7 @@
           </p:nvSpPr>
           <p:spPr>
             <a:xfrm>
-              <a:off x="1424641" y="6890427"/>
+              <a:off x="1424641" y="6890419"/>
               <a:ext cx="34794" cy="0"/>
             </a:xfrm>
             <a:custGeom>
@@ -36591,7 +36591,7 @@
           </p:nvSpPr>
           <p:spPr>
             <a:xfrm>
-              <a:off x="1424641" y="6405629"/>
+              <a:off x="1424641" y="6405627"/>
               <a:ext cx="34794" cy="0"/>
             </a:xfrm>
             <a:custGeom>
@@ -36631,7 +36631,7 @@
           </p:nvSpPr>
           <p:spPr>
             <a:xfrm>
-              <a:off x="1424641" y="5920831"/>
+              <a:off x="1424641" y="5920835"/>
               <a:ext cx="34794" cy="0"/>
             </a:xfrm>
             <a:custGeom>
@@ -36671,7 +36671,7 @@
           </p:nvSpPr>
           <p:spPr>
             <a:xfrm>
-              <a:off x="1424641" y="5436033"/>
+              <a:off x="1424641" y="5436043"/>
               <a:ext cx="34794" cy="0"/>
             </a:xfrm>
             <a:custGeom>

--- a/Images/Figures_PPT/Jitter_Plot_Raptor_All.pptx
+++ b/Images/Figures_PPT/Jitter_Plot_Raptor_All.pptx
@@ -2359,7 +2359,7 @@
           </p:nvSpPr>
           <p:spPr>
             <a:xfrm>
-              <a:off x="1459435" y="2797358"/>
+              <a:off x="1459435" y="2797374"/>
               <a:ext cx="2796732" cy="0"/>
             </a:xfrm>
             <a:custGeom>
@@ -2402,7 +2402,7 @@
           </p:nvSpPr>
           <p:spPr>
             <a:xfrm>
-              <a:off x="1459435" y="2312566"/>
+              <a:off x="1459435" y="2312579"/>
               <a:ext cx="2796732" cy="0"/>
             </a:xfrm>
             <a:custGeom>
@@ -2445,7 +2445,7 @@
           </p:nvSpPr>
           <p:spPr>
             <a:xfrm>
-              <a:off x="1459435" y="1827774"/>
+              <a:off x="1459435" y="1827784"/>
               <a:ext cx="2796732" cy="0"/>
             </a:xfrm>
             <a:custGeom>
@@ -2488,7 +2488,7 @@
           </p:nvSpPr>
           <p:spPr>
             <a:xfrm>
-              <a:off x="1459435" y="3039754"/>
+              <a:off x="1459435" y="3039772"/>
               <a:ext cx="2796732" cy="0"/>
             </a:xfrm>
             <a:custGeom>
@@ -2531,7 +2531,7 @@
           </p:nvSpPr>
           <p:spPr>
             <a:xfrm>
-              <a:off x="1459435" y="2554962"/>
+              <a:off x="1459435" y="2554977"/>
               <a:ext cx="2796732" cy="0"/>
             </a:xfrm>
             <a:custGeom>
@@ -2574,7 +2574,7 @@
           </p:nvSpPr>
           <p:spPr>
             <a:xfrm>
-              <a:off x="1459435" y="2070170"/>
+              <a:off x="1459435" y="2070181"/>
               <a:ext cx="2796732" cy="0"/>
             </a:xfrm>
             <a:custGeom>
@@ -2617,7 +2617,7 @@
           </p:nvSpPr>
           <p:spPr>
             <a:xfrm>
-              <a:off x="1459435" y="1585378"/>
+              <a:off x="1459435" y="1585386"/>
               <a:ext cx="2796732" cy="0"/>
             </a:xfrm>
             <a:custGeom>
@@ -2789,7 +2789,7 @@
           </p:nvSpPr>
           <p:spPr>
             <a:xfrm>
-              <a:off x="3952765" y="2848464"/>
+              <a:off x="3670032" y="2848474"/>
               <a:ext cx="63202" cy="63202"/>
             </a:xfrm>
             <a:custGeom>
@@ -2832,7 +2832,7 @@
           </p:nvSpPr>
           <p:spPr>
             <a:xfrm>
-              <a:off x="1850242" y="2805139"/>
+              <a:off x="2062710" y="2805152"/>
               <a:ext cx="63202" cy="63202"/>
             </a:xfrm>
             <a:custGeom>
@@ -2875,7 +2875,7 @@
           </p:nvSpPr>
           <p:spPr>
             <a:xfrm>
-              <a:off x="1874516" y="2692219"/>
+              <a:off x="2061596" y="2692235"/>
               <a:ext cx="63202" cy="63202"/>
             </a:xfrm>
             <a:custGeom>
@@ -2918,7 +2918,7 @@
           </p:nvSpPr>
           <p:spPr>
             <a:xfrm>
-              <a:off x="2776481" y="2900980"/>
+              <a:off x="2554127" y="2900980"/>
               <a:ext cx="63202" cy="63202"/>
             </a:xfrm>
             <a:custGeom>
@@ -2961,7 +2961,7 @@
           </p:nvSpPr>
           <p:spPr>
             <a:xfrm>
-              <a:off x="2162541" y="2856015"/>
+              <a:off x="1651484" y="2856050"/>
               <a:ext cx="63202" cy="63202"/>
             </a:xfrm>
             <a:custGeom>
@@ -3004,7 +3004,7 @@
           </p:nvSpPr>
           <p:spPr>
             <a:xfrm>
-              <a:off x="2530266" y="2900221"/>
+              <a:off x="2845646" y="2900249"/>
               <a:ext cx="63202" cy="63202"/>
             </a:xfrm>
             <a:custGeom>
@@ -3103,7 +3103,7 @@
           </p:nvSpPr>
           <p:spPr>
             <a:xfrm>
-              <a:off x="1459435" y="4722690"/>
+              <a:off x="1459435" y="4722707"/>
               <a:ext cx="2796732" cy="0"/>
             </a:xfrm>
             <a:custGeom>
@@ -3146,7 +3146,7 @@
           </p:nvSpPr>
           <p:spPr>
             <a:xfrm>
-              <a:off x="1459435" y="4237898"/>
+              <a:off x="1459435" y="4237912"/>
               <a:ext cx="2796732" cy="0"/>
             </a:xfrm>
             <a:custGeom>
@@ -3189,7 +3189,7 @@
           </p:nvSpPr>
           <p:spPr>
             <a:xfrm>
-              <a:off x="1459435" y="3753106"/>
+              <a:off x="1459435" y="3753116"/>
               <a:ext cx="2796732" cy="0"/>
             </a:xfrm>
             <a:custGeom>
@@ -3232,7 +3232,7 @@
           </p:nvSpPr>
           <p:spPr>
             <a:xfrm>
-              <a:off x="1459435" y="4965086"/>
+              <a:off x="1459435" y="4965105"/>
               <a:ext cx="2796732" cy="0"/>
             </a:xfrm>
             <a:custGeom>
@@ -3275,7 +3275,7 @@
           </p:nvSpPr>
           <p:spPr>
             <a:xfrm>
-              <a:off x="1459435" y="4480294"/>
+              <a:off x="1459435" y="4480309"/>
               <a:ext cx="2796732" cy="0"/>
             </a:xfrm>
             <a:custGeom>
@@ -3318,7 +3318,7 @@
           </p:nvSpPr>
           <p:spPr>
             <a:xfrm>
-              <a:off x="1459435" y="3995502"/>
+              <a:off x="1459435" y="3995514"/>
               <a:ext cx="2796732" cy="0"/>
             </a:xfrm>
             <a:custGeom>
@@ -3361,7 +3361,7 @@
           </p:nvSpPr>
           <p:spPr>
             <a:xfrm>
-              <a:off x="1459435" y="3510710"/>
+              <a:off x="1459435" y="3510719"/>
               <a:ext cx="2796732" cy="0"/>
             </a:xfrm>
             <a:custGeom>
@@ -3533,7 +3533,7 @@
           </p:nvSpPr>
           <p:spPr>
             <a:xfrm>
-              <a:off x="1883347" y="4513189"/>
+              <a:off x="1917242" y="4513191"/>
               <a:ext cx="63202" cy="63202"/>
             </a:xfrm>
             <a:custGeom>
@@ -3576,7 +3576,7 @@
           </p:nvSpPr>
           <p:spPr>
             <a:xfrm>
-              <a:off x="1669369" y="4687642"/>
+              <a:off x="1680129" y="4687651"/>
               <a:ext cx="63202" cy="63202"/>
             </a:xfrm>
             <a:custGeom>
@@ -3619,7 +3619,7 @@
           </p:nvSpPr>
           <p:spPr>
             <a:xfrm>
-              <a:off x="1791472" y="4513189"/>
+              <a:off x="2179186" y="4513174"/>
               <a:ext cx="63202" cy="63202"/>
             </a:xfrm>
             <a:custGeom>
@@ -3662,7 +3662,7 @@
           </p:nvSpPr>
           <p:spPr>
             <a:xfrm>
-              <a:off x="1762380" y="4612468"/>
+              <a:off x="2240278" y="4612476"/>
               <a:ext cx="63202" cy="63202"/>
             </a:xfrm>
             <a:custGeom>
@@ -3705,7 +3705,7 @@
           </p:nvSpPr>
           <p:spPr>
             <a:xfrm>
-              <a:off x="2012920" y="4562723"/>
+              <a:off x="1875040" y="4562750"/>
               <a:ext cx="63202" cy="63202"/>
             </a:xfrm>
             <a:custGeom>
@@ -3748,7 +3748,7 @@
           </p:nvSpPr>
           <p:spPr>
             <a:xfrm>
-              <a:off x="2927084" y="4843370"/>
+              <a:off x="2642901" y="4843375"/>
               <a:ext cx="63202" cy="63202"/>
             </a:xfrm>
             <a:custGeom>
@@ -3791,7 +3791,7 @@
           </p:nvSpPr>
           <p:spPr>
             <a:xfrm>
-              <a:off x="1751631" y="4612069"/>
+              <a:off x="1824294" y="4612069"/>
               <a:ext cx="63202" cy="63202"/>
             </a:xfrm>
             <a:custGeom>
@@ -3834,7 +3834,7 @@
           </p:nvSpPr>
           <p:spPr>
             <a:xfrm>
-              <a:off x="2241450" y="4638926"/>
+              <a:off x="2156719" y="4638932"/>
               <a:ext cx="63202" cy="63202"/>
             </a:xfrm>
             <a:custGeom>
@@ -3877,7 +3877,7 @@
           </p:nvSpPr>
           <p:spPr>
             <a:xfrm>
-              <a:off x="2092098" y="4697190"/>
+              <a:off x="1910175" y="4697208"/>
               <a:ext cx="63202" cy="63202"/>
             </a:xfrm>
             <a:custGeom>
@@ -3920,7 +3920,7 @@
           </p:nvSpPr>
           <p:spPr>
             <a:xfrm>
-              <a:off x="3093192" y="4802912"/>
+              <a:off x="2777078" y="4802947"/>
               <a:ext cx="63202" cy="63202"/>
             </a:xfrm>
             <a:custGeom>
@@ -3963,7 +3963,7 @@
           </p:nvSpPr>
           <p:spPr>
             <a:xfrm>
-              <a:off x="2541270" y="4778632"/>
+              <a:off x="2578517" y="4778658"/>
               <a:ext cx="63202" cy="63202"/>
             </a:xfrm>
             <a:custGeom>
@@ -4006,7 +4006,7 @@
           </p:nvSpPr>
           <p:spPr>
             <a:xfrm>
-              <a:off x="2276956" y="4733913"/>
+              <a:off x="1963631" y="4733919"/>
               <a:ext cx="63202" cy="63202"/>
             </a:xfrm>
             <a:custGeom>
@@ -4049,7 +4049,7 @@
           </p:nvSpPr>
           <p:spPr>
             <a:xfrm>
-              <a:off x="1887134" y="4642912"/>
+              <a:off x="2090800" y="4642926"/>
               <a:ext cx="63202" cy="63202"/>
             </a:xfrm>
             <a:custGeom>
@@ -4092,7 +4092,7 @@
           </p:nvSpPr>
           <p:spPr>
             <a:xfrm>
-              <a:off x="2541460" y="4790049"/>
+              <a:off x="3078706" y="4790062"/>
               <a:ext cx="63202" cy="63202"/>
             </a:xfrm>
             <a:custGeom>
@@ -4135,7 +4135,7 @@
           </p:nvSpPr>
           <p:spPr>
             <a:xfrm>
-              <a:off x="2581969" y="4823064"/>
+              <a:off x="3127684" y="4823072"/>
               <a:ext cx="63202" cy="63202"/>
             </a:xfrm>
             <a:custGeom>
@@ -4178,7 +4178,7 @@
           </p:nvSpPr>
           <p:spPr>
             <a:xfrm>
-              <a:off x="2029497" y="4396682"/>
+              <a:off x="1816651" y="4396680"/>
               <a:ext cx="63202" cy="63202"/>
             </a:xfrm>
             <a:custGeom>
@@ -4221,7 +4221,7 @@
           </p:nvSpPr>
           <p:spPr>
             <a:xfrm>
-              <a:off x="1939329" y="4764721"/>
+              <a:off x="2266895" y="4764758"/>
               <a:ext cx="63202" cy="63202"/>
             </a:xfrm>
             <a:custGeom>
@@ -4264,7 +4264,7 @@
           </p:nvSpPr>
           <p:spPr>
             <a:xfrm>
-              <a:off x="1641961" y="4416255"/>
+              <a:off x="1794820" y="4416289"/>
               <a:ext cx="63202" cy="63202"/>
             </a:xfrm>
             <a:custGeom>
@@ -4307,7 +4307,7 @@
           </p:nvSpPr>
           <p:spPr>
             <a:xfrm>
-              <a:off x="1902443" y="4673395"/>
+              <a:off x="1623938" y="4673398"/>
               <a:ext cx="63202" cy="63202"/>
             </a:xfrm>
             <a:custGeom>
@@ -4350,7 +4350,7 @@
           </p:nvSpPr>
           <p:spPr>
             <a:xfrm>
-              <a:off x="1874102" y="4712556"/>
+              <a:off x="2109701" y="4712570"/>
               <a:ext cx="63202" cy="63202"/>
             </a:xfrm>
             <a:custGeom>
@@ -4393,7 +4393,7 @@
           </p:nvSpPr>
           <p:spPr>
             <a:xfrm>
-              <a:off x="2151879" y="4695773"/>
+              <a:off x="1769138" y="4695814"/>
               <a:ext cx="63202" cy="63202"/>
             </a:xfrm>
             <a:custGeom>
@@ -4436,7 +4436,7 @@
           </p:nvSpPr>
           <p:spPr>
             <a:xfrm>
-              <a:off x="2638609" y="4835007"/>
+              <a:off x="2708199" y="4835047"/>
               <a:ext cx="63202" cy="63202"/>
             </a:xfrm>
             <a:custGeom>
@@ -4535,7 +4535,7 @@
           </p:nvSpPr>
           <p:spPr>
             <a:xfrm>
-              <a:off x="1459435" y="6648023"/>
+              <a:off x="1459435" y="6648040"/>
               <a:ext cx="2796732" cy="0"/>
             </a:xfrm>
             <a:custGeom>
@@ -4578,7 +4578,7 @@
           </p:nvSpPr>
           <p:spPr>
             <a:xfrm>
-              <a:off x="1459435" y="6163231"/>
+              <a:off x="1459435" y="6163244"/>
               <a:ext cx="2796732" cy="0"/>
             </a:xfrm>
             <a:custGeom>
@@ -4621,7 +4621,7 @@
           </p:nvSpPr>
           <p:spPr>
             <a:xfrm>
-              <a:off x="1459435" y="5678439"/>
+              <a:off x="1459435" y="5678449"/>
               <a:ext cx="2796732" cy="0"/>
             </a:xfrm>
             <a:custGeom>
@@ -4664,7 +4664,7 @@
           </p:nvSpPr>
           <p:spPr>
             <a:xfrm>
-              <a:off x="1459435" y="6890419"/>
+              <a:off x="1459435" y="6890437"/>
               <a:ext cx="2796732" cy="0"/>
             </a:xfrm>
             <a:custGeom>
@@ -4707,7 +4707,7 @@
           </p:nvSpPr>
           <p:spPr>
             <a:xfrm>
-              <a:off x="1459435" y="6405627"/>
+              <a:off x="1459435" y="6405642"/>
               <a:ext cx="2796732" cy="0"/>
             </a:xfrm>
             <a:custGeom>
@@ -4750,7 +4750,7 @@
           </p:nvSpPr>
           <p:spPr>
             <a:xfrm>
-              <a:off x="1459435" y="5920835"/>
+              <a:off x="1459435" y="5920847"/>
               <a:ext cx="2796732" cy="0"/>
             </a:xfrm>
             <a:custGeom>
@@ -4793,7 +4793,7 @@
           </p:nvSpPr>
           <p:spPr>
             <a:xfrm>
-              <a:off x="1459435" y="5436043"/>
+              <a:off x="1459435" y="5436051"/>
               <a:ext cx="2796732" cy="0"/>
             </a:xfrm>
             <a:custGeom>
@@ -4965,7 +4965,7 @@
           </p:nvSpPr>
           <p:spPr>
             <a:xfrm>
-              <a:off x="2115193" y="6201058"/>
+              <a:off x="2170238" y="6201073"/>
               <a:ext cx="63202" cy="63202"/>
             </a:xfrm>
             <a:custGeom>
@@ -5008,7 +5008,7 @@
           </p:nvSpPr>
           <p:spPr>
             <a:xfrm>
-              <a:off x="1751600" y="6198575"/>
+              <a:off x="2174992" y="6198578"/>
               <a:ext cx="63202" cy="63202"/>
             </a:xfrm>
             <a:custGeom>
@@ -5051,7 +5051,7 @@
           </p:nvSpPr>
           <p:spPr>
             <a:xfrm>
-              <a:off x="1961320" y="6197156"/>
+              <a:off x="2264904" y="6197185"/>
               <a:ext cx="63202" cy="63202"/>
             </a:xfrm>
             <a:custGeom>
@@ -5094,7 +5094,7 @@
           </p:nvSpPr>
           <p:spPr>
             <a:xfrm>
-              <a:off x="1635516" y="6287401"/>
+              <a:off x="2116810" y="6287421"/>
               <a:ext cx="63202" cy="63202"/>
             </a:xfrm>
             <a:custGeom>
@@ -5137,7 +5137,7 @@
           </p:nvSpPr>
           <p:spPr>
             <a:xfrm>
-              <a:off x="1665020" y="6353750"/>
+              <a:off x="1627791" y="6353789"/>
               <a:ext cx="63202" cy="63202"/>
             </a:xfrm>
             <a:custGeom>
@@ -5180,7 +5180,7 @@
           </p:nvSpPr>
           <p:spPr>
             <a:xfrm>
-              <a:off x="1866977" y="6321152"/>
+              <a:off x="1950723" y="6321139"/>
               <a:ext cx="63202" cy="63202"/>
             </a:xfrm>
             <a:custGeom>
@@ -5223,7 +5223,7 @@
           </p:nvSpPr>
           <p:spPr>
             <a:xfrm>
-              <a:off x="1945459" y="6273383"/>
+              <a:off x="2054586" y="6273403"/>
               <a:ext cx="63202" cy="63202"/>
             </a:xfrm>
             <a:custGeom>
@@ -5266,7 +5266,7 @@
           </p:nvSpPr>
           <p:spPr>
             <a:xfrm>
-              <a:off x="2108460" y="6260487"/>
+              <a:off x="1917434" y="6260493"/>
               <a:ext cx="63202" cy="63202"/>
             </a:xfrm>
             <a:custGeom>
@@ -5309,7 +5309,7 @@
           </p:nvSpPr>
           <p:spPr>
             <a:xfrm>
-              <a:off x="1629464" y="6400406"/>
+              <a:off x="1781235" y="6400420"/>
               <a:ext cx="63202" cy="63202"/>
             </a:xfrm>
             <a:custGeom>
@@ -5352,7 +5352,7 @@
           </p:nvSpPr>
           <p:spPr>
             <a:xfrm>
-              <a:off x="1793750" y="6272928"/>
+              <a:off x="2169940" y="6272963"/>
               <a:ext cx="63202" cy="63202"/>
             </a:xfrm>
             <a:custGeom>
@@ -5395,7 +5395,7 @@
           </p:nvSpPr>
           <p:spPr>
             <a:xfrm>
-              <a:off x="1902896" y="6340852"/>
+              <a:off x="1652558" y="6340880"/>
               <a:ext cx="63202" cy="63202"/>
             </a:xfrm>
             <a:custGeom>
@@ -5438,7 +5438,7 @@
           </p:nvSpPr>
           <p:spPr>
             <a:xfrm>
-              <a:off x="1611137" y="6362875"/>
+              <a:off x="2021622" y="6362899"/>
               <a:ext cx="63202" cy="63202"/>
             </a:xfrm>
             <a:custGeom>
@@ -5481,7 +5481,7 @@
           </p:nvSpPr>
           <p:spPr>
             <a:xfrm>
-              <a:off x="1976166" y="6264429"/>
+              <a:off x="2260660" y="6264430"/>
               <a:ext cx="63202" cy="63202"/>
             </a:xfrm>
             <a:custGeom>
@@ -5524,7 +5524,7 @@
           </p:nvSpPr>
           <p:spPr>
             <a:xfrm>
-              <a:off x="2092622" y="6314201"/>
+              <a:off x="1789403" y="6314213"/>
               <a:ext cx="63202" cy="63202"/>
             </a:xfrm>
             <a:custGeom>
@@ -5567,7 +5567,7 @@
           </p:nvSpPr>
           <p:spPr>
             <a:xfrm>
-              <a:off x="1806694" y="6375318"/>
+              <a:off x="1788750" y="6375351"/>
               <a:ext cx="63202" cy="63202"/>
             </a:xfrm>
             <a:custGeom>
@@ -5610,7 +5610,7 @@
           </p:nvSpPr>
           <p:spPr>
             <a:xfrm>
-              <a:off x="1786769" y="6323563"/>
+              <a:off x="1970627" y="6323565"/>
               <a:ext cx="63202" cy="63202"/>
             </a:xfrm>
             <a:custGeom>
@@ -5653,7 +5653,7 @@
           </p:nvSpPr>
           <p:spPr>
             <a:xfrm>
-              <a:off x="2159731" y="6272298"/>
+              <a:off x="2164719" y="6272312"/>
               <a:ext cx="63202" cy="63202"/>
             </a:xfrm>
             <a:custGeom>
@@ -5696,7 +5696,7 @@
           </p:nvSpPr>
           <p:spPr>
             <a:xfrm>
-              <a:off x="1902478" y="6318917"/>
+              <a:off x="1943238" y="6318915"/>
               <a:ext cx="63202" cy="63202"/>
             </a:xfrm>
             <a:custGeom>
@@ -5739,7 +5739,7 @@
           </p:nvSpPr>
           <p:spPr>
             <a:xfrm>
-              <a:off x="2083109" y="6599705"/>
+              <a:off x="1939870" y="6599707"/>
               <a:ext cx="63202" cy="63202"/>
             </a:xfrm>
             <a:custGeom>
@@ -5782,7 +5782,7 @@
           </p:nvSpPr>
           <p:spPr>
             <a:xfrm>
-              <a:off x="1852941" y="6322578"/>
+              <a:off x="1649404" y="6322595"/>
               <a:ext cx="63202" cy="63202"/>
             </a:xfrm>
             <a:custGeom>
@@ -5825,7 +5825,7 @@
           </p:nvSpPr>
           <p:spPr>
             <a:xfrm>
-              <a:off x="1603484" y="6345993"/>
+              <a:off x="2237140" y="6346019"/>
               <a:ext cx="63202" cy="63202"/>
             </a:xfrm>
             <a:custGeom>
@@ -5868,7 +5868,7 @@
           </p:nvSpPr>
           <p:spPr>
             <a:xfrm>
-              <a:off x="1677196" y="6345776"/>
+              <a:off x="1647803" y="6345773"/>
               <a:ext cx="63202" cy="63202"/>
             </a:xfrm>
             <a:custGeom>
@@ -5911,7 +5911,7 @@
           </p:nvSpPr>
           <p:spPr>
             <a:xfrm>
-              <a:off x="1720937" y="6254579"/>
+              <a:off x="2290848" y="6254597"/>
               <a:ext cx="63202" cy="63202"/>
             </a:xfrm>
             <a:custGeom>
@@ -5954,7 +5954,7 @@
           </p:nvSpPr>
           <p:spPr>
             <a:xfrm>
-              <a:off x="2262235" y="6242803"/>
+              <a:off x="2266742" y="6242790"/>
               <a:ext cx="63202" cy="63202"/>
             </a:xfrm>
             <a:custGeom>
@@ -5997,7 +5997,7 @@
           </p:nvSpPr>
           <p:spPr>
             <a:xfrm>
-              <a:off x="1956210" y="6567853"/>
+              <a:off x="1849034" y="6567845"/>
               <a:ext cx="63202" cy="63202"/>
             </a:xfrm>
             <a:custGeom>
@@ -6040,7 +6040,7 @@
           </p:nvSpPr>
           <p:spPr>
             <a:xfrm>
-              <a:off x="2144952" y="6620315"/>
+              <a:off x="1645155" y="6620326"/>
               <a:ext cx="63202" cy="63202"/>
             </a:xfrm>
             <a:custGeom>
@@ -6083,7 +6083,7 @@
           </p:nvSpPr>
           <p:spPr>
             <a:xfrm>
-              <a:off x="1688410" y="6686540"/>
+              <a:off x="2288697" y="6686547"/>
               <a:ext cx="63202" cy="63202"/>
             </a:xfrm>
             <a:custGeom>
@@ -6126,7 +6126,7 @@
           </p:nvSpPr>
           <p:spPr>
             <a:xfrm>
-              <a:off x="1725260" y="6349642"/>
+              <a:off x="1928870" y="6349643"/>
               <a:ext cx="63202" cy="63202"/>
             </a:xfrm>
             <a:custGeom>
@@ -6169,7 +6169,7 @@
           </p:nvSpPr>
           <p:spPr>
             <a:xfrm>
-              <a:off x="2070714" y="6329715"/>
+              <a:off x="1872292" y="6329745"/>
               <a:ext cx="63202" cy="63202"/>
             </a:xfrm>
             <a:custGeom>
@@ -6212,7 +6212,7 @@
           </p:nvSpPr>
           <p:spPr>
             <a:xfrm>
-              <a:off x="1792496" y="6265529"/>
+              <a:off x="2255975" y="6265560"/>
               <a:ext cx="63202" cy="63202"/>
             </a:xfrm>
             <a:custGeom>
@@ -6255,7 +6255,7 @@
           </p:nvSpPr>
           <p:spPr>
             <a:xfrm>
-              <a:off x="1861682" y="6261765"/>
+              <a:off x="2104582" y="6261781"/>
               <a:ext cx="63202" cy="63202"/>
             </a:xfrm>
             <a:custGeom>
@@ -6298,7 +6298,7 @@
           </p:nvSpPr>
           <p:spPr>
             <a:xfrm>
-              <a:off x="1758775" y="6373023"/>
+              <a:off x="2115763" y="6373017"/>
               <a:ext cx="63202" cy="63202"/>
             </a:xfrm>
             <a:custGeom>
@@ -6341,7 +6341,7 @@
           </p:nvSpPr>
           <p:spPr>
             <a:xfrm>
-              <a:off x="1805877" y="6376931"/>
+              <a:off x="1751661" y="6376965"/>
               <a:ext cx="63202" cy="63202"/>
             </a:xfrm>
             <a:custGeom>
@@ -6384,7 +6384,7 @@
           </p:nvSpPr>
           <p:spPr>
             <a:xfrm>
-              <a:off x="1640586" y="6333965"/>
+              <a:off x="2196201" y="6333991"/>
               <a:ext cx="63202" cy="63202"/>
             </a:xfrm>
             <a:custGeom>
@@ -6427,7 +6427,7 @@
           </p:nvSpPr>
           <p:spPr>
             <a:xfrm>
-              <a:off x="1731812" y="6334417"/>
+              <a:off x="1669487" y="6334443"/>
               <a:ext cx="63202" cy="63202"/>
             </a:xfrm>
             <a:custGeom>
@@ -6470,7 +6470,7 @@
           </p:nvSpPr>
           <p:spPr>
             <a:xfrm>
-              <a:off x="1932554" y="6424632"/>
+              <a:off x="2119277" y="6424652"/>
               <a:ext cx="63202" cy="63202"/>
             </a:xfrm>
             <a:custGeom>
@@ -6513,7 +6513,7 @@
           </p:nvSpPr>
           <p:spPr>
             <a:xfrm>
-              <a:off x="2022127" y="6705566"/>
+              <a:off x="1894032" y="6705595"/>
               <a:ext cx="63202" cy="63202"/>
             </a:xfrm>
             <a:custGeom>
@@ -6556,7 +6556,7 @@
           </p:nvSpPr>
           <p:spPr>
             <a:xfrm>
-              <a:off x="2162587" y="6419995"/>
+              <a:off x="1894157" y="6420016"/>
               <a:ext cx="63202" cy="63202"/>
             </a:xfrm>
             <a:custGeom>
@@ -6599,7 +6599,7 @@
           </p:nvSpPr>
           <p:spPr>
             <a:xfrm>
-              <a:off x="1974870" y="6531445"/>
+              <a:off x="2136001" y="6531452"/>
               <a:ext cx="63202" cy="63202"/>
             </a:xfrm>
             <a:custGeom>
@@ -6642,7 +6642,7 @@
           </p:nvSpPr>
           <p:spPr>
             <a:xfrm>
-              <a:off x="1862674" y="6229154"/>
+              <a:off x="2153648" y="6229195"/>
               <a:ext cx="63202" cy="63202"/>
             </a:xfrm>
             <a:custGeom>
@@ -6685,7 +6685,7 @@
           </p:nvSpPr>
           <p:spPr>
             <a:xfrm>
-              <a:off x="1805007" y="6316078"/>
+              <a:off x="2032422" y="6316116"/>
               <a:ext cx="63202" cy="63202"/>
             </a:xfrm>
             <a:custGeom>
@@ -6728,7 +6728,7 @@
           </p:nvSpPr>
           <p:spPr>
             <a:xfrm>
-              <a:off x="2219281" y="6372706"/>
+              <a:off x="1732812" y="6372727"/>
               <a:ext cx="63202" cy="63202"/>
             </a:xfrm>
             <a:custGeom>
@@ -6771,7 +6771,7 @@
           </p:nvSpPr>
           <p:spPr>
             <a:xfrm>
-              <a:off x="1705928" y="6322591"/>
+              <a:off x="1784277" y="6322587"/>
               <a:ext cx="63202" cy="63202"/>
             </a:xfrm>
             <a:custGeom>
@@ -6814,7 +6814,7 @@
           </p:nvSpPr>
           <p:spPr>
             <a:xfrm>
-              <a:off x="2295228" y="6200937"/>
+              <a:off x="1696511" y="6200978"/>
               <a:ext cx="63202" cy="63202"/>
             </a:xfrm>
             <a:custGeom>
@@ -6857,7 +6857,7 @@
           </p:nvSpPr>
           <p:spPr>
             <a:xfrm>
-              <a:off x="2291297" y="6550188"/>
+              <a:off x="1691707" y="6550202"/>
               <a:ext cx="63202" cy="63202"/>
             </a:xfrm>
             <a:custGeom>
@@ -6900,7 +6900,7 @@
           </p:nvSpPr>
           <p:spPr>
             <a:xfrm>
-              <a:off x="2000312" y="6348044"/>
+              <a:off x="2042908" y="6348045"/>
               <a:ext cx="63202" cy="63202"/>
             </a:xfrm>
             <a:custGeom>
@@ -6943,7 +6943,7 @@
           </p:nvSpPr>
           <p:spPr>
             <a:xfrm>
-              <a:off x="1667535" y="6377114"/>
+              <a:off x="1940697" y="6377135"/>
               <a:ext cx="63202" cy="63202"/>
             </a:xfrm>
             <a:custGeom>
@@ -6986,7 +6986,7 @@
           </p:nvSpPr>
           <p:spPr>
             <a:xfrm>
-              <a:off x="2054185" y="6194041"/>
+              <a:off x="1641900" y="6194040"/>
               <a:ext cx="63202" cy="63202"/>
             </a:xfrm>
             <a:custGeom>
@@ -7029,7 +7029,7 @@
           </p:nvSpPr>
           <p:spPr>
             <a:xfrm>
-              <a:off x="1766739" y="6525382"/>
+              <a:off x="1774061" y="6525403"/>
               <a:ext cx="63202" cy="63202"/>
             </a:xfrm>
             <a:custGeom>
@@ -7072,7 +7072,7 @@
           </p:nvSpPr>
           <p:spPr>
             <a:xfrm>
-              <a:off x="2160204" y="6322380"/>
+              <a:off x="2215617" y="6322421"/>
               <a:ext cx="63202" cy="63202"/>
             </a:xfrm>
             <a:custGeom>
@@ -7115,7 +7115,7 @@
           </p:nvSpPr>
           <p:spPr>
             <a:xfrm>
-              <a:off x="2762299" y="6552337"/>
+              <a:off x="2482818" y="6552333"/>
               <a:ext cx="63202" cy="63202"/>
             </a:xfrm>
             <a:custGeom>
@@ -7158,7 +7158,7 @@
           </p:nvSpPr>
           <p:spPr>
             <a:xfrm>
-              <a:off x="1951689" y="6229905"/>
+              <a:off x="1958722" y="6229921"/>
               <a:ext cx="63202" cy="63202"/>
             </a:xfrm>
             <a:custGeom>
@@ -7201,7 +7201,7 @@
           </p:nvSpPr>
           <p:spPr>
             <a:xfrm>
-              <a:off x="1952321" y="6363846"/>
+              <a:off x="2062831" y="6363869"/>
               <a:ext cx="63202" cy="63202"/>
             </a:xfrm>
             <a:custGeom>
@@ -7244,7 +7244,7 @@
           </p:nvSpPr>
           <p:spPr>
             <a:xfrm>
-              <a:off x="2040250" y="6244812"/>
+              <a:off x="2193128" y="6244825"/>
               <a:ext cx="63202" cy="63202"/>
             </a:xfrm>
             <a:custGeom>
@@ -7287,7 +7287,7 @@
           </p:nvSpPr>
           <p:spPr>
             <a:xfrm>
-              <a:off x="1993296" y="6316102"/>
+              <a:off x="1705022" y="6316121"/>
               <a:ext cx="63202" cy="63202"/>
             </a:xfrm>
             <a:custGeom>
@@ -7330,7 +7330,7 @@
           </p:nvSpPr>
           <p:spPr>
             <a:xfrm>
-              <a:off x="2793395" y="6738974"/>
+              <a:off x="2835613" y="6738982"/>
               <a:ext cx="63202" cy="63202"/>
             </a:xfrm>
             <a:custGeom>
@@ -7373,7 +7373,7 @@
           </p:nvSpPr>
           <p:spPr>
             <a:xfrm>
-              <a:off x="1835608" y="6198057"/>
+              <a:off x="1815691" y="6198079"/>
               <a:ext cx="63202" cy="63202"/>
             </a:xfrm>
             <a:custGeom>
@@ -7416,7 +7416,7 @@
           </p:nvSpPr>
           <p:spPr>
             <a:xfrm>
-              <a:off x="2138466" y="6197755"/>
+              <a:off x="2080851" y="6197770"/>
               <a:ext cx="63202" cy="63202"/>
             </a:xfrm>
             <a:custGeom>
@@ -7459,7 +7459,7 @@
           </p:nvSpPr>
           <p:spPr>
             <a:xfrm>
-              <a:off x="2211840" y="6198739"/>
+              <a:off x="2092900" y="6198739"/>
               <a:ext cx="63202" cy="63202"/>
             </a:xfrm>
             <a:custGeom>
@@ -7502,7 +7502,7 @@
           </p:nvSpPr>
           <p:spPr>
             <a:xfrm>
-              <a:off x="2047966" y="6198401"/>
+              <a:off x="1761356" y="6198402"/>
               <a:ext cx="63202" cy="63202"/>
             </a:xfrm>
             <a:custGeom>
@@ -7545,7 +7545,7 @@
           </p:nvSpPr>
           <p:spPr>
             <a:xfrm>
-              <a:off x="1710496" y="6197107"/>
+              <a:off x="1908110" y="6197129"/>
               <a:ext cx="63202" cy="63202"/>
             </a:xfrm>
             <a:custGeom>
@@ -7588,7 +7588,7 @@
           </p:nvSpPr>
           <p:spPr>
             <a:xfrm>
-              <a:off x="1742329" y="6429113"/>
+              <a:off x="2268236" y="6429127"/>
               <a:ext cx="63202" cy="63202"/>
             </a:xfrm>
             <a:custGeom>
@@ -7631,7 +7631,7 @@
           </p:nvSpPr>
           <p:spPr>
             <a:xfrm>
-              <a:off x="1959081" y="6281703"/>
+              <a:off x="1792052" y="6281726"/>
               <a:ext cx="63202" cy="63202"/>
             </a:xfrm>
             <a:custGeom>
@@ -7674,7 +7674,7 @@
           </p:nvSpPr>
           <p:spPr>
             <a:xfrm>
-              <a:off x="1621169" y="6685195"/>
+              <a:off x="2208156" y="6685238"/>
               <a:ext cx="63202" cy="63202"/>
             </a:xfrm>
             <a:custGeom>
@@ -7717,7 +7717,7 @@
           </p:nvSpPr>
           <p:spPr>
             <a:xfrm>
-              <a:off x="3175315" y="6738979"/>
+              <a:off x="2809389" y="6738993"/>
               <a:ext cx="63202" cy="63202"/>
             </a:xfrm>
             <a:custGeom>
@@ -7760,7 +7760,7 @@
           </p:nvSpPr>
           <p:spPr>
             <a:xfrm>
-              <a:off x="1888061" y="6201671"/>
+              <a:off x="2198566" y="6201685"/>
               <a:ext cx="63202" cy="63202"/>
             </a:xfrm>
             <a:custGeom>
@@ -7803,7 +7803,7 @@
           </p:nvSpPr>
           <p:spPr>
             <a:xfrm>
-              <a:off x="2241538" y="6223076"/>
+              <a:off x="2219418" y="6223059"/>
               <a:ext cx="63202" cy="63202"/>
             </a:xfrm>
             <a:custGeom>
@@ -7846,7 +7846,7 @@
           </p:nvSpPr>
           <p:spPr>
             <a:xfrm>
-              <a:off x="1975444" y="6583540"/>
+              <a:off x="1777472" y="6583574"/>
               <a:ext cx="63202" cy="63202"/>
             </a:xfrm>
             <a:custGeom>
@@ -7889,7 +7889,7 @@
           </p:nvSpPr>
           <p:spPr>
             <a:xfrm>
-              <a:off x="2236300" y="6235367"/>
+              <a:off x="1780437" y="6235402"/>
               <a:ext cx="63202" cy="63202"/>
             </a:xfrm>
             <a:custGeom>
@@ -7932,7 +7932,7 @@
           </p:nvSpPr>
           <p:spPr>
             <a:xfrm>
-              <a:off x="1953205" y="6311535"/>
+              <a:off x="1751706" y="6311570"/>
               <a:ext cx="63202" cy="63202"/>
             </a:xfrm>
             <a:custGeom>
@@ -7975,7 +7975,7 @@
           </p:nvSpPr>
           <p:spPr>
             <a:xfrm>
-              <a:off x="2233208" y="6569247"/>
+              <a:off x="1991114" y="6569252"/>
               <a:ext cx="63202" cy="63202"/>
             </a:xfrm>
             <a:custGeom>
@@ -8018,7 +8018,7 @@
           </p:nvSpPr>
           <p:spPr>
             <a:xfrm>
-              <a:off x="2199910" y="6307717"/>
+              <a:off x="1885683" y="6307726"/>
               <a:ext cx="63202" cy="63202"/>
             </a:xfrm>
             <a:custGeom>
@@ -8061,7 +8061,7 @@
           </p:nvSpPr>
           <p:spPr>
             <a:xfrm>
-              <a:off x="3107188" y="6768419"/>
+              <a:off x="2563855" y="6768423"/>
               <a:ext cx="63202" cy="63202"/>
             </a:xfrm>
             <a:custGeom>
@@ -8104,7 +8104,7 @@
           </p:nvSpPr>
           <p:spPr>
             <a:xfrm>
-              <a:off x="2257880" y="6193190"/>
+              <a:off x="1797036" y="6193219"/>
               <a:ext cx="63202" cy="63202"/>
             </a:xfrm>
             <a:custGeom>
@@ -8147,7 +8147,7 @@
           </p:nvSpPr>
           <p:spPr>
             <a:xfrm>
-              <a:off x="1762978" y="6194955"/>
+              <a:off x="1833585" y="6194953"/>
               <a:ext cx="63202" cy="63202"/>
             </a:xfrm>
             <a:custGeom>
@@ -8190,7 +8190,7 @@
           </p:nvSpPr>
           <p:spPr>
             <a:xfrm>
-              <a:off x="2193522" y="6193861"/>
+              <a:off x="1853036" y="6193875"/>
               <a:ext cx="63202" cy="63202"/>
             </a:xfrm>
             <a:custGeom>
@@ -8233,7 +8233,7 @@
           </p:nvSpPr>
           <p:spPr>
             <a:xfrm>
-              <a:off x="1762254" y="6246095"/>
+              <a:off x="1841892" y="6246095"/>
               <a:ext cx="63202" cy="63202"/>
             </a:xfrm>
             <a:custGeom>
@@ -8276,7 +8276,7 @@
           </p:nvSpPr>
           <p:spPr>
             <a:xfrm>
-              <a:off x="1876712" y="6264076"/>
+              <a:off x="1951573" y="6264086"/>
               <a:ext cx="63202" cy="63202"/>
             </a:xfrm>
             <a:custGeom>
@@ -8319,7 +8319,7 @@
           </p:nvSpPr>
           <p:spPr>
             <a:xfrm>
-              <a:off x="2062320" y="6193388"/>
+              <a:off x="1787707" y="6193422"/>
               <a:ext cx="63202" cy="63202"/>
             </a:xfrm>
             <a:custGeom>
@@ -8362,7 +8362,7 @@
           </p:nvSpPr>
           <p:spPr>
             <a:xfrm>
-              <a:off x="1912313" y="6287744"/>
+              <a:off x="1767075" y="6287755"/>
               <a:ext cx="63202" cy="63202"/>
             </a:xfrm>
             <a:custGeom>
@@ -8405,7 +8405,7 @@
           </p:nvSpPr>
           <p:spPr>
             <a:xfrm>
-              <a:off x="2179244" y="6275280"/>
+              <a:off x="2158365" y="6275273"/>
               <a:ext cx="63202" cy="63202"/>
             </a:xfrm>
             <a:custGeom>
@@ -8448,7 +8448,7 @@
           </p:nvSpPr>
           <p:spPr>
             <a:xfrm>
-              <a:off x="2161363" y="6193616"/>
+              <a:off x="1684122" y="6193635"/>
               <a:ext cx="63202" cy="63202"/>
             </a:xfrm>
             <a:custGeom>
@@ -8491,7 +8491,7 @@
           </p:nvSpPr>
           <p:spPr>
             <a:xfrm>
-              <a:off x="1854423" y="6195586"/>
+              <a:off x="1816792" y="6195572"/>
               <a:ext cx="63202" cy="63202"/>
             </a:xfrm>
             <a:custGeom>
@@ -8534,7 +8534,7 @@
           </p:nvSpPr>
           <p:spPr>
             <a:xfrm>
-              <a:off x="1905404" y="6193686"/>
+              <a:off x="2085394" y="6193702"/>
               <a:ext cx="63202" cy="63202"/>
             </a:xfrm>
             <a:custGeom>
@@ -8577,7 +8577,7 @@
           </p:nvSpPr>
           <p:spPr>
             <a:xfrm>
-              <a:off x="2170269" y="6510730"/>
+              <a:off x="1697805" y="6510764"/>
               <a:ext cx="63202" cy="63202"/>
             </a:xfrm>
             <a:custGeom>
@@ -8620,7 +8620,7 @@
           </p:nvSpPr>
           <p:spPr>
             <a:xfrm>
-              <a:off x="1902995" y="6293098"/>
+              <a:off x="2215119" y="6293126"/>
               <a:ext cx="63202" cy="63202"/>
             </a:xfrm>
             <a:custGeom>
@@ -8663,7 +8663,7 @@
           </p:nvSpPr>
           <p:spPr>
             <a:xfrm>
-              <a:off x="1617241" y="6329719"/>
+              <a:off x="2272846" y="6329738"/>
               <a:ext cx="63202" cy="63202"/>
             </a:xfrm>
             <a:custGeom>
@@ -8706,7 +8706,7 @@
           </p:nvSpPr>
           <p:spPr>
             <a:xfrm>
-              <a:off x="2224711" y="6707984"/>
+              <a:off x="2240758" y="6708004"/>
               <a:ext cx="63202" cy="63202"/>
             </a:xfrm>
             <a:custGeom>
@@ -8749,7 +8749,7 @@
           </p:nvSpPr>
           <p:spPr>
             <a:xfrm>
-              <a:off x="1813223" y="6190665"/>
+              <a:off x="2044033" y="6190683"/>
               <a:ext cx="63202" cy="63202"/>
             </a:xfrm>
             <a:custGeom>
@@ -8792,7 +8792,7 @@
           </p:nvSpPr>
           <p:spPr>
             <a:xfrm>
-              <a:off x="1794803" y="6189997"/>
+              <a:off x="1604490" y="6190023"/>
               <a:ext cx="63202" cy="63202"/>
             </a:xfrm>
             <a:custGeom>
@@ -8835,7 +8835,7 @@
           </p:nvSpPr>
           <p:spPr>
             <a:xfrm>
-              <a:off x="1923793" y="6350851"/>
+              <a:off x="2077622" y="6350872"/>
               <a:ext cx="63202" cy="63202"/>
             </a:xfrm>
             <a:custGeom>
@@ -8878,7 +8878,7 @@
           </p:nvSpPr>
           <p:spPr>
             <a:xfrm>
-              <a:off x="2211559" y="6398302"/>
+              <a:off x="2239499" y="6398315"/>
               <a:ext cx="63202" cy="63202"/>
             </a:xfrm>
             <a:custGeom>
@@ -8921,7 +8921,7 @@
           </p:nvSpPr>
           <p:spPr>
             <a:xfrm>
-              <a:off x="1853484" y="6324383"/>
+              <a:off x="2177760" y="6324381"/>
               <a:ext cx="63202" cy="63202"/>
             </a:xfrm>
             <a:custGeom>
@@ -8964,7 +8964,7 @@
           </p:nvSpPr>
           <p:spPr>
             <a:xfrm>
-              <a:off x="1699340" y="6328052"/>
+              <a:off x="2204380" y="6328069"/>
               <a:ext cx="63202" cy="63202"/>
             </a:xfrm>
             <a:custGeom>
@@ -9007,7 +9007,7 @@
           </p:nvSpPr>
           <p:spPr>
             <a:xfrm>
-              <a:off x="2149016" y="6321124"/>
+              <a:off x="1819831" y="6321165"/>
               <a:ext cx="63202" cy="63202"/>
             </a:xfrm>
             <a:custGeom>
@@ -9050,7 +9050,7 @@
           </p:nvSpPr>
           <p:spPr>
             <a:xfrm>
-              <a:off x="1969132" y="6311056"/>
+              <a:off x="1740158" y="6311084"/>
               <a:ext cx="63202" cy="63202"/>
             </a:xfrm>
             <a:custGeom>
@@ -9093,7 +9093,7 @@
           </p:nvSpPr>
           <p:spPr>
             <a:xfrm>
-              <a:off x="1999538" y="6313698"/>
+              <a:off x="1743184" y="6313736"/>
               <a:ext cx="63202" cy="63202"/>
             </a:xfrm>
             <a:custGeom>
@@ -9136,7 +9136,7 @@
           </p:nvSpPr>
           <p:spPr>
             <a:xfrm>
-              <a:off x="1768516" y="6314671"/>
+              <a:off x="1795954" y="6314716"/>
               <a:ext cx="63202" cy="63202"/>
             </a:xfrm>
             <a:custGeom>
@@ -9179,7 +9179,7 @@
           </p:nvSpPr>
           <p:spPr>
             <a:xfrm>
-              <a:off x="2087440" y="6305820"/>
+              <a:off x="2108731" y="6305841"/>
               <a:ext cx="63202" cy="63202"/>
             </a:xfrm>
             <a:custGeom>
@@ -9222,7 +9222,7 @@
           </p:nvSpPr>
           <p:spPr>
             <a:xfrm>
-              <a:off x="2002843" y="6281972"/>
+              <a:off x="1803882" y="6281983"/>
               <a:ext cx="63202" cy="63202"/>
             </a:xfrm>
             <a:custGeom>
@@ -9265,7 +9265,7 @@
           </p:nvSpPr>
           <p:spPr>
             <a:xfrm>
-              <a:off x="1879340" y="6328062"/>
+              <a:off x="2102529" y="6328073"/>
               <a:ext cx="63202" cy="63202"/>
             </a:xfrm>
             <a:custGeom>
@@ -9308,7 +9308,7 @@
           </p:nvSpPr>
           <p:spPr>
             <a:xfrm>
-              <a:off x="2220242" y="6560636"/>
+              <a:off x="1707432" y="6560647"/>
               <a:ext cx="63202" cy="63202"/>
             </a:xfrm>
             <a:custGeom>
@@ -9351,7 +9351,7 @@
           </p:nvSpPr>
           <p:spPr>
             <a:xfrm>
-              <a:off x="1989676" y="6658641"/>
+              <a:off x="1997267" y="6658645"/>
               <a:ext cx="63202" cy="63202"/>
             </a:xfrm>
             <a:custGeom>
@@ -9394,7 +9394,7 @@
           </p:nvSpPr>
           <p:spPr>
             <a:xfrm>
-              <a:off x="1916837" y="6560833"/>
+              <a:off x="2241199" y="6560813"/>
               <a:ext cx="63202" cy="63202"/>
             </a:xfrm>
             <a:custGeom>
@@ -9437,7 +9437,7 @@
           </p:nvSpPr>
           <p:spPr>
             <a:xfrm>
-              <a:off x="2283210" y="6582371"/>
+              <a:off x="2245357" y="6582400"/>
               <a:ext cx="63202" cy="63202"/>
             </a:xfrm>
             <a:custGeom>
@@ -9480,7 +9480,7 @@
           </p:nvSpPr>
           <p:spPr>
             <a:xfrm>
-              <a:off x="2267712" y="6665548"/>
+              <a:off x="1699255" y="6665542"/>
               <a:ext cx="63202" cy="63202"/>
             </a:xfrm>
             <a:custGeom>
@@ -9523,7 +9523,7 @@
           </p:nvSpPr>
           <p:spPr>
             <a:xfrm>
-              <a:off x="1681040" y="6187851"/>
+              <a:off x="2218742" y="6187886"/>
               <a:ext cx="63202" cy="63202"/>
             </a:xfrm>
             <a:custGeom>
@@ -9566,7 +9566,7 @@
           </p:nvSpPr>
           <p:spPr>
             <a:xfrm>
-              <a:off x="2218173" y="6440391"/>
+              <a:off x="2131004" y="6440402"/>
               <a:ext cx="63202" cy="63202"/>
             </a:xfrm>
             <a:custGeom>
@@ -9609,7 +9609,7 @@
           </p:nvSpPr>
           <p:spPr>
             <a:xfrm>
-              <a:off x="2049654" y="6357042"/>
+              <a:off x="1899405" y="6357080"/>
               <a:ext cx="63202" cy="63202"/>
             </a:xfrm>
             <a:custGeom>
@@ -9652,7 +9652,7 @@
           </p:nvSpPr>
           <p:spPr>
             <a:xfrm>
-              <a:off x="1668433" y="6195738"/>
+              <a:off x="2145110" y="6195748"/>
               <a:ext cx="63202" cy="63202"/>
             </a:xfrm>
             <a:custGeom>
@@ -9695,7 +9695,7 @@
           </p:nvSpPr>
           <p:spPr>
             <a:xfrm>
-              <a:off x="2161500" y="6198102"/>
+              <a:off x="1663059" y="6198100"/>
               <a:ext cx="63202" cy="63202"/>
             </a:xfrm>
             <a:custGeom>
@@ -9738,7 +9738,7 @@
           </p:nvSpPr>
           <p:spPr>
             <a:xfrm>
-              <a:off x="1831298" y="6200086"/>
+              <a:off x="2179166" y="6200099"/>
               <a:ext cx="63202" cy="63202"/>
             </a:xfrm>
             <a:custGeom>
@@ -9781,7 +9781,7 @@
           </p:nvSpPr>
           <p:spPr>
             <a:xfrm>
-              <a:off x="2128455" y="6199468"/>
+              <a:off x="2247720" y="6199478"/>
               <a:ext cx="63202" cy="63202"/>
             </a:xfrm>
             <a:custGeom>
@@ -9824,7 +9824,7 @@
           </p:nvSpPr>
           <p:spPr>
             <a:xfrm>
-              <a:off x="1957090" y="6194616"/>
+              <a:off x="1644391" y="6194627"/>
               <a:ext cx="63202" cy="63202"/>
             </a:xfrm>
             <a:custGeom>
@@ -9867,7 +9867,7 @@
           </p:nvSpPr>
           <p:spPr>
             <a:xfrm>
-              <a:off x="1915395" y="6402590"/>
+              <a:off x="2015295" y="6402585"/>
               <a:ext cx="63202" cy="63202"/>
             </a:xfrm>
             <a:custGeom>
@@ -9910,7 +9910,7 @@
           </p:nvSpPr>
           <p:spPr>
             <a:xfrm>
-              <a:off x="1799743" y="6471899"/>
+              <a:off x="1825873" y="6471910"/>
               <a:ext cx="63202" cy="63202"/>
             </a:xfrm>
             <a:custGeom>
@@ -9953,7 +9953,7 @@
           </p:nvSpPr>
           <p:spPr>
             <a:xfrm>
-              <a:off x="2057960" y="6191245"/>
+              <a:off x="2090096" y="6191260"/>
               <a:ext cx="63202" cy="63202"/>
             </a:xfrm>
             <a:custGeom>
@@ -9996,7 +9996,7 @@
           </p:nvSpPr>
           <p:spPr>
             <a:xfrm>
-              <a:off x="1848155" y="6325680"/>
+              <a:off x="1712836" y="6325718"/>
               <a:ext cx="63202" cy="63202"/>
             </a:xfrm>
             <a:custGeom>
@@ -10095,7 +10095,7 @@
           </p:nvSpPr>
           <p:spPr>
             <a:xfrm>
-              <a:off x="4325757" y="2797358"/>
+              <a:off x="4325757" y="2797374"/>
               <a:ext cx="2796732" cy="0"/>
             </a:xfrm>
             <a:custGeom>
@@ -10138,7 +10138,7 @@
           </p:nvSpPr>
           <p:spPr>
             <a:xfrm>
-              <a:off x="4325757" y="2312566"/>
+              <a:off x="4325757" y="2312579"/>
               <a:ext cx="2796732" cy="0"/>
             </a:xfrm>
             <a:custGeom>
@@ -10181,7 +10181,7 @@
           </p:nvSpPr>
           <p:spPr>
             <a:xfrm>
-              <a:off x="4325757" y="1827774"/>
+              <a:off x="4325757" y="1827784"/>
               <a:ext cx="2796732" cy="0"/>
             </a:xfrm>
             <a:custGeom>
@@ -10224,7 +10224,7 @@
           </p:nvSpPr>
           <p:spPr>
             <a:xfrm>
-              <a:off x="4325757" y="3039754"/>
+              <a:off x="4325757" y="3039772"/>
               <a:ext cx="2796732" cy="0"/>
             </a:xfrm>
             <a:custGeom>
@@ -10267,7 +10267,7 @@
           </p:nvSpPr>
           <p:spPr>
             <a:xfrm>
-              <a:off x="4325757" y="2554962"/>
+              <a:off x="4325757" y="2554977"/>
               <a:ext cx="2796732" cy="0"/>
             </a:xfrm>
             <a:custGeom>
@@ -10310,7 +10310,7 @@
           </p:nvSpPr>
           <p:spPr>
             <a:xfrm>
-              <a:off x="4325757" y="2070170"/>
+              <a:off x="4325757" y="2070181"/>
               <a:ext cx="2796732" cy="0"/>
             </a:xfrm>
             <a:custGeom>
@@ -10353,7 +10353,7 @@
           </p:nvSpPr>
           <p:spPr>
             <a:xfrm>
-              <a:off x="4325757" y="1585378"/>
+              <a:off x="4325757" y="1585386"/>
               <a:ext cx="2796732" cy="0"/>
             </a:xfrm>
             <a:custGeom>
@@ -10525,7 +10525,7 @@
           </p:nvSpPr>
           <p:spPr>
             <a:xfrm>
-              <a:off x="4662036" y="2523113"/>
+              <a:off x="5050881" y="2523136"/>
               <a:ext cx="63202" cy="63202"/>
             </a:xfrm>
             <a:custGeom>
@@ -10568,7 +10568,7 @@
           </p:nvSpPr>
           <p:spPr>
             <a:xfrm>
-              <a:off x="4789554" y="2409720"/>
+              <a:off x="4501528" y="2409726"/>
               <a:ext cx="63202" cy="63202"/>
             </a:xfrm>
             <a:custGeom>
@@ -10611,7 +10611,7 @@
           </p:nvSpPr>
           <p:spPr>
             <a:xfrm>
-              <a:off x="4645371" y="2369262"/>
+              <a:off x="4886131" y="2369278"/>
               <a:ext cx="63202" cy="63202"/>
             </a:xfrm>
             <a:custGeom>
@@ -10654,7 +10654,7 @@
           </p:nvSpPr>
           <p:spPr>
             <a:xfrm>
-              <a:off x="4511199" y="2416987"/>
+              <a:off x="4602914" y="2417006"/>
               <a:ext cx="63202" cy="63202"/>
             </a:xfrm>
             <a:custGeom>
@@ -10697,7 +10697,7 @@
           </p:nvSpPr>
           <p:spPr>
             <a:xfrm>
-              <a:off x="4903573" y="2439302"/>
+              <a:off x="4579303" y="2439315"/>
               <a:ext cx="63202" cy="63202"/>
             </a:xfrm>
             <a:custGeom>
@@ -10740,7 +10740,7 @@
           </p:nvSpPr>
           <p:spPr>
             <a:xfrm>
-              <a:off x="5003377" y="2470162"/>
+              <a:off x="4616614" y="2470178"/>
               <a:ext cx="63202" cy="63202"/>
             </a:xfrm>
             <a:custGeom>
@@ -10783,7 +10783,7 @@
           </p:nvSpPr>
           <p:spPr>
             <a:xfrm>
-              <a:off x="4828203" y="2390005"/>
+              <a:off x="4553767" y="2390012"/>
               <a:ext cx="63202" cy="63202"/>
             </a:xfrm>
             <a:custGeom>
@@ -10826,7 +10826,7 @@
           </p:nvSpPr>
           <p:spPr>
             <a:xfrm>
-              <a:off x="5102459" y="2419075"/>
+              <a:off x="5158178" y="2419087"/>
               <a:ext cx="63202" cy="63202"/>
             </a:xfrm>
             <a:custGeom>
@@ -10869,7 +10869,7 @@
           </p:nvSpPr>
           <p:spPr>
             <a:xfrm>
-              <a:off x="5116758" y="2391675"/>
+              <a:off x="4492694" y="2391703"/>
               <a:ext cx="63202" cy="63202"/>
             </a:xfrm>
             <a:custGeom>
@@ -10912,7 +10912,7 @@
           </p:nvSpPr>
           <p:spPr>
             <a:xfrm>
-              <a:off x="4630570" y="2407343"/>
+              <a:off x="4847776" y="2407358"/>
               <a:ext cx="63202" cy="63202"/>
             </a:xfrm>
             <a:custGeom>
@@ -10955,7 +10955,7 @@
           </p:nvSpPr>
           <p:spPr>
             <a:xfrm>
-              <a:off x="4493152" y="2875163"/>
+              <a:off x="4825004" y="2875175"/>
               <a:ext cx="63202" cy="63202"/>
             </a:xfrm>
             <a:custGeom>
@@ -10998,7 +10998,7 @@
           </p:nvSpPr>
           <p:spPr>
             <a:xfrm>
-              <a:off x="4821252" y="2398483"/>
+              <a:off x="4737329" y="2398497"/>
               <a:ext cx="63202" cy="63202"/>
             </a:xfrm>
             <a:custGeom>
@@ -11041,7 +11041,7 @@
           </p:nvSpPr>
           <p:spPr>
             <a:xfrm>
-              <a:off x="4998668" y="2405619"/>
+              <a:off x="4966166" y="2405606"/>
               <a:ext cx="63202" cy="63202"/>
             </a:xfrm>
             <a:custGeom>
@@ -11084,7 +11084,7 @@
           </p:nvSpPr>
           <p:spPr>
             <a:xfrm>
-              <a:off x="5112362" y="2419421"/>
+              <a:off x="4949734" y="2419452"/>
               <a:ext cx="63202" cy="63202"/>
             </a:xfrm>
             <a:custGeom>
@@ -11127,7 +11127,7 @@
           </p:nvSpPr>
           <p:spPr>
             <a:xfrm>
-              <a:off x="4867746" y="2533218"/>
+              <a:off x="5144720" y="2533222"/>
               <a:ext cx="63202" cy="63202"/>
             </a:xfrm>
             <a:custGeom>
@@ -11170,7 +11170,7 @@
           </p:nvSpPr>
           <p:spPr>
             <a:xfrm>
-              <a:off x="4501904" y="2424214"/>
+              <a:off x="4874200" y="2424235"/>
               <a:ext cx="63202" cy="63202"/>
             </a:xfrm>
             <a:custGeom>
@@ -11213,7 +11213,7 @@
           </p:nvSpPr>
           <p:spPr>
             <a:xfrm>
-              <a:off x="4472207" y="2502891"/>
+              <a:off x="4752213" y="2502898"/>
               <a:ext cx="63202" cy="63202"/>
             </a:xfrm>
             <a:custGeom>
@@ -11256,7 +11256,7 @@
           </p:nvSpPr>
           <p:spPr>
             <a:xfrm>
-              <a:off x="4996349" y="2380845"/>
+              <a:off x="5000472" y="2380843"/>
               <a:ext cx="63202" cy="63202"/>
             </a:xfrm>
             <a:custGeom>
@@ -11299,7 +11299,7 @@
           </p:nvSpPr>
           <p:spPr>
             <a:xfrm>
-              <a:off x="4975699" y="2402365"/>
+              <a:off x="4860738" y="2402360"/>
               <a:ext cx="63202" cy="63202"/>
             </a:xfrm>
             <a:custGeom>
@@ -11342,7 +11342,7 @@
           </p:nvSpPr>
           <p:spPr>
             <a:xfrm>
-              <a:off x="5016785" y="2456569"/>
+              <a:off x="4751650" y="2456565"/>
               <a:ext cx="63202" cy="63202"/>
             </a:xfrm>
             <a:custGeom>
@@ -11385,7 +11385,7 @@
           </p:nvSpPr>
           <p:spPr>
             <a:xfrm>
-              <a:off x="5087535" y="2422230"/>
+              <a:off x="4850613" y="2422231"/>
               <a:ext cx="63202" cy="63202"/>
             </a:xfrm>
             <a:custGeom>
@@ -11428,7 +11428,7 @@
           </p:nvSpPr>
           <p:spPr>
             <a:xfrm>
-              <a:off x="4586742" y="2435035"/>
+              <a:off x="4722133" y="2435034"/>
               <a:ext cx="63202" cy="63202"/>
             </a:xfrm>
             <a:custGeom>
@@ -11471,7 +11471,7 @@
           </p:nvSpPr>
           <p:spPr>
             <a:xfrm>
-              <a:off x="5005438" y="2588404"/>
+              <a:off x="4613159" y="2588444"/>
               <a:ext cx="63202" cy="63202"/>
             </a:xfrm>
             <a:custGeom>
@@ -11514,7 +11514,7 @@
           </p:nvSpPr>
           <p:spPr>
             <a:xfrm>
-              <a:off x="4734933" y="2568361"/>
+              <a:off x="4831813" y="2568364"/>
               <a:ext cx="63202" cy="63202"/>
             </a:xfrm>
             <a:custGeom>
@@ -11557,7 +11557,7 @@
           </p:nvSpPr>
           <p:spPr>
             <a:xfrm>
-              <a:off x="4509413" y="2466164"/>
+              <a:off x="4688113" y="2466176"/>
               <a:ext cx="63202" cy="63202"/>
             </a:xfrm>
             <a:custGeom>
@@ -11600,7 +11600,7 @@
           </p:nvSpPr>
           <p:spPr>
             <a:xfrm>
-              <a:off x="5013612" y="2405683"/>
+              <a:off x="5131177" y="2405700"/>
               <a:ext cx="63202" cy="63202"/>
             </a:xfrm>
             <a:custGeom>
@@ -11643,7 +11643,7 @@
           </p:nvSpPr>
           <p:spPr>
             <a:xfrm>
-              <a:off x="4616345" y="2784950"/>
+              <a:off x="4722657" y="2784974"/>
               <a:ext cx="63202" cy="63202"/>
             </a:xfrm>
             <a:custGeom>
@@ -11686,7 +11686,7 @@
           </p:nvSpPr>
           <p:spPr>
             <a:xfrm>
-              <a:off x="5164224" y="2414974"/>
+              <a:off x="5094607" y="2414985"/>
               <a:ext cx="63202" cy="63202"/>
             </a:xfrm>
             <a:custGeom>
@@ -11729,7 +11729,7 @@
           </p:nvSpPr>
           <p:spPr>
             <a:xfrm>
-              <a:off x="5155553" y="2431721"/>
+              <a:off x="4860761" y="2431751"/>
               <a:ext cx="63202" cy="63202"/>
             </a:xfrm>
             <a:custGeom>
@@ -11772,7 +11772,7 @@
           </p:nvSpPr>
           <p:spPr>
             <a:xfrm>
-              <a:off x="4799597" y="2371810"/>
+              <a:off x="4710980" y="2371831"/>
               <a:ext cx="63202" cy="63202"/>
             </a:xfrm>
             <a:custGeom>
@@ -11815,7 +11815,7 @@
           </p:nvSpPr>
           <p:spPr>
             <a:xfrm>
-              <a:off x="4953883" y="2422908"/>
+              <a:off x="5039658" y="2422945"/>
               <a:ext cx="63202" cy="63202"/>
             </a:xfrm>
             <a:custGeom>
@@ -11858,7 +11858,7 @@
           </p:nvSpPr>
           <p:spPr>
             <a:xfrm>
-              <a:off x="4965998" y="2381695"/>
+              <a:off x="4629943" y="2381722"/>
               <a:ext cx="63202" cy="63202"/>
             </a:xfrm>
             <a:custGeom>
@@ -11901,7 +11901,7 @@
           </p:nvSpPr>
           <p:spPr>
             <a:xfrm>
-              <a:off x="4970553" y="2435448"/>
+              <a:off x="5039517" y="2435468"/>
               <a:ext cx="63202" cy="63202"/>
             </a:xfrm>
             <a:custGeom>
@@ -11944,7 +11944,7 @@
           </p:nvSpPr>
           <p:spPr>
             <a:xfrm>
-              <a:off x="4720542" y="2463840"/>
+              <a:off x="5155696" y="2463856"/>
               <a:ext cx="63202" cy="63202"/>
             </a:xfrm>
             <a:custGeom>
@@ -11987,7 +11987,7 @@
           </p:nvSpPr>
           <p:spPr>
             <a:xfrm>
-              <a:off x="4575813" y="2411890"/>
+              <a:off x="4793850" y="2411905"/>
               <a:ext cx="63202" cy="63202"/>
             </a:xfrm>
             <a:custGeom>
@@ -12030,7 +12030,7 @@
           </p:nvSpPr>
           <p:spPr>
             <a:xfrm>
-              <a:off x="4624474" y="2405602"/>
+              <a:off x="4812968" y="2405636"/>
               <a:ext cx="63202" cy="63202"/>
             </a:xfrm>
             <a:custGeom>
@@ -12073,7 +12073,7 @@
           </p:nvSpPr>
           <p:spPr>
             <a:xfrm>
-              <a:off x="4773064" y="2419288"/>
+              <a:off x="4593866" y="2419275"/>
               <a:ext cx="63202" cy="63202"/>
             </a:xfrm>
             <a:custGeom>
@@ -12116,7 +12116,7 @@
           </p:nvSpPr>
           <p:spPr>
             <a:xfrm>
-              <a:off x="4908016" y="2459785"/>
+              <a:off x="5147998" y="2459805"/>
               <a:ext cx="63202" cy="63202"/>
             </a:xfrm>
             <a:custGeom>
@@ -12159,7 +12159,7 @@
           </p:nvSpPr>
           <p:spPr>
             <a:xfrm>
-              <a:off x="5076695" y="2414683"/>
+              <a:off x="4499027" y="2414701"/>
               <a:ext cx="63202" cy="63202"/>
             </a:xfrm>
             <a:custGeom>
@@ -12202,7 +12202,7 @@
           </p:nvSpPr>
           <p:spPr>
             <a:xfrm>
-              <a:off x="5063414" y="2470752"/>
+              <a:off x="4685896" y="2470783"/>
               <a:ext cx="63202" cy="63202"/>
             </a:xfrm>
             <a:custGeom>
@@ -12245,7 +12245,7 @@
           </p:nvSpPr>
           <p:spPr>
             <a:xfrm>
-              <a:off x="5167486" y="2441425"/>
+              <a:off x="5163400" y="2441458"/>
               <a:ext cx="63202" cy="63202"/>
             </a:xfrm>
             <a:custGeom>
@@ -12288,7 +12288,7 @@
           </p:nvSpPr>
           <p:spPr>
             <a:xfrm>
-              <a:off x="4969507" y="2602221"/>
+              <a:off x="4585465" y="2602262"/>
               <a:ext cx="63202" cy="63202"/>
             </a:xfrm>
             <a:custGeom>
@@ -12331,7 +12331,7 @@
           </p:nvSpPr>
           <p:spPr>
             <a:xfrm>
-              <a:off x="4889276" y="2423446"/>
+              <a:off x="4981279" y="2423454"/>
               <a:ext cx="63202" cy="63202"/>
             </a:xfrm>
             <a:custGeom>
@@ -12374,7 +12374,7 @@
           </p:nvSpPr>
           <p:spPr>
             <a:xfrm>
-              <a:off x="4602726" y="2536251"/>
+              <a:off x="5021782" y="2536259"/>
               <a:ext cx="63202" cy="63202"/>
             </a:xfrm>
             <a:custGeom>
@@ -12417,7 +12417,7 @@
           </p:nvSpPr>
           <p:spPr>
             <a:xfrm>
-              <a:off x="5039165" y="2403082"/>
+              <a:off x="4898240" y="2403106"/>
               <a:ext cx="63202" cy="63202"/>
             </a:xfrm>
             <a:custGeom>
@@ -12460,7 +12460,7 @@
           </p:nvSpPr>
           <p:spPr>
             <a:xfrm>
-              <a:off x="4898974" y="2414818"/>
+              <a:off x="5041286" y="2414849"/>
               <a:ext cx="63202" cy="63202"/>
             </a:xfrm>
             <a:custGeom>
@@ -12503,7 +12503,7 @@
           </p:nvSpPr>
           <p:spPr>
             <a:xfrm>
-              <a:off x="5058391" y="2385724"/>
+              <a:off x="4703855" y="2385727"/>
               <a:ext cx="63202" cy="63202"/>
             </a:xfrm>
             <a:custGeom>
@@ -12546,7 +12546,7 @@
           </p:nvSpPr>
           <p:spPr>
             <a:xfrm>
-              <a:off x="5089004" y="2408410"/>
+              <a:off x="4628345" y="2408413"/>
               <a:ext cx="63202" cy="63202"/>
             </a:xfrm>
             <a:custGeom>
@@ -12589,7 +12589,7 @@
           </p:nvSpPr>
           <p:spPr>
             <a:xfrm>
-              <a:off x="4502381" y="2421689"/>
+              <a:off x="5076649" y="2421712"/>
               <a:ext cx="63202" cy="63202"/>
             </a:xfrm>
             <a:custGeom>
@@ -12632,7 +12632,7 @@
           </p:nvSpPr>
           <p:spPr>
             <a:xfrm>
-              <a:off x="4667308" y="2609740"/>
+              <a:off x="5027512" y="2609757"/>
               <a:ext cx="63202" cy="63202"/>
             </a:xfrm>
             <a:custGeom>
@@ -12675,7 +12675,7 @@
           </p:nvSpPr>
           <p:spPr>
             <a:xfrm>
-              <a:off x="4679833" y="2424163"/>
+              <a:off x="4676036" y="2424201"/>
               <a:ext cx="63202" cy="63202"/>
             </a:xfrm>
             <a:custGeom>
@@ -12718,7 +12718,7 @@
           </p:nvSpPr>
           <p:spPr>
             <a:xfrm>
-              <a:off x="4533109" y="2511756"/>
+              <a:off x="4615799" y="2511772"/>
               <a:ext cx="63202" cy="63202"/>
             </a:xfrm>
             <a:custGeom>
@@ -12761,7 +12761,7 @@
           </p:nvSpPr>
           <p:spPr>
             <a:xfrm>
-              <a:off x="5392587" y="2683406"/>
+              <a:off x="5943184" y="2683422"/>
               <a:ext cx="63202" cy="63202"/>
             </a:xfrm>
             <a:custGeom>
@@ -12804,7 +12804,7 @@
           </p:nvSpPr>
           <p:spPr>
             <a:xfrm>
-              <a:off x="4703559" y="2367530"/>
+              <a:off x="4492619" y="2367568"/>
               <a:ext cx="63202" cy="63202"/>
             </a:xfrm>
             <a:custGeom>
@@ -12847,7 +12847,7 @@
           </p:nvSpPr>
           <p:spPr>
             <a:xfrm>
-              <a:off x="5161258" y="2388671"/>
+              <a:off x="4747322" y="2388703"/>
               <a:ext cx="63202" cy="63202"/>
             </a:xfrm>
             <a:custGeom>
@@ -12890,7 +12890,7 @@
           </p:nvSpPr>
           <p:spPr>
             <a:xfrm>
-              <a:off x="4576933" y="2680384"/>
+              <a:off x="4735500" y="2680393"/>
               <a:ext cx="63202" cy="63202"/>
             </a:xfrm>
             <a:custGeom>
@@ -12933,7 +12933,7 @@
           </p:nvSpPr>
           <p:spPr>
             <a:xfrm>
-              <a:off x="4722680" y="2431879"/>
+              <a:off x="4648583" y="2431892"/>
               <a:ext cx="63202" cy="63202"/>
             </a:xfrm>
             <a:custGeom>
@@ -12976,7 +12976,7 @@
           </p:nvSpPr>
           <p:spPr>
             <a:xfrm>
-              <a:off x="4631839" y="2390482"/>
+              <a:off x="4478445" y="2390510"/>
               <a:ext cx="63202" cy="63202"/>
             </a:xfrm>
             <a:custGeom>
@@ -13019,7 +13019,7 @@
           </p:nvSpPr>
           <p:spPr>
             <a:xfrm>
-              <a:off x="4907443" y="2424162"/>
+              <a:off x="4617164" y="2424191"/>
               <a:ext cx="63202" cy="63202"/>
             </a:xfrm>
             <a:custGeom>
@@ -13062,7 +13062,7 @@
           </p:nvSpPr>
           <p:spPr>
             <a:xfrm>
-              <a:off x="4742412" y="2442631"/>
+              <a:off x="4877594" y="2442676"/>
               <a:ext cx="63202" cy="63202"/>
             </a:xfrm>
             <a:custGeom>
@@ -13105,7 +13105,7 @@
           </p:nvSpPr>
           <p:spPr>
             <a:xfrm>
-              <a:off x="4934007" y="2428180"/>
+              <a:off x="4724660" y="2428194"/>
               <a:ext cx="63202" cy="63202"/>
             </a:xfrm>
             <a:custGeom>
@@ -13148,7 +13148,7 @@
           </p:nvSpPr>
           <p:spPr>
             <a:xfrm>
-              <a:off x="4900371" y="2484563"/>
+              <a:off x="4713996" y="2484591"/>
               <a:ext cx="63202" cy="63202"/>
             </a:xfrm>
             <a:custGeom>
@@ -13191,7 +13191,7 @@
           </p:nvSpPr>
           <p:spPr>
             <a:xfrm>
-              <a:off x="4936708" y="2409430"/>
+              <a:off x="4481751" y="2409439"/>
               <a:ext cx="63202" cy="63202"/>
             </a:xfrm>
             <a:custGeom>
@@ -13234,7 +13234,7 @@
           </p:nvSpPr>
           <p:spPr>
             <a:xfrm>
-              <a:off x="5112724" y="2413907"/>
+              <a:off x="4682214" y="2413902"/>
               <a:ext cx="63202" cy="63202"/>
             </a:xfrm>
             <a:custGeom>
@@ -13277,7 +13277,7 @@
           </p:nvSpPr>
           <p:spPr>
             <a:xfrm>
-              <a:off x="4781660" y="2455644"/>
+              <a:off x="4995915" y="2455662"/>
               <a:ext cx="63202" cy="63202"/>
             </a:xfrm>
             <a:custGeom>
@@ -13320,7 +13320,7 @@
           </p:nvSpPr>
           <p:spPr>
             <a:xfrm>
-              <a:off x="4543368" y="2453117"/>
+              <a:off x="4595242" y="2453126"/>
               <a:ext cx="63202" cy="63202"/>
             </a:xfrm>
             <a:custGeom>
@@ -13363,7 +13363,7 @@
           </p:nvSpPr>
           <p:spPr>
             <a:xfrm>
-              <a:off x="5014913" y="2402296"/>
+              <a:off x="4597815" y="2402341"/>
               <a:ext cx="63202" cy="63202"/>
             </a:xfrm>
             <a:custGeom>
@@ -13406,7 +13406,7 @@
           </p:nvSpPr>
           <p:spPr>
             <a:xfrm>
-              <a:off x="5091930" y="2502821"/>
+              <a:off x="4704922" y="2502801"/>
               <a:ext cx="63202" cy="63202"/>
             </a:xfrm>
             <a:custGeom>
@@ -13449,7 +13449,7 @@
           </p:nvSpPr>
           <p:spPr>
             <a:xfrm>
-              <a:off x="4601918" y="2505949"/>
+              <a:off x="5130677" y="2505977"/>
               <a:ext cx="63202" cy="63202"/>
             </a:xfrm>
             <a:custGeom>
@@ -13492,7 +13492,7 @@
           </p:nvSpPr>
           <p:spPr>
             <a:xfrm>
-              <a:off x="4780919" y="2452188"/>
+              <a:off x="4706511" y="2452199"/>
               <a:ext cx="63202" cy="63202"/>
             </a:xfrm>
             <a:custGeom>
@@ -13535,7 +13535,7 @@
           </p:nvSpPr>
           <p:spPr>
             <a:xfrm>
-              <a:off x="5039025" y="2492336"/>
+              <a:off x="4923459" y="2492342"/>
               <a:ext cx="63202" cy="63202"/>
             </a:xfrm>
             <a:custGeom>
@@ -13578,7 +13578,7 @@
           </p:nvSpPr>
           <p:spPr>
             <a:xfrm>
-              <a:off x="4711836" y="2433913"/>
+              <a:off x="5126880" y="2433939"/>
               <a:ext cx="63202" cy="63202"/>
             </a:xfrm>
             <a:custGeom>
@@ -13621,7 +13621,7 @@
           </p:nvSpPr>
           <p:spPr>
             <a:xfrm>
-              <a:off x="5138855" y="2406230"/>
+              <a:off x="4715589" y="2406256"/>
               <a:ext cx="63202" cy="63202"/>
             </a:xfrm>
             <a:custGeom>
@@ -13664,7 +13664,7 @@
           </p:nvSpPr>
           <p:spPr>
             <a:xfrm>
-              <a:off x="4719857" y="2368486"/>
+              <a:off x="4678351" y="2368492"/>
               <a:ext cx="63202" cy="63202"/>
             </a:xfrm>
             <a:custGeom>
@@ -13707,7 +13707,7 @@
           </p:nvSpPr>
           <p:spPr>
             <a:xfrm>
-              <a:off x="4886583" y="2369869"/>
+              <a:off x="5015924" y="2369907"/>
               <a:ext cx="63202" cy="63202"/>
             </a:xfrm>
             <a:custGeom>
@@ -13750,7 +13750,7 @@
           </p:nvSpPr>
           <p:spPr>
             <a:xfrm>
-              <a:off x="4779394" y="2431053"/>
+              <a:off x="4685101" y="2431060"/>
               <a:ext cx="63202" cy="63202"/>
             </a:xfrm>
             <a:custGeom>
@@ -13793,7 +13793,7 @@
           </p:nvSpPr>
           <p:spPr>
             <a:xfrm>
-              <a:off x="4588459" y="2394068"/>
+              <a:off x="4892905" y="2394068"/>
               <a:ext cx="63202" cy="63202"/>
             </a:xfrm>
             <a:custGeom>
@@ -13836,7 +13836,7 @@
           </p:nvSpPr>
           <p:spPr>
             <a:xfrm>
-              <a:off x="4952999" y="2755927"/>
+              <a:off x="5103070" y="2755940"/>
               <a:ext cx="63202" cy="63202"/>
             </a:xfrm>
             <a:custGeom>
@@ -13879,7 +13879,7 @@
           </p:nvSpPr>
           <p:spPr>
             <a:xfrm>
-              <a:off x="4595227" y="2368584"/>
+              <a:off x="4587204" y="2368581"/>
               <a:ext cx="63202" cy="63202"/>
             </a:xfrm>
             <a:custGeom>
@@ -13922,7 +13922,7 @@
           </p:nvSpPr>
           <p:spPr>
             <a:xfrm>
-              <a:off x="4972305" y="2397896"/>
+              <a:off x="4942739" y="2397898"/>
               <a:ext cx="63202" cy="63202"/>
             </a:xfrm>
             <a:custGeom>
@@ -13965,7 +13965,7 @@
           </p:nvSpPr>
           <p:spPr>
             <a:xfrm>
-              <a:off x="5028969" y="2406054"/>
+              <a:off x="4978606" y="2406067"/>
               <a:ext cx="63202" cy="63202"/>
             </a:xfrm>
             <a:custGeom>
@@ -14008,7 +14008,7 @@
           </p:nvSpPr>
           <p:spPr>
             <a:xfrm>
-              <a:off x="5009566" y="2461981"/>
+              <a:off x="4482976" y="2461983"/>
               <a:ext cx="63202" cy="63202"/>
             </a:xfrm>
             <a:custGeom>
@@ -14051,7 +14051,7 @@
           </p:nvSpPr>
           <p:spPr>
             <a:xfrm>
-              <a:off x="4801807" y="2360113"/>
+              <a:off x="4531498" y="2360152"/>
               <a:ext cx="63202" cy="63202"/>
             </a:xfrm>
             <a:custGeom>
@@ -14094,7 +14094,7 @@
           </p:nvSpPr>
           <p:spPr>
             <a:xfrm>
-              <a:off x="4602549" y="2414756"/>
+              <a:off x="5080431" y="2414787"/>
               <a:ext cx="63202" cy="63202"/>
             </a:xfrm>
             <a:custGeom>
@@ -14137,7 +14137,7 @@
           </p:nvSpPr>
           <p:spPr>
             <a:xfrm>
-              <a:off x="4921052" y="2403505"/>
+              <a:off x="4958802" y="2403528"/>
               <a:ext cx="63202" cy="63202"/>
             </a:xfrm>
             <a:custGeom>
@@ -14236,7 +14236,7 @@
           </p:nvSpPr>
           <p:spPr>
             <a:xfrm>
-              <a:off x="4325757" y="4722690"/>
+              <a:off x="4325757" y="4722707"/>
               <a:ext cx="2796732" cy="0"/>
             </a:xfrm>
             <a:custGeom>
@@ -14279,7 +14279,7 @@
           </p:nvSpPr>
           <p:spPr>
             <a:xfrm>
-              <a:off x="4325757" y="4237898"/>
+              <a:off x="4325757" y="4237912"/>
               <a:ext cx="2796732" cy="0"/>
             </a:xfrm>
             <a:custGeom>
@@ -14322,7 +14322,7 @@
           </p:nvSpPr>
           <p:spPr>
             <a:xfrm>
-              <a:off x="4325757" y="3753106"/>
+              <a:off x="4325757" y="3753116"/>
               <a:ext cx="2796732" cy="0"/>
             </a:xfrm>
             <a:custGeom>
@@ -14365,7 +14365,7 @@
           </p:nvSpPr>
           <p:spPr>
             <a:xfrm>
-              <a:off x="4325757" y="4965086"/>
+              <a:off x="4325757" y="4965105"/>
               <a:ext cx="2796732" cy="0"/>
             </a:xfrm>
             <a:custGeom>
@@ -14408,7 +14408,7 @@
           </p:nvSpPr>
           <p:spPr>
             <a:xfrm>
-              <a:off x="4325757" y="4480294"/>
+              <a:off x="4325757" y="4480309"/>
               <a:ext cx="2796732" cy="0"/>
             </a:xfrm>
             <a:custGeom>
@@ -14451,7 +14451,7 @@
           </p:nvSpPr>
           <p:spPr>
             <a:xfrm>
-              <a:off x="4325757" y="3995502"/>
+              <a:off x="4325757" y="3995514"/>
               <a:ext cx="2796732" cy="0"/>
             </a:xfrm>
             <a:custGeom>
@@ -14494,7 +14494,7 @@
           </p:nvSpPr>
           <p:spPr>
             <a:xfrm>
-              <a:off x="4325757" y="3510710"/>
+              <a:off x="4325757" y="3510719"/>
               <a:ext cx="2796732" cy="0"/>
             </a:xfrm>
             <a:custGeom>
@@ -14666,7 +14666,7 @@
           </p:nvSpPr>
           <p:spPr>
             <a:xfrm>
-              <a:off x="5412517" y="4821826"/>
+              <a:off x="5615445" y="4821840"/>
               <a:ext cx="63202" cy="63202"/>
             </a:xfrm>
             <a:custGeom>
@@ -14709,7 +14709,7 @@
           </p:nvSpPr>
           <p:spPr>
             <a:xfrm>
-              <a:off x="5154609" y="4732189"/>
+              <a:off x="4869144" y="4732208"/>
               <a:ext cx="63202" cy="63202"/>
             </a:xfrm>
             <a:custGeom>
@@ -14752,7 +14752,7 @@
           </p:nvSpPr>
           <p:spPr>
             <a:xfrm>
-              <a:off x="4551456" y="4371866"/>
+              <a:off x="4869943" y="4371868"/>
               <a:ext cx="63202" cy="63202"/>
             </a:xfrm>
             <a:custGeom>
@@ -14795,7 +14795,7 @@
           </p:nvSpPr>
           <p:spPr>
             <a:xfrm>
-              <a:off x="6520769" y="4883747"/>
+              <a:off x="6832932" y="4883747"/>
               <a:ext cx="63202" cy="63202"/>
             </a:xfrm>
             <a:custGeom>
@@ -14894,7 +14894,7 @@
           </p:nvSpPr>
           <p:spPr>
             <a:xfrm>
-              <a:off x="4325757" y="6648023"/>
+              <a:off x="4325757" y="6648040"/>
               <a:ext cx="2796732" cy="0"/>
             </a:xfrm>
             <a:custGeom>
@@ -14937,7 +14937,7 @@
           </p:nvSpPr>
           <p:spPr>
             <a:xfrm>
-              <a:off x="4325757" y="6163231"/>
+              <a:off x="4325757" y="6163244"/>
               <a:ext cx="2796732" cy="0"/>
             </a:xfrm>
             <a:custGeom>
@@ -14980,7 +14980,7 @@
           </p:nvSpPr>
           <p:spPr>
             <a:xfrm>
-              <a:off x="4325757" y="5678439"/>
+              <a:off x="4325757" y="5678449"/>
               <a:ext cx="2796732" cy="0"/>
             </a:xfrm>
             <a:custGeom>
@@ -15023,7 +15023,7 @@
           </p:nvSpPr>
           <p:spPr>
             <a:xfrm>
-              <a:off x="4325757" y="6890419"/>
+              <a:off x="4325757" y="6890437"/>
               <a:ext cx="2796732" cy="0"/>
             </a:xfrm>
             <a:custGeom>
@@ -15066,7 +15066,7 @@
           </p:nvSpPr>
           <p:spPr>
             <a:xfrm>
-              <a:off x="4325757" y="6405627"/>
+              <a:off x="4325757" y="6405642"/>
               <a:ext cx="2796732" cy="0"/>
             </a:xfrm>
             <a:custGeom>
@@ -15109,7 +15109,7 @@
           </p:nvSpPr>
           <p:spPr>
             <a:xfrm>
-              <a:off x="4325757" y="5920835"/>
+              <a:off x="4325757" y="5920847"/>
               <a:ext cx="2796732" cy="0"/>
             </a:xfrm>
             <a:custGeom>
@@ -15152,7 +15152,7 @@
           </p:nvSpPr>
           <p:spPr>
             <a:xfrm>
-              <a:off x="4325757" y="5436043"/>
+              <a:off x="4325757" y="5436051"/>
               <a:ext cx="2796732" cy="0"/>
             </a:xfrm>
             <a:custGeom>
@@ -15324,7 +15324,7 @@
           </p:nvSpPr>
           <p:spPr>
             <a:xfrm>
-              <a:off x="5104445" y="6069295"/>
+              <a:off x="5085758" y="6069284"/>
               <a:ext cx="63202" cy="63202"/>
             </a:xfrm>
             <a:custGeom>
@@ -15367,7 +15367,7 @@
           </p:nvSpPr>
           <p:spPr>
             <a:xfrm>
-              <a:off x="4862733" y="6063099"/>
+              <a:off x="4660128" y="6063092"/>
               <a:ext cx="63202" cy="63202"/>
             </a:xfrm>
             <a:custGeom>
@@ -15410,7 +15410,7 @@
           </p:nvSpPr>
           <p:spPr>
             <a:xfrm>
-              <a:off x="5013463" y="6072626"/>
+              <a:off x="4769485" y="6072627"/>
               <a:ext cx="63202" cy="63202"/>
             </a:xfrm>
             <a:custGeom>
@@ -15453,7 +15453,7 @@
           </p:nvSpPr>
           <p:spPr>
             <a:xfrm>
-              <a:off x="4784131" y="6055915"/>
+              <a:off x="4602406" y="6055923"/>
               <a:ext cx="63202" cy="63202"/>
             </a:xfrm>
             <a:custGeom>
@@ -15496,7 +15496,7 @@
           </p:nvSpPr>
           <p:spPr>
             <a:xfrm>
-              <a:off x="4999373" y="6058512"/>
+              <a:off x="4578823" y="6058534"/>
               <a:ext cx="63202" cy="63202"/>
             </a:xfrm>
             <a:custGeom>
@@ -15539,7 +15539,7 @@
           </p:nvSpPr>
           <p:spPr>
             <a:xfrm>
-              <a:off x="5122626" y="6071936"/>
+              <a:off x="4926756" y="6071972"/>
               <a:ext cx="63202" cy="63202"/>
             </a:xfrm>
             <a:custGeom>
@@ -15582,7 +15582,7 @@
           </p:nvSpPr>
           <p:spPr>
             <a:xfrm>
-              <a:off x="5020141" y="6055559"/>
+              <a:off x="4767516" y="6055584"/>
               <a:ext cx="63202" cy="63202"/>
             </a:xfrm>
             <a:custGeom>
@@ -15625,7 +15625,7 @@
           </p:nvSpPr>
           <p:spPr>
             <a:xfrm>
-              <a:off x="4905522" y="6216607"/>
+              <a:off x="5059200" y="6216635"/>
               <a:ext cx="63202" cy="63202"/>
             </a:xfrm>
             <a:custGeom>
@@ -15668,7 +15668,7 @@
           </p:nvSpPr>
           <p:spPr>
             <a:xfrm>
-              <a:off x="4921128" y="6074470"/>
+              <a:off x="4996705" y="6074484"/>
               <a:ext cx="63202" cy="63202"/>
             </a:xfrm>
             <a:custGeom>
@@ -15711,7 +15711,7 @@
           </p:nvSpPr>
           <p:spPr>
             <a:xfrm>
-              <a:off x="4774037" y="6079133"/>
+              <a:off x="4859344" y="6079157"/>
               <a:ext cx="63202" cy="63202"/>
             </a:xfrm>
             <a:custGeom>
@@ -15754,7 +15754,7 @@
           </p:nvSpPr>
           <p:spPr>
             <a:xfrm>
-              <a:off x="4752546" y="6079479"/>
+              <a:off x="5019488" y="6079490"/>
               <a:ext cx="63202" cy="63202"/>
             </a:xfrm>
             <a:custGeom>
@@ -15797,7 +15797,7 @@
           </p:nvSpPr>
           <p:spPr>
             <a:xfrm>
-              <a:off x="5055501" y="6136818"/>
+              <a:off x="4931282" y="6136847"/>
               <a:ext cx="63202" cy="63202"/>
             </a:xfrm>
             <a:custGeom>
@@ -15840,7 +15840,7 @@
           </p:nvSpPr>
           <p:spPr>
             <a:xfrm>
-              <a:off x="4916879" y="6171661"/>
+              <a:off x="5148787" y="6171694"/>
               <a:ext cx="63202" cy="63202"/>
             </a:xfrm>
             <a:custGeom>
@@ -15883,7 +15883,7 @@
           </p:nvSpPr>
           <p:spPr>
             <a:xfrm>
-              <a:off x="4741705" y="6071817"/>
+              <a:off x="5120679" y="6071815"/>
               <a:ext cx="63202" cy="63202"/>
             </a:xfrm>
             <a:custGeom>
@@ -15926,7 +15926,7 @@
           </p:nvSpPr>
           <p:spPr>
             <a:xfrm>
-              <a:off x="4803068" y="6071458"/>
+              <a:off x="4814943" y="6071496"/>
               <a:ext cx="63202" cy="63202"/>
             </a:xfrm>
             <a:custGeom>
@@ -15969,7 +15969,7 @@
           </p:nvSpPr>
           <p:spPr>
             <a:xfrm>
-              <a:off x="4992917" y="6050727"/>
+              <a:off x="4747588" y="6050748"/>
               <a:ext cx="63202" cy="63202"/>
             </a:xfrm>
             <a:custGeom>
@@ -16012,7 +16012,7 @@
           </p:nvSpPr>
           <p:spPr>
             <a:xfrm>
-              <a:off x="4783133" y="6075887"/>
+              <a:off x="5088615" y="6075873"/>
               <a:ext cx="63202" cy="63202"/>
             </a:xfrm>
             <a:custGeom>
@@ -16055,7 +16055,7 @@
           </p:nvSpPr>
           <p:spPr>
             <a:xfrm>
-              <a:off x="4804695" y="6042899"/>
+              <a:off x="5027270" y="6042916"/>
               <a:ext cx="63202" cy="63202"/>
             </a:xfrm>
             <a:custGeom>
@@ -16098,7 +16098,7 @@
           </p:nvSpPr>
           <p:spPr>
             <a:xfrm>
-              <a:off x="4562522" y="6070650"/>
+              <a:off x="4727698" y="6070668"/>
               <a:ext cx="63202" cy="63202"/>
             </a:xfrm>
             <a:custGeom>
@@ -16141,7 +16141,7 @@
           </p:nvSpPr>
           <p:spPr>
             <a:xfrm>
-              <a:off x="4987654" y="6055712"/>
+              <a:off x="4667853" y="6055736"/>
               <a:ext cx="63202" cy="63202"/>
             </a:xfrm>
             <a:custGeom>
@@ -16184,7 +16184,7 @@
           </p:nvSpPr>
           <p:spPr>
             <a:xfrm>
-              <a:off x="4775439" y="6305979"/>
+              <a:off x="4705877" y="6305964"/>
               <a:ext cx="63202" cy="63202"/>
             </a:xfrm>
             <a:custGeom>
@@ -16227,7 +16227,7 @@
           </p:nvSpPr>
           <p:spPr>
             <a:xfrm>
-              <a:off x="4473653" y="6134834"/>
+              <a:off x="4724441" y="6134838"/>
               <a:ext cx="63202" cy="63202"/>
             </a:xfrm>
             <a:custGeom>
@@ -16270,7 +16270,7 @@
           </p:nvSpPr>
           <p:spPr>
             <a:xfrm>
-              <a:off x="4625246" y="6070246"/>
+              <a:off x="4793937" y="6070269"/>
               <a:ext cx="63202" cy="63202"/>
             </a:xfrm>
             <a:custGeom>
@@ -16313,7 +16313,7 @@
           </p:nvSpPr>
           <p:spPr>
             <a:xfrm>
-              <a:off x="5042617" y="6053788"/>
+              <a:off x="4702026" y="6053777"/>
               <a:ext cx="63202" cy="63202"/>
             </a:xfrm>
             <a:custGeom>
@@ -16356,7 +16356,7 @@
           </p:nvSpPr>
           <p:spPr>
             <a:xfrm>
-              <a:off x="4669443" y="6058193"/>
+              <a:off x="5104580" y="6058181"/>
               <a:ext cx="63202" cy="63202"/>
             </a:xfrm>
             <a:custGeom>
@@ -16399,7 +16399,7 @@
           </p:nvSpPr>
           <p:spPr>
             <a:xfrm>
-              <a:off x="4495173" y="6063905"/>
+              <a:off x="4477886" y="6063917"/>
               <a:ext cx="63202" cy="63202"/>
             </a:xfrm>
             <a:custGeom>
@@ -16442,7 +16442,7 @@
           </p:nvSpPr>
           <p:spPr>
             <a:xfrm>
-              <a:off x="4877318" y="6079114"/>
+              <a:off x="4778066" y="6079124"/>
               <a:ext cx="63202" cy="63202"/>
             </a:xfrm>
             <a:custGeom>
@@ -16485,7 +16485,7 @@
           </p:nvSpPr>
           <p:spPr>
             <a:xfrm>
-              <a:off x="4918633" y="6075498"/>
+              <a:off x="4553699" y="6075500"/>
               <a:ext cx="63202" cy="63202"/>
             </a:xfrm>
             <a:custGeom>
@@ -16528,7 +16528,7 @@
           </p:nvSpPr>
           <p:spPr>
             <a:xfrm>
-              <a:off x="5005769" y="6060945"/>
+              <a:off x="5053381" y="6060945"/>
               <a:ext cx="63202" cy="63202"/>
             </a:xfrm>
             <a:custGeom>
@@ -16571,7 +16571,7 @@
           </p:nvSpPr>
           <p:spPr>
             <a:xfrm>
-              <a:off x="4779571" y="6074456"/>
+              <a:off x="4853238" y="6074478"/>
               <a:ext cx="63202" cy="63202"/>
             </a:xfrm>
             <a:custGeom>
@@ -16614,7 +16614,7 @@
           </p:nvSpPr>
           <p:spPr>
             <a:xfrm>
-              <a:off x="4928909" y="6067941"/>
+              <a:off x="5159902" y="6067953"/>
               <a:ext cx="63202" cy="63202"/>
             </a:xfrm>
             <a:custGeom>
@@ -16657,7 +16657,7 @@
           </p:nvSpPr>
           <p:spPr>
             <a:xfrm>
-              <a:off x="4650568" y="6051102"/>
+              <a:off x="4806476" y="6051126"/>
               <a:ext cx="63202" cy="63202"/>
             </a:xfrm>
             <a:custGeom>
@@ -16700,7 +16700,7 @@
           </p:nvSpPr>
           <p:spPr>
             <a:xfrm>
-              <a:off x="4867288" y="6051923"/>
+              <a:off x="5068766" y="6051953"/>
               <a:ext cx="63202" cy="63202"/>
             </a:xfrm>
             <a:custGeom>
@@ -16743,7 +16743,7 @@
           </p:nvSpPr>
           <p:spPr>
             <a:xfrm>
-              <a:off x="5053416" y="6055546"/>
+              <a:off x="5030256" y="6055561"/>
               <a:ext cx="63202" cy="63202"/>
             </a:xfrm>
             <a:custGeom>
@@ -16786,7 +16786,7 @@
           </p:nvSpPr>
           <p:spPr>
             <a:xfrm>
-              <a:off x="5071583" y="6071358"/>
+              <a:off x="4992922" y="6071366"/>
               <a:ext cx="63202" cy="63202"/>
             </a:xfrm>
             <a:custGeom>
@@ -16829,7 +16829,7 @@
           </p:nvSpPr>
           <p:spPr>
             <a:xfrm>
-              <a:off x="5091928" y="6075870"/>
+              <a:off x="5124427" y="6075887"/>
               <a:ext cx="63202" cy="63202"/>
             </a:xfrm>
             <a:custGeom>
@@ -16872,7 +16872,7 @@
           </p:nvSpPr>
           <p:spPr>
             <a:xfrm>
-              <a:off x="4965659" y="6070400"/>
+              <a:off x="4726800" y="6070402"/>
               <a:ext cx="63202" cy="63202"/>
             </a:xfrm>
             <a:custGeom>
@@ -16915,7 +16915,7 @@
           </p:nvSpPr>
           <p:spPr>
             <a:xfrm>
-              <a:off x="4678007" y="6051937"/>
+              <a:off x="5100556" y="6051960"/>
               <a:ext cx="63202" cy="63202"/>
             </a:xfrm>
             <a:custGeom>
@@ -16958,7 +16958,7 @@
           </p:nvSpPr>
           <p:spPr>
             <a:xfrm>
-              <a:off x="4705641" y="6074770"/>
+              <a:off x="4916531" y="6074779"/>
               <a:ext cx="63202" cy="63202"/>
             </a:xfrm>
             <a:custGeom>
@@ -17001,7 +17001,7 @@
           </p:nvSpPr>
           <p:spPr>
             <a:xfrm>
-              <a:off x="5069964" y="6123869"/>
+              <a:off x="5101777" y="6123898"/>
               <a:ext cx="63202" cy="63202"/>
             </a:xfrm>
             <a:custGeom>
@@ -17044,7 +17044,7 @@
           </p:nvSpPr>
           <p:spPr>
             <a:xfrm>
-              <a:off x="4907446" y="6059619"/>
+              <a:off x="4908982" y="6059633"/>
               <a:ext cx="63202" cy="63202"/>
             </a:xfrm>
             <a:custGeom>
@@ -17087,7 +17087,7 @@
           </p:nvSpPr>
           <p:spPr>
             <a:xfrm>
-              <a:off x="4573954" y="6055413"/>
+              <a:off x="4865890" y="6055417"/>
               <a:ext cx="63202" cy="63202"/>
             </a:xfrm>
             <a:custGeom>
@@ -17130,7 +17130,7 @@
           </p:nvSpPr>
           <p:spPr>
             <a:xfrm>
-              <a:off x="4758306" y="6065346"/>
+              <a:off x="4652248" y="6065380"/>
               <a:ext cx="63202" cy="63202"/>
             </a:xfrm>
             <a:custGeom>
@@ -17173,7 +17173,7 @@
           </p:nvSpPr>
           <p:spPr>
             <a:xfrm>
-              <a:off x="4991520" y="6077274"/>
+              <a:off x="4851214" y="6077309"/>
               <a:ext cx="63202" cy="63202"/>
             </a:xfrm>
             <a:custGeom>
@@ -17216,7 +17216,7 @@
           </p:nvSpPr>
           <p:spPr>
             <a:xfrm>
-              <a:off x="4901078" y="6071437"/>
+              <a:off x="5017803" y="6071433"/>
               <a:ext cx="63202" cy="63202"/>
             </a:xfrm>
             <a:custGeom>
@@ -17259,7 +17259,7 @@
           </p:nvSpPr>
           <p:spPr>
             <a:xfrm>
-              <a:off x="4499362" y="6065048"/>
+              <a:off x="5050055" y="6065095"/>
               <a:ext cx="63202" cy="63202"/>
             </a:xfrm>
             <a:custGeom>
@@ -17302,7 +17302,7 @@
           </p:nvSpPr>
           <p:spPr>
             <a:xfrm>
-              <a:off x="4941838" y="6097362"/>
+              <a:off x="4584550" y="6097365"/>
               <a:ext cx="63202" cy="63202"/>
             </a:xfrm>
             <a:custGeom>
@@ -17345,7 +17345,7 @@
           </p:nvSpPr>
           <p:spPr>
             <a:xfrm>
-              <a:off x="5020392" y="6050106"/>
+              <a:off x="4675207" y="6050094"/>
               <a:ext cx="63202" cy="63202"/>
             </a:xfrm>
             <a:custGeom>
@@ -17388,7 +17388,7 @@
           </p:nvSpPr>
           <p:spPr>
             <a:xfrm>
-              <a:off x="4550839" y="6082860"/>
+              <a:off x="4679320" y="6082884"/>
               <a:ext cx="63202" cy="63202"/>
             </a:xfrm>
             <a:custGeom>
@@ -17431,7 +17431,7 @@
           </p:nvSpPr>
           <p:spPr>
             <a:xfrm>
-              <a:off x="4984606" y="6050766"/>
+              <a:off x="4653224" y="6050786"/>
               <a:ext cx="63202" cy="63202"/>
             </a:xfrm>
             <a:custGeom>
@@ -17474,7 +17474,7 @@
           </p:nvSpPr>
           <p:spPr>
             <a:xfrm>
-              <a:off x="4942166" y="6082975"/>
+              <a:off x="4996324" y="6082986"/>
               <a:ext cx="63202" cy="63202"/>
             </a:xfrm>
             <a:custGeom>
@@ -17517,7 +17517,7 @@
           </p:nvSpPr>
           <p:spPr>
             <a:xfrm>
-              <a:off x="4873048" y="6060356"/>
+              <a:off x="4948346" y="6060394"/>
               <a:ext cx="63202" cy="63202"/>
             </a:xfrm>
             <a:custGeom>
@@ -17560,7 +17560,7 @@
           </p:nvSpPr>
           <p:spPr>
             <a:xfrm>
-              <a:off x="4578848" y="6153260"/>
+              <a:off x="5081573" y="6153254"/>
               <a:ext cx="63202" cy="63202"/>
             </a:xfrm>
             <a:custGeom>
@@ -17603,7 +17603,7 @@
           </p:nvSpPr>
           <p:spPr>
             <a:xfrm>
-              <a:off x="4878764" y="6053415"/>
+              <a:off x="4671028" y="6053432"/>
               <a:ext cx="63202" cy="63202"/>
             </a:xfrm>
             <a:custGeom>
@@ -17646,7 +17646,7 @@
           </p:nvSpPr>
           <p:spPr>
             <a:xfrm>
-              <a:off x="5131069" y="6058493"/>
+              <a:off x="4519614" y="6058500"/>
               <a:ext cx="63202" cy="63202"/>
             </a:xfrm>
             <a:custGeom>
@@ -17689,7 +17689,7 @@
           </p:nvSpPr>
           <p:spPr>
             <a:xfrm>
-              <a:off x="4751527" y="6048100"/>
+              <a:off x="5107223" y="6048110"/>
               <a:ext cx="63202" cy="63202"/>
             </a:xfrm>
             <a:custGeom>
@@ -17732,7 +17732,7 @@
           </p:nvSpPr>
           <p:spPr>
             <a:xfrm>
-              <a:off x="5123347" y="6530632"/>
+              <a:off x="4523180" y="6530646"/>
               <a:ext cx="63202" cy="63202"/>
             </a:xfrm>
             <a:custGeom>
@@ -17775,7 +17775,7 @@
           </p:nvSpPr>
           <p:spPr>
             <a:xfrm>
-              <a:off x="4657252" y="6056484"/>
+              <a:off x="5089431" y="6056503"/>
               <a:ext cx="63202" cy="63202"/>
             </a:xfrm>
             <a:custGeom>
@@ -17818,7 +17818,7 @@
           </p:nvSpPr>
           <p:spPr>
             <a:xfrm>
-              <a:off x="4632273" y="6056474"/>
+              <a:off x="4964965" y="6056483"/>
               <a:ext cx="63202" cy="63202"/>
             </a:xfrm>
             <a:custGeom>
@@ -17861,7 +17861,7 @@
           </p:nvSpPr>
           <p:spPr>
             <a:xfrm>
-              <a:off x="4680951" y="6070833"/>
+              <a:off x="5161472" y="6070855"/>
               <a:ext cx="63202" cy="63202"/>
             </a:xfrm>
             <a:custGeom>
@@ -17904,7 +17904,7 @@
           </p:nvSpPr>
           <p:spPr>
             <a:xfrm>
-              <a:off x="4609115" y="6066285"/>
+              <a:off x="4528817" y="6066301"/>
               <a:ext cx="63202" cy="63202"/>
             </a:xfrm>
             <a:custGeom>
@@ -17947,7 +17947,7 @@
           </p:nvSpPr>
           <p:spPr>
             <a:xfrm>
-              <a:off x="4752568" y="6070557"/>
+              <a:off x="4812641" y="6070559"/>
               <a:ext cx="63202" cy="63202"/>
             </a:xfrm>
             <a:custGeom>
@@ -17990,7 +17990,7 @@
           </p:nvSpPr>
           <p:spPr>
             <a:xfrm>
-              <a:off x="4797159" y="6184554"/>
+              <a:off x="4710493" y="6184577"/>
               <a:ext cx="63202" cy="63202"/>
             </a:xfrm>
             <a:custGeom>
@@ -18033,7 +18033,7 @@
           </p:nvSpPr>
           <p:spPr>
             <a:xfrm>
-              <a:off x="4722460" y="6109876"/>
+              <a:off x="4885652" y="6109863"/>
               <a:ext cx="63202" cy="63202"/>
             </a:xfrm>
             <a:custGeom>
@@ -18076,7 +18076,7 @@
           </p:nvSpPr>
           <p:spPr>
             <a:xfrm>
-              <a:off x="4700839" y="6058376"/>
+              <a:off x="4617373" y="6058401"/>
               <a:ext cx="63202" cy="63202"/>
             </a:xfrm>
             <a:custGeom>
@@ -18119,7 +18119,7 @@
           </p:nvSpPr>
           <p:spPr>
             <a:xfrm>
-              <a:off x="4479211" y="6223176"/>
+              <a:off x="4697700" y="6223160"/>
               <a:ext cx="63202" cy="63202"/>
             </a:xfrm>
             <a:custGeom>
@@ -18162,7 +18162,7 @@
           </p:nvSpPr>
           <p:spPr>
             <a:xfrm>
-              <a:off x="5053277" y="6081508"/>
+              <a:off x="4607972" y="6081527"/>
               <a:ext cx="63202" cy="63202"/>
             </a:xfrm>
             <a:custGeom>
@@ -18205,7 +18205,7 @@
           </p:nvSpPr>
           <p:spPr>
             <a:xfrm>
-              <a:off x="5096194" y="6093383"/>
+              <a:off x="4691344" y="6093400"/>
               <a:ext cx="63202" cy="63202"/>
             </a:xfrm>
             <a:custGeom>
@@ -18248,7 +18248,7 @@
           </p:nvSpPr>
           <p:spPr>
             <a:xfrm>
-              <a:off x="4527380" y="6053393"/>
+              <a:off x="4981222" y="6053397"/>
               <a:ext cx="63202" cy="63202"/>
             </a:xfrm>
             <a:custGeom>
@@ -18291,7 +18291,7 @@
           </p:nvSpPr>
           <p:spPr>
             <a:xfrm>
-              <a:off x="5024453" y="6071334"/>
+              <a:off x="4946934" y="6071335"/>
               <a:ext cx="63202" cy="63202"/>
             </a:xfrm>
             <a:custGeom>
@@ -18334,7 +18334,7 @@
           </p:nvSpPr>
           <p:spPr>
             <a:xfrm>
-              <a:off x="4505585" y="6068738"/>
+              <a:off x="4997826" y="6068782"/>
               <a:ext cx="63202" cy="63202"/>
             </a:xfrm>
             <a:custGeom>
@@ -18377,7 +18377,7 @@
           </p:nvSpPr>
           <p:spPr>
             <a:xfrm>
-              <a:off x="4735946" y="6049902"/>
+              <a:off x="4471602" y="6049895"/>
               <a:ext cx="63202" cy="63202"/>
             </a:xfrm>
             <a:custGeom>
@@ -18420,7 +18420,7 @@
           </p:nvSpPr>
           <p:spPr>
             <a:xfrm>
-              <a:off x="4965699" y="6172941"/>
+              <a:off x="4908569" y="6172961"/>
               <a:ext cx="63202" cy="63202"/>
             </a:xfrm>
             <a:custGeom>
@@ -18463,7 +18463,7 @@
           </p:nvSpPr>
           <p:spPr>
             <a:xfrm>
-              <a:off x="4611982" y="6052903"/>
+              <a:off x="4708560" y="6052926"/>
               <a:ext cx="63202" cy="63202"/>
             </a:xfrm>
             <a:custGeom>
@@ -18506,7 +18506,7 @@
           </p:nvSpPr>
           <p:spPr>
             <a:xfrm>
-              <a:off x="4985751" y="6064292"/>
+              <a:off x="4902279" y="6064298"/>
               <a:ext cx="63202" cy="63202"/>
             </a:xfrm>
             <a:custGeom>
@@ -18549,7 +18549,7 @@
           </p:nvSpPr>
           <p:spPr>
             <a:xfrm>
-              <a:off x="4630177" y="6097341"/>
+              <a:off x="4872304" y="6097372"/>
               <a:ext cx="63202" cy="63202"/>
             </a:xfrm>
             <a:custGeom>
@@ -18592,7 +18592,7 @@
           </p:nvSpPr>
           <p:spPr>
             <a:xfrm>
-              <a:off x="4725546" y="6067288"/>
+              <a:off x="4841545" y="6067294"/>
               <a:ext cx="63202" cy="63202"/>
             </a:xfrm>
             <a:custGeom>
@@ -18635,7 +18635,7 @@
           </p:nvSpPr>
           <p:spPr>
             <a:xfrm>
-              <a:off x="4474611" y="6065873"/>
+              <a:off x="5022483" y="6065893"/>
               <a:ext cx="63202" cy="63202"/>
             </a:xfrm>
             <a:custGeom>
@@ -18678,7 +18678,7 @@
           </p:nvSpPr>
           <p:spPr>
             <a:xfrm>
-              <a:off x="4710303" y="6067668"/>
+              <a:off x="4862313" y="6067687"/>
               <a:ext cx="63202" cy="63202"/>
             </a:xfrm>
             <a:custGeom>
@@ -18721,7 +18721,7 @@
           </p:nvSpPr>
           <p:spPr>
             <a:xfrm>
-              <a:off x="4970404" y="6069871"/>
+              <a:off x="4873983" y="6069880"/>
               <a:ext cx="63202" cy="63202"/>
             </a:xfrm>
             <a:custGeom>
@@ -18764,7 +18764,7 @@
           </p:nvSpPr>
           <p:spPr>
             <a:xfrm>
-              <a:off x="4693506" y="6075889"/>
+              <a:off x="4506104" y="6075902"/>
               <a:ext cx="63202" cy="63202"/>
             </a:xfrm>
             <a:custGeom>
@@ -18807,7 +18807,7 @@
           </p:nvSpPr>
           <p:spPr>
             <a:xfrm>
-              <a:off x="4737479" y="6068639"/>
+              <a:off x="4636435" y="6068664"/>
               <a:ext cx="63202" cy="63202"/>
             </a:xfrm>
             <a:custGeom>
@@ -18850,7 +18850,7 @@
           </p:nvSpPr>
           <p:spPr>
             <a:xfrm>
-              <a:off x="4912759" y="6530046"/>
+              <a:off x="4955323" y="6530044"/>
               <a:ext cx="63202" cy="63202"/>
             </a:xfrm>
             <a:custGeom>
@@ -18893,7 +18893,7 @@
           </p:nvSpPr>
           <p:spPr>
             <a:xfrm>
-              <a:off x="4708890" y="6075038"/>
+              <a:off x="5026425" y="6075051"/>
               <a:ext cx="63202" cy="63202"/>
             </a:xfrm>
             <a:custGeom>
@@ -18936,7 +18936,7 @@
           </p:nvSpPr>
           <p:spPr>
             <a:xfrm>
-              <a:off x="5838577" y="6724318"/>
+              <a:off x="5990085" y="6724369"/>
               <a:ext cx="63202" cy="63202"/>
             </a:xfrm>
             <a:custGeom>
@@ -18979,7 +18979,7 @@
           </p:nvSpPr>
           <p:spPr>
             <a:xfrm>
-              <a:off x="4988561" y="6094995"/>
+              <a:off x="4815915" y="6095000"/>
               <a:ext cx="63202" cy="63202"/>
             </a:xfrm>
             <a:custGeom>
@@ -19022,7 +19022,7 @@
           </p:nvSpPr>
           <p:spPr>
             <a:xfrm>
-              <a:off x="4816868" y="6072234"/>
+              <a:off x="4837627" y="6072272"/>
               <a:ext cx="63202" cy="63202"/>
             </a:xfrm>
             <a:custGeom>
@@ -19065,7 +19065,7 @@
           </p:nvSpPr>
           <p:spPr>
             <a:xfrm>
-              <a:off x="4798574" y="6065135"/>
+              <a:off x="4965372" y="6065128"/>
               <a:ext cx="63202" cy="63202"/>
             </a:xfrm>
             <a:custGeom>
@@ -19108,7 +19108,7 @@
           </p:nvSpPr>
           <p:spPr>
             <a:xfrm>
-              <a:off x="5092625" y="6066185"/>
+              <a:off x="4827270" y="6066201"/>
               <a:ext cx="63202" cy="63202"/>
             </a:xfrm>
             <a:custGeom>
@@ -19151,7 +19151,7 @@
           </p:nvSpPr>
           <p:spPr>
             <a:xfrm>
-              <a:off x="5124985" y="6076236"/>
+              <a:off x="4671668" y="6076225"/>
               <a:ext cx="63202" cy="63202"/>
             </a:xfrm>
             <a:custGeom>
@@ -19194,7 +19194,7 @@
           </p:nvSpPr>
           <p:spPr>
             <a:xfrm>
-              <a:off x="4726431" y="6080624"/>
+              <a:off x="4775159" y="6080624"/>
               <a:ext cx="63202" cy="63202"/>
             </a:xfrm>
             <a:custGeom>
@@ -19237,7 +19237,7 @@
           </p:nvSpPr>
           <p:spPr>
             <a:xfrm>
-              <a:off x="4606698" y="6070647"/>
+              <a:off x="4736499" y="6070668"/>
               <a:ext cx="63202" cy="63202"/>
             </a:xfrm>
             <a:custGeom>
@@ -19280,7 +19280,7 @@
           </p:nvSpPr>
           <p:spPr>
             <a:xfrm>
-              <a:off x="4877241" y="6072813"/>
+              <a:off x="5028893" y="6072851"/>
               <a:ext cx="63202" cy="63202"/>
             </a:xfrm>
             <a:custGeom>
@@ -19323,7 +19323,7 @@
           </p:nvSpPr>
           <p:spPr>
             <a:xfrm>
-              <a:off x="4667341" y="6068865"/>
+              <a:off x="4885472" y="6068867"/>
               <a:ext cx="63202" cy="63202"/>
             </a:xfrm>
             <a:custGeom>
@@ -19366,7 +19366,7 @@
           </p:nvSpPr>
           <p:spPr>
             <a:xfrm>
-              <a:off x="4613484" y="6053354"/>
+              <a:off x="5120646" y="6053346"/>
               <a:ext cx="63202" cy="63202"/>
             </a:xfrm>
             <a:custGeom>
@@ -19409,7 +19409,7 @@
           </p:nvSpPr>
           <p:spPr>
             <a:xfrm>
-              <a:off x="4678205" y="6061145"/>
+              <a:off x="4822803" y="6061158"/>
               <a:ext cx="63202" cy="63202"/>
             </a:xfrm>
             <a:custGeom>
@@ -19452,7 +19452,7 @@
           </p:nvSpPr>
           <p:spPr>
             <a:xfrm>
-              <a:off x="4533841" y="6059647"/>
+              <a:off x="4862613" y="6059658"/>
               <a:ext cx="63202" cy="63202"/>
             </a:xfrm>
             <a:custGeom>
@@ -19495,7 +19495,7 @@
           </p:nvSpPr>
           <p:spPr>
             <a:xfrm>
-              <a:off x="4600956" y="6099891"/>
+              <a:off x="4796106" y="6099873"/>
               <a:ext cx="63202" cy="63202"/>
             </a:xfrm>
             <a:custGeom>
@@ -19538,7 +19538,7 @@
           </p:nvSpPr>
           <p:spPr>
             <a:xfrm>
-              <a:off x="4927599" y="6065116"/>
+              <a:off x="4937722" y="6065134"/>
               <a:ext cx="63202" cy="63202"/>
             </a:xfrm>
             <a:custGeom>
@@ -19581,7 +19581,7 @@
           </p:nvSpPr>
           <p:spPr>
             <a:xfrm>
-              <a:off x="4667523" y="6185719"/>
+              <a:off x="4764100" y="6185738"/>
               <a:ext cx="63202" cy="63202"/>
             </a:xfrm>
             <a:custGeom>
@@ -19624,7 +19624,7 @@
           </p:nvSpPr>
           <p:spPr>
             <a:xfrm>
-              <a:off x="4965926" y="6079319"/>
+              <a:off x="4854984" y="6079347"/>
               <a:ext cx="63202" cy="63202"/>
             </a:xfrm>
             <a:custGeom>
@@ -19667,7 +19667,7 @@
           </p:nvSpPr>
           <p:spPr>
             <a:xfrm>
-              <a:off x="4581349" y="6071020"/>
+              <a:off x="4490216" y="6071045"/>
               <a:ext cx="63202" cy="63202"/>
             </a:xfrm>
             <a:custGeom>
@@ -19710,7 +19710,7 @@
           </p:nvSpPr>
           <p:spPr>
             <a:xfrm>
-              <a:off x="5137865" y="6103549"/>
+              <a:off x="4662434" y="6103586"/>
               <a:ext cx="63202" cy="63202"/>
             </a:xfrm>
             <a:custGeom>
@@ -19753,7 +19753,7 @@
           </p:nvSpPr>
           <p:spPr>
             <a:xfrm>
-              <a:off x="4741297" y="6059158"/>
+              <a:off x="4622839" y="6059175"/>
               <a:ext cx="63202" cy="63202"/>
             </a:xfrm>
             <a:custGeom>
@@ -19796,7 +19796,7 @@
           </p:nvSpPr>
           <p:spPr>
             <a:xfrm>
-              <a:off x="4799858" y="6057745"/>
+              <a:off x="5099309" y="6057762"/>
               <a:ext cx="63202" cy="63202"/>
             </a:xfrm>
             <a:custGeom>
@@ -19839,7 +19839,7 @@
           </p:nvSpPr>
           <p:spPr>
             <a:xfrm>
-              <a:off x="5353811" y="6587875"/>
+              <a:off x="5794470" y="6587899"/>
               <a:ext cx="63202" cy="63202"/>
             </a:xfrm>
             <a:custGeom>
@@ -19882,7 +19882,7 @@
           </p:nvSpPr>
           <p:spPr>
             <a:xfrm>
-              <a:off x="4961480" y="6123742"/>
+              <a:off x="4907395" y="6123729"/>
               <a:ext cx="63202" cy="63202"/>
             </a:xfrm>
             <a:custGeom>
@@ -19925,7 +19925,7 @@
           </p:nvSpPr>
           <p:spPr>
             <a:xfrm>
-              <a:off x="5077325" y="6076477"/>
+              <a:off x="5020607" y="6076461"/>
               <a:ext cx="63202" cy="63202"/>
             </a:xfrm>
             <a:custGeom>
@@ -19968,7 +19968,7 @@
           </p:nvSpPr>
           <p:spPr>
             <a:xfrm>
-              <a:off x="4911460" y="6144676"/>
+              <a:off x="5043155" y="6144682"/>
               <a:ext cx="63202" cy="63202"/>
             </a:xfrm>
             <a:custGeom>
@@ -20011,7 +20011,7 @@
           </p:nvSpPr>
           <p:spPr>
             <a:xfrm>
-              <a:off x="4752836" y="6050029"/>
+              <a:off x="4633241" y="6050062"/>
               <a:ext cx="63202" cy="63202"/>
             </a:xfrm>
             <a:custGeom>
@@ -20054,7 +20054,7 @@
           </p:nvSpPr>
           <p:spPr>
             <a:xfrm>
-              <a:off x="4910380" y="6051936"/>
+              <a:off x="5164433" y="6051933"/>
               <a:ext cx="63202" cy="63202"/>
             </a:xfrm>
             <a:custGeom>
@@ -20097,7 +20097,7 @@
           </p:nvSpPr>
           <p:spPr>
             <a:xfrm>
-              <a:off x="4563324" y="6051234"/>
+              <a:off x="5078267" y="6051256"/>
               <a:ext cx="63202" cy="63202"/>
             </a:xfrm>
             <a:custGeom>
@@ -20140,7 +20140,7 @@
           </p:nvSpPr>
           <p:spPr>
             <a:xfrm>
-              <a:off x="4629080" y="6053901"/>
+              <a:off x="4541465" y="6053945"/>
               <a:ext cx="63202" cy="63202"/>
             </a:xfrm>
             <a:custGeom>
@@ -20183,7 +20183,7 @@
           </p:nvSpPr>
           <p:spPr>
             <a:xfrm>
-              <a:off x="4600420" y="6063358"/>
+              <a:off x="4806490" y="6063391"/>
               <a:ext cx="63202" cy="63202"/>
             </a:xfrm>
             <a:custGeom>
@@ -20226,7 +20226,7 @@
           </p:nvSpPr>
           <p:spPr>
             <a:xfrm>
-              <a:off x="4972422" y="6096442"/>
+              <a:off x="5135782" y="6096451"/>
               <a:ext cx="63202" cy="63202"/>
             </a:xfrm>
             <a:custGeom>
@@ -20269,7 +20269,7 @@
           </p:nvSpPr>
           <p:spPr>
             <a:xfrm>
-              <a:off x="4772588" y="6045914"/>
+              <a:off x="4536551" y="6045931"/>
               <a:ext cx="63202" cy="63202"/>
             </a:xfrm>
             <a:custGeom>
@@ -20312,7 +20312,7 @@
           </p:nvSpPr>
           <p:spPr>
             <a:xfrm>
-              <a:off x="4977640" y="6074745"/>
+              <a:off x="5068866" y="6074759"/>
               <a:ext cx="63202" cy="63202"/>
             </a:xfrm>
             <a:custGeom>
@@ -20355,7 +20355,7 @@
           </p:nvSpPr>
           <p:spPr>
             <a:xfrm>
-              <a:off x="5159202" y="6044493"/>
+              <a:off x="4692404" y="6044519"/>
               <a:ext cx="63202" cy="63202"/>
             </a:xfrm>
             <a:custGeom>
@@ -20398,7 +20398,7 @@
           </p:nvSpPr>
           <p:spPr>
             <a:xfrm>
-              <a:off x="4856144" y="6054347"/>
+              <a:off x="4694970" y="6054378"/>
               <a:ext cx="63202" cy="63202"/>
             </a:xfrm>
             <a:custGeom>
@@ -20441,7 +20441,7 @@
           </p:nvSpPr>
           <p:spPr>
             <a:xfrm>
-              <a:off x="5111692" y="6074953"/>
+              <a:off x="4922182" y="6074962"/>
               <a:ext cx="63202" cy="63202"/>
             </a:xfrm>
             <a:custGeom>
@@ -20484,7 +20484,7 @@
           </p:nvSpPr>
           <p:spPr>
             <a:xfrm>
-              <a:off x="4710965" y="6063146"/>
+              <a:off x="4920092" y="6063135"/>
               <a:ext cx="63202" cy="63202"/>
             </a:xfrm>
             <a:custGeom>
@@ -20527,7 +20527,7 @@
           </p:nvSpPr>
           <p:spPr>
             <a:xfrm>
-              <a:off x="4705117" y="6473499"/>
+              <a:off x="4962896" y="6473529"/>
               <a:ext cx="63202" cy="63202"/>
             </a:xfrm>
             <a:custGeom>
@@ -20570,7 +20570,7 @@
           </p:nvSpPr>
           <p:spPr>
             <a:xfrm>
-              <a:off x="4547250" y="6205335"/>
+              <a:off x="4628782" y="6205341"/>
               <a:ext cx="63202" cy="63202"/>
             </a:xfrm>
             <a:custGeom>
@@ -20613,7 +20613,7 @@
           </p:nvSpPr>
           <p:spPr>
             <a:xfrm>
-              <a:off x="4872976" y="6058377"/>
+              <a:off x="4593483" y="6058376"/>
               <a:ext cx="63202" cy="63202"/>
             </a:xfrm>
             <a:custGeom>
@@ -20656,7 +20656,7 @@
           </p:nvSpPr>
           <p:spPr>
             <a:xfrm>
-              <a:off x="4660785" y="6055987"/>
+              <a:off x="5057851" y="6056032"/>
               <a:ext cx="63202" cy="63202"/>
             </a:xfrm>
             <a:custGeom>
@@ -20699,7 +20699,7 @@
           </p:nvSpPr>
           <p:spPr>
             <a:xfrm>
-              <a:off x="4633184" y="6089458"/>
+              <a:off x="4746579" y="6089466"/>
               <a:ext cx="63202" cy="63202"/>
             </a:xfrm>
             <a:custGeom>
@@ -20742,7 +20742,7 @@
           </p:nvSpPr>
           <p:spPr>
             <a:xfrm>
-              <a:off x="4916328" y="6076258"/>
+              <a:off x="5152845" y="6076269"/>
               <a:ext cx="63202" cy="63202"/>
             </a:xfrm>
             <a:custGeom>
@@ -20785,7 +20785,7 @@
           </p:nvSpPr>
           <p:spPr>
             <a:xfrm>
-              <a:off x="4801975" y="6065416"/>
+              <a:off x="4523670" y="6065415"/>
               <a:ext cx="63202" cy="63202"/>
             </a:xfrm>
             <a:custGeom>
@@ -20828,7 +20828,7 @@
           </p:nvSpPr>
           <p:spPr>
             <a:xfrm>
-              <a:off x="4845307" y="6366744"/>
+              <a:off x="5115780" y="6366767"/>
               <a:ext cx="63202" cy="63202"/>
             </a:xfrm>
             <a:custGeom>
@@ -20871,7 +20871,7 @@
           </p:nvSpPr>
           <p:spPr>
             <a:xfrm>
-              <a:off x="4961603" y="6059529"/>
+              <a:off x="4859198" y="6059561"/>
               <a:ext cx="63202" cy="63202"/>
             </a:xfrm>
             <a:custGeom>
@@ -20914,7 +20914,7 @@
           </p:nvSpPr>
           <p:spPr>
             <a:xfrm>
-              <a:off x="4756826" y="6085463"/>
+              <a:off x="5144242" y="6085476"/>
               <a:ext cx="63202" cy="63202"/>
             </a:xfrm>
             <a:custGeom>
@@ -20957,7 +20957,7 @@
           </p:nvSpPr>
           <p:spPr>
             <a:xfrm>
-              <a:off x="4534718" y="6536759"/>
+              <a:off x="4957161" y="6536790"/>
               <a:ext cx="63202" cy="63202"/>
             </a:xfrm>
             <a:custGeom>
@@ -21000,7 +21000,7 @@
           </p:nvSpPr>
           <p:spPr>
             <a:xfrm>
-              <a:off x="4723429" y="6226203"/>
+              <a:off x="4685359" y="6226210"/>
               <a:ext cx="63202" cy="63202"/>
             </a:xfrm>
             <a:custGeom>
@@ -21043,7 +21043,7 @@
           </p:nvSpPr>
           <p:spPr>
             <a:xfrm>
-              <a:off x="4478556" y="6387295"/>
+              <a:off x="4782626" y="6387331"/>
               <a:ext cx="63202" cy="63202"/>
             </a:xfrm>
             <a:custGeom>
@@ -21086,7 +21086,7 @@
           </p:nvSpPr>
           <p:spPr>
             <a:xfrm>
-              <a:off x="4897125" y="6305917"/>
+              <a:off x="4537778" y="6305925"/>
               <a:ext cx="63202" cy="63202"/>
             </a:xfrm>
             <a:custGeom>
@@ -21129,7 +21129,7 @@
           </p:nvSpPr>
           <p:spPr>
             <a:xfrm>
-              <a:off x="4503422" y="6053270"/>
+              <a:off x="4682893" y="6053316"/>
               <a:ext cx="63202" cy="63202"/>
             </a:xfrm>
             <a:custGeom>
@@ -21172,7 +21172,7 @@
           </p:nvSpPr>
           <p:spPr>
             <a:xfrm>
-              <a:off x="5021525" y="6099714"/>
+              <a:off x="4767249" y="6099753"/>
               <a:ext cx="63202" cy="63202"/>
             </a:xfrm>
             <a:custGeom>
@@ -21215,7 +21215,7 @@
           </p:nvSpPr>
           <p:spPr>
             <a:xfrm>
-              <a:off x="5080703" y="6467248"/>
+              <a:off x="4559741" y="6467267"/>
               <a:ext cx="63202" cy="63202"/>
             </a:xfrm>
             <a:custGeom>
@@ -21258,7 +21258,7 @@
           </p:nvSpPr>
           <p:spPr>
             <a:xfrm>
-              <a:off x="5151489" y="6196404"/>
+              <a:off x="4967649" y="6196411"/>
               <a:ext cx="63202" cy="63202"/>
             </a:xfrm>
             <a:custGeom>
@@ -21301,7 +21301,7 @@
           </p:nvSpPr>
           <p:spPr>
             <a:xfrm>
-              <a:off x="4857326" y="6069106"/>
+              <a:off x="4553886" y="6069120"/>
               <a:ext cx="63202" cy="63202"/>
             </a:xfrm>
             <a:custGeom>
@@ -21344,7 +21344,7 @@
           </p:nvSpPr>
           <p:spPr>
             <a:xfrm>
-              <a:off x="4832282" y="6093881"/>
+              <a:off x="4506210" y="6093895"/>
               <a:ext cx="63202" cy="63202"/>
             </a:xfrm>
             <a:custGeom>
@@ -21387,7 +21387,7 @@
           </p:nvSpPr>
           <p:spPr>
             <a:xfrm>
-              <a:off x="5127252" y="6095043"/>
+              <a:off x="5089150" y="6095044"/>
               <a:ext cx="63202" cy="63202"/>
             </a:xfrm>
             <a:custGeom>
@@ -21430,7 +21430,7 @@
           </p:nvSpPr>
           <p:spPr>
             <a:xfrm>
-              <a:off x="4723829" y="6062299"/>
+              <a:off x="4615665" y="6062328"/>
               <a:ext cx="63202" cy="63202"/>
             </a:xfrm>
             <a:custGeom>
@@ -21473,7 +21473,7 @@
           </p:nvSpPr>
           <p:spPr>
             <a:xfrm>
-              <a:off x="4667530" y="6197360"/>
+              <a:off x="5089047" y="6197396"/>
               <a:ext cx="63202" cy="63202"/>
             </a:xfrm>
             <a:custGeom>
@@ -21516,7 +21516,7 @@
           </p:nvSpPr>
           <p:spPr>
             <a:xfrm>
-              <a:off x="4732542" y="6520902"/>
+              <a:off x="4697685" y="6520949"/>
               <a:ext cx="63202" cy="63202"/>
             </a:xfrm>
             <a:custGeom>
@@ -21559,7 +21559,7 @@
           </p:nvSpPr>
           <p:spPr>
             <a:xfrm>
-              <a:off x="4983914" y="6101513"/>
+              <a:off x="4605142" y="6101548"/>
               <a:ext cx="63202" cy="63202"/>
             </a:xfrm>
             <a:custGeom>
@@ -21602,7 +21602,7 @@
           </p:nvSpPr>
           <p:spPr>
             <a:xfrm>
-              <a:off x="4946092" y="6068906"/>
+              <a:off x="4557316" y="6068914"/>
               <a:ext cx="63202" cy="63202"/>
             </a:xfrm>
             <a:custGeom>
@@ -21645,7 +21645,7 @@
           </p:nvSpPr>
           <p:spPr>
             <a:xfrm>
-              <a:off x="4835282" y="6101058"/>
+              <a:off x="5028697" y="6101069"/>
               <a:ext cx="63202" cy="63202"/>
             </a:xfrm>
             <a:custGeom>
@@ -21688,7 +21688,7 @@
           </p:nvSpPr>
           <p:spPr>
             <a:xfrm>
-              <a:off x="4871288" y="6065922"/>
+              <a:off x="4901592" y="6065951"/>
               <a:ext cx="63202" cy="63202"/>
             </a:xfrm>
             <a:custGeom>
@@ -21731,7 +21731,7 @@
           </p:nvSpPr>
           <p:spPr>
             <a:xfrm>
-              <a:off x="4584126" y="6156662"/>
+              <a:off x="5043059" y="6156668"/>
               <a:ext cx="63202" cy="63202"/>
             </a:xfrm>
             <a:custGeom>
@@ -21774,7 +21774,7 @@
           </p:nvSpPr>
           <p:spPr>
             <a:xfrm>
-              <a:off x="4495351" y="6076273"/>
+              <a:off x="4934983" y="6076268"/>
               <a:ext cx="63202" cy="63202"/>
             </a:xfrm>
             <a:custGeom>
@@ -21817,7 +21817,7 @@
           </p:nvSpPr>
           <p:spPr>
             <a:xfrm>
-              <a:off x="4664433" y="6118978"/>
+              <a:off x="4921676" y="6118999"/>
               <a:ext cx="63202" cy="63202"/>
             </a:xfrm>
             <a:custGeom>
@@ -21860,7 +21860,7 @@
           </p:nvSpPr>
           <p:spPr>
             <a:xfrm>
-              <a:off x="5125959" y="6088769"/>
+              <a:off x="4678967" y="6088792"/>
               <a:ext cx="63202" cy="63202"/>
             </a:xfrm>
             <a:custGeom>
@@ -21903,7 +21903,7 @@
           </p:nvSpPr>
           <p:spPr>
             <a:xfrm>
-              <a:off x="4521237" y="6074559"/>
+              <a:off x="4476135" y="6074581"/>
               <a:ext cx="63202" cy="63202"/>
             </a:xfrm>
             <a:custGeom>
@@ -21946,7 +21946,7 @@
           </p:nvSpPr>
           <p:spPr>
             <a:xfrm>
-              <a:off x="5086247" y="6378311"/>
+              <a:off x="4629292" y="6378298"/>
               <a:ext cx="63202" cy="63202"/>
             </a:xfrm>
             <a:custGeom>
@@ -21989,7 +21989,7 @@
           </p:nvSpPr>
           <p:spPr>
             <a:xfrm>
-              <a:off x="4637226" y="6074167"/>
+              <a:off x="4724608" y="6074211"/>
               <a:ext cx="63202" cy="63202"/>
             </a:xfrm>
             <a:custGeom>
@@ -22032,7 +22032,7 @@
           </p:nvSpPr>
           <p:spPr>
             <a:xfrm>
-              <a:off x="5107571" y="6075946"/>
+              <a:off x="4882680" y="6075958"/>
               <a:ext cx="63202" cy="63202"/>
             </a:xfrm>
             <a:custGeom>
@@ -22075,7 +22075,7 @@
           </p:nvSpPr>
           <p:spPr>
             <a:xfrm>
-              <a:off x="4784779" y="6057463"/>
+              <a:off x="4618762" y="6057477"/>
               <a:ext cx="63202" cy="63202"/>
             </a:xfrm>
             <a:custGeom>
@@ -22118,7 +22118,7 @@
           </p:nvSpPr>
           <p:spPr>
             <a:xfrm>
-              <a:off x="4557207" y="6070011"/>
+              <a:off x="5082207" y="6070027"/>
               <a:ext cx="63202" cy="63202"/>
             </a:xfrm>
             <a:custGeom>
@@ -22161,7 +22161,7 @@
           </p:nvSpPr>
           <p:spPr>
             <a:xfrm>
-              <a:off x="4860028" y="6077194"/>
+              <a:off x="4770368" y="6077201"/>
               <a:ext cx="63202" cy="63202"/>
             </a:xfrm>
             <a:custGeom>
@@ -22204,7 +22204,7 @@
           </p:nvSpPr>
           <p:spPr>
             <a:xfrm>
-              <a:off x="5037470" y="6148795"/>
+              <a:off x="5013127" y="6148822"/>
               <a:ext cx="63202" cy="63202"/>
             </a:xfrm>
             <a:custGeom>
@@ -22247,7 +22247,7 @@
           </p:nvSpPr>
           <p:spPr>
             <a:xfrm>
-              <a:off x="4738208" y="6050996"/>
+              <a:off x="5016888" y="6051032"/>
               <a:ext cx="63202" cy="63202"/>
             </a:xfrm>
             <a:custGeom>
@@ -22290,7 +22290,7 @@
           </p:nvSpPr>
           <p:spPr>
             <a:xfrm>
-              <a:off x="4487670" y="6065748"/>
+              <a:off x="4782827" y="6065758"/>
               <a:ext cx="63202" cy="63202"/>
             </a:xfrm>
             <a:custGeom>
@@ -22333,7 +22333,7 @@
           </p:nvSpPr>
           <p:spPr>
             <a:xfrm>
-              <a:off x="4469750" y="6090319"/>
+              <a:off x="4643525" y="6090356"/>
               <a:ext cx="63202" cy="63202"/>
             </a:xfrm>
             <a:custGeom>
@@ -22376,7 +22376,7 @@
           </p:nvSpPr>
           <p:spPr>
             <a:xfrm>
-              <a:off x="4519673" y="6061617"/>
+              <a:off x="4540188" y="6061641"/>
               <a:ext cx="63202" cy="63202"/>
             </a:xfrm>
             <a:custGeom>
@@ -22419,7 +22419,7 @@
           </p:nvSpPr>
           <p:spPr>
             <a:xfrm>
-              <a:off x="4811417" y="6081802"/>
+              <a:off x="5068817" y="6081790"/>
               <a:ext cx="63202" cy="63202"/>
             </a:xfrm>
             <a:custGeom>
@@ -22462,7 +22462,7 @@
           </p:nvSpPr>
           <p:spPr>
             <a:xfrm>
-              <a:off x="4500833" y="6069873"/>
+              <a:off x="5046366" y="6069883"/>
               <a:ext cx="63202" cy="63202"/>
             </a:xfrm>
             <a:custGeom>
@@ -22505,7 +22505,7 @@
           </p:nvSpPr>
           <p:spPr>
             <a:xfrm>
-              <a:off x="4858474" y="6069964"/>
+              <a:off x="5079090" y="6069962"/>
               <a:ext cx="63202" cy="63202"/>
             </a:xfrm>
             <a:custGeom>
@@ -22548,7 +22548,7 @@
           </p:nvSpPr>
           <p:spPr>
             <a:xfrm>
-              <a:off x="4605801" y="6077786"/>
+              <a:off x="4622952" y="6077790"/>
               <a:ext cx="63202" cy="63202"/>
             </a:xfrm>
             <a:custGeom>
@@ -22591,7 +22591,7 @@
           </p:nvSpPr>
           <p:spPr>
             <a:xfrm>
-              <a:off x="4658104" y="6056628"/>
+              <a:off x="5021049" y="6056628"/>
               <a:ext cx="63202" cy="63202"/>
             </a:xfrm>
             <a:custGeom>
@@ -22634,7 +22634,7 @@
           </p:nvSpPr>
           <p:spPr>
             <a:xfrm>
-              <a:off x="4755030" y="6073345"/>
+              <a:off x="4475970" y="6073377"/>
               <a:ext cx="63202" cy="63202"/>
             </a:xfrm>
             <a:custGeom>
@@ -22677,7 +22677,7 @@
           </p:nvSpPr>
           <p:spPr>
             <a:xfrm>
-              <a:off x="4732517" y="6079092"/>
+              <a:off x="4800392" y="6079078"/>
               <a:ext cx="63202" cy="63202"/>
             </a:xfrm>
             <a:custGeom>
@@ -22720,7 +22720,7 @@
           </p:nvSpPr>
           <p:spPr>
             <a:xfrm>
-              <a:off x="4846033" y="6059415"/>
+              <a:off x="4811297" y="6059407"/>
               <a:ext cx="63202" cy="63202"/>
             </a:xfrm>
             <a:custGeom>
@@ -22763,7 +22763,7 @@
           </p:nvSpPr>
           <p:spPr>
             <a:xfrm>
-              <a:off x="4551044" y="6077634"/>
+              <a:off x="4868717" y="6077641"/>
               <a:ext cx="63202" cy="63202"/>
             </a:xfrm>
             <a:custGeom>
@@ -22806,7 +22806,7 @@
           </p:nvSpPr>
           <p:spPr>
             <a:xfrm>
-              <a:off x="4742386" y="6577359"/>
+              <a:off x="4933112" y="6577382"/>
               <a:ext cx="63202" cy="63202"/>
             </a:xfrm>
             <a:custGeom>
@@ -22849,7 +22849,7 @@
           </p:nvSpPr>
           <p:spPr>
             <a:xfrm>
-              <a:off x="4883214" y="6071385"/>
+              <a:off x="4673162" y="6071386"/>
               <a:ext cx="63202" cy="63202"/>
             </a:xfrm>
             <a:custGeom>
@@ -22892,7 +22892,7 @@
           </p:nvSpPr>
           <p:spPr>
             <a:xfrm>
-              <a:off x="4515214" y="6086309"/>
+              <a:off x="5042766" y="6086319"/>
               <a:ext cx="63202" cy="63202"/>
             </a:xfrm>
             <a:custGeom>
@@ -22935,7 +22935,7 @@
           </p:nvSpPr>
           <p:spPr>
             <a:xfrm>
-              <a:off x="4719047" y="6056833"/>
+              <a:off x="4910558" y="6056849"/>
               <a:ext cx="63202" cy="63202"/>
             </a:xfrm>
             <a:custGeom>
@@ -22978,7 +22978,7 @@
           </p:nvSpPr>
           <p:spPr>
             <a:xfrm>
-              <a:off x="5137789" y="6043610"/>
+              <a:off x="4641654" y="6043621"/>
               <a:ext cx="63202" cy="63202"/>
             </a:xfrm>
             <a:custGeom>
@@ -23021,7 +23021,7 @@
           </p:nvSpPr>
           <p:spPr>
             <a:xfrm>
-              <a:off x="4967770" y="6054505"/>
+              <a:off x="4531421" y="6054508"/>
               <a:ext cx="63202" cy="63202"/>
             </a:xfrm>
             <a:custGeom>
@@ -23064,7 +23064,7 @@
           </p:nvSpPr>
           <p:spPr>
             <a:xfrm>
-              <a:off x="4631552" y="6070418"/>
+              <a:off x="4664018" y="6070402"/>
               <a:ext cx="63202" cy="63202"/>
             </a:xfrm>
             <a:custGeom>
@@ -23107,7 +23107,7 @@
           </p:nvSpPr>
           <p:spPr>
             <a:xfrm>
-              <a:off x="5080296" y="6060445"/>
+              <a:off x="5089484" y="6060472"/>
               <a:ext cx="63202" cy="63202"/>
             </a:xfrm>
             <a:custGeom>
@@ -23150,7 +23150,7 @@
           </p:nvSpPr>
           <p:spPr>
             <a:xfrm>
-              <a:off x="4655710" y="6055792"/>
+              <a:off x="4979626" y="6055825"/>
               <a:ext cx="63202" cy="63202"/>
             </a:xfrm>
             <a:custGeom>
@@ -23193,7 +23193,7 @@
           </p:nvSpPr>
           <p:spPr>
             <a:xfrm>
-              <a:off x="4633272" y="6066242"/>
+              <a:off x="5020408" y="6066244"/>
               <a:ext cx="63202" cy="63202"/>
             </a:xfrm>
             <a:custGeom>
@@ -23236,7 +23236,7 @@
           </p:nvSpPr>
           <p:spPr>
             <a:xfrm>
-              <a:off x="5105714" y="6054705"/>
+              <a:off x="4822716" y="6054709"/>
               <a:ext cx="63202" cy="63202"/>
             </a:xfrm>
             <a:custGeom>
@@ -23279,7 +23279,7 @@
           </p:nvSpPr>
           <p:spPr>
             <a:xfrm>
-              <a:off x="5138338" y="6119996"/>
+              <a:off x="4873270" y="6120006"/>
               <a:ext cx="63202" cy="63202"/>
             </a:xfrm>
             <a:custGeom>
@@ -23322,7 +23322,7 @@
           </p:nvSpPr>
           <p:spPr>
             <a:xfrm>
-              <a:off x="5025811" y="6074344"/>
+              <a:off x="4647612" y="6074344"/>
               <a:ext cx="63202" cy="63202"/>
             </a:xfrm>
             <a:custGeom>
@@ -23365,7 +23365,7 @@
           </p:nvSpPr>
           <p:spPr>
             <a:xfrm>
-              <a:off x="4627753" y="6119416"/>
+              <a:off x="4876020" y="6119422"/>
               <a:ext cx="63202" cy="63202"/>
             </a:xfrm>
             <a:custGeom>
@@ -23408,7 +23408,7 @@
           </p:nvSpPr>
           <p:spPr>
             <a:xfrm>
-              <a:off x="4999082" y="6111769"/>
+              <a:off x="4680885" y="6111760"/>
               <a:ext cx="63202" cy="63202"/>
             </a:xfrm>
             <a:custGeom>
@@ -23451,7 +23451,7 @@
           </p:nvSpPr>
           <p:spPr>
             <a:xfrm>
-              <a:off x="5165019" y="6056111"/>
+              <a:off x="5073703" y="6056131"/>
               <a:ext cx="63202" cy="63202"/>
             </a:xfrm>
             <a:custGeom>
@@ -23494,7 +23494,7 @@
           </p:nvSpPr>
           <p:spPr>
             <a:xfrm>
-              <a:off x="5130176" y="6072063"/>
+              <a:off x="5140572" y="6072068"/>
               <a:ext cx="63202" cy="63202"/>
             </a:xfrm>
             <a:custGeom>
@@ -23537,7 +23537,7 @@
           </p:nvSpPr>
           <p:spPr>
             <a:xfrm>
-              <a:off x="5113478" y="6074152"/>
+              <a:off x="4976569" y="6074140"/>
               <a:ext cx="63202" cy="63202"/>
             </a:xfrm>
             <a:custGeom>
@@ -23580,7 +23580,7 @@
           </p:nvSpPr>
           <p:spPr>
             <a:xfrm>
-              <a:off x="4881592" y="6052996"/>
+              <a:off x="4972713" y="6053025"/>
               <a:ext cx="63202" cy="63202"/>
             </a:xfrm>
             <a:custGeom>
@@ -23623,7 +23623,7 @@
           </p:nvSpPr>
           <p:spPr>
             <a:xfrm>
-              <a:off x="4936407" y="6055613"/>
+              <a:off x="5058728" y="6055641"/>
               <a:ext cx="63202" cy="63202"/>
             </a:xfrm>
             <a:custGeom>
@@ -23666,7 +23666,7 @@
           </p:nvSpPr>
           <p:spPr>
             <a:xfrm>
-              <a:off x="5128402" y="6059317"/>
+              <a:off x="5147562" y="6059300"/>
               <a:ext cx="63202" cy="63202"/>
             </a:xfrm>
             <a:custGeom>
@@ -23709,7 +23709,7 @@
           </p:nvSpPr>
           <p:spPr>
             <a:xfrm>
-              <a:off x="4837573" y="6172989"/>
+              <a:off x="5101222" y="6173000"/>
               <a:ext cx="63202" cy="63202"/>
             </a:xfrm>
             <a:custGeom>
@@ -23752,7 +23752,7 @@
           </p:nvSpPr>
           <p:spPr>
             <a:xfrm>
-              <a:off x="4710237" y="6073700"/>
+              <a:off x="5059095" y="6073718"/>
               <a:ext cx="63202" cy="63202"/>
             </a:xfrm>
             <a:custGeom>
@@ -23795,7 +23795,7 @@
           </p:nvSpPr>
           <p:spPr>
             <a:xfrm>
-              <a:off x="5163060" y="6077151"/>
+              <a:off x="4990663" y="6077171"/>
               <a:ext cx="63202" cy="63202"/>
             </a:xfrm>
             <a:custGeom>
@@ -23838,7 +23838,7 @@
           </p:nvSpPr>
           <p:spPr>
             <a:xfrm>
-              <a:off x="5039129" y="6074226"/>
+              <a:off x="4691155" y="6074238"/>
               <a:ext cx="63202" cy="63202"/>
             </a:xfrm>
             <a:custGeom>
@@ -23881,7 +23881,7 @@
           </p:nvSpPr>
           <p:spPr>
             <a:xfrm>
-              <a:off x="4834923" y="6075063"/>
+              <a:off x="4564453" y="6075049"/>
               <a:ext cx="63202" cy="63202"/>
             </a:xfrm>
             <a:custGeom>
@@ -23924,7 +23924,7 @@
           </p:nvSpPr>
           <p:spPr>
             <a:xfrm>
-              <a:off x="5086279" y="6072184"/>
+              <a:off x="4615166" y="6072199"/>
               <a:ext cx="63202" cy="63202"/>
             </a:xfrm>
             <a:custGeom>
@@ -23967,7 +23967,7 @@
           </p:nvSpPr>
           <p:spPr>
             <a:xfrm>
-              <a:off x="4817292" y="6089846"/>
+              <a:off x="5075145" y="6089854"/>
               <a:ext cx="63202" cy="63202"/>
             </a:xfrm>
             <a:custGeom>
@@ -24010,7 +24010,7 @@
           </p:nvSpPr>
           <p:spPr>
             <a:xfrm>
-              <a:off x="4646701" y="6069320"/>
+              <a:off x="4930450" y="6069358"/>
               <a:ext cx="63202" cy="63202"/>
             </a:xfrm>
             <a:custGeom>
@@ -24053,7 +24053,7 @@
           </p:nvSpPr>
           <p:spPr>
             <a:xfrm>
-              <a:off x="4901311" y="6052065"/>
+              <a:off x="5015331" y="6052102"/>
               <a:ext cx="63202" cy="63202"/>
             </a:xfrm>
             <a:custGeom>
@@ -24096,7 +24096,7 @@
           </p:nvSpPr>
           <p:spPr>
             <a:xfrm>
-              <a:off x="4921079" y="6278727"/>
+              <a:off x="4719866" y="6278739"/>
               <a:ext cx="63202" cy="63202"/>
             </a:xfrm>
             <a:custGeom>
@@ -24139,7 +24139,7 @@
           </p:nvSpPr>
           <p:spPr>
             <a:xfrm>
-              <a:off x="5082361" y="6064523"/>
+              <a:off x="4667572" y="6064557"/>
               <a:ext cx="63202" cy="63202"/>
             </a:xfrm>
             <a:custGeom>
@@ -24182,7 +24182,7 @@
           </p:nvSpPr>
           <p:spPr>
             <a:xfrm>
-              <a:off x="5039383" y="6047776"/>
+              <a:off x="4879110" y="6047791"/>
               <a:ext cx="63202" cy="63202"/>
             </a:xfrm>
             <a:custGeom>
@@ -24225,7 +24225,7 @@
           </p:nvSpPr>
           <p:spPr>
             <a:xfrm>
-              <a:off x="4615001" y="6055660"/>
+              <a:off x="4704207" y="6055661"/>
               <a:ext cx="63202" cy="63202"/>
             </a:xfrm>
             <a:custGeom>
@@ -24268,7 +24268,7 @@
           </p:nvSpPr>
           <p:spPr>
             <a:xfrm>
-              <a:off x="4994463" y="6073757"/>
+              <a:off x="5029291" y="6073740"/>
               <a:ext cx="63202" cy="63202"/>
             </a:xfrm>
             <a:custGeom>
@@ -24311,7 +24311,7 @@
           </p:nvSpPr>
           <p:spPr>
             <a:xfrm>
-              <a:off x="5082592" y="6052321"/>
+              <a:off x="4923966" y="6052346"/>
               <a:ext cx="63202" cy="63202"/>
             </a:xfrm>
             <a:custGeom>
@@ -24354,7 +24354,7 @@
           </p:nvSpPr>
           <p:spPr>
             <a:xfrm>
-              <a:off x="5167541" y="6224216"/>
+              <a:off x="4910632" y="6224220"/>
               <a:ext cx="63202" cy="63202"/>
             </a:xfrm>
             <a:custGeom>
@@ -24397,7 +24397,7 @@
           </p:nvSpPr>
           <p:spPr>
             <a:xfrm>
-              <a:off x="4593889" y="6280754"/>
+              <a:off x="4544092" y="6280754"/>
               <a:ext cx="63202" cy="63202"/>
             </a:xfrm>
             <a:custGeom>
@@ -24440,7 +24440,7 @@
           </p:nvSpPr>
           <p:spPr>
             <a:xfrm>
-              <a:off x="4754484" y="6079137"/>
+              <a:off x="4536320" y="6079157"/>
               <a:ext cx="63202" cy="63202"/>
             </a:xfrm>
             <a:custGeom>
@@ -24483,7 +24483,7 @@
           </p:nvSpPr>
           <p:spPr>
             <a:xfrm>
-              <a:off x="4582812" y="6078591"/>
+              <a:off x="4496262" y="6078596"/>
               <a:ext cx="63202" cy="63202"/>
             </a:xfrm>
             <a:custGeom>
@@ -24526,7 +24526,7 @@
           </p:nvSpPr>
           <p:spPr>
             <a:xfrm>
-              <a:off x="4866098" y="6065457"/>
+              <a:off x="4718521" y="6065451"/>
               <a:ext cx="63202" cy="63202"/>
             </a:xfrm>
             <a:custGeom>
@@ -24569,7 +24569,7 @@
           </p:nvSpPr>
           <p:spPr>
             <a:xfrm>
-              <a:off x="5022410" y="6425859"/>
+              <a:off x="4907990" y="6425857"/>
               <a:ext cx="63202" cy="63202"/>
             </a:xfrm>
             <a:custGeom>
@@ -24612,7 +24612,7 @@
           </p:nvSpPr>
           <p:spPr>
             <a:xfrm>
-              <a:off x="5024293" y="6103498"/>
+              <a:off x="5070767" y="6103524"/>
               <a:ext cx="63202" cy="63202"/>
             </a:xfrm>
             <a:custGeom>
@@ -24655,7 +24655,7 @@
           </p:nvSpPr>
           <p:spPr>
             <a:xfrm>
-              <a:off x="4785839" y="6101428"/>
+              <a:off x="5100830" y="6101430"/>
               <a:ext cx="63202" cy="63202"/>
             </a:xfrm>
             <a:custGeom>
@@ -24698,7 +24698,7 @@
           </p:nvSpPr>
           <p:spPr>
             <a:xfrm>
-              <a:off x="5084861" y="6104144"/>
+              <a:off x="4830314" y="6104171"/>
               <a:ext cx="63202" cy="63202"/>
             </a:xfrm>
             <a:custGeom>
@@ -24741,7 +24741,7 @@
           </p:nvSpPr>
           <p:spPr>
             <a:xfrm>
-              <a:off x="4637374" y="6264572"/>
+              <a:off x="4608548" y="6264557"/>
               <a:ext cx="63202" cy="63202"/>
             </a:xfrm>
             <a:custGeom>
@@ -24784,7 +24784,7 @@
           </p:nvSpPr>
           <p:spPr>
             <a:xfrm>
-              <a:off x="4715638" y="6174939"/>
+              <a:off x="5165248" y="6174953"/>
               <a:ext cx="63202" cy="63202"/>
             </a:xfrm>
             <a:custGeom>
@@ -24827,7 +24827,7 @@
           </p:nvSpPr>
           <p:spPr>
             <a:xfrm>
-              <a:off x="5084752" y="6048972"/>
+              <a:off x="4608207" y="6048972"/>
               <a:ext cx="63202" cy="63202"/>
             </a:xfrm>
             <a:custGeom>
@@ -24870,7 +24870,7 @@
           </p:nvSpPr>
           <p:spPr>
             <a:xfrm>
-              <a:off x="4882453" y="6101530"/>
+              <a:off x="4523616" y="6101539"/>
               <a:ext cx="63202" cy="63202"/>
             </a:xfrm>
             <a:custGeom>
@@ -24913,7 +24913,7 @@
           </p:nvSpPr>
           <p:spPr>
             <a:xfrm>
-              <a:off x="5154909" y="6132203"/>
+              <a:off x="4621226" y="6132220"/>
               <a:ext cx="63202" cy="63202"/>
             </a:xfrm>
             <a:custGeom>
@@ -24956,7 +24956,7 @@
           </p:nvSpPr>
           <p:spPr>
             <a:xfrm>
-              <a:off x="4801324" y="6053143"/>
+              <a:off x="4919728" y="6053163"/>
               <a:ext cx="63202" cy="63202"/>
             </a:xfrm>
             <a:custGeom>
@@ -24999,7 +24999,7 @@
           </p:nvSpPr>
           <p:spPr>
             <a:xfrm>
-              <a:off x="4987326" y="6053403"/>
+              <a:off x="4912258" y="6053393"/>
               <a:ext cx="63202" cy="63202"/>
             </a:xfrm>
             <a:custGeom>
@@ -25042,7 +25042,7 @@
           </p:nvSpPr>
           <p:spPr>
             <a:xfrm>
-              <a:off x="4492083" y="6064241"/>
+              <a:off x="4981785" y="6064239"/>
               <a:ext cx="63202" cy="63202"/>
             </a:xfrm>
             <a:custGeom>
@@ -25085,7 +25085,7 @@
           </p:nvSpPr>
           <p:spPr>
             <a:xfrm>
-              <a:off x="5057925" y="6101058"/>
+              <a:off x="5012909" y="6101036"/>
               <a:ext cx="63202" cy="63202"/>
             </a:xfrm>
             <a:custGeom>
@@ -25128,7 +25128,7 @@
           </p:nvSpPr>
           <p:spPr>
             <a:xfrm>
-              <a:off x="4936466" y="6075991"/>
+              <a:off x="4568423" y="6075998"/>
               <a:ext cx="63202" cy="63202"/>
             </a:xfrm>
             <a:custGeom>
@@ -25171,7 +25171,7 @@
           </p:nvSpPr>
           <p:spPr>
             <a:xfrm>
-              <a:off x="4489641" y="6073226"/>
+              <a:off x="4657798" y="6073233"/>
               <a:ext cx="63202" cy="63202"/>
             </a:xfrm>
             <a:custGeom>
@@ -25214,7 +25214,7 @@
           </p:nvSpPr>
           <p:spPr>
             <a:xfrm>
-              <a:off x="4864021" y="6066989"/>
+              <a:off x="4966093" y="6067037"/>
               <a:ext cx="63202" cy="63202"/>
             </a:xfrm>
             <a:custGeom>
@@ -25257,7 +25257,7 @@
           </p:nvSpPr>
           <p:spPr>
             <a:xfrm>
-              <a:off x="5091262" y="6148063"/>
+              <a:off x="5154524" y="6148084"/>
               <a:ext cx="63202" cy="63202"/>
             </a:xfrm>
             <a:custGeom>
@@ -25300,7 +25300,7 @@
           </p:nvSpPr>
           <p:spPr>
             <a:xfrm>
-              <a:off x="4817954" y="6073018"/>
+              <a:off x="4698692" y="6073037"/>
               <a:ext cx="63202" cy="63202"/>
             </a:xfrm>
             <a:custGeom>
@@ -25343,7 +25343,7 @@
           </p:nvSpPr>
           <p:spPr>
             <a:xfrm>
-              <a:off x="4587935" y="6062044"/>
+              <a:off x="4638085" y="6062058"/>
               <a:ext cx="63202" cy="63202"/>
             </a:xfrm>
             <a:custGeom>
@@ -25386,7 +25386,7 @@
           </p:nvSpPr>
           <p:spPr>
             <a:xfrm>
-              <a:off x="5106125" y="6104103"/>
+              <a:off x="4758660" y="6104096"/>
               <a:ext cx="63202" cy="63202"/>
             </a:xfrm>
             <a:custGeom>
@@ -25429,7 +25429,7 @@
           </p:nvSpPr>
           <p:spPr>
             <a:xfrm>
-              <a:off x="4734465" y="6058095"/>
+              <a:off x="5117953" y="6058098"/>
               <a:ext cx="63202" cy="63202"/>
             </a:xfrm>
             <a:custGeom>
@@ -25472,7 +25472,7 @@
           </p:nvSpPr>
           <p:spPr>
             <a:xfrm>
-              <a:off x="4523164" y="6067046"/>
+              <a:off x="4985021" y="6067068"/>
               <a:ext cx="63202" cy="63202"/>
             </a:xfrm>
             <a:custGeom>
@@ -25515,7 +25515,7 @@
           </p:nvSpPr>
           <p:spPr>
             <a:xfrm>
-              <a:off x="4875564" y="6075100"/>
+              <a:off x="4766162" y="6075129"/>
               <a:ext cx="63202" cy="63202"/>
             </a:xfrm>
             <a:custGeom>
@@ -25558,7 +25558,7 @@
           </p:nvSpPr>
           <p:spPr>
             <a:xfrm>
-              <a:off x="5974243" y="6776030"/>
+              <a:off x="5396664" y="6776038"/>
               <a:ext cx="63202" cy="63202"/>
             </a:xfrm>
             <a:custGeom>
@@ -25601,7 +25601,7 @@
           </p:nvSpPr>
           <p:spPr>
             <a:xfrm>
-              <a:off x="4901964" y="6053419"/>
+              <a:off x="4668157" y="6053433"/>
               <a:ext cx="63202" cy="63202"/>
             </a:xfrm>
             <a:custGeom>
@@ -25644,7 +25644,7 @@
           </p:nvSpPr>
           <p:spPr>
             <a:xfrm>
-              <a:off x="5165002" y="6076090"/>
+              <a:off x="5087967" y="6076090"/>
               <a:ext cx="63202" cy="63202"/>
             </a:xfrm>
             <a:custGeom>
@@ -25687,7 +25687,7 @@
           </p:nvSpPr>
           <p:spPr>
             <a:xfrm>
-              <a:off x="4777929" y="6071467"/>
+              <a:off x="5150351" y="6071485"/>
               <a:ext cx="63202" cy="63202"/>
             </a:xfrm>
             <a:custGeom>
@@ -25730,7 +25730,7 @@
           </p:nvSpPr>
           <p:spPr>
             <a:xfrm>
-              <a:off x="4545758" y="6051948"/>
+              <a:off x="4889201" y="6051931"/>
               <a:ext cx="63202" cy="63202"/>
             </a:xfrm>
             <a:custGeom>
@@ -25773,7 +25773,7 @@
           </p:nvSpPr>
           <p:spPr>
             <a:xfrm>
-              <a:off x="4824175" y="6065262"/>
+              <a:off x="4589709" y="6065269"/>
               <a:ext cx="63202" cy="63202"/>
             </a:xfrm>
             <a:custGeom>
@@ -25816,7 +25816,7 @@
           </p:nvSpPr>
           <p:spPr>
             <a:xfrm>
-              <a:off x="4827649" y="6060904"/>
+              <a:off x="5108131" y="6060924"/>
               <a:ext cx="63202" cy="63202"/>
             </a:xfrm>
             <a:custGeom>
@@ -25859,7 +25859,7 @@
           </p:nvSpPr>
           <p:spPr>
             <a:xfrm>
-              <a:off x="4989602" y="6065615"/>
+              <a:off x="5053467" y="6065617"/>
               <a:ext cx="63202" cy="63202"/>
             </a:xfrm>
             <a:custGeom>
@@ -25902,7 +25902,7 @@
           </p:nvSpPr>
           <p:spPr>
             <a:xfrm>
-              <a:off x="4474621" y="6055660"/>
+              <a:off x="4900108" y="6055665"/>
               <a:ext cx="63202" cy="63202"/>
             </a:xfrm>
             <a:custGeom>
@@ -25945,7 +25945,7 @@
           </p:nvSpPr>
           <p:spPr>
             <a:xfrm>
-              <a:off x="4850716" y="6078781"/>
+              <a:off x="5085417" y="6078793"/>
               <a:ext cx="63202" cy="63202"/>
             </a:xfrm>
             <a:custGeom>
@@ -25988,7 +25988,7 @@
           </p:nvSpPr>
           <p:spPr>
             <a:xfrm>
-              <a:off x="5147889" y="6234728"/>
+              <a:off x="4721839" y="6234773"/>
               <a:ext cx="63202" cy="63202"/>
             </a:xfrm>
             <a:custGeom>
@@ -26031,7 +26031,7 @@
           </p:nvSpPr>
           <p:spPr>
             <a:xfrm>
-              <a:off x="4502176" y="6057875"/>
+              <a:off x="4861457" y="6057906"/>
               <a:ext cx="63202" cy="63202"/>
             </a:xfrm>
             <a:custGeom>
@@ -26074,7 +26074,7 @@
           </p:nvSpPr>
           <p:spPr>
             <a:xfrm>
-              <a:off x="5004661" y="5317751"/>
+              <a:off x="4820853" y="5317773"/>
               <a:ext cx="63202" cy="63202"/>
             </a:xfrm>
             <a:custGeom>
@@ -26117,7 +26117,7 @@
           </p:nvSpPr>
           <p:spPr>
             <a:xfrm>
-              <a:off x="4782219" y="5317369"/>
+              <a:off x="4577251" y="5317369"/>
               <a:ext cx="63202" cy="63202"/>
             </a:xfrm>
             <a:custGeom>
@@ -26160,7 +26160,7 @@
           </p:nvSpPr>
           <p:spPr>
             <a:xfrm>
-              <a:off x="4519068" y="6053192"/>
+              <a:off x="4815717" y="6053187"/>
               <a:ext cx="63202" cy="63202"/>
             </a:xfrm>
             <a:custGeom>
@@ -26203,7 +26203,7 @@
           </p:nvSpPr>
           <p:spPr>
             <a:xfrm>
-              <a:off x="4865637" y="6074777"/>
+              <a:off x="4788109" y="6074788"/>
               <a:ext cx="63202" cy="63202"/>
             </a:xfrm>
             <a:custGeom>
@@ -26246,7 +26246,7 @@
           </p:nvSpPr>
           <p:spPr>
             <a:xfrm>
-              <a:off x="4627247" y="6314435"/>
+              <a:off x="5008660" y="6314474"/>
               <a:ext cx="63202" cy="63202"/>
             </a:xfrm>
             <a:custGeom>
@@ -26289,7 +26289,7 @@
           </p:nvSpPr>
           <p:spPr>
             <a:xfrm>
-              <a:off x="4657926" y="6077321"/>
+              <a:off x="4773551" y="6077333"/>
               <a:ext cx="63202" cy="63202"/>
             </a:xfrm>
             <a:custGeom>
@@ -26332,7 +26332,7 @@
           </p:nvSpPr>
           <p:spPr>
             <a:xfrm>
-              <a:off x="4803590" y="6083055"/>
+              <a:off x="5015931" y="6083073"/>
               <a:ext cx="63202" cy="63202"/>
             </a:xfrm>
             <a:custGeom>
@@ -26375,7 +26375,7 @@
           </p:nvSpPr>
           <p:spPr>
             <a:xfrm>
-              <a:off x="4856501" y="6066366"/>
+              <a:off x="4772187" y="6066403"/>
               <a:ext cx="63202" cy="63202"/>
             </a:xfrm>
             <a:custGeom>
@@ -26418,7 +26418,7 @@
           </p:nvSpPr>
           <p:spPr>
             <a:xfrm>
-              <a:off x="5090394" y="6050531"/>
+              <a:off x="4555689" y="6050548"/>
               <a:ext cx="63202" cy="63202"/>
             </a:xfrm>
             <a:custGeom>
@@ -26461,7 +26461,7 @@
           </p:nvSpPr>
           <p:spPr>
             <a:xfrm>
-              <a:off x="4473473" y="6058038"/>
+              <a:off x="5031345" y="6058055"/>
               <a:ext cx="63202" cy="63202"/>
             </a:xfrm>
             <a:custGeom>
@@ -26504,7 +26504,7 @@
           </p:nvSpPr>
           <p:spPr>
             <a:xfrm>
-              <a:off x="4788117" y="6082361"/>
+              <a:off x="4971797" y="6082384"/>
               <a:ext cx="63202" cy="63202"/>
             </a:xfrm>
             <a:custGeom>
@@ -26547,7 +26547,7 @@
           </p:nvSpPr>
           <p:spPr>
             <a:xfrm>
-              <a:off x="4478821" y="6054355"/>
+              <a:off x="5023468" y="6054371"/>
               <a:ext cx="63202" cy="63202"/>
             </a:xfrm>
             <a:custGeom>
@@ -26590,7 +26590,7 @@
           </p:nvSpPr>
           <p:spPr>
             <a:xfrm>
-              <a:off x="4627515" y="6057956"/>
+              <a:off x="5013432" y="6057943"/>
               <a:ext cx="63202" cy="63202"/>
             </a:xfrm>
             <a:custGeom>
@@ -26633,7 +26633,7 @@
           </p:nvSpPr>
           <p:spPr>
             <a:xfrm>
-              <a:off x="4871090" y="6086804"/>
+              <a:off x="4953796" y="6086819"/>
               <a:ext cx="63202" cy="63202"/>
             </a:xfrm>
             <a:custGeom>
@@ -26676,7 +26676,7 @@
           </p:nvSpPr>
           <p:spPr>
             <a:xfrm>
-              <a:off x="4572329" y="6084491"/>
+              <a:off x="4829766" y="6084515"/>
               <a:ext cx="63202" cy="63202"/>
             </a:xfrm>
             <a:custGeom>
@@ -26719,7 +26719,7 @@
           </p:nvSpPr>
           <p:spPr>
             <a:xfrm>
-              <a:off x="4871559" y="6153513"/>
+              <a:off x="4732547" y="6153513"/>
               <a:ext cx="63202" cy="63202"/>
             </a:xfrm>
             <a:custGeom>
@@ -26762,7 +26762,7 @@
           </p:nvSpPr>
           <p:spPr>
             <a:xfrm>
-              <a:off x="4960810" y="6077628"/>
+              <a:off x="4586821" y="6077631"/>
               <a:ext cx="63202" cy="63202"/>
             </a:xfrm>
             <a:custGeom>
@@ -26805,7 +26805,7 @@
           </p:nvSpPr>
           <p:spPr>
             <a:xfrm>
-              <a:off x="6761048" y="6808396"/>
+              <a:off x="6224537" y="6808399"/>
               <a:ext cx="63202" cy="63202"/>
             </a:xfrm>
             <a:custGeom>
@@ -26848,7 +26848,7 @@
           </p:nvSpPr>
           <p:spPr>
             <a:xfrm>
-              <a:off x="4478391" y="6060063"/>
+              <a:off x="4756889" y="6060102"/>
               <a:ext cx="63202" cy="63202"/>
             </a:xfrm>
             <a:custGeom>
@@ -26891,7 +26891,7 @@
           </p:nvSpPr>
           <p:spPr>
             <a:xfrm>
-              <a:off x="4930297" y="6074343"/>
+              <a:off x="4626283" y="6074351"/>
               <a:ext cx="63202" cy="63202"/>
             </a:xfrm>
             <a:custGeom>
@@ -26934,7 +26934,7 @@
           </p:nvSpPr>
           <p:spPr>
             <a:xfrm>
-              <a:off x="4578831" y="6063435"/>
+              <a:off x="4776012" y="6063427"/>
               <a:ext cx="63202" cy="63202"/>
             </a:xfrm>
             <a:custGeom>
@@ -26977,7 +26977,7 @@
           </p:nvSpPr>
           <p:spPr>
             <a:xfrm>
-              <a:off x="4547753" y="6057515"/>
+              <a:off x="4979410" y="6057528"/>
               <a:ext cx="63202" cy="63202"/>
             </a:xfrm>
             <a:custGeom>
@@ -27020,7 +27020,7 @@
           </p:nvSpPr>
           <p:spPr>
             <a:xfrm>
-              <a:off x="4682467" y="6058706"/>
+              <a:off x="4756356" y="6058715"/>
               <a:ext cx="63202" cy="63202"/>
             </a:xfrm>
             <a:custGeom>
@@ -27063,7 +27063,7 @@
           </p:nvSpPr>
           <p:spPr>
             <a:xfrm>
-              <a:off x="4543726" y="6062294"/>
+              <a:off x="4507275" y="6062323"/>
               <a:ext cx="63202" cy="63202"/>
             </a:xfrm>
             <a:custGeom>
@@ -27106,7 +27106,7 @@
           </p:nvSpPr>
           <p:spPr>
             <a:xfrm>
-              <a:off x="4857252" y="6055969"/>
+              <a:off x="5009883" y="6055964"/>
               <a:ext cx="63202" cy="63202"/>
             </a:xfrm>
             <a:custGeom>
@@ -27149,7 +27149,7 @@
           </p:nvSpPr>
           <p:spPr>
             <a:xfrm>
-              <a:off x="5017548" y="6050559"/>
+              <a:off x="5038434" y="6050571"/>
               <a:ext cx="63202" cy="63202"/>
             </a:xfrm>
             <a:custGeom>
@@ -27192,7 +27192,7 @@
           </p:nvSpPr>
           <p:spPr>
             <a:xfrm>
-              <a:off x="4684675" y="6083747"/>
+              <a:off x="4822541" y="6083730"/>
               <a:ext cx="63202" cy="63202"/>
             </a:xfrm>
             <a:custGeom>
@@ -27235,7 +27235,7 @@
           </p:nvSpPr>
           <p:spPr>
             <a:xfrm>
-              <a:off x="4815926" y="6089679"/>
+              <a:off x="4505997" y="6089701"/>
               <a:ext cx="63202" cy="63202"/>
             </a:xfrm>
             <a:custGeom>
@@ -27278,7 +27278,7 @@
           </p:nvSpPr>
           <p:spPr>
             <a:xfrm>
-              <a:off x="4565363" y="6058133"/>
+              <a:off x="5165923" y="6058140"/>
               <a:ext cx="63202" cy="63202"/>
             </a:xfrm>
             <a:custGeom>
@@ -27321,7 +27321,7 @@
           </p:nvSpPr>
           <p:spPr>
             <a:xfrm>
-              <a:off x="4820604" y="6062673"/>
+              <a:off x="4679205" y="6062689"/>
               <a:ext cx="63202" cy="63202"/>
             </a:xfrm>
             <a:custGeom>
@@ -27364,7 +27364,7 @@
           </p:nvSpPr>
           <p:spPr>
             <a:xfrm>
-              <a:off x="5134517" y="6063533"/>
+              <a:off x="4617659" y="6063528"/>
               <a:ext cx="63202" cy="63202"/>
             </a:xfrm>
             <a:custGeom>
@@ -27407,7 +27407,7 @@
           </p:nvSpPr>
           <p:spPr>
             <a:xfrm>
-              <a:off x="4720942" y="6074328"/>
+              <a:off x="4810912" y="6074337"/>
               <a:ext cx="63202" cy="63202"/>
             </a:xfrm>
             <a:custGeom>
@@ -27450,7 +27450,7 @@
           </p:nvSpPr>
           <p:spPr>
             <a:xfrm>
-              <a:off x="4948091" y="6045908"/>
+              <a:off x="4633116" y="6045943"/>
               <a:ext cx="63202" cy="63202"/>
             </a:xfrm>
             <a:custGeom>
@@ -27493,7 +27493,7 @@
           </p:nvSpPr>
           <p:spPr>
             <a:xfrm>
-              <a:off x="4761689" y="6093509"/>
+              <a:off x="4705956" y="6093529"/>
               <a:ext cx="63202" cy="63202"/>
             </a:xfrm>
             <a:custGeom>
@@ -27536,7 +27536,7 @@
           </p:nvSpPr>
           <p:spPr>
             <a:xfrm>
-              <a:off x="4703227" y="6057492"/>
+              <a:off x="5020181" y="6057535"/>
               <a:ext cx="63202" cy="63202"/>
             </a:xfrm>
             <a:custGeom>
@@ -27579,7 +27579,7 @@
           </p:nvSpPr>
           <p:spPr>
             <a:xfrm>
-              <a:off x="4717294" y="6049313"/>
+              <a:off x="4911257" y="6049334"/>
               <a:ext cx="63202" cy="63202"/>
             </a:xfrm>
             <a:custGeom>
@@ -27622,7 +27622,7 @@
           </p:nvSpPr>
           <p:spPr>
             <a:xfrm>
-              <a:off x="4560649" y="6161629"/>
+              <a:off x="4978574" y="6161651"/>
               <a:ext cx="63202" cy="63202"/>
             </a:xfrm>
             <a:custGeom>
@@ -27665,7 +27665,7 @@
           </p:nvSpPr>
           <p:spPr>
             <a:xfrm>
-              <a:off x="5143263" y="6089011"/>
+              <a:off x="4617069" y="6089017"/>
               <a:ext cx="63202" cy="63202"/>
             </a:xfrm>
             <a:custGeom>
@@ -27708,7 +27708,7 @@
           </p:nvSpPr>
           <p:spPr>
             <a:xfrm>
-              <a:off x="4839326" y="6049277"/>
+              <a:off x="5060334" y="6049261"/>
               <a:ext cx="63202" cy="63202"/>
             </a:xfrm>
             <a:custGeom>
@@ -27751,7 +27751,7 @@
           </p:nvSpPr>
           <p:spPr>
             <a:xfrm>
-              <a:off x="4531140" y="6054594"/>
+              <a:off x="4578395" y="6054600"/>
               <a:ext cx="63202" cy="63202"/>
             </a:xfrm>
             <a:custGeom>
@@ -27794,7 +27794,7 @@
           </p:nvSpPr>
           <p:spPr>
             <a:xfrm>
-              <a:off x="4851154" y="6059171"/>
+              <a:off x="4899427" y="6059181"/>
               <a:ext cx="63202" cy="63202"/>
             </a:xfrm>
             <a:custGeom>
@@ -27837,7 +27837,7 @@
           </p:nvSpPr>
           <p:spPr>
             <a:xfrm>
-              <a:off x="4944257" y="6071571"/>
+              <a:off x="4918110" y="6071560"/>
               <a:ext cx="63202" cy="63202"/>
             </a:xfrm>
             <a:custGeom>
@@ -27880,7 +27880,7 @@
           </p:nvSpPr>
           <p:spPr>
             <a:xfrm>
-              <a:off x="4487369" y="6073615"/>
+              <a:off x="4814625" y="6073617"/>
               <a:ext cx="63202" cy="63202"/>
             </a:xfrm>
             <a:custGeom>
@@ -27923,7 +27923,7 @@
           </p:nvSpPr>
           <p:spPr>
             <a:xfrm>
-              <a:off x="5151163" y="6043407"/>
+              <a:off x="4822263" y="6043416"/>
               <a:ext cx="63202" cy="63202"/>
             </a:xfrm>
             <a:custGeom>
@@ -27966,7 +27966,7 @@
           </p:nvSpPr>
           <p:spPr>
             <a:xfrm>
-              <a:off x="4869094" y="6061681"/>
+              <a:off x="4706007" y="6061673"/>
               <a:ext cx="63202" cy="63202"/>
             </a:xfrm>
             <a:custGeom>
@@ -28009,7 +28009,7 @@
           </p:nvSpPr>
           <p:spPr>
             <a:xfrm>
-              <a:off x="4979499" y="6065682"/>
+              <a:off x="4607679" y="6065718"/>
               <a:ext cx="63202" cy="63202"/>
             </a:xfrm>
             <a:custGeom>
@@ -28052,7 +28052,7 @@
           </p:nvSpPr>
           <p:spPr>
             <a:xfrm>
-              <a:off x="4793566" y="6103073"/>
+              <a:off x="5110721" y="6103073"/>
               <a:ext cx="63202" cy="63202"/>
             </a:xfrm>
             <a:custGeom>
@@ -28095,7 +28095,7 @@
           </p:nvSpPr>
           <p:spPr>
             <a:xfrm>
-              <a:off x="5130985" y="6053048"/>
+              <a:off x="4813637" y="6053068"/>
               <a:ext cx="63202" cy="63202"/>
             </a:xfrm>
             <a:custGeom>
@@ -28138,7 +28138,7 @@
           </p:nvSpPr>
           <p:spPr>
             <a:xfrm>
-              <a:off x="5008845" y="6053931"/>
+              <a:off x="4778358" y="6053934"/>
               <a:ext cx="63202" cy="63202"/>
             </a:xfrm>
             <a:custGeom>
@@ -28181,7 +28181,7 @@
           </p:nvSpPr>
           <p:spPr>
             <a:xfrm>
-              <a:off x="5088134" y="6096644"/>
+              <a:off x="4617140" y="6096656"/>
               <a:ext cx="63202" cy="63202"/>
             </a:xfrm>
             <a:custGeom>
@@ -28224,7 +28224,7 @@
           </p:nvSpPr>
           <p:spPr>
             <a:xfrm>
-              <a:off x="4783363" y="6059054"/>
+              <a:off x="4995331" y="6059083"/>
               <a:ext cx="63202" cy="63202"/>
             </a:xfrm>
             <a:custGeom>
@@ -28267,7 +28267,7 @@
           </p:nvSpPr>
           <p:spPr>
             <a:xfrm>
-              <a:off x="5071847" y="6062700"/>
+              <a:off x="4708176" y="6062692"/>
               <a:ext cx="63202" cy="63202"/>
             </a:xfrm>
             <a:custGeom>
@@ -28310,7 +28310,7 @@
           </p:nvSpPr>
           <p:spPr>
             <a:xfrm>
-              <a:off x="4626344" y="6071015"/>
+              <a:off x="4622246" y="6071051"/>
               <a:ext cx="63202" cy="63202"/>
             </a:xfrm>
             <a:custGeom>
@@ -28353,7 +28353,7 @@
           </p:nvSpPr>
           <p:spPr>
             <a:xfrm>
-              <a:off x="4780123" y="6066756"/>
+              <a:off x="5164049" y="6066770"/>
               <a:ext cx="63202" cy="63202"/>
             </a:xfrm>
             <a:custGeom>
@@ -28396,7 +28396,7 @@
           </p:nvSpPr>
           <p:spPr>
             <a:xfrm>
-              <a:off x="5020501" y="6068501"/>
+              <a:off x="4515055" y="6068518"/>
               <a:ext cx="63202" cy="63202"/>
             </a:xfrm>
             <a:custGeom>
@@ -28439,7 +28439,7 @@
           </p:nvSpPr>
           <p:spPr>
             <a:xfrm>
-              <a:off x="4622414" y="6075938"/>
+              <a:off x="4705592" y="6075959"/>
               <a:ext cx="63202" cy="63202"/>
             </a:xfrm>
             <a:custGeom>
@@ -28482,7 +28482,7 @@
           </p:nvSpPr>
           <p:spPr>
             <a:xfrm>
-              <a:off x="4734529" y="6073736"/>
+              <a:off x="4682230" y="6073773"/>
               <a:ext cx="63202" cy="63202"/>
             </a:xfrm>
             <a:custGeom>
@@ -28525,7 +28525,7 @@
           </p:nvSpPr>
           <p:spPr>
             <a:xfrm>
-              <a:off x="4977068" y="6065328"/>
+              <a:off x="4602766" y="6065311"/>
               <a:ext cx="63202" cy="63202"/>
             </a:xfrm>
             <a:custGeom>
@@ -28568,7 +28568,7 @@
           </p:nvSpPr>
           <p:spPr>
             <a:xfrm>
-              <a:off x="4889585" y="6074181"/>
+              <a:off x="5076714" y="6074193"/>
               <a:ext cx="63202" cy="63202"/>
             </a:xfrm>
             <a:custGeom>
@@ -28611,7 +28611,7 @@
           </p:nvSpPr>
           <p:spPr>
             <a:xfrm>
-              <a:off x="4512119" y="6074629"/>
+              <a:off x="4937085" y="6074637"/>
               <a:ext cx="63202" cy="63202"/>
             </a:xfrm>
             <a:custGeom>
@@ -28654,7 +28654,7 @@
           </p:nvSpPr>
           <p:spPr>
             <a:xfrm>
-              <a:off x="5013164" y="6428992"/>
+              <a:off x="5003054" y="6429026"/>
               <a:ext cx="63202" cy="63202"/>
             </a:xfrm>
             <a:custGeom>
@@ -28697,7 +28697,7 @@
           </p:nvSpPr>
           <p:spPr>
             <a:xfrm>
-              <a:off x="5094900" y="6073027"/>
+              <a:off x="5151479" y="6073041"/>
               <a:ext cx="63202" cy="63202"/>
             </a:xfrm>
             <a:custGeom>
@@ -28740,7 +28740,7 @@
           </p:nvSpPr>
           <p:spPr>
             <a:xfrm>
-              <a:off x="5151433" y="6063088"/>
+              <a:off x="4507034" y="6063086"/>
               <a:ext cx="63202" cy="63202"/>
             </a:xfrm>
             <a:custGeom>
@@ -28783,7 +28783,7 @@
           </p:nvSpPr>
           <p:spPr>
             <a:xfrm>
-              <a:off x="4605968" y="6091385"/>
+              <a:off x="4524911" y="6091414"/>
               <a:ext cx="63202" cy="63202"/>
             </a:xfrm>
             <a:custGeom>
@@ -28826,7 +28826,7 @@
           </p:nvSpPr>
           <p:spPr>
             <a:xfrm>
-              <a:off x="4808322" y="6073519"/>
+              <a:off x="4537132" y="6073529"/>
               <a:ext cx="63202" cy="63202"/>
             </a:xfrm>
             <a:custGeom>
@@ -28869,7 +28869,7 @@
           </p:nvSpPr>
           <p:spPr>
             <a:xfrm>
-              <a:off x="5075100" y="6071934"/>
+              <a:off x="4995591" y="6071981"/>
               <a:ext cx="63202" cy="63202"/>
             </a:xfrm>
             <a:custGeom>
@@ -28912,7 +28912,7 @@
           </p:nvSpPr>
           <p:spPr>
             <a:xfrm>
-              <a:off x="4894690" y="6058770"/>
+              <a:off x="4999931" y="6058793"/>
               <a:ext cx="63202" cy="63202"/>
             </a:xfrm>
             <a:custGeom>
@@ -28955,7 +28955,7 @@
           </p:nvSpPr>
           <p:spPr>
             <a:xfrm>
-              <a:off x="4528872" y="6059000"/>
+              <a:off x="4806863" y="6059036"/>
               <a:ext cx="63202" cy="63202"/>
             </a:xfrm>
             <a:custGeom>
@@ -28998,7 +28998,7 @@
           </p:nvSpPr>
           <p:spPr>
             <a:xfrm>
-              <a:off x="4852712" y="6059265"/>
+              <a:off x="4905689" y="6059257"/>
               <a:ext cx="63202" cy="63202"/>
             </a:xfrm>
             <a:custGeom>
@@ -29041,7 +29041,7 @@
           </p:nvSpPr>
           <p:spPr>
             <a:xfrm>
-              <a:off x="4756091" y="6549000"/>
+              <a:off x="4562917" y="6549011"/>
               <a:ext cx="63202" cy="63202"/>
             </a:xfrm>
             <a:custGeom>
@@ -29084,7 +29084,7 @@
           </p:nvSpPr>
           <p:spPr>
             <a:xfrm>
-              <a:off x="4594011" y="6382075"/>
+              <a:off x="4970658" y="6382071"/>
               <a:ext cx="63202" cy="63202"/>
             </a:xfrm>
             <a:custGeom>
@@ -29127,7 +29127,7 @@
           </p:nvSpPr>
           <p:spPr>
             <a:xfrm>
-              <a:off x="4542888" y="6144961"/>
+              <a:off x="4553890" y="6144957"/>
               <a:ext cx="63202" cy="63202"/>
             </a:xfrm>
             <a:custGeom>
@@ -29170,7 +29170,7 @@
           </p:nvSpPr>
           <p:spPr>
             <a:xfrm>
-              <a:off x="4829919" y="6355003"/>
+              <a:off x="4879345" y="6355054"/>
               <a:ext cx="63202" cy="63202"/>
             </a:xfrm>
             <a:custGeom>
@@ -29213,7 +29213,7 @@
           </p:nvSpPr>
           <p:spPr>
             <a:xfrm>
-              <a:off x="5095618" y="6064066"/>
+              <a:off x="4658818" y="6064059"/>
               <a:ext cx="63202" cy="63202"/>
             </a:xfrm>
             <a:custGeom>
@@ -29256,7 +29256,7 @@
           </p:nvSpPr>
           <p:spPr>
             <a:xfrm>
-              <a:off x="5647288" y="6581326"/>
+              <a:off x="5795538" y="6581348"/>
               <a:ext cx="63202" cy="63202"/>
             </a:xfrm>
             <a:custGeom>
@@ -29299,7 +29299,7 @@
           </p:nvSpPr>
           <p:spPr>
             <a:xfrm>
-              <a:off x="5071491" y="6278847"/>
+              <a:off x="4898914" y="6278864"/>
               <a:ext cx="63202" cy="63202"/>
             </a:xfrm>
             <a:custGeom>
@@ -29342,7 +29342,7 @@
           </p:nvSpPr>
           <p:spPr>
             <a:xfrm>
-              <a:off x="5035620" y="6063262"/>
+              <a:off x="4967780" y="6063292"/>
               <a:ext cx="63202" cy="63202"/>
             </a:xfrm>
             <a:custGeom>
@@ -29385,7 +29385,7 @@
           </p:nvSpPr>
           <p:spPr>
             <a:xfrm>
-              <a:off x="4582903" y="6052181"/>
+              <a:off x="4961717" y="6052171"/>
               <a:ext cx="63202" cy="63202"/>
             </a:xfrm>
             <a:custGeom>
@@ -29428,7 +29428,7 @@
           </p:nvSpPr>
           <p:spPr>
             <a:xfrm>
-              <a:off x="4951591" y="6086058"/>
+              <a:off x="5168037" y="6086060"/>
               <a:ext cx="63202" cy="63202"/>
             </a:xfrm>
             <a:custGeom>
@@ -29471,7 +29471,7 @@
           </p:nvSpPr>
           <p:spPr>
             <a:xfrm>
-              <a:off x="4471019" y="6054551"/>
+              <a:off x="5104859" y="6054543"/>
               <a:ext cx="63202" cy="63202"/>
             </a:xfrm>
             <a:custGeom>
@@ -29514,7 +29514,7 @@
           </p:nvSpPr>
           <p:spPr>
             <a:xfrm>
-              <a:off x="4770441" y="6066670"/>
+              <a:off x="5115679" y="6066684"/>
               <a:ext cx="63202" cy="63202"/>
             </a:xfrm>
             <a:custGeom>
@@ -29557,7 +29557,7 @@
           </p:nvSpPr>
           <p:spPr>
             <a:xfrm>
-              <a:off x="4639656" y="6059359"/>
+              <a:off x="4616224" y="6059379"/>
               <a:ext cx="63202" cy="63202"/>
             </a:xfrm>
             <a:custGeom>
@@ -29600,7 +29600,7 @@
           </p:nvSpPr>
           <p:spPr>
             <a:xfrm>
-              <a:off x="5049324" y="6119621"/>
+              <a:off x="4954605" y="6119638"/>
               <a:ext cx="63202" cy="63202"/>
             </a:xfrm>
             <a:custGeom>
@@ -29643,7 +29643,7 @@
           </p:nvSpPr>
           <p:spPr>
             <a:xfrm>
-              <a:off x="4804065" y="6056574"/>
+              <a:off x="4790897" y="6056594"/>
               <a:ext cx="63202" cy="63202"/>
             </a:xfrm>
             <a:custGeom>
@@ -29686,7 +29686,7 @@
           </p:nvSpPr>
           <p:spPr>
             <a:xfrm>
-              <a:off x="4668025" y="6100662"/>
+              <a:off x="4607769" y="6100652"/>
               <a:ext cx="63202" cy="63202"/>
             </a:xfrm>
             <a:custGeom>
@@ -29729,7 +29729,7 @@
           </p:nvSpPr>
           <p:spPr>
             <a:xfrm>
-              <a:off x="5092256" y="6059522"/>
+              <a:off x="4474271" y="6059561"/>
               <a:ext cx="63202" cy="63202"/>
             </a:xfrm>
             <a:custGeom>
@@ -29772,7 +29772,7 @@
           </p:nvSpPr>
           <p:spPr>
             <a:xfrm>
-              <a:off x="5121812" y="6067635"/>
+              <a:off x="4602830" y="6067650"/>
               <a:ext cx="63202" cy="63202"/>
             </a:xfrm>
             <a:custGeom>
@@ -29815,7 +29815,7 @@
           </p:nvSpPr>
           <p:spPr>
             <a:xfrm>
-              <a:off x="5128155" y="6043267"/>
+              <a:off x="4953204" y="6043257"/>
               <a:ext cx="63202" cy="63202"/>
             </a:xfrm>
             <a:custGeom>
@@ -29858,7 +29858,7 @@
           </p:nvSpPr>
           <p:spPr>
             <a:xfrm>
-              <a:off x="5061726" y="6071815"/>
+              <a:off x="4493587" y="6071810"/>
               <a:ext cx="63202" cy="63202"/>
             </a:xfrm>
             <a:custGeom>
@@ -29901,7 +29901,7 @@
           </p:nvSpPr>
           <p:spPr>
             <a:xfrm>
-              <a:off x="4484684" y="6072209"/>
+              <a:off x="4887168" y="6072216"/>
               <a:ext cx="63202" cy="63202"/>
             </a:xfrm>
             <a:custGeom>
@@ -29944,7 +29944,7 @@
           </p:nvSpPr>
           <p:spPr>
             <a:xfrm>
-              <a:off x="4738052" y="6071413"/>
+              <a:off x="4487217" y="6071425"/>
               <a:ext cx="63202" cy="63202"/>
             </a:xfrm>
             <a:custGeom>
@@ -29987,7 +29987,7 @@
           </p:nvSpPr>
           <p:spPr>
             <a:xfrm>
-              <a:off x="4847010" y="6071377"/>
+              <a:off x="5067100" y="6071383"/>
               <a:ext cx="63202" cy="63202"/>
             </a:xfrm>
             <a:custGeom>
@@ -30030,7 +30030,7 @@
           </p:nvSpPr>
           <p:spPr>
             <a:xfrm>
-              <a:off x="4850429" y="6070461"/>
+              <a:off x="4660744" y="6070466"/>
               <a:ext cx="63202" cy="63202"/>
             </a:xfrm>
             <a:custGeom>
@@ -30073,7 +30073,7 @@
           </p:nvSpPr>
           <p:spPr>
             <a:xfrm>
-              <a:off x="5104839" y="6078018"/>
+              <a:off x="5108195" y="6078014"/>
               <a:ext cx="63202" cy="63202"/>
             </a:xfrm>
             <a:custGeom>
@@ -30116,7 +30116,7 @@
           </p:nvSpPr>
           <p:spPr>
             <a:xfrm>
-              <a:off x="5091894" y="6137875"/>
+              <a:off x="4597500" y="6137897"/>
               <a:ext cx="63202" cy="63202"/>
             </a:xfrm>
             <a:custGeom>
@@ -30159,7 +30159,7 @@
           </p:nvSpPr>
           <p:spPr>
             <a:xfrm>
-              <a:off x="5041177" y="6065214"/>
+              <a:off x="4958592" y="6065216"/>
               <a:ext cx="63202" cy="63202"/>
             </a:xfrm>
             <a:custGeom>
@@ -30202,7 +30202,7 @@
           </p:nvSpPr>
           <p:spPr>
             <a:xfrm>
-              <a:off x="5025664" y="6059168"/>
+              <a:off x="5013155" y="6059183"/>
               <a:ext cx="63202" cy="63202"/>
             </a:xfrm>
             <a:custGeom>
@@ -30245,7 +30245,7 @@
           </p:nvSpPr>
           <p:spPr>
             <a:xfrm>
-              <a:off x="4668161" y="6184424"/>
+              <a:off x="4473222" y="6184427"/>
               <a:ext cx="63202" cy="63202"/>
             </a:xfrm>
             <a:custGeom>
@@ -30288,7 +30288,7 @@
           </p:nvSpPr>
           <p:spPr>
             <a:xfrm>
-              <a:off x="4788532" y="6106709"/>
+              <a:off x="4472975" y="6106735"/>
               <a:ext cx="63202" cy="63202"/>
             </a:xfrm>
             <a:custGeom>
@@ -30331,7 +30331,7 @@
           </p:nvSpPr>
           <p:spPr>
             <a:xfrm>
-              <a:off x="4698980" y="6069349"/>
+              <a:off x="4674460" y="6069343"/>
               <a:ext cx="63202" cy="63202"/>
             </a:xfrm>
             <a:custGeom>
@@ -30374,7 +30374,7 @@
           </p:nvSpPr>
           <p:spPr>
             <a:xfrm>
-              <a:off x="5126001" y="6053003"/>
+              <a:off x="5003451" y="6052998"/>
               <a:ext cx="63202" cy="63202"/>
             </a:xfrm>
             <a:custGeom>
@@ -30417,7 +30417,7 @@
           </p:nvSpPr>
           <p:spPr>
             <a:xfrm>
-              <a:off x="4793306" y="6063898"/>
+              <a:off x="4581531" y="6063921"/>
               <a:ext cx="63202" cy="63202"/>
             </a:xfrm>
             <a:custGeom>
@@ -30460,7 +30460,7 @@
           </p:nvSpPr>
           <p:spPr>
             <a:xfrm>
-              <a:off x="4889779" y="6143827"/>
+              <a:off x="5102177" y="6143864"/>
               <a:ext cx="63202" cy="63202"/>
             </a:xfrm>
             <a:custGeom>
@@ -30503,7 +30503,7 @@
           </p:nvSpPr>
           <p:spPr>
             <a:xfrm>
-              <a:off x="4996091" y="6078412"/>
+              <a:off x="4887955" y="6078394"/>
               <a:ext cx="63202" cy="63202"/>
             </a:xfrm>
             <a:custGeom>
@@ -30546,7 +30546,7 @@
           </p:nvSpPr>
           <p:spPr>
             <a:xfrm>
-              <a:off x="4975660" y="6119603"/>
+              <a:off x="4494666" y="6119623"/>
               <a:ext cx="63202" cy="63202"/>
             </a:xfrm>
             <a:custGeom>
@@ -30589,7 +30589,7 @@
           </p:nvSpPr>
           <p:spPr>
             <a:xfrm>
-              <a:off x="5167269" y="6076886"/>
+              <a:off x="4967491" y="6076922"/>
               <a:ext cx="63202" cy="63202"/>
             </a:xfrm>
             <a:custGeom>
@@ -30688,7 +30688,7 @@
           </p:nvSpPr>
           <p:spPr>
             <a:xfrm>
-              <a:off x="7192078" y="2797358"/>
+              <a:off x="7192078" y="2797374"/>
               <a:ext cx="2796732" cy="0"/>
             </a:xfrm>
             <a:custGeom>
@@ -30731,7 +30731,7 @@
           </p:nvSpPr>
           <p:spPr>
             <a:xfrm>
-              <a:off x="7192078" y="2312566"/>
+              <a:off x="7192078" y="2312579"/>
               <a:ext cx="2796732" cy="0"/>
             </a:xfrm>
             <a:custGeom>
@@ -30774,7 +30774,7 @@
           </p:nvSpPr>
           <p:spPr>
             <a:xfrm>
-              <a:off x="7192078" y="1827774"/>
+              <a:off x="7192078" y="1827784"/>
               <a:ext cx="2796732" cy="0"/>
             </a:xfrm>
             <a:custGeom>
@@ -30817,7 +30817,7 @@
           </p:nvSpPr>
           <p:spPr>
             <a:xfrm>
-              <a:off x="7192078" y="3039754"/>
+              <a:off x="7192078" y="3039772"/>
               <a:ext cx="2796732" cy="0"/>
             </a:xfrm>
             <a:custGeom>
@@ -30860,7 +30860,7 @@
           </p:nvSpPr>
           <p:spPr>
             <a:xfrm>
-              <a:off x="7192078" y="2554962"/>
+              <a:off x="7192078" y="2554977"/>
               <a:ext cx="2796732" cy="0"/>
             </a:xfrm>
             <a:custGeom>
@@ -30903,7 +30903,7 @@
           </p:nvSpPr>
           <p:spPr>
             <a:xfrm>
-              <a:off x="7192078" y="2070170"/>
+              <a:off x="7192078" y="2070181"/>
               <a:ext cx="2796732" cy="0"/>
             </a:xfrm>
             <a:custGeom>
@@ -30946,7 +30946,7 @@
           </p:nvSpPr>
           <p:spPr>
             <a:xfrm>
-              <a:off x="7192078" y="1585378"/>
+              <a:off x="7192078" y="1585386"/>
               <a:ext cx="2796732" cy="0"/>
             </a:xfrm>
             <a:custGeom>
@@ -31118,7 +31118,7 @@
           </p:nvSpPr>
           <p:spPr>
             <a:xfrm>
-              <a:off x="7489205" y="2559234"/>
+              <a:off x="7364400" y="2559262"/>
               <a:ext cx="63202" cy="63202"/>
             </a:xfrm>
             <a:custGeom>
@@ -31161,7 +31161,7 @@
           </p:nvSpPr>
           <p:spPr>
             <a:xfrm>
-              <a:off x="7656063" y="2661710"/>
+              <a:off x="7432065" y="2661741"/>
               <a:ext cx="63202" cy="63202"/>
             </a:xfrm>
             <a:custGeom>
@@ -31204,7 +31204,7 @@
           </p:nvSpPr>
           <p:spPr>
             <a:xfrm>
-              <a:off x="7860385" y="2520631"/>
+              <a:off x="7506946" y="2520657"/>
               <a:ext cx="63202" cy="63202"/>
             </a:xfrm>
             <a:custGeom>
@@ -31247,7 +31247,7 @@
           </p:nvSpPr>
           <p:spPr>
             <a:xfrm>
-              <a:off x="7640242" y="2581010"/>
+              <a:off x="7683918" y="2581016"/>
               <a:ext cx="63202" cy="63202"/>
             </a:xfrm>
             <a:custGeom>
@@ -31290,7 +31290,7 @@
           </p:nvSpPr>
           <p:spPr>
             <a:xfrm>
-              <a:off x="8027418" y="2544008"/>
+              <a:off x="7658523" y="2544045"/>
               <a:ext cx="63202" cy="63202"/>
             </a:xfrm>
             <a:custGeom>
@@ -31333,7 +31333,7 @@
           </p:nvSpPr>
           <p:spPr>
             <a:xfrm>
-              <a:off x="7770284" y="2349936"/>
+              <a:off x="7777330" y="2349968"/>
               <a:ext cx="63202" cy="63202"/>
             </a:xfrm>
             <a:custGeom>
@@ -31376,7 +31376,7 @@
           </p:nvSpPr>
           <p:spPr>
             <a:xfrm>
-              <a:off x="7990126" y="2643060"/>
+              <a:off x="7770306" y="2643062"/>
               <a:ext cx="63202" cy="63202"/>
             </a:xfrm>
             <a:custGeom>
@@ -31419,7 +31419,7 @@
           </p:nvSpPr>
           <p:spPr>
             <a:xfrm>
-              <a:off x="7692500" y="2662924"/>
+              <a:off x="7535325" y="2662939"/>
               <a:ext cx="63202" cy="63202"/>
             </a:xfrm>
             <a:custGeom>
@@ -31462,7 +31462,7 @@
           </p:nvSpPr>
           <p:spPr>
             <a:xfrm>
-              <a:off x="7345119" y="2543822"/>
+              <a:off x="7447257" y="2543817"/>
               <a:ext cx="63202" cy="63202"/>
             </a:xfrm>
             <a:custGeom>
@@ -31505,7 +31505,7 @@
           </p:nvSpPr>
           <p:spPr>
             <a:xfrm>
-              <a:off x="7983055" y="2554734"/>
+              <a:off x="7422570" y="2554757"/>
               <a:ext cx="63202" cy="63202"/>
             </a:xfrm>
             <a:custGeom>
@@ -31548,7 +31548,7 @@
           </p:nvSpPr>
           <p:spPr>
             <a:xfrm>
-              <a:off x="7419604" y="2643242"/>
+              <a:off x="7530220" y="2643252"/>
               <a:ext cx="63202" cy="63202"/>
             </a:xfrm>
             <a:custGeom>
@@ -31591,7 +31591,7 @@
           </p:nvSpPr>
           <p:spPr>
             <a:xfrm>
-              <a:off x="7552721" y="2790865"/>
+              <a:off x="7808854" y="2790875"/>
               <a:ext cx="63202" cy="63202"/>
             </a:xfrm>
             <a:custGeom>
@@ -31634,7 +31634,7 @@
           </p:nvSpPr>
           <p:spPr>
             <a:xfrm>
-              <a:off x="7423743" y="2693928"/>
+              <a:off x="7454678" y="2693911"/>
               <a:ext cx="63202" cy="63202"/>
             </a:xfrm>
             <a:custGeom>
@@ -31677,7 +31677,7 @@
           </p:nvSpPr>
           <p:spPr>
             <a:xfrm>
-              <a:off x="7986020" y="2649227"/>
+              <a:off x="7683104" y="2649246"/>
               <a:ext cx="63202" cy="63202"/>
             </a:xfrm>
             <a:custGeom>
@@ -31720,7 +31720,7 @@
           </p:nvSpPr>
           <p:spPr>
             <a:xfrm>
-              <a:off x="7954840" y="2645153"/>
+              <a:off x="7617847" y="2645149"/>
               <a:ext cx="63202" cy="63202"/>
             </a:xfrm>
             <a:custGeom>
@@ -31763,7 +31763,7 @@
           </p:nvSpPr>
           <p:spPr>
             <a:xfrm>
-              <a:off x="7691943" y="2760414"/>
+              <a:off x="7660440" y="2760456"/>
               <a:ext cx="63202" cy="63202"/>
             </a:xfrm>
             <a:custGeom>
@@ -31806,7 +31806,7 @@
           </p:nvSpPr>
           <p:spPr>
             <a:xfrm>
-              <a:off x="7983797" y="2650114"/>
+              <a:off x="7651707" y="2650149"/>
               <a:ext cx="63202" cy="63202"/>
             </a:xfrm>
             <a:custGeom>
@@ -31849,7 +31849,7 @@
           </p:nvSpPr>
           <p:spPr>
             <a:xfrm>
-              <a:off x="7809559" y="2579292"/>
+              <a:off x="7675685" y="2579308"/>
               <a:ext cx="63202" cy="63202"/>
             </a:xfrm>
             <a:custGeom>
@@ -31892,7 +31892,7 @@
           </p:nvSpPr>
           <p:spPr>
             <a:xfrm>
-              <a:off x="7398287" y="2703609"/>
+              <a:off x="7912020" y="2703636"/>
               <a:ext cx="63202" cy="63202"/>
             </a:xfrm>
             <a:custGeom>
@@ -31935,7 +31935,7 @@
           </p:nvSpPr>
           <p:spPr>
             <a:xfrm>
-              <a:off x="7449840" y="2632487"/>
+              <a:off x="7388856" y="2632489"/>
               <a:ext cx="63202" cy="63202"/>
             </a:xfrm>
             <a:custGeom>
@@ -31978,7 +31978,7 @@
           </p:nvSpPr>
           <p:spPr>
             <a:xfrm>
-              <a:off x="7411109" y="2628225"/>
+              <a:off x="7823736" y="2628251"/>
               <a:ext cx="63202" cy="63202"/>
             </a:xfrm>
             <a:custGeom>
@@ -32021,7 +32021,7 @@
           </p:nvSpPr>
           <p:spPr>
             <a:xfrm>
-              <a:off x="7930091" y="2661511"/>
+              <a:off x="7651907" y="2661534"/>
               <a:ext cx="63202" cy="63202"/>
             </a:xfrm>
             <a:custGeom>
@@ -32064,7 +32064,7 @@
           </p:nvSpPr>
           <p:spPr>
             <a:xfrm>
-              <a:off x="8032782" y="2749936"/>
+              <a:off x="7503326" y="2749974"/>
               <a:ext cx="63202" cy="63202"/>
             </a:xfrm>
             <a:custGeom>
@@ -32107,7 +32107,7 @@
           </p:nvSpPr>
           <p:spPr>
             <a:xfrm>
-              <a:off x="7987463" y="2663228"/>
+              <a:off x="7751670" y="2663228"/>
               <a:ext cx="63202" cy="63202"/>
             </a:xfrm>
             <a:custGeom>
@@ -32150,7 +32150,7 @@
           </p:nvSpPr>
           <p:spPr>
             <a:xfrm>
-              <a:off x="7474521" y="2644064"/>
+              <a:off x="7590872" y="2644106"/>
               <a:ext cx="63202" cy="63202"/>
             </a:xfrm>
             <a:custGeom>
@@ -32193,7 +32193,7 @@
           </p:nvSpPr>
           <p:spPr>
             <a:xfrm>
-              <a:off x="7512464" y="2350174"/>
+              <a:off x="7412959" y="2350197"/>
               <a:ext cx="63202" cy="63202"/>
             </a:xfrm>
             <a:custGeom>
@@ -32236,7 +32236,7 @@
           </p:nvSpPr>
           <p:spPr>
             <a:xfrm>
-              <a:off x="7748381" y="2651132"/>
+              <a:off x="7505460" y="2651154"/>
               <a:ext cx="63202" cy="63202"/>
             </a:xfrm>
             <a:custGeom>
@@ -32279,7 +32279,7 @@
           </p:nvSpPr>
           <p:spPr>
             <a:xfrm>
-              <a:off x="7430175" y="2647239"/>
+              <a:off x="7472571" y="2647226"/>
               <a:ext cx="63202" cy="63202"/>
             </a:xfrm>
             <a:custGeom>
@@ -32322,7 +32322,7 @@
           </p:nvSpPr>
           <p:spPr>
             <a:xfrm>
-              <a:off x="7493371" y="2348589"/>
+              <a:off x="7503764" y="2348610"/>
               <a:ext cx="63202" cy="63202"/>
             </a:xfrm>
             <a:custGeom>
@@ -32365,7 +32365,7 @@
           </p:nvSpPr>
           <p:spPr>
             <a:xfrm>
-              <a:off x="7811380" y="2583615"/>
+              <a:off x="7431795" y="2583631"/>
               <a:ext cx="63202" cy="63202"/>
             </a:xfrm>
             <a:custGeom>
@@ -32408,7 +32408,7 @@
           </p:nvSpPr>
           <p:spPr>
             <a:xfrm>
-              <a:off x="7519107" y="2604679"/>
+              <a:off x="7694167" y="2604666"/>
               <a:ext cx="63202" cy="63202"/>
             </a:xfrm>
             <a:custGeom>
@@ -32451,7 +32451,7 @@
           </p:nvSpPr>
           <p:spPr>
             <a:xfrm>
-              <a:off x="7586515" y="2615331"/>
+              <a:off x="7882541" y="2615357"/>
               <a:ext cx="63202" cy="63202"/>
             </a:xfrm>
             <a:custGeom>
@@ -32494,7 +32494,7 @@
           </p:nvSpPr>
           <p:spPr>
             <a:xfrm>
-              <a:off x="7553546" y="2602269"/>
+              <a:off x="7497539" y="2602298"/>
               <a:ext cx="63202" cy="63202"/>
             </a:xfrm>
             <a:custGeom>
@@ -32537,7 +32537,7 @@
           </p:nvSpPr>
           <p:spPr>
             <a:xfrm>
-              <a:off x="7804277" y="2603467"/>
+              <a:off x="7909108" y="2603468"/>
               <a:ext cx="63202" cy="63202"/>
             </a:xfrm>
             <a:custGeom>
@@ -32580,7 +32580,7 @@
           </p:nvSpPr>
           <p:spPr>
             <a:xfrm>
-              <a:off x="7602693" y="2602473"/>
+              <a:off x="7435093" y="2602499"/>
               <a:ext cx="63202" cy="63202"/>
             </a:xfrm>
             <a:custGeom>
@@ -32623,7 +32623,7 @@
           </p:nvSpPr>
           <p:spPr>
             <a:xfrm>
-              <a:off x="7379642" y="2627977"/>
+              <a:off x="7392994" y="2627991"/>
               <a:ext cx="63202" cy="63202"/>
             </a:xfrm>
             <a:custGeom>
@@ -32666,7 +32666,7 @@
           </p:nvSpPr>
           <p:spPr>
             <a:xfrm>
-              <a:off x="7578384" y="2629389"/>
+              <a:off x="7677002" y="2629388"/>
               <a:ext cx="63202" cy="63202"/>
             </a:xfrm>
             <a:custGeom>
@@ -32709,7 +32709,7 @@
           </p:nvSpPr>
           <p:spPr>
             <a:xfrm>
-              <a:off x="7511058" y="2691237"/>
+              <a:off x="7815417" y="2691241"/>
               <a:ext cx="63202" cy="63202"/>
             </a:xfrm>
             <a:custGeom>
@@ -32752,7 +32752,7 @@
           </p:nvSpPr>
           <p:spPr>
             <a:xfrm>
-              <a:off x="7805907" y="2654155"/>
+              <a:off x="7569694" y="2654181"/>
               <a:ext cx="63202" cy="63202"/>
             </a:xfrm>
             <a:custGeom>
@@ -32795,7 +32795,7 @@
           </p:nvSpPr>
           <p:spPr>
             <a:xfrm>
-              <a:off x="7558590" y="2580944"/>
+              <a:off x="7885023" y="2580976"/>
               <a:ext cx="63202" cy="63202"/>
             </a:xfrm>
             <a:custGeom>
@@ -32838,7 +32838,7 @@
           </p:nvSpPr>
           <p:spPr>
             <a:xfrm>
-              <a:off x="7711116" y="2747012"/>
+              <a:off x="7983620" y="2747026"/>
               <a:ext cx="63202" cy="63202"/>
             </a:xfrm>
             <a:custGeom>
@@ -32881,7 +32881,7 @@
           </p:nvSpPr>
           <p:spPr>
             <a:xfrm>
-              <a:off x="8006726" y="2620106"/>
+              <a:off x="7859128" y="2620145"/>
               <a:ext cx="63202" cy="63202"/>
             </a:xfrm>
             <a:custGeom>
@@ -32924,7 +32924,7 @@
           </p:nvSpPr>
           <p:spPr>
             <a:xfrm>
-              <a:off x="7348778" y="2580116"/>
+              <a:off x="7897245" y="2580133"/>
               <a:ext cx="63202" cy="63202"/>
             </a:xfrm>
             <a:custGeom>
@@ -32967,7 +32967,7 @@
           </p:nvSpPr>
           <p:spPr>
             <a:xfrm>
-              <a:off x="7935176" y="2579291"/>
+              <a:off x="7695647" y="2579307"/>
               <a:ext cx="63202" cy="63202"/>
             </a:xfrm>
             <a:custGeom>
@@ -33010,7 +33010,7 @@
           </p:nvSpPr>
           <p:spPr>
             <a:xfrm>
-              <a:off x="7657776" y="2626022"/>
+              <a:off x="7778529" y="2626073"/>
               <a:ext cx="63202" cy="63202"/>
             </a:xfrm>
             <a:custGeom>
@@ -33053,7 +33053,7 @@
           </p:nvSpPr>
           <p:spPr>
             <a:xfrm>
-              <a:off x="7498877" y="2579917"/>
+              <a:off x="7440176" y="2579950"/>
               <a:ext cx="63202" cy="63202"/>
             </a:xfrm>
             <a:custGeom>
@@ -33096,7 +33096,7 @@
           </p:nvSpPr>
           <p:spPr>
             <a:xfrm>
-              <a:off x="7852737" y="2544021"/>
+              <a:off x="7984263" y="2544024"/>
               <a:ext cx="63202" cy="63202"/>
             </a:xfrm>
             <a:custGeom>
@@ -33195,7 +33195,7 @@
           </p:nvSpPr>
           <p:spPr>
             <a:xfrm>
-              <a:off x="7192078" y="4722690"/>
+              <a:off x="7192078" y="4722707"/>
               <a:ext cx="2796732" cy="0"/>
             </a:xfrm>
             <a:custGeom>
@@ -33238,7 +33238,7 @@
           </p:nvSpPr>
           <p:spPr>
             <a:xfrm>
-              <a:off x="7192078" y="4237898"/>
+              <a:off x="7192078" y="4237912"/>
               <a:ext cx="2796732" cy="0"/>
             </a:xfrm>
             <a:custGeom>
@@ -33281,7 +33281,7 @@
           </p:nvSpPr>
           <p:spPr>
             <a:xfrm>
-              <a:off x="7192078" y="3753106"/>
+              <a:off x="7192078" y="3753116"/>
               <a:ext cx="2796732" cy="0"/>
             </a:xfrm>
             <a:custGeom>
@@ -33324,7 +33324,7 @@
           </p:nvSpPr>
           <p:spPr>
             <a:xfrm>
-              <a:off x="7192078" y="4965086"/>
+              <a:off x="7192078" y="4965105"/>
               <a:ext cx="2796732" cy="0"/>
             </a:xfrm>
             <a:custGeom>
@@ -33367,7 +33367,7 @@
           </p:nvSpPr>
           <p:spPr>
             <a:xfrm>
-              <a:off x="7192078" y="4480294"/>
+              <a:off x="7192078" y="4480309"/>
               <a:ext cx="2796732" cy="0"/>
             </a:xfrm>
             <a:custGeom>
@@ -33410,7 +33410,7 @@
           </p:nvSpPr>
           <p:spPr>
             <a:xfrm>
-              <a:off x="7192078" y="3995502"/>
+              <a:off x="7192078" y="3995514"/>
               <a:ext cx="2796732" cy="0"/>
             </a:xfrm>
             <a:custGeom>
@@ -33453,7 +33453,7 @@
           </p:nvSpPr>
           <p:spPr>
             <a:xfrm>
-              <a:off x="7192078" y="3510710"/>
+              <a:off x="7192078" y="3510719"/>
               <a:ext cx="2796732" cy="0"/>
             </a:xfrm>
             <a:custGeom>
@@ -33625,7 +33625,7 @@
           </p:nvSpPr>
           <p:spPr>
             <a:xfrm>
-              <a:off x="7479534" y="4446057"/>
+              <a:off x="7904173" y="4446098"/>
               <a:ext cx="63202" cy="63202"/>
             </a:xfrm>
             <a:custGeom>
@@ -33668,7 +33668,7 @@
           </p:nvSpPr>
           <p:spPr>
             <a:xfrm>
-              <a:off x="7746244" y="4438755"/>
+              <a:off x="7368443" y="4438764"/>
               <a:ext cx="63202" cy="63202"/>
             </a:xfrm>
             <a:custGeom>
@@ -33711,7 +33711,7 @@
           </p:nvSpPr>
           <p:spPr>
             <a:xfrm>
-              <a:off x="7741182" y="4551536"/>
+              <a:off x="7697156" y="4551547"/>
               <a:ext cx="63202" cy="63202"/>
             </a:xfrm>
             <a:custGeom>
@@ -33754,7 +33754,7 @@
           </p:nvSpPr>
           <p:spPr>
             <a:xfrm>
-              <a:off x="8732864" y="4795425"/>
+              <a:off x="8487550" y="4795450"/>
               <a:ext cx="63202" cy="63202"/>
             </a:xfrm>
             <a:custGeom>
@@ -33797,7 +33797,7 @@
           </p:nvSpPr>
           <p:spPr>
             <a:xfrm>
-              <a:off x="7454167" y="4513232"/>
+              <a:off x="7441301" y="4513247"/>
               <a:ext cx="63202" cy="63202"/>
             </a:xfrm>
             <a:custGeom>
@@ -33840,7 +33840,7 @@
           </p:nvSpPr>
           <p:spPr>
             <a:xfrm>
-              <a:off x="7936013" y="4419882"/>
+              <a:off x="7554288" y="4419892"/>
               <a:ext cx="63202" cy="63202"/>
             </a:xfrm>
             <a:custGeom>
@@ -33883,7 +33883,7 @@
           </p:nvSpPr>
           <p:spPr>
             <a:xfrm>
-              <a:off x="7558999" y="4484139"/>
+              <a:off x="7503249" y="4484143"/>
               <a:ext cx="63202" cy="63202"/>
             </a:xfrm>
             <a:custGeom>
@@ -33926,7 +33926,7 @@
           </p:nvSpPr>
           <p:spPr>
             <a:xfrm>
-              <a:off x="7953523" y="4428736"/>
+              <a:off x="7529654" y="4428738"/>
               <a:ext cx="63202" cy="63202"/>
             </a:xfrm>
             <a:custGeom>
@@ -33969,7 +33969,7 @@
           </p:nvSpPr>
           <p:spPr>
             <a:xfrm>
-              <a:off x="7646144" y="4565946"/>
+              <a:off x="7920750" y="4565965"/>
               <a:ext cx="63202" cy="63202"/>
             </a:xfrm>
             <a:custGeom>
@@ -34012,7 +34012,7 @@
           </p:nvSpPr>
           <p:spPr>
             <a:xfrm>
-              <a:off x="7637010" y="4442864"/>
+              <a:off x="7478682" y="4442909"/>
               <a:ext cx="63202" cy="63202"/>
             </a:xfrm>
             <a:custGeom>
@@ -34055,7 +34055,7 @@
           </p:nvSpPr>
           <p:spPr>
             <a:xfrm>
-              <a:off x="7379637" y="4437187"/>
+              <a:off x="7909074" y="4437236"/>
               <a:ext cx="63202" cy="63202"/>
             </a:xfrm>
             <a:custGeom>
@@ -34098,7 +34098,7 @@
           </p:nvSpPr>
           <p:spPr>
             <a:xfrm>
-              <a:off x="7551691" y="4441422"/>
+              <a:off x="7634648" y="4441435"/>
               <a:ext cx="63202" cy="63202"/>
             </a:xfrm>
             <a:custGeom>
@@ -34141,7 +34141,7 @@
           </p:nvSpPr>
           <p:spPr>
             <a:xfrm>
-              <a:off x="7786759" y="4410337"/>
+              <a:off x="7437025" y="4410379"/>
               <a:ext cx="63202" cy="63202"/>
             </a:xfrm>
             <a:custGeom>
@@ -34184,7 +34184,7 @@
           </p:nvSpPr>
           <p:spPr>
             <a:xfrm>
-              <a:off x="7525542" y="4472317"/>
+              <a:off x="7372817" y="4472305"/>
               <a:ext cx="63202" cy="63202"/>
             </a:xfrm>
             <a:custGeom>
@@ -35679,7 +35679,7 @@
           </p:nvSpPr>
           <p:spPr>
             <a:xfrm>
-              <a:off x="1334650" y="2998062"/>
+              <a:off x="1334650" y="2998080"/>
               <a:ext cx="62155" cy="81691"/>
             </a:xfrm>
             <a:prstGeom prst="rect">
@@ -35725,7 +35725,7 @@
           </p:nvSpPr>
           <p:spPr>
             <a:xfrm>
-              <a:off x="1148183" y="2513270"/>
+              <a:off x="1148183" y="2513285"/>
               <a:ext cx="248622" cy="81691"/>
             </a:xfrm>
             <a:prstGeom prst="rect">
@@ -35771,7 +35771,7 @@
           </p:nvSpPr>
           <p:spPr>
             <a:xfrm>
-              <a:off x="1148183" y="2028478"/>
+              <a:off x="1148183" y="2028490"/>
               <a:ext cx="248622" cy="81691"/>
             </a:xfrm>
             <a:prstGeom prst="rect">
@@ -35817,7 +35817,7 @@
           </p:nvSpPr>
           <p:spPr>
             <a:xfrm>
-              <a:off x="1148183" y="1543631"/>
+              <a:off x="1148183" y="1543640"/>
               <a:ext cx="248622" cy="81746"/>
             </a:xfrm>
             <a:prstGeom prst="rect">
@@ -35863,7 +35863,7 @@
           </p:nvSpPr>
           <p:spPr>
             <a:xfrm>
-              <a:off x="1424641" y="3039754"/>
+              <a:off x="1424641" y="3039772"/>
               <a:ext cx="34794" cy="0"/>
             </a:xfrm>
             <a:custGeom>
@@ -35903,7 +35903,7 @@
           </p:nvSpPr>
           <p:spPr>
             <a:xfrm>
-              <a:off x="1424641" y="2554962"/>
+              <a:off x="1424641" y="2554977"/>
               <a:ext cx="34794" cy="0"/>
             </a:xfrm>
             <a:custGeom>
@@ -35943,7 +35943,7 @@
           </p:nvSpPr>
           <p:spPr>
             <a:xfrm>
-              <a:off x="1424641" y="2070170"/>
+              <a:off x="1424641" y="2070181"/>
               <a:ext cx="34794" cy="0"/>
             </a:xfrm>
             <a:custGeom>
@@ -35983,7 +35983,7 @@
           </p:nvSpPr>
           <p:spPr>
             <a:xfrm>
-              <a:off x="1424641" y="1585378"/>
+              <a:off x="1424641" y="1585386"/>
               <a:ext cx="34794" cy="0"/>
             </a:xfrm>
             <a:custGeom>
@@ -36023,7 +36023,7 @@
           </p:nvSpPr>
           <p:spPr>
             <a:xfrm>
-              <a:off x="1334650" y="4923394"/>
+              <a:off x="1334650" y="4923413"/>
               <a:ext cx="62155" cy="81691"/>
             </a:xfrm>
             <a:prstGeom prst="rect">
@@ -36069,7 +36069,7 @@
           </p:nvSpPr>
           <p:spPr>
             <a:xfrm>
-              <a:off x="1148183" y="4438602"/>
+              <a:off x="1148183" y="4438618"/>
               <a:ext cx="248622" cy="81691"/>
             </a:xfrm>
             <a:prstGeom prst="rect">
@@ -36115,7 +36115,7 @@
           </p:nvSpPr>
           <p:spPr>
             <a:xfrm>
-              <a:off x="1148183" y="3953810"/>
+              <a:off x="1148183" y="3953822"/>
               <a:ext cx="248622" cy="81691"/>
             </a:xfrm>
             <a:prstGeom prst="rect">
@@ -36161,7 +36161,7 @@
           </p:nvSpPr>
           <p:spPr>
             <a:xfrm>
-              <a:off x="1148183" y="3468964"/>
+              <a:off x="1148183" y="3468972"/>
               <a:ext cx="248622" cy="81746"/>
             </a:xfrm>
             <a:prstGeom prst="rect">
@@ -36207,7 +36207,7 @@
           </p:nvSpPr>
           <p:spPr>
             <a:xfrm>
-              <a:off x="1424641" y="4965086"/>
+              <a:off x="1424641" y="4965105"/>
               <a:ext cx="34794" cy="0"/>
             </a:xfrm>
             <a:custGeom>
@@ -36247,7 +36247,7 @@
           </p:nvSpPr>
           <p:spPr>
             <a:xfrm>
-              <a:off x="1424641" y="4480294"/>
+              <a:off x="1424641" y="4480309"/>
               <a:ext cx="34794" cy="0"/>
             </a:xfrm>
             <a:custGeom>
@@ -36287,7 +36287,7 @@
           </p:nvSpPr>
           <p:spPr>
             <a:xfrm>
-              <a:off x="1424641" y="3995502"/>
+              <a:off x="1424641" y="3995514"/>
               <a:ext cx="34794" cy="0"/>
             </a:xfrm>
             <a:custGeom>
@@ -36327,7 +36327,7 @@
           </p:nvSpPr>
           <p:spPr>
             <a:xfrm>
-              <a:off x="1424641" y="3510710"/>
+              <a:off x="1424641" y="3510719"/>
               <a:ext cx="34794" cy="0"/>
             </a:xfrm>
             <a:custGeom>
@@ -36367,7 +36367,7 @@
           </p:nvSpPr>
           <p:spPr>
             <a:xfrm>
-              <a:off x="1334650" y="6848727"/>
+              <a:off x="1334650" y="6848745"/>
               <a:ext cx="62155" cy="81691"/>
             </a:xfrm>
             <a:prstGeom prst="rect">
@@ -36413,7 +36413,7 @@
           </p:nvSpPr>
           <p:spPr>
             <a:xfrm>
-              <a:off x="1148183" y="6363935"/>
+              <a:off x="1148183" y="6363950"/>
               <a:ext cx="248622" cy="81691"/>
             </a:xfrm>
             <a:prstGeom prst="rect">
@@ -36459,7 +36459,7 @@
           </p:nvSpPr>
           <p:spPr>
             <a:xfrm>
-              <a:off x="1148183" y="5879143"/>
+              <a:off x="1148183" y="5879155"/>
               <a:ext cx="248622" cy="81691"/>
             </a:xfrm>
             <a:prstGeom prst="rect">
@@ -36505,7 +36505,7 @@
           </p:nvSpPr>
           <p:spPr>
             <a:xfrm>
-              <a:off x="1148183" y="5394296"/>
+              <a:off x="1148183" y="5394305"/>
               <a:ext cx="248622" cy="81746"/>
             </a:xfrm>
             <a:prstGeom prst="rect">
@@ -36551,7 +36551,7 @@
           </p:nvSpPr>
           <p:spPr>
             <a:xfrm>
-              <a:off x="1424641" y="6890419"/>
+              <a:off x="1424641" y="6890437"/>
               <a:ext cx="34794" cy="0"/>
             </a:xfrm>
             <a:custGeom>
@@ -36591,7 +36591,7 @@
           </p:nvSpPr>
           <p:spPr>
             <a:xfrm>
-              <a:off x="1424641" y="6405627"/>
+              <a:off x="1424641" y="6405642"/>
               <a:ext cx="34794" cy="0"/>
             </a:xfrm>
             <a:custGeom>
@@ -36631,7 +36631,7 @@
           </p:nvSpPr>
           <p:spPr>
             <a:xfrm>
-              <a:off x="1424641" y="5920835"/>
+              <a:off x="1424641" y="5920847"/>
               <a:ext cx="34794" cy="0"/>
             </a:xfrm>
             <a:custGeom>
@@ -36671,7 +36671,7 @@
           </p:nvSpPr>
           <p:spPr>
             <a:xfrm>
-              <a:off x="1424641" y="5436043"/>
+              <a:off x="1424641" y="5436051"/>
               <a:ext cx="34794" cy="0"/>
             </a:xfrm>
             <a:custGeom>

--- a/Images/Figures_PPT/Jitter_Plot_Raptor_All.pptx
+++ b/Images/Figures_PPT/Jitter_Plot_Raptor_All.pptx
@@ -2359,7 +2359,7 @@
           </p:nvSpPr>
           <p:spPr>
             <a:xfrm>
-              <a:off x="1459435" y="2797374"/>
+              <a:off x="1459435" y="2797371"/>
               <a:ext cx="2796732" cy="0"/>
             </a:xfrm>
             <a:custGeom>
@@ -2402,7 +2402,7 @@
           </p:nvSpPr>
           <p:spPr>
             <a:xfrm>
-              <a:off x="1459435" y="2312579"/>
+              <a:off x="1459435" y="2312576"/>
               <a:ext cx="2796732" cy="0"/>
             </a:xfrm>
             <a:custGeom>
@@ -2445,7 +2445,7 @@
           </p:nvSpPr>
           <p:spPr>
             <a:xfrm>
-              <a:off x="1459435" y="1827784"/>
+              <a:off x="1459435" y="1827780"/>
               <a:ext cx="2796732" cy="0"/>
             </a:xfrm>
             <a:custGeom>
@@ -2488,7 +2488,7 @@
           </p:nvSpPr>
           <p:spPr>
             <a:xfrm>
-              <a:off x="1459435" y="3039772"/>
+              <a:off x="1459435" y="3039769"/>
               <a:ext cx="2796732" cy="0"/>
             </a:xfrm>
             <a:custGeom>
@@ -2531,7 +2531,7 @@
           </p:nvSpPr>
           <p:spPr>
             <a:xfrm>
-              <a:off x="1459435" y="2554977"/>
+              <a:off x="1459435" y="2554973"/>
               <a:ext cx="2796732" cy="0"/>
             </a:xfrm>
             <a:custGeom>
@@ -2574,7 +2574,7 @@
           </p:nvSpPr>
           <p:spPr>
             <a:xfrm>
-              <a:off x="1459435" y="2070181"/>
+              <a:off x="1459435" y="2070178"/>
               <a:ext cx="2796732" cy="0"/>
             </a:xfrm>
             <a:custGeom>
@@ -2617,7 +2617,7 @@
           </p:nvSpPr>
           <p:spPr>
             <a:xfrm>
-              <a:off x="1459435" y="1585386"/>
+              <a:off x="1459435" y="1585382"/>
               <a:ext cx="2796732" cy="0"/>
             </a:xfrm>
             <a:custGeom>
@@ -2789,7 +2789,7 @@
           </p:nvSpPr>
           <p:spPr>
             <a:xfrm>
-              <a:off x="3670032" y="2848474"/>
+              <a:off x="3996758" y="2848458"/>
               <a:ext cx="63202" cy="63202"/>
             </a:xfrm>
             <a:custGeom>
@@ -2832,7 +2832,7 @@
           </p:nvSpPr>
           <p:spPr>
             <a:xfrm>
-              <a:off x="2062710" y="2805152"/>
+              <a:off x="2252664" y="2805153"/>
               <a:ext cx="63202" cy="63202"/>
             </a:xfrm>
             <a:custGeom>
@@ -2875,7 +2875,7 @@
           </p:nvSpPr>
           <p:spPr>
             <a:xfrm>
-              <a:off x="2061596" y="2692235"/>
+              <a:off x="1831915" y="2692240"/>
               <a:ext cx="63202" cy="63202"/>
             </a:xfrm>
             <a:custGeom>
@@ -2918,7 +2918,7 @@
           </p:nvSpPr>
           <p:spPr>
             <a:xfrm>
-              <a:off x="2554127" y="2900980"/>
+              <a:off x="3046521" y="2900993"/>
               <a:ext cx="63202" cy="63202"/>
             </a:xfrm>
             <a:custGeom>
@@ -2961,7 +2961,7 @@
           </p:nvSpPr>
           <p:spPr>
             <a:xfrm>
-              <a:off x="1651484" y="2856050"/>
+              <a:off x="1682456" y="2856037"/>
               <a:ext cx="63202" cy="63202"/>
             </a:xfrm>
             <a:custGeom>
@@ -3004,7 +3004,7 @@
           </p:nvSpPr>
           <p:spPr>
             <a:xfrm>
-              <a:off x="2845646" y="2900249"/>
+              <a:off x="2747766" y="2900242"/>
               <a:ext cx="63202" cy="63202"/>
             </a:xfrm>
             <a:custGeom>
@@ -3103,7 +3103,7 @@
           </p:nvSpPr>
           <p:spPr>
             <a:xfrm>
-              <a:off x="1459435" y="4722707"/>
+              <a:off x="1459435" y="4722704"/>
               <a:ext cx="2796732" cy="0"/>
             </a:xfrm>
             <a:custGeom>
@@ -3146,7 +3146,7 @@
           </p:nvSpPr>
           <p:spPr>
             <a:xfrm>
-              <a:off x="1459435" y="4237912"/>
+              <a:off x="1459435" y="4237908"/>
               <a:ext cx="2796732" cy="0"/>
             </a:xfrm>
             <a:custGeom>
@@ -3189,7 +3189,7 @@
           </p:nvSpPr>
           <p:spPr>
             <a:xfrm>
-              <a:off x="1459435" y="3753116"/>
+              <a:off x="1459435" y="3753112"/>
               <a:ext cx="2796732" cy="0"/>
             </a:xfrm>
             <a:custGeom>
@@ -3232,7 +3232,7 @@
           </p:nvSpPr>
           <p:spPr>
             <a:xfrm>
-              <a:off x="1459435" y="4965105"/>
+              <a:off x="1459435" y="4965102"/>
               <a:ext cx="2796732" cy="0"/>
             </a:xfrm>
             <a:custGeom>
@@ -3275,7 +3275,7 @@
           </p:nvSpPr>
           <p:spPr>
             <a:xfrm>
-              <a:off x="1459435" y="4480309"/>
+              <a:off x="1459435" y="4480306"/>
               <a:ext cx="2796732" cy="0"/>
             </a:xfrm>
             <a:custGeom>
@@ -3318,7 +3318,7 @@
           </p:nvSpPr>
           <p:spPr>
             <a:xfrm>
-              <a:off x="1459435" y="3995514"/>
+              <a:off x="1459435" y="3995510"/>
               <a:ext cx="2796732" cy="0"/>
             </a:xfrm>
             <a:custGeom>
@@ -3361,7 +3361,7 @@
           </p:nvSpPr>
           <p:spPr>
             <a:xfrm>
-              <a:off x="1459435" y="3510719"/>
+              <a:off x="1459435" y="3510714"/>
               <a:ext cx="2796732" cy="0"/>
             </a:xfrm>
             <a:custGeom>
@@ -3533,7 +3533,7 @@
           </p:nvSpPr>
           <p:spPr>
             <a:xfrm>
-              <a:off x="1917242" y="4513191"/>
+              <a:off x="1831314" y="4513201"/>
               <a:ext cx="63202" cy="63202"/>
             </a:xfrm>
             <a:custGeom>
@@ -3576,7 +3576,7 @@
           </p:nvSpPr>
           <p:spPr>
             <a:xfrm>
-              <a:off x="1680129" y="4687651"/>
+              <a:off x="1918464" y="4687659"/>
               <a:ext cx="63202" cy="63202"/>
             </a:xfrm>
             <a:custGeom>
@@ -3619,7 +3619,7 @@
           </p:nvSpPr>
           <p:spPr>
             <a:xfrm>
-              <a:off x="2179186" y="4513174"/>
+              <a:off x="1668061" y="4513180"/>
               <a:ext cx="63202" cy="63202"/>
             </a:xfrm>
             <a:custGeom>
@@ -3662,7 +3662,7 @@
           </p:nvSpPr>
           <p:spPr>
             <a:xfrm>
-              <a:off x="2240278" y="4612476"/>
+              <a:off x="2029158" y="4612465"/>
               <a:ext cx="63202" cy="63202"/>
             </a:xfrm>
             <a:custGeom>
@@ -3705,7 +3705,7 @@
           </p:nvSpPr>
           <p:spPr>
             <a:xfrm>
-              <a:off x="1875040" y="4562750"/>
+              <a:off x="2034958" y="4562731"/>
               <a:ext cx="63202" cy="63202"/>
             </a:xfrm>
             <a:custGeom>
@@ -3748,7 +3748,7 @@
           </p:nvSpPr>
           <p:spPr>
             <a:xfrm>
-              <a:off x="2642901" y="4843375"/>
+              <a:off x="3125364" y="4843371"/>
               <a:ext cx="63202" cy="63202"/>
             </a:xfrm>
             <a:custGeom>
@@ -3791,7 +3791,7 @@
           </p:nvSpPr>
           <p:spPr>
             <a:xfrm>
-              <a:off x="1824294" y="4612069"/>
+              <a:off x="1869974" y="4612083"/>
               <a:ext cx="63202" cy="63202"/>
             </a:xfrm>
             <a:custGeom>
@@ -3834,7 +3834,7 @@
           </p:nvSpPr>
           <p:spPr>
             <a:xfrm>
-              <a:off x="2156719" y="4638932"/>
+              <a:off x="1747749" y="4638927"/>
               <a:ext cx="63202" cy="63202"/>
             </a:xfrm>
             <a:custGeom>
@@ -3877,7 +3877,7 @@
           </p:nvSpPr>
           <p:spPr>
             <a:xfrm>
-              <a:off x="1910175" y="4697208"/>
+              <a:off x="2192439" y="4697216"/>
               <a:ext cx="63202" cy="63202"/>
             </a:xfrm>
             <a:custGeom>
@@ -3920,7 +3920,7 @@
           </p:nvSpPr>
           <p:spPr>
             <a:xfrm>
-              <a:off x="2777078" y="4802947"/>
+              <a:off x="2644672" y="4802930"/>
               <a:ext cx="63202" cy="63202"/>
             </a:xfrm>
             <a:custGeom>
@@ -3963,7 +3963,7 @@
           </p:nvSpPr>
           <p:spPr>
             <a:xfrm>
-              <a:off x="2578517" y="4778658"/>
+              <a:off x="2845839" y="4778653"/>
               <a:ext cx="63202" cy="63202"/>
             </a:xfrm>
             <a:custGeom>
@@ -4006,7 +4006,7 @@
           </p:nvSpPr>
           <p:spPr>
             <a:xfrm>
-              <a:off x="1963631" y="4733919"/>
+              <a:off x="1672213" y="4733918"/>
               <a:ext cx="63202" cy="63202"/>
             </a:xfrm>
             <a:custGeom>
@@ -4049,7 +4049,7 @@
           </p:nvSpPr>
           <p:spPr>
             <a:xfrm>
-              <a:off x="2090800" y="4642926"/>
+              <a:off x="1696765" y="4642903"/>
               <a:ext cx="63202" cy="63202"/>
             </a:xfrm>
             <a:custGeom>
@@ -4092,7 +4092,7 @@
           </p:nvSpPr>
           <p:spPr>
             <a:xfrm>
-              <a:off x="3078706" y="4790062"/>
+              <a:off x="2532365" y="4790035"/>
               <a:ext cx="63202" cy="63202"/>
             </a:xfrm>
             <a:custGeom>
@@ -4135,7 +4135,7 @@
           </p:nvSpPr>
           <p:spPr>
             <a:xfrm>
-              <a:off x="3127684" y="4823072"/>
+              <a:off x="2957369" y="4823063"/>
               <a:ext cx="63202" cy="63202"/>
             </a:xfrm>
             <a:custGeom>
@@ -4178,7 +4178,7 @@
           </p:nvSpPr>
           <p:spPr>
             <a:xfrm>
-              <a:off x="1816651" y="4396680"/>
+              <a:off x="1805929" y="4396685"/>
               <a:ext cx="63202" cy="63202"/>
             </a:xfrm>
             <a:custGeom>
@@ -4221,7 +4221,7 @@
           </p:nvSpPr>
           <p:spPr>
             <a:xfrm>
-              <a:off x="2266895" y="4764758"/>
+              <a:off x="2249093" y="4764744"/>
               <a:ext cx="63202" cy="63202"/>
             </a:xfrm>
             <a:custGeom>
@@ -4264,7 +4264,7 @@
           </p:nvSpPr>
           <p:spPr>
             <a:xfrm>
-              <a:off x="1794820" y="4416289"/>
+              <a:off x="1961892" y="4416272"/>
               <a:ext cx="63202" cy="63202"/>
             </a:xfrm>
             <a:custGeom>
@@ -4307,7 +4307,7 @@
           </p:nvSpPr>
           <p:spPr>
             <a:xfrm>
-              <a:off x="1623938" y="4673398"/>
+              <a:off x="1969055" y="4673410"/>
               <a:ext cx="63202" cy="63202"/>
             </a:xfrm>
             <a:custGeom>
@@ -4350,7 +4350,7 @@
           </p:nvSpPr>
           <p:spPr>
             <a:xfrm>
-              <a:off x="2109701" y="4712570"/>
+              <a:off x="2106384" y="4712593"/>
               <a:ext cx="63202" cy="63202"/>
             </a:xfrm>
             <a:custGeom>
@@ -4393,7 +4393,7 @@
           </p:nvSpPr>
           <p:spPr>
             <a:xfrm>
-              <a:off x="1769138" y="4695814"/>
+              <a:off x="2141036" y="4695792"/>
               <a:ext cx="63202" cy="63202"/>
             </a:xfrm>
             <a:custGeom>
@@ -4436,7 +4436,7 @@
           </p:nvSpPr>
           <p:spPr>
             <a:xfrm>
-              <a:off x="2708199" y="4835047"/>
+              <a:off x="2626507" y="4835039"/>
               <a:ext cx="63202" cy="63202"/>
             </a:xfrm>
             <a:custGeom>
@@ -4535,7 +4535,7 @@
           </p:nvSpPr>
           <p:spPr>
             <a:xfrm>
-              <a:off x="1459435" y="6648040"/>
+              <a:off x="1459435" y="6648036"/>
               <a:ext cx="2796732" cy="0"/>
             </a:xfrm>
             <a:custGeom>
@@ -4578,7 +4578,7 @@
           </p:nvSpPr>
           <p:spPr>
             <a:xfrm>
-              <a:off x="1459435" y="6163244"/>
+              <a:off x="1459435" y="6163241"/>
               <a:ext cx="2796732" cy="0"/>
             </a:xfrm>
             <a:custGeom>
@@ -4621,7 +4621,7 @@
           </p:nvSpPr>
           <p:spPr>
             <a:xfrm>
-              <a:off x="1459435" y="5678449"/>
+              <a:off x="1459435" y="5678445"/>
               <a:ext cx="2796732" cy="0"/>
             </a:xfrm>
             <a:custGeom>
@@ -4664,7 +4664,7 @@
           </p:nvSpPr>
           <p:spPr>
             <a:xfrm>
-              <a:off x="1459435" y="6890437"/>
+              <a:off x="1459435" y="6890434"/>
               <a:ext cx="2796732" cy="0"/>
             </a:xfrm>
             <a:custGeom>
@@ -4707,7 +4707,7 @@
           </p:nvSpPr>
           <p:spPr>
             <a:xfrm>
-              <a:off x="1459435" y="6405642"/>
+              <a:off x="1459435" y="6405639"/>
               <a:ext cx="2796732" cy="0"/>
             </a:xfrm>
             <a:custGeom>
@@ -4750,7 +4750,7 @@
           </p:nvSpPr>
           <p:spPr>
             <a:xfrm>
-              <a:off x="1459435" y="5920847"/>
+              <a:off x="1459435" y="5920843"/>
               <a:ext cx="2796732" cy="0"/>
             </a:xfrm>
             <a:custGeom>
@@ -4793,7 +4793,7 @@
           </p:nvSpPr>
           <p:spPr>
             <a:xfrm>
-              <a:off x="1459435" y="5436051"/>
+              <a:off x="1459435" y="5436047"/>
               <a:ext cx="2796732" cy="0"/>
             </a:xfrm>
             <a:custGeom>
@@ -4965,7 +4965,7 @@
           </p:nvSpPr>
           <p:spPr>
             <a:xfrm>
-              <a:off x="2170238" y="6201073"/>
+              <a:off x="1815672" y="6201052"/>
               <a:ext cx="63202" cy="63202"/>
             </a:xfrm>
             <a:custGeom>
@@ -5008,7 +5008,7 @@
           </p:nvSpPr>
           <p:spPr>
             <a:xfrm>
-              <a:off x="2174992" y="6198578"/>
+              <a:off x="2150835" y="6198577"/>
               <a:ext cx="63202" cy="63202"/>
             </a:xfrm>
             <a:custGeom>
@@ -5051,7 +5051,7 @@
           </p:nvSpPr>
           <p:spPr>
             <a:xfrm>
-              <a:off x="2264904" y="6197185"/>
+              <a:off x="1742457" y="6197197"/>
               <a:ext cx="63202" cy="63202"/>
             </a:xfrm>
             <a:custGeom>
@@ -5094,7 +5094,7 @@
           </p:nvSpPr>
           <p:spPr>
             <a:xfrm>
-              <a:off x="2116810" y="6287421"/>
+              <a:off x="1781403" y="6287417"/>
               <a:ext cx="63202" cy="63202"/>
             </a:xfrm>
             <a:custGeom>
@@ -5137,7 +5137,7 @@
           </p:nvSpPr>
           <p:spPr>
             <a:xfrm>
-              <a:off x="1627791" y="6353789"/>
+              <a:off x="1798892" y="6353773"/>
               <a:ext cx="63202" cy="63202"/>
             </a:xfrm>
             <a:custGeom>
@@ -5180,7 +5180,7 @@
           </p:nvSpPr>
           <p:spPr>
             <a:xfrm>
-              <a:off x="1950723" y="6321139"/>
+              <a:off x="1773326" y="6321128"/>
               <a:ext cx="63202" cy="63202"/>
             </a:xfrm>
             <a:custGeom>
@@ -5223,7 +5223,7 @@
           </p:nvSpPr>
           <p:spPr>
             <a:xfrm>
-              <a:off x="2054586" y="6273403"/>
+              <a:off x="2133084" y="6273394"/>
               <a:ext cx="63202" cy="63202"/>
             </a:xfrm>
             <a:custGeom>
@@ -5266,7 +5266,7 @@
           </p:nvSpPr>
           <p:spPr>
             <a:xfrm>
-              <a:off x="1917434" y="6260493"/>
+              <a:off x="2107481" y="6260516"/>
               <a:ext cx="63202" cy="63202"/>
             </a:xfrm>
             <a:custGeom>
@@ -5309,7 +5309,7 @@
           </p:nvSpPr>
           <p:spPr>
             <a:xfrm>
-              <a:off x="1781235" y="6400420"/>
+              <a:off x="2290584" y="6400421"/>
               <a:ext cx="63202" cy="63202"/>
             </a:xfrm>
             <a:custGeom>
@@ -5352,7 +5352,7 @@
           </p:nvSpPr>
           <p:spPr>
             <a:xfrm>
-              <a:off x="2169940" y="6272963"/>
+              <a:off x="1608996" y="6272975"/>
               <a:ext cx="63202" cy="63202"/>
             </a:xfrm>
             <a:custGeom>
@@ -5395,7 +5395,7 @@
           </p:nvSpPr>
           <p:spPr>
             <a:xfrm>
-              <a:off x="1652558" y="6340880"/>
+              <a:off x="2208401" y="6340888"/>
               <a:ext cx="63202" cy="63202"/>
             </a:xfrm>
             <a:custGeom>
@@ -5438,7 +5438,7 @@
           </p:nvSpPr>
           <p:spPr>
             <a:xfrm>
-              <a:off x="2021622" y="6362899"/>
+              <a:off x="1775255" y="6362871"/>
               <a:ext cx="63202" cy="63202"/>
             </a:xfrm>
             <a:custGeom>
@@ -5481,7 +5481,7 @@
           </p:nvSpPr>
           <p:spPr>
             <a:xfrm>
-              <a:off x="2260660" y="6264430"/>
+              <a:off x="1935568" y="6264415"/>
               <a:ext cx="63202" cy="63202"/>
             </a:xfrm>
             <a:custGeom>
@@ -5524,7 +5524,7 @@
           </p:nvSpPr>
           <p:spPr>
             <a:xfrm>
-              <a:off x="1789403" y="6314213"/>
+              <a:off x="2248301" y="6314231"/>
               <a:ext cx="63202" cy="63202"/>
             </a:xfrm>
             <a:custGeom>
@@ -5567,7 +5567,7 @@
           </p:nvSpPr>
           <p:spPr>
             <a:xfrm>
-              <a:off x="1788750" y="6375351"/>
+              <a:off x="1777727" y="6375345"/>
               <a:ext cx="63202" cy="63202"/>
             </a:xfrm>
             <a:custGeom>
@@ -5610,7 +5610,7 @@
           </p:nvSpPr>
           <p:spPr>
             <a:xfrm>
-              <a:off x="1970627" y="6323565"/>
+              <a:off x="2161650" y="6323568"/>
               <a:ext cx="63202" cy="63202"/>
             </a:xfrm>
             <a:custGeom>
@@ -5653,7 +5653,7 @@
           </p:nvSpPr>
           <p:spPr>
             <a:xfrm>
-              <a:off x="2164719" y="6272312"/>
+              <a:off x="2101378" y="6272315"/>
               <a:ext cx="63202" cy="63202"/>
             </a:xfrm>
             <a:custGeom>
@@ -5696,7 +5696,7 @@
           </p:nvSpPr>
           <p:spPr>
             <a:xfrm>
-              <a:off x="1943238" y="6318915"/>
+              <a:off x="2050693" y="6318928"/>
               <a:ext cx="63202" cy="63202"/>
             </a:xfrm>
             <a:custGeom>
@@ -5739,7 +5739,7 @@
           </p:nvSpPr>
           <p:spPr>
             <a:xfrm>
-              <a:off x="1939870" y="6599707"/>
+              <a:off x="2125763" y="6599702"/>
               <a:ext cx="63202" cy="63202"/>
             </a:xfrm>
             <a:custGeom>
@@ -5782,7 +5782,7 @@
           </p:nvSpPr>
           <p:spPr>
             <a:xfrm>
-              <a:off x="1649404" y="6322595"/>
+              <a:off x="2272317" y="6322602"/>
               <a:ext cx="63202" cy="63202"/>
             </a:xfrm>
             <a:custGeom>
@@ -5825,7 +5825,7 @@
           </p:nvSpPr>
           <p:spPr>
             <a:xfrm>
-              <a:off x="2237140" y="6346019"/>
+              <a:off x="1728863" y="6346027"/>
               <a:ext cx="63202" cy="63202"/>
             </a:xfrm>
             <a:custGeom>
@@ -5868,7 +5868,7 @@
           </p:nvSpPr>
           <p:spPr>
             <a:xfrm>
-              <a:off x="1647803" y="6345773"/>
+              <a:off x="2029374" y="6345764"/>
               <a:ext cx="63202" cy="63202"/>
             </a:xfrm>
             <a:custGeom>
@@ -5911,7 +5911,7 @@
           </p:nvSpPr>
           <p:spPr>
             <a:xfrm>
-              <a:off x="2290848" y="6254597"/>
+              <a:off x="2241507" y="6254585"/>
               <a:ext cx="63202" cy="63202"/>
             </a:xfrm>
             <a:custGeom>
@@ -5954,7 +5954,7 @@
           </p:nvSpPr>
           <p:spPr>
             <a:xfrm>
-              <a:off x="2266742" y="6242790"/>
+              <a:off x="2172845" y="6242805"/>
               <a:ext cx="63202" cy="63202"/>
             </a:xfrm>
             <a:custGeom>
@@ -5997,7 +5997,7 @@
           </p:nvSpPr>
           <p:spPr>
             <a:xfrm>
-              <a:off x="1849034" y="6567845"/>
+              <a:off x="2009599" y="6567863"/>
               <a:ext cx="63202" cy="63202"/>
             </a:xfrm>
             <a:custGeom>
@@ -6040,7 +6040,7 @@
           </p:nvSpPr>
           <p:spPr>
             <a:xfrm>
-              <a:off x="1645155" y="6620326"/>
+              <a:off x="1838842" y="6620327"/>
               <a:ext cx="63202" cy="63202"/>
             </a:xfrm>
             <a:custGeom>
@@ -6083,7 +6083,7 @@
           </p:nvSpPr>
           <p:spPr>
             <a:xfrm>
-              <a:off x="2288697" y="6686547"/>
+              <a:off x="1698889" y="6686540"/>
               <a:ext cx="63202" cy="63202"/>
             </a:xfrm>
             <a:custGeom>
@@ -6126,7 +6126,7 @@
           </p:nvSpPr>
           <p:spPr>
             <a:xfrm>
-              <a:off x="1928870" y="6349643"/>
+              <a:off x="2006517" y="6349647"/>
               <a:ext cx="63202" cy="63202"/>
             </a:xfrm>
             <a:custGeom>
@@ -6169,7 +6169,7 @@
           </p:nvSpPr>
           <p:spPr>
             <a:xfrm>
-              <a:off x="1872292" y="6329745"/>
+              <a:off x="2029203" y="6329725"/>
               <a:ext cx="63202" cy="63202"/>
             </a:xfrm>
             <a:custGeom>
@@ -6212,7 +6212,7 @@
           </p:nvSpPr>
           <p:spPr>
             <a:xfrm>
-              <a:off x="2255975" y="6265560"/>
+              <a:off x="2063259" y="6265524"/>
               <a:ext cx="63202" cy="63202"/>
             </a:xfrm>
             <a:custGeom>
@@ -6255,7 +6255,7 @@
           </p:nvSpPr>
           <p:spPr>
             <a:xfrm>
-              <a:off x="2104582" y="6261781"/>
+              <a:off x="2286385" y="6261759"/>
               <a:ext cx="63202" cy="63202"/>
             </a:xfrm>
             <a:custGeom>
@@ -6298,7 +6298,7 @@
           </p:nvSpPr>
           <p:spPr>
             <a:xfrm>
-              <a:off x="2115763" y="6373017"/>
+              <a:off x="1747541" y="6373026"/>
               <a:ext cx="63202" cy="63202"/>
             </a:xfrm>
             <a:custGeom>
@@ -6341,7 +6341,7 @@
           </p:nvSpPr>
           <p:spPr>
             <a:xfrm>
-              <a:off x="1751661" y="6376965"/>
+              <a:off x="1983793" y="6376941"/>
               <a:ext cx="63202" cy="63202"/>
             </a:xfrm>
             <a:custGeom>
@@ -6384,7 +6384,7 @@
           </p:nvSpPr>
           <p:spPr>
             <a:xfrm>
-              <a:off x="2196201" y="6333991"/>
+              <a:off x="1885389" y="6334007"/>
               <a:ext cx="63202" cy="63202"/>
             </a:xfrm>
             <a:custGeom>
@@ -6427,7 +6427,7 @@
           </p:nvSpPr>
           <p:spPr>
             <a:xfrm>
-              <a:off x="1669487" y="6334443"/>
+              <a:off x="2222810" y="6334434"/>
               <a:ext cx="63202" cy="63202"/>
             </a:xfrm>
             <a:custGeom>
@@ -6470,7 +6470,7 @@
           </p:nvSpPr>
           <p:spPr>
             <a:xfrm>
-              <a:off x="2119277" y="6424652"/>
+              <a:off x="1621612" y="6424667"/>
               <a:ext cx="63202" cy="63202"/>
             </a:xfrm>
             <a:custGeom>
@@ -6513,7 +6513,7 @@
           </p:nvSpPr>
           <p:spPr>
             <a:xfrm>
-              <a:off x="1894032" y="6705595"/>
+              <a:off x="1769330" y="6705608"/>
               <a:ext cx="63202" cy="63202"/>
             </a:xfrm>
             <a:custGeom>
@@ -6556,7 +6556,7 @@
           </p:nvSpPr>
           <p:spPr>
             <a:xfrm>
-              <a:off x="1894157" y="6420016"/>
+              <a:off x="2039801" y="6419984"/>
               <a:ext cx="63202" cy="63202"/>
             </a:xfrm>
             <a:custGeom>
@@ -6599,7 +6599,7 @@
           </p:nvSpPr>
           <p:spPr>
             <a:xfrm>
-              <a:off x="2136001" y="6531452"/>
+              <a:off x="2226447" y="6531464"/>
               <a:ext cx="63202" cy="63202"/>
             </a:xfrm>
             <a:custGeom>
@@ -6642,7 +6642,7 @@
           </p:nvSpPr>
           <p:spPr>
             <a:xfrm>
-              <a:off x="2153648" y="6229195"/>
+              <a:off x="1717823" y="6229176"/>
               <a:ext cx="63202" cy="63202"/>
             </a:xfrm>
             <a:custGeom>
@@ -6685,7 +6685,7 @@
           </p:nvSpPr>
           <p:spPr>
             <a:xfrm>
-              <a:off x="2032422" y="6316116"/>
+              <a:off x="2278638" y="6316089"/>
               <a:ext cx="63202" cy="63202"/>
             </a:xfrm>
             <a:custGeom>
@@ -6728,7 +6728,7 @@
           </p:nvSpPr>
           <p:spPr>
             <a:xfrm>
-              <a:off x="1732812" y="6372727"/>
+              <a:off x="1706016" y="6372733"/>
               <a:ext cx="63202" cy="63202"/>
             </a:xfrm>
             <a:custGeom>
@@ -6771,7 +6771,7 @@
           </p:nvSpPr>
           <p:spPr>
             <a:xfrm>
-              <a:off x="1784277" y="6322587"/>
+              <a:off x="2004360" y="6322600"/>
               <a:ext cx="63202" cy="63202"/>
             </a:xfrm>
             <a:custGeom>
@@ -6814,7 +6814,7 @@
           </p:nvSpPr>
           <p:spPr>
             <a:xfrm>
-              <a:off x="1696511" y="6200978"/>
+              <a:off x="1712154" y="6200968"/>
               <a:ext cx="63202" cy="63202"/>
             </a:xfrm>
             <a:custGeom>
@@ -6857,7 +6857,7 @@
           </p:nvSpPr>
           <p:spPr>
             <a:xfrm>
-              <a:off x="1691707" y="6550202"/>
+              <a:off x="2168962" y="6550203"/>
               <a:ext cx="63202" cy="63202"/>
             </a:xfrm>
             <a:custGeom>
@@ -6900,7 +6900,7 @@
           </p:nvSpPr>
           <p:spPr>
             <a:xfrm>
-              <a:off x="2042908" y="6348045"/>
+              <a:off x="1835823" y="6348043"/>
               <a:ext cx="63202" cy="63202"/>
             </a:xfrm>
             <a:custGeom>
@@ -6943,7 +6943,7 @@
           </p:nvSpPr>
           <p:spPr>
             <a:xfrm>
-              <a:off x="1940697" y="6377135"/>
+              <a:off x="2009378" y="6377136"/>
               <a:ext cx="63202" cy="63202"/>
             </a:xfrm>
             <a:custGeom>
@@ -6986,7 +6986,7 @@
           </p:nvSpPr>
           <p:spPr>
             <a:xfrm>
-              <a:off x="1641900" y="6194040"/>
+              <a:off x="1919974" y="6194031"/>
               <a:ext cx="63202" cy="63202"/>
             </a:xfrm>
             <a:custGeom>
@@ -7029,7 +7029,7 @@
           </p:nvSpPr>
           <p:spPr>
             <a:xfrm>
-              <a:off x="1774061" y="6525403"/>
+              <a:off x="1638848" y="6525408"/>
               <a:ext cx="63202" cy="63202"/>
             </a:xfrm>
             <a:custGeom>
@@ -7072,7 +7072,7 @@
           </p:nvSpPr>
           <p:spPr>
             <a:xfrm>
-              <a:off x="2215617" y="6322421"/>
+              <a:off x="2040545" y="6322405"/>
               <a:ext cx="63202" cy="63202"/>
             </a:xfrm>
             <a:custGeom>
@@ -7115,7 +7115,7 @@
           </p:nvSpPr>
           <p:spPr>
             <a:xfrm>
-              <a:off x="2482818" y="6552333"/>
+              <a:off x="2849007" y="6552361"/>
               <a:ext cx="63202" cy="63202"/>
             </a:xfrm>
             <a:custGeom>
@@ -7158,7 +7158,7 @@
           </p:nvSpPr>
           <p:spPr>
             <a:xfrm>
-              <a:off x="1958722" y="6229921"/>
+              <a:off x="1805634" y="6229911"/>
               <a:ext cx="63202" cy="63202"/>
             </a:xfrm>
             <a:custGeom>
@@ -7201,7 +7201,7 @@
           </p:nvSpPr>
           <p:spPr>
             <a:xfrm>
-              <a:off x="2062831" y="6363869"/>
+              <a:off x="1925707" y="6363860"/>
               <a:ext cx="63202" cy="63202"/>
             </a:xfrm>
             <a:custGeom>
@@ -7244,7 +7244,7 @@
           </p:nvSpPr>
           <p:spPr>
             <a:xfrm>
-              <a:off x="2193128" y="6244825"/>
+              <a:off x="1801896" y="6244835"/>
               <a:ext cx="63202" cy="63202"/>
             </a:xfrm>
             <a:custGeom>
@@ -7287,7 +7287,7 @@
           </p:nvSpPr>
           <p:spPr>
             <a:xfrm>
-              <a:off x="1705022" y="6316121"/>
+              <a:off x="1810287" y="6316090"/>
               <a:ext cx="63202" cy="63202"/>
             </a:xfrm>
             <a:custGeom>
@@ -7330,7 +7330,7 @@
           </p:nvSpPr>
           <p:spPr>
             <a:xfrm>
-              <a:off x="2835613" y="6738982"/>
+              <a:off x="2915269" y="6738981"/>
               <a:ext cx="63202" cy="63202"/>
             </a:xfrm>
             <a:custGeom>
@@ -7373,7 +7373,7 @@
           </p:nvSpPr>
           <p:spPr>
             <a:xfrm>
-              <a:off x="1815691" y="6198079"/>
+              <a:off x="1922499" y="6198062"/>
               <a:ext cx="63202" cy="63202"/>
             </a:xfrm>
             <a:custGeom>
@@ -7416,7 +7416,7 @@
           </p:nvSpPr>
           <p:spPr>
             <a:xfrm>
-              <a:off x="2080851" y="6197770"/>
+              <a:off x="1705554" y="6197747"/>
               <a:ext cx="63202" cy="63202"/>
             </a:xfrm>
             <a:custGeom>
@@ -7459,7 +7459,7 @@
           </p:nvSpPr>
           <p:spPr>
             <a:xfrm>
-              <a:off x="2092900" y="6198739"/>
+              <a:off x="1825307" y="6198736"/>
               <a:ext cx="63202" cy="63202"/>
             </a:xfrm>
             <a:custGeom>
@@ -7502,7 +7502,7 @@
           </p:nvSpPr>
           <p:spPr>
             <a:xfrm>
-              <a:off x="1761356" y="6198402"/>
+              <a:off x="1718624" y="6198400"/>
               <a:ext cx="63202" cy="63202"/>
             </a:xfrm>
             <a:custGeom>
@@ -7545,7 +7545,7 @@
           </p:nvSpPr>
           <p:spPr>
             <a:xfrm>
-              <a:off x="1908110" y="6197129"/>
+              <a:off x="1708070" y="6197121"/>
               <a:ext cx="63202" cy="63202"/>
             </a:xfrm>
             <a:custGeom>
@@ -7588,7 +7588,7 @@
           </p:nvSpPr>
           <p:spPr>
             <a:xfrm>
-              <a:off x="2268236" y="6429127"/>
+              <a:off x="1957517" y="6429108"/>
               <a:ext cx="63202" cy="63202"/>
             </a:xfrm>
             <a:custGeom>
@@ -7631,7 +7631,7 @@
           </p:nvSpPr>
           <p:spPr>
             <a:xfrm>
-              <a:off x="1792052" y="6281726"/>
+              <a:off x="2092598" y="6281746"/>
               <a:ext cx="63202" cy="63202"/>
             </a:xfrm>
             <a:custGeom>
@@ -7674,7 +7674,7 @@
           </p:nvSpPr>
           <p:spPr>
             <a:xfrm>
-              <a:off x="2208156" y="6685238"/>
+              <a:off x="1929930" y="6685218"/>
               <a:ext cx="63202" cy="63202"/>
             </a:xfrm>
             <a:custGeom>
@@ -7717,7 +7717,7 @@
           </p:nvSpPr>
           <p:spPr>
             <a:xfrm>
-              <a:off x="2809389" y="6738993"/>
+              <a:off x="2861400" y="6739008"/>
               <a:ext cx="63202" cy="63202"/>
             </a:xfrm>
             <a:custGeom>
@@ -7760,7 +7760,7 @@
           </p:nvSpPr>
           <p:spPr>
             <a:xfrm>
-              <a:off x="2198566" y="6201685"/>
+              <a:off x="1952095" y="6201710"/>
               <a:ext cx="63202" cy="63202"/>
             </a:xfrm>
             <a:custGeom>
@@ -7803,7 +7803,7 @@
           </p:nvSpPr>
           <p:spPr>
             <a:xfrm>
-              <a:off x="2219418" y="6223059"/>
+              <a:off x="1940442" y="6223059"/>
               <a:ext cx="63202" cy="63202"/>
             </a:xfrm>
             <a:custGeom>
@@ -7846,7 +7846,7 @@
           </p:nvSpPr>
           <p:spPr>
             <a:xfrm>
-              <a:off x="1777472" y="6583574"/>
+              <a:off x="1884498" y="6583554"/>
               <a:ext cx="63202" cy="63202"/>
             </a:xfrm>
             <a:custGeom>
@@ -7889,7 +7889,7 @@
           </p:nvSpPr>
           <p:spPr>
             <a:xfrm>
-              <a:off x="1780437" y="6235402"/>
+              <a:off x="2014787" y="6235390"/>
               <a:ext cx="63202" cy="63202"/>
             </a:xfrm>
             <a:custGeom>
@@ -7932,7 +7932,7 @@
           </p:nvSpPr>
           <p:spPr>
             <a:xfrm>
-              <a:off x="1751706" y="6311570"/>
+              <a:off x="2008165" y="6311532"/>
               <a:ext cx="63202" cy="63202"/>
             </a:xfrm>
             <a:custGeom>
@@ -7975,7 +7975,7 @@
           </p:nvSpPr>
           <p:spPr>
             <a:xfrm>
-              <a:off x="1991114" y="6569252"/>
+              <a:off x="1984331" y="6569257"/>
               <a:ext cx="63202" cy="63202"/>
             </a:xfrm>
             <a:custGeom>
@@ -8018,7 +8018,7 @@
           </p:nvSpPr>
           <p:spPr>
             <a:xfrm>
-              <a:off x="1885683" y="6307726"/>
+              <a:off x="1633357" y="6307712"/>
               <a:ext cx="63202" cy="63202"/>
             </a:xfrm>
             <a:custGeom>
@@ -8061,7 +8061,7 @@
           </p:nvSpPr>
           <p:spPr>
             <a:xfrm>
-              <a:off x="2563855" y="6768423"/>
+              <a:off x="3075244" y="6768438"/>
               <a:ext cx="63202" cy="63202"/>
             </a:xfrm>
             <a:custGeom>
@@ -8104,7 +8104,7 @@
           </p:nvSpPr>
           <p:spPr>
             <a:xfrm>
-              <a:off x="1797036" y="6193219"/>
+              <a:off x="2293494" y="6193208"/>
               <a:ext cx="63202" cy="63202"/>
             </a:xfrm>
             <a:custGeom>
@@ -8147,7 +8147,7 @@
           </p:nvSpPr>
           <p:spPr>
             <a:xfrm>
-              <a:off x="1833585" y="6194953"/>
+              <a:off x="2277978" y="6194969"/>
               <a:ext cx="63202" cy="63202"/>
             </a:xfrm>
             <a:custGeom>
@@ -8190,7 +8190,7 @@
           </p:nvSpPr>
           <p:spPr>
             <a:xfrm>
-              <a:off x="1853036" y="6193875"/>
+              <a:off x="2041993" y="6193889"/>
               <a:ext cx="63202" cy="63202"/>
             </a:xfrm>
             <a:custGeom>
@@ -8233,7 +8233,7 @@
           </p:nvSpPr>
           <p:spPr>
             <a:xfrm>
-              <a:off x="1841892" y="6246095"/>
+              <a:off x="1992833" y="6246111"/>
               <a:ext cx="63202" cy="63202"/>
             </a:xfrm>
             <a:custGeom>
@@ -8276,7 +8276,7 @@
           </p:nvSpPr>
           <p:spPr>
             <a:xfrm>
-              <a:off x="1951573" y="6264086"/>
+              <a:off x="1670525" y="6264096"/>
               <a:ext cx="63202" cy="63202"/>
             </a:xfrm>
             <a:custGeom>
@@ -8319,7 +8319,7 @@
           </p:nvSpPr>
           <p:spPr>
             <a:xfrm>
-              <a:off x="1787707" y="6193422"/>
+              <a:off x="2110004" y="6193397"/>
               <a:ext cx="63202" cy="63202"/>
             </a:xfrm>
             <a:custGeom>
@@ -8362,7 +8362,7 @@
           </p:nvSpPr>
           <p:spPr>
             <a:xfrm>
-              <a:off x="1767075" y="6287755"/>
+              <a:off x="1867919" y="6287751"/>
               <a:ext cx="63202" cy="63202"/>
             </a:xfrm>
             <a:custGeom>
@@ -8405,7 +8405,7 @@
           </p:nvSpPr>
           <p:spPr>
             <a:xfrm>
-              <a:off x="2158365" y="6275273"/>
+              <a:off x="2010116" y="6275273"/>
               <a:ext cx="63202" cy="63202"/>
             </a:xfrm>
             <a:custGeom>
@@ -8448,7 +8448,7 @@
           </p:nvSpPr>
           <p:spPr>
             <a:xfrm>
-              <a:off x="1684122" y="6193635"/>
+              <a:off x="1688962" y="6193636"/>
               <a:ext cx="63202" cy="63202"/>
             </a:xfrm>
             <a:custGeom>
@@ -8491,7 +8491,7 @@
           </p:nvSpPr>
           <p:spPr>
             <a:xfrm>
-              <a:off x="1816792" y="6195572"/>
+              <a:off x="1761345" y="6195579"/>
               <a:ext cx="63202" cy="63202"/>
             </a:xfrm>
             <a:custGeom>
@@ -8534,7 +8534,7 @@
           </p:nvSpPr>
           <p:spPr>
             <a:xfrm>
-              <a:off x="2085394" y="6193702"/>
+              <a:off x="1791681" y="6193685"/>
               <a:ext cx="63202" cy="63202"/>
             </a:xfrm>
             <a:custGeom>
@@ -8577,7 +8577,7 @@
           </p:nvSpPr>
           <p:spPr>
             <a:xfrm>
-              <a:off x="1697805" y="6510764"/>
+              <a:off x="1831625" y="6510750"/>
               <a:ext cx="63202" cy="63202"/>
             </a:xfrm>
             <a:custGeom>
@@ -8620,7 +8620,7 @@
           </p:nvSpPr>
           <p:spPr>
             <a:xfrm>
-              <a:off x="2215119" y="6293126"/>
+              <a:off x="1642840" y="6293111"/>
               <a:ext cx="63202" cy="63202"/>
             </a:xfrm>
             <a:custGeom>
@@ -8663,7 +8663,7 @@
           </p:nvSpPr>
           <p:spPr>
             <a:xfrm>
-              <a:off x="2272846" y="6329738"/>
+              <a:off x="2017195" y="6329740"/>
               <a:ext cx="63202" cy="63202"/>
             </a:xfrm>
             <a:custGeom>
@@ -8706,7 +8706,7 @@
           </p:nvSpPr>
           <p:spPr>
             <a:xfrm>
-              <a:off x="2240758" y="6708004"/>
+              <a:off x="1969306" y="6707995"/>
               <a:ext cx="63202" cy="63202"/>
             </a:xfrm>
             <a:custGeom>
@@ -8749,7 +8749,7 @@
           </p:nvSpPr>
           <p:spPr>
             <a:xfrm>
-              <a:off x="2044033" y="6190683"/>
+              <a:off x="2208693" y="6190682"/>
               <a:ext cx="63202" cy="63202"/>
             </a:xfrm>
             <a:custGeom>
@@ -8792,7 +8792,7 @@
           </p:nvSpPr>
           <p:spPr>
             <a:xfrm>
-              <a:off x="1604490" y="6190023"/>
+              <a:off x="1934082" y="6189994"/>
               <a:ext cx="63202" cy="63202"/>
             </a:xfrm>
             <a:custGeom>
@@ -8835,7 +8835,7 @@
           </p:nvSpPr>
           <p:spPr>
             <a:xfrm>
-              <a:off x="2077622" y="6350872"/>
+              <a:off x="1612165" y="6350883"/>
               <a:ext cx="63202" cy="63202"/>
             </a:xfrm>
             <a:custGeom>
@@ -8878,7 +8878,7 @@
           </p:nvSpPr>
           <p:spPr>
             <a:xfrm>
-              <a:off x="2239499" y="6398315"/>
+              <a:off x="2167052" y="6398318"/>
               <a:ext cx="63202" cy="63202"/>
             </a:xfrm>
             <a:custGeom>
@@ -8921,7 +8921,7 @@
           </p:nvSpPr>
           <p:spPr>
             <a:xfrm>
-              <a:off x="2177760" y="6324381"/>
+              <a:off x="1711815" y="6324388"/>
               <a:ext cx="63202" cy="63202"/>
             </a:xfrm>
             <a:custGeom>
@@ -8964,7 +8964,7 @@
           </p:nvSpPr>
           <p:spPr>
             <a:xfrm>
-              <a:off x="2204380" y="6328069"/>
+              <a:off x="1672469" y="6328078"/>
               <a:ext cx="63202" cy="63202"/>
             </a:xfrm>
             <a:custGeom>
@@ -9007,7 +9007,7 @@
           </p:nvSpPr>
           <p:spPr>
             <a:xfrm>
-              <a:off x="1819831" y="6321165"/>
+              <a:off x="1804787" y="6321134"/>
               <a:ext cx="63202" cy="63202"/>
             </a:xfrm>
             <a:custGeom>
@@ -9050,7 +9050,7 @@
           </p:nvSpPr>
           <p:spPr>
             <a:xfrm>
-              <a:off x="1740158" y="6311084"/>
+              <a:off x="1813970" y="6311077"/>
               <a:ext cx="63202" cy="63202"/>
             </a:xfrm>
             <a:custGeom>
@@ -9093,7 +9093,7 @@
           </p:nvSpPr>
           <p:spPr>
             <a:xfrm>
-              <a:off x="1743184" y="6313736"/>
+              <a:off x="2171012" y="6313746"/>
               <a:ext cx="63202" cy="63202"/>
             </a:xfrm>
             <a:custGeom>
@@ -9136,7 +9136,7 @@
           </p:nvSpPr>
           <p:spPr>
             <a:xfrm>
-              <a:off x="1795954" y="6314716"/>
+              <a:off x="2005118" y="6314690"/>
               <a:ext cx="63202" cy="63202"/>
             </a:xfrm>
             <a:custGeom>
@@ -9179,7 +9179,7 @@
           </p:nvSpPr>
           <p:spPr>
             <a:xfrm>
-              <a:off x="2108731" y="6305841"/>
+              <a:off x="1770231" y="6305845"/>
               <a:ext cx="63202" cy="63202"/>
             </a:xfrm>
             <a:custGeom>
@@ -9222,7 +9222,7 @@
           </p:nvSpPr>
           <p:spPr>
             <a:xfrm>
-              <a:off x="1803882" y="6281983"/>
+              <a:off x="1654173" y="6281972"/>
               <a:ext cx="63202" cy="63202"/>
             </a:xfrm>
             <a:custGeom>
@@ -9265,7 +9265,7 @@
           </p:nvSpPr>
           <p:spPr>
             <a:xfrm>
-              <a:off x="2102529" y="6328073"/>
+              <a:off x="1958005" y="6328066"/>
               <a:ext cx="63202" cy="63202"/>
             </a:xfrm>
             <a:custGeom>
@@ -9308,7 +9308,7 @@
           </p:nvSpPr>
           <p:spPr>
             <a:xfrm>
-              <a:off x="1707432" y="6560647"/>
+              <a:off x="1775669" y="6560634"/>
               <a:ext cx="63202" cy="63202"/>
             </a:xfrm>
             <a:custGeom>
@@ -9351,7 +9351,7 @@
           </p:nvSpPr>
           <p:spPr>
             <a:xfrm>
-              <a:off x="1997267" y="6658645"/>
+              <a:off x="1986847" y="6658644"/>
               <a:ext cx="63202" cy="63202"/>
             </a:xfrm>
             <a:custGeom>
@@ -9394,7 +9394,7 @@
           </p:nvSpPr>
           <p:spPr>
             <a:xfrm>
-              <a:off x="2241199" y="6560813"/>
+              <a:off x="1914241" y="6560835"/>
               <a:ext cx="63202" cy="63202"/>
             </a:xfrm>
             <a:custGeom>
@@ -9437,7 +9437,7 @@
           </p:nvSpPr>
           <p:spPr>
             <a:xfrm>
-              <a:off x="2245357" y="6582400"/>
+              <a:off x="2144345" y="6582398"/>
               <a:ext cx="63202" cy="63202"/>
             </a:xfrm>
             <a:custGeom>
@@ -9480,7 +9480,7 @@
           </p:nvSpPr>
           <p:spPr>
             <a:xfrm>
-              <a:off x="1699255" y="6665542"/>
+              <a:off x="2258543" y="6665538"/>
               <a:ext cx="63202" cy="63202"/>
             </a:xfrm>
             <a:custGeom>
@@ -9523,7 +9523,7 @@
           </p:nvSpPr>
           <p:spPr>
             <a:xfrm>
-              <a:off x="2218742" y="6187886"/>
+              <a:off x="1940456" y="6187870"/>
               <a:ext cx="63202" cy="63202"/>
             </a:xfrm>
             <a:custGeom>
@@ -9566,7 +9566,7 @@
           </p:nvSpPr>
           <p:spPr>
             <a:xfrm>
-              <a:off x="2131004" y="6440402"/>
+              <a:off x="1715947" y="6440409"/>
               <a:ext cx="63202" cy="63202"/>
             </a:xfrm>
             <a:custGeom>
@@ -9609,7 +9609,7 @@
           </p:nvSpPr>
           <p:spPr>
             <a:xfrm>
-              <a:off x="1899405" y="6357080"/>
+              <a:off x="2224640" y="6357085"/>
               <a:ext cx="63202" cy="63202"/>
             </a:xfrm>
             <a:custGeom>
@@ -9652,7 +9652,7 @@
           </p:nvSpPr>
           <p:spPr>
             <a:xfrm>
-              <a:off x="2145110" y="6195748"/>
+              <a:off x="1853247" y="6195717"/>
               <a:ext cx="63202" cy="63202"/>
             </a:xfrm>
             <a:custGeom>
@@ -9695,7 +9695,7 @@
           </p:nvSpPr>
           <p:spPr>
             <a:xfrm>
-              <a:off x="1663059" y="6198100"/>
+              <a:off x="2095163" y="6198102"/>
               <a:ext cx="63202" cy="63202"/>
             </a:xfrm>
             <a:custGeom>
@@ -9738,7 +9738,7 @@
           </p:nvSpPr>
           <p:spPr>
             <a:xfrm>
-              <a:off x="2179166" y="6200099"/>
+              <a:off x="1691148" y="6200096"/>
               <a:ext cx="63202" cy="63202"/>
             </a:xfrm>
             <a:custGeom>
@@ -9781,7 +9781,7 @@
           </p:nvSpPr>
           <p:spPr>
             <a:xfrm>
-              <a:off x="2247720" y="6199478"/>
+              <a:off x="1695937" y="6199447"/>
               <a:ext cx="63202" cy="63202"/>
             </a:xfrm>
             <a:custGeom>
@@ -9824,7 +9824,7 @@
           </p:nvSpPr>
           <p:spPr>
             <a:xfrm>
-              <a:off x="1644391" y="6194627"/>
+              <a:off x="1634468" y="6194618"/>
               <a:ext cx="63202" cy="63202"/>
             </a:xfrm>
             <a:custGeom>
@@ -9867,7 +9867,7 @@
           </p:nvSpPr>
           <p:spPr>
             <a:xfrm>
-              <a:off x="2015295" y="6402585"/>
+              <a:off x="1629670" y="6402597"/>
               <a:ext cx="63202" cy="63202"/>
             </a:xfrm>
             <a:custGeom>
@@ -9910,7 +9910,7 @@
           </p:nvSpPr>
           <p:spPr>
             <a:xfrm>
-              <a:off x="1825873" y="6471910"/>
+              <a:off x="2121076" y="6471925"/>
               <a:ext cx="63202" cy="63202"/>
             </a:xfrm>
             <a:custGeom>
@@ -9953,7 +9953,7 @@
           </p:nvSpPr>
           <p:spPr>
             <a:xfrm>
-              <a:off x="2090096" y="6191260"/>
+              <a:off x="1703317" y="6191281"/>
               <a:ext cx="63202" cy="63202"/>
             </a:xfrm>
             <a:custGeom>
@@ -9996,7 +9996,7 @@
           </p:nvSpPr>
           <p:spPr>
             <a:xfrm>
-              <a:off x="1712836" y="6325718"/>
+              <a:off x="2255143" y="6325697"/>
               <a:ext cx="63202" cy="63202"/>
             </a:xfrm>
             <a:custGeom>
@@ -10095,7 +10095,7 @@
           </p:nvSpPr>
           <p:spPr>
             <a:xfrm>
-              <a:off x="4325757" y="2797374"/>
+              <a:off x="4325757" y="2797371"/>
               <a:ext cx="2796732" cy="0"/>
             </a:xfrm>
             <a:custGeom>
@@ -10138,7 +10138,7 @@
           </p:nvSpPr>
           <p:spPr>
             <a:xfrm>
-              <a:off x="4325757" y="2312579"/>
+              <a:off x="4325757" y="2312576"/>
               <a:ext cx="2796732" cy="0"/>
             </a:xfrm>
             <a:custGeom>
@@ -10181,7 +10181,7 @@
           </p:nvSpPr>
           <p:spPr>
             <a:xfrm>
-              <a:off x="4325757" y="1827784"/>
+              <a:off x="4325757" y="1827780"/>
               <a:ext cx="2796732" cy="0"/>
             </a:xfrm>
             <a:custGeom>
@@ -10224,7 +10224,7 @@
           </p:nvSpPr>
           <p:spPr>
             <a:xfrm>
-              <a:off x="4325757" y="3039772"/>
+              <a:off x="4325757" y="3039769"/>
               <a:ext cx="2796732" cy="0"/>
             </a:xfrm>
             <a:custGeom>
@@ -10267,7 +10267,7 @@
           </p:nvSpPr>
           <p:spPr>
             <a:xfrm>
-              <a:off x="4325757" y="2554977"/>
+              <a:off x="4325757" y="2554973"/>
               <a:ext cx="2796732" cy="0"/>
             </a:xfrm>
             <a:custGeom>
@@ -10310,7 +10310,7 @@
           </p:nvSpPr>
           <p:spPr>
             <a:xfrm>
-              <a:off x="4325757" y="2070181"/>
+              <a:off x="4325757" y="2070178"/>
               <a:ext cx="2796732" cy="0"/>
             </a:xfrm>
             <a:custGeom>
@@ -10353,7 +10353,7 @@
           </p:nvSpPr>
           <p:spPr>
             <a:xfrm>
-              <a:off x="4325757" y="1585386"/>
+              <a:off x="4325757" y="1585382"/>
               <a:ext cx="2796732" cy="0"/>
             </a:xfrm>
             <a:custGeom>
@@ -10525,7 +10525,7 @@
           </p:nvSpPr>
           <p:spPr>
             <a:xfrm>
-              <a:off x="5050881" y="2523136"/>
+              <a:off x="4683898" y="2523118"/>
               <a:ext cx="63202" cy="63202"/>
             </a:xfrm>
             <a:custGeom>
@@ -10568,7 +10568,7 @@
           </p:nvSpPr>
           <p:spPr>
             <a:xfrm>
-              <a:off x="4501528" y="2409726"/>
+              <a:off x="4696619" y="2409755"/>
               <a:ext cx="63202" cy="63202"/>
             </a:xfrm>
             <a:custGeom>
@@ -10611,7 +10611,7 @@
           </p:nvSpPr>
           <p:spPr>
             <a:xfrm>
-              <a:off x="4886131" y="2369278"/>
+              <a:off x="4653599" y="2369242"/>
               <a:ext cx="63202" cy="63202"/>
             </a:xfrm>
             <a:custGeom>
@@ -10654,7 +10654,7 @@
           </p:nvSpPr>
           <p:spPr>
             <a:xfrm>
-              <a:off x="4602914" y="2417006"/>
+              <a:off x="5029739" y="2417013"/>
               <a:ext cx="63202" cy="63202"/>
             </a:xfrm>
             <a:custGeom>
@@ -10697,7 +10697,7 @@
           </p:nvSpPr>
           <p:spPr>
             <a:xfrm>
-              <a:off x="4579303" y="2439315"/>
+              <a:off x="5104653" y="2439308"/>
               <a:ext cx="63202" cy="63202"/>
             </a:xfrm>
             <a:custGeom>
@@ -10740,7 +10740,7 @@
           </p:nvSpPr>
           <p:spPr>
             <a:xfrm>
-              <a:off x="4616614" y="2470178"/>
+              <a:off x="4542043" y="2470192"/>
               <a:ext cx="63202" cy="63202"/>
             </a:xfrm>
             <a:custGeom>
@@ -10783,7 +10783,7 @@
           </p:nvSpPr>
           <p:spPr>
             <a:xfrm>
-              <a:off x="4553767" y="2390012"/>
+              <a:off x="4938913" y="2389998"/>
               <a:ext cx="63202" cy="63202"/>
             </a:xfrm>
             <a:custGeom>
@@ -10826,7 +10826,7 @@
           </p:nvSpPr>
           <p:spPr>
             <a:xfrm>
-              <a:off x="5158178" y="2419087"/>
+              <a:off x="4929076" y="2419100"/>
               <a:ext cx="63202" cy="63202"/>
             </a:xfrm>
             <a:custGeom>
@@ -10869,7 +10869,7 @@
           </p:nvSpPr>
           <p:spPr>
             <a:xfrm>
-              <a:off x="4492694" y="2391703"/>
+              <a:off x="4882196" y="2391700"/>
               <a:ext cx="63202" cy="63202"/>
             </a:xfrm>
             <a:custGeom>
@@ -10912,7 +10912,7 @@
           </p:nvSpPr>
           <p:spPr>
             <a:xfrm>
-              <a:off x="4847776" y="2407358"/>
+              <a:off x="4681054" y="2407348"/>
               <a:ext cx="63202" cy="63202"/>
             </a:xfrm>
             <a:custGeom>
@@ -10955,7 +10955,7 @@
           </p:nvSpPr>
           <p:spPr>
             <a:xfrm>
-              <a:off x="4825004" y="2875175"/>
+              <a:off x="4475892" y="2875181"/>
               <a:ext cx="63202" cy="63202"/>
             </a:xfrm>
             <a:custGeom>
@@ -10998,7 +10998,7 @@
           </p:nvSpPr>
           <p:spPr>
             <a:xfrm>
-              <a:off x="4737329" y="2398497"/>
+              <a:off x="4929581" y="2398500"/>
               <a:ext cx="63202" cy="63202"/>
             </a:xfrm>
             <a:custGeom>
@@ -11041,7 +11041,7 @@
           </p:nvSpPr>
           <p:spPr>
             <a:xfrm>
-              <a:off x="4966166" y="2405606"/>
+              <a:off x="5125925" y="2405607"/>
               <a:ext cx="63202" cy="63202"/>
             </a:xfrm>
             <a:custGeom>
@@ -11084,7 +11084,7 @@
           </p:nvSpPr>
           <p:spPr>
             <a:xfrm>
-              <a:off x="4949734" y="2419452"/>
+              <a:off x="4865229" y="2419427"/>
               <a:ext cx="63202" cy="63202"/>
             </a:xfrm>
             <a:custGeom>
@@ -11127,7 +11127,7 @@
           </p:nvSpPr>
           <p:spPr>
             <a:xfrm>
-              <a:off x="5144720" y="2533222"/>
+              <a:off x="5019139" y="2533223"/>
               <a:ext cx="63202" cy="63202"/>
             </a:xfrm>
             <a:custGeom>
@@ -11170,7 +11170,7 @@
           </p:nvSpPr>
           <p:spPr>
             <a:xfrm>
-              <a:off x="4874200" y="2424235"/>
+              <a:off x="4707012" y="2424233"/>
               <a:ext cx="63202" cy="63202"/>
             </a:xfrm>
             <a:custGeom>
@@ -11213,7 +11213,7 @@
           </p:nvSpPr>
           <p:spPr>
             <a:xfrm>
-              <a:off x="4752213" y="2502898"/>
+              <a:off x="5157733" y="2502919"/>
               <a:ext cx="63202" cy="63202"/>
             </a:xfrm>
             <a:custGeom>
@@ -11256,7 +11256,7 @@
           </p:nvSpPr>
           <p:spPr>
             <a:xfrm>
-              <a:off x="5000472" y="2380843"/>
+              <a:off x="4494884" y="2380849"/>
               <a:ext cx="63202" cy="63202"/>
             </a:xfrm>
             <a:custGeom>
@@ -11299,7 +11299,7 @@
           </p:nvSpPr>
           <p:spPr>
             <a:xfrm>
-              <a:off x="4860738" y="2402360"/>
+              <a:off x="4826813" y="2402382"/>
               <a:ext cx="63202" cy="63202"/>
             </a:xfrm>
             <a:custGeom>
@@ -11342,7 +11342,7 @@
           </p:nvSpPr>
           <p:spPr>
             <a:xfrm>
-              <a:off x="4751650" y="2456565"/>
+              <a:off x="4725119" y="2456583"/>
               <a:ext cx="63202" cy="63202"/>
             </a:xfrm>
             <a:custGeom>
@@ -11385,7 +11385,7 @@
           </p:nvSpPr>
           <p:spPr>
             <a:xfrm>
-              <a:off x="4850613" y="2422231"/>
+              <a:off x="5062880" y="2422262"/>
               <a:ext cx="63202" cy="63202"/>
             </a:xfrm>
             <a:custGeom>
@@ -11428,7 +11428,7 @@
           </p:nvSpPr>
           <p:spPr>
             <a:xfrm>
-              <a:off x="4722133" y="2435034"/>
+              <a:off x="4813980" y="2435053"/>
               <a:ext cx="63202" cy="63202"/>
             </a:xfrm>
             <a:custGeom>
@@ -11471,7 +11471,7 @@
           </p:nvSpPr>
           <p:spPr>
             <a:xfrm>
-              <a:off x="4613159" y="2588444"/>
+              <a:off x="4497756" y="2588422"/>
               <a:ext cx="63202" cy="63202"/>
             </a:xfrm>
             <a:custGeom>
@@ -11514,7 +11514,7 @@
           </p:nvSpPr>
           <p:spPr>
             <a:xfrm>
-              <a:off x="4831813" y="2568364"/>
+              <a:off x="4718781" y="2568369"/>
               <a:ext cx="63202" cy="63202"/>
             </a:xfrm>
             <a:custGeom>
@@ -11557,7 +11557,7 @@
           </p:nvSpPr>
           <p:spPr>
             <a:xfrm>
-              <a:off x="4688113" y="2466176"/>
+              <a:off x="5068004" y="2466167"/>
               <a:ext cx="63202" cy="63202"/>
             </a:xfrm>
             <a:custGeom>
@@ -11600,7 +11600,7 @@
           </p:nvSpPr>
           <p:spPr>
             <a:xfrm>
-              <a:off x="5131177" y="2405700"/>
+              <a:off x="4949722" y="2405722"/>
               <a:ext cx="63202" cy="63202"/>
             </a:xfrm>
             <a:custGeom>
@@ -11643,7 +11643,7 @@
           </p:nvSpPr>
           <p:spPr>
             <a:xfrm>
-              <a:off x="4722657" y="2784974"/>
+              <a:off x="4747780" y="2784959"/>
               <a:ext cx="63202" cy="63202"/>
             </a:xfrm>
             <a:custGeom>
@@ -11686,7 +11686,7 @@
           </p:nvSpPr>
           <p:spPr>
             <a:xfrm>
-              <a:off x="5094607" y="2414985"/>
+              <a:off x="4869728" y="2414984"/>
               <a:ext cx="63202" cy="63202"/>
             </a:xfrm>
             <a:custGeom>
@@ -11729,7 +11729,7 @@
           </p:nvSpPr>
           <p:spPr>
             <a:xfrm>
-              <a:off x="4860761" y="2431751"/>
+              <a:off x="4948840" y="2431734"/>
               <a:ext cx="63202" cy="63202"/>
             </a:xfrm>
             <a:custGeom>
@@ -11772,7 +11772,7 @@
           </p:nvSpPr>
           <p:spPr>
             <a:xfrm>
-              <a:off x="4710980" y="2371831"/>
+              <a:off x="5102307" y="2371808"/>
               <a:ext cx="63202" cy="63202"/>
             </a:xfrm>
             <a:custGeom>
@@ -11815,7 +11815,7 @@
           </p:nvSpPr>
           <p:spPr>
             <a:xfrm>
-              <a:off x="5039658" y="2422945"/>
+              <a:off x="4659270" y="2422941"/>
               <a:ext cx="63202" cy="63202"/>
             </a:xfrm>
             <a:custGeom>
@@ -11858,7 +11858,7 @@
           </p:nvSpPr>
           <p:spPr>
             <a:xfrm>
-              <a:off x="4629943" y="2381722"/>
+              <a:off x="4520794" y="2381700"/>
               <a:ext cx="63202" cy="63202"/>
             </a:xfrm>
             <a:custGeom>
@@ -11901,7 +11901,7 @@
           </p:nvSpPr>
           <p:spPr>
             <a:xfrm>
-              <a:off x="5039517" y="2435468"/>
+              <a:off x="4730656" y="2435476"/>
               <a:ext cx="63202" cy="63202"/>
             </a:xfrm>
             <a:custGeom>
@@ -11944,7 +11944,7 @@
           </p:nvSpPr>
           <p:spPr>
             <a:xfrm>
-              <a:off x="5155696" y="2463856"/>
+              <a:off x="4647650" y="2463848"/>
               <a:ext cx="63202" cy="63202"/>
             </a:xfrm>
             <a:custGeom>
@@ -11987,7 +11987,7 @@
           </p:nvSpPr>
           <p:spPr>
             <a:xfrm>
-              <a:off x="4793850" y="2411905"/>
+              <a:off x="5009666" y="2411903"/>
               <a:ext cx="63202" cy="63202"/>
             </a:xfrm>
             <a:custGeom>
@@ -12030,7 +12030,7 @@
           </p:nvSpPr>
           <p:spPr>
             <a:xfrm>
-              <a:off x="4812968" y="2405636"/>
+              <a:off x="5004098" y="2405627"/>
               <a:ext cx="63202" cy="63202"/>
             </a:xfrm>
             <a:custGeom>
@@ -12073,7 +12073,7 @@
           </p:nvSpPr>
           <p:spPr>
             <a:xfrm>
-              <a:off x="4593866" y="2419275"/>
+              <a:off x="4936760" y="2419272"/>
               <a:ext cx="63202" cy="63202"/>
             </a:xfrm>
             <a:custGeom>
@@ -12116,7 +12116,7 @@
           </p:nvSpPr>
           <p:spPr>
             <a:xfrm>
-              <a:off x="5147998" y="2459805"/>
+              <a:off x="5074800" y="2459797"/>
               <a:ext cx="63202" cy="63202"/>
             </a:xfrm>
             <a:custGeom>
@@ -12159,7 +12159,7 @@
           </p:nvSpPr>
           <p:spPr>
             <a:xfrm>
-              <a:off x="4499027" y="2414701"/>
+              <a:off x="4851583" y="2414699"/>
               <a:ext cx="63202" cy="63202"/>
             </a:xfrm>
             <a:custGeom>
@@ -12202,7 +12202,7 @@
           </p:nvSpPr>
           <p:spPr>
             <a:xfrm>
-              <a:off x="4685896" y="2470783"/>
+              <a:off x="5100252" y="2470766"/>
               <a:ext cx="63202" cy="63202"/>
             </a:xfrm>
             <a:custGeom>
@@ -12245,7 +12245,7 @@
           </p:nvSpPr>
           <p:spPr>
             <a:xfrm>
-              <a:off x="5163400" y="2441458"/>
+              <a:off x="4735465" y="2441456"/>
               <a:ext cx="63202" cy="63202"/>
             </a:xfrm>
             <a:custGeom>
@@ -12288,7 +12288,7 @@
           </p:nvSpPr>
           <p:spPr>
             <a:xfrm>
-              <a:off x="4585465" y="2602262"/>
+              <a:off x="5007684" y="2602254"/>
               <a:ext cx="63202" cy="63202"/>
             </a:xfrm>
             <a:custGeom>
@@ -12331,7 +12331,7 @@
           </p:nvSpPr>
           <p:spPr>
             <a:xfrm>
-              <a:off x="4981279" y="2423454"/>
+              <a:off x="4763642" y="2423447"/>
               <a:ext cx="63202" cy="63202"/>
             </a:xfrm>
             <a:custGeom>
@@ -12374,7 +12374,7 @@
           </p:nvSpPr>
           <p:spPr>
             <a:xfrm>
-              <a:off x="5021782" y="2536259"/>
+              <a:off x="5098283" y="2536250"/>
               <a:ext cx="63202" cy="63202"/>
             </a:xfrm>
             <a:custGeom>
@@ -12417,7 +12417,7 @@
           </p:nvSpPr>
           <p:spPr>
             <a:xfrm>
-              <a:off x="4898240" y="2403106"/>
+              <a:off x="5123150" y="2403086"/>
               <a:ext cx="63202" cy="63202"/>
             </a:xfrm>
             <a:custGeom>
@@ -12460,7 +12460,7 @@
           </p:nvSpPr>
           <p:spPr>
             <a:xfrm>
-              <a:off x="5041286" y="2414849"/>
+              <a:off x="4832978" y="2414825"/>
               <a:ext cx="63202" cy="63202"/>
             </a:xfrm>
             <a:custGeom>
@@ -12503,7 +12503,7 @@
           </p:nvSpPr>
           <p:spPr>
             <a:xfrm>
-              <a:off x="4703855" y="2385727"/>
+              <a:off x="4886705" y="2385734"/>
               <a:ext cx="63202" cy="63202"/>
             </a:xfrm>
             <a:custGeom>
@@ -12546,7 +12546,7 @@
           </p:nvSpPr>
           <p:spPr>
             <a:xfrm>
-              <a:off x="4628345" y="2408413"/>
+              <a:off x="5040396" y="2408443"/>
               <a:ext cx="63202" cy="63202"/>
             </a:xfrm>
             <a:custGeom>
@@ -12589,7 +12589,7 @@
           </p:nvSpPr>
           <p:spPr>
             <a:xfrm>
-              <a:off x="5076649" y="2421712"/>
+              <a:off x="4791953" y="2421705"/>
               <a:ext cx="63202" cy="63202"/>
             </a:xfrm>
             <a:custGeom>
@@ -12632,7 +12632,7 @@
           </p:nvSpPr>
           <p:spPr>
             <a:xfrm>
-              <a:off x="5027512" y="2609757"/>
+              <a:off x="4887507" y="2609767"/>
               <a:ext cx="63202" cy="63202"/>
             </a:xfrm>
             <a:custGeom>
@@ -12675,7 +12675,7 @@
           </p:nvSpPr>
           <p:spPr>
             <a:xfrm>
-              <a:off x="4676036" y="2424201"/>
+              <a:off x="4758818" y="2424188"/>
               <a:ext cx="63202" cy="63202"/>
             </a:xfrm>
             <a:custGeom>
@@ -12718,7 +12718,7 @@
           </p:nvSpPr>
           <p:spPr>
             <a:xfrm>
-              <a:off x="4615799" y="2511772"/>
+              <a:off x="4772299" y="2511773"/>
               <a:ext cx="63202" cy="63202"/>
             </a:xfrm>
             <a:custGeom>
@@ -12761,7 +12761,7 @@
           </p:nvSpPr>
           <p:spPr>
             <a:xfrm>
-              <a:off x="5943184" y="2683422"/>
+              <a:off x="5421508" y="2683407"/>
               <a:ext cx="63202" cy="63202"/>
             </a:xfrm>
             <a:custGeom>
@@ -12804,7 +12804,7 @@
           </p:nvSpPr>
           <p:spPr>
             <a:xfrm>
-              <a:off x="4492619" y="2367568"/>
+              <a:off x="4485102" y="2367548"/>
               <a:ext cx="63202" cy="63202"/>
             </a:xfrm>
             <a:custGeom>
@@ -12847,7 +12847,7 @@
           </p:nvSpPr>
           <p:spPr>
             <a:xfrm>
-              <a:off x="4747322" y="2388703"/>
+              <a:off x="4659580" y="2388681"/>
               <a:ext cx="63202" cy="63202"/>
             </a:xfrm>
             <a:custGeom>
@@ -12890,7 +12890,7 @@
           </p:nvSpPr>
           <p:spPr>
             <a:xfrm>
-              <a:off x="4735500" y="2680393"/>
+              <a:off x="4878514" y="2680410"/>
               <a:ext cx="63202" cy="63202"/>
             </a:xfrm>
             <a:custGeom>
@@ -12933,7 +12933,7 @@
           </p:nvSpPr>
           <p:spPr>
             <a:xfrm>
-              <a:off x="4648583" y="2431892"/>
+              <a:off x="5149427" y="2431902"/>
               <a:ext cx="63202" cy="63202"/>
             </a:xfrm>
             <a:custGeom>
@@ -12976,7 +12976,7 @@
           </p:nvSpPr>
           <p:spPr>
             <a:xfrm>
-              <a:off x="4478445" y="2390510"/>
+              <a:off x="4637525" y="2390504"/>
               <a:ext cx="63202" cy="63202"/>
             </a:xfrm>
             <a:custGeom>
@@ -13019,7 +13019,7 @@
           </p:nvSpPr>
           <p:spPr>
             <a:xfrm>
-              <a:off x="4617164" y="2424191"/>
+              <a:off x="4786842" y="2424189"/>
               <a:ext cx="63202" cy="63202"/>
             </a:xfrm>
             <a:custGeom>
@@ -13062,7 +13062,7 @@
           </p:nvSpPr>
           <p:spPr>
             <a:xfrm>
-              <a:off x="4877594" y="2442676"/>
+              <a:off x="4651852" y="2442660"/>
               <a:ext cx="63202" cy="63202"/>
             </a:xfrm>
             <a:custGeom>
@@ -13105,7 +13105,7 @@
           </p:nvSpPr>
           <p:spPr>
             <a:xfrm>
-              <a:off x="4724660" y="2428194"/>
+              <a:off x="4643782" y="2428221"/>
               <a:ext cx="63202" cy="63202"/>
             </a:xfrm>
             <a:custGeom>
@@ -13148,7 +13148,7 @@
           </p:nvSpPr>
           <p:spPr>
             <a:xfrm>
-              <a:off x="4713996" y="2484591"/>
+              <a:off x="5056411" y="2484574"/>
               <a:ext cx="63202" cy="63202"/>
             </a:xfrm>
             <a:custGeom>
@@ -13191,7 +13191,7 @@
           </p:nvSpPr>
           <p:spPr>
             <a:xfrm>
-              <a:off x="4481751" y="2409439"/>
+              <a:off x="4593913" y="2409427"/>
               <a:ext cx="63202" cy="63202"/>
             </a:xfrm>
             <a:custGeom>
@@ -13234,7 +13234,7 @@
           </p:nvSpPr>
           <p:spPr>
             <a:xfrm>
-              <a:off x="4682214" y="2413902"/>
+              <a:off x="4900996" y="2413909"/>
               <a:ext cx="63202" cy="63202"/>
             </a:xfrm>
             <a:custGeom>
@@ -13277,7 +13277,7 @@
           </p:nvSpPr>
           <p:spPr>
             <a:xfrm>
-              <a:off x="4995915" y="2455662"/>
+              <a:off x="4473317" y="2455649"/>
               <a:ext cx="63202" cy="63202"/>
             </a:xfrm>
             <a:custGeom>
@@ -13320,7 +13320,7 @@
           </p:nvSpPr>
           <p:spPr>
             <a:xfrm>
-              <a:off x="4595242" y="2453126"/>
+              <a:off x="4515074" y="2453114"/>
               <a:ext cx="63202" cy="63202"/>
             </a:xfrm>
             <a:custGeom>
@@ -13363,7 +13363,7 @@
           </p:nvSpPr>
           <p:spPr>
             <a:xfrm>
-              <a:off x="4597815" y="2402341"/>
+              <a:off x="4861083" y="2402328"/>
               <a:ext cx="63202" cy="63202"/>
             </a:xfrm>
             <a:custGeom>
@@ -13406,7 +13406,7 @@
           </p:nvSpPr>
           <p:spPr>
             <a:xfrm>
-              <a:off x="4704922" y="2502801"/>
+              <a:off x="4705523" y="2502833"/>
               <a:ext cx="63202" cy="63202"/>
             </a:xfrm>
             <a:custGeom>
@@ -13449,7 +13449,7 @@
           </p:nvSpPr>
           <p:spPr>
             <a:xfrm>
-              <a:off x="5130677" y="2505977"/>
+              <a:off x="4756050" y="2505968"/>
               <a:ext cx="63202" cy="63202"/>
             </a:xfrm>
             <a:custGeom>
@@ -13492,7 +13492,7 @@
           </p:nvSpPr>
           <p:spPr>
             <a:xfrm>
-              <a:off x="4706511" y="2452199"/>
+              <a:off x="4898759" y="2452200"/>
               <a:ext cx="63202" cy="63202"/>
             </a:xfrm>
             <a:custGeom>
@@ -13535,7 +13535,7 @@
           </p:nvSpPr>
           <p:spPr>
             <a:xfrm>
-              <a:off x="4923459" y="2492342"/>
+              <a:off x="4804638" y="2492362"/>
               <a:ext cx="63202" cy="63202"/>
             </a:xfrm>
             <a:custGeom>
@@ -13578,7 +13578,7 @@
           </p:nvSpPr>
           <p:spPr>
             <a:xfrm>
-              <a:off x="5126880" y="2433939"/>
+              <a:off x="4824707" y="2433935"/>
               <a:ext cx="63202" cy="63202"/>
             </a:xfrm>
             <a:custGeom>
@@ -13621,7 +13621,7 @@
           </p:nvSpPr>
           <p:spPr>
             <a:xfrm>
-              <a:off x="4715589" y="2406256"/>
+              <a:off x="4471768" y="2406260"/>
               <a:ext cx="63202" cy="63202"/>
             </a:xfrm>
             <a:custGeom>
@@ -13664,7 +13664,7 @@
           </p:nvSpPr>
           <p:spPr>
             <a:xfrm>
-              <a:off x="4678351" y="2368492"/>
+              <a:off x="4953126" y="2368474"/>
               <a:ext cx="63202" cy="63202"/>
             </a:xfrm>
             <a:custGeom>
@@ -13707,7 +13707,7 @@
           </p:nvSpPr>
           <p:spPr>
             <a:xfrm>
-              <a:off x="5015924" y="2369907"/>
+              <a:off x="4514721" y="2369880"/>
               <a:ext cx="63202" cy="63202"/>
             </a:xfrm>
             <a:custGeom>
@@ -13750,7 +13750,7 @@
           </p:nvSpPr>
           <p:spPr>
             <a:xfrm>
-              <a:off x="4685101" y="2431060"/>
+              <a:off x="4728523" y="2431080"/>
               <a:ext cx="63202" cy="63202"/>
             </a:xfrm>
             <a:custGeom>
@@ -13793,7 +13793,7 @@
           </p:nvSpPr>
           <p:spPr>
             <a:xfrm>
-              <a:off x="4892905" y="2394068"/>
+              <a:off x="4828492" y="2394086"/>
               <a:ext cx="63202" cy="63202"/>
             </a:xfrm>
             <a:custGeom>
@@ -13836,7 +13836,7 @@
           </p:nvSpPr>
           <p:spPr>
             <a:xfrm>
-              <a:off x="5103070" y="2755940"/>
+              <a:off x="4860648" y="2755940"/>
               <a:ext cx="63202" cy="63202"/>
             </a:xfrm>
             <a:custGeom>
@@ -13879,7 +13879,7 @@
           </p:nvSpPr>
           <p:spPr>
             <a:xfrm>
-              <a:off x="4587204" y="2368581"/>
+              <a:off x="5163233" y="2368577"/>
               <a:ext cx="63202" cy="63202"/>
             </a:xfrm>
             <a:custGeom>
@@ -13922,7 +13922,7 @@
           </p:nvSpPr>
           <p:spPr>
             <a:xfrm>
-              <a:off x="4942739" y="2397898"/>
+              <a:off x="5005497" y="2397914"/>
               <a:ext cx="63202" cy="63202"/>
             </a:xfrm>
             <a:custGeom>
@@ -13965,7 +13965,7 @@
           </p:nvSpPr>
           <p:spPr>
             <a:xfrm>
-              <a:off x="4978606" y="2406067"/>
+              <a:off x="4968414" y="2406049"/>
               <a:ext cx="63202" cy="63202"/>
             </a:xfrm>
             <a:custGeom>
@@ -14008,7 +14008,7 @@
           </p:nvSpPr>
           <p:spPr>
             <a:xfrm>
-              <a:off x="4482976" y="2461983"/>
+              <a:off x="4470615" y="2462011"/>
               <a:ext cx="63202" cy="63202"/>
             </a:xfrm>
             <a:custGeom>
@@ -14051,7 +14051,7 @@
           </p:nvSpPr>
           <p:spPr>
             <a:xfrm>
-              <a:off x="4531498" y="2360152"/>
+              <a:off x="5070962" y="2360157"/>
               <a:ext cx="63202" cy="63202"/>
             </a:xfrm>
             <a:custGeom>
@@ -14094,7 +14094,7 @@
           </p:nvSpPr>
           <p:spPr>
             <a:xfrm>
-              <a:off x="5080431" y="2414787"/>
+              <a:off x="4928205" y="2414768"/>
               <a:ext cx="63202" cy="63202"/>
             </a:xfrm>
             <a:custGeom>
@@ -14137,7 +14137,7 @@
           </p:nvSpPr>
           <p:spPr>
             <a:xfrm>
-              <a:off x="4958802" y="2403528"/>
+              <a:off x="4550658" y="2403522"/>
               <a:ext cx="63202" cy="63202"/>
             </a:xfrm>
             <a:custGeom>
@@ -14236,7 +14236,7 @@
           </p:nvSpPr>
           <p:spPr>
             <a:xfrm>
-              <a:off x="4325757" y="4722707"/>
+              <a:off x="4325757" y="4722704"/>
               <a:ext cx="2796732" cy="0"/>
             </a:xfrm>
             <a:custGeom>
@@ -14279,7 +14279,7 @@
           </p:nvSpPr>
           <p:spPr>
             <a:xfrm>
-              <a:off x="4325757" y="4237912"/>
+              <a:off x="4325757" y="4237908"/>
               <a:ext cx="2796732" cy="0"/>
             </a:xfrm>
             <a:custGeom>
@@ -14322,7 +14322,7 @@
           </p:nvSpPr>
           <p:spPr>
             <a:xfrm>
-              <a:off x="4325757" y="3753116"/>
+              <a:off x="4325757" y="3753112"/>
               <a:ext cx="2796732" cy="0"/>
             </a:xfrm>
             <a:custGeom>
@@ -14365,7 +14365,7 @@
           </p:nvSpPr>
           <p:spPr>
             <a:xfrm>
-              <a:off x="4325757" y="4965105"/>
+              <a:off x="4325757" y="4965102"/>
               <a:ext cx="2796732" cy="0"/>
             </a:xfrm>
             <a:custGeom>
@@ -14408,7 +14408,7 @@
           </p:nvSpPr>
           <p:spPr>
             <a:xfrm>
-              <a:off x="4325757" y="4480309"/>
+              <a:off x="4325757" y="4480306"/>
               <a:ext cx="2796732" cy="0"/>
             </a:xfrm>
             <a:custGeom>
@@ -14451,7 +14451,7 @@
           </p:nvSpPr>
           <p:spPr>
             <a:xfrm>
-              <a:off x="4325757" y="3995514"/>
+              <a:off x="4325757" y="3995510"/>
               <a:ext cx="2796732" cy="0"/>
             </a:xfrm>
             <a:custGeom>
@@ -14494,7 +14494,7 @@
           </p:nvSpPr>
           <p:spPr>
             <a:xfrm>
-              <a:off x="4325757" y="3510719"/>
+              <a:off x="4325757" y="3510714"/>
               <a:ext cx="2796732" cy="0"/>
             </a:xfrm>
             <a:custGeom>
@@ -14666,7 +14666,7 @@
           </p:nvSpPr>
           <p:spPr>
             <a:xfrm>
-              <a:off x="5615445" y="4821840"/>
+              <a:off x="5344734" y="4821852"/>
               <a:ext cx="63202" cy="63202"/>
             </a:xfrm>
             <a:custGeom>
@@ -14709,7 +14709,7 @@
           </p:nvSpPr>
           <p:spPr>
             <a:xfrm>
-              <a:off x="4869144" y="4732208"/>
+              <a:off x="5030112" y="4732205"/>
               <a:ext cx="63202" cy="63202"/>
             </a:xfrm>
             <a:custGeom>
@@ -14752,7 +14752,7 @@
           </p:nvSpPr>
           <p:spPr>
             <a:xfrm>
-              <a:off x="4869943" y="4371868"/>
+              <a:off x="4833068" y="4371872"/>
               <a:ext cx="63202" cy="63202"/>
             </a:xfrm>
             <a:custGeom>
@@ -14795,7 +14795,7 @@
           </p:nvSpPr>
           <p:spPr>
             <a:xfrm>
-              <a:off x="6832932" y="4883747"/>
+              <a:off x="6794863" y="4883747"/>
               <a:ext cx="63202" cy="63202"/>
             </a:xfrm>
             <a:custGeom>
@@ -14894,7 +14894,7 @@
           </p:nvSpPr>
           <p:spPr>
             <a:xfrm>
-              <a:off x="4325757" y="6648040"/>
+              <a:off x="4325757" y="6648036"/>
               <a:ext cx="2796732" cy="0"/>
             </a:xfrm>
             <a:custGeom>
@@ -14937,7 +14937,7 @@
           </p:nvSpPr>
           <p:spPr>
             <a:xfrm>
-              <a:off x="4325757" y="6163244"/>
+              <a:off x="4325757" y="6163241"/>
               <a:ext cx="2796732" cy="0"/>
             </a:xfrm>
             <a:custGeom>
@@ -14980,7 +14980,7 @@
           </p:nvSpPr>
           <p:spPr>
             <a:xfrm>
-              <a:off x="4325757" y="5678449"/>
+              <a:off x="4325757" y="5678445"/>
               <a:ext cx="2796732" cy="0"/>
             </a:xfrm>
             <a:custGeom>
@@ -15023,7 +15023,7 @@
           </p:nvSpPr>
           <p:spPr>
             <a:xfrm>
-              <a:off x="4325757" y="6890437"/>
+              <a:off x="4325757" y="6890434"/>
               <a:ext cx="2796732" cy="0"/>
             </a:xfrm>
             <a:custGeom>
@@ -15066,7 +15066,7 @@
           </p:nvSpPr>
           <p:spPr>
             <a:xfrm>
-              <a:off x="4325757" y="6405642"/>
+              <a:off x="4325757" y="6405639"/>
               <a:ext cx="2796732" cy="0"/>
             </a:xfrm>
             <a:custGeom>
@@ -15109,7 +15109,7 @@
           </p:nvSpPr>
           <p:spPr>
             <a:xfrm>
-              <a:off x="4325757" y="5920847"/>
+              <a:off x="4325757" y="5920843"/>
               <a:ext cx="2796732" cy="0"/>
             </a:xfrm>
             <a:custGeom>
@@ -15152,7 +15152,7 @@
           </p:nvSpPr>
           <p:spPr>
             <a:xfrm>
-              <a:off x="4325757" y="5436051"/>
+              <a:off x="4325757" y="5436047"/>
               <a:ext cx="2796732" cy="0"/>
             </a:xfrm>
             <a:custGeom>
@@ -15324,7 +15324,7 @@
           </p:nvSpPr>
           <p:spPr>
             <a:xfrm>
-              <a:off x="5085758" y="6069284"/>
+              <a:off x="4596882" y="6069289"/>
               <a:ext cx="63202" cy="63202"/>
             </a:xfrm>
             <a:custGeom>
@@ -15367,7 +15367,7 @@
           </p:nvSpPr>
           <p:spPr>
             <a:xfrm>
-              <a:off x="4660128" y="6063092"/>
+              <a:off x="4953196" y="6063079"/>
               <a:ext cx="63202" cy="63202"/>
             </a:xfrm>
             <a:custGeom>
@@ -15410,7 +15410,7 @@
           </p:nvSpPr>
           <p:spPr>
             <a:xfrm>
-              <a:off x="4769485" y="6072627"/>
+              <a:off x="5106715" y="6072627"/>
               <a:ext cx="63202" cy="63202"/>
             </a:xfrm>
             <a:custGeom>
@@ -15453,7 +15453,7 @@
           </p:nvSpPr>
           <p:spPr>
             <a:xfrm>
-              <a:off x="4602406" y="6055923"/>
+              <a:off x="4850779" y="6055921"/>
               <a:ext cx="63202" cy="63202"/>
             </a:xfrm>
             <a:custGeom>
@@ -15496,7 +15496,7 @@
           </p:nvSpPr>
           <p:spPr>
             <a:xfrm>
-              <a:off x="4578823" y="6058534"/>
+              <a:off x="4879565" y="6058533"/>
               <a:ext cx="63202" cy="63202"/>
             </a:xfrm>
             <a:custGeom>
@@ -15539,7 +15539,7 @@
           </p:nvSpPr>
           <p:spPr>
             <a:xfrm>
-              <a:off x="4926756" y="6071972"/>
+              <a:off x="5107443" y="6071945"/>
               <a:ext cx="63202" cy="63202"/>
             </a:xfrm>
             <a:custGeom>
@@ -15582,7 +15582,7 @@
           </p:nvSpPr>
           <p:spPr>
             <a:xfrm>
-              <a:off x="4767516" y="6055584"/>
+              <a:off x="4630078" y="6055592"/>
               <a:ext cx="63202" cy="63202"/>
             </a:xfrm>
             <a:custGeom>
@@ -15625,7 +15625,7 @@
           </p:nvSpPr>
           <p:spPr>
             <a:xfrm>
-              <a:off x="5059200" y="6216635"/>
+              <a:off x="5043538" y="6216610"/>
               <a:ext cx="63202" cy="63202"/>
             </a:xfrm>
             <a:custGeom>
@@ -15668,7 +15668,7 @@
           </p:nvSpPr>
           <p:spPr>
             <a:xfrm>
-              <a:off x="4996705" y="6074484"/>
+              <a:off x="4856797" y="6074464"/>
               <a:ext cx="63202" cy="63202"/>
             </a:xfrm>
             <a:custGeom>
@@ -15711,7 +15711,7 @@
           </p:nvSpPr>
           <p:spPr>
             <a:xfrm>
-              <a:off x="4859344" y="6079157"/>
+              <a:off x="4641170" y="6079144"/>
               <a:ext cx="63202" cy="63202"/>
             </a:xfrm>
             <a:custGeom>
@@ -15754,7 +15754,7 @@
           </p:nvSpPr>
           <p:spPr>
             <a:xfrm>
-              <a:off x="5019488" y="6079490"/>
+              <a:off x="4647699" y="6079469"/>
               <a:ext cx="63202" cy="63202"/>
             </a:xfrm>
             <a:custGeom>
@@ -15797,7 +15797,7 @@
           </p:nvSpPr>
           <p:spPr>
             <a:xfrm>
-              <a:off x="4931282" y="6136847"/>
+              <a:off x="4769197" y="6136818"/>
               <a:ext cx="63202" cy="63202"/>
             </a:xfrm>
             <a:custGeom>
@@ -15840,7 +15840,7 @@
           </p:nvSpPr>
           <p:spPr>
             <a:xfrm>
-              <a:off x="5148787" y="6171694"/>
+              <a:off x="4743059" y="6171673"/>
               <a:ext cx="63202" cy="63202"/>
             </a:xfrm>
             <a:custGeom>
@@ -15883,7 +15883,7 @@
           </p:nvSpPr>
           <p:spPr>
             <a:xfrm>
-              <a:off x="5120679" y="6071815"/>
+              <a:off x="4673476" y="6071816"/>
               <a:ext cx="63202" cy="63202"/>
             </a:xfrm>
             <a:custGeom>
@@ -15926,7 +15926,7 @@
           </p:nvSpPr>
           <p:spPr>
             <a:xfrm>
-              <a:off x="4814943" y="6071496"/>
+              <a:off x="5029657" y="6071463"/>
               <a:ext cx="63202" cy="63202"/>
             </a:xfrm>
             <a:custGeom>
@@ -15969,7 +15969,7 @@
           </p:nvSpPr>
           <p:spPr>
             <a:xfrm>
-              <a:off x="4747588" y="6050748"/>
+              <a:off x="4985958" y="6050744"/>
               <a:ext cx="63202" cy="63202"/>
             </a:xfrm>
             <a:custGeom>
@@ -16012,7 +16012,7 @@
           </p:nvSpPr>
           <p:spPr>
             <a:xfrm>
-              <a:off x="5088615" y="6075873"/>
+              <a:off x="4584364" y="6075903"/>
               <a:ext cx="63202" cy="63202"/>
             </a:xfrm>
             <a:custGeom>
@@ -16055,7 +16055,7 @@
           </p:nvSpPr>
           <p:spPr>
             <a:xfrm>
-              <a:off x="5027270" y="6042916"/>
+              <a:off x="4730240" y="6042905"/>
               <a:ext cx="63202" cy="63202"/>
             </a:xfrm>
             <a:custGeom>
@@ -16098,7 +16098,7 @@
           </p:nvSpPr>
           <p:spPr>
             <a:xfrm>
-              <a:off x="4727698" y="6070668"/>
+              <a:off x="4706071" y="6070645"/>
               <a:ext cx="63202" cy="63202"/>
             </a:xfrm>
             <a:custGeom>
@@ -16141,7 +16141,7 @@
           </p:nvSpPr>
           <p:spPr>
             <a:xfrm>
-              <a:off x="4667853" y="6055736"/>
+              <a:off x="4840181" y="6055717"/>
               <a:ext cx="63202" cy="63202"/>
             </a:xfrm>
             <a:custGeom>
@@ -16184,7 +16184,7 @@
           </p:nvSpPr>
           <p:spPr>
             <a:xfrm>
-              <a:off x="4705877" y="6305964"/>
+              <a:off x="4490909" y="6305956"/>
               <a:ext cx="63202" cy="63202"/>
             </a:xfrm>
             <a:custGeom>
@@ -16227,7 +16227,7 @@
           </p:nvSpPr>
           <p:spPr>
             <a:xfrm>
-              <a:off x="4724441" y="6134838"/>
+              <a:off x="5008355" y="6134858"/>
               <a:ext cx="63202" cy="63202"/>
             </a:xfrm>
             <a:custGeom>
@@ -16270,7 +16270,7 @@
           </p:nvSpPr>
           <p:spPr>
             <a:xfrm>
-              <a:off x="4793937" y="6070269"/>
+              <a:off x="4863772" y="6070263"/>
               <a:ext cx="63202" cy="63202"/>
             </a:xfrm>
             <a:custGeom>
@@ -16313,7 +16313,7 @@
           </p:nvSpPr>
           <p:spPr>
             <a:xfrm>
-              <a:off x="4702026" y="6053777"/>
+              <a:off x="4968728" y="6053795"/>
               <a:ext cx="63202" cy="63202"/>
             </a:xfrm>
             <a:custGeom>
@@ -16356,7 +16356,7 @@
           </p:nvSpPr>
           <p:spPr>
             <a:xfrm>
-              <a:off x="5104580" y="6058181"/>
+              <a:off x="4879489" y="6058205"/>
               <a:ext cx="63202" cy="63202"/>
             </a:xfrm>
             <a:custGeom>
@@ -16399,7 +16399,7 @@
           </p:nvSpPr>
           <p:spPr>
             <a:xfrm>
-              <a:off x="4477886" y="6063917"/>
+              <a:off x="5124917" y="6063912"/>
               <a:ext cx="63202" cy="63202"/>
             </a:xfrm>
             <a:custGeom>
@@ -16442,7 +16442,7 @@
           </p:nvSpPr>
           <p:spPr>
             <a:xfrm>
-              <a:off x="4778066" y="6079124"/>
+              <a:off x="4827440" y="6079129"/>
               <a:ext cx="63202" cy="63202"/>
             </a:xfrm>
             <a:custGeom>
@@ -16485,7 +16485,7 @@
           </p:nvSpPr>
           <p:spPr>
             <a:xfrm>
-              <a:off x="4553699" y="6075500"/>
+              <a:off x="4639162" y="6075485"/>
               <a:ext cx="63202" cy="63202"/>
             </a:xfrm>
             <a:custGeom>
@@ -16528,7 +16528,7 @@
           </p:nvSpPr>
           <p:spPr>
             <a:xfrm>
-              <a:off x="5053381" y="6060945"/>
+              <a:off x="4528693" y="6060957"/>
               <a:ext cx="63202" cy="63202"/>
             </a:xfrm>
             <a:custGeom>
@@ -16571,7 +16571,7 @@
           </p:nvSpPr>
           <p:spPr>
             <a:xfrm>
-              <a:off x="4853238" y="6074478"/>
+              <a:off x="4863254" y="6074470"/>
               <a:ext cx="63202" cy="63202"/>
             </a:xfrm>
             <a:custGeom>
@@ -16614,7 +16614,7 @@
           </p:nvSpPr>
           <p:spPr>
             <a:xfrm>
-              <a:off x="5159902" y="6067953"/>
+              <a:off x="5021704" y="6067939"/>
               <a:ext cx="63202" cy="63202"/>
             </a:xfrm>
             <a:custGeom>
@@ -16657,7 +16657,7 @@
           </p:nvSpPr>
           <p:spPr>
             <a:xfrm>
-              <a:off x="4806476" y="6051126"/>
+              <a:off x="4924544" y="6051110"/>
               <a:ext cx="63202" cy="63202"/>
             </a:xfrm>
             <a:custGeom>
@@ -16700,7 +16700,7 @@
           </p:nvSpPr>
           <p:spPr>
             <a:xfrm>
-              <a:off x="5068766" y="6051953"/>
+              <a:off x="4658274" y="6051921"/>
               <a:ext cx="63202" cy="63202"/>
             </a:xfrm>
             <a:custGeom>
@@ -16743,7 +16743,7 @@
           </p:nvSpPr>
           <p:spPr>
             <a:xfrm>
-              <a:off x="5030256" y="6055561"/>
+              <a:off x="4704133" y="6055590"/>
               <a:ext cx="63202" cy="63202"/>
             </a:xfrm>
             <a:custGeom>
@@ -16786,7 +16786,7 @@
           </p:nvSpPr>
           <p:spPr>
             <a:xfrm>
-              <a:off x="4992922" y="6071366"/>
+              <a:off x="5060062" y="6071398"/>
               <a:ext cx="63202" cy="63202"/>
             </a:xfrm>
             <a:custGeom>
@@ -16829,7 +16829,7 @@
           </p:nvSpPr>
           <p:spPr>
             <a:xfrm>
-              <a:off x="5124427" y="6075887"/>
+              <a:off x="5115393" y="6075892"/>
               <a:ext cx="63202" cy="63202"/>
             </a:xfrm>
             <a:custGeom>
@@ -16872,7 +16872,7 @@
           </p:nvSpPr>
           <p:spPr>
             <a:xfrm>
-              <a:off x="4726800" y="6070402"/>
+              <a:off x="4568716" y="6070422"/>
               <a:ext cx="63202" cy="63202"/>
             </a:xfrm>
             <a:custGeom>
@@ -16915,7 +16915,7 @@
           </p:nvSpPr>
           <p:spPr>
             <a:xfrm>
-              <a:off x="5100556" y="6051960"/>
+              <a:off x="5163468" y="6051955"/>
               <a:ext cx="63202" cy="63202"/>
             </a:xfrm>
             <a:custGeom>
@@ -16958,7 +16958,7 @@
           </p:nvSpPr>
           <p:spPr>
             <a:xfrm>
-              <a:off x="4916531" y="6074779"/>
+              <a:off x="4498096" y="6074784"/>
               <a:ext cx="63202" cy="63202"/>
             </a:xfrm>
             <a:custGeom>
@@ -17001,7 +17001,7 @@
           </p:nvSpPr>
           <p:spPr>
             <a:xfrm>
-              <a:off x="5101777" y="6123898"/>
+              <a:off x="4526441" y="6123865"/>
               <a:ext cx="63202" cy="63202"/>
             </a:xfrm>
             <a:custGeom>
@@ -17044,7 +17044,7 @@
           </p:nvSpPr>
           <p:spPr>
             <a:xfrm>
-              <a:off x="4908982" y="6059633"/>
+              <a:off x="4882383" y="6059641"/>
               <a:ext cx="63202" cy="63202"/>
             </a:xfrm>
             <a:custGeom>
@@ -17087,7 +17087,7 @@
           </p:nvSpPr>
           <p:spPr>
             <a:xfrm>
-              <a:off x="4865890" y="6055417"/>
+              <a:off x="5000425" y="6055412"/>
               <a:ext cx="63202" cy="63202"/>
             </a:xfrm>
             <a:custGeom>
@@ -17130,7 +17130,7 @@
           </p:nvSpPr>
           <p:spPr>
             <a:xfrm>
-              <a:off x="4652248" y="6065380"/>
+              <a:off x="4871855" y="6065368"/>
               <a:ext cx="63202" cy="63202"/>
             </a:xfrm>
             <a:custGeom>
@@ -17173,7 +17173,7 @@
           </p:nvSpPr>
           <p:spPr>
             <a:xfrm>
-              <a:off x="4851214" y="6077309"/>
+              <a:off x="4508448" y="6077304"/>
               <a:ext cx="63202" cy="63202"/>
             </a:xfrm>
             <a:custGeom>
@@ -17216,7 +17216,7 @@
           </p:nvSpPr>
           <p:spPr>
             <a:xfrm>
-              <a:off x="5017803" y="6071433"/>
+              <a:off x="4964630" y="6071443"/>
               <a:ext cx="63202" cy="63202"/>
             </a:xfrm>
             <a:custGeom>
@@ -17259,7 +17259,7 @@
           </p:nvSpPr>
           <p:spPr>
             <a:xfrm>
-              <a:off x="5050055" y="6065095"/>
+              <a:off x="4795599" y="6065096"/>
               <a:ext cx="63202" cy="63202"/>
             </a:xfrm>
             <a:custGeom>
@@ -17302,7 +17302,7 @@
           </p:nvSpPr>
           <p:spPr>
             <a:xfrm>
-              <a:off x="4584550" y="6097365"/>
+              <a:off x="4632311" y="6097369"/>
               <a:ext cx="63202" cy="63202"/>
             </a:xfrm>
             <a:custGeom>
@@ -17345,7 +17345,7 @@
           </p:nvSpPr>
           <p:spPr>
             <a:xfrm>
-              <a:off x="4675207" y="6050094"/>
+              <a:off x="4759536" y="6050108"/>
               <a:ext cx="63202" cy="63202"/>
             </a:xfrm>
             <a:custGeom>
@@ -17388,7 +17388,7 @@
           </p:nvSpPr>
           <p:spPr>
             <a:xfrm>
-              <a:off x="4679320" y="6082884"/>
+              <a:off x="5072053" y="6082855"/>
               <a:ext cx="63202" cy="63202"/>
             </a:xfrm>
             <a:custGeom>
@@ -17431,7 +17431,7 @@
           </p:nvSpPr>
           <p:spPr>
             <a:xfrm>
-              <a:off x="4653224" y="6050786"/>
+              <a:off x="4764383" y="6050776"/>
               <a:ext cx="63202" cy="63202"/>
             </a:xfrm>
             <a:custGeom>
@@ -17474,7 +17474,7 @@
           </p:nvSpPr>
           <p:spPr>
             <a:xfrm>
-              <a:off x="4996324" y="6082986"/>
+              <a:off x="5136227" y="6082970"/>
               <a:ext cx="63202" cy="63202"/>
             </a:xfrm>
             <a:custGeom>
@@ -17517,7 +17517,7 @@
           </p:nvSpPr>
           <p:spPr>
             <a:xfrm>
-              <a:off x="4948346" y="6060394"/>
+              <a:off x="4643552" y="6060372"/>
               <a:ext cx="63202" cy="63202"/>
             </a:xfrm>
             <a:custGeom>
@@ -17560,7 +17560,7 @@
           </p:nvSpPr>
           <p:spPr>
             <a:xfrm>
-              <a:off x="5081573" y="6153254"/>
+              <a:off x="4846618" y="6153258"/>
               <a:ext cx="63202" cy="63202"/>
             </a:xfrm>
             <a:custGeom>
@@ -17603,7 +17603,7 @@
           </p:nvSpPr>
           <p:spPr>
             <a:xfrm>
-              <a:off x="4671028" y="6053432"/>
+              <a:off x="4536759" y="6053448"/>
               <a:ext cx="63202" cy="63202"/>
             </a:xfrm>
             <a:custGeom>
@@ -17646,7 +17646,7 @@
           </p:nvSpPr>
           <p:spPr>
             <a:xfrm>
-              <a:off x="4519614" y="6058500"/>
+              <a:off x="4516332" y="6058470"/>
               <a:ext cx="63202" cy="63202"/>
             </a:xfrm>
             <a:custGeom>
@@ -17689,7 +17689,7 @@
           </p:nvSpPr>
           <p:spPr>
             <a:xfrm>
-              <a:off x="5107223" y="6048110"/>
+              <a:off x="4762457" y="6048103"/>
               <a:ext cx="63202" cy="63202"/>
             </a:xfrm>
             <a:custGeom>
@@ -17732,7 +17732,7 @@
           </p:nvSpPr>
           <p:spPr>
             <a:xfrm>
-              <a:off x="4523180" y="6530646"/>
+              <a:off x="4888373" y="6530636"/>
               <a:ext cx="63202" cy="63202"/>
             </a:xfrm>
             <a:custGeom>
@@ -17775,7 +17775,7 @@
           </p:nvSpPr>
           <p:spPr>
             <a:xfrm>
-              <a:off x="5089431" y="6056503"/>
+              <a:off x="4813325" y="6056515"/>
               <a:ext cx="63202" cy="63202"/>
             </a:xfrm>
             <a:custGeom>
@@ -17818,7 +17818,7 @@
           </p:nvSpPr>
           <p:spPr>
             <a:xfrm>
-              <a:off x="4964965" y="6056483"/>
+              <a:off x="4575188" y="6056485"/>
               <a:ext cx="63202" cy="63202"/>
             </a:xfrm>
             <a:custGeom>
@@ -17861,7 +17861,7 @@
           </p:nvSpPr>
           <p:spPr>
             <a:xfrm>
-              <a:off x="5161472" y="6070855"/>
+              <a:off x="4709219" y="6070831"/>
               <a:ext cx="63202" cy="63202"/>
             </a:xfrm>
             <a:custGeom>
@@ -17904,7 +17904,7 @@
           </p:nvSpPr>
           <p:spPr>
             <a:xfrm>
-              <a:off x="4528817" y="6066301"/>
+              <a:off x="5132551" y="6066274"/>
               <a:ext cx="63202" cy="63202"/>
             </a:xfrm>
             <a:custGeom>
@@ -17947,7 +17947,7 @@
           </p:nvSpPr>
           <p:spPr>
             <a:xfrm>
-              <a:off x="4812641" y="6070559"/>
+              <a:off x="4897918" y="6070571"/>
               <a:ext cx="63202" cy="63202"/>
             </a:xfrm>
             <a:custGeom>
@@ -17990,7 +17990,7 @@
           </p:nvSpPr>
           <p:spPr>
             <a:xfrm>
-              <a:off x="4710493" y="6184577"/>
+              <a:off x="5018593" y="6184590"/>
               <a:ext cx="63202" cy="63202"/>
             </a:xfrm>
             <a:custGeom>
@@ -18033,7 +18033,7 @@
           </p:nvSpPr>
           <p:spPr>
             <a:xfrm>
-              <a:off x="4885652" y="6109863"/>
+              <a:off x="5074747" y="6109859"/>
               <a:ext cx="63202" cy="63202"/>
             </a:xfrm>
             <a:custGeom>
@@ -18076,7 +18076,7 @@
           </p:nvSpPr>
           <p:spPr>
             <a:xfrm>
-              <a:off x="4617373" y="6058401"/>
+              <a:off x="4959303" y="6058370"/>
               <a:ext cx="63202" cy="63202"/>
             </a:xfrm>
             <a:custGeom>
@@ -18119,7 +18119,7 @@
           </p:nvSpPr>
           <p:spPr>
             <a:xfrm>
-              <a:off x="4697700" y="6223160"/>
+              <a:off x="5053238" y="6223187"/>
               <a:ext cx="63202" cy="63202"/>
             </a:xfrm>
             <a:custGeom>
@@ -18162,7 +18162,7 @@
           </p:nvSpPr>
           <p:spPr>
             <a:xfrm>
-              <a:off x="4607972" y="6081527"/>
+              <a:off x="4715426" y="6081502"/>
               <a:ext cx="63202" cy="63202"/>
             </a:xfrm>
             <a:custGeom>
@@ -18205,7 +18205,7 @@
           </p:nvSpPr>
           <p:spPr>
             <a:xfrm>
-              <a:off x="4691344" y="6093400"/>
+              <a:off x="4724512" y="6093394"/>
               <a:ext cx="63202" cy="63202"/>
             </a:xfrm>
             <a:custGeom>
@@ -18248,7 +18248,7 @@
           </p:nvSpPr>
           <p:spPr>
             <a:xfrm>
-              <a:off x="4981222" y="6053397"/>
+              <a:off x="4506607" y="6053407"/>
               <a:ext cx="63202" cy="63202"/>
             </a:xfrm>
             <a:custGeom>
@@ -18291,7 +18291,7 @@
           </p:nvSpPr>
           <p:spPr>
             <a:xfrm>
-              <a:off x="4946934" y="6071335"/>
+              <a:off x="4695823" y="6071337"/>
               <a:ext cx="63202" cy="63202"/>
             </a:xfrm>
             <a:custGeom>
@@ -18334,7 +18334,7 @@
           </p:nvSpPr>
           <p:spPr>
             <a:xfrm>
-              <a:off x="4997826" y="6068782"/>
+              <a:off x="5116958" y="6068756"/>
               <a:ext cx="63202" cy="63202"/>
             </a:xfrm>
             <a:custGeom>
@@ -18377,7 +18377,7 @@
           </p:nvSpPr>
           <p:spPr>
             <a:xfrm>
-              <a:off x="4471602" y="6049895"/>
+              <a:off x="4914717" y="6049893"/>
               <a:ext cx="63202" cy="63202"/>
             </a:xfrm>
             <a:custGeom>
@@ -18420,7 +18420,7 @@
           </p:nvSpPr>
           <p:spPr>
             <a:xfrm>
-              <a:off x="4908569" y="6172961"/>
+              <a:off x="4922919" y="6172956"/>
               <a:ext cx="63202" cy="63202"/>
             </a:xfrm>
             <a:custGeom>
@@ -18463,7 +18463,7 @@
           </p:nvSpPr>
           <p:spPr>
             <a:xfrm>
-              <a:off x="4708560" y="6052926"/>
+              <a:off x="4967065" y="6052903"/>
               <a:ext cx="63202" cy="63202"/>
             </a:xfrm>
             <a:custGeom>
@@ -18506,7 +18506,7 @@
           </p:nvSpPr>
           <p:spPr>
             <a:xfrm>
-              <a:off x="4902279" y="6064298"/>
+              <a:off x="4642989" y="6064296"/>
               <a:ext cx="63202" cy="63202"/>
             </a:xfrm>
             <a:custGeom>
@@ -18549,7 +18549,7 @@
           </p:nvSpPr>
           <p:spPr>
             <a:xfrm>
-              <a:off x="4872304" y="6097372"/>
+              <a:off x="4997752" y="6097368"/>
               <a:ext cx="63202" cy="63202"/>
             </a:xfrm>
             <a:custGeom>
@@ -18592,7 +18592,7 @@
           </p:nvSpPr>
           <p:spPr>
             <a:xfrm>
-              <a:off x="4841545" y="6067294"/>
+              <a:off x="4863500" y="6067288"/>
               <a:ext cx="63202" cy="63202"/>
             </a:xfrm>
             <a:custGeom>
@@ -18635,7 +18635,7 @@
           </p:nvSpPr>
           <p:spPr>
             <a:xfrm>
-              <a:off x="5022483" y="6065893"/>
+              <a:off x="4685008" y="6065900"/>
               <a:ext cx="63202" cy="63202"/>
             </a:xfrm>
             <a:custGeom>
@@ -18678,7 +18678,7 @@
           </p:nvSpPr>
           <p:spPr>
             <a:xfrm>
-              <a:off x="4862313" y="6067687"/>
+              <a:off x="5156330" y="6067707"/>
               <a:ext cx="63202" cy="63202"/>
             </a:xfrm>
             <a:custGeom>
@@ -18721,7 +18721,7 @@
           </p:nvSpPr>
           <p:spPr>
             <a:xfrm>
-              <a:off x="4873983" y="6069880"/>
+              <a:off x="4991140" y="6069877"/>
               <a:ext cx="63202" cy="63202"/>
             </a:xfrm>
             <a:custGeom>
@@ -18764,7 +18764,7 @@
           </p:nvSpPr>
           <p:spPr>
             <a:xfrm>
-              <a:off x="4506104" y="6075902"/>
+              <a:off x="4786329" y="6075876"/>
               <a:ext cx="63202" cy="63202"/>
             </a:xfrm>
             <a:custGeom>
@@ -18807,7 +18807,7 @@
           </p:nvSpPr>
           <p:spPr>
             <a:xfrm>
-              <a:off x="4636435" y="6068664"/>
+              <a:off x="5136039" y="6068667"/>
               <a:ext cx="63202" cy="63202"/>
             </a:xfrm>
             <a:custGeom>
@@ -18850,7 +18850,7 @@
           </p:nvSpPr>
           <p:spPr>
             <a:xfrm>
-              <a:off x="4955323" y="6530044"/>
+              <a:off x="4613073" y="6530061"/>
               <a:ext cx="63202" cy="63202"/>
             </a:xfrm>
             <a:custGeom>
@@ -18893,7 +18893,7 @@
           </p:nvSpPr>
           <p:spPr>
             <a:xfrm>
-              <a:off x="5026425" y="6075051"/>
+              <a:off x="4942660" y="6075067"/>
               <a:ext cx="63202" cy="63202"/>
             </a:xfrm>
             <a:custGeom>
@@ -18936,7 +18936,7 @@
           </p:nvSpPr>
           <p:spPr>
             <a:xfrm>
-              <a:off x="5990085" y="6724369"/>
+              <a:off x="5431455" y="6724353"/>
               <a:ext cx="63202" cy="63202"/>
             </a:xfrm>
             <a:custGeom>
@@ -18979,7 +18979,7 @@
           </p:nvSpPr>
           <p:spPr>
             <a:xfrm>
-              <a:off x="4815915" y="6095000"/>
+              <a:off x="5002419" y="6095004"/>
               <a:ext cx="63202" cy="63202"/>
             </a:xfrm>
             <a:custGeom>
@@ -19022,7 +19022,7 @@
           </p:nvSpPr>
           <p:spPr>
             <a:xfrm>
-              <a:off x="4837627" y="6072272"/>
+              <a:off x="5016856" y="6072247"/>
               <a:ext cx="63202" cy="63202"/>
             </a:xfrm>
             <a:custGeom>
@@ -19065,7 +19065,7 @@
           </p:nvSpPr>
           <p:spPr>
             <a:xfrm>
-              <a:off x="4965372" y="6065128"/>
+              <a:off x="4964102" y="6065125"/>
               <a:ext cx="63202" cy="63202"/>
             </a:xfrm>
             <a:custGeom>
@@ -19108,7 +19108,7 @@
           </p:nvSpPr>
           <p:spPr>
             <a:xfrm>
-              <a:off x="4827270" y="6066201"/>
+              <a:off x="4867485" y="6066191"/>
               <a:ext cx="63202" cy="63202"/>
             </a:xfrm>
             <a:custGeom>
@@ -19151,7 +19151,7 @@
           </p:nvSpPr>
           <p:spPr>
             <a:xfrm>
-              <a:off x="4671668" y="6076225"/>
+              <a:off x="4971822" y="6076211"/>
               <a:ext cx="63202" cy="63202"/>
             </a:xfrm>
             <a:custGeom>
@@ -19194,7 +19194,7 @@
           </p:nvSpPr>
           <p:spPr>
             <a:xfrm>
-              <a:off x="4775159" y="6080624"/>
+              <a:off x="5067215" y="6080621"/>
               <a:ext cx="63202" cy="63202"/>
             </a:xfrm>
             <a:custGeom>
@@ -19237,7 +19237,7 @@
           </p:nvSpPr>
           <p:spPr>
             <a:xfrm>
-              <a:off x="4736499" y="6070668"/>
+              <a:off x="5125313" y="6070658"/>
               <a:ext cx="63202" cy="63202"/>
             </a:xfrm>
             <a:custGeom>
@@ -19280,7 +19280,7 @@
           </p:nvSpPr>
           <p:spPr>
             <a:xfrm>
-              <a:off x="5028893" y="6072851"/>
+              <a:off x="4936405" y="6072852"/>
               <a:ext cx="63202" cy="63202"/>
             </a:xfrm>
             <a:custGeom>
@@ -19323,7 +19323,7 @@
           </p:nvSpPr>
           <p:spPr>
             <a:xfrm>
-              <a:off x="4885472" y="6068867"/>
+              <a:off x="4599289" y="6068861"/>
               <a:ext cx="63202" cy="63202"/>
             </a:xfrm>
             <a:custGeom>
@@ -19366,7 +19366,7 @@
           </p:nvSpPr>
           <p:spPr>
             <a:xfrm>
-              <a:off x="5120646" y="6053346"/>
+              <a:off x="4768218" y="6053327"/>
               <a:ext cx="63202" cy="63202"/>
             </a:xfrm>
             <a:custGeom>
@@ -19409,7 +19409,7 @@
           </p:nvSpPr>
           <p:spPr>
             <a:xfrm>
-              <a:off x="4822803" y="6061158"/>
+              <a:off x="4513457" y="6061133"/>
               <a:ext cx="63202" cy="63202"/>
             </a:xfrm>
             <a:custGeom>
@@ -19452,7 +19452,7 @@
           </p:nvSpPr>
           <p:spPr>
             <a:xfrm>
-              <a:off x="4862613" y="6059658"/>
+              <a:off x="4810621" y="6059666"/>
               <a:ext cx="63202" cy="63202"/>
             </a:xfrm>
             <a:custGeom>
@@ -19495,7 +19495,7 @@
           </p:nvSpPr>
           <p:spPr>
             <a:xfrm>
-              <a:off x="4796106" y="6099873"/>
+              <a:off x="4908689" y="6099876"/>
               <a:ext cx="63202" cy="63202"/>
             </a:xfrm>
             <a:custGeom>
@@ -19538,7 +19538,7 @@
           </p:nvSpPr>
           <p:spPr>
             <a:xfrm>
-              <a:off x="4937722" y="6065134"/>
+              <a:off x="4920773" y="6065125"/>
               <a:ext cx="63202" cy="63202"/>
             </a:xfrm>
             <a:custGeom>
@@ -19581,7 +19581,7 @@
           </p:nvSpPr>
           <p:spPr>
             <a:xfrm>
-              <a:off x="4764100" y="6185738"/>
+              <a:off x="5142355" y="6185740"/>
               <a:ext cx="63202" cy="63202"/>
             </a:xfrm>
             <a:custGeom>
@@ -19624,7 +19624,7 @@
           </p:nvSpPr>
           <p:spPr>
             <a:xfrm>
-              <a:off x="4854984" y="6079347"/>
+              <a:off x="4935941" y="6079339"/>
               <a:ext cx="63202" cy="63202"/>
             </a:xfrm>
             <a:custGeom>
@@ -19667,7 +19667,7 @@
           </p:nvSpPr>
           <p:spPr>
             <a:xfrm>
-              <a:off x="4490216" y="6071045"/>
+              <a:off x="5055453" y="6071041"/>
               <a:ext cx="63202" cy="63202"/>
             </a:xfrm>
             <a:custGeom>
@@ -19710,7 +19710,7 @@
           </p:nvSpPr>
           <p:spPr>
             <a:xfrm>
-              <a:off x="4662434" y="6103586"/>
+              <a:off x="4823650" y="6103584"/>
               <a:ext cx="63202" cy="63202"/>
             </a:xfrm>
             <a:custGeom>
@@ -19753,7 +19753,7 @@
           </p:nvSpPr>
           <p:spPr>
             <a:xfrm>
-              <a:off x="4622839" y="6059175"/>
+              <a:off x="5073596" y="6059175"/>
               <a:ext cx="63202" cy="63202"/>
             </a:xfrm>
             <a:custGeom>
@@ -19796,7 +19796,7 @@
           </p:nvSpPr>
           <p:spPr>
             <a:xfrm>
-              <a:off x="5099309" y="6057762"/>
+              <a:off x="4533413" y="6057757"/>
               <a:ext cx="63202" cy="63202"/>
             </a:xfrm>
             <a:custGeom>
@@ -19839,7 +19839,7 @@
           </p:nvSpPr>
           <p:spPr>
             <a:xfrm>
-              <a:off x="5794470" y="6587899"/>
+              <a:off x="5932814" y="6587865"/>
               <a:ext cx="63202" cy="63202"/>
             </a:xfrm>
             <a:custGeom>
@@ -19882,7 +19882,7 @@
           </p:nvSpPr>
           <p:spPr>
             <a:xfrm>
-              <a:off x="4907395" y="6123729"/>
+              <a:off x="4857030" y="6123741"/>
               <a:ext cx="63202" cy="63202"/>
             </a:xfrm>
             <a:custGeom>
@@ -19925,7 +19925,7 @@
           </p:nvSpPr>
           <p:spPr>
             <a:xfrm>
-              <a:off x="5020607" y="6076461"/>
+              <a:off x="4631963" y="6076464"/>
               <a:ext cx="63202" cy="63202"/>
             </a:xfrm>
             <a:custGeom>
@@ -19968,7 +19968,7 @@
           </p:nvSpPr>
           <p:spPr>
             <a:xfrm>
-              <a:off x="5043155" y="6144682"/>
+              <a:off x="4825731" y="6144690"/>
               <a:ext cx="63202" cy="63202"/>
             </a:xfrm>
             <a:custGeom>
@@ -20011,7 +20011,7 @@
           </p:nvSpPr>
           <p:spPr>
             <a:xfrm>
-              <a:off x="4633241" y="6050062"/>
+              <a:off x="4787788" y="6050056"/>
               <a:ext cx="63202" cy="63202"/>
             </a:xfrm>
             <a:custGeom>
@@ -20054,7 +20054,7 @@
           </p:nvSpPr>
           <p:spPr>
             <a:xfrm>
-              <a:off x="5164433" y="6051933"/>
+              <a:off x="4479224" y="6051936"/>
               <a:ext cx="63202" cy="63202"/>
             </a:xfrm>
             <a:custGeom>
@@ -20097,7 +20097,7 @@
           </p:nvSpPr>
           <p:spPr>
             <a:xfrm>
-              <a:off x="5078267" y="6051256"/>
+              <a:off x="4884697" y="6051244"/>
               <a:ext cx="63202" cy="63202"/>
             </a:xfrm>
             <a:custGeom>
@@ -20140,7 +20140,7 @@
           </p:nvSpPr>
           <p:spPr>
             <a:xfrm>
-              <a:off x="4541465" y="6053945"/>
+              <a:off x="5058145" y="6053941"/>
               <a:ext cx="63202" cy="63202"/>
             </a:xfrm>
             <a:custGeom>
@@ -20183,7 +20183,7 @@
           </p:nvSpPr>
           <p:spPr>
             <a:xfrm>
-              <a:off x="4806490" y="6063391"/>
+              <a:off x="4673255" y="6063364"/>
               <a:ext cx="63202" cy="63202"/>
             </a:xfrm>
             <a:custGeom>
@@ -20226,7 +20226,7 @@
           </p:nvSpPr>
           <p:spPr>
             <a:xfrm>
-              <a:off x="5135782" y="6096451"/>
+              <a:off x="5071645" y="6096438"/>
               <a:ext cx="63202" cy="63202"/>
             </a:xfrm>
             <a:custGeom>
@@ -20269,7 +20269,7 @@
           </p:nvSpPr>
           <p:spPr>
             <a:xfrm>
-              <a:off x="4536551" y="6045931"/>
+              <a:off x="4818151" y="6045947"/>
               <a:ext cx="63202" cy="63202"/>
             </a:xfrm>
             <a:custGeom>
@@ -20312,7 +20312,7 @@
           </p:nvSpPr>
           <p:spPr>
             <a:xfrm>
-              <a:off x="5068866" y="6074759"/>
+              <a:off x="4861418" y="6074764"/>
               <a:ext cx="63202" cy="63202"/>
             </a:xfrm>
             <a:custGeom>
@@ -20355,7 +20355,7 @@
           </p:nvSpPr>
           <p:spPr>
             <a:xfrm>
-              <a:off x="4692404" y="6044519"/>
+              <a:off x="4794853" y="6044520"/>
               <a:ext cx="63202" cy="63202"/>
             </a:xfrm>
             <a:custGeom>
@@ -20398,7 +20398,7 @@
           </p:nvSpPr>
           <p:spPr>
             <a:xfrm>
-              <a:off x="4694970" y="6054378"/>
+              <a:off x="4719352" y="6054351"/>
               <a:ext cx="63202" cy="63202"/>
             </a:xfrm>
             <a:custGeom>
@@ -20441,7 +20441,7 @@
           </p:nvSpPr>
           <p:spPr>
             <a:xfrm>
-              <a:off x="4922182" y="6074962"/>
+              <a:off x="4818952" y="6074985"/>
               <a:ext cx="63202" cy="63202"/>
             </a:xfrm>
             <a:custGeom>
@@ -20484,7 +20484,7 @@
           </p:nvSpPr>
           <p:spPr>
             <a:xfrm>
-              <a:off x="4920092" y="6063135"/>
+              <a:off x="4522668" y="6063141"/>
               <a:ext cx="63202" cy="63202"/>
             </a:xfrm>
             <a:custGeom>
@@ -20527,7 +20527,7 @@
           </p:nvSpPr>
           <p:spPr>
             <a:xfrm>
-              <a:off x="4962896" y="6473529"/>
+              <a:off x="5121141" y="6473515"/>
               <a:ext cx="63202" cy="63202"/>
             </a:xfrm>
             <a:custGeom>
@@ -20570,7 +20570,7 @@
           </p:nvSpPr>
           <p:spPr>
             <a:xfrm>
-              <a:off x="4628782" y="6205341"/>
+              <a:off x="4755213" y="6205316"/>
               <a:ext cx="63202" cy="63202"/>
             </a:xfrm>
             <a:custGeom>
@@ -20613,7 +20613,7 @@
           </p:nvSpPr>
           <p:spPr>
             <a:xfrm>
-              <a:off x="4593483" y="6058376"/>
+              <a:off x="4841591" y="6058405"/>
               <a:ext cx="63202" cy="63202"/>
             </a:xfrm>
             <a:custGeom>
@@ -20656,7 +20656,7 @@
           </p:nvSpPr>
           <p:spPr>
             <a:xfrm>
-              <a:off x="5057851" y="6056032"/>
+              <a:off x="5109701" y="6056017"/>
               <a:ext cx="63202" cy="63202"/>
             </a:xfrm>
             <a:custGeom>
@@ -20699,7 +20699,7 @@
           </p:nvSpPr>
           <p:spPr>
             <a:xfrm>
-              <a:off x="4746579" y="6089466"/>
+              <a:off x="4528528" y="6089478"/>
               <a:ext cx="63202" cy="63202"/>
             </a:xfrm>
             <a:custGeom>
@@ -20742,7 +20742,7 @@
           </p:nvSpPr>
           <p:spPr>
             <a:xfrm>
-              <a:off x="5152845" y="6076269"/>
+              <a:off x="4942248" y="6076277"/>
               <a:ext cx="63202" cy="63202"/>
             </a:xfrm>
             <a:custGeom>
@@ -20785,7 +20785,7 @@
           </p:nvSpPr>
           <p:spPr>
             <a:xfrm>
-              <a:off x="4523670" y="6065415"/>
+              <a:off x="4949455" y="6065420"/>
               <a:ext cx="63202" cy="63202"/>
             </a:xfrm>
             <a:custGeom>
@@ -20828,7 +20828,7 @@
           </p:nvSpPr>
           <p:spPr>
             <a:xfrm>
-              <a:off x="5115780" y="6366767"/>
+              <a:off x="4630014" y="6366780"/>
               <a:ext cx="63202" cy="63202"/>
             </a:xfrm>
             <a:custGeom>
@@ -20871,7 +20871,7 @@
           </p:nvSpPr>
           <p:spPr>
             <a:xfrm>
-              <a:off x="4859198" y="6059561"/>
+              <a:off x="5023431" y="6059565"/>
               <a:ext cx="63202" cy="63202"/>
             </a:xfrm>
             <a:custGeom>
@@ -20914,7 +20914,7 @@
           </p:nvSpPr>
           <p:spPr>
             <a:xfrm>
-              <a:off x="5144242" y="6085476"/>
+              <a:off x="4810333" y="6085470"/>
               <a:ext cx="63202" cy="63202"/>
             </a:xfrm>
             <a:custGeom>
@@ -20957,7 +20957,7 @@
           </p:nvSpPr>
           <p:spPr>
             <a:xfrm>
-              <a:off x="4957161" y="6536790"/>
+              <a:off x="4588094" y="6536799"/>
               <a:ext cx="63202" cy="63202"/>
             </a:xfrm>
             <a:custGeom>
@@ -21000,7 +21000,7 @@
           </p:nvSpPr>
           <p:spPr>
             <a:xfrm>
-              <a:off x="4685359" y="6226210"/>
+              <a:off x="4526002" y="6226240"/>
               <a:ext cx="63202" cy="63202"/>
             </a:xfrm>
             <a:custGeom>
@@ -21043,7 +21043,7 @@
           </p:nvSpPr>
           <p:spPr>
             <a:xfrm>
-              <a:off x="4782626" y="6387331"/>
+              <a:off x="4667110" y="6387321"/>
               <a:ext cx="63202" cy="63202"/>
             </a:xfrm>
             <a:custGeom>
@@ -21086,7 +21086,7 @@
           </p:nvSpPr>
           <p:spPr>
             <a:xfrm>
-              <a:off x="4537778" y="6305925"/>
+              <a:off x="4480439" y="6305937"/>
               <a:ext cx="63202" cy="63202"/>
             </a:xfrm>
             <a:custGeom>
@@ -21129,7 +21129,7 @@
           </p:nvSpPr>
           <p:spPr>
             <a:xfrm>
-              <a:off x="4682893" y="6053316"/>
+              <a:off x="4750891" y="6053286"/>
               <a:ext cx="63202" cy="63202"/>
             </a:xfrm>
             <a:custGeom>
@@ -21172,7 +21172,7 @@
           </p:nvSpPr>
           <p:spPr>
             <a:xfrm>
-              <a:off x="4767249" y="6099753"/>
+              <a:off x="4734046" y="6099753"/>
               <a:ext cx="63202" cy="63202"/>
             </a:xfrm>
             <a:custGeom>
@@ -21215,7 +21215,7 @@
           </p:nvSpPr>
           <p:spPr>
             <a:xfrm>
-              <a:off x="4559741" y="6467267"/>
+              <a:off x="4766661" y="6467263"/>
               <a:ext cx="63202" cy="63202"/>
             </a:xfrm>
             <a:custGeom>
@@ -21258,7 +21258,7 @@
           </p:nvSpPr>
           <p:spPr>
             <a:xfrm>
-              <a:off x="4967649" y="6196411"/>
+              <a:off x="4632952" y="6196406"/>
               <a:ext cx="63202" cy="63202"/>
             </a:xfrm>
             <a:custGeom>
@@ -21301,7 +21301,7 @@
           </p:nvSpPr>
           <p:spPr>
             <a:xfrm>
-              <a:off x="4553886" y="6069120"/>
+              <a:off x="4818698" y="6069113"/>
               <a:ext cx="63202" cy="63202"/>
             </a:xfrm>
             <a:custGeom>
@@ -21344,7 +21344,7 @@
           </p:nvSpPr>
           <p:spPr>
             <a:xfrm>
-              <a:off x="4506210" y="6093895"/>
+              <a:off x="5128272" y="6093879"/>
               <a:ext cx="63202" cy="63202"/>
             </a:xfrm>
             <a:custGeom>
@@ -21387,7 +21387,7 @@
           </p:nvSpPr>
           <p:spPr>
             <a:xfrm>
-              <a:off x="5089150" y="6095044"/>
+              <a:off x="4965685" y="6095047"/>
               <a:ext cx="63202" cy="63202"/>
             </a:xfrm>
             <a:custGeom>
@@ -21430,7 +21430,7 @@
           </p:nvSpPr>
           <p:spPr>
             <a:xfrm>
-              <a:off x="4615665" y="6062328"/>
+              <a:off x="4998946" y="6062331"/>
               <a:ext cx="63202" cy="63202"/>
             </a:xfrm>
             <a:custGeom>
@@ -21473,7 +21473,7 @@
           </p:nvSpPr>
           <p:spPr>
             <a:xfrm>
-              <a:off x="5089047" y="6197396"/>
+              <a:off x="4714989" y="6197385"/>
               <a:ext cx="63202" cy="63202"/>
             </a:xfrm>
             <a:custGeom>
@@ -21516,7 +21516,7 @@
           </p:nvSpPr>
           <p:spPr>
             <a:xfrm>
-              <a:off x="4697685" y="6520949"/>
+              <a:off x="4713407" y="6520923"/>
               <a:ext cx="63202" cy="63202"/>
             </a:xfrm>
             <a:custGeom>
@@ -21559,7 +21559,7 @@
           </p:nvSpPr>
           <p:spPr>
             <a:xfrm>
-              <a:off x="4605142" y="6101548"/>
+              <a:off x="5160202" y="6101546"/>
               <a:ext cx="63202" cy="63202"/>
             </a:xfrm>
             <a:custGeom>
@@ -21602,7 +21602,7 @@
           </p:nvSpPr>
           <p:spPr>
             <a:xfrm>
-              <a:off x="4557316" y="6068914"/>
+              <a:off x="4774876" y="6068906"/>
               <a:ext cx="63202" cy="63202"/>
             </a:xfrm>
             <a:custGeom>
@@ -21645,7 +21645,7 @@
           </p:nvSpPr>
           <p:spPr>
             <a:xfrm>
-              <a:off x="5028697" y="6101069"/>
+              <a:off x="4554848" y="6101038"/>
               <a:ext cx="63202" cy="63202"/>
             </a:xfrm>
             <a:custGeom>
@@ -21688,7 +21688,7 @@
           </p:nvSpPr>
           <p:spPr>
             <a:xfrm>
-              <a:off x="4901592" y="6065951"/>
+              <a:off x="4636203" y="6065960"/>
               <a:ext cx="63202" cy="63202"/>
             </a:xfrm>
             <a:custGeom>
@@ -21731,7 +21731,7 @@
           </p:nvSpPr>
           <p:spPr>
             <a:xfrm>
-              <a:off x="5043059" y="6156668"/>
+              <a:off x="4658321" y="6156665"/>
               <a:ext cx="63202" cy="63202"/>
             </a:xfrm>
             <a:custGeom>
@@ -21774,7 +21774,7 @@
           </p:nvSpPr>
           <p:spPr>
             <a:xfrm>
-              <a:off x="4934983" y="6076268"/>
+              <a:off x="4677494" y="6076279"/>
               <a:ext cx="63202" cy="63202"/>
             </a:xfrm>
             <a:custGeom>
@@ -21817,7 +21817,7 @@
           </p:nvSpPr>
           <p:spPr>
             <a:xfrm>
-              <a:off x="4921676" y="6118999"/>
+              <a:off x="4789812" y="6119001"/>
               <a:ext cx="63202" cy="63202"/>
             </a:xfrm>
             <a:custGeom>
@@ -21860,7 +21860,7 @@
           </p:nvSpPr>
           <p:spPr>
             <a:xfrm>
-              <a:off x="4678967" y="6088792"/>
+              <a:off x="4606473" y="6088799"/>
               <a:ext cx="63202" cy="63202"/>
             </a:xfrm>
             <a:custGeom>
@@ -21903,7 +21903,7 @@
           </p:nvSpPr>
           <p:spPr>
             <a:xfrm>
-              <a:off x="4476135" y="6074581"/>
+              <a:off x="4981716" y="6074579"/>
               <a:ext cx="63202" cy="63202"/>
             </a:xfrm>
             <a:custGeom>
@@ -21946,7 +21946,7 @@
           </p:nvSpPr>
           <p:spPr>
             <a:xfrm>
-              <a:off x="4629292" y="6378298"/>
+              <a:off x="5121893" y="6378307"/>
               <a:ext cx="63202" cy="63202"/>
             </a:xfrm>
             <a:custGeom>
@@ -21989,7 +21989,7 @@
           </p:nvSpPr>
           <p:spPr>
             <a:xfrm>
-              <a:off x="4724608" y="6074211"/>
+              <a:off x="5073104" y="6074175"/>
               <a:ext cx="63202" cy="63202"/>
             </a:xfrm>
             <a:custGeom>
@@ -22032,7 +22032,7 @@
           </p:nvSpPr>
           <p:spPr>
             <a:xfrm>
-              <a:off x="4882680" y="6075958"/>
+              <a:off x="4602686" y="6075933"/>
               <a:ext cx="63202" cy="63202"/>
             </a:xfrm>
             <a:custGeom>
@@ -22075,7 +22075,7 @@
           </p:nvSpPr>
           <p:spPr>
             <a:xfrm>
-              <a:off x="4618762" y="6057477"/>
+              <a:off x="4500368" y="6057458"/>
               <a:ext cx="63202" cy="63202"/>
             </a:xfrm>
             <a:custGeom>
@@ -22118,7 +22118,7 @@
           </p:nvSpPr>
           <p:spPr>
             <a:xfrm>
-              <a:off x="5082207" y="6070027"/>
+              <a:off x="4547243" y="6070031"/>
               <a:ext cx="63202" cy="63202"/>
             </a:xfrm>
             <a:custGeom>
@@ -22161,7 +22161,7 @@
           </p:nvSpPr>
           <p:spPr>
             <a:xfrm>
-              <a:off x="4770368" y="6077201"/>
+              <a:off x="4723865" y="6077192"/>
               <a:ext cx="63202" cy="63202"/>
             </a:xfrm>
             <a:custGeom>
@@ -22204,7 +22204,7 @@
           </p:nvSpPr>
           <p:spPr>
             <a:xfrm>
-              <a:off x="5013127" y="6148822"/>
+              <a:off x="5083536" y="6148809"/>
               <a:ext cx="63202" cy="63202"/>
             </a:xfrm>
             <a:custGeom>
@@ -22247,7 +22247,7 @@
           </p:nvSpPr>
           <p:spPr>
             <a:xfrm>
-              <a:off x="5016888" y="6051032"/>
+              <a:off x="5053843" y="6051018"/>
               <a:ext cx="63202" cy="63202"/>
             </a:xfrm>
             <a:custGeom>
@@ -22290,7 +22290,7 @@
           </p:nvSpPr>
           <p:spPr>
             <a:xfrm>
-              <a:off x="4782827" y="6065758"/>
+              <a:off x="4900855" y="6065766"/>
               <a:ext cx="63202" cy="63202"/>
             </a:xfrm>
             <a:custGeom>
@@ -22333,7 +22333,7 @@
           </p:nvSpPr>
           <p:spPr>
             <a:xfrm>
-              <a:off x="4643525" y="6090356"/>
+              <a:off x="5089148" y="6090322"/>
               <a:ext cx="63202" cy="63202"/>
             </a:xfrm>
             <a:custGeom>
@@ -22376,7 +22376,7 @@
           </p:nvSpPr>
           <p:spPr>
             <a:xfrm>
-              <a:off x="4540188" y="6061641"/>
+              <a:off x="4976029" y="6061648"/>
               <a:ext cx="63202" cy="63202"/>
             </a:xfrm>
             <a:custGeom>
@@ -22419,7 +22419,7 @@
           </p:nvSpPr>
           <p:spPr>
             <a:xfrm>
-              <a:off x="5068817" y="6081790"/>
+              <a:off x="4508356" y="6081798"/>
               <a:ext cx="63202" cy="63202"/>
             </a:xfrm>
             <a:custGeom>
@@ -22462,7 +22462,7 @@
           </p:nvSpPr>
           <p:spPr>
             <a:xfrm>
-              <a:off x="5046366" y="6069883"/>
+              <a:off x="4793708" y="6069892"/>
               <a:ext cx="63202" cy="63202"/>
             </a:xfrm>
             <a:custGeom>
@@ -22505,7 +22505,7 @@
           </p:nvSpPr>
           <p:spPr>
             <a:xfrm>
-              <a:off x="5079090" y="6069962"/>
+              <a:off x="4961356" y="6069987"/>
               <a:ext cx="63202" cy="63202"/>
             </a:xfrm>
             <a:custGeom>
@@ -22548,7 +22548,7 @@
           </p:nvSpPr>
           <p:spPr>
             <a:xfrm>
-              <a:off x="4622952" y="6077790"/>
+              <a:off x="5069621" y="6077787"/>
               <a:ext cx="63202" cy="63202"/>
             </a:xfrm>
             <a:custGeom>
@@ -22591,7 +22591,7 @@
           </p:nvSpPr>
           <p:spPr>
             <a:xfrm>
-              <a:off x="5021049" y="6056628"/>
+              <a:off x="5073802" y="6056655"/>
               <a:ext cx="63202" cy="63202"/>
             </a:xfrm>
             <a:custGeom>
@@ -22634,7 +22634,7 @@
           </p:nvSpPr>
           <p:spPr>
             <a:xfrm>
-              <a:off x="4475970" y="6073377"/>
+              <a:off x="5011680" y="6073376"/>
               <a:ext cx="63202" cy="63202"/>
             </a:xfrm>
             <a:custGeom>
@@ -22677,7 +22677,7 @@
           </p:nvSpPr>
           <p:spPr>
             <a:xfrm>
-              <a:off x="4800392" y="6079078"/>
+              <a:off x="4885878" y="6079091"/>
               <a:ext cx="63202" cy="63202"/>
             </a:xfrm>
             <a:custGeom>
@@ -22720,7 +22720,7 @@
           </p:nvSpPr>
           <p:spPr>
             <a:xfrm>
-              <a:off x="4811297" y="6059407"/>
+              <a:off x="4694600" y="6059409"/>
               <a:ext cx="63202" cy="63202"/>
             </a:xfrm>
             <a:custGeom>
@@ -22763,7 +22763,7 @@
           </p:nvSpPr>
           <p:spPr>
             <a:xfrm>
-              <a:off x="4868717" y="6077641"/>
+              <a:off x="4856672" y="6077626"/>
               <a:ext cx="63202" cy="63202"/>
             </a:xfrm>
             <a:custGeom>
@@ -22806,7 +22806,7 @@
           </p:nvSpPr>
           <p:spPr>
             <a:xfrm>
-              <a:off x="4933112" y="6577382"/>
+              <a:off x="5089552" y="6577366"/>
               <a:ext cx="63202" cy="63202"/>
             </a:xfrm>
             <a:custGeom>
@@ -22849,7 +22849,7 @@
           </p:nvSpPr>
           <p:spPr>
             <a:xfrm>
-              <a:off x="4673162" y="6071386"/>
+              <a:off x="4710559" y="6071380"/>
               <a:ext cx="63202" cy="63202"/>
             </a:xfrm>
             <a:custGeom>
@@ -22892,7 +22892,7 @@
           </p:nvSpPr>
           <p:spPr>
             <a:xfrm>
-              <a:off x="5042766" y="6086319"/>
+              <a:off x="4773239" y="6086326"/>
               <a:ext cx="63202" cy="63202"/>
             </a:xfrm>
             <a:custGeom>
@@ -22935,7 +22935,7 @@
           </p:nvSpPr>
           <p:spPr>
             <a:xfrm>
-              <a:off x="4910558" y="6056849"/>
+              <a:off x="4976380" y="6056830"/>
               <a:ext cx="63202" cy="63202"/>
             </a:xfrm>
             <a:custGeom>
@@ -22978,7 +22978,7 @@
           </p:nvSpPr>
           <p:spPr>
             <a:xfrm>
-              <a:off x="4641654" y="6043621"/>
+              <a:off x="4492844" y="6043595"/>
               <a:ext cx="63202" cy="63202"/>
             </a:xfrm>
             <a:custGeom>
@@ -23021,7 +23021,7 @@
           </p:nvSpPr>
           <p:spPr>
             <a:xfrm>
-              <a:off x="4531421" y="6054508"/>
+              <a:off x="4687306" y="6054502"/>
               <a:ext cx="63202" cy="63202"/>
             </a:xfrm>
             <a:custGeom>
@@ -23064,7 +23064,7 @@
           </p:nvSpPr>
           <p:spPr>
             <a:xfrm>
-              <a:off x="4664018" y="6070402"/>
+              <a:off x="4988202" y="6070394"/>
               <a:ext cx="63202" cy="63202"/>
             </a:xfrm>
             <a:custGeom>
@@ -23107,7 +23107,7 @@
           </p:nvSpPr>
           <p:spPr>
             <a:xfrm>
-              <a:off x="5089484" y="6060472"/>
+              <a:off x="5139089" y="6060455"/>
               <a:ext cx="63202" cy="63202"/>
             </a:xfrm>
             <a:custGeom>
@@ -23150,7 +23150,7 @@
           </p:nvSpPr>
           <p:spPr>
             <a:xfrm>
-              <a:off x="4979626" y="6055825"/>
+              <a:off x="4800080" y="6055828"/>
               <a:ext cx="63202" cy="63202"/>
             </a:xfrm>
             <a:custGeom>
@@ -23193,7 +23193,7 @@
           </p:nvSpPr>
           <p:spPr>
             <a:xfrm>
-              <a:off x="5020408" y="6066244"/>
+              <a:off x="4878030" y="6066249"/>
               <a:ext cx="63202" cy="63202"/>
             </a:xfrm>
             <a:custGeom>
@@ -23236,7 +23236,7 @@
           </p:nvSpPr>
           <p:spPr>
             <a:xfrm>
-              <a:off x="4822716" y="6054709"/>
+              <a:off x="4547099" y="6054695"/>
               <a:ext cx="63202" cy="63202"/>
             </a:xfrm>
             <a:custGeom>
@@ -23279,7 +23279,7 @@
           </p:nvSpPr>
           <p:spPr>
             <a:xfrm>
-              <a:off x="4873270" y="6120006"/>
+              <a:off x="4793662" y="6119995"/>
               <a:ext cx="63202" cy="63202"/>
             </a:xfrm>
             <a:custGeom>
@@ -23322,7 +23322,7 @@
           </p:nvSpPr>
           <p:spPr>
             <a:xfrm>
-              <a:off x="4647612" y="6074344"/>
+              <a:off x="4937666" y="6074341"/>
               <a:ext cx="63202" cy="63202"/>
             </a:xfrm>
             <a:custGeom>
@@ -23365,7 +23365,7 @@
           </p:nvSpPr>
           <p:spPr>
             <a:xfrm>
-              <a:off x="4876020" y="6119422"/>
+              <a:off x="5158197" y="6119412"/>
               <a:ext cx="63202" cy="63202"/>
             </a:xfrm>
             <a:custGeom>
@@ -23408,7 +23408,7 @@
           </p:nvSpPr>
           <p:spPr>
             <a:xfrm>
-              <a:off x="4680885" y="6111760"/>
+              <a:off x="5031728" y="6111768"/>
               <a:ext cx="63202" cy="63202"/>
             </a:xfrm>
             <a:custGeom>
@@ -23451,7 +23451,7 @@
           </p:nvSpPr>
           <p:spPr>
             <a:xfrm>
-              <a:off x="5073703" y="6056131"/>
+              <a:off x="4484745" y="6056099"/>
               <a:ext cx="63202" cy="63202"/>
             </a:xfrm>
             <a:custGeom>
@@ -23494,7 +23494,7 @@
           </p:nvSpPr>
           <p:spPr>
             <a:xfrm>
-              <a:off x="5140572" y="6072068"/>
+              <a:off x="4941125" y="6072076"/>
               <a:ext cx="63202" cy="63202"/>
             </a:xfrm>
             <a:custGeom>
@@ -23537,7 +23537,7 @@
           </p:nvSpPr>
           <p:spPr>
             <a:xfrm>
-              <a:off x="4976569" y="6074140"/>
+              <a:off x="4878105" y="6074145"/>
               <a:ext cx="63202" cy="63202"/>
             </a:xfrm>
             <a:custGeom>
@@ -23580,7 +23580,7 @@
           </p:nvSpPr>
           <p:spPr>
             <a:xfrm>
-              <a:off x="4972713" y="6053025"/>
+              <a:off x="4482138" y="6052994"/>
               <a:ext cx="63202" cy="63202"/>
             </a:xfrm>
             <a:custGeom>
@@ -23623,7 +23623,7 @@
           </p:nvSpPr>
           <p:spPr>
             <a:xfrm>
-              <a:off x="5058728" y="6055641"/>
+              <a:off x="4803946" y="6055616"/>
               <a:ext cx="63202" cy="63202"/>
             </a:xfrm>
             <a:custGeom>
@@ -23666,7 +23666,7 @@
           </p:nvSpPr>
           <p:spPr>
             <a:xfrm>
-              <a:off x="5147562" y="6059300"/>
+              <a:off x="4541188" y="6059292"/>
               <a:ext cx="63202" cy="63202"/>
             </a:xfrm>
             <a:custGeom>
@@ -23709,7 +23709,7 @@
           </p:nvSpPr>
           <p:spPr>
             <a:xfrm>
-              <a:off x="5101222" y="6173000"/>
+              <a:off x="4785077" y="6172990"/>
               <a:ext cx="63202" cy="63202"/>
             </a:xfrm>
             <a:custGeom>
@@ -23752,7 +23752,7 @@
           </p:nvSpPr>
           <p:spPr>
             <a:xfrm>
-              <a:off x="5059095" y="6073718"/>
+              <a:off x="5077005" y="6073721"/>
               <a:ext cx="63202" cy="63202"/>
             </a:xfrm>
             <a:custGeom>
@@ -23795,7 +23795,7 @@
           </p:nvSpPr>
           <p:spPr>
             <a:xfrm>
-              <a:off x="4990663" y="6077171"/>
+              <a:off x="4756911" y="6077132"/>
               <a:ext cx="63202" cy="63202"/>
             </a:xfrm>
             <a:custGeom>
@@ -23838,7 +23838,7 @@
           </p:nvSpPr>
           <p:spPr>
             <a:xfrm>
-              <a:off x="4691155" y="6074238"/>
+              <a:off x="5055143" y="6074251"/>
               <a:ext cx="63202" cy="63202"/>
             </a:xfrm>
             <a:custGeom>
@@ -23881,7 +23881,7 @@
           </p:nvSpPr>
           <p:spPr>
             <a:xfrm>
-              <a:off x="4564453" y="6075049"/>
+              <a:off x="4948694" y="6075049"/>
               <a:ext cx="63202" cy="63202"/>
             </a:xfrm>
             <a:custGeom>
@@ -23924,7 +23924,7 @@
           </p:nvSpPr>
           <p:spPr>
             <a:xfrm>
-              <a:off x="4615166" y="6072199"/>
+              <a:off x="4768032" y="6072199"/>
               <a:ext cx="63202" cy="63202"/>
             </a:xfrm>
             <a:custGeom>
@@ -23967,7 +23967,7 @@
           </p:nvSpPr>
           <p:spPr>
             <a:xfrm>
-              <a:off x="5075145" y="6089854"/>
+              <a:off x="4950618" y="6089867"/>
               <a:ext cx="63202" cy="63202"/>
             </a:xfrm>
             <a:custGeom>
@@ -24010,7 +24010,7 @@
           </p:nvSpPr>
           <p:spPr>
             <a:xfrm>
-              <a:off x="4930450" y="6069358"/>
+              <a:off x="4553307" y="6069340"/>
               <a:ext cx="63202" cy="63202"/>
             </a:xfrm>
             <a:custGeom>
@@ -24053,7 +24053,7 @@
           </p:nvSpPr>
           <p:spPr>
             <a:xfrm>
-              <a:off x="5015331" y="6052102"/>
+              <a:off x="5146383" y="6052102"/>
               <a:ext cx="63202" cy="63202"/>
             </a:xfrm>
             <a:custGeom>
@@ -24096,7 +24096,7 @@
           </p:nvSpPr>
           <p:spPr>
             <a:xfrm>
-              <a:off x="4719866" y="6278739"/>
+              <a:off x="4857885" y="6278707"/>
               <a:ext cx="63202" cy="63202"/>
             </a:xfrm>
             <a:custGeom>
@@ -24139,7 +24139,7 @@
           </p:nvSpPr>
           <p:spPr>
             <a:xfrm>
-              <a:off x="4667572" y="6064557"/>
+              <a:off x="4810743" y="6064545"/>
               <a:ext cx="63202" cy="63202"/>
             </a:xfrm>
             <a:custGeom>
@@ -24182,7 +24182,7 @@
           </p:nvSpPr>
           <p:spPr>
             <a:xfrm>
-              <a:off x="4879110" y="6047791"/>
+              <a:off x="5048413" y="6047766"/>
               <a:ext cx="63202" cy="63202"/>
             </a:xfrm>
             <a:custGeom>
@@ -24225,7 +24225,7 @@
           </p:nvSpPr>
           <p:spPr>
             <a:xfrm>
-              <a:off x="4704207" y="6055661"/>
+              <a:off x="4970674" y="6055687"/>
               <a:ext cx="63202" cy="63202"/>
             </a:xfrm>
             <a:custGeom>
@@ -24268,7 +24268,7 @@
           </p:nvSpPr>
           <p:spPr>
             <a:xfrm>
-              <a:off x="5029291" y="6073740"/>
+              <a:off x="4941222" y="6073740"/>
               <a:ext cx="63202" cy="63202"/>
             </a:xfrm>
             <a:custGeom>
@@ -24311,7 +24311,7 @@
           </p:nvSpPr>
           <p:spPr>
             <a:xfrm>
-              <a:off x="4923966" y="6052346"/>
+              <a:off x="4706342" y="6052333"/>
               <a:ext cx="63202" cy="63202"/>
             </a:xfrm>
             <a:custGeom>
@@ -24354,7 +24354,7 @@
           </p:nvSpPr>
           <p:spPr>
             <a:xfrm>
-              <a:off x="4910632" y="6224220"/>
+              <a:off x="4691259" y="6224251"/>
               <a:ext cx="63202" cy="63202"/>
             </a:xfrm>
             <a:custGeom>
@@ -24397,7 +24397,7 @@
           </p:nvSpPr>
           <p:spPr>
             <a:xfrm>
-              <a:off x="4544092" y="6280754"/>
+              <a:off x="5133887" y="6280775"/>
               <a:ext cx="63202" cy="63202"/>
             </a:xfrm>
             <a:custGeom>
@@ -24440,7 +24440,7 @@
           </p:nvSpPr>
           <p:spPr>
             <a:xfrm>
-              <a:off x="4536320" y="6079157"/>
+              <a:off x="4956525" y="6079134"/>
               <a:ext cx="63202" cy="63202"/>
             </a:xfrm>
             <a:custGeom>
@@ -24483,7 +24483,7 @@
           </p:nvSpPr>
           <p:spPr>
             <a:xfrm>
-              <a:off x="4496262" y="6078596"/>
+              <a:off x="4834303" y="6078603"/>
               <a:ext cx="63202" cy="63202"/>
             </a:xfrm>
             <a:custGeom>
@@ -24526,7 +24526,7 @@
           </p:nvSpPr>
           <p:spPr>
             <a:xfrm>
-              <a:off x="4718521" y="6065451"/>
+              <a:off x="4619484" y="6065446"/>
               <a:ext cx="63202" cy="63202"/>
             </a:xfrm>
             <a:custGeom>
@@ -24569,7 +24569,7 @@
           </p:nvSpPr>
           <p:spPr>
             <a:xfrm>
-              <a:off x="4907990" y="6425857"/>
+              <a:off x="4835304" y="6425851"/>
               <a:ext cx="63202" cy="63202"/>
             </a:xfrm>
             <a:custGeom>
@@ -24612,7 +24612,7 @@
           </p:nvSpPr>
           <p:spPr>
             <a:xfrm>
-              <a:off x="5070767" y="6103524"/>
+              <a:off x="4776402" y="6103533"/>
               <a:ext cx="63202" cy="63202"/>
             </a:xfrm>
             <a:custGeom>
@@ -24655,7 +24655,7 @@
           </p:nvSpPr>
           <p:spPr>
             <a:xfrm>
-              <a:off x="5100830" y="6101430"/>
+              <a:off x="4678951" y="6101439"/>
               <a:ext cx="63202" cy="63202"/>
             </a:xfrm>
             <a:custGeom>
@@ -24698,7 +24698,7 @@
           </p:nvSpPr>
           <p:spPr>
             <a:xfrm>
-              <a:off x="4830314" y="6104171"/>
+              <a:off x="5146838" y="6104160"/>
               <a:ext cx="63202" cy="63202"/>
             </a:xfrm>
             <a:custGeom>
@@ -24741,7 +24741,7 @@
           </p:nvSpPr>
           <p:spPr>
             <a:xfrm>
-              <a:off x="4608548" y="6264557"/>
+              <a:off x="4560284" y="6264582"/>
               <a:ext cx="63202" cy="63202"/>
             </a:xfrm>
             <a:custGeom>
@@ -24784,7 +24784,7 @@
           </p:nvSpPr>
           <p:spPr>
             <a:xfrm>
-              <a:off x="5165248" y="6174953"/>
+              <a:off x="4595359" y="6174937"/>
               <a:ext cx="63202" cy="63202"/>
             </a:xfrm>
             <a:custGeom>
@@ -24827,7 +24827,7 @@
           </p:nvSpPr>
           <p:spPr>
             <a:xfrm>
-              <a:off x="4608207" y="6048972"/>
+              <a:off x="4644491" y="6048972"/>
               <a:ext cx="63202" cy="63202"/>
             </a:xfrm>
             <a:custGeom>
@@ -24870,7 +24870,7 @@
           </p:nvSpPr>
           <p:spPr>
             <a:xfrm>
-              <a:off x="4523616" y="6101539"/>
+              <a:off x="4928027" y="6101550"/>
               <a:ext cx="63202" cy="63202"/>
             </a:xfrm>
             <a:custGeom>
@@ -24913,7 +24913,7 @@
           </p:nvSpPr>
           <p:spPr>
             <a:xfrm>
-              <a:off x="4621226" y="6132220"/>
+              <a:off x="5048820" y="6132204"/>
               <a:ext cx="63202" cy="63202"/>
             </a:xfrm>
             <a:custGeom>
@@ -24956,7 +24956,7 @@
           </p:nvSpPr>
           <p:spPr>
             <a:xfrm>
-              <a:off x="4919728" y="6053163"/>
+              <a:off x="4655223" y="6053134"/>
               <a:ext cx="63202" cy="63202"/>
             </a:xfrm>
             <a:custGeom>
@@ -24999,7 +24999,7 @@
           </p:nvSpPr>
           <p:spPr>
             <a:xfrm>
-              <a:off x="4912258" y="6053393"/>
+              <a:off x="4613225" y="6053400"/>
               <a:ext cx="63202" cy="63202"/>
             </a:xfrm>
             <a:custGeom>
@@ -25042,7 +25042,7 @@
           </p:nvSpPr>
           <p:spPr>
             <a:xfrm>
-              <a:off x="4981785" y="6064239"/>
+              <a:off x="4891936" y="6064269"/>
               <a:ext cx="63202" cy="63202"/>
             </a:xfrm>
             <a:custGeom>
@@ -25085,7 +25085,7 @@
           </p:nvSpPr>
           <p:spPr>
             <a:xfrm>
-              <a:off x="5012909" y="6101036"/>
+              <a:off x="5102644" y="6101046"/>
               <a:ext cx="63202" cy="63202"/>
             </a:xfrm>
             <a:custGeom>
@@ -25128,7 +25128,7 @@
           </p:nvSpPr>
           <p:spPr>
             <a:xfrm>
-              <a:off x="4568423" y="6075998"/>
+              <a:off x="4734290" y="6075991"/>
               <a:ext cx="63202" cy="63202"/>
             </a:xfrm>
             <a:custGeom>
@@ -25171,7 +25171,7 @@
           </p:nvSpPr>
           <p:spPr>
             <a:xfrm>
-              <a:off x="4657798" y="6073233"/>
+              <a:off x="4804665" y="6073237"/>
               <a:ext cx="63202" cy="63202"/>
             </a:xfrm>
             <a:custGeom>
@@ -25214,7 +25214,7 @@
           </p:nvSpPr>
           <p:spPr>
             <a:xfrm>
-              <a:off x="4966093" y="6067037"/>
+              <a:off x="4670449" y="6067000"/>
               <a:ext cx="63202" cy="63202"/>
             </a:xfrm>
             <a:custGeom>
@@ -25257,7 +25257,7 @@
           </p:nvSpPr>
           <p:spPr>
             <a:xfrm>
-              <a:off x="5154524" y="6148084"/>
+              <a:off x="4551793" y="6148063"/>
               <a:ext cx="63202" cy="63202"/>
             </a:xfrm>
             <a:custGeom>
@@ -25300,7 +25300,7 @@
           </p:nvSpPr>
           <p:spPr>
             <a:xfrm>
-              <a:off x="4698692" y="6073037"/>
+              <a:off x="4910746" y="6073021"/>
               <a:ext cx="63202" cy="63202"/>
             </a:xfrm>
             <a:custGeom>
@@ -25343,7 +25343,7 @@
           </p:nvSpPr>
           <p:spPr>
             <a:xfrm>
-              <a:off x="4638085" y="6062058"/>
+              <a:off x="4616989" y="6062065"/>
               <a:ext cx="63202" cy="63202"/>
             </a:xfrm>
             <a:custGeom>
@@ -25386,7 +25386,7 @@
           </p:nvSpPr>
           <p:spPr>
             <a:xfrm>
-              <a:off x="4758660" y="6104096"/>
+              <a:off x="4695713" y="6104092"/>
               <a:ext cx="63202" cy="63202"/>
             </a:xfrm>
             <a:custGeom>
@@ -25429,7 +25429,7 @@
           </p:nvSpPr>
           <p:spPr>
             <a:xfrm>
-              <a:off x="5117953" y="6058098"/>
+              <a:off x="5099702" y="6058102"/>
               <a:ext cx="63202" cy="63202"/>
             </a:xfrm>
             <a:custGeom>
@@ -25472,7 +25472,7 @@
           </p:nvSpPr>
           <p:spPr>
             <a:xfrm>
-              <a:off x="4985021" y="6067068"/>
+              <a:off x="4798116" y="6067061"/>
               <a:ext cx="63202" cy="63202"/>
             </a:xfrm>
             <a:custGeom>
@@ -25515,7 +25515,7 @@
           </p:nvSpPr>
           <p:spPr>
             <a:xfrm>
-              <a:off x="4766162" y="6075129"/>
+              <a:off x="4789850" y="6075114"/>
               <a:ext cx="63202" cy="63202"/>
             </a:xfrm>
             <a:custGeom>
@@ -25558,7 +25558,7 @@
           </p:nvSpPr>
           <p:spPr>
             <a:xfrm>
-              <a:off x="5396664" y="6776038"/>
+              <a:off x="5940729" y="6776018"/>
               <a:ext cx="63202" cy="63202"/>
             </a:xfrm>
             <a:custGeom>
@@ -25601,7 +25601,7 @@
           </p:nvSpPr>
           <p:spPr>
             <a:xfrm>
-              <a:off x="4668157" y="6053433"/>
+              <a:off x="4491582" y="6053448"/>
               <a:ext cx="63202" cy="63202"/>
             </a:xfrm>
             <a:custGeom>
@@ -25644,7 +25644,7 @@
           </p:nvSpPr>
           <p:spPr>
             <a:xfrm>
-              <a:off x="5087967" y="6076090"/>
+              <a:off x="4652775" y="6076084"/>
               <a:ext cx="63202" cy="63202"/>
             </a:xfrm>
             <a:custGeom>
@@ -25687,7 +25687,7 @@
           </p:nvSpPr>
           <p:spPr>
             <a:xfrm>
-              <a:off x="5150351" y="6071485"/>
+              <a:off x="4928508" y="6071466"/>
               <a:ext cx="63202" cy="63202"/>
             </a:xfrm>
             <a:custGeom>
@@ -25730,7 +25730,7 @@
           </p:nvSpPr>
           <p:spPr>
             <a:xfrm>
-              <a:off x="4889201" y="6051931"/>
+              <a:off x="5090650" y="6051949"/>
               <a:ext cx="63202" cy="63202"/>
             </a:xfrm>
             <a:custGeom>
@@ -25773,7 +25773,7 @@
           </p:nvSpPr>
           <p:spPr>
             <a:xfrm>
-              <a:off x="4589709" y="6065269"/>
+              <a:off x="5161931" y="6065266"/>
               <a:ext cx="63202" cy="63202"/>
             </a:xfrm>
             <a:custGeom>
@@ -25816,7 +25816,7 @@
           </p:nvSpPr>
           <p:spPr>
             <a:xfrm>
-              <a:off x="5108131" y="6060924"/>
+              <a:off x="4695427" y="6060918"/>
               <a:ext cx="63202" cy="63202"/>
             </a:xfrm>
             <a:custGeom>
@@ -25859,7 +25859,7 @@
           </p:nvSpPr>
           <p:spPr>
             <a:xfrm>
-              <a:off x="5053467" y="6065617"/>
+              <a:off x="5068418" y="6065607"/>
               <a:ext cx="63202" cy="63202"/>
             </a:xfrm>
             <a:custGeom>
@@ -25902,7 +25902,7 @@
           </p:nvSpPr>
           <p:spPr>
             <a:xfrm>
-              <a:off x="4900108" y="6055665"/>
+              <a:off x="4919894" y="6055689"/>
               <a:ext cx="63202" cy="63202"/>
             </a:xfrm>
             <a:custGeom>
@@ -25945,7 +25945,7 @@
           </p:nvSpPr>
           <p:spPr>
             <a:xfrm>
-              <a:off x="5085417" y="6078793"/>
+              <a:off x="4822771" y="6078780"/>
               <a:ext cx="63202" cy="63202"/>
             </a:xfrm>
             <a:custGeom>
@@ -25988,7 +25988,7 @@
           </p:nvSpPr>
           <p:spPr>
             <a:xfrm>
-              <a:off x="4721839" y="6234773"/>
+              <a:off x="5131332" y="6234748"/>
               <a:ext cx="63202" cy="63202"/>
             </a:xfrm>
             <a:custGeom>
@@ -26031,7 +26031,7 @@
           </p:nvSpPr>
           <p:spPr>
             <a:xfrm>
-              <a:off x="4861457" y="6057906"/>
+              <a:off x="5133494" y="6057901"/>
               <a:ext cx="63202" cy="63202"/>
             </a:xfrm>
             <a:custGeom>
@@ -26074,7 +26074,7 @@
           </p:nvSpPr>
           <p:spPr>
             <a:xfrm>
-              <a:off x="4820853" y="5317773"/>
+              <a:off x="4547600" y="5317754"/>
               <a:ext cx="63202" cy="63202"/>
             </a:xfrm>
             <a:custGeom>
@@ -26117,7 +26117,7 @@
           </p:nvSpPr>
           <p:spPr>
             <a:xfrm>
-              <a:off x="4577251" y="5317369"/>
+              <a:off x="5035182" y="5317369"/>
               <a:ext cx="63202" cy="63202"/>
             </a:xfrm>
             <a:custGeom>
@@ -26160,7 +26160,7 @@
           </p:nvSpPr>
           <p:spPr>
             <a:xfrm>
-              <a:off x="4815717" y="6053187"/>
+              <a:off x="4476472" y="6053181"/>
               <a:ext cx="63202" cy="63202"/>
             </a:xfrm>
             <a:custGeom>
@@ -26203,7 +26203,7 @@
           </p:nvSpPr>
           <p:spPr>
             <a:xfrm>
-              <a:off x="4788109" y="6074788"/>
+              <a:off x="5165190" y="6074769"/>
               <a:ext cx="63202" cy="63202"/>
             </a:xfrm>
             <a:custGeom>
@@ -26246,7 +26246,7 @@
           </p:nvSpPr>
           <p:spPr>
             <a:xfrm>
-              <a:off x="5008660" y="6314474"/>
+              <a:off x="4880834" y="6314466"/>
               <a:ext cx="63202" cy="63202"/>
             </a:xfrm>
             <a:custGeom>
@@ -26289,7 +26289,7 @@
           </p:nvSpPr>
           <p:spPr>
             <a:xfrm>
-              <a:off x="4773551" y="6077333"/>
+              <a:off x="4673519" y="6077340"/>
               <a:ext cx="63202" cy="63202"/>
             </a:xfrm>
             <a:custGeom>
@@ -26332,7 +26332,7 @@
           </p:nvSpPr>
           <p:spPr>
             <a:xfrm>
-              <a:off x="5015931" y="6083073"/>
+              <a:off x="4902910" y="6083046"/>
               <a:ext cx="63202" cy="63202"/>
             </a:xfrm>
             <a:custGeom>
@@ -26375,7 +26375,7 @@
           </p:nvSpPr>
           <p:spPr>
             <a:xfrm>
-              <a:off x="4772187" y="6066403"/>
+              <a:off x="4747395" y="6066382"/>
               <a:ext cx="63202" cy="63202"/>
             </a:xfrm>
             <a:custGeom>
@@ -26418,7 +26418,7 @@
           </p:nvSpPr>
           <p:spPr>
             <a:xfrm>
-              <a:off x="4555689" y="6050548"/>
+              <a:off x="5056082" y="6050518"/>
               <a:ext cx="63202" cy="63202"/>
             </a:xfrm>
             <a:custGeom>
@@ -26461,7 +26461,7 @@
           </p:nvSpPr>
           <p:spPr>
             <a:xfrm>
-              <a:off x="5031345" y="6058055"/>
+              <a:off x="4952180" y="6058031"/>
               <a:ext cx="63202" cy="63202"/>
             </a:xfrm>
             <a:custGeom>
@@ -26504,7 +26504,7 @@
           </p:nvSpPr>
           <p:spPr>
             <a:xfrm>
-              <a:off x="4971797" y="6082384"/>
+              <a:off x="4621851" y="6082396"/>
               <a:ext cx="63202" cy="63202"/>
             </a:xfrm>
             <a:custGeom>
@@ -26547,7 +26547,7 @@
           </p:nvSpPr>
           <p:spPr>
             <a:xfrm>
-              <a:off x="5023468" y="6054371"/>
+              <a:off x="5016939" y="6054368"/>
               <a:ext cx="63202" cy="63202"/>
             </a:xfrm>
             <a:custGeom>
@@ -26590,7 +26590,7 @@
           </p:nvSpPr>
           <p:spPr>
             <a:xfrm>
-              <a:off x="5013432" y="6057943"/>
+              <a:off x="4523983" y="6057948"/>
               <a:ext cx="63202" cy="63202"/>
             </a:xfrm>
             <a:custGeom>
@@ -26633,7 +26633,7 @@
           </p:nvSpPr>
           <p:spPr>
             <a:xfrm>
-              <a:off x="4953796" y="6086819"/>
+              <a:off x="4587994" y="6086806"/>
               <a:ext cx="63202" cy="63202"/>
             </a:xfrm>
             <a:custGeom>
@@ -26676,7 +26676,7 @@
           </p:nvSpPr>
           <p:spPr>
             <a:xfrm>
-              <a:off x="4829766" y="6084515"/>
+              <a:off x="4672632" y="6084503"/>
               <a:ext cx="63202" cy="63202"/>
             </a:xfrm>
             <a:custGeom>
@@ -26719,7 +26719,7 @@
           </p:nvSpPr>
           <p:spPr>
             <a:xfrm>
-              <a:off x="4732547" y="6153513"/>
+              <a:off x="4908872" y="6153499"/>
               <a:ext cx="63202" cy="63202"/>
             </a:xfrm>
             <a:custGeom>
@@ -26762,7 +26762,7 @@
           </p:nvSpPr>
           <p:spPr>
             <a:xfrm>
-              <a:off x="4586821" y="6077631"/>
+              <a:off x="4970223" y="6077629"/>
               <a:ext cx="63202" cy="63202"/>
             </a:xfrm>
             <a:custGeom>
@@ -26805,7 +26805,7 @@
           </p:nvSpPr>
           <p:spPr>
             <a:xfrm>
-              <a:off x="6224537" y="6808399"/>
+              <a:off x="6474217" y="6808420"/>
               <a:ext cx="63202" cy="63202"/>
             </a:xfrm>
             <a:custGeom>
@@ -26848,7 +26848,7 @@
           </p:nvSpPr>
           <p:spPr>
             <a:xfrm>
-              <a:off x="4756889" y="6060102"/>
+              <a:off x="5141305" y="6060078"/>
               <a:ext cx="63202" cy="63202"/>
             </a:xfrm>
             <a:custGeom>
@@ -26891,7 +26891,7 @@
           </p:nvSpPr>
           <p:spPr>
             <a:xfrm>
-              <a:off x="4626283" y="6074351"/>
+              <a:off x="4695341" y="6074326"/>
               <a:ext cx="63202" cy="63202"/>
             </a:xfrm>
             <a:custGeom>
@@ -26934,7 +26934,7 @@
           </p:nvSpPr>
           <p:spPr>
             <a:xfrm>
-              <a:off x="4776012" y="6063427"/>
+              <a:off x="4811178" y="6063413"/>
               <a:ext cx="63202" cy="63202"/>
             </a:xfrm>
             <a:custGeom>
@@ -26977,7 +26977,7 @@
           </p:nvSpPr>
           <p:spPr>
             <a:xfrm>
-              <a:off x="4979410" y="6057528"/>
+              <a:off x="4751653" y="6057506"/>
               <a:ext cx="63202" cy="63202"/>
             </a:xfrm>
             <a:custGeom>
@@ -27020,7 +27020,7 @@
           </p:nvSpPr>
           <p:spPr>
             <a:xfrm>
-              <a:off x="4756356" y="6058715"/>
+              <a:off x="4672237" y="6058726"/>
               <a:ext cx="63202" cy="63202"/>
             </a:xfrm>
             <a:custGeom>
@@ -27063,7 +27063,7 @@
           </p:nvSpPr>
           <p:spPr>
             <a:xfrm>
-              <a:off x="4507275" y="6062323"/>
+              <a:off x="4636198" y="6062317"/>
               <a:ext cx="63202" cy="63202"/>
             </a:xfrm>
             <a:custGeom>
@@ -27106,7 +27106,7 @@
           </p:nvSpPr>
           <p:spPr>
             <a:xfrm>
-              <a:off x="5009883" y="6055964"/>
+              <a:off x="4490254" y="6055970"/>
               <a:ext cx="63202" cy="63202"/>
             </a:xfrm>
             <a:custGeom>
@@ -27149,7 +27149,7 @@
           </p:nvSpPr>
           <p:spPr>
             <a:xfrm>
-              <a:off x="5038434" y="6050571"/>
+              <a:off x="4809090" y="6050598"/>
               <a:ext cx="63202" cy="63202"/>
             </a:xfrm>
             <a:custGeom>
@@ -27192,7 +27192,7 @@
           </p:nvSpPr>
           <p:spPr>
             <a:xfrm>
-              <a:off x="4822541" y="6083730"/>
+              <a:off x="4656934" y="6083756"/>
               <a:ext cx="63202" cy="63202"/>
             </a:xfrm>
             <a:custGeom>
@@ -27235,7 +27235,7 @@
           </p:nvSpPr>
           <p:spPr>
             <a:xfrm>
-              <a:off x="4505997" y="6089701"/>
+              <a:off x="5150625" y="6089703"/>
               <a:ext cx="63202" cy="63202"/>
             </a:xfrm>
             <a:custGeom>
@@ -27278,7 +27278,7 @@
           </p:nvSpPr>
           <p:spPr>
             <a:xfrm>
-              <a:off x="5165923" y="6058140"/>
+              <a:off x="4800455" y="6058155"/>
               <a:ext cx="63202" cy="63202"/>
             </a:xfrm>
             <a:custGeom>
@@ -27321,7 +27321,7 @@
           </p:nvSpPr>
           <p:spPr>
             <a:xfrm>
-              <a:off x="4679205" y="6062689"/>
+              <a:off x="5014533" y="6062711"/>
               <a:ext cx="63202" cy="63202"/>
             </a:xfrm>
             <a:custGeom>
@@ -27364,7 +27364,7 @@
           </p:nvSpPr>
           <p:spPr>
             <a:xfrm>
-              <a:off x="4617659" y="6063528"/>
+              <a:off x="4727362" y="6063529"/>
               <a:ext cx="63202" cy="63202"/>
             </a:xfrm>
             <a:custGeom>
@@ -27407,7 +27407,7 @@
           </p:nvSpPr>
           <p:spPr>
             <a:xfrm>
-              <a:off x="4810912" y="6074337"/>
+              <a:off x="4641915" y="6074322"/>
               <a:ext cx="63202" cy="63202"/>
             </a:xfrm>
             <a:custGeom>
@@ -27450,7 +27450,7 @@
           </p:nvSpPr>
           <p:spPr>
             <a:xfrm>
-              <a:off x="4633116" y="6045943"/>
+              <a:off x="4533738" y="6045937"/>
               <a:ext cx="63202" cy="63202"/>
             </a:xfrm>
             <a:custGeom>
@@ -27493,7 +27493,7 @@
           </p:nvSpPr>
           <p:spPr>
             <a:xfrm>
-              <a:off x="4705956" y="6093529"/>
+              <a:off x="4535437" y="6093515"/>
               <a:ext cx="63202" cy="63202"/>
             </a:xfrm>
             <a:custGeom>
@@ -27536,7 +27536,7 @@
           </p:nvSpPr>
           <p:spPr>
             <a:xfrm>
-              <a:off x="5020181" y="6057535"/>
+              <a:off x="4593662" y="6057523"/>
               <a:ext cx="63202" cy="63202"/>
             </a:xfrm>
             <a:custGeom>
@@ -27579,7 +27579,7 @@
           </p:nvSpPr>
           <p:spPr>
             <a:xfrm>
-              <a:off x="4911257" y="6049334"/>
+              <a:off x="4607898" y="6049340"/>
               <a:ext cx="63202" cy="63202"/>
             </a:xfrm>
             <a:custGeom>
@@ -27622,7 +27622,7 @@
           </p:nvSpPr>
           <p:spPr>
             <a:xfrm>
-              <a:off x="4978574" y="6161651"/>
+              <a:off x="4531485" y="6161647"/>
               <a:ext cx="63202" cy="63202"/>
             </a:xfrm>
             <a:custGeom>
@@ -27665,7 +27665,7 @@
           </p:nvSpPr>
           <p:spPr>
             <a:xfrm>
-              <a:off x="4617069" y="6089017"/>
+              <a:off x="4529104" y="6089039"/>
               <a:ext cx="63202" cy="63202"/>
             </a:xfrm>
             <a:custGeom>
@@ -27708,7 +27708,7 @@
           </p:nvSpPr>
           <p:spPr>
             <a:xfrm>
-              <a:off x="5060334" y="6049261"/>
+              <a:off x="5041578" y="6049292"/>
               <a:ext cx="63202" cy="63202"/>
             </a:xfrm>
             <a:custGeom>
@@ -27751,7 +27751,7 @@
           </p:nvSpPr>
           <p:spPr>
             <a:xfrm>
-              <a:off x="4578395" y="6054600"/>
+              <a:off x="4991655" y="6054591"/>
               <a:ext cx="63202" cy="63202"/>
             </a:xfrm>
             <a:custGeom>
@@ -27794,7 +27794,7 @@
           </p:nvSpPr>
           <p:spPr>
             <a:xfrm>
-              <a:off x="4899427" y="6059181"/>
+              <a:off x="5042780" y="6059169"/>
               <a:ext cx="63202" cy="63202"/>
             </a:xfrm>
             <a:custGeom>
@@ -27837,7 +27837,7 @@
           </p:nvSpPr>
           <p:spPr>
             <a:xfrm>
-              <a:off x="4918110" y="6071560"/>
+              <a:off x="4943505" y="6071576"/>
               <a:ext cx="63202" cy="63202"/>
             </a:xfrm>
             <a:custGeom>
@@ -27880,7 +27880,7 @@
           </p:nvSpPr>
           <p:spPr>
             <a:xfrm>
-              <a:off x="4814625" y="6073617"/>
+              <a:off x="5006149" y="6073611"/>
               <a:ext cx="63202" cy="63202"/>
             </a:xfrm>
             <a:custGeom>
@@ -27923,7 +27923,7 @@
           </p:nvSpPr>
           <p:spPr>
             <a:xfrm>
-              <a:off x="4822263" y="6043416"/>
+              <a:off x="4537161" y="6043395"/>
               <a:ext cx="63202" cy="63202"/>
             </a:xfrm>
             <a:custGeom>
@@ -27966,7 +27966,7 @@
           </p:nvSpPr>
           <p:spPr>
             <a:xfrm>
-              <a:off x="4706007" y="6061673"/>
+              <a:off x="4890865" y="6061677"/>
               <a:ext cx="63202" cy="63202"/>
             </a:xfrm>
             <a:custGeom>
@@ -28009,7 +28009,7 @@
           </p:nvSpPr>
           <p:spPr>
             <a:xfrm>
-              <a:off x="4607679" y="6065718"/>
+              <a:off x="4973167" y="6065701"/>
               <a:ext cx="63202" cy="63202"/>
             </a:xfrm>
             <a:custGeom>
@@ -28052,7 +28052,7 @@
           </p:nvSpPr>
           <p:spPr>
             <a:xfrm>
-              <a:off x="5110721" y="6103073"/>
+              <a:off x="4538881" y="6103102"/>
               <a:ext cx="63202" cy="63202"/>
             </a:xfrm>
             <a:custGeom>
@@ -28095,7 +28095,7 @@
           </p:nvSpPr>
           <p:spPr>
             <a:xfrm>
-              <a:off x="4813637" y="6053068"/>
+              <a:off x="4474211" y="6053053"/>
               <a:ext cx="63202" cy="63202"/>
             </a:xfrm>
             <a:custGeom>
@@ -28138,7 +28138,7 @@
           </p:nvSpPr>
           <p:spPr>
             <a:xfrm>
-              <a:off x="4778358" y="6053934"/>
+              <a:off x="5093568" y="6053916"/>
               <a:ext cx="63202" cy="63202"/>
             </a:xfrm>
             <a:custGeom>
@@ -28181,7 +28181,7 @@
           </p:nvSpPr>
           <p:spPr>
             <a:xfrm>
-              <a:off x="4617140" y="6096656"/>
+              <a:off x="5143112" y="6096643"/>
               <a:ext cx="63202" cy="63202"/>
             </a:xfrm>
             <a:custGeom>
@@ -28224,7 +28224,7 @@
           </p:nvSpPr>
           <p:spPr>
             <a:xfrm>
-              <a:off x="4995331" y="6059083"/>
+              <a:off x="4977054" y="6059065"/>
               <a:ext cx="63202" cy="63202"/>
             </a:xfrm>
             <a:custGeom>
@@ -28267,7 +28267,7 @@
           </p:nvSpPr>
           <p:spPr>
             <a:xfrm>
-              <a:off x="4708176" y="6062692"/>
+              <a:off x="5132527" y="6062705"/>
               <a:ext cx="63202" cy="63202"/>
             </a:xfrm>
             <a:custGeom>
@@ -28310,7 +28310,7 @@
           </p:nvSpPr>
           <p:spPr>
             <a:xfrm>
-              <a:off x="4622246" y="6071051"/>
+              <a:off x="4626240" y="6071035"/>
               <a:ext cx="63202" cy="63202"/>
             </a:xfrm>
             <a:custGeom>
@@ -28353,7 +28353,7 @@
           </p:nvSpPr>
           <p:spPr>
             <a:xfrm>
-              <a:off x="5164049" y="6066770"/>
+              <a:off x="5087437" y="6066760"/>
               <a:ext cx="63202" cy="63202"/>
             </a:xfrm>
             <a:custGeom>
@@ -28396,7 +28396,7 @@
           </p:nvSpPr>
           <p:spPr>
             <a:xfrm>
-              <a:off x="4515055" y="6068518"/>
+              <a:off x="4922148" y="6068511"/>
               <a:ext cx="63202" cy="63202"/>
             </a:xfrm>
             <a:custGeom>
@@ -28439,7 +28439,7 @@
           </p:nvSpPr>
           <p:spPr>
             <a:xfrm>
-              <a:off x="4705592" y="6075959"/>
+              <a:off x="5157237" y="6075929"/>
               <a:ext cx="63202" cy="63202"/>
             </a:xfrm>
             <a:custGeom>
@@ -28482,7 +28482,7 @@
           </p:nvSpPr>
           <p:spPr>
             <a:xfrm>
-              <a:off x="4682230" y="6073773"/>
+              <a:off x="4697804" y="6073766"/>
               <a:ext cx="63202" cy="63202"/>
             </a:xfrm>
             <a:custGeom>
@@ -28525,7 +28525,7 @@
           </p:nvSpPr>
           <p:spPr>
             <a:xfrm>
-              <a:off x="4602766" y="6065311"/>
+              <a:off x="4469094" y="6065319"/>
               <a:ext cx="63202" cy="63202"/>
             </a:xfrm>
             <a:custGeom>
@@ -28568,7 +28568,7 @@
           </p:nvSpPr>
           <p:spPr>
             <a:xfrm>
-              <a:off x="5076714" y="6074193"/>
+              <a:off x="4794145" y="6074184"/>
               <a:ext cx="63202" cy="63202"/>
             </a:xfrm>
             <a:custGeom>
@@ -28611,7 +28611,7 @@
           </p:nvSpPr>
           <p:spPr>
             <a:xfrm>
-              <a:off x="4937085" y="6074637"/>
+              <a:off x="4908463" y="6074627"/>
               <a:ext cx="63202" cy="63202"/>
             </a:xfrm>
             <a:custGeom>
@@ -28654,7 +28654,7 @@
           </p:nvSpPr>
           <p:spPr>
             <a:xfrm>
-              <a:off x="5003054" y="6429026"/>
+              <a:off x="4485115" y="6429015"/>
               <a:ext cx="63202" cy="63202"/>
             </a:xfrm>
             <a:custGeom>
@@ -28697,7 +28697,7 @@
           </p:nvSpPr>
           <p:spPr>
             <a:xfrm>
-              <a:off x="5151479" y="6073041"/>
+              <a:off x="4752323" y="6073016"/>
               <a:ext cx="63202" cy="63202"/>
             </a:xfrm>
             <a:custGeom>
@@ -28740,7 +28740,7 @@
           </p:nvSpPr>
           <p:spPr>
             <a:xfrm>
-              <a:off x="4507034" y="6063086"/>
+              <a:off x="5161075" y="6063100"/>
               <a:ext cx="63202" cy="63202"/>
             </a:xfrm>
             <a:custGeom>
@@ -28783,7 +28783,7 @@
           </p:nvSpPr>
           <p:spPr>
             <a:xfrm>
-              <a:off x="4524911" y="6091414"/>
+              <a:off x="4669403" y="6091385"/>
               <a:ext cx="63202" cy="63202"/>
             </a:xfrm>
             <a:custGeom>
@@ -28826,7 +28826,7 @@
           </p:nvSpPr>
           <p:spPr>
             <a:xfrm>
-              <a:off x="4537132" y="6073529"/>
+              <a:off x="4587068" y="6073507"/>
               <a:ext cx="63202" cy="63202"/>
             </a:xfrm>
             <a:custGeom>
@@ -28869,7 +28869,7 @@
           </p:nvSpPr>
           <p:spPr>
             <a:xfrm>
-              <a:off x="4995591" y="6071981"/>
+              <a:off x="5009834" y="6071969"/>
               <a:ext cx="63202" cy="63202"/>
             </a:xfrm>
             <a:custGeom>
@@ -28912,7 +28912,7 @@
           </p:nvSpPr>
           <p:spPr>
             <a:xfrm>
-              <a:off x="4999931" y="6058793"/>
+              <a:off x="4513754" y="6058763"/>
               <a:ext cx="63202" cy="63202"/>
             </a:xfrm>
             <a:custGeom>
@@ -28955,7 +28955,7 @@
           </p:nvSpPr>
           <p:spPr>
             <a:xfrm>
-              <a:off x="4806863" y="6059036"/>
+              <a:off x="4580745" y="6059017"/>
               <a:ext cx="63202" cy="63202"/>
             </a:xfrm>
             <a:custGeom>
@@ -28998,7 +28998,7 @@
           </p:nvSpPr>
           <p:spPr>
             <a:xfrm>
-              <a:off x="4905689" y="6059257"/>
+              <a:off x="4943538" y="6059271"/>
               <a:ext cx="63202" cy="63202"/>
             </a:xfrm>
             <a:custGeom>
@@ -29041,7 +29041,7 @@
           </p:nvSpPr>
           <p:spPr>
             <a:xfrm>
-              <a:off x="4562917" y="6549011"/>
+              <a:off x="5085642" y="6548993"/>
               <a:ext cx="63202" cy="63202"/>
             </a:xfrm>
             <a:custGeom>
@@ -29084,7 +29084,7 @@
           </p:nvSpPr>
           <p:spPr>
             <a:xfrm>
-              <a:off x="4970658" y="6382071"/>
+              <a:off x="5038749" y="6382097"/>
               <a:ext cx="63202" cy="63202"/>
             </a:xfrm>
             <a:custGeom>
@@ -29127,7 +29127,7 @@
           </p:nvSpPr>
           <p:spPr>
             <a:xfrm>
-              <a:off x="4553890" y="6144957"/>
+              <a:off x="4839186" y="6144962"/>
               <a:ext cx="63202" cy="63202"/>
             </a:xfrm>
             <a:custGeom>
@@ -29170,7 +29170,7 @@
           </p:nvSpPr>
           <p:spPr>
             <a:xfrm>
-              <a:off x="4879345" y="6355054"/>
+              <a:off x="4987272" y="6355020"/>
               <a:ext cx="63202" cy="63202"/>
             </a:xfrm>
             <a:custGeom>
@@ -29213,7 +29213,7 @@
           </p:nvSpPr>
           <p:spPr>
             <a:xfrm>
-              <a:off x="4658818" y="6064059"/>
+              <a:off x="5090192" y="6064043"/>
               <a:ext cx="63202" cy="63202"/>
             </a:xfrm>
             <a:custGeom>
@@ -29256,7 +29256,7 @@
           </p:nvSpPr>
           <p:spPr>
             <a:xfrm>
-              <a:off x="5795538" y="6581348"/>
+              <a:off x="5936977" y="6581334"/>
               <a:ext cx="63202" cy="63202"/>
             </a:xfrm>
             <a:custGeom>
@@ -29299,7 +29299,7 @@
           </p:nvSpPr>
           <p:spPr>
             <a:xfrm>
-              <a:off x="4898914" y="6278864"/>
+              <a:off x="4939916" y="6278859"/>
               <a:ext cx="63202" cy="63202"/>
             </a:xfrm>
             <a:custGeom>
@@ -29342,7 +29342,7 @@
           </p:nvSpPr>
           <p:spPr>
             <a:xfrm>
-              <a:off x="4967780" y="6063292"/>
+              <a:off x="4925913" y="6063285"/>
               <a:ext cx="63202" cy="63202"/>
             </a:xfrm>
             <a:custGeom>
@@ -29385,7 +29385,7 @@
           </p:nvSpPr>
           <p:spPr>
             <a:xfrm>
-              <a:off x="4961717" y="6052171"/>
+              <a:off x="4618758" y="6052175"/>
               <a:ext cx="63202" cy="63202"/>
             </a:xfrm>
             <a:custGeom>
@@ -29428,7 +29428,7 @@
           </p:nvSpPr>
           <p:spPr>
             <a:xfrm>
-              <a:off x="5168037" y="6086060"/>
+              <a:off x="4877016" y="6086067"/>
               <a:ext cx="63202" cy="63202"/>
             </a:xfrm>
             <a:custGeom>
@@ -29471,7 +29471,7 @@
           </p:nvSpPr>
           <p:spPr>
             <a:xfrm>
-              <a:off x="5104859" y="6054543"/>
+              <a:off x="4669787" y="6054566"/>
               <a:ext cx="63202" cy="63202"/>
             </a:xfrm>
             <a:custGeom>
@@ -29514,7 +29514,7 @@
           </p:nvSpPr>
           <p:spPr>
             <a:xfrm>
-              <a:off x="5115679" y="6066684"/>
+              <a:off x="5022611" y="6066659"/>
               <a:ext cx="63202" cy="63202"/>
             </a:xfrm>
             <a:custGeom>
@@ -29557,7 +29557,7 @@
           </p:nvSpPr>
           <p:spPr>
             <a:xfrm>
-              <a:off x="4616224" y="6059379"/>
+              <a:off x="4907831" y="6059344"/>
               <a:ext cx="63202" cy="63202"/>
             </a:xfrm>
             <a:custGeom>
@@ -29600,7 +29600,7 @@
           </p:nvSpPr>
           <p:spPr>
             <a:xfrm>
-              <a:off x="4954605" y="6119638"/>
+              <a:off x="4503093" y="6119620"/>
               <a:ext cx="63202" cy="63202"/>
             </a:xfrm>
             <a:custGeom>
@@ -29643,7 +29643,7 @@
           </p:nvSpPr>
           <p:spPr>
             <a:xfrm>
-              <a:off x="4790897" y="6056594"/>
+              <a:off x="4684787" y="6056610"/>
               <a:ext cx="63202" cy="63202"/>
             </a:xfrm>
             <a:custGeom>
@@ -29686,7 +29686,7 @@
           </p:nvSpPr>
           <p:spPr>
             <a:xfrm>
-              <a:off x="4607769" y="6100652"/>
+              <a:off x="4806039" y="6100647"/>
               <a:ext cx="63202" cy="63202"/>
             </a:xfrm>
             <a:custGeom>
@@ -29729,7 +29729,7 @@
           </p:nvSpPr>
           <p:spPr>
             <a:xfrm>
-              <a:off x="4474271" y="6059561"/>
+              <a:off x="4957561" y="6059564"/>
               <a:ext cx="63202" cy="63202"/>
             </a:xfrm>
             <a:custGeom>
@@ -29772,7 +29772,7 @@
           </p:nvSpPr>
           <p:spPr>
             <a:xfrm>
-              <a:off x="4602830" y="6067650"/>
+              <a:off x="4684862" y="6067649"/>
               <a:ext cx="63202" cy="63202"/>
             </a:xfrm>
             <a:custGeom>
@@ -29815,7 +29815,7 @@
           </p:nvSpPr>
           <p:spPr>
             <a:xfrm>
-              <a:off x="4953204" y="6043257"/>
+              <a:off x="4830282" y="6043249"/>
               <a:ext cx="63202" cy="63202"/>
             </a:xfrm>
             <a:custGeom>
@@ -29858,7 +29858,7 @@
           </p:nvSpPr>
           <p:spPr>
             <a:xfrm>
-              <a:off x="4493587" y="6071810"/>
+              <a:off x="4488241" y="6071829"/>
               <a:ext cx="63202" cy="63202"/>
             </a:xfrm>
             <a:custGeom>
@@ -29901,7 +29901,7 @@
           </p:nvSpPr>
           <p:spPr>
             <a:xfrm>
-              <a:off x="4887168" y="6072216"/>
+              <a:off x="5035528" y="6072216"/>
               <a:ext cx="63202" cy="63202"/>
             </a:xfrm>
             <a:custGeom>
@@ -29944,7 +29944,7 @@
           </p:nvSpPr>
           <p:spPr>
             <a:xfrm>
-              <a:off x="4487217" y="6071425"/>
+              <a:off x="4888811" y="6071441"/>
               <a:ext cx="63202" cy="63202"/>
             </a:xfrm>
             <a:custGeom>
@@ -29987,7 +29987,7 @@
           </p:nvSpPr>
           <p:spPr>
             <a:xfrm>
-              <a:off x="5067100" y="6071383"/>
+              <a:off x="4540343" y="6071380"/>
               <a:ext cx="63202" cy="63202"/>
             </a:xfrm>
             <a:custGeom>
@@ -30030,7 +30030,7 @@
           </p:nvSpPr>
           <p:spPr>
             <a:xfrm>
-              <a:off x="4660744" y="6070466"/>
+              <a:off x="4647463" y="6070459"/>
               <a:ext cx="63202" cy="63202"/>
             </a:xfrm>
             <a:custGeom>
@@ -30073,7 +30073,7 @@
           </p:nvSpPr>
           <p:spPr>
             <a:xfrm>
-              <a:off x="5108195" y="6078014"/>
+              <a:off x="4962082" y="6078007"/>
               <a:ext cx="63202" cy="63202"/>
             </a:xfrm>
             <a:custGeom>
@@ -30116,7 +30116,7 @@
           </p:nvSpPr>
           <p:spPr>
             <a:xfrm>
-              <a:off x="4597500" y="6137897"/>
+              <a:off x="4646558" y="6137889"/>
               <a:ext cx="63202" cy="63202"/>
             </a:xfrm>
             <a:custGeom>
@@ -30159,7 +30159,7 @@
           </p:nvSpPr>
           <p:spPr>
             <a:xfrm>
-              <a:off x="4958592" y="6065216"/>
+              <a:off x="4522758" y="6065235"/>
               <a:ext cx="63202" cy="63202"/>
             </a:xfrm>
             <a:custGeom>
@@ -30202,7 +30202,7 @@
           </p:nvSpPr>
           <p:spPr>
             <a:xfrm>
-              <a:off x="5013155" y="6059183"/>
+              <a:off x="5098311" y="6059158"/>
               <a:ext cx="63202" cy="63202"/>
             </a:xfrm>
             <a:custGeom>
@@ -30245,7 +30245,7 @@
           </p:nvSpPr>
           <p:spPr>
             <a:xfrm>
-              <a:off x="4473222" y="6184427"/>
+              <a:off x="4485617" y="6184437"/>
               <a:ext cx="63202" cy="63202"/>
             </a:xfrm>
             <a:custGeom>
@@ -30288,7 +30288,7 @@
           </p:nvSpPr>
           <p:spPr>
             <a:xfrm>
-              <a:off x="4472975" y="6106735"/>
+              <a:off x="4965383" y="6106703"/>
               <a:ext cx="63202" cy="63202"/>
             </a:xfrm>
             <a:custGeom>
@@ -30331,7 +30331,7 @@
           </p:nvSpPr>
           <p:spPr>
             <a:xfrm>
-              <a:off x="4674460" y="6069343"/>
+              <a:off x="5126942" y="6069350"/>
               <a:ext cx="63202" cy="63202"/>
             </a:xfrm>
             <a:custGeom>
@@ -30374,7 +30374,7 @@
           </p:nvSpPr>
           <p:spPr>
             <a:xfrm>
-              <a:off x="5003451" y="6052998"/>
+              <a:off x="4572591" y="6053025"/>
               <a:ext cx="63202" cy="63202"/>
             </a:xfrm>
             <a:custGeom>
@@ -30417,7 +30417,7 @@
           </p:nvSpPr>
           <p:spPr>
             <a:xfrm>
-              <a:off x="4581531" y="6063921"/>
+              <a:off x="4765067" y="6063916"/>
               <a:ext cx="63202" cy="63202"/>
             </a:xfrm>
             <a:custGeom>
@@ -30460,7 +30460,7 @@
           </p:nvSpPr>
           <p:spPr>
             <a:xfrm>
-              <a:off x="5102177" y="6143864"/>
+              <a:off x="4475673" y="6143874"/>
               <a:ext cx="63202" cy="63202"/>
             </a:xfrm>
             <a:custGeom>
@@ -30503,7 +30503,7 @@
           </p:nvSpPr>
           <p:spPr>
             <a:xfrm>
-              <a:off x="4887955" y="6078394"/>
+              <a:off x="4579235" y="6078402"/>
               <a:ext cx="63202" cy="63202"/>
             </a:xfrm>
             <a:custGeom>
@@ -30546,7 +30546,7 @@
           </p:nvSpPr>
           <p:spPr>
             <a:xfrm>
-              <a:off x="4494666" y="6119623"/>
+              <a:off x="4959469" y="6119617"/>
               <a:ext cx="63202" cy="63202"/>
             </a:xfrm>
             <a:custGeom>
@@ -30589,7 +30589,7 @@
           </p:nvSpPr>
           <p:spPr>
             <a:xfrm>
-              <a:off x="4967491" y="6076922"/>
+              <a:off x="4490381" y="6076907"/>
               <a:ext cx="63202" cy="63202"/>
             </a:xfrm>
             <a:custGeom>
@@ -30688,7 +30688,7 @@
           </p:nvSpPr>
           <p:spPr>
             <a:xfrm>
-              <a:off x="7192078" y="2797374"/>
+              <a:off x="7192078" y="2797371"/>
               <a:ext cx="2796732" cy="0"/>
             </a:xfrm>
             <a:custGeom>
@@ -30731,7 +30731,7 @@
           </p:nvSpPr>
           <p:spPr>
             <a:xfrm>
-              <a:off x="7192078" y="2312579"/>
+              <a:off x="7192078" y="2312576"/>
               <a:ext cx="2796732" cy="0"/>
             </a:xfrm>
             <a:custGeom>
@@ -30774,7 +30774,7 @@
           </p:nvSpPr>
           <p:spPr>
             <a:xfrm>
-              <a:off x="7192078" y="1827784"/>
+              <a:off x="7192078" y="1827780"/>
               <a:ext cx="2796732" cy="0"/>
             </a:xfrm>
             <a:custGeom>
@@ -30817,7 +30817,7 @@
           </p:nvSpPr>
           <p:spPr>
             <a:xfrm>
-              <a:off x="7192078" y="3039772"/>
+              <a:off x="7192078" y="3039769"/>
               <a:ext cx="2796732" cy="0"/>
             </a:xfrm>
             <a:custGeom>
@@ -30860,7 +30860,7 @@
           </p:nvSpPr>
           <p:spPr>
             <a:xfrm>
-              <a:off x="7192078" y="2554977"/>
+              <a:off x="7192078" y="2554973"/>
               <a:ext cx="2796732" cy="0"/>
             </a:xfrm>
             <a:custGeom>
@@ -30903,7 +30903,7 @@
           </p:nvSpPr>
           <p:spPr>
             <a:xfrm>
-              <a:off x="7192078" y="2070181"/>
+              <a:off x="7192078" y="2070178"/>
               <a:ext cx="2796732" cy="0"/>
             </a:xfrm>
             <a:custGeom>
@@ -30946,7 +30946,7 @@
           </p:nvSpPr>
           <p:spPr>
             <a:xfrm>
-              <a:off x="7192078" y="1585386"/>
+              <a:off x="7192078" y="1585382"/>
               <a:ext cx="2796732" cy="0"/>
             </a:xfrm>
             <a:custGeom>
@@ -31118,7 +31118,7 @@
           </p:nvSpPr>
           <p:spPr>
             <a:xfrm>
-              <a:off x="7364400" y="2559262"/>
+              <a:off x="7533701" y="2559253"/>
               <a:ext cx="63202" cy="63202"/>
             </a:xfrm>
             <a:custGeom>
@@ -31161,7 +31161,7 @@
           </p:nvSpPr>
           <p:spPr>
             <a:xfrm>
-              <a:off x="7432065" y="2661741"/>
+              <a:off x="7734447" y="2661735"/>
               <a:ext cx="63202" cy="63202"/>
             </a:xfrm>
             <a:custGeom>
@@ -31204,7 +31204,7 @@
           </p:nvSpPr>
           <p:spPr>
             <a:xfrm>
-              <a:off x="7506946" y="2520657"/>
+              <a:off x="7460806" y="2520672"/>
               <a:ext cx="63202" cy="63202"/>
             </a:xfrm>
             <a:custGeom>
@@ -31247,7 +31247,7 @@
           </p:nvSpPr>
           <p:spPr>
             <a:xfrm>
-              <a:off x="7683918" y="2581016"/>
+              <a:off x="7703080" y="2581027"/>
               <a:ext cx="63202" cy="63202"/>
             </a:xfrm>
             <a:custGeom>
@@ -31290,7 +31290,7 @@
           </p:nvSpPr>
           <p:spPr>
             <a:xfrm>
-              <a:off x="7658523" y="2544045"/>
+              <a:off x="7655837" y="2544035"/>
               <a:ext cx="63202" cy="63202"/>
             </a:xfrm>
             <a:custGeom>
@@ -31333,7 +31333,7 @@
           </p:nvSpPr>
           <p:spPr>
             <a:xfrm>
-              <a:off x="7777330" y="2349968"/>
+              <a:off x="7668520" y="2349953"/>
               <a:ext cx="63202" cy="63202"/>
             </a:xfrm>
             <a:custGeom>
@@ -31376,7 +31376,7 @@
           </p:nvSpPr>
           <p:spPr>
             <a:xfrm>
-              <a:off x="7770306" y="2643062"/>
+              <a:off x="7842051" y="2643077"/>
               <a:ext cx="63202" cy="63202"/>
             </a:xfrm>
             <a:custGeom>
@@ -31419,7 +31419,7 @@
           </p:nvSpPr>
           <p:spPr>
             <a:xfrm>
-              <a:off x="7535325" y="2662939"/>
+              <a:off x="7468463" y="2662943"/>
               <a:ext cx="63202" cy="63202"/>
             </a:xfrm>
             <a:custGeom>
@@ -31462,7 +31462,7 @@
           </p:nvSpPr>
           <p:spPr>
             <a:xfrm>
-              <a:off x="7447257" y="2543817"/>
+              <a:off x="7768412" y="2543813"/>
               <a:ext cx="63202" cy="63202"/>
             </a:xfrm>
             <a:custGeom>
@@ -31505,7 +31505,7 @@
           </p:nvSpPr>
           <p:spPr>
             <a:xfrm>
-              <a:off x="7422570" y="2554757"/>
+              <a:off x="7601998" y="2554739"/>
               <a:ext cx="63202" cy="63202"/>
             </a:xfrm>
             <a:custGeom>
@@ -31548,7 +31548,7 @@
           </p:nvSpPr>
           <p:spPr>
             <a:xfrm>
-              <a:off x="7530220" y="2643252"/>
+              <a:off x="7962649" y="2643261"/>
               <a:ext cx="63202" cy="63202"/>
             </a:xfrm>
             <a:custGeom>
@@ -31591,7 +31591,7 @@
           </p:nvSpPr>
           <p:spPr>
             <a:xfrm>
-              <a:off x="7808854" y="2790875"/>
+              <a:off x="7594766" y="2790888"/>
               <a:ext cx="63202" cy="63202"/>
             </a:xfrm>
             <a:custGeom>
@@ -31634,7 +31634,7 @@
           </p:nvSpPr>
           <p:spPr>
             <a:xfrm>
-              <a:off x="7454678" y="2693911"/>
+              <a:off x="7638244" y="2693905"/>
               <a:ext cx="63202" cy="63202"/>
             </a:xfrm>
             <a:custGeom>
@@ -31677,7 +31677,7 @@
           </p:nvSpPr>
           <p:spPr>
             <a:xfrm>
-              <a:off x="7683104" y="2649246"/>
+              <a:off x="7395982" y="2649215"/>
               <a:ext cx="63202" cy="63202"/>
             </a:xfrm>
             <a:custGeom>
@@ -31720,7 +31720,7 @@
           </p:nvSpPr>
           <p:spPr>
             <a:xfrm>
-              <a:off x="7617847" y="2645149"/>
+              <a:off x="7612592" y="2645162"/>
               <a:ext cx="63202" cy="63202"/>
             </a:xfrm>
             <a:custGeom>
@@ -31763,7 +31763,7 @@
           </p:nvSpPr>
           <p:spPr>
             <a:xfrm>
-              <a:off x="7660440" y="2760456"/>
+              <a:off x="7437209" y="2760427"/>
               <a:ext cx="63202" cy="63202"/>
             </a:xfrm>
             <a:custGeom>
@@ -31806,7 +31806,7 @@
           </p:nvSpPr>
           <p:spPr>
             <a:xfrm>
-              <a:off x="7651707" y="2650149"/>
+              <a:off x="7619945" y="2650151"/>
               <a:ext cx="63202" cy="63202"/>
             </a:xfrm>
             <a:custGeom>
@@ -31849,7 +31849,7 @@
           </p:nvSpPr>
           <p:spPr>
             <a:xfrm>
-              <a:off x="7675685" y="2579308"/>
+              <a:off x="7931789" y="2579306"/>
               <a:ext cx="63202" cy="63202"/>
             </a:xfrm>
             <a:custGeom>
@@ -31892,7 +31892,7 @@
           </p:nvSpPr>
           <p:spPr>
             <a:xfrm>
-              <a:off x="7912020" y="2703636"/>
+              <a:off x="7563410" y="2703633"/>
               <a:ext cx="63202" cy="63202"/>
             </a:xfrm>
             <a:custGeom>
@@ -31935,7 +31935,7 @@
           </p:nvSpPr>
           <p:spPr>
             <a:xfrm>
-              <a:off x="7388856" y="2632489"/>
+              <a:off x="7904626" y="2632506"/>
               <a:ext cx="63202" cy="63202"/>
             </a:xfrm>
             <a:custGeom>
@@ -31978,7 +31978,7 @@
           </p:nvSpPr>
           <p:spPr>
             <a:xfrm>
-              <a:off x="7823736" y="2628251"/>
+              <a:off x="7437744" y="2628216"/>
               <a:ext cx="63202" cy="63202"/>
             </a:xfrm>
             <a:custGeom>
@@ -32021,7 +32021,7 @@
           </p:nvSpPr>
           <p:spPr>
             <a:xfrm>
-              <a:off x="7651907" y="2661534"/>
+              <a:off x="7551085" y="2661540"/>
               <a:ext cx="63202" cy="63202"/>
             </a:xfrm>
             <a:custGeom>
@@ -32064,7 +32064,7 @@
           </p:nvSpPr>
           <p:spPr>
             <a:xfrm>
-              <a:off x="7503326" y="2749974"/>
+              <a:off x="7432506" y="2749965"/>
               <a:ext cx="63202" cy="63202"/>
             </a:xfrm>
             <a:custGeom>
@@ -32107,7 +32107,7 @@
           </p:nvSpPr>
           <p:spPr>
             <a:xfrm>
-              <a:off x="7751670" y="2663228"/>
+              <a:off x="7902951" y="2663220"/>
               <a:ext cx="63202" cy="63202"/>
             </a:xfrm>
             <a:custGeom>
@@ -32150,7 +32150,7 @@
           </p:nvSpPr>
           <p:spPr>
             <a:xfrm>
-              <a:off x="7590872" y="2644106"/>
+              <a:off x="7593556" y="2644076"/>
               <a:ext cx="63202" cy="63202"/>
             </a:xfrm>
             <a:custGeom>
@@ -32193,7 +32193,7 @@
           </p:nvSpPr>
           <p:spPr>
             <a:xfrm>
-              <a:off x="7412959" y="2350197"/>
+              <a:off x="7558188" y="2350218"/>
               <a:ext cx="63202" cy="63202"/>
             </a:xfrm>
             <a:custGeom>
@@ -32236,7 +32236,7 @@
           </p:nvSpPr>
           <p:spPr>
             <a:xfrm>
-              <a:off x="7505460" y="2651154"/>
+              <a:off x="7818861" y="2651163"/>
               <a:ext cx="63202" cy="63202"/>
             </a:xfrm>
             <a:custGeom>
@@ -32279,7 +32279,7 @@
           </p:nvSpPr>
           <p:spPr>
             <a:xfrm>
-              <a:off x="7472571" y="2647226"/>
+              <a:off x="7607554" y="2647250"/>
               <a:ext cx="63202" cy="63202"/>
             </a:xfrm>
             <a:custGeom>
@@ -32322,7 +32322,7 @@
           </p:nvSpPr>
           <p:spPr>
             <a:xfrm>
-              <a:off x="7503764" y="2348610"/>
+              <a:off x="7443462" y="2348619"/>
               <a:ext cx="63202" cy="63202"/>
             </a:xfrm>
             <a:custGeom>
@@ -32365,7 +32365,7 @@
           </p:nvSpPr>
           <p:spPr>
             <a:xfrm>
-              <a:off x="7431795" y="2583631"/>
+              <a:off x="7856146" y="2583637"/>
               <a:ext cx="63202" cy="63202"/>
             </a:xfrm>
             <a:custGeom>
@@ -32408,7 +32408,7 @@
           </p:nvSpPr>
           <p:spPr>
             <a:xfrm>
-              <a:off x="7694167" y="2604666"/>
+              <a:off x="7379119" y="2604678"/>
               <a:ext cx="63202" cy="63202"/>
             </a:xfrm>
             <a:custGeom>
@@ -32451,7 +32451,7 @@
           </p:nvSpPr>
           <p:spPr>
             <a:xfrm>
-              <a:off x="7882541" y="2615357"/>
+              <a:off x="7846174" y="2615327"/>
               <a:ext cx="63202" cy="63202"/>
             </a:xfrm>
             <a:custGeom>
@@ -32494,7 +32494,7 @@
           </p:nvSpPr>
           <p:spPr>
             <a:xfrm>
-              <a:off x="7497539" y="2602298"/>
+              <a:off x="7500465" y="2602282"/>
               <a:ext cx="63202" cy="63202"/>
             </a:xfrm>
             <a:custGeom>
@@ -32537,7 +32537,7 @@
           </p:nvSpPr>
           <p:spPr>
             <a:xfrm>
-              <a:off x="7909108" y="2603468"/>
+              <a:off x="7956691" y="2603469"/>
               <a:ext cx="63202" cy="63202"/>
             </a:xfrm>
             <a:custGeom>
@@ -32580,7 +32580,7 @@
           </p:nvSpPr>
           <p:spPr>
             <a:xfrm>
-              <a:off x="7435093" y="2602499"/>
+              <a:off x="7919306" y="2602484"/>
               <a:ext cx="63202" cy="63202"/>
             </a:xfrm>
             <a:custGeom>
@@ -32623,7 +32623,7 @@
           </p:nvSpPr>
           <p:spPr>
             <a:xfrm>
-              <a:off x="7392994" y="2627991"/>
+              <a:off x="7705906" y="2627978"/>
               <a:ext cx="63202" cy="63202"/>
             </a:xfrm>
             <a:custGeom>
@@ -32666,7 +32666,7 @@
           </p:nvSpPr>
           <p:spPr>
             <a:xfrm>
-              <a:off x="7677002" y="2629388"/>
+              <a:off x="7972497" y="2629411"/>
               <a:ext cx="63202" cy="63202"/>
             </a:xfrm>
             <a:custGeom>
@@ -32709,7 +32709,7 @@
           </p:nvSpPr>
           <p:spPr>
             <a:xfrm>
-              <a:off x="7815417" y="2691241"/>
+              <a:off x="7372606" y="2691273"/>
               <a:ext cx="63202" cy="63202"/>
             </a:xfrm>
             <a:custGeom>
@@ -32752,7 +32752,7 @@
           </p:nvSpPr>
           <p:spPr>
             <a:xfrm>
-              <a:off x="7569694" y="2654181"/>
+              <a:off x="7768707" y="2654186"/>
               <a:ext cx="63202" cy="63202"/>
             </a:xfrm>
             <a:custGeom>
@@ -32795,7 +32795,7 @@
           </p:nvSpPr>
           <p:spPr>
             <a:xfrm>
-              <a:off x="7885023" y="2580976"/>
+              <a:off x="7552940" y="2580980"/>
               <a:ext cx="63202" cy="63202"/>
             </a:xfrm>
             <a:custGeom>
@@ -32838,7 +32838,7 @@
           </p:nvSpPr>
           <p:spPr>
             <a:xfrm>
-              <a:off x="7983620" y="2747026"/>
+              <a:off x="7606218" y="2747012"/>
               <a:ext cx="63202" cy="63202"/>
             </a:xfrm>
             <a:custGeom>
@@ -32881,7 +32881,7 @@
           </p:nvSpPr>
           <p:spPr>
             <a:xfrm>
-              <a:off x="7859128" y="2620145"/>
+              <a:off x="7350499" y="2620137"/>
               <a:ext cx="63202" cy="63202"/>
             </a:xfrm>
             <a:custGeom>
@@ -32924,7 +32924,7 @@
           </p:nvSpPr>
           <p:spPr>
             <a:xfrm>
-              <a:off x="7897245" y="2580133"/>
+              <a:off x="7931836" y="2580156"/>
               <a:ext cx="63202" cy="63202"/>
             </a:xfrm>
             <a:custGeom>
@@ -32967,7 +32967,7 @@
           </p:nvSpPr>
           <p:spPr>
             <a:xfrm>
-              <a:off x="7695647" y="2579307"/>
+              <a:off x="7475818" y="2579300"/>
               <a:ext cx="63202" cy="63202"/>
             </a:xfrm>
             <a:custGeom>
@@ -33010,7 +33010,7 @@
           </p:nvSpPr>
           <p:spPr>
             <a:xfrm>
-              <a:off x="7778529" y="2626073"/>
+              <a:off x="7924734" y="2626033"/>
               <a:ext cx="63202" cy="63202"/>
             </a:xfrm>
             <a:custGeom>
@@ -33053,7 +33053,7 @@
           </p:nvSpPr>
           <p:spPr>
             <a:xfrm>
-              <a:off x="7440176" y="2579950"/>
+              <a:off x="7450836" y="2579932"/>
               <a:ext cx="63202" cy="63202"/>
             </a:xfrm>
             <a:custGeom>
@@ -33096,7 +33096,7 @@
           </p:nvSpPr>
           <p:spPr>
             <a:xfrm>
-              <a:off x="7984263" y="2544024"/>
+              <a:off x="7426072" y="2544033"/>
               <a:ext cx="63202" cy="63202"/>
             </a:xfrm>
             <a:custGeom>
@@ -33195,7 +33195,7 @@
           </p:nvSpPr>
           <p:spPr>
             <a:xfrm>
-              <a:off x="7192078" y="4722707"/>
+              <a:off x="7192078" y="4722704"/>
               <a:ext cx="2796732" cy="0"/>
             </a:xfrm>
             <a:custGeom>
@@ -33238,7 +33238,7 @@
           </p:nvSpPr>
           <p:spPr>
             <a:xfrm>
-              <a:off x="7192078" y="4237912"/>
+              <a:off x="7192078" y="4237908"/>
               <a:ext cx="2796732" cy="0"/>
             </a:xfrm>
             <a:custGeom>
@@ -33281,7 +33281,7 @@
           </p:nvSpPr>
           <p:spPr>
             <a:xfrm>
-              <a:off x="7192078" y="3753116"/>
+              <a:off x="7192078" y="3753112"/>
               <a:ext cx="2796732" cy="0"/>
             </a:xfrm>
             <a:custGeom>
@@ -33324,7 +33324,7 @@
           </p:nvSpPr>
           <p:spPr>
             <a:xfrm>
-              <a:off x="7192078" y="4965105"/>
+              <a:off x="7192078" y="4965102"/>
               <a:ext cx="2796732" cy="0"/>
             </a:xfrm>
             <a:custGeom>
@@ -33367,7 +33367,7 @@
           </p:nvSpPr>
           <p:spPr>
             <a:xfrm>
-              <a:off x="7192078" y="4480309"/>
+              <a:off x="7192078" y="4480306"/>
               <a:ext cx="2796732" cy="0"/>
             </a:xfrm>
             <a:custGeom>
@@ -33410,7 +33410,7 @@
           </p:nvSpPr>
           <p:spPr>
             <a:xfrm>
-              <a:off x="7192078" y="3995514"/>
+              <a:off x="7192078" y="3995510"/>
               <a:ext cx="2796732" cy="0"/>
             </a:xfrm>
             <a:custGeom>
@@ -33453,7 +33453,7 @@
           </p:nvSpPr>
           <p:spPr>
             <a:xfrm>
-              <a:off x="7192078" y="3510719"/>
+              <a:off x="7192078" y="3510714"/>
               <a:ext cx="2796732" cy="0"/>
             </a:xfrm>
             <a:custGeom>
@@ -33625,7 +33625,7 @@
           </p:nvSpPr>
           <p:spPr>
             <a:xfrm>
-              <a:off x="7904173" y="4446098"/>
+              <a:off x="7549506" y="4446070"/>
               <a:ext cx="63202" cy="63202"/>
             </a:xfrm>
             <a:custGeom>
@@ -33668,7 +33668,7 @@
           </p:nvSpPr>
           <p:spPr>
             <a:xfrm>
-              <a:off x="7368443" y="4438764"/>
+              <a:off x="7863645" y="4438773"/>
               <a:ext cx="63202" cy="63202"/>
             </a:xfrm>
             <a:custGeom>
@@ -33711,7 +33711,7 @@
           </p:nvSpPr>
           <p:spPr>
             <a:xfrm>
-              <a:off x="7697156" y="4551547"/>
+              <a:off x="7982167" y="4551540"/>
               <a:ext cx="63202" cy="63202"/>
             </a:xfrm>
             <a:custGeom>
@@ -33754,7 +33754,7 @@
           </p:nvSpPr>
           <p:spPr>
             <a:xfrm>
-              <a:off x="8487550" y="4795450"/>
+              <a:off x="8864017" y="4795413"/>
               <a:ext cx="63202" cy="63202"/>
             </a:xfrm>
             <a:custGeom>
@@ -33797,7 +33797,7 @@
           </p:nvSpPr>
           <p:spPr>
             <a:xfrm>
-              <a:off x="7441301" y="4513247"/>
+              <a:off x="7942262" y="4513227"/>
               <a:ext cx="63202" cy="63202"/>
             </a:xfrm>
             <a:custGeom>
@@ -33840,7 +33840,7 @@
           </p:nvSpPr>
           <p:spPr>
             <a:xfrm>
-              <a:off x="7554288" y="4419892"/>
+              <a:off x="8012450" y="4419903"/>
               <a:ext cx="63202" cy="63202"/>
             </a:xfrm>
             <a:custGeom>
@@ -33883,7 +33883,7 @@
           </p:nvSpPr>
           <p:spPr>
             <a:xfrm>
-              <a:off x="7503249" y="4484143"/>
+              <a:off x="7833623" y="4484125"/>
               <a:ext cx="63202" cy="63202"/>
             </a:xfrm>
             <a:custGeom>
@@ -33926,7 +33926,7 @@
           </p:nvSpPr>
           <p:spPr>
             <a:xfrm>
-              <a:off x="7529654" y="4428738"/>
+              <a:off x="7597442" y="4428722"/>
               <a:ext cx="63202" cy="63202"/>
             </a:xfrm>
             <a:custGeom>
@@ -33969,7 +33969,7 @@
           </p:nvSpPr>
           <p:spPr>
             <a:xfrm>
-              <a:off x="7920750" y="4565965"/>
+              <a:off x="7539071" y="4565996"/>
               <a:ext cx="63202" cy="63202"/>
             </a:xfrm>
             <a:custGeom>
@@ -34012,7 +34012,7 @@
           </p:nvSpPr>
           <p:spPr>
             <a:xfrm>
-              <a:off x="7478682" y="4442909"/>
+              <a:off x="7573240" y="4442883"/>
               <a:ext cx="63202" cy="63202"/>
             </a:xfrm>
             <a:custGeom>
@@ -34055,7 +34055,7 @@
           </p:nvSpPr>
           <p:spPr>
             <a:xfrm>
-              <a:off x="7909074" y="4437236"/>
+              <a:off x="7944638" y="4437201"/>
               <a:ext cx="63202" cy="63202"/>
             </a:xfrm>
             <a:custGeom>
@@ -34098,7 +34098,7 @@
           </p:nvSpPr>
           <p:spPr>
             <a:xfrm>
-              <a:off x="7634648" y="4441435"/>
+              <a:off x="7909157" y="4441448"/>
               <a:ext cx="63202" cy="63202"/>
             </a:xfrm>
             <a:custGeom>
@@ -34141,7 +34141,7 @@
           </p:nvSpPr>
           <p:spPr>
             <a:xfrm>
-              <a:off x="7437025" y="4410379"/>
+              <a:off x="7793060" y="4410369"/>
               <a:ext cx="63202" cy="63202"/>
             </a:xfrm>
             <a:custGeom>
@@ -34184,7 +34184,7 @@
           </p:nvSpPr>
           <p:spPr>
             <a:xfrm>
-              <a:off x="7372817" y="4472305"/>
+              <a:off x="7986683" y="4472306"/>
               <a:ext cx="63202" cy="63202"/>
             </a:xfrm>
             <a:custGeom>
@@ -35679,7 +35679,7 @@
           </p:nvSpPr>
           <p:spPr>
             <a:xfrm>
-              <a:off x="1334650" y="2998080"/>
+              <a:off x="1334650" y="2998077"/>
               <a:ext cx="62155" cy="81691"/>
             </a:xfrm>
             <a:prstGeom prst="rect">
@@ -35725,7 +35725,7 @@
           </p:nvSpPr>
           <p:spPr>
             <a:xfrm>
-              <a:off x="1148183" y="2513285"/>
+              <a:off x="1148183" y="2513282"/>
               <a:ext cx="248622" cy="81691"/>
             </a:xfrm>
             <a:prstGeom prst="rect">
@@ -35771,7 +35771,7 @@
           </p:nvSpPr>
           <p:spPr>
             <a:xfrm>
-              <a:off x="1148183" y="2028490"/>
+              <a:off x="1148183" y="2028486"/>
               <a:ext cx="248622" cy="81691"/>
             </a:xfrm>
             <a:prstGeom prst="rect">
@@ -35817,7 +35817,7 @@
           </p:nvSpPr>
           <p:spPr>
             <a:xfrm>
-              <a:off x="1148183" y="1543640"/>
+              <a:off x="1148183" y="1543636"/>
               <a:ext cx="248622" cy="81746"/>
             </a:xfrm>
             <a:prstGeom prst="rect">
@@ -35863,7 +35863,7 @@
           </p:nvSpPr>
           <p:spPr>
             <a:xfrm>
-              <a:off x="1424641" y="3039772"/>
+              <a:off x="1424641" y="3039769"/>
               <a:ext cx="34794" cy="0"/>
             </a:xfrm>
             <a:custGeom>
@@ -35903,7 +35903,7 @@
           </p:nvSpPr>
           <p:spPr>
             <a:xfrm>
-              <a:off x="1424641" y="2554977"/>
+              <a:off x="1424641" y="2554973"/>
               <a:ext cx="34794" cy="0"/>
             </a:xfrm>
             <a:custGeom>
@@ -35943,7 +35943,7 @@
           </p:nvSpPr>
           <p:spPr>
             <a:xfrm>
-              <a:off x="1424641" y="2070181"/>
+              <a:off x="1424641" y="2070178"/>
               <a:ext cx="34794" cy="0"/>
             </a:xfrm>
             <a:custGeom>
@@ -35983,7 +35983,7 @@
           </p:nvSpPr>
           <p:spPr>
             <a:xfrm>
-              <a:off x="1424641" y="1585386"/>
+              <a:off x="1424641" y="1585382"/>
               <a:ext cx="34794" cy="0"/>
             </a:xfrm>
             <a:custGeom>
@@ -36023,7 +36023,7 @@
           </p:nvSpPr>
           <p:spPr>
             <a:xfrm>
-              <a:off x="1334650" y="4923413"/>
+              <a:off x="1334650" y="4923410"/>
               <a:ext cx="62155" cy="81691"/>
             </a:xfrm>
             <a:prstGeom prst="rect">
@@ -36069,7 +36069,7 @@
           </p:nvSpPr>
           <p:spPr>
             <a:xfrm>
-              <a:off x="1148183" y="4438618"/>
+              <a:off x="1148183" y="4438614"/>
               <a:ext cx="248622" cy="81691"/>
             </a:xfrm>
             <a:prstGeom prst="rect">
@@ -36115,7 +36115,7 @@
           </p:nvSpPr>
           <p:spPr>
             <a:xfrm>
-              <a:off x="1148183" y="3953822"/>
+              <a:off x="1148183" y="3953819"/>
               <a:ext cx="248622" cy="81691"/>
             </a:xfrm>
             <a:prstGeom prst="rect">
@@ -36161,7 +36161,7 @@
           </p:nvSpPr>
           <p:spPr>
             <a:xfrm>
-              <a:off x="1148183" y="3468972"/>
+              <a:off x="1148183" y="3468968"/>
               <a:ext cx="248622" cy="81746"/>
             </a:xfrm>
             <a:prstGeom prst="rect">
@@ -36207,7 +36207,7 @@
           </p:nvSpPr>
           <p:spPr>
             <a:xfrm>
-              <a:off x="1424641" y="4965105"/>
+              <a:off x="1424641" y="4965102"/>
               <a:ext cx="34794" cy="0"/>
             </a:xfrm>
             <a:custGeom>
@@ -36247,7 +36247,7 @@
           </p:nvSpPr>
           <p:spPr>
             <a:xfrm>
-              <a:off x="1424641" y="4480309"/>
+              <a:off x="1424641" y="4480306"/>
               <a:ext cx="34794" cy="0"/>
             </a:xfrm>
             <a:custGeom>
@@ -36287,7 +36287,7 @@
           </p:nvSpPr>
           <p:spPr>
             <a:xfrm>
-              <a:off x="1424641" y="3995514"/>
+              <a:off x="1424641" y="3995510"/>
               <a:ext cx="34794" cy="0"/>
             </a:xfrm>
             <a:custGeom>
@@ -36327,7 +36327,7 @@
           </p:nvSpPr>
           <p:spPr>
             <a:xfrm>
-              <a:off x="1424641" y="3510719"/>
+              <a:off x="1424641" y="3510714"/>
               <a:ext cx="34794" cy="0"/>
             </a:xfrm>
             <a:custGeom>
@@ -36367,7 +36367,7 @@
           </p:nvSpPr>
           <p:spPr>
             <a:xfrm>
-              <a:off x="1334650" y="6848745"/>
+              <a:off x="1334650" y="6848743"/>
               <a:ext cx="62155" cy="81691"/>
             </a:xfrm>
             <a:prstGeom prst="rect">
@@ -36413,7 +36413,7 @@
           </p:nvSpPr>
           <p:spPr>
             <a:xfrm>
-              <a:off x="1148183" y="6363950"/>
+              <a:off x="1148183" y="6363947"/>
               <a:ext cx="248622" cy="81691"/>
             </a:xfrm>
             <a:prstGeom prst="rect">
@@ -36459,7 +36459,7 @@
           </p:nvSpPr>
           <p:spPr>
             <a:xfrm>
-              <a:off x="1148183" y="5879155"/>
+              <a:off x="1148183" y="5879151"/>
               <a:ext cx="248622" cy="81691"/>
             </a:xfrm>
             <a:prstGeom prst="rect">
@@ -36505,7 +36505,7 @@
           </p:nvSpPr>
           <p:spPr>
             <a:xfrm>
-              <a:off x="1148183" y="5394305"/>
+              <a:off x="1148183" y="5394301"/>
               <a:ext cx="248622" cy="81746"/>
             </a:xfrm>
             <a:prstGeom prst="rect">
@@ -36551,7 +36551,7 @@
           </p:nvSpPr>
           <p:spPr>
             <a:xfrm>
-              <a:off x="1424641" y="6890437"/>
+              <a:off x="1424641" y="6890434"/>
               <a:ext cx="34794" cy="0"/>
             </a:xfrm>
             <a:custGeom>
@@ -36591,7 +36591,7 @@
           </p:nvSpPr>
           <p:spPr>
             <a:xfrm>
-              <a:off x="1424641" y="6405642"/>
+              <a:off x="1424641" y="6405639"/>
               <a:ext cx="34794" cy="0"/>
             </a:xfrm>
             <a:custGeom>
@@ -36631,7 +36631,7 @@
           </p:nvSpPr>
           <p:spPr>
             <a:xfrm>
-              <a:off x="1424641" y="5920847"/>
+              <a:off x="1424641" y="5920843"/>
               <a:ext cx="34794" cy="0"/>
             </a:xfrm>
             <a:custGeom>
@@ -36671,7 +36671,7 @@
           </p:nvSpPr>
           <p:spPr>
             <a:xfrm>
-              <a:off x="1424641" y="5436051"/>
+              <a:off x="1424641" y="5436047"/>
               <a:ext cx="34794" cy="0"/>
             </a:xfrm>
             <a:custGeom>
